--- a/Modelli relazione/ppt_presentazione.pptx
+++ b/Modelli relazione/ppt_presentazione.pptx
@@ -146,6 +146,105 @@
 
 <file path=ppt/changesInfos/changesInfo1.xml><?xml version="1.0" encoding="utf-8"?>
 <pc:chgInfo xmlns:a="http://schemas.openxmlformats.org/drawingml/2006/main" xmlns:r="http://schemas.openxmlformats.org/officeDocument/2006/relationships" xmlns:ac="http://schemas.microsoft.com/office/drawing/2013/main/command" xmlns:pc="http://schemas.microsoft.com/office/powerpoint/2013/main/command">
+  <pc:docChgLst>
+    <pc:chgData name="Silvia Pala" userId="f0133cc1-7ddc-4617-95f3-a1b241401a99" providerId="ADAL" clId="{A7F471FB-3412-4DFC-9426-7ED13CB84C66}"/>
+    <pc:docChg chg="modSld">
+      <pc:chgData name="Silvia Pala" userId="f0133cc1-7ddc-4617-95f3-a1b241401a99" providerId="ADAL" clId="{A7F471FB-3412-4DFC-9426-7ED13CB84C66}" dt="2022-12-28T21:09:16.345" v="9" actId="1076"/>
+      <pc:docMkLst>
+        <pc:docMk/>
+      </pc:docMkLst>
+      <pc:sldChg chg="modSp mod">
+        <pc:chgData name="Silvia Pala" userId="f0133cc1-7ddc-4617-95f3-a1b241401a99" providerId="ADAL" clId="{A7F471FB-3412-4DFC-9426-7ED13CB84C66}" dt="2022-12-28T21:08:46.004" v="4" actId="1076"/>
+        <pc:sldMkLst>
+          <pc:docMk/>
+          <pc:sldMk cId="0" sldId="266"/>
+        </pc:sldMkLst>
+        <pc:spChg chg="mod">
+          <ac:chgData name="Silvia Pala" userId="f0133cc1-7ddc-4617-95f3-a1b241401a99" providerId="ADAL" clId="{A7F471FB-3412-4DFC-9426-7ED13CB84C66}" dt="2022-12-28T21:08:46.004" v="4" actId="1076"/>
+          <ac:spMkLst>
+            <pc:docMk/>
+            <pc:sldMk cId="0" sldId="266"/>
+            <ac:spMk id="3" creationId="{00000000-0000-0000-0000-000000000000}"/>
+          </ac:spMkLst>
+        </pc:spChg>
+      </pc:sldChg>
+      <pc:sldChg chg="modSp mod">
+        <pc:chgData name="Silvia Pala" userId="f0133cc1-7ddc-4617-95f3-a1b241401a99" providerId="ADAL" clId="{A7F471FB-3412-4DFC-9426-7ED13CB84C66}" dt="2022-12-28T21:08:51.634" v="5" actId="1076"/>
+        <pc:sldMkLst>
+          <pc:docMk/>
+          <pc:sldMk cId="0" sldId="268"/>
+        </pc:sldMkLst>
+        <pc:spChg chg="mod">
+          <ac:chgData name="Silvia Pala" userId="f0133cc1-7ddc-4617-95f3-a1b241401a99" providerId="ADAL" clId="{A7F471FB-3412-4DFC-9426-7ED13CB84C66}" dt="2022-12-28T21:08:51.634" v="5" actId="1076"/>
+          <ac:spMkLst>
+            <pc:docMk/>
+            <pc:sldMk cId="0" sldId="268"/>
+            <ac:spMk id="3" creationId="{00000000-0000-0000-0000-000000000000}"/>
+          </ac:spMkLst>
+        </pc:spChg>
+      </pc:sldChg>
+      <pc:sldChg chg="modSp mod">
+        <pc:chgData name="Silvia Pala" userId="f0133cc1-7ddc-4617-95f3-a1b241401a99" providerId="ADAL" clId="{A7F471FB-3412-4DFC-9426-7ED13CB84C66}" dt="2022-12-28T21:09:03.378" v="7" actId="1076"/>
+        <pc:sldMkLst>
+          <pc:docMk/>
+          <pc:sldMk cId="0" sldId="269"/>
+        </pc:sldMkLst>
+        <pc:spChg chg="mod">
+          <ac:chgData name="Silvia Pala" userId="f0133cc1-7ddc-4617-95f3-a1b241401a99" providerId="ADAL" clId="{A7F471FB-3412-4DFC-9426-7ED13CB84C66}" dt="2022-12-28T21:09:03.378" v="7" actId="1076"/>
+          <ac:spMkLst>
+            <pc:docMk/>
+            <pc:sldMk cId="0" sldId="269"/>
+            <ac:spMk id="3" creationId="{00000000-0000-0000-0000-000000000000}"/>
+          </ac:spMkLst>
+        </pc:spChg>
+      </pc:sldChg>
+      <pc:sldChg chg="modSp mod">
+        <pc:chgData name="Silvia Pala" userId="f0133cc1-7ddc-4617-95f3-a1b241401a99" providerId="ADAL" clId="{A7F471FB-3412-4DFC-9426-7ED13CB84C66}" dt="2022-12-28T21:08:58.078" v="6" actId="1076"/>
+        <pc:sldMkLst>
+          <pc:docMk/>
+          <pc:sldMk cId="0" sldId="270"/>
+        </pc:sldMkLst>
+        <pc:spChg chg="mod">
+          <ac:chgData name="Silvia Pala" userId="f0133cc1-7ddc-4617-95f3-a1b241401a99" providerId="ADAL" clId="{A7F471FB-3412-4DFC-9426-7ED13CB84C66}" dt="2022-12-28T21:08:58.078" v="6" actId="1076"/>
+          <ac:spMkLst>
+            <pc:docMk/>
+            <pc:sldMk cId="0" sldId="270"/>
+            <ac:spMk id="3" creationId="{00000000-0000-0000-0000-000000000000}"/>
+          </ac:spMkLst>
+        </pc:spChg>
+      </pc:sldChg>
+      <pc:sldChg chg="modSp mod">
+        <pc:chgData name="Silvia Pala" userId="f0133cc1-7ddc-4617-95f3-a1b241401a99" providerId="ADAL" clId="{A7F471FB-3412-4DFC-9426-7ED13CB84C66}" dt="2022-12-28T21:09:11.901" v="8" actId="1076"/>
+        <pc:sldMkLst>
+          <pc:docMk/>
+          <pc:sldMk cId="3667043842" sldId="302"/>
+        </pc:sldMkLst>
+        <pc:spChg chg="mod">
+          <ac:chgData name="Silvia Pala" userId="f0133cc1-7ddc-4617-95f3-a1b241401a99" providerId="ADAL" clId="{A7F471FB-3412-4DFC-9426-7ED13CB84C66}" dt="2022-12-28T21:09:11.901" v="8" actId="1076"/>
+          <ac:spMkLst>
+            <pc:docMk/>
+            <pc:sldMk cId="3667043842" sldId="302"/>
+            <ac:spMk id="3" creationId="{00000000-0000-0000-0000-000000000000}"/>
+          </ac:spMkLst>
+        </pc:spChg>
+      </pc:sldChg>
+      <pc:sldChg chg="modSp mod">
+        <pc:chgData name="Silvia Pala" userId="f0133cc1-7ddc-4617-95f3-a1b241401a99" providerId="ADAL" clId="{A7F471FB-3412-4DFC-9426-7ED13CB84C66}" dt="2022-12-28T21:09:16.345" v="9" actId="1076"/>
+        <pc:sldMkLst>
+          <pc:docMk/>
+          <pc:sldMk cId="3867818285" sldId="303"/>
+        </pc:sldMkLst>
+        <pc:spChg chg="mod">
+          <ac:chgData name="Silvia Pala" userId="f0133cc1-7ddc-4617-95f3-a1b241401a99" providerId="ADAL" clId="{A7F471FB-3412-4DFC-9426-7ED13CB84C66}" dt="2022-12-28T21:09:16.345" v="9" actId="1076"/>
+          <ac:spMkLst>
+            <pc:docMk/>
+            <pc:sldMk cId="3867818285" sldId="303"/>
+            <ac:spMk id="3" creationId="{00000000-0000-0000-0000-000000000000}"/>
+          </ac:spMkLst>
+        </pc:spChg>
+      </pc:sldChg>
+    </pc:docChg>
+  </pc:docChgLst>
   <pc:docChgLst>
     <pc:chgData name="Silvia Pala" userId="f0133cc1-7ddc-4617-95f3-a1b241401a99" providerId="ADAL" clId="{9A04F340-9227-44C1-B15E-0E531D780BF6}"/>
     <pc:docChg chg="undo redo custSel addSld delSld modSld">
@@ -2077,7 +2176,7 @@
         </p:nvSpPr>
         <p:spPr>
           <a:xfrm>
-            <a:off x="7782306" y="134822"/>
+            <a:off x="7848600" y="133898"/>
             <a:ext cx="251460" cy="258404"/>
           </a:xfrm>
           <a:prstGeom prst="rect">
@@ -2199,7 +2298,7 @@
         </p:nvSpPr>
         <p:spPr>
           <a:xfrm>
-            <a:off x="7772400" y="178118"/>
+            <a:off x="7848600" y="133898"/>
             <a:ext cx="251460" cy="258404"/>
           </a:xfrm>
           <a:prstGeom prst="rect">
@@ -2321,7 +2420,7 @@
         </p:nvSpPr>
         <p:spPr>
           <a:xfrm>
-            <a:off x="7782306" y="134822"/>
+            <a:off x="7848600" y="133577"/>
             <a:ext cx="251460" cy="517449"/>
           </a:xfrm>
           <a:prstGeom prst="rect">
@@ -2458,7 +2557,7 @@
         </p:nvSpPr>
         <p:spPr>
           <a:xfrm>
-            <a:off x="7782306" y="134822"/>
+            <a:off x="7848600" y="156021"/>
             <a:ext cx="251460" cy="258404"/>
           </a:xfrm>
           <a:prstGeom prst="rect">
@@ -2818,8 +2917,8 @@
           </a:prstGeom>
         </p:spPr>
       </p:pic>
-      <mc:AlternateContent xmlns:mc="http://schemas.openxmlformats.org/markup-compatibility/2006">
-        <mc:Choice xmlns:a14="http://schemas.microsoft.com/office/drawing/2010/main" Requires="a14">
+      <mc:AlternateContent xmlns:mc="http://schemas.openxmlformats.org/markup-compatibility/2006" xmlns:a14="http://schemas.microsoft.com/office/drawing/2010/main">
+        <mc:Choice Requires="a14">
           <p:sp>
             <p:nvSpPr>
               <p:cNvPr id="7" name="CasellaDiTesto 6">
@@ -3075,7 +3174,7 @@
             </p:txBody>
           </p:sp>
         </mc:Choice>
-        <mc:Fallback>
+        <mc:Fallback xmlns="">
           <p:sp>
             <p:nvSpPr>
               <p:cNvPr id="7" name="CasellaDiTesto 6">
@@ -3120,8 +3219,8 @@
           </p:sp>
         </mc:Fallback>
       </mc:AlternateContent>
-      <mc:AlternateContent xmlns:mc="http://schemas.openxmlformats.org/markup-compatibility/2006">
-        <mc:Choice xmlns:a14="http://schemas.microsoft.com/office/drawing/2010/main" Requires="a14">
+      <mc:AlternateContent xmlns:mc="http://schemas.openxmlformats.org/markup-compatibility/2006" xmlns:a14="http://schemas.microsoft.com/office/drawing/2010/main">
+        <mc:Choice Requires="a14">
           <p:sp>
             <p:nvSpPr>
               <p:cNvPr id="9" name="CasellaDiTesto 8">
@@ -3456,7 +3555,7 @@
             </p:txBody>
           </p:sp>
         </mc:Choice>
-        <mc:Fallback>
+        <mc:Fallback xmlns="">
           <p:sp>
             <p:nvSpPr>
               <p:cNvPr id="9" name="CasellaDiTesto 8">
@@ -3643,8 +3742,8 @@
           </a:prstGeom>
         </p:spPr>
       </p:pic>
-      <mc:AlternateContent xmlns:mc="http://schemas.openxmlformats.org/markup-compatibility/2006">
-        <mc:Choice xmlns:a14="http://schemas.microsoft.com/office/drawing/2010/main" Requires="a14">
+      <mc:AlternateContent xmlns:mc="http://schemas.openxmlformats.org/markup-compatibility/2006" xmlns:a14="http://schemas.microsoft.com/office/drawing/2010/main">
+        <mc:Choice Requires="a14">
           <p:sp>
             <p:nvSpPr>
               <p:cNvPr id="8" name="CasellaDiTesto 7">
@@ -3982,7 +4081,7 @@
             </p:txBody>
           </p:sp>
         </mc:Choice>
-        <mc:Fallback>
+        <mc:Fallback xmlns="">
           <p:sp>
             <p:nvSpPr>
               <p:cNvPr id="8" name="CasellaDiTesto 7">
@@ -4027,8 +4126,8 @@
           </p:sp>
         </mc:Fallback>
       </mc:AlternateContent>
-      <mc:AlternateContent xmlns:mc="http://schemas.openxmlformats.org/markup-compatibility/2006">
-        <mc:Choice xmlns:a14="http://schemas.microsoft.com/office/drawing/2010/main" Requires="a14">
+      <mc:AlternateContent xmlns:mc="http://schemas.openxmlformats.org/markup-compatibility/2006" xmlns:a14="http://schemas.microsoft.com/office/drawing/2010/main">
+        <mc:Choice Requires="a14">
           <p:sp>
             <p:nvSpPr>
               <p:cNvPr id="10" name="CasellaDiTesto 9">
@@ -4285,7 +4384,7 @@
             </p:txBody>
           </p:sp>
         </mc:Choice>
-        <mc:Fallback>
+        <mc:Fallback xmlns="">
           <p:sp>
             <p:nvSpPr>
               <p:cNvPr id="10" name="CasellaDiTesto 9">
@@ -4745,7 +4844,7 @@
         </p:nvSpPr>
         <p:spPr>
           <a:xfrm>
-            <a:off x="7792973" y="134822"/>
+            <a:off x="7848600" y="146132"/>
             <a:ext cx="229870" cy="258404"/>
           </a:xfrm>
           <a:prstGeom prst="rect">
@@ -4857,7 +4956,7 @@
         </p:nvSpPr>
         <p:spPr>
           <a:xfrm>
-            <a:off x="7782306" y="134822"/>
+            <a:off x="7848600" y="133898"/>
             <a:ext cx="251460" cy="258404"/>
           </a:xfrm>
           <a:prstGeom prst="rect">

--- a/Modelli relazione/ppt_presentazione.pptx
+++ b/Modelli relazione/ppt_presentazione.pptx
@@ -2695,7 +2695,7 @@
             </a:pPr>
             <a:r>
               <a:rPr lang="it-IT" spc="-5" dirty="0"/>
-              <a:t>introduzione</a:t>
+              <a:t>Introduzione</a:t>
             </a:r>
             <a:endParaRPr spc="-5" dirty="0"/>
           </a:p>
@@ -2768,8 +2768,8 @@
         </p:blipFill>
         <p:spPr>
           <a:xfrm>
-            <a:off x="4649175" y="1596351"/>
-            <a:ext cx="4345056" cy="3204249"/>
+            <a:off x="1511825" y="1447800"/>
+            <a:ext cx="6120349" cy="4513434"/>
           </a:xfrm>
           <a:prstGeom prst="rect">
             <a:avLst/>
@@ -2917,8 +2917,8 @@
           </a:prstGeom>
         </p:spPr>
       </p:pic>
-      <mc:AlternateContent xmlns:mc="http://schemas.openxmlformats.org/markup-compatibility/2006" xmlns:a14="http://schemas.microsoft.com/office/drawing/2010/main">
-        <mc:Choice Requires="a14">
+      <mc:AlternateContent xmlns:mc="http://schemas.openxmlformats.org/markup-compatibility/2006">
+        <mc:Choice xmlns:a14="http://schemas.microsoft.com/office/drawing/2010/main" Requires="a14">
           <p:sp>
             <p:nvSpPr>
               <p:cNvPr id="7" name="CasellaDiTesto 6">
@@ -2933,8 +2933,8 @@
             </p:nvSpPr>
             <p:spPr>
               <a:xfrm>
-                <a:off x="387096" y="1295400"/>
-                <a:ext cx="4572000" cy="1893082"/>
+                <a:off x="387096" y="1337766"/>
+                <a:ext cx="4572000" cy="2170081"/>
               </a:xfrm>
               <a:prstGeom prst="rect">
                 <a:avLst/>
@@ -2947,6 +2947,10 @@
               </a:bodyPr>
               <a:lstStyle/>
               <a:p>
+                <a:pPr marL="285750" indent="-285750">
+                  <a:buFont typeface="Arial" panose="020B0604020202020204" pitchFamily="34" charset="0"/>
+                  <a:buChar char="•"/>
+                </a:pPr>
                 <a:r>
                   <a:rPr lang="it-IT" sz="1800" dirty="0"/>
                   <a:t>Dati assegnati: </a:t>
@@ -2954,7 +2958,7 @@
               </a:p>
               <a:p>
                 <a:r>
-                  <a:rPr lang="it-IT" sz="1800" dirty="0"/>
+                  <a:rPr lang="it-IT" dirty="0"/>
                   <a:t>Vettore posizione: </a:t>
                 </a:r>
                 <a14:m>
@@ -2964,7 +2968,7 @@
                         <m:begChr m:val="["/>
                         <m:endChr m:val="]"/>
                         <m:ctrlPr>
-                          <a:rPr lang="it-IT" sz="1800" b="0" i="1" smtClean="0">
+                          <a:rPr lang="it-IT" b="0" i="1" smtClean="0">
                             <a:latin typeface="Cambria Math" panose="02040503050406030204" pitchFamily="18" charset="0"/>
                           </a:rPr>
                         </m:ctrlPr>
@@ -2981,7 +2985,7 @@
                               </m:mc>
                             </m:mcs>
                             <m:ctrlPr>
-                              <a:rPr lang="it-IT" sz="1800" i="1">
+                              <a:rPr lang="it-IT" i="1">
                                 <a:latin typeface="Cambria Math" panose="02040503050406030204" pitchFamily="18" charset="0"/>
                               </a:rPr>
                             </m:ctrlPr>
@@ -2992,13 +2996,13 @@
                                 <m:rPr>
                                   <m:brk m:alnAt="7"/>
                                 </m:rPr>
-                                <a:rPr lang="it-IT" sz="1800" i="1">
+                                <a:rPr lang="it-IT" i="1">
                                   <a:latin typeface="Cambria Math" panose="02040503050406030204" pitchFamily="18" charset="0"/>
                                 </a:rPr>
                                 <m:t>−</m:t>
                               </m:r>
                               <m:r>
-                                <a:rPr lang="it-IT" sz="1800" i="1">
+                                <a:rPr lang="it-IT" i="1">
                                   <a:latin typeface="Cambria Math" panose="02040503050406030204" pitchFamily="18" charset="0"/>
                                 </a:rPr>
                                 <m:t>1169,7791</m:t>
@@ -3008,7 +3012,7 @@
                           <m:mr>
                             <m:e>
                               <m:r>
-                                <a:rPr lang="it-IT" sz="1800" i="1">
+                                <a:rPr lang="it-IT" i="1">
                                   <a:latin typeface="Cambria Math" panose="02040503050406030204" pitchFamily="18" charset="0"/>
                                 </a:rPr>
                                 <m:t>−8344,5289</m:t>
@@ -3018,7 +3022,7 @@
                           <m:mr>
                             <m:e>
                               <m:r>
-                                <a:rPr lang="it-IT" sz="1800" i="1">
+                                <a:rPr lang="it-IT" i="1">
                                   <a:latin typeface="Cambria Math" panose="02040503050406030204" pitchFamily="18" charset="0"/>
                                 </a:rPr>
                                 <m:t>977,8062</m:t>
@@ -3031,13 +3035,13 @@
                   </m:oMath>
                 </a14:m>
                 <a:r>
-                  <a:rPr lang="it-IT" sz="1800" dirty="0"/>
+                  <a:rPr lang="it-IT" dirty="0"/>
                   <a:t> [</a:t>
                 </a:r>
                 <a14:m>
                   <m:oMath xmlns:m="http://schemas.openxmlformats.org/officeDocument/2006/math">
                     <m:r>
-                      <a:rPr lang="it-IT" sz="1800" b="0" i="1" smtClean="0">
+                      <a:rPr lang="it-IT" b="0" i="1" smtClean="0">
                         <a:latin typeface="Cambria Math" panose="02040503050406030204" pitchFamily="18" charset="0"/>
                       </a:rPr>
                       <m:t>𝑘𝑚</m:t>
@@ -3045,9 +3049,11 @@
                   </m:oMath>
                 </a14:m>
                 <a:r>
-                  <a:rPr lang="it-IT" sz="1800" dirty="0"/>
+                  <a:rPr lang="it-IT" dirty="0"/>
                   <a:t>]</a:t>
                 </a:r>
+              </a:p>
+              <a:p>
                 <a:endParaRPr lang="it-IT" sz="1800" i="1" dirty="0"/>
               </a:p>
               <a:p>
@@ -3174,7 +3180,7 @@
             </p:txBody>
           </p:sp>
         </mc:Choice>
-        <mc:Fallback xmlns="">
+        <mc:Fallback>
           <p:sp>
             <p:nvSpPr>
               <p:cNvPr id="7" name="CasellaDiTesto 6">
@@ -3191,8 +3197,8 @@
             </p:nvSpPr>
             <p:spPr>
               <a:xfrm>
-                <a:off x="387096" y="1295400"/>
-                <a:ext cx="4572000" cy="1893082"/>
+                <a:off x="387096" y="1337766"/>
+                <a:ext cx="4572000" cy="2170081"/>
               </a:xfrm>
               <a:prstGeom prst="rect">
                 <a:avLst/>
@@ -3200,7 +3206,7 @@
               <a:blipFill>
                 <a:blip r:embed="rId3"/>
                 <a:stretch>
-                  <a:fillRect l="-1200" t="-1935"/>
+                  <a:fillRect l="-1200" t="-1404"/>
                 </a:stretch>
               </a:blipFill>
             </p:spPr>
@@ -3219,8 +3225,8 @@
           </p:sp>
         </mc:Fallback>
       </mc:AlternateContent>
-      <mc:AlternateContent xmlns:mc="http://schemas.openxmlformats.org/markup-compatibility/2006" xmlns:a14="http://schemas.microsoft.com/office/drawing/2010/main">
-        <mc:Choice Requires="a14">
+      <mc:AlternateContent xmlns:mc="http://schemas.openxmlformats.org/markup-compatibility/2006">
+        <mc:Choice xmlns:a14="http://schemas.microsoft.com/office/drawing/2010/main" Requires="a14">
           <p:sp>
             <p:nvSpPr>
               <p:cNvPr id="9" name="CasellaDiTesto 8">
@@ -3235,7 +3241,7 @@
             </p:nvSpPr>
             <p:spPr>
               <a:xfrm>
-                <a:off x="387096" y="3505201"/>
+                <a:off x="387096" y="3470976"/>
                 <a:ext cx="4572000" cy="2308324"/>
               </a:xfrm>
               <a:prstGeom prst="rect">
@@ -3249,6 +3255,10 @@
               </a:bodyPr>
               <a:lstStyle/>
               <a:p>
+                <a:pPr marL="285750" indent="-285750">
+                  <a:buFont typeface="Arial" panose="020B0604020202020204" pitchFamily="34" charset="0"/>
+                  <a:buChar char="•"/>
+                </a:pPr>
                 <a:r>
                   <a:rPr lang="it-IT" dirty="0"/>
                   <a:t>Dati trovati:</a:t>
@@ -3555,7 +3565,7 @@
             </p:txBody>
           </p:sp>
         </mc:Choice>
-        <mc:Fallback xmlns="">
+        <mc:Fallback>
           <p:sp>
             <p:nvSpPr>
               <p:cNvPr id="9" name="CasellaDiTesto 8">
@@ -3572,7 +3582,7 @@
             </p:nvSpPr>
             <p:spPr>
               <a:xfrm>
-                <a:off x="387096" y="3505201"/>
+                <a:off x="387096" y="3470976"/>
                 <a:ext cx="4572000" cy="2308324"/>
               </a:xfrm>
               <a:prstGeom prst="rect">
@@ -3581,7 +3591,7 @@
               <a:blipFill>
                 <a:blip r:embed="rId4"/>
                 <a:stretch>
-                  <a:fillRect l="-1200" t="-1319"/>
+                  <a:fillRect l="-933" t="-1319"/>
                 </a:stretch>
               </a:blipFill>
             </p:spPr>
@@ -3712,38 +3722,8 @@
           </a:p>
         </p:txBody>
       </p:sp>
-      <p:pic>
-        <p:nvPicPr>
-          <p:cNvPr id="6" name="Immagine 5">
-            <a:extLst>
-              <a:ext uri="{FF2B5EF4-FFF2-40B4-BE49-F238E27FC236}">
-                <a16:creationId xmlns:a16="http://schemas.microsoft.com/office/drawing/2014/main" id="{1F63B0C3-B4D4-5624-03EF-DA278B31D644}"/>
-              </a:ext>
-            </a:extLst>
-          </p:cNvPr>
-          <p:cNvPicPr>
-            <a:picLocks noChangeAspect="1"/>
-          </p:cNvPicPr>
-          <p:nvPr/>
-        </p:nvPicPr>
-        <p:blipFill>
-          <a:blip r:embed="rId2"/>
-          <a:stretch>
-            <a:fillRect/>
-          </a:stretch>
-        </p:blipFill>
-        <p:spPr>
-          <a:xfrm>
-            <a:off x="3733800" y="951710"/>
-            <a:ext cx="5047488" cy="4175918"/>
-          </a:xfrm>
-          <a:prstGeom prst="rect">
-            <a:avLst/>
-          </a:prstGeom>
-        </p:spPr>
-      </p:pic>
-      <mc:AlternateContent xmlns:mc="http://schemas.openxmlformats.org/markup-compatibility/2006" xmlns:a14="http://schemas.microsoft.com/office/drawing/2010/main">
-        <mc:Choice Requires="a14">
+      <mc:AlternateContent xmlns:mc="http://schemas.openxmlformats.org/markup-compatibility/2006">
+        <mc:Choice xmlns:a14="http://schemas.microsoft.com/office/drawing/2010/main" Requires="a14">
           <p:sp>
             <p:nvSpPr>
               <p:cNvPr id="8" name="CasellaDiTesto 7">
@@ -3758,8 +3738,8 @@
             </p:nvSpPr>
             <p:spPr>
               <a:xfrm>
-                <a:off x="476439" y="1189139"/>
-                <a:ext cx="4572000" cy="2447337"/>
+                <a:off x="240570" y="1356021"/>
+                <a:ext cx="4572000" cy="2471831"/>
               </a:xfrm>
               <a:prstGeom prst="rect">
                 <a:avLst/>
@@ -3772,6 +3752,10 @@
               </a:bodyPr>
               <a:lstStyle/>
               <a:p>
+                <a:pPr marL="285750" indent="-285750">
+                  <a:buFont typeface="Arial" panose="020B0604020202020204" pitchFamily="34" charset="0"/>
+                  <a:buChar char="•"/>
+                </a:pPr>
                 <a:r>
                   <a:rPr lang="it-IT" dirty="0">
                     <a:latin typeface="Arial" panose="020B0604020202020204" pitchFamily="34" charset="0"/>
@@ -3820,7 +3804,19 @@
                         <a:rPr lang="it-IT" b="0" i="1" smtClean="0">
                           <a:latin typeface="Cambria Math" panose="02040503050406030204" pitchFamily="18" charset="0"/>
                         </a:rPr>
-                        <m:t>=8,3697 ∗</m:t>
+                        <m:t>=</m:t>
+                      </m:r>
+                      <m:r>
+                        <a:rPr lang="it-IT" b="0" i="1" smtClean="0">
+                          <a:latin typeface="Cambria Math" panose="02040503050406030204" pitchFamily="18" charset="0"/>
+                        </a:rPr>
+                        <m:t>1,0860</m:t>
+                      </m:r>
+                      <m:r>
+                        <a:rPr lang="it-IT" b="0" i="1" smtClean="0">
+                          <a:latin typeface="Cambria Math" panose="02040503050406030204" pitchFamily="18" charset="0"/>
+                        </a:rPr>
+                        <m:t> ∗</m:t>
                       </m:r>
                       <m:sSup>
                         <m:sSupPr>
@@ -3843,7 +3839,7 @@
                             <a:rPr lang="it-IT" b="0" i="1" smtClean="0">
                               <a:latin typeface="Cambria Math" panose="02040503050406030204" pitchFamily="18" charset="0"/>
                             </a:rPr>
-                            <m:t>3</m:t>
+                            <m:t>4</m:t>
                           </m:r>
                         </m:sup>
                       </m:sSup>
@@ -3903,7 +3899,19 @@
                         <a:rPr lang="it-IT" b="0" i="1" smtClean="0">
                           <a:latin typeface="Cambria Math" panose="02040503050406030204" pitchFamily="18" charset="0"/>
                         </a:rPr>
-                        <m:t>=0,1097 </m:t>
+                        <m:t>=0,</m:t>
+                      </m:r>
+                      <m:r>
+                        <a:rPr lang="it-IT" b="0" i="1" smtClean="0">
+                          <a:latin typeface="Cambria Math" panose="02040503050406030204" pitchFamily="18" charset="0"/>
+                        </a:rPr>
+                        <m:t>2332</m:t>
+                      </m:r>
+                      <m:r>
+                        <a:rPr lang="it-IT" b="0" i="1" smtClean="0">
+                          <a:latin typeface="Cambria Math" panose="02040503050406030204" pitchFamily="18" charset="0"/>
+                        </a:rPr>
+                        <m:t> </m:t>
                       </m:r>
                     </m:oMath>
                   </m:oMathPara>
@@ -3947,7 +3955,19 @@
                         <a:rPr lang="it-IT" b="0" i="1" smtClean="0">
                           <a:latin typeface="Cambria Math" panose="02040503050406030204" pitchFamily="18" charset="0"/>
                         </a:rPr>
-                        <m:t>=48,6244°</m:t>
+                        <m:t>=</m:t>
+                      </m:r>
+                      <m:r>
+                        <a:rPr lang="it-IT" b="0" i="1" smtClean="0">
+                          <a:latin typeface="Cambria Math" panose="02040503050406030204" pitchFamily="18" charset="0"/>
+                        </a:rPr>
+                        <m:t>30,2751</m:t>
+                      </m:r>
+                      <m:r>
+                        <a:rPr lang="it-IT" b="0" i="1" smtClean="0">
+                          <a:latin typeface="Cambria Math" panose="02040503050406030204" pitchFamily="18" charset="0"/>
+                        </a:rPr>
+                        <m:t>°</m:t>
                       </m:r>
                     </m:oMath>
                     <m:oMath xmlns:m="http://schemas.openxmlformats.org/officeDocument/2006/math">
@@ -3983,7 +4003,19 @@
                         <a:rPr lang="it-IT" b="0" i="1" smtClean="0">
                           <a:latin typeface="Cambria Math" panose="02040503050406030204" pitchFamily="18" charset="0"/>
                         </a:rPr>
-                        <m:t>=87,8870°</m:t>
+                        <m:t>=</m:t>
+                      </m:r>
+                      <m:r>
+                        <a:rPr lang="it-IT" b="0" i="1" smtClean="0">
+                          <a:latin typeface="Cambria Math" panose="02040503050406030204" pitchFamily="18" charset="0"/>
+                        </a:rPr>
+                        <m:t>173,2051</m:t>
+                      </m:r>
+                      <m:r>
+                        <a:rPr lang="it-IT" b="0" i="1" smtClean="0">
+                          <a:latin typeface="Cambria Math" panose="02040503050406030204" pitchFamily="18" charset="0"/>
+                        </a:rPr>
+                        <m:t>°</m:t>
                       </m:r>
                     </m:oMath>
                   </m:oMathPara>
@@ -4027,7 +4059,19 @@
                         <a:rPr lang="it-IT" b="0" i="1" smtClean="0">
                           <a:latin typeface="Cambria Math" panose="02040503050406030204" pitchFamily="18" charset="0"/>
                         </a:rPr>
-                        <m:t>=67,8907°</m:t>
+                        <m:t>=</m:t>
+                      </m:r>
+                      <m:r>
+                        <a:rPr lang="it-IT" b="0" i="1" smtClean="0">
+                          <a:latin typeface="Cambria Math" panose="02040503050406030204" pitchFamily="18" charset="0"/>
+                        </a:rPr>
+                        <m:t>24,6315</m:t>
+                      </m:r>
+                      <m:r>
+                        <a:rPr lang="it-IT" b="0" i="1" smtClean="0">
+                          <a:latin typeface="Cambria Math" panose="02040503050406030204" pitchFamily="18" charset="0"/>
+                        </a:rPr>
+                        <m:t>°</m:t>
                       </m:r>
                     </m:oMath>
                   </m:oMathPara>
@@ -4071,7 +4115,19 @@
                         <a:rPr lang="it-IT" b="0" i="1" smtClean="0">
                           <a:latin typeface="Cambria Math" panose="02040503050406030204" pitchFamily="18" charset="0"/>
                         </a:rPr>
-                        <m:t>=103,2729°</m:t>
+                        <m:t>=</m:t>
+                      </m:r>
+                      <m:r>
+                        <a:rPr lang="it-IT" b="0" i="1" smtClean="0">
+                          <a:latin typeface="Cambria Math" panose="02040503050406030204" pitchFamily="18" charset="0"/>
+                        </a:rPr>
+                        <m:t>18,9993</m:t>
+                      </m:r>
+                      <m:r>
+                        <a:rPr lang="it-IT" b="0" i="1" smtClean="0">
+                          <a:latin typeface="Cambria Math" panose="02040503050406030204" pitchFamily="18" charset="0"/>
+                        </a:rPr>
+                        <m:t>°</m:t>
                       </m:r>
                     </m:oMath>
                   </m:oMathPara>
@@ -4081,7 +4137,7 @@
             </p:txBody>
           </p:sp>
         </mc:Choice>
-        <mc:Fallback xmlns="">
+        <mc:Fallback>
           <p:sp>
             <p:nvSpPr>
               <p:cNvPr id="8" name="CasellaDiTesto 7">
@@ -4098,16 +4154,16 @@
             </p:nvSpPr>
             <p:spPr>
               <a:xfrm>
-                <a:off x="476439" y="1189139"/>
-                <a:ext cx="4572000" cy="2447337"/>
+                <a:off x="240570" y="1356021"/>
+                <a:ext cx="4572000" cy="2471831"/>
               </a:xfrm>
               <a:prstGeom prst="rect">
                 <a:avLst/>
               </a:prstGeom>
               <a:blipFill>
-                <a:blip r:embed="rId3"/>
+                <a:blip r:embed="rId2"/>
                 <a:stretch>
-                  <a:fillRect l="-1067" t="-1244" b="-746"/>
+                  <a:fillRect l="-800" t="-1232"/>
                 </a:stretch>
               </a:blipFill>
             </p:spPr>
@@ -4126,8 +4182,8 @@
           </p:sp>
         </mc:Fallback>
       </mc:AlternateContent>
-      <mc:AlternateContent xmlns:mc="http://schemas.openxmlformats.org/markup-compatibility/2006" xmlns:a14="http://schemas.microsoft.com/office/drawing/2010/main">
-        <mc:Choice Requires="a14">
+      <mc:AlternateContent xmlns:mc="http://schemas.openxmlformats.org/markup-compatibility/2006">
+        <mc:Choice xmlns:a14="http://schemas.microsoft.com/office/drawing/2010/main" Requires="a14">
           <p:sp>
             <p:nvSpPr>
               <p:cNvPr id="10" name="CasellaDiTesto 9">
@@ -4142,8 +4198,8 @@
             </p:nvSpPr>
             <p:spPr>
               <a:xfrm>
-                <a:off x="478897" y="4230850"/>
-                <a:ext cx="4572000" cy="1893082"/>
+                <a:off x="240570" y="3891464"/>
+                <a:ext cx="4572000" cy="2170081"/>
               </a:xfrm>
               <a:prstGeom prst="rect">
                 <a:avLst/>
@@ -4156,13 +4212,16 @@
               </a:bodyPr>
               <a:lstStyle/>
               <a:p>
+                <a:pPr marL="285750" indent="-285750">
+                  <a:buFont typeface="Arial" panose="020B0604020202020204" pitchFamily="34" charset="0"/>
+                  <a:buChar char="•"/>
+                </a:pPr>
                 <a:r>
                   <a:rPr lang="it-IT" sz="1800" dirty="0"/>
                   <a:t>Dati trovati: </a:t>
                 </a:r>
-                <a:br>
-                  <a:rPr lang="it-IT" sz="1800" dirty="0"/>
-                </a:br>
+              </a:p>
+              <a:p>
                 <a:r>
                   <a:rPr lang="it-IT" sz="1800" dirty="0"/>
                   <a:t>Vettore posizione: </a:t>
@@ -4202,36 +4261,30 @@
                                 <m:rPr>
                                   <m:brk m:alnAt="7"/>
                                 </m:rPr>
-                                <a:rPr lang="it-IT" sz="1800" i="1">
+                                <a:rPr lang="it-IT" sz="1800" b="0" i="1" smtClean="0">
                                   <a:latin typeface="Cambria Math" panose="02040503050406030204" pitchFamily="18" charset="0"/>
                                 </a:rPr>
-                                <m:t>−</m:t>
-                              </m:r>
-                              <m:r>
-                                <a:rPr lang="it-IT" sz="1800" i="1">
-                                  <a:latin typeface="Cambria Math" panose="02040503050406030204" pitchFamily="18" charset="0"/>
-                                </a:rPr>
-                                <m:t>1169,7791</m:t>
+                                <m:t>−6640,6140</m:t>
                               </m:r>
                             </m:e>
                           </m:mr>
                           <m:mr>
                             <m:e>
                               <m:r>
-                                <a:rPr lang="it-IT" sz="1800" i="1">
+                                <a:rPr lang="it-IT" sz="1800" b="0" i="1" smtClean="0">
                                   <a:latin typeface="Cambria Math" panose="02040503050406030204" pitchFamily="18" charset="0"/>
                                 </a:rPr>
-                                <m:t>−8344,5289</m:t>
+                                <m:t>−4258,2138</m:t>
                               </m:r>
                             </m:e>
                           </m:mr>
                           <m:mr>
                             <m:e>
                               <m:r>
-                                <a:rPr lang="it-IT" sz="1800" i="1">
+                                <a:rPr lang="it-IT" sz="1800" b="0" i="1" smtClean="0">
                                   <a:latin typeface="Cambria Math" panose="02040503050406030204" pitchFamily="18" charset="0"/>
                                 </a:rPr>
-                                <m:t>977,8062</m:t>
+                                <m:t>2927,01450</m:t>
                               </m:r>
                             </m:e>
                           </m:mr>
@@ -4258,6 +4311,8 @@
                   <a:rPr lang="it-IT" sz="1800" dirty="0"/>
                   <a:t>]</a:t>
                 </a:r>
+              </a:p>
+              <a:p>
                 <a:endParaRPr lang="it-IT" sz="1800" i="1" dirty="0"/>
               </a:p>
               <a:p>
@@ -4309,7 +4364,13 @@
                                 <a:rPr lang="it-IT" sz="1800" b="0" i="1" smtClean="0">
                                   <a:latin typeface="Cambria Math" panose="02040503050406030204" pitchFamily="18" charset="0"/>
                                 </a:rPr>
-                                <m:t>,2770</m:t>
+                                <m:t>,2</m:t>
+                              </m:r>
+                              <m:r>
+                                <a:rPr lang="it-IT" sz="1800" b="0" i="1" smtClean="0">
+                                  <a:latin typeface="Cambria Math" panose="02040503050406030204" pitchFamily="18" charset="0"/>
+                                </a:rPr>
+                                <m:t>742</m:t>
                               </m:r>
                             </m:e>
                           </m:mr>
@@ -4319,7 +4380,7 @@
                                 <a:rPr lang="it-IT" sz="1800" b="0" i="1" smtClean="0">
                                   <a:latin typeface="Cambria Math" panose="02040503050406030204" pitchFamily="18" charset="0"/>
                                 </a:rPr>
-                                <m:t>−1,9310</m:t>
+                                <m:t>−5,5797</m:t>
                               </m:r>
                             </m:e>
                           </m:mr>
@@ -4329,7 +4390,7 @@
                                 <a:rPr lang="it-IT" sz="1800" b="0" i="1" smtClean="0">
                                   <a:latin typeface="Cambria Math" panose="02040503050406030204" pitchFamily="18" charset="0"/>
                                 </a:rPr>
-                                <m:t>−4,9330</m:t>
+                                <m:t>2,9392</m:t>
                               </m:r>
                             </m:e>
                           </m:mr>
@@ -4384,7 +4445,7 @@
             </p:txBody>
           </p:sp>
         </mc:Choice>
-        <mc:Fallback xmlns="">
+        <mc:Fallback>
           <p:sp>
             <p:nvSpPr>
               <p:cNvPr id="10" name="CasellaDiTesto 9">
@@ -4401,16 +4462,16 @@
             </p:nvSpPr>
             <p:spPr>
               <a:xfrm>
-                <a:off x="478897" y="4230850"/>
-                <a:ext cx="4572000" cy="1893082"/>
+                <a:off x="240570" y="3891464"/>
+                <a:ext cx="4572000" cy="2170081"/>
               </a:xfrm>
               <a:prstGeom prst="rect">
                 <a:avLst/>
               </a:prstGeom>
               <a:blipFill>
-                <a:blip r:embed="rId4"/>
+                <a:blip r:embed="rId3"/>
                 <a:stretch>
-                  <a:fillRect l="-1200" t="-1608"/>
+                  <a:fillRect l="-1067" t="-1404"/>
                 </a:stretch>
               </a:blipFill>
             </p:spPr>
@@ -4429,6 +4490,35 @@
           </p:sp>
         </mc:Fallback>
       </mc:AlternateContent>
+      <p:pic>
+        <p:nvPicPr>
+          <p:cNvPr id="7" name="Immagine 6">
+            <a:extLst>
+              <a:ext uri="{FF2B5EF4-FFF2-40B4-BE49-F238E27FC236}">
+                <a16:creationId xmlns:a16="http://schemas.microsoft.com/office/drawing/2014/main" id="{15B141F8-1735-C928-561E-2F9DE7FB1D4E}"/>
+              </a:ext>
+            </a:extLst>
+          </p:cNvPr>
+          <p:cNvPicPr>
+            <a:picLocks noChangeAspect="1"/>
+          </p:cNvPicPr>
+          <p:nvPr/>
+        </p:nvPicPr>
+        <p:blipFill rotWithShape="1">
+          <a:blip r:embed="rId4"/>
+          <a:srcRect t="8502"/>
+          <a:stretch/>
+        </p:blipFill>
+        <p:spPr>
+          <a:xfrm>
+            <a:off x="4038600" y="1292409"/>
+            <a:ext cx="5105400" cy="4273181"/>
+          </a:xfrm>
+          <a:prstGeom prst="rect">
+            <a:avLst/>
+          </a:prstGeom>
+        </p:spPr>
+      </p:pic>
     </p:spTree>
   </p:cSld>
   <p:clrMapOvr>

--- a/Modelli relazione/ppt_presentazione.pptx
+++ b/Modelli relazione/ppt_presentazione.pptx
@@ -136,14 +136,6 @@
 </p:presentation>
 </file>
 
-<file path=ppt/revisionInfo.xml><?xml version="1.0" encoding="utf-8"?>
-<p1510:revInfo xmlns:a="http://schemas.openxmlformats.org/drawingml/2006/main" xmlns:r="http://schemas.openxmlformats.org/officeDocument/2006/relationships" xmlns:p1510="http://schemas.microsoft.com/office/powerpoint/2015/10/main">
-  <p1510:revLst>
-    <p1510:client id="{9A04F340-9227-44C1-B15E-0E531D780BF6}" v="12" dt="2022-12-28T20:04:03.951"/>
-  </p1510:revLst>
-</p1510:revInfo>
-</file>
-
 <file path=ppt/changesInfos/changesInfo1.xml><?xml version="1.0" encoding="utf-8"?>
 <pc:chgInfo xmlns:a="http://schemas.openxmlformats.org/drawingml/2006/main" xmlns:r="http://schemas.openxmlformats.org/officeDocument/2006/relationships" xmlns:ac="http://schemas.microsoft.com/office/drawing/2013/main/command" xmlns:pc="http://schemas.microsoft.com/office/powerpoint/2013/main/command">
   <pc:docChgLst>
@@ -242,6 +234,53 @@
             <ac:spMk id="3" creationId="{00000000-0000-0000-0000-000000000000}"/>
           </ac:spMkLst>
         </pc:spChg>
+      </pc:sldChg>
+    </pc:docChg>
+  </pc:docChgLst>
+  <pc:docChgLst>
+    <pc:chgData name="Silvia Pala" userId="f0133cc1-7ddc-4617-95f3-a1b241401a99" providerId="ADAL" clId="{B8AD580B-F48D-4C46-AD44-FB3D7B3B8CED}"/>
+    <pc:docChg chg="custSel modSld">
+      <pc:chgData name="Silvia Pala" userId="f0133cc1-7ddc-4617-95f3-a1b241401a99" providerId="ADAL" clId="{B8AD580B-F48D-4C46-AD44-FB3D7B3B8CED}" dt="2023-01-02T00:14:34.928" v="11" actId="1076"/>
+      <pc:docMkLst>
+        <pc:docMk/>
+      </pc:docMkLst>
+      <pc:sldChg chg="modSp mod">
+        <pc:chgData name="Silvia Pala" userId="f0133cc1-7ddc-4617-95f3-a1b241401a99" providerId="ADAL" clId="{B8AD580B-F48D-4C46-AD44-FB3D7B3B8CED}" dt="2023-01-01T21:57:07.713" v="2" actId="20577"/>
+        <pc:sldMkLst>
+          <pc:docMk/>
+          <pc:sldMk cId="0" sldId="256"/>
+        </pc:sldMkLst>
+        <pc:spChg chg="mod">
+          <ac:chgData name="Silvia Pala" userId="f0133cc1-7ddc-4617-95f3-a1b241401a99" providerId="ADAL" clId="{B8AD580B-F48D-4C46-AD44-FB3D7B3B8CED}" dt="2023-01-01T21:57:07.713" v="2" actId="20577"/>
+          <ac:spMkLst>
+            <pc:docMk/>
+            <pc:sldMk cId="0" sldId="256"/>
+            <ac:spMk id="4" creationId="{D90E403D-70D9-E8A4-CFFE-6B79FDF2DDA9}"/>
+          </ac:spMkLst>
+        </pc:spChg>
+      </pc:sldChg>
+      <pc:sldChg chg="addSp delSp modSp mod">
+        <pc:chgData name="Silvia Pala" userId="f0133cc1-7ddc-4617-95f3-a1b241401a99" providerId="ADAL" clId="{B8AD580B-F48D-4C46-AD44-FB3D7B3B8CED}" dt="2023-01-02T00:14:34.928" v="11" actId="1076"/>
+        <pc:sldMkLst>
+          <pc:docMk/>
+          <pc:sldMk cId="0" sldId="268"/>
+        </pc:sldMkLst>
+        <pc:picChg chg="add del mod">
+          <ac:chgData name="Silvia Pala" userId="f0133cc1-7ddc-4617-95f3-a1b241401a99" providerId="ADAL" clId="{B8AD580B-F48D-4C46-AD44-FB3D7B3B8CED}" dt="2023-01-02T00:14:31.899" v="10" actId="478"/>
+          <ac:picMkLst>
+            <pc:docMk/>
+            <pc:sldMk cId="0" sldId="268"/>
+            <ac:picMk id="5" creationId="{94D147B6-1CD2-99E4-9264-6CD2A419CFE1}"/>
+          </ac:picMkLst>
+        </pc:picChg>
+        <pc:picChg chg="add mod">
+          <ac:chgData name="Silvia Pala" userId="f0133cc1-7ddc-4617-95f3-a1b241401a99" providerId="ADAL" clId="{B8AD580B-F48D-4C46-AD44-FB3D7B3B8CED}" dt="2023-01-02T00:14:34.928" v="11" actId="1076"/>
+          <ac:picMkLst>
+            <pc:docMk/>
+            <pc:sldMk cId="0" sldId="268"/>
+            <ac:picMk id="7" creationId="{66049390-7025-1CE0-C0BF-B49AD9A5AEDF}"/>
+          </ac:picMkLst>
+        </pc:picChg>
       </pc:sldChg>
     </pc:docChg>
   </pc:docChgLst>
@@ -757,7 +796,7 @@
           <a:p>
             <a:fld id="{1D8BD707-D9CF-40AE-B4C6-C98DA3205C09}" type="datetimeFigureOut">
               <a:rPr lang="en-US"/>
-              <a:t>12/28/2022</a:t>
+              <a:t>1/1/2023</a:t>
             </a:fld>
             <a:endParaRPr lang="en-US"/>
           </a:p>
@@ -934,7 +973,7 @@
           <a:p>
             <a:fld id="{1D8BD707-D9CF-40AE-B4C6-C98DA3205C09}" type="datetimeFigureOut">
               <a:rPr lang="en-US"/>
-              <a:t>12/28/2022</a:t>
+              <a:t>1/1/2023</a:t>
             </a:fld>
             <a:endParaRPr lang="en-US"/>
           </a:p>
@@ -1148,7 +1187,7 @@
           <a:p>
             <a:fld id="{1D8BD707-D9CF-40AE-B4C6-C98DA3205C09}" type="datetimeFigureOut">
               <a:rPr lang="en-US"/>
-              <a:t>12/28/2022</a:t>
+              <a:t>1/1/2023</a:t>
             </a:fld>
             <a:endParaRPr lang="en-US"/>
           </a:p>
@@ -1296,7 +1335,7 @@
           <a:p>
             <a:fld id="{1D8BD707-D9CF-40AE-B4C6-C98DA3205C09}" type="datetimeFigureOut">
               <a:rPr lang="en-US"/>
-              <a:t>12/28/2022</a:t>
+              <a:t>1/1/2023</a:t>
             </a:fld>
             <a:endParaRPr lang="en-US"/>
           </a:p>
@@ -1445,7 +1484,7 @@
           <a:p>
             <a:fld id="{1D8BD707-D9CF-40AE-B4C6-C98DA3205C09}" type="datetimeFigureOut">
               <a:rPr lang="en-US"/>
-              <a:t>12/28/2022</a:t>
+              <a:t>1/1/2023</a:t>
             </a:fld>
             <a:endParaRPr lang="en-US"/>
           </a:p>
@@ -1714,7 +1753,7 @@
           <a:p>
             <a:fld id="{1D8BD707-D9CF-40AE-B4C6-C98DA3205C09}" type="datetimeFigureOut">
               <a:rPr lang="en-US"/>
-              <a:t>12/28/2022</a:t>
+              <a:t>1/1/2023</a:t>
             </a:fld>
             <a:endParaRPr lang="en-US"/>
           </a:p>
@@ -2002,7 +2041,7 @@
                 <a:latin typeface="Arial" panose="020B0604020202020204" pitchFamily="34" charset="0"/>
                 <a:cs typeface="Arial" panose="020B0604020202020204" pitchFamily="34" charset="0"/>
               </a:rPr>
-              <a:t>Silvia Pala                     10694997</a:t>
+              <a:t>Silvia Pala                      10694997</a:t>
             </a:r>
           </a:p>
           <a:p>
@@ -2917,8 +2956,8 @@
           </a:prstGeom>
         </p:spPr>
       </p:pic>
-      <mc:AlternateContent xmlns:mc="http://schemas.openxmlformats.org/markup-compatibility/2006">
-        <mc:Choice xmlns:a14="http://schemas.microsoft.com/office/drawing/2010/main" Requires="a14">
+      <mc:AlternateContent xmlns:mc="http://schemas.openxmlformats.org/markup-compatibility/2006" xmlns:a14="http://schemas.microsoft.com/office/drawing/2010/main">
+        <mc:Choice Requires="a14">
           <p:sp>
             <p:nvSpPr>
               <p:cNvPr id="7" name="CasellaDiTesto 6">
@@ -3180,7 +3219,7 @@
             </p:txBody>
           </p:sp>
         </mc:Choice>
-        <mc:Fallback>
+        <mc:Fallback xmlns="">
           <p:sp>
             <p:nvSpPr>
               <p:cNvPr id="7" name="CasellaDiTesto 6">
@@ -3225,8 +3264,8 @@
           </p:sp>
         </mc:Fallback>
       </mc:AlternateContent>
-      <mc:AlternateContent xmlns:mc="http://schemas.openxmlformats.org/markup-compatibility/2006">
-        <mc:Choice xmlns:a14="http://schemas.microsoft.com/office/drawing/2010/main" Requires="a14">
+      <mc:AlternateContent xmlns:mc="http://schemas.openxmlformats.org/markup-compatibility/2006" xmlns:a14="http://schemas.microsoft.com/office/drawing/2010/main">
+        <mc:Choice Requires="a14">
           <p:sp>
             <p:nvSpPr>
               <p:cNvPr id="9" name="CasellaDiTesto 8">
@@ -3565,7 +3604,7 @@
             </p:txBody>
           </p:sp>
         </mc:Choice>
-        <mc:Fallback>
+        <mc:Fallback xmlns="">
           <p:sp>
             <p:nvSpPr>
               <p:cNvPr id="9" name="CasellaDiTesto 8">
@@ -3722,8 +3761,8 @@
           </a:p>
         </p:txBody>
       </p:sp>
-      <mc:AlternateContent xmlns:mc="http://schemas.openxmlformats.org/markup-compatibility/2006">
-        <mc:Choice xmlns:a14="http://schemas.microsoft.com/office/drawing/2010/main" Requires="a14">
+      <mc:AlternateContent xmlns:mc="http://schemas.openxmlformats.org/markup-compatibility/2006" xmlns:a14="http://schemas.microsoft.com/office/drawing/2010/main">
+        <mc:Choice Requires="a14">
           <p:sp>
             <p:nvSpPr>
               <p:cNvPr id="8" name="CasellaDiTesto 7">
@@ -3804,19 +3843,7 @@
                         <a:rPr lang="it-IT" b="0" i="1" smtClean="0">
                           <a:latin typeface="Cambria Math" panose="02040503050406030204" pitchFamily="18" charset="0"/>
                         </a:rPr>
-                        <m:t>=</m:t>
-                      </m:r>
-                      <m:r>
-                        <a:rPr lang="it-IT" b="0" i="1" smtClean="0">
-                          <a:latin typeface="Cambria Math" panose="02040503050406030204" pitchFamily="18" charset="0"/>
-                        </a:rPr>
-                        <m:t>1,0860</m:t>
-                      </m:r>
-                      <m:r>
-                        <a:rPr lang="it-IT" b="0" i="1" smtClean="0">
-                          <a:latin typeface="Cambria Math" panose="02040503050406030204" pitchFamily="18" charset="0"/>
-                        </a:rPr>
-                        <m:t> ∗</m:t>
+                        <m:t>=1,0860 ∗</m:t>
                       </m:r>
                       <m:sSup>
                         <m:sSupPr>
@@ -3899,19 +3926,7 @@
                         <a:rPr lang="it-IT" b="0" i="1" smtClean="0">
                           <a:latin typeface="Cambria Math" panose="02040503050406030204" pitchFamily="18" charset="0"/>
                         </a:rPr>
-                        <m:t>=0,</m:t>
-                      </m:r>
-                      <m:r>
-                        <a:rPr lang="it-IT" b="0" i="1" smtClean="0">
-                          <a:latin typeface="Cambria Math" panose="02040503050406030204" pitchFamily="18" charset="0"/>
-                        </a:rPr>
-                        <m:t>2332</m:t>
-                      </m:r>
-                      <m:r>
-                        <a:rPr lang="it-IT" b="0" i="1" smtClean="0">
-                          <a:latin typeface="Cambria Math" panose="02040503050406030204" pitchFamily="18" charset="0"/>
-                        </a:rPr>
-                        <m:t> </m:t>
+                        <m:t>=0,2332 </m:t>
                       </m:r>
                     </m:oMath>
                   </m:oMathPara>
@@ -3955,19 +3970,7 @@
                         <a:rPr lang="it-IT" b="0" i="1" smtClean="0">
                           <a:latin typeface="Cambria Math" panose="02040503050406030204" pitchFamily="18" charset="0"/>
                         </a:rPr>
-                        <m:t>=</m:t>
-                      </m:r>
-                      <m:r>
-                        <a:rPr lang="it-IT" b="0" i="1" smtClean="0">
-                          <a:latin typeface="Cambria Math" panose="02040503050406030204" pitchFamily="18" charset="0"/>
-                        </a:rPr>
-                        <m:t>30,2751</m:t>
-                      </m:r>
-                      <m:r>
-                        <a:rPr lang="it-IT" b="0" i="1" smtClean="0">
-                          <a:latin typeface="Cambria Math" panose="02040503050406030204" pitchFamily="18" charset="0"/>
-                        </a:rPr>
-                        <m:t>°</m:t>
+                        <m:t>=30,2751°</m:t>
                       </m:r>
                     </m:oMath>
                     <m:oMath xmlns:m="http://schemas.openxmlformats.org/officeDocument/2006/math">
@@ -4003,19 +4006,7 @@
                         <a:rPr lang="it-IT" b="0" i="1" smtClean="0">
                           <a:latin typeface="Cambria Math" panose="02040503050406030204" pitchFamily="18" charset="0"/>
                         </a:rPr>
-                        <m:t>=</m:t>
-                      </m:r>
-                      <m:r>
-                        <a:rPr lang="it-IT" b="0" i="1" smtClean="0">
-                          <a:latin typeface="Cambria Math" panose="02040503050406030204" pitchFamily="18" charset="0"/>
-                        </a:rPr>
-                        <m:t>173,2051</m:t>
-                      </m:r>
-                      <m:r>
-                        <a:rPr lang="it-IT" b="0" i="1" smtClean="0">
-                          <a:latin typeface="Cambria Math" panose="02040503050406030204" pitchFamily="18" charset="0"/>
-                        </a:rPr>
-                        <m:t>°</m:t>
+                        <m:t>=173,2051°</m:t>
                       </m:r>
                     </m:oMath>
                   </m:oMathPara>
@@ -4059,19 +4050,7 @@
                         <a:rPr lang="it-IT" b="0" i="1" smtClean="0">
                           <a:latin typeface="Cambria Math" panose="02040503050406030204" pitchFamily="18" charset="0"/>
                         </a:rPr>
-                        <m:t>=</m:t>
-                      </m:r>
-                      <m:r>
-                        <a:rPr lang="it-IT" b="0" i="1" smtClean="0">
-                          <a:latin typeface="Cambria Math" panose="02040503050406030204" pitchFamily="18" charset="0"/>
-                        </a:rPr>
-                        <m:t>24,6315</m:t>
-                      </m:r>
-                      <m:r>
-                        <a:rPr lang="it-IT" b="0" i="1" smtClean="0">
-                          <a:latin typeface="Cambria Math" panose="02040503050406030204" pitchFamily="18" charset="0"/>
-                        </a:rPr>
-                        <m:t>°</m:t>
+                        <m:t>=24,6315°</m:t>
                       </m:r>
                     </m:oMath>
                   </m:oMathPara>
@@ -4115,19 +4094,7 @@
                         <a:rPr lang="it-IT" b="0" i="1" smtClean="0">
                           <a:latin typeface="Cambria Math" panose="02040503050406030204" pitchFamily="18" charset="0"/>
                         </a:rPr>
-                        <m:t>=</m:t>
-                      </m:r>
-                      <m:r>
-                        <a:rPr lang="it-IT" b="0" i="1" smtClean="0">
-                          <a:latin typeface="Cambria Math" panose="02040503050406030204" pitchFamily="18" charset="0"/>
-                        </a:rPr>
-                        <m:t>18,9993</m:t>
-                      </m:r>
-                      <m:r>
-                        <a:rPr lang="it-IT" b="0" i="1" smtClean="0">
-                          <a:latin typeface="Cambria Math" panose="02040503050406030204" pitchFamily="18" charset="0"/>
-                        </a:rPr>
-                        <m:t>°</m:t>
+                        <m:t>=18,9993°</m:t>
                       </m:r>
                     </m:oMath>
                   </m:oMathPara>
@@ -4137,7 +4104,7 @@
             </p:txBody>
           </p:sp>
         </mc:Choice>
-        <mc:Fallback>
+        <mc:Fallback xmlns="">
           <p:sp>
             <p:nvSpPr>
               <p:cNvPr id="8" name="CasellaDiTesto 7">
@@ -4182,8 +4149,8 @@
           </p:sp>
         </mc:Fallback>
       </mc:AlternateContent>
-      <mc:AlternateContent xmlns:mc="http://schemas.openxmlformats.org/markup-compatibility/2006">
-        <mc:Choice xmlns:a14="http://schemas.microsoft.com/office/drawing/2010/main" Requires="a14">
+      <mc:AlternateContent xmlns:mc="http://schemas.openxmlformats.org/markup-compatibility/2006" xmlns:a14="http://schemas.microsoft.com/office/drawing/2010/main">
+        <mc:Choice Requires="a14">
           <p:sp>
             <p:nvSpPr>
               <p:cNvPr id="10" name="CasellaDiTesto 9">
@@ -4264,7 +4231,13 @@
                                 <a:rPr lang="it-IT" sz="1800" b="0" i="1" smtClean="0">
                                   <a:latin typeface="Cambria Math" panose="02040503050406030204" pitchFamily="18" charset="0"/>
                                 </a:rPr>
-                                <m:t>−6640,6140</m:t>
+                                <m:t>−</m:t>
+                              </m:r>
+                              <m:r>
+                                <a:rPr lang="it-IT" sz="1800" b="0" i="1" smtClean="0">
+                                  <a:latin typeface="Cambria Math" panose="02040503050406030204" pitchFamily="18" charset="0"/>
+                                </a:rPr>
+                                <m:t>6640,6140</m:t>
                               </m:r>
                             </m:e>
                           </m:mr>
@@ -4364,13 +4337,7 @@
                                 <a:rPr lang="it-IT" sz="1800" b="0" i="1" smtClean="0">
                                   <a:latin typeface="Cambria Math" panose="02040503050406030204" pitchFamily="18" charset="0"/>
                                 </a:rPr>
-                                <m:t>,2</m:t>
-                              </m:r>
-                              <m:r>
-                                <a:rPr lang="it-IT" sz="1800" b="0" i="1" smtClean="0">
-                                  <a:latin typeface="Cambria Math" panose="02040503050406030204" pitchFamily="18" charset="0"/>
-                                </a:rPr>
-                                <m:t>742</m:t>
+                                <m:t>,2742</m:t>
                               </m:r>
                             </m:e>
                           </m:mr>
@@ -4445,7 +4412,7 @@
             </p:txBody>
           </p:sp>
         </mc:Choice>
-        <mc:Fallback>
+        <mc:Fallback xmlns="">
           <p:sp>
             <p:nvSpPr>
               <p:cNvPr id="10" name="CasellaDiTesto 9">
@@ -5084,6 +5051,36 @@
           </a:p>
         </p:txBody>
       </p:sp>
+      <p:pic>
+        <p:nvPicPr>
+          <p:cNvPr id="7" name="Immagine 6">
+            <a:extLst>
+              <a:ext uri="{FF2B5EF4-FFF2-40B4-BE49-F238E27FC236}">
+                <a16:creationId xmlns:a16="http://schemas.microsoft.com/office/drawing/2014/main" id="{66049390-7025-1CE0-C0BF-B49AD9A5AEDF}"/>
+              </a:ext>
+            </a:extLst>
+          </p:cNvPr>
+          <p:cNvPicPr>
+            <a:picLocks noChangeAspect="1"/>
+          </p:cNvPicPr>
+          <p:nvPr/>
+        </p:nvPicPr>
+        <p:blipFill>
+          <a:blip r:embed="rId2"/>
+          <a:stretch>
+            <a:fillRect/>
+          </a:stretch>
+        </p:blipFill>
+        <p:spPr>
+          <a:xfrm>
+            <a:off x="3657600" y="1125454"/>
+            <a:ext cx="5363835" cy="4607092"/>
+          </a:xfrm>
+          <a:prstGeom prst="rect">
+            <a:avLst/>
+          </a:prstGeom>
+        </p:spPr>
+      </p:pic>
     </p:spTree>
   </p:cSld>
   <p:clrMapOvr>

--- a/Modelli relazione/ppt_presentazione.pptx
+++ b/Modelli relazione/ppt_presentazione.pptx
@@ -240,7 +240,7 @@
   <pc:docChgLst>
     <pc:chgData name="Silvia Pala" userId="f0133cc1-7ddc-4617-95f3-a1b241401a99" providerId="ADAL" clId="{B8AD580B-F48D-4C46-AD44-FB3D7B3B8CED}"/>
     <pc:docChg chg="custSel modSld">
-      <pc:chgData name="Silvia Pala" userId="f0133cc1-7ddc-4617-95f3-a1b241401a99" providerId="ADAL" clId="{B8AD580B-F48D-4C46-AD44-FB3D7B3B8CED}" dt="2023-01-02T00:14:34.928" v="11" actId="1076"/>
+      <pc:chgData name="Silvia Pala" userId="f0133cc1-7ddc-4617-95f3-a1b241401a99" providerId="ADAL" clId="{B8AD580B-F48D-4C46-AD44-FB3D7B3B8CED}" dt="2023-01-02T20:45:24.011" v="58" actId="14100"/>
       <pc:docMkLst>
         <pc:docMk/>
       </pc:docMkLst>
@@ -259,8 +259,77 @@
           </ac:spMkLst>
         </pc:spChg>
       </pc:sldChg>
+      <pc:sldChg chg="addSp modSp mod">
+        <pc:chgData name="Silvia Pala" userId="f0133cc1-7ddc-4617-95f3-a1b241401a99" providerId="ADAL" clId="{B8AD580B-F48D-4C46-AD44-FB3D7B3B8CED}" dt="2023-01-02T20:12:42.253" v="22" actId="1076"/>
+        <pc:sldMkLst>
+          <pc:docMk/>
+          <pc:sldMk cId="0" sldId="260"/>
+        </pc:sldMkLst>
+        <pc:picChg chg="add mod">
+          <ac:chgData name="Silvia Pala" userId="f0133cc1-7ddc-4617-95f3-a1b241401a99" providerId="ADAL" clId="{B8AD580B-F48D-4C46-AD44-FB3D7B3B8CED}" dt="2023-01-02T20:12:42.253" v="22" actId="1076"/>
+          <ac:picMkLst>
+            <pc:docMk/>
+            <pc:sldMk cId="0" sldId="260"/>
+            <ac:picMk id="5" creationId="{3B7658AD-6357-64AA-4C0A-C4B7E0A08F02}"/>
+          </ac:picMkLst>
+        </pc:picChg>
+      </pc:sldChg>
       <pc:sldChg chg="addSp delSp modSp mod">
-        <pc:chgData name="Silvia Pala" userId="f0133cc1-7ddc-4617-95f3-a1b241401a99" providerId="ADAL" clId="{B8AD580B-F48D-4C46-AD44-FB3D7B3B8CED}" dt="2023-01-02T00:14:34.928" v="11" actId="1076"/>
+        <pc:chgData name="Silvia Pala" userId="f0133cc1-7ddc-4617-95f3-a1b241401a99" providerId="ADAL" clId="{B8AD580B-F48D-4C46-AD44-FB3D7B3B8CED}" dt="2023-01-02T20:45:03.454" v="55" actId="1076"/>
+        <pc:sldMkLst>
+          <pc:docMk/>
+          <pc:sldMk cId="0" sldId="261"/>
+        </pc:sldMkLst>
+        <pc:picChg chg="add del mod">
+          <ac:chgData name="Silvia Pala" userId="f0133cc1-7ddc-4617-95f3-a1b241401a99" providerId="ADAL" clId="{B8AD580B-F48D-4C46-AD44-FB3D7B3B8CED}" dt="2023-01-02T20:26:00.225" v="30" actId="478"/>
+          <ac:picMkLst>
+            <pc:docMk/>
+            <pc:sldMk cId="0" sldId="261"/>
+            <ac:picMk id="5" creationId="{E2540B7C-8B50-68A2-0BC2-AA39FEAFB416}"/>
+          </ac:picMkLst>
+        </pc:picChg>
+        <pc:picChg chg="add mod">
+          <ac:chgData name="Silvia Pala" userId="f0133cc1-7ddc-4617-95f3-a1b241401a99" providerId="ADAL" clId="{B8AD580B-F48D-4C46-AD44-FB3D7B3B8CED}" dt="2023-01-02T20:45:03.454" v="55" actId="1076"/>
+          <ac:picMkLst>
+            <pc:docMk/>
+            <pc:sldMk cId="0" sldId="261"/>
+            <ac:picMk id="7" creationId="{3DAE5DC2-CFC1-31DB-FA71-AC08E22E0740}"/>
+          </ac:picMkLst>
+        </pc:picChg>
+      </pc:sldChg>
+      <pc:sldChg chg="addSp delSp modSp mod">
+        <pc:chgData name="Silvia Pala" userId="f0133cc1-7ddc-4617-95f3-a1b241401a99" providerId="ADAL" clId="{B8AD580B-F48D-4C46-AD44-FB3D7B3B8CED}" dt="2023-01-02T20:45:17.585" v="57" actId="1076"/>
+        <pc:sldMkLst>
+          <pc:docMk/>
+          <pc:sldMk cId="0" sldId="266"/>
+        </pc:sldMkLst>
+        <pc:picChg chg="add del">
+          <ac:chgData name="Silvia Pala" userId="f0133cc1-7ddc-4617-95f3-a1b241401a99" providerId="ADAL" clId="{B8AD580B-F48D-4C46-AD44-FB3D7B3B8CED}" dt="2023-01-02T20:31:09.045" v="41" actId="478"/>
+          <ac:picMkLst>
+            <pc:docMk/>
+            <pc:sldMk cId="0" sldId="266"/>
+            <ac:picMk id="5" creationId="{A860C61B-EFE2-06C9-B2FA-AC6AEB9CC4A7}"/>
+          </ac:picMkLst>
+        </pc:picChg>
+        <pc:picChg chg="add del mod">
+          <ac:chgData name="Silvia Pala" userId="f0133cc1-7ddc-4617-95f3-a1b241401a99" providerId="ADAL" clId="{B8AD580B-F48D-4C46-AD44-FB3D7B3B8CED}" dt="2023-01-02T20:42:46.543" v="50" actId="478"/>
+          <ac:picMkLst>
+            <pc:docMk/>
+            <pc:sldMk cId="0" sldId="266"/>
+            <ac:picMk id="7" creationId="{2E40805C-E4CB-F58E-1A34-723A8BCF8528}"/>
+          </ac:picMkLst>
+        </pc:picChg>
+        <pc:picChg chg="add mod">
+          <ac:chgData name="Silvia Pala" userId="f0133cc1-7ddc-4617-95f3-a1b241401a99" providerId="ADAL" clId="{B8AD580B-F48D-4C46-AD44-FB3D7B3B8CED}" dt="2023-01-02T20:45:17.585" v="57" actId="1076"/>
+          <ac:picMkLst>
+            <pc:docMk/>
+            <pc:sldMk cId="0" sldId="266"/>
+            <ac:picMk id="9" creationId="{73635D9D-B9BA-5722-9C68-BE33639D2BAF}"/>
+          </ac:picMkLst>
+        </pc:picChg>
+      </pc:sldChg>
+      <pc:sldChg chg="addSp delSp modSp mod">
+        <pc:chgData name="Silvia Pala" userId="f0133cc1-7ddc-4617-95f3-a1b241401a99" providerId="ADAL" clId="{B8AD580B-F48D-4C46-AD44-FB3D7B3B8CED}" dt="2023-01-02T20:45:24.011" v="58" actId="14100"/>
         <pc:sldMkLst>
           <pc:docMk/>
           <pc:sldMk cId="0" sldId="268"/>
@@ -274,11 +343,34 @@
           </ac:picMkLst>
         </pc:picChg>
         <pc:picChg chg="add mod">
-          <ac:chgData name="Silvia Pala" userId="f0133cc1-7ddc-4617-95f3-a1b241401a99" providerId="ADAL" clId="{B8AD580B-F48D-4C46-AD44-FB3D7B3B8CED}" dt="2023-01-02T00:14:34.928" v="11" actId="1076"/>
+          <ac:chgData name="Silvia Pala" userId="f0133cc1-7ddc-4617-95f3-a1b241401a99" providerId="ADAL" clId="{B8AD580B-F48D-4C46-AD44-FB3D7B3B8CED}" dt="2023-01-02T20:45:24.011" v="58" actId="14100"/>
           <ac:picMkLst>
             <pc:docMk/>
             <pc:sldMk cId="0" sldId="268"/>
             <ac:picMk id="7" creationId="{66049390-7025-1CE0-C0BF-B49AD9A5AEDF}"/>
+          </ac:picMkLst>
+        </pc:picChg>
+      </pc:sldChg>
+      <pc:sldChg chg="addSp delSp modSp mod">
+        <pc:chgData name="Silvia Pala" userId="f0133cc1-7ddc-4617-95f3-a1b241401a99" providerId="ADAL" clId="{B8AD580B-F48D-4C46-AD44-FB3D7B3B8CED}" dt="2023-01-02T20:45:10.067" v="56" actId="1076"/>
+        <pc:sldMkLst>
+          <pc:docMk/>
+          <pc:sldMk cId="3600729209" sldId="301"/>
+        </pc:sldMkLst>
+        <pc:picChg chg="add del mod">
+          <ac:chgData name="Silvia Pala" userId="f0133cc1-7ddc-4617-95f3-a1b241401a99" providerId="ADAL" clId="{B8AD580B-F48D-4C46-AD44-FB3D7B3B8CED}" dt="2023-01-02T20:39:54.434" v="45" actId="478"/>
+          <ac:picMkLst>
+            <pc:docMk/>
+            <pc:sldMk cId="3600729209" sldId="301"/>
+            <ac:picMk id="5" creationId="{4108AD36-D40F-53E6-C98B-9A09A903E1F2}"/>
+          </ac:picMkLst>
+        </pc:picChg>
+        <pc:picChg chg="add mod">
+          <ac:chgData name="Silvia Pala" userId="f0133cc1-7ddc-4617-95f3-a1b241401a99" providerId="ADAL" clId="{B8AD580B-F48D-4C46-AD44-FB3D7B3B8CED}" dt="2023-01-02T20:45:10.067" v="56" actId="1076"/>
+          <ac:picMkLst>
+            <pc:docMk/>
+            <pc:sldMk cId="3600729209" sldId="301"/>
+            <ac:picMk id="7" creationId="{FCAD97BF-0497-DA4C-5967-3B930CE081FB}"/>
           </ac:picMkLst>
         </pc:picChg>
       </pc:sldChg>
@@ -796,7 +888,7 @@
           <a:p>
             <a:fld id="{1D8BD707-D9CF-40AE-B4C6-C98DA3205C09}" type="datetimeFigureOut">
               <a:rPr lang="en-US"/>
-              <a:t>1/1/2023</a:t>
+              <a:t>1/2/2023</a:t>
             </a:fld>
             <a:endParaRPr lang="en-US"/>
           </a:p>
@@ -973,7 +1065,7 @@
           <a:p>
             <a:fld id="{1D8BD707-D9CF-40AE-B4C6-C98DA3205C09}" type="datetimeFigureOut">
               <a:rPr lang="en-US"/>
-              <a:t>1/1/2023</a:t>
+              <a:t>1/2/2023</a:t>
             </a:fld>
             <a:endParaRPr lang="en-US"/>
           </a:p>
@@ -1187,7 +1279,7 @@
           <a:p>
             <a:fld id="{1D8BD707-D9CF-40AE-B4C6-C98DA3205C09}" type="datetimeFigureOut">
               <a:rPr lang="en-US"/>
-              <a:t>1/1/2023</a:t>
+              <a:t>1/2/2023</a:t>
             </a:fld>
             <a:endParaRPr lang="en-US"/>
           </a:p>
@@ -1335,7 +1427,7 @@
           <a:p>
             <a:fld id="{1D8BD707-D9CF-40AE-B4C6-C98DA3205C09}" type="datetimeFigureOut">
               <a:rPr lang="en-US"/>
-              <a:t>1/1/2023</a:t>
+              <a:t>1/2/2023</a:t>
             </a:fld>
             <a:endParaRPr lang="en-US"/>
           </a:p>
@@ -1484,7 +1576,7 @@
           <a:p>
             <a:fld id="{1D8BD707-D9CF-40AE-B4C6-C98DA3205C09}" type="datetimeFigureOut">
               <a:rPr lang="en-US"/>
-              <a:t>1/1/2023</a:t>
+              <a:t>1/2/2023</a:t>
             </a:fld>
             <a:endParaRPr lang="en-US"/>
           </a:p>
@@ -1753,7 +1845,7 @@
           <a:p>
             <a:fld id="{1D8BD707-D9CF-40AE-B4C6-C98DA3205C09}" type="datetimeFigureOut">
               <a:rPr lang="en-US"/>
-              <a:t>1/1/2023</a:t>
+              <a:t>1/2/2023</a:t>
             </a:fld>
             <a:endParaRPr lang="en-US"/>
           </a:p>
@@ -4598,6 +4690,36 @@
           </a:p>
         </p:txBody>
       </p:sp>
+      <p:pic>
+        <p:nvPicPr>
+          <p:cNvPr id="5" name="Immagine 4">
+            <a:extLst>
+              <a:ext uri="{FF2B5EF4-FFF2-40B4-BE49-F238E27FC236}">
+                <a16:creationId xmlns:a16="http://schemas.microsoft.com/office/drawing/2014/main" id="{3B7658AD-6357-64AA-4C0A-C4B7E0A08F02}"/>
+              </a:ext>
+            </a:extLst>
+          </p:cNvPr>
+          <p:cNvPicPr>
+            <a:picLocks noChangeAspect="1"/>
+          </p:cNvPicPr>
+          <p:nvPr/>
+        </p:nvPicPr>
+        <p:blipFill>
+          <a:blip r:embed="rId2"/>
+          <a:stretch>
+            <a:fillRect/>
+          </a:stretch>
+        </p:blipFill>
+        <p:spPr>
+          <a:xfrm>
+            <a:off x="4354720" y="1066800"/>
+            <a:ext cx="4481311" cy="3886200"/>
+          </a:xfrm>
+          <a:prstGeom prst="rect">
+            <a:avLst/>
+          </a:prstGeom>
+        </p:spPr>
+      </p:pic>
     </p:spTree>
   </p:cSld>
   <p:clrMapOvr>
@@ -4710,6 +4832,36 @@
           </a:p>
         </p:txBody>
       </p:sp>
+      <p:pic>
+        <p:nvPicPr>
+          <p:cNvPr id="7" name="Immagine 6">
+            <a:extLst>
+              <a:ext uri="{FF2B5EF4-FFF2-40B4-BE49-F238E27FC236}">
+                <a16:creationId xmlns:a16="http://schemas.microsoft.com/office/drawing/2014/main" id="{3DAE5DC2-CFC1-31DB-FA71-AC08E22E0740}"/>
+              </a:ext>
+            </a:extLst>
+          </p:cNvPr>
+          <p:cNvPicPr>
+            <a:picLocks noChangeAspect="1"/>
+          </p:cNvPicPr>
+          <p:nvPr/>
+        </p:nvPicPr>
+        <p:blipFill>
+          <a:blip r:embed="rId2"/>
+          <a:stretch>
+            <a:fillRect/>
+          </a:stretch>
+        </p:blipFill>
+        <p:spPr>
+          <a:xfrm>
+            <a:off x="4455733" y="990600"/>
+            <a:ext cx="4347334" cy="4157954"/>
+          </a:xfrm>
+          <a:prstGeom prst="rect">
+            <a:avLst/>
+          </a:prstGeom>
+        </p:spPr>
+      </p:pic>
     </p:spTree>
   </p:cSld>
   <p:clrMapOvr>
@@ -4822,6 +4974,36 @@
           </a:p>
         </p:txBody>
       </p:sp>
+      <p:pic>
+        <p:nvPicPr>
+          <p:cNvPr id="7" name="Immagine 6">
+            <a:extLst>
+              <a:ext uri="{FF2B5EF4-FFF2-40B4-BE49-F238E27FC236}">
+                <a16:creationId xmlns:a16="http://schemas.microsoft.com/office/drawing/2014/main" id="{FCAD97BF-0497-DA4C-5967-3B930CE081FB}"/>
+              </a:ext>
+            </a:extLst>
+          </p:cNvPr>
+          <p:cNvPicPr>
+            <a:picLocks noChangeAspect="1"/>
+          </p:cNvPicPr>
+          <p:nvPr/>
+        </p:nvPicPr>
+        <p:blipFill>
+          <a:blip r:embed="rId2"/>
+          <a:stretch>
+            <a:fillRect/>
+          </a:stretch>
+        </p:blipFill>
+        <p:spPr>
+          <a:xfrm>
+            <a:off x="4267200" y="1219200"/>
+            <a:ext cx="4643227" cy="3640378"/>
+          </a:xfrm>
+          <a:prstGeom prst="rect">
+            <a:avLst/>
+          </a:prstGeom>
+        </p:spPr>
+      </p:pic>
     </p:spTree>
     <p:extLst>
       <p:ext uri="{BB962C8B-B14F-4D97-AF65-F5344CB8AC3E}">
@@ -4939,6 +5121,36 @@
           </a:p>
         </p:txBody>
       </p:sp>
+      <p:pic>
+        <p:nvPicPr>
+          <p:cNvPr id="9" name="Immagine 8">
+            <a:extLst>
+              <a:ext uri="{FF2B5EF4-FFF2-40B4-BE49-F238E27FC236}">
+                <a16:creationId xmlns:a16="http://schemas.microsoft.com/office/drawing/2014/main" id="{73635D9D-B9BA-5722-9C68-BE33639D2BAF}"/>
+              </a:ext>
+            </a:extLst>
+          </p:cNvPr>
+          <p:cNvPicPr>
+            <a:picLocks noChangeAspect="1"/>
+          </p:cNvPicPr>
+          <p:nvPr/>
+        </p:nvPicPr>
+        <p:blipFill>
+          <a:blip r:embed="rId2"/>
+          <a:stretch>
+            <a:fillRect/>
+          </a:stretch>
+        </p:blipFill>
+        <p:spPr>
+          <a:xfrm>
+            <a:off x="4114800" y="1219200"/>
+            <a:ext cx="4768781" cy="4191000"/>
+          </a:xfrm>
+          <a:prstGeom prst="rect">
+            <a:avLst/>
+          </a:prstGeom>
+        </p:spPr>
+      </p:pic>
     </p:spTree>
   </p:cSld>
   <p:clrMapOvr>
@@ -5073,8 +5285,8 @@
         </p:blipFill>
         <p:spPr>
           <a:xfrm>
-            <a:off x="3657600" y="1125454"/>
-            <a:ext cx="5363835" cy="4607092"/>
+            <a:off x="4408186" y="1143000"/>
+            <a:ext cx="4613249" cy="3962400"/>
           </a:xfrm>
           <a:prstGeom prst="rect">
             <a:avLst/>

--- a/Modelli relazione/ppt_presentazione.pptx
+++ b/Modelli relazione/ppt_presentazione.pptx
@@ -18,7 +18,8 @@
     <p:sldId id="270" r:id="rId12"/>
     <p:sldId id="302" r:id="rId13"/>
     <p:sldId id="303" r:id="rId14"/>
-    <p:sldId id="300" r:id="rId15"/>
+    <p:sldId id="304" r:id="rId15"/>
+    <p:sldId id="300" r:id="rId16"/>
   </p:sldIdLst>
   <p:sldSz cx="9144000" cy="6858000" type="screen4x3"/>
   <p:notesSz cx="9144000" cy="6858000"/>
@@ -136,6 +137,14 @@
 </p:presentation>
 </file>
 
+<file path=ppt/revisionInfo.xml><?xml version="1.0" encoding="utf-8"?>
+<p1510:revInfo xmlns:a="http://schemas.openxmlformats.org/drawingml/2006/main" xmlns:r="http://schemas.openxmlformats.org/officeDocument/2006/relationships" xmlns:p1510="http://schemas.microsoft.com/office/powerpoint/2015/10/main">
+  <p1510:revLst>
+    <p1510:client id="{B8AD580B-F48D-4C46-AD44-FB3D7B3B8CED}" v="1" dt="2023-01-02T20:49:03.315"/>
+  </p1510:revLst>
+</p1510:revInfo>
+</file>
+
 <file path=ppt/changesInfos/changesInfo1.xml><?xml version="1.0" encoding="utf-8"?>
 <pc:chgInfo xmlns:a="http://schemas.openxmlformats.org/drawingml/2006/main" xmlns:r="http://schemas.openxmlformats.org/officeDocument/2006/relationships" xmlns:ac="http://schemas.microsoft.com/office/drawing/2013/main/command" xmlns:pc="http://schemas.microsoft.com/office/powerpoint/2013/main/command">
   <pc:docChgLst>
@@ -239,8 +248,8 @@
   </pc:docChgLst>
   <pc:docChgLst>
     <pc:chgData name="Silvia Pala" userId="f0133cc1-7ddc-4617-95f3-a1b241401a99" providerId="ADAL" clId="{B8AD580B-F48D-4C46-AD44-FB3D7B3B8CED}"/>
-    <pc:docChg chg="custSel modSld">
-      <pc:chgData name="Silvia Pala" userId="f0133cc1-7ddc-4617-95f3-a1b241401a99" providerId="ADAL" clId="{B8AD580B-F48D-4C46-AD44-FB3D7B3B8CED}" dt="2023-01-02T20:45:24.011" v="58" actId="14100"/>
+    <pc:docChg chg="custSel addSld modSld">
+      <pc:chgData name="Silvia Pala" userId="f0133cc1-7ddc-4617-95f3-a1b241401a99" providerId="ADAL" clId="{B8AD580B-F48D-4C46-AD44-FB3D7B3B8CED}" dt="2023-01-02T20:50:17.372" v="228" actId="14100"/>
       <pc:docMkLst>
         <pc:docMk/>
       </pc:docMkLst>
@@ -329,11 +338,19 @@
         </pc:picChg>
       </pc:sldChg>
       <pc:sldChg chg="addSp delSp modSp mod">
-        <pc:chgData name="Silvia Pala" userId="f0133cc1-7ddc-4617-95f3-a1b241401a99" providerId="ADAL" clId="{B8AD580B-F48D-4C46-AD44-FB3D7B3B8CED}" dt="2023-01-02T20:45:24.011" v="58" actId="14100"/>
+        <pc:chgData name="Silvia Pala" userId="f0133cc1-7ddc-4617-95f3-a1b241401a99" providerId="ADAL" clId="{B8AD580B-F48D-4C46-AD44-FB3D7B3B8CED}" dt="2023-01-02T20:49:42.664" v="226" actId="14100"/>
         <pc:sldMkLst>
           <pc:docMk/>
           <pc:sldMk cId="0" sldId="268"/>
         </pc:sldMkLst>
+        <pc:spChg chg="mod">
+          <ac:chgData name="Silvia Pala" userId="f0133cc1-7ddc-4617-95f3-a1b241401a99" providerId="ADAL" clId="{B8AD580B-F48D-4C46-AD44-FB3D7B3B8CED}" dt="2023-01-02T20:49:42.664" v="226" actId="14100"/>
+          <ac:spMkLst>
+            <pc:docMk/>
+            <pc:sldMk cId="0" sldId="268"/>
+            <ac:spMk id="2" creationId="{00000000-0000-0000-0000-000000000000}"/>
+          </ac:spMkLst>
+        </pc:spChg>
         <pc:picChg chg="add del mod">
           <ac:chgData name="Silvia Pala" userId="f0133cc1-7ddc-4617-95f3-a1b241401a99" providerId="ADAL" clId="{B8AD580B-F48D-4C46-AD44-FB3D7B3B8CED}" dt="2023-01-02T00:14:31.899" v="10" actId="478"/>
           <ac:picMkLst>
@@ -342,12 +359,50 @@
             <ac:picMk id="5" creationId="{94D147B6-1CD2-99E4-9264-6CD2A419CFE1}"/>
           </ac:picMkLst>
         </pc:picChg>
-        <pc:picChg chg="add mod">
-          <ac:chgData name="Silvia Pala" userId="f0133cc1-7ddc-4617-95f3-a1b241401a99" providerId="ADAL" clId="{B8AD580B-F48D-4C46-AD44-FB3D7B3B8CED}" dt="2023-01-02T20:45:24.011" v="58" actId="14100"/>
+        <pc:picChg chg="add del mod">
+          <ac:chgData name="Silvia Pala" userId="f0133cc1-7ddc-4617-95f3-a1b241401a99" providerId="ADAL" clId="{B8AD580B-F48D-4C46-AD44-FB3D7B3B8CED}" dt="2023-01-02T20:49:06.589" v="171" actId="478"/>
           <ac:picMkLst>
             <pc:docMk/>
             <pc:sldMk cId="0" sldId="268"/>
             <ac:picMk id="7" creationId="{66049390-7025-1CE0-C0BF-B49AD9A5AEDF}"/>
+          </ac:picMkLst>
+        </pc:picChg>
+      </pc:sldChg>
+      <pc:sldChg chg="modSp mod">
+        <pc:chgData name="Silvia Pala" userId="f0133cc1-7ddc-4617-95f3-a1b241401a99" providerId="ADAL" clId="{B8AD580B-F48D-4C46-AD44-FB3D7B3B8CED}" dt="2023-01-02T20:50:17.372" v="228" actId="14100"/>
+        <pc:sldMkLst>
+          <pc:docMk/>
+          <pc:sldMk cId="0" sldId="269"/>
+        </pc:sldMkLst>
+        <pc:spChg chg="mod">
+          <ac:chgData name="Silvia Pala" userId="f0133cc1-7ddc-4617-95f3-a1b241401a99" providerId="ADAL" clId="{B8AD580B-F48D-4C46-AD44-FB3D7B3B8CED}" dt="2023-01-02T20:50:17.372" v="228" actId="14100"/>
+          <ac:spMkLst>
+            <pc:docMk/>
+            <pc:sldMk cId="0" sldId="269"/>
+            <ac:spMk id="2" creationId="{00000000-0000-0000-0000-000000000000}"/>
+          </ac:spMkLst>
+        </pc:spChg>
+      </pc:sldChg>
+      <pc:sldChg chg="addSp modSp mod">
+        <pc:chgData name="Silvia Pala" userId="f0133cc1-7ddc-4617-95f3-a1b241401a99" providerId="ADAL" clId="{B8AD580B-F48D-4C46-AD44-FB3D7B3B8CED}" dt="2023-01-02T20:49:03.315" v="170"/>
+        <pc:sldMkLst>
+          <pc:docMk/>
+          <pc:sldMk cId="0" sldId="270"/>
+        </pc:sldMkLst>
+        <pc:spChg chg="mod">
+          <ac:chgData name="Silvia Pala" userId="f0133cc1-7ddc-4617-95f3-a1b241401a99" providerId="ADAL" clId="{B8AD580B-F48D-4C46-AD44-FB3D7B3B8CED}" dt="2023-01-02T20:48:30.113" v="132" actId="6549"/>
+          <ac:spMkLst>
+            <pc:docMk/>
+            <pc:sldMk cId="0" sldId="270"/>
+            <ac:spMk id="2" creationId="{00000000-0000-0000-0000-000000000000}"/>
+          </ac:spMkLst>
+        </pc:spChg>
+        <pc:picChg chg="add mod">
+          <ac:chgData name="Silvia Pala" userId="f0133cc1-7ddc-4617-95f3-a1b241401a99" providerId="ADAL" clId="{B8AD580B-F48D-4C46-AD44-FB3D7B3B8CED}" dt="2023-01-02T20:49:03.315" v="170"/>
+          <ac:picMkLst>
+            <pc:docMk/>
+            <pc:sldMk cId="0" sldId="270"/>
+            <ac:picMk id="4" creationId="{DB03CAE0-7516-E087-D656-98254CE43E8C}"/>
           </ac:picMkLst>
         </pc:picChg>
       </pc:sldChg>
@@ -373,6 +428,51 @@
             <ac:picMk id="7" creationId="{FCAD97BF-0497-DA4C-5967-3B930CE081FB}"/>
           </ac:picMkLst>
         </pc:picChg>
+      </pc:sldChg>
+      <pc:sldChg chg="modSp mod">
+        <pc:chgData name="Silvia Pala" userId="f0133cc1-7ddc-4617-95f3-a1b241401a99" providerId="ADAL" clId="{B8AD580B-F48D-4C46-AD44-FB3D7B3B8CED}" dt="2023-01-02T20:48:13.790" v="120" actId="20577"/>
+        <pc:sldMkLst>
+          <pc:docMk/>
+          <pc:sldMk cId="3667043842" sldId="302"/>
+        </pc:sldMkLst>
+        <pc:spChg chg="mod">
+          <ac:chgData name="Silvia Pala" userId="f0133cc1-7ddc-4617-95f3-a1b241401a99" providerId="ADAL" clId="{B8AD580B-F48D-4C46-AD44-FB3D7B3B8CED}" dt="2023-01-02T20:48:13.790" v="120" actId="20577"/>
+          <ac:spMkLst>
+            <pc:docMk/>
+            <pc:sldMk cId="3667043842" sldId="302"/>
+            <ac:spMk id="2" creationId="{00000000-0000-0000-0000-000000000000}"/>
+          </ac:spMkLst>
+        </pc:spChg>
+      </pc:sldChg>
+      <pc:sldChg chg="modSp mod">
+        <pc:chgData name="Silvia Pala" userId="f0133cc1-7ddc-4617-95f3-a1b241401a99" providerId="ADAL" clId="{B8AD580B-F48D-4C46-AD44-FB3D7B3B8CED}" dt="2023-01-02T20:47:49.281" v="97" actId="20577"/>
+        <pc:sldMkLst>
+          <pc:docMk/>
+          <pc:sldMk cId="3867818285" sldId="303"/>
+        </pc:sldMkLst>
+        <pc:spChg chg="mod">
+          <ac:chgData name="Silvia Pala" userId="f0133cc1-7ddc-4617-95f3-a1b241401a99" providerId="ADAL" clId="{B8AD580B-F48D-4C46-AD44-FB3D7B3B8CED}" dt="2023-01-02T20:47:49.281" v="97" actId="20577"/>
+          <ac:spMkLst>
+            <pc:docMk/>
+            <pc:sldMk cId="3867818285" sldId="303"/>
+            <ac:spMk id="2" creationId="{00000000-0000-0000-0000-000000000000}"/>
+          </ac:spMkLst>
+        </pc:spChg>
+      </pc:sldChg>
+      <pc:sldChg chg="modSp add mod">
+        <pc:chgData name="Silvia Pala" userId="f0133cc1-7ddc-4617-95f3-a1b241401a99" providerId="ADAL" clId="{B8AD580B-F48D-4C46-AD44-FB3D7B3B8CED}" dt="2023-01-02T20:47:31.211" v="61" actId="20577"/>
+        <pc:sldMkLst>
+          <pc:docMk/>
+          <pc:sldMk cId="2839312188" sldId="304"/>
+        </pc:sldMkLst>
+        <pc:spChg chg="mod">
+          <ac:chgData name="Silvia Pala" userId="f0133cc1-7ddc-4617-95f3-a1b241401a99" providerId="ADAL" clId="{B8AD580B-F48D-4C46-AD44-FB3D7B3B8CED}" dt="2023-01-02T20:47:31.211" v="61" actId="20577"/>
+          <ac:spMkLst>
+            <pc:docMk/>
+            <pc:sldMk cId="2839312188" sldId="304"/>
+            <ac:spMk id="3" creationId="{00000000-0000-0000-0000-000000000000}"/>
+          </ac:spMkLst>
+        </pc:spChg>
       </pc:sldChg>
     </pc:docChg>
   </pc:docChgLst>
@@ -2271,7 +2371,7 @@
         <p:spPr>
           <a:xfrm>
             <a:off x="706627" y="211962"/>
-            <a:ext cx="3848735" cy="360680"/>
+            <a:ext cx="6913373" cy="350737"/>
           </a:xfrm>
           <a:prstGeom prst="rect">
             <a:avLst/>
@@ -2293,7 +2393,7 @@
             </a:pPr>
             <a:r>
               <a:rPr lang="it-IT" spc="-5" dirty="0"/>
-              <a:t>Alternativa 2: Secante</a:t>
+              <a:t>Confronto con altre Strategie Standard</a:t>
             </a:r>
             <a:endParaRPr spc="-5" dirty="0"/>
           </a:p>
@@ -2415,7 +2515,7 @@
             </a:pPr>
             <a:r>
               <a:rPr lang="it-IT" spc="-5" dirty="0"/>
-              <a:t>Alternativa 3: Tangente</a:t>
+              <a:t>Alternativa 1</a:t>
             </a:r>
             <a:endParaRPr spc="-5" dirty="0"/>
           </a:p>
@@ -2477,6 +2577,36 @@
           </a:p>
         </p:txBody>
       </p:sp>
+      <p:pic>
+        <p:nvPicPr>
+          <p:cNvPr id="4" name="Immagine 3">
+            <a:extLst>
+              <a:ext uri="{FF2B5EF4-FFF2-40B4-BE49-F238E27FC236}">
+                <a16:creationId xmlns:a16="http://schemas.microsoft.com/office/drawing/2014/main" id="{DB03CAE0-7516-E087-D656-98254CE43E8C}"/>
+              </a:ext>
+            </a:extLst>
+          </p:cNvPr>
+          <p:cNvPicPr>
+            <a:picLocks noChangeAspect="1"/>
+          </p:cNvPicPr>
+          <p:nvPr/>
+        </p:nvPicPr>
+        <p:blipFill>
+          <a:blip r:embed="rId2"/>
+          <a:stretch>
+            <a:fillRect/>
+          </a:stretch>
+        </p:blipFill>
+        <p:spPr>
+          <a:xfrm>
+            <a:off x="4408186" y="1143000"/>
+            <a:ext cx="4613249" cy="3962400"/>
+          </a:xfrm>
+          <a:prstGeom prst="rect">
+            <a:avLst/>
+          </a:prstGeom>
+        </p:spPr>
+      </p:pic>
     </p:spTree>
   </p:cSld>
   <p:clrMapOvr>
@@ -2537,7 +2667,7 @@
             </a:pPr>
             <a:r>
               <a:rPr lang="it-IT" spc="-5" dirty="0"/>
-              <a:t>Conclusioni</a:t>
+              <a:t>Alternativa 2: secante</a:t>
             </a:r>
             <a:endParaRPr spc="-5" dirty="0"/>
           </a:p>
@@ -2674,7 +2804,7 @@
             </a:pPr>
             <a:r>
               <a:rPr lang="it-IT" spc="-5" dirty="0"/>
-              <a:t>Conclusioni</a:t>
+              <a:t>Alternativa 3: tangente</a:t>
             </a:r>
             <a:endParaRPr spc="-5" dirty="0"/>
           </a:p>
@@ -2750,6 +2880,133 @@
 </file>
 
 <file path=ppt/slides/slide14.xml><?xml version="1.0" encoding="utf-8"?>
+<p:sld xmlns:a="http://schemas.openxmlformats.org/drawingml/2006/main" xmlns:r="http://schemas.openxmlformats.org/officeDocument/2006/relationships" xmlns:p="http://schemas.openxmlformats.org/presentationml/2006/main">
+  <p:cSld>
+    <p:spTree>
+      <p:nvGrpSpPr>
+        <p:cNvPr id="1" name=""/>
+        <p:cNvGrpSpPr/>
+        <p:nvPr/>
+      </p:nvGrpSpPr>
+      <p:grpSpPr>
+        <a:xfrm>
+          <a:off x="0" y="0"/>
+          <a:ext cx="0" cy="0"/>
+          <a:chOff x="0" y="0"/>
+          <a:chExt cx="0" cy="0"/>
+        </a:xfrm>
+      </p:grpSpPr>
+      <p:sp>
+        <p:nvSpPr>
+          <p:cNvPr id="2" name="object 2"/>
+          <p:cNvSpPr txBox="1">
+            <a:spLocks noGrp="1"/>
+          </p:cNvSpPr>
+          <p:nvPr>
+            <p:ph type="title"/>
+          </p:nvPr>
+        </p:nvSpPr>
+        <p:spPr>
+          <a:xfrm>
+            <a:off x="706627" y="211962"/>
+            <a:ext cx="3848735" cy="360680"/>
+          </a:xfrm>
+          <a:prstGeom prst="rect">
+            <a:avLst/>
+          </a:prstGeom>
+        </p:spPr>
+        <p:txBody>
+          <a:bodyPr vert="horz" wrap="square" lIns="0" tIns="12065" rIns="0" bIns="0" rtlCol="0">
+            <a:spAutoFit/>
+          </a:bodyPr>
+          <a:lstStyle/>
+          <a:p>
+            <a:pPr marL="12700">
+              <a:lnSpc>
+                <a:spcPct val="100000"/>
+              </a:lnSpc>
+              <a:spcBef>
+                <a:spcPts val="95"/>
+              </a:spcBef>
+            </a:pPr>
+            <a:r>
+              <a:rPr lang="it-IT" spc="-5" dirty="0"/>
+              <a:t>Conclusioni</a:t>
+            </a:r>
+            <a:endParaRPr spc="-5" dirty="0"/>
+          </a:p>
+        </p:txBody>
+      </p:sp>
+      <p:sp>
+        <p:nvSpPr>
+          <p:cNvPr id="3" name="object 3"/>
+          <p:cNvSpPr txBox="1"/>
+          <p:nvPr/>
+        </p:nvSpPr>
+        <p:spPr>
+          <a:xfrm>
+            <a:off x="7848600" y="156021"/>
+            <a:ext cx="251460" cy="258404"/>
+          </a:xfrm>
+          <a:prstGeom prst="rect">
+            <a:avLst/>
+          </a:prstGeom>
+        </p:spPr>
+        <p:txBody>
+          <a:bodyPr vert="horz" wrap="square" lIns="0" tIns="12065" rIns="0" bIns="0" rtlCol="0">
+            <a:spAutoFit/>
+          </a:bodyPr>
+          <a:lstStyle/>
+          <a:p>
+            <a:pPr marL="12700">
+              <a:lnSpc>
+                <a:spcPct val="100000"/>
+              </a:lnSpc>
+              <a:spcBef>
+                <a:spcPts val="95"/>
+              </a:spcBef>
+            </a:pPr>
+            <a:r>
+              <a:rPr sz="1600" b="1" spc="-10" dirty="0">
+                <a:solidFill>
+                  <a:srgbClr val="FF9900"/>
+                </a:solidFill>
+                <a:latin typeface="Arial"/>
+                <a:cs typeface="Arial"/>
+              </a:rPr>
+              <a:t>1</a:t>
+            </a:r>
+            <a:r>
+              <a:rPr lang="it-IT" sz="1600" b="1" spc="-10" dirty="0">
+                <a:solidFill>
+                  <a:srgbClr val="FF9900"/>
+                </a:solidFill>
+                <a:latin typeface="Arial"/>
+                <a:cs typeface="Arial"/>
+              </a:rPr>
+              <a:t>4</a:t>
+            </a:r>
+            <a:endParaRPr sz="1600" dirty="0">
+              <a:latin typeface="Arial"/>
+              <a:cs typeface="Arial"/>
+            </a:endParaRPr>
+          </a:p>
+        </p:txBody>
+      </p:sp>
+    </p:spTree>
+    <p:extLst>
+      <p:ext uri="{BB962C8B-B14F-4D97-AF65-F5344CB8AC3E}">
+        <p14:creationId xmlns:p14="http://schemas.microsoft.com/office/powerpoint/2010/main" val="2839312188"/>
+      </p:ext>
+    </p:extLst>
+  </p:cSld>
+  <p:clrMapOvr>
+    <a:masterClrMapping/>
+  </p:clrMapOvr>
+</p:sld>
+</file>
+
+<file path=ppt/slides/slide15.xml><?xml version="1.0" encoding="utf-8"?>
 <p:sld xmlns:a="http://schemas.openxmlformats.org/drawingml/2006/main" xmlns:r="http://schemas.openxmlformats.org/officeDocument/2006/relationships" xmlns:p="http://schemas.openxmlformats.org/presentationml/2006/main">
   <p:cSld>
     <p:spTree>
@@ -5188,8 +5445,8 @@
         </p:nvSpPr>
         <p:spPr>
           <a:xfrm>
-            <a:off x="706627" y="211962"/>
-            <a:ext cx="3662679" cy="360680"/>
+            <a:off x="706627" y="182465"/>
+            <a:ext cx="6608573" cy="350737"/>
           </a:xfrm>
           <a:prstGeom prst="rect">
             <a:avLst/>
@@ -5211,7 +5468,7 @@
             </a:pPr>
             <a:r>
               <a:rPr lang="it-IT" spc="-5" dirty="0"/>
-              <a:t>Alternativa 1</a:t>
+              <a:t>Confronto con altre Strategie Standard</a:t>
             </a:r>
             <a:endParaRPr spc="-5" dirty="0"/>
           </a:p>
@@ -5263,36 +5520,6 @@
           </a:p>
         </p:txBody>
       </p:sp>
-      <p:pic>
-        <p:nvPicPr>
-          <p:cNvPr id="7" name="Immagine 6">
-            <a:extLst>
-              <a:ext uri="{FF2B5EF4-FFF2-40B4-BE49-F238E27FC236}">
-                <a16:creationId xmlns:a16="http://schemas.microsoft.com/office/drawing/2014/main" id="{66049390-7025-1CE0-C0BF-B49AD9A5AEDF}"/>
-              </a:ext>
-            </a:extLst>
-          </p:cNvPr>
-          <p:cNvPicPr>
-            <a:picLocks noChangeAspect="1"/>
-          </p:cNvPicPr>
-          <p:nvPr/>
-        </p:nvPicPr>
-        <p:blipFill>
-          <a:blip r:embed="rId2"/>
-          <a:stretch>
-            <a:fillRect/>
-          </a:stretch>
-        </p:blipFill>
-        <p:spPr>
-          <a:xfrm>
-            <a:off x="4408186" y="1143000"/>
-            <a:ext cx="4613249" cy="3962400"/>
-          </a:xfrm>
-          <a:prstGeom prst="rect">
-            <a:avLst/>
-          </a:prstGeom>
-        </p:spPr>
-      </p:pic>
     </p:spTree>
   </p:cSld>
   <p:clrMapOvr>

--- a/Modelli relazione/ppt_presentazione.pptx
+++ b/Modelli relazione/ppt_presentazione.pptx
@@ -248,8 +248,8 @@
   </pc:docChgLst>
   <pc:docChgLst>
     <pc:chgData name="Silvia Pala" userId="f0133cc1-7ddc-4617-95f3-a1b241401a99" providerId="ADAL" clId="{B8AD580B-F48D-4C46-AD44-FB3D7B3B8CED}"/>
-    <pc:docChg chg="custSel addSld modSld">
-      <pc:chgData name="Silvia Pala" userId="f0133cc1-7ddc-4617-95f3-a1b241401a99" providerId="ADAL" clId="{B8AD580B-F48D-4C46-AD44-FB3D7B3B8CED}" dt="2023-01-02T20:50:17.372" v="228" actId="14100"/>
+    <pc:docChg chg="undo custSel addSld modSld">
+      <pc:chgData name="Silvia Pala" userId="f0133cc1-7ddc-4617-95f3-a1b241401a99" providerId="ADAL" clId="{B8AD580B-F48D-4C46-AD44-FB3D7B3B8CED}" dt="2023-01-03T12:49:04.575" v="243" actId="1076"/>
       <pc:docMkLst>
         <pc:docMk/>
       </pc:docMkLst>
@@ -269,13 +269,13 @@
         </pc:spChg>
       </pc:sldChg>
       <pc:sldChg chg="addSp modSp mod">
-        <pc:chgData name="Silvia Pala" userId="f0133cc1-7ddc-4617-95f3-a1b241401a99" providerId="ADAL" clId="{B8AD580B-F48D-4C46-AD44-FB3D7B3B8CED}" dt="2023-01-02T20:12:42.253" v="22" actId="1076"/>
+        <pc:chgData name="Silvia Pala" userId="f0133cc1-7ddc-4617-95f3-a1b241401a99" providerId="ADAL" clId="{B8AD580B-F48D-4C46-AD44-FB3D7B3B8CED}" dt="2023-01-03T12:41:44.524" v="236" actId="1076"/>
         <pc:sldMkLst>
           <pc:docMk/>
           <pc:sldMk cId="0" sldId="260"/>
         </pc:sldMkLst>
         <pc:picChg chg="add mod">
-          <ac:chgData name="Silvia Pala" userId="f0133cc1-7ddc-4617-95f3-a1b241401a99" providerId="ADAL" clId="{B8AD580B-F48D-4C46-AD44-FB3D7B3B8CED}" dt="2023-01-02T20:12:42.253" v="22" actId="1076"/>
+          <ac:chgData name="Silvia Pala" userId="f0133cc1-7ddc-4617-95f3-a1b241401a99" providerId="ADAL" clId="{B8AD580B-F48D-4C46-AD44-FB3D7B3B8CED}" dt="2023-01-03T12:41:44.524" v="236" actId="1076"/>
           <ac:picMkLst>
             <pc:docMk/>
             <pc:sldMk cId="0" sldId="260"/>
@@ -307,11 +307,19 @@
         </pc:picChg>
       </pc:sldChg>
       <pc:sldChg chg="addSp delSp modSp mod">
-        <pc:chgData name="Silvia Pala" userId="f0133cc1-7ddc-4617-95f3-a1b241401a99" providerId="ADAL" clId="{B8AD580B-F48D-4C46-AD44-FB3D7B3B8CED}" dt="2023-01-02T20:45:17.585" v="57" actId="1076"/>
+        <pc:chgData name="Silvia Pala" userId="f0133cc1-7ddc-4617-95f3-a1b241401a99" providerId="ADAL" clId="{B8AD580B-F48D-4C46-AD44-FB3D7B3B8CED}" dt="2023-01-03T12:49:04.575" v="243" actId="1076"/>
         <pc:sldMkLst>
           <pc:docMk/>
           <pc:sldMk cId="0" sldId="266"/>
         </pc:sldMkLst>
+        <pc:picChg chg="add del mod">
+          <ac:chgData name="Silvia Pala" userId="f0133cc1-7ddc-4617-95f3-a1b241401a99" providerId="ADAL" clId="{B8AD580B-F48D-4C46-AD44-FB3D7B3B8CED}" dt="2023-01-03T12:37:25.154" v="232" actId="478"/>
+          <ac:picMkLst>
+            <pc:docMk/>
+            <pc:sldMk cId="0" sldId="266"/>
+            <ac:picMk id="5" creationId="{82E00CE2-9C4D-1E0B-F5E5-7B8B3E7BE442}"/>
+          </ac:picMkLst>
+        </pc:picChg>
         <pc:picChg chg="add del">
           <ac:chgData name="Silvia Pala" userId="f0133cc1-7ddc-4617-95f3-a1b241401a99" providerId="ADAL" clId="{B8AD580B-F48D-4C46-AD44-FB3D7B3B8CED}" dt="2023-01-02T20:31:09.045" v="41" actId="478"/>
           <ac:picMkLst>
@@ -329,7 +337,7 @@
           </ac:picMkLst>
         </pc:picChg>
         <pc:picChg chg="add mod">
-          <ac:chgData name="Silvia Pala" userId="f0133cc1-7ddc-4617-95f3-a1b241401a99" providerId="ADAL" clId="{B8AD580B-F48D-4C46-AD44-FB3D7B3B8CED}" dt="2023-01-02T20:45:17.585" v="57" actId="1076"/>
+          <ac:chgData name="Silvia Pala" userId="f0133cc1-7ddc-4617-95f3-a1b241401a99" providerId="ADAL" clId="{B8AD580B-F48D-4C46-AD44-FB3D7B3B8CED}" dt="2023-01-03T12:49:04.575" v="243" actId="1076"/>
           <ac:picMkLst>
             <pc:docMk/>
             <pc:sldMk cId="0" sldId="266"/>
@@ -988,7 +996,7 @@
           <a:p>
             <a:fld id="{1D8BD707-D9CF-40AE-B4C6-C98DA3205C09}" type="datetimeFigureOut">
               <a:rPr lang="en-US"/>
-              <a:t>1/2/2023</a:t>
+              <a:t>1/3/2023</a:t>
             </a:fld>
             <a:endParaRPr lang="en-US"/>
           </a:p>
@@ -1165,7 +1173,7 @@
           <a:p>
             <a:fld id="{1D8BD707-D9CF-40AE-B4C6-C98DA3205C09}" type="datetimeFigureOut">
               <a:rPr lang="en-US"/>
-              <a:t>1/2/2023</a:t>
+              <a:t>1/3/2023</a:t>
             </a:fld>
             <a:endParaRPr lang="en-US"/>
           </a:p>
@@ -1379,7 +1387,7 @@
           <a:p>
             <a:fld id="{1D8BD707-D9CF-40AE-B4C6-C98DA3205C09}" type="datetimeFigureOut">
               <a:rPr lang="en-US"/>
-              <a:t>1/2/2023</a:t>
+              <a:t>1/3/2023</a:t>
             </a:fld>
             <a:endParaRPr lang="en-US"/>
           </a:p>
@@ -1527,7 +1535,7 @@
           <a:p>
             <a:fld id="{1D8BD707-D9CF-40AE-B4C6-C98DA3205C09}" type="datetimeFigureOut">
               <a:rPr lang="en-US"/>
-              <a:t>1/2/2023</a:t>
+              <a:t>1/3/2023</a:t>
             </a:fld>
             <a:endParaRPr lang="en-US"/>
           </a:p>
@@ -1676,7 +1684,7 @@
           <a:p>
             <a:fld id="{1D8BD707-D9CF-40AE-B4C6-C98DA3205C09}" type="datetimeFigureOut">
               <a:rPr lang="en-US"/>
-              <a:t>1/2/2023</a:t>
+              <a:t>1/3/2023</a:t>
             </a:fld>
             <a:endParaRPr lang="en-US"/>
           </a:p>
@@ -1945,7 +1953,7 @@
           <a:p>
             <a:fld id="{1D8BD707-D9CF-40AE-B4C6-C98DA3205C09}" type="datetimeFigureOut">
               <a:rPr lang="en-US"/>
-              <a:t>1/2/2023</a:t>
+              <a:t>1/3/2023</a:t>
             </a:fld>
             <a:endParaRPr lang="en-US"/>
           </a:p>
@@ -4969,8 +4977,8 @@
         </p:blipFill>
         <p:spPr>
           <a:xfrm>
-            <a:off x="4354720" y="1066800"/>
-            <a:ext cx="4481311" cy="3886200"/>
+            <a:off x="3276600" y="1117547"/>
+            <a:ext cx="5330831" cy="4622905"/>
           </a:xfrm>
           <a:prstGeom prst="rect">
             <a:avLst/>
@@ -5400,8 +5408,8 @@
         </p:blipFill>
         <p:spPr>
           <a:xfrm>
-            <a:off x="4114800" y="1219200"/>
-            <a:ext cx="4768781" cy="4191000"/>
+            <a:off x="4343400" y="1066800"/>
+            <a:ext cx="4463981" cy="3923129"/>
           </a:xfrm>
           <a:prstGeom prst="rect">
             <a:avLst/>

--- a/Modelli relazione/ppt_presentazione.pptx
+++ b/Modelli relazione/ppt_presentazione.pptx
@@ -249,7 +249,7 @@
   <pc:docChgLst>
     <pc:chgData name="Silvia Pala" userId="f0133cc1-7ddc-4617-95f3-a1b241401a99" providerId="ADAL" clId="{B8AD580B-F48D-4C46-AD44-FB3D7B3B8CED}"/>
     <pc:docChg chg="undo custSel addSld modSld">
-      <pc:chgData name="Silvia Pala" userId="f0133cc1-7ddc-4617-95f3-a1b241401a99" providerId="ADAL" clId="{B8AD580B-F48D-4C46-AD44-FB3D7B3B8CED}" dt="2023-01-03T12:49:04.575" v="243" actId="1076"/>
+      <pc:chgData name="Silvia Pala" userId="f0133cc1-7ddc-4617-95f3-a1b241401a99" providerId="ADAL" clId="{B8AD580B-F48D-4C46-AD44-FB3D7B3B8CED}" dt="2023-01-03T21:14:21.819" v="338" actId="14100"/>
       <pc:docMkLst>
         <pc:docMk/>
       </pc:docMkLst>
@@ -268,27 +268,160 @@
           </ac:spMkLst>
         </pc:spChg>
       </pc:sldChg>
-      <pc:sldChg chg="addSp modSp mod">
-        <pc:chgData name="Silvia Pala" userId="f0133cc1-7ddc-4617-95f3-a1b241401a99" providerId="ADAL" clId="{B8AD580B-F48D-4C46-AD44-FB3D7B3B8CED}" dt="2023-01-03T12:41:44.524" v="236" actId="1076"/>
+      <pc:sldChg chg="addSp delSp modSp mod">
+        <pc:chgData name="Silvia Pala" userId="f0133cc1-7ddc-4617-95f3-a1b241401a99" providerId="ADAL" clId="{B8AD580B-F48D-4C46-AD44-FB3D7B3B8CED}" dt="2023-01-03T20:36:02.209" v="268" actId="1076"/>
+        <pc:sldMkLst>
+          <pc:docMk/>
+          <pc:sldMk cId="0" sldId="257"/>
+        </pc:sldMkLst>
+        <pc:picChg chg="add del">
+          <ac:chgData name="Silvia Pala" userId="f0133cc1-7ddc-4617-95f3-a1b241401a99" providerId="ADAL" clId="{B8AD580B-F48D-4C46-AD44-FB3D7B3B8CED}" dt="2023-01-03T20:35:56.998" v="267" actId="478"/>
+          <ac:picMkLst>
+            <pc:docMk/>
+            <pc:sldMk cId="0" sldId="257"/>
+            <ac:picMk id="5" creationId="{6C33B58A-B9F8-724A-89B4-A858EAEB8D04}"/>
+          </ac:picMkLst>
+        </pc:picChg>
+        <pc:picChg chg="add mod">
+          <ac:chgData name="Silvia Pala" userId="f0133cc1-7ddc-4617-95f3-a1b241401a99" providerId="ADAL" clId="{B8AD580B-F48D-4C46-AD44-FB3D7B3B8CED}" dt="2023-01-03T20:36:02.209" v="268" actId="1076"/>
+          <ac:picMkLst>
+            <pc:docMk/>
+            <pc:sldMk cId="0" sldId="257"/>
+            <ac:picMk id="6" creationId="{1482A268-846E-C939-4835-0CF5911AA5B4}"/>
+          </ac:picMkLst>
+        </pc:picChg>
+        <pc:picChg chg="add del mod">
+          <ac:chgData name="Silvia Pala" userId="f0133cc1-7ddc-4617-95f3-a1b241401a99" providerId="ADAL" clId="{B8AD580B-F48D-4C46-AD44-FB3D7B3B8CED}" dt="2023-01-03T20:35:17.394" v="252" actId="478"/>
+          <ac:picMkLst>
+            <pc:docMk/>
+            <pc:sldMk cId="0" sldId="257"/>
+            <ac:picMk id="8" creationId="{1BE4CAE8-F98D-3A60-D7F4-9774FC32366F}"/>
+          </ac:picMkLst>
+        </pc:picChg>
+      </pc:sldChg>
+      <pc:sldChg chg="addSp delSp modSp mod">
+        <pc:chgData name="Silvia Pala" userId="f0133cc1-7ddc-4617-95f3-a1b241401a99" providerId="ADAL" clId="{B8AD580B-F48D-4C46-AD44-FB3D7B3B8CED}" dt="2023-01-03T20:46:14.347" v="296" actId="1076"/>
+        <pc:sldMkLst>
+          <pc:docMk/>
+          <pc:sldMk cId="0" sldId="258"/>
+        </pc:sldMkLst>
+        <pc:spChg chg="mod">
+          <ac:chgData name="Silvia Pala" userId="f0133cc1-7ddc-4617-95f3-a1b241401a99" providerId="ADAL" clId="{B8AD580B-F48D-4C46-AD44-FB3D7B3B8CED}" dt="2023-01-03T20:38:39.353" v="284" actId="404"/>
+          <ac:spMkLst>
+            <pc:docMk/>
+            <pc:sldMk cId="0" sldId="258"/>
+            <ac:spMk id="7" creationId="{09A7E81B-9385-19C5-4E92-DC0F31E4D401}"/>
+          </ac:spMkLst>
+        </pc:spChg>
+        <pc:spChg chg="mod">
+          <ac:chgData name="Silvia Pala" userId="f0133cc1-7ddc-4617-95f3-a1b241401a99" providerId="ADAL" clId="{B8AD580B-F48D-4C46-AD44-FB3D7B3B8CED}" dt="2023-01-03T20:38:45.024" v="285" actId="404"/>
+          <ac:spMkLst>
+            <pc:docMk/>
+            <pc:sldMk cId="0" sldId="258"/>
+            <ac:spMk id="9" creationId="{44C69C97-F88C-4AD3-4C26-9BD12732568C}"/>
+          </ac:spMkLst>
+        </pc:spChg>
+        <pc:picChg chg="del">
+          <ac:chgData name="Silvia Pala" userId="f0133cc1-7ddc-4617-95f3-a1b241401a99" providerId="ADAL" clId="{B8AD580B-F48D-4C46-AD44-FB3D7B3B8CED}" dt="2023-01-03T20:46:08.934" v="293" actId="478"/>
+          <ac:picMkLst>
+            <pc:docMk/>
+            <pc:sldMk cId="0" sldId="258"/>
+            <ac:picMk id="5" creationId="{C4C1089B-5C07-3FE8-5C5A-669D3C144F43}"/>
+          </ac:picMkLst>
+        </pc:picChg>
+        <pc:picChg chg="add del mod">
+          <ac:chgData name="Silvia Pala" userId="f0133cc1-7ddc-4617-95f3-a1b241401a99" providerId="ADAL" clId="{B8AD580B-F48D-4C46-AD44-FB3D7B3B8CED}" dt="2023-01-03T20:43:12.346" v="289" actId="478"/>
+          <ac:picMkLst>
+            <pc:docMk/>
+            <pc:sldMk cId="0" sldId="258"/>
+            <ac:picMk id="6" creationId="{95AF39DC-9299-A7E1-E3D0-F9480EA6389C}"/>
+          </ac:picMkLst>
+        </pc:picChg>
+        <pc:picChg chg="add mod">
+          <ac:chgData name="Silvia Pala" userId="f0133cc1-7ddc-4617-95f3-a1b241401a99" providerId="ADAL" clId="{B8AD580B-F48D-4C46-AD44-FB3D7B3B8CED}" dt="2023-01-03T20:46:14.347" v="296" actId="1076"/>
+          <ac:picMkLst>
+            <pc:docMk/>
+            <pc:sldMk cId="0" sldId="258"/>
+            <ac:picMk id="10" creationId="{74AC0508-FBFB-AB73-7ADF-F2B846EA2380}"/>
+          </ac:picMkLst>
+        </pc:picChg>
+      </pc:sldChg>
+      <pc:sldChg chg="addSp delSp modSp mod">
+        <pc:chgData name="Silvia Pala" userId="f0133cc1-7ddc-4617-95f3-a1b241401a99" providerId="ADAL" clId="{B8AD580B-F48D-4C46-AD44-FB3D7B3B8CED}" dt="2023-01-03T20:38:27.079" v="283" actId="14100"/>
+        <pc:sldMkLst>
+          <pc:docMk/>
+          <pc:sldMk cId="0" sldId="259"/>
+        </pc:sldMkLst>
+        <pc:spChg chg="mod">
+          <ac:chgData name="Silvia Pala" userId="f0133cc1-7ddc-4617-95f3-a1b241401a99" providerId="ADAL" clId="{B8AD580B-F48D-4C46-AD44-FB3D7B3B8CED}" dt="2023-01-03T20:38:15.522" v="281" actId="404"/>
+          <ac:spMkLst>
+            <pc:docMk/>
+            <pc:sldMk cId="0" sldId="259"/>
+            <ac:spMk id="8" creationId="{9999F95B-560C-6317-C146-E4A92999F9A3}"/>
+          </ac:spMkLst>
+        </pc:spChg>
+        <pc:spChg chg="mod">
+          <ac:chgData name="Silvia Pala" userId="f0133cc1-7ddc-4617-95f3-a1b241401a99" providerId="ADAL" clId="{B8AD580B-F48D-4C46-AD44-FB3D7B3B8CED}" dt="2023-01-03T20:38:22.044" v="282" actId="404"/>
+          <ac:spMkLst>
+            <pc:docMk/>
+            <pc:sldMk cId="0" sldId="259"/>
+            <ac:spMk id="10" creationId="{2FC31670-CC81-E348-E88E-EA4ECA710049}"/>
+          </ac:spMkLst>
+        </pc:spChg>
+        <pc:picChg chg="add mod">
+          <ac:chgData name="Silvia Pala" userId="f0133cc1-7ddc-4617-95f3-a1b241401a99" providerId="ADAL" clId="{B8AD580B-F48D-4C46-AD44-FB3D7B3B8CED}" dt="2023-01-03T20:38:27.079" v="283" actId="14100"/>
+          <ac:picMkLst>
+            <pc:docMk/>
+            <pc:sldMk cId="0" sldId="259"/>
+            <ac:picMk id="5" creationId="{FB3E9A0A-371A-FF29-3BA8-546301E6E836}"/>
+          </ac:picMkLst>
+        </pc:picChg>
+        <pc:picChg chg="del">
+          <ac:chgData name="Silvia Pala" userId="f0133cc1-7ddc-4617-95f3-a1b241401a99" providerId="ADAL" clId="{B8AD580B-F48D-4C46-AD44-FB3D7B3B8CED}" dt="2023-01-03T20:37:55.095" v="275" actId="478"/>
+          <ac:picMkLst>
+            <pc:docMk/>
+            <pc:sldMk cId="0" sldId="259"/>
+            <ac:picMk id="7" creationId="{15B141F8-1735-C928-561E-2F9DE7FB1D4E}"/>
+          </ac:picMkLst>
+        </pc:picChg>
+      </pc:sldChg>
+      <pc:sldChg chg="addSp delSp modSp mod">
+        <pc:chgData name="Silvia Pala" userId="f0133cc1-7ddc-4617-95f3-a1b241401a99" providerId="ADAL" clId="{B8AD580B-F48D-4C46-AD44-FB3D7B3B8CED}" dt="2023-01-03T21:14:21.819" v="338" actId="14100"/>
         <pc:sldMkLst>
           <pc:docMk/>
           <pc:sldMk cId="0" sldId="260"/>
         </pc:sldMkLst>
-        <pc:picChg chg="add mod">
-          <ac:chgData name="Silvia Pala" userId="f0133cc1-7ddc-4617-95f3-a1b241401a99" providerId="ADAL" clId="{B8AD580B-F48D-4C46-AD44-FB3D7B3B8CED}" dt="2023-01-03T12:41:44.524" v="236" actId="1076"/>
+        <pc:picChg chg="add del mod">
+          <ac:chgData name="Silvia Pala" userId="f0133cc1-7ddc-4617-95f3-a1b241401a99" providerId="ADAL" clId="{B8AD580B-F48D-4C46-AD44-FB3D7B3B8CED}" dt="2023-01-03T20:53:46.637" v="300" actId="478"/>
           <ac:picMkLst>
             <pc:docMk/>
             <pc:sldMk cId="0" sldId="260"/>
             <ac:picMk id="5" creationId="{3B7658AD-6357-64AA-4C0A-C4B7E0A08F02}"/>
           </ac:picMkLst>
         </pc:picChg>
+        <pc:picChg chg="add mod">
+          <ac:chgData name="Silvia Pala" userId="f0133cc1-7ddc-4617-95f3-a1b241401a99" providerId="ADAL" clId="{B8AD580B-F48D-4C46-AD44-FB3D7B3B8CED}" dt="2023-01-03T21:14:21.819" v="338" actId="14100"/>
+          <ac:picMkLst>
+            <pc:docMk/>
+            <pc:sldMk cId="0" sldId="260"/>
+            <ac:picMk id="6" creationId="{A9DABDB8-37CE-B152-373F-2881A1487917}"/>
+          </ac:picMkLst>
+        </pc:picChg>
       </pc:sldChg>
       <pc:sldChg chg="addSp delSp modSp mod">
-        <pc:chgData name="Silvia Pala" userId="f0133cc1-7ddc-4617-95f3-a1b241401a99" providerId="ADAL" clId="{B8AD580B-F48D-4C46-AD44-FB3D7B3B8CED}" dt="2023-01-02T20:45:03.454" v="55" actId="1076"/>
+        <pc:chgData name="Silvia Pala" userId="f0133cc1-7ddc-4617-95f3-a1b241401a99" providerId="ADAL" clId="{B8AD580B-F48D-4C46-AD44-FB3D7B3B8CED}" dt="2023-01-03T20:55:41.348" v="309" actId="1076"/>
         <pc:sldMkLst>
           <pc:docMk/>
           <pc:sldMk cId="0" sldId="261"/>
         </pc:sldMkLst>
+        <pc:picChg chg="add mod">
+          <ac:chgData name="Silvia Pala" userId="f0133cc1-7ddc-4617-95f3-a1b241401a99" providerId="ADAL" clId="{B8AD580B-F48D-4C46-AD44-FB3D7B3B8CED}" dt="2023-01-03T20:55:41.348" v="309" actId="1076"/>
+          <ac:picMkLst>
+            <pc:docMk/>
+            <pc:sldMk cId="0" sldId="261"/>
+            <ac:picMk id="5" creationId="{943A690E-D9EE-7352-DF91-0B619B7ADC0A}"/>
+          </ac:picMkLst>
+        </pc:picChg>
         <pc:picChg chg="add del mod">
           <ac:chgData name="Silvia Pala" userId="f0133cc1-7ddc-4617-95f3-a1b241401a99" providerId="ADAL" clId="{B8AD580B-F48D-4C46-AD44-FB3D7B3B8CED}" dt="2023-01-02T20:26:00.225" v="30" actId="478"/>
           <ac:picMkLst>
@@ -297,8 +430,8 @@
             <ac:picMk id="5" creationId="{E2540B7C-8B50-68A2-0BC2-AA39FEAFB416}"/>
           </ac:picMkLst>
         </pc:picChg>
-        <pc:picChg chg="add mod">
-          <ac:chgData name="Silvia Pala" userId="f0133cc1-7ddc-4617-95f3-a1b241401a99" providerId="ADAL" clId="{B8AD580B-F48D-4C46-AD44-FB3D7B3B8CED}" dt="2023-01-02T20:45:03.454" v="55" actId="1076"/>
+        <pc:picChg chg="add del mod">
+          <ac:chgData name="Silvia Pala" userId="f0133cc1-7ddc-4617-95f3-a1b241401a99" providerId="ADAL" clId="{B8AD580B-F48D-4C46-AD44-FB3D7B3B8CED}" dt="2023-01-03T20:55:36.829" v="306" actId="478"/>
           <ac:picMkLst>
             <pc:docMk/>
             <pc:sldMk cId="0" sldId="261"/>
@@ -307,11 +440,19 @@
         </pc:picChg>
       </pc:sldChg>
       <pc:sldChg chg="addSp delSp modSp mod">
-        <pc:chgData name="Silvia Pala" userId="f0133cc1-7ddc-4617-95f3-a1b241401a99" providerId="ADAL" clId="{B8AD580B-F48D-4C46-AD44-FB3D7B3B8CED}" dt="2023-01-03T12:49:04.575" v="243" actId="1076"/>
+        <pc:chgData name="Silvia Pala" userId="f0133cc1-7ddc-4617-95f3-a1b241401a99" providerId="ADAL" clId="{B8AD580B-F48D-4C46-AD44-FB3D7B3B8CED}" dt="2023-01-03T21:05:34.398" v="327" actId="14100"/>
         <pc:sldMkLst>
           <pc:docMk/>
           <pc:sldMk cId="0" sldId="266"/>
         </pc:sldMkLst>
+        <pc:picChg chg="add mod">
+          <ac:chgData name="Silvia Pala" userId="f0133cc1-7ddc-4617-95f3-a1b241401a99" providerId="ADAL" clId="{B8AD580B-F48D-4C46-AD44-FB3D7B3B8CED}" dt="2023-01-03T21:05:34.398" v="327" actId="14100"/>
+          <ac:picMkLst>
+            <pc:docMk/>
+            <pc:sldMk cId="0" sldId="266"/>
+            <ac:picMk id="5" creationId="{47050054-B110-EEAA-AF0E-B72DF521C300}"/>
+          </ac:picMkLst>
+        </pc:picChg>
         <pc:picChg chg="add del mod">
           <ac:chgData name="Silvia Pala" userId="f0133cc1-7ddc-4617-95f3-a1b241401a99" providerId="ADAL" clId="{B8AD580B-F48D-4C46-AD44-FB3D7B3B8CED}" dt="2023-01-03T12:37:25.154" v="232" actId="478"/>
           <ac:picMkLst>
@@ -336,8 +477,8 @@
             <ac:picMk id="7" creationId="{2E40805C-E4CB-F58E-1A34-723A8BCF8528}"/>
           </ac:picMkLst>
         </pc:picChg>
-        <pc:picChg chg="add mod">
-          <ac:chgData name="Silvia Pala" userId="f0133cc1-7ddc-4617-95f3-a1b241401a99" providerId="ADAL" clId="{B8AD580B-F48D-4C46-AD44-FB3D7B3B8CED}" dt="2023-01-03T12:49:04.575" v="243" actId="1076"/>
+        <pc:picChg chg="add del mod">
+          <ac:chgData name="Silvia Pala" userId="f0133cc1-7ddc-4617-95f3-a1b241401a99" providerId="ADAL" clId="{B8AD580B-F48D-4C46-AD44-FB3D7B3B8CED}" dt="2023-01-03T21:05:27.253" v="324" actId="478"/>
           <ac:picMkLst>
             <pc:docMk/>
             <pc:sldMk cId="0" sldId="266"/>
@@ -391,8 +532,8 @@
           </ac:spMkLst>
         </pc:spChg>
       </pc:sldChg>
-      <pc:sldChg chg="addSp modSp mod">
-        <pc:chgData name="Silvia Pala" userId="f0133cc1-7ddc-4617-95f3-a1b241401a99" providerId="ADAL" clId="{B8AD580B-F48D-4C46-AD44-FB3D7B3B8CED}" dt="2023-01-02T20:49:03.315" v="170"/>
+      <pc:sldChg chg="addSp delSp modSp mod">
+        <pc:chgData name="Silvia Pala" userId="f0133cc1-7ddc-4617-95f3-a1b241401a99" providerId="ADAL" clId="{B8AD580B-F48D-4C46-AD44-FB3D7B3B8CED}" dt="2023-01-03T21:08:36.823" v="334" actId="1076"/>
         <pc:sldMkLst>
           <pc:docMk/>
           <pc:sldMk cId="0" sldId="270"/>
@@ -405,17 +546,25 @@
             <ac:spMk id="2" creationId="{00000000-0000-0000-0000-000000000000}"/>
           </ac:spMkLst>
         </pc:spChg>
-        <pc:picChg chg="add mod">
-          <ac:chgData name="Silvia Pala" userId="f0133cc1-7ddc-4617-95f3-a1b241401a99" providerId="ADAL" clId="{B8AD580B-F48D-4C46-AD44-FB3D7B3B8CED}" dt="2023-01-02T20:49:03.315" v="170"/>
+        <pc:picChg chg="add del mod">
+          <ac:chgData name="Silvia Pala" userId="f0133cc1-7ddc-4617-95f3-a1b241401a99" providerId="ADAL" clId="{B8AD580B-F48D-4C46-AD44-FB3D7B3B8CED}" dt="2023-01-03T21:08:33.461" v="333" actId="478"/>
           <ac:picMkLst>
             <pc:docMk/>
             <pc:sldMk cId="0" sldId="270"/>
             <ac:picMk id="4" creationId="{DB03CAE0-7516-E087-D656-98254CE43E8C}"/>
           </ac:picMkLst>
         </pc:picChg>
+        <pc:picChg chg="add mod">
+          <ac:chgData name="Silvia Pala" userId="f0133cc1-7ddc-4617-95f3-a1b241401a99" providerId="ADAL" clId="{B8AD580B-F48D-4C46-AD44-FB3D7B3B8CED}" dt="2023-01-03T21:08:36.823" v="334" actId="1076"/>
+          <ac:picMkLst>
+            <pc:docMk/>
+            <pc:sldMk cId="0" sldId="270"/>
+            <ac:picMk id="6" creationId="{2FEAD5B4-B5B9-2A5A-D42A-07374C8D1E1E}"/>
+          </ac:picMkLst>
+        </pc:picChg>
       </pc:sldChg>
       <pc:sldChg chg="addSp delSp modSp mod">
-        <pc:chgData name="Silvia Pala" userId="f0133cc1-7ddc-4617-95f3-a1b241401a99" providerId="ADAL" clId="{B8AD580B-F48D-4C46-AD44-FB3D7B3B8CED}" dt="2023-01-02T20:45:10.067" v="56" actId="1076"/>
+        <pc:chgData name="Silvia Pala" userId="f0133cc1-7ddc-4617-95f3-a1b241401a99" providerId="ADAL" clId="{B8AD580B-F48D-4C46-AD44-FB3D7B3B8CED}" dt="2023-01-03T21:02:53.208" v="320" actId="1076"/>
         <pc:sldMkLst>
           <pc:docMk/>
           <pc:sldMk cId="3600729209" sldId="301"/>
@@ -429,7 +578,15 @@
           </ac:picMkLst>
         </pc:picChg>
         <pc:picChg chg="add mod">
-          <ac:chgData name="Silvia Pala" userId="f0133cc1-7ddc-4617-95f3-a1b241401a99" providerId="ADAL" clId="{B8AD580B-F48D-4C46-AD44-FB3D7B3B8CED}" dt="2023-01-02T20:45:10.067" v="56" actId="1076"/>
+          <ac:chgData name="Silvia Pala" userId="f0133cc1-7ddc-4617-95f3-a1b241401a99" providerId="ADAL" clId="{B8AD580B-F48D-4C46-AD44-FB3D7B3B8CED}" dt="2023-01-03T21:02:53.208" v="320" actId="1076"/>
+          <ac:picMkLst>
+            <pc:docMk/>
+            <pc:sldMk cId="3600729209" sldId="301"/>
+            <ac:picMk id="5" creationId="{E01C51AF-8713-B187-3086-87ADF85AD88A}"/>
+          </ac:picMkLst>
+        </pc:picChg>
+        <pc:picChg chg="add del mod">
+          <ac:chgData name="Silvia Pala" userId="f0133cc1-7ddc-4617-95f3-a1b241401a99" providerId="ADAL" clId="{B8AD580B-F48D-4C46-AD44-FB3D7B3B8CED}" dt="2023-01-03T21:02:23.673" v="315" actId="478"/>
           <ac:picMkLst>
             <pc:docMk/>
             <pc:sldMk cId="3600729209" sldId="301"/>
@@ -2587,10 +2744,10 @@
       </p:sp>
       <p:pic>
         <p:nvPicPr>
-          <p:cNvPr id="4" name="Immagine 3">
+          <p:cNvPr id="6" name="Immagine 5">
             <a:extLst>
               <a:ext uri="{FF2B5EF4-FFF2-40B4-BE49-F238E27FC236}">
-                <a16:creationId xmlns:a16="http://schemas.microsoft.com/office/drawing/2014/main" id="{DB03CAE0-7516-E087-D656-98254CE43E8C}"/>
+                <a16:creationId xmlns:a16="http://schemas.microsoft.com/office/drawing/2014/main" id="{2FEAD5B4-B5B9-2A5A-D42A-07374C8D1E1E}"/>
               </a:ext>
             </a:extLst>
           </p:cNvPr>
@@ -2607,8 +2764,8 @@
         </p:blipFill>
         <p:spPr>
           <a:xfrm>
-            <a:off x="4408186" y="1143000"/>
-            <a:ext cx="4613249" cy="3962400"/>
+            <a:off x="4419600" y="1392493"/>
+            <a:ext cx="4523232" cy="4073013"/>
           </a:xfrm>
           <a:prstGeom prst="rect">
             <a:avLst/>
@@ -3145,10 +3302,10 @@
       </p:sp>
       <p:pic>
         <p:nvPicPr>
-          <p:cNvPr id="5" name="Immagine 4">
+          <p:cNvPr id="6" name="Immagine 5">
             <a:extLst>
               <a:ext uri="{FF2B5EF4-FFF2-40B4-BE49-F238E27FC236}">
-                <a16:creationId xmlns:a16="http://schemas.microsoft.com/office/drawing/2014/main" id="{6C33B58A-B9F8-724A-89B4-A858EAEB8D04}"/>
+                <a16:creationId xmlns:a16="http://schemas.microsoft.com/office/drawing/2014/main" id="{1482A268-846E-C939-4835-0CF5911AA5B4}"/>
               </a:ext>
             </a:extLst>
           </p:cNvPr>
@@ -3157,15 +3314,16 @@
           </p:cNvPicPr>
           <p:nvPr/>
         </p:nvPicPr>
-        <p:blipFill rotWithShape="1">
+        <p:blipFill>
           <a:blip r:embed="rId2"/>
-          <a:srcRect t="13291"/>
-          <a:stretch/>
+          <a:stretch>
+            <a:fillRect/>
+          </a:stretch>
         </p:blipFill>
         <p:spPr>
           <a:xfrm>
-            <a:off x="1511825" y="1447800"/>
-            <a:ext cx="6120349" cy="4513434"/>
+            <a:off x="1943100" y="1143000"/>
+            <a:ext cx="5257800" cy="5058203"/>
           </a:xfrm>
           <a:prstGeom prst="rect">
             <a:avLst/>
@@ -3284,37 +3442,8 @@
           </a:p>
         </p:txBody>
       </p:sp>
-      <p:pic>
-        <p:nvPicPr>
-          <p:cNvPr id="5" name="Immagine 4">
-            <a:extLst>
-              <a:ext uri="{FF2B5EF4-FFF2-40B4-BE49-F238E27FC236}">
-                <a16:creationId xmlns:a16="http://schemas.microsoft.com/office/drawing/2014/main" id="{C4C1089B-5C07-3FE8-5C5A-669D3C144F43}"/>
-              </a:ext>
-            </a:extLst>
-          </p:cNvPr>
-          <p:cNvPicPr>
-            <a:picLocks noChangeAspect="1"/>
-          </p:cNvPicPr>
-          <p:nvPr/>
-        </p:nvPicPr>
-        <p:blipFill rotWithShape="1">
-          <a:blip r:embed="rId2"/>
-          <a:srcRect t="13552"/>
-          <a:stretch/>
-        </p:blipFill>
-        <p:spPr>
-          <a:xfrm>
-            <a:off x="3924028" y="1600200"/>
-            <a:ext cx="4832876" cy="4114800"/>
-          </a:xfrm>
-          <a:prstGeom prst="rect">
-            <a:avLst/>
-          </a:prstGeom>
-        </p:spPr>
-      </p:pic>
-      <mc:AlternateContent xmlns:mc="http://schemas.openxmlformats.org/markup-compatibility/2006" xmlns:a14="http://schemas.microsoft.com/office/drawing/2010/main">
-        <mc:Choice Requires="a14">
+      <mc:AlternateContent xmlns:mc="http://schemas.openxmlformats.org/markup-compatibility/2006">
+        <mc:Choice xmlns:a14="http://schemas.microsoft.com/office/drawing/2010/main" Requires="a14">
           <p:sp>
             <p:nvSpPr>
               <p:cNvPr id="7" name="CasellaDiTesto 6">
@@ -3330,7 +3459,7 @@
             <p:spPr>
               <a:xfrm>
                 <a:off x="387096" y="1337766"/>
-                <a:ext cx="4572000" cy="2170081"/>
+                <a:ext cx="4572000" cy="1939249"/>
               </a:xfrm>
               <a:prstGeom prst="rect">
                 <a:avLst/>
@@ -3348,13 +3477,13 @@
                   <a:buChar char="•"/>
                 </a:pPr>
                 <a:r>
-                  <a:rPr lang="it-IT" sz="1800" dirty="0"/>
+                  <a:rPr lang="it-IT" sz="1600" dirty="0"/>
                   <a:t>Dati assegnati: </a:t>
                 </a:r>
               </a:p>
               <a:p>
                 <a:r>
-                  <a:rPr lang="it-IT" dirty="0"/>
+                  <a:rPr lang="it-IT" sz="1600" dirty="0"/>
                   <a:t>Vettore posizione: </a:t>
                 </a:r>
                 <a14:m>
@@ -3364,7 +3493,7 @@
                         <m:begChr m:val="["/>
                         <m:endChr m:val="]"/>
                         <m:ctrlPr>
-                          <a:rPr lang="it-IT" b="0" i="1" smtClean="0">
+                          <a:rPr lang="it-IT" sz="1600" b="0" i="1" smtClean="0">
                             <a:latin typeface="Cambria Math" panose="02040503050406030204" pitchFamily="18" charset="0"/>
                           </a:rPr>
                         </m:ctrlPr>
@@ -3381,7 +3510,7 @@
                               </m:mc>
                             </m:mcs>
                             <m:ctrlPr>
-                              <a:rPr lang="it-IT" i="1">
+                              <a:rPr lang="it-IT" sz="1600" i="1">
                                 <a:latin typeface="Cambria Math" panose="02040503050406030204" pitchFamily="18" charset="0"/>
                               </a:rPr>
                             </m:ctrlPr>
@@ -3392,13 +3521,13 @@
                                 <m:rPr>
                                   <m:brk m:alnAt="7"/>
                                 </m:rPr>
-                                <a:rPr lang="it-IT" i="1">
+                                <a:rPr lang="it-IT" sz="1600" i="1">
                                   <a:latin typeface="Cambria Math" panose="02040503050406030204" pitchFamily="18" charset="0"/>
                                 </a:rPr>
                                 <m:t>−</m:t>
                               </m:r>
                               <m:r>
-                                <a:rPr lang="it-IT" i="1">
+                                <a:rPr lang="it-IT" sz="1600" i="1">
                                   <a:latin typeface="Cambria Math" panose="02040503050406030204" pitchFamily="18" charset="0"/>
                                 </a:rPr>
                                 <m:t>1169,7791</m:t>
@@ -3408,7 +3537,7 @@
                           <m:mr>
                             <m:e>
                               <m:r>
-                                <a:rPr lang="it-IT" i="1">
+                                <a:rPr lang="it-IT" sz="1600" i="1">
                                   <a:latin typeface="Cambria Math" panose="02040503050406030204" pitchFamily="18" charset="0"/>
                                 </a:rPr>
                                 <m:t>−8344,5289</m:t>
@@ -3418,7 +3547,7 @@
                           <m:mr>
                             <m:e>
                               <m:r>
-                                <a:rPr lang="it-IT" i="1">
+                                <a:rPr lang="it-IT" sz="1600" i="1">
                                   <a:latin typeface="Cambria Math" panose="02040503050406030204" pitchFamily="18" charset="0"/>
                                 </a:rPr>
                                 <m:t>977,8062</m:t>
@@ -3431,13 +3560,13 @@
                   </m:oMath>
                 </a14:m>
                 <a:r>
-                  <a:rPr lang="it-IT" dirty="0"/>
+                  <a:rPr lang="it-IT" sz="1600" dirty="0"/>
                   <a:t> [</a:t>
                 </a:r>
                 <a14:m>
                   <m:oMath xmlns:m="http://schemas.openxmlformats.org/officeDocument/2006/math">
                     <m:r>
-                      <a:rPr lang="it-IT" b="0" i="1" smtClean="0">
+                      <a:rPr lang="it-IT" sz="1600" b="0" i="1" smtClean="0">
                         <a:latin typeface="Cambria Math" panose="02040503050406030204" pitchFamily="18" charset="0"/>
                       </a:rPr>
                       <m:t>𝑘𝑚</m:t>
@@ -3445,16 +3574,16 @@
                   </m:oMath>
                 </a14:m>
                 <a:r>
-                  <a:rPr lang="it-IT" dirty="0"/>
+                  <a:rPr lang="it-IT" sz="1600" dirty="0"/>
                   <a:t>]</a:t>
                 </a:r>
               </a:p>
               <a:p>
-                <a:endParaRPr lang="it-IT" sz="1800" i="1" dirty="0"/>
+                <a:endParaRPr lang="it-IT" sz="1600" i="1" dirty="0"/>
               </a:p>
               <a:p>
                 <a:r>
-                  <a:rPr lang="it-IT" sz="1800" dirty="0"/>
+                  <a:rPr lang="it-IT" sz="1600" dirty="0"/>
                   <a:t>Vettore velocità: </a:t>
                 </a:r>
                 <a14:m>
@@ -3464,7 +3593,7 @@
                         <m:begChr m:val="["/>
                         <m:endChr m:val="]"/>
                         <m:ctrlPr>
-                          <a:rPr lang="it-IT" sz="1800" b="0" i="1" smtClean="0">
+                          <a:rPr lang="it-IT" sz="1600" b="0" i="1" smtClean="0">
                             <a:latin typeface="Cambria Math" panose="02040503050406030204" pitchFamily="18" charset="0"/>
                           </a:rPr>
                         </m:ctrlPr>
@@ -3481,7 +3610,7 @@
                               </m:mc>
                             </m:mcs>
                             <m:ctrlPr>
-                              <a:rPr lang="it-IT" sz="1800" i="1">
+                              <a:rPr lang="it-IT" sz="1600" i="1">
                                 <a:latin typeface="Cambria Math" panose="02040503050406030204" pitchFamily="18" charset="0"/>
                               </a:rPr>
                             </m:ctrlPr>
@@ -3492,13 +3621,13 @@
                                 <m:rPr>
                                   <m:brk m:alnAt="7"/>
                                 </m:rPr>
-                                <a:rPr lang="it-IT" sz="1800" b="0" i="1" smtClean="0">
+                                <a:rPr lang="it-IT" sz="1600" b="0" i="1" smtClean="0">
                                   <a:latin typeface="Cambria Math" panose="02040503050406030204" pitchFamily="18" charset="0"/>
                                 </a:rPr>
                                 <m:t>4</m:t>
                               </m:r>
                               <m:r>
-                                <a:rPr lang="it-IT" sz="1800" b="0" i="1" smtClean="0">
+                                <a:rPr lang="it-IT" sz="1600" b="0" i="1" smtClean="0">
                                   <a:latin typeface="Cambria Math" panose="02040503050406030204" pitchFamily="18" charset="0"/>
                                 </a:rPr>
                                 <m:t>,2770</m:t>
@@ -3508,7 +3637,7 @@
                           <m:mr>
                             <m:e>
                               <m:r>
-                                <a:rPr lang="it-IT" sz="1800" b="0" i="1" smtClean="0">
+                                <a:rPr lang="it-IT" sz="1600" b="0" i="1" smtClean="0">
                                   <a:latin typeface="Cambria Math" panose="02040503050406030204" pitchFamily="18" charset="0"/>
                                 </a:rPr>
                                 <m:t>−1,9310</m:t>
@@ -3518,7 +3647,7 @@
                           <m:mr>
                             <m:e>
                               <m:r>
-                                <a:rPr lang="it-IT" sz="1800" b="0" i="1" smtClean="0">
+                                <a:rPr lang="it-IT" sz="1600" b="0" i="1" smtClean="0">
                                   <a:latin typeface="Cambria Math" panose="02040503050406030204" pitchFamily="18" charset="0"/>
                                 </a:rPr>
                                 <m:t>−4,9330</m:t>
@@ -3531,11 +3660,11 @@
                   </m:oMath>
                 </a14:m>
                 <a:r>
-                  <a:rPr lang="it-IT" sz="1800" dirty="0"/>
+                  <a:rPr lang="it-IT" sz="1600" dirty="0"/>
                   <a:t> </a:t>
                 </a:r>
                 <a:r>
-                  <a:rPr lang="it-IT" sz="2000" dirty="0"/>
+                  <a:rPr lang="it-IT" dirty="0"/>
                   <a:t>[</a:t>
                 </a:r>
                 <a14:m>
@@ -3544,14 +3673,14 @@
                       <m:fPr>
                         <m:type m:val="skw"/>
                         <m:ctrlPr>
-                          <a:rPr lang="it-IT" sz="2000" i="1" smtClean="0">
+                          <a:rPr lang="it-IT" i="1" smtClean="0">
                             <a:latin typeface="Cambria Math" panose="02040503050406030204" pitchFamily="18" charset="0"/>
                           </a:rPr>
                         </m:ctrlPr>
                       </m:fPr>
                       <m:num>
                         <m:r>
-                          <a:rPr lang="it-IT" sz="2000" b="0" i="1" smtClean="0">
+                          <a:rPr lang="it-IT" b="0" i="1" smtClean="0">
                             <a:latin typeface="Cambria Math" panose="02040503050406030204" pitchFamily="18" charset="0"/>
                           </a:rPr>
                           <m:t>𝑘𝑚</m:t>
@@ -3559,7 +3688,7 @@
                       </m:num>
                       <m:den>
                         <m:r>
-                          <a:rPr lang="it-IT" sz="2000" b="0" i="1" smtClean="0">
+                          <a:rPr lang="it-IT" b="0" i="1" smtClean="0">
                             <a:latin typeface="Cambria Math" panose="02040503050406030204" pitchFamily="18" charset="0"/>
                           </a:rPr>
                           <m:t>𝑠</m:t>
@@ -3569,14 +3698,14 @@
                   </m:oMath>
                 </a14:m>
                 <a:r>
-                  <a:rPr lang="it-IT" sz="2000" i="1" dirty="0"/>
+                  <a:rPr lang="it-IT" i="1" dirty="0"/>
                   <a:t>]</a:t>
                 </a:r>
               </a:p>
             </p:txBody>
           </p:sp>
         </mc:Choice>
-        <mc:Fallback xmlns="">
+        <mc:Fallback>
           <p:sp>
             <p:nvSpPr>
               <p:cNvPr id="7" name="CasellaDiTesto 6">
@@ -3594,15 +3723,15 @@
             <p:spPr>
               <a:xfrm>
                 <a:off x="387096" y="1337766"/>
-                <a:ext cx="4572000" cy="2170081"/>
+                <a:ext cx="4572000" cy="1939249"/>
               </a:xfrm>
               <a:prstGeom prst="rect">
                 <a:avLst/>
               </a:prstGeom>
               <a:blipFill>
-                <a:blip r:embed="rId3"/>
+                <a:blip r:embed="rId2"/>
                 <a:stretch>
-                  <a:fillRect l="-1200" t="-1404"/>
+                  <a:fillRect l="-800" t="-940"/>
                 </a:stretch>
               </a:blipFill>
             </p:spPr>
@@ -3621,8 +3750,8 @@
           </p:sp>
         </mc:Fallback>
       </mc:AlternateContent>
-      <mc:AlternateContent xmlns:mc="http://schemas.openxmlformats.org/markup-compatibility/2006" xmlns:a14="http://schemas.microsoft.com/office/drawing/2010/main">
-        <mc:Choice Requires="a14">
+      <mc:AlternateContent xmlns:mc="http://schemas.openxmlformats.org/markup-compatibility/2006">
+        <mc:Choice xmlns:a14="http://schemas.microsoft.com/office/drawing/2010/main" Requires="a14">
           <p:sp>
             <p:nvSpPr>
               <p:cNvPr id="9" name="CasellaDiTesto 8">
@@ -3638,7 +3767,7 @@
             <p:spPr>
               <a:xfrm>
                 <a:off x="387096" y="3470976"/>
-                <a:ext cx="4572000" cy="2308324"/>
+                <a:ext cx="4572000" cy="2123658"/>
               </a:xfrm>
               <a:prstGeom prst="rect">
                 <a:avLst/>
@@ -3656,12 +3785,12 @@
                   <a:buChar char="•"/>
                 </a:pPr>
                 <a:r>
-                  <a:rPr lang="it-IT" dirty="0"/>
+                  <a:rPr lang="it-IT" sz="1600" dirty="0"/>
                   <a:t>Dati trovati:</a:t>
                 </a:r>
               </a:p>
               <a:p>
-                <a:endParaRPr lang="it-IT" dirty="0"/>
+                <a:endParaRPr lang="it-IT" sz="1600" dirty="0"/>
               </a:p>
               <a:p>
                 <a:pPr/>
@@ -3674,14 +3803,14 @@
                       <m:sSub>
                         <m:sSubPr>
                           <m:ctrlPr>
-                            <a:rPr lang="it-IT" b="0" i="1" smtClean="0">
+                            <a:rPr lang="it-IT" sz="1600" b="0" i="1" smtClean="0">
                               <a:latin typeface="Cambria Math" panose="02040503050406030204" pitchFamily="18" charset="0"/>
                             </a:rPr>
                           </m:ctrlPr>
                         </m:sSubPr>
                         <m:e>
                           <m:r>
-                            <a:rPr lang="it-IT" b="0" i="1" smtClean="0">
+                            <a:rPr lang="it-IT" sz="1600" b="0" i="1" smtClean="0">
                               <a:latin typeface="Cambria Math" panose="02040503050406030204" pitchFamily="18" charset="0"/>
                             </a:rPr>
                             <m:t>𝑎</m:t>
@@ -3689,7 +3818,7 @@
                         </m:e>
                         <m:sub>
                           <m:r>
-                            <a:rPr lang="it-IT" b="0" i="1" smtClean="0">
+                            <a:rPr lang="it-IT" sz="1600" b="0" i="1" smtClean="0">
                               <a:latin typeface="Cambria Math" panose="02040503050406030204" pitchFamily="18" charset="0"/>
                             </a:rPr>
                             <m:t>𝑖</m:t>
@@ -3697,7 +3826,7 @@
                         </m:sub>
                       </m:sSub>
                       <m:r>
-                        <a:rPr lang="it-IT" b="0" i="1" smtClean="0">
+                        <a:rPr lang="it-IT" sz="1600" b="0" i="1" smtClean="0">
                           <a:latin typeface="Cambria Math" panose="02040503050406030204" pitchFamily="18" charset="0"/>
                         </a:rPr>
                         <m:t>=8,3697 ∗</m:t>
@@ -3705,14 +3834,14 @@
                       <m:sSup>
                         <m:sSupPr>
                           <m:ctrlPr>
-                            <a:rPr lang="it-IT" b="0" i="1" smtClean="0">
+                            <a:rPr lang="it-IT" sz="1600" b="0" i="1" smtClean="0">
                               <a:latin typeface="Cambria Math" panose="02040503050406030204" pitchFamily="18" charset="0"/>
                             </a:rPr>
                           </m:ctrlPr>
                         </m:sSupPr>
                         <m:e>
                           <m:r>
-                            <a:rPr lang="it-IT" b="0" i="1" smtClean="0">
+                            <a:rPr lang="it-IT" sz="1600" b="0" i="1" smtClean="0">
                               <a:latin typeface="Cambria Math" panose="02040503050406030204" pitchFamily="18" charset="0"/>
                             </a:rPr>
                             <m:t>10</m:t>
@@ -3720,7 +3849,7 @@
                         </m:e>
                         <m:sup>
                           <m:r>
-                            <a:rPr lang="it-IT" b="0" i="1" smtClean="0">
+                            <a:rPr lang="it-IT" sz="1600" b="0" i="1" smtClean="0">
                               <a:latin typeface="Cambria Math" panose="02040503050406030204" pitchFamily="18" charset="0"/>
                             </a:rPr>
                             <m:t>3</m:t>
@@ -3728,13 +3857,13 @@
                         </m:sup>
                       </m:sSup>
                       <m:r>
-                        <a:rPr lang="it-IT" b="0" i="1" smtClean="0">
+                        <a:rPr lang="it-IT" sz="1600" b="0" i="1" smtClean="0">
                           <a:latin typeface="Cambria Math" panose="02040503050406030204" pitchFamily="18" charset="0"/>
                         </a:rPr>
                         <m:t> </m:t>
                       </m:r>
                       <m:r>
-                        <a:rPr lang="it-IT" b="0" i="1" smtClean="0">
+                        <a:rPr lang="it-IT" sz="1600" b="0" i="1" smtClean="0">
                           <a:latin typeface="Cambria Math" panose="02040503050406030204" pitchFamily="18" charset="0"/>
                         </a:rPr>
                         <m:t>𝑘𝑚</m:t>
@@ -3742,7 +3871,7 @@
                     </m:oMath>
                   </m:oMathPara>
                 </a14:m>
-                <a:endParaRPr lang="it-IT" b="0" i="1" dirty="0">
+                <a:endParaRPr lang="it-IT" sz="1600" b="0" i="1" dirty="0">
                   <a:latin typeface="Cambria Math" panose="02040503050406030204" pitchFamily="18" charset="0"/>
                 </a:endParaRPr>
               </a:p>
@@ -3757,14 +3886,14 @@
                       <m:sSub>
                         <m:sSubPr>
                           <m:ctrlPr>
-                            <a:rPr lang="it-IT" b="0" i="1" smtClean="0">
+                            <a:rPr lang="it-IT" sz="1600" b="0" i="1" smtClean="0">
                               <a:latin typeface="Cambria Math" panose="02040503050406030204" pitchFamily="18" charset="0"/>
                             </a:rPr>
                           </m:ctrlPr>
                         </m:sSubPr>
                         <m:e>
                           <m:r>
-                            <a:rPr lang="it-IT" i="1">
+                            <a:rPr lang="it-IT" sz="1600" i="1">
                               <a:latin typeface="Cambria Math" panose="02040503050406030204" pitchFamily="18" charset="0"/>
                             </a:rPr>
                             <m:t>𝑒</m:t>
@@ -3772,7 +3901,7 @@
                         </m:e>
                         <m:sub>
                           <m:r>
-                            <a:rPr lang="it-IT" b="0" i="1" smtClean="0">
+                            <a:rPr lang="it-IT" sz="1600" b="0" i="1" smtClean="0">
                               <a:latin typeface="Cambria Math" panose="02040503050406030204" pitchFamily="18" charset="0"/>
                             </a:rPr>
                             <m:t>𝑖</m:t>
@@ -3780,7 +3909,7 @@
                         </m:sub>
                       </m:sSub>
                       <m:r>
-                        <a:rPr lang="it-IT" b="0" i="1" smtClean="0">
+                        <a:rPr lang="it-IT" sz="1600" b="0" i="1" smtClean="0">
                           <a:latin typeface="Cambria Math" panose="02040503050406030204" pitchFamily="18" charset="0"/>
                         </a:rPr>
                         <m:t>=0,1097 </m:t>
@@ -3788,7 +3917,7 @@
                     </m:oMath>
                   </m:oMathPara>
                 </a14:m>
-                <a:endParaRPr lang="it-IT" dirty="0"/>
+                <a:endParaRPr lang="it-IT" sz="1600" dirty="0"/>
               </a:p>
               <a:p>
                 <a:pPr/>
@@ -3801,14 +3930,14 @@
                       <m:sSub>
                         <m:sSubPr>
                           <m:ctrlPr>
-                            <a:rPr lang="it-IT" b="0" i="1" smtClean="0">
+                            <a:rPr lang="it-IT" sz="1600" b="0" i="1" smtClean="0">
                               <a:latin typeface="Cambria Math" panose="02040503050406030204" pitchFamily="18" charset="0"/>
                             </a:rPr>
                           </m:ctrlPr>
                         </m:sSubPr>
                         <m:e>
                           <m:r>
-                            <a:rPr lang="it-IT" i="1">
+                            <a:rPr lang="it-IT" sz="1600" i="1">
                               <a:latin typeface="Cambria Math" panose="02040503050406030204" pitchFamily="18" charset="0"/>
                             </a:rPr>
                             <m:t>𝑖</m:t>
@@ -3816,7 +3945,7 @@
                         </m:e>
                         <m:sub>
                           <m:r>
-                            <a:rPr lang="it-IT" b="0" i="1" smtClean="0">
+                            <a:rPr lang="it-IT" sz="1600" b="0" i="1" smtClean="0">
                               <a:latin typeface="Cambria Math" panose="02040503050406030204" pitchFamily="18" charset="0"/>
                             </a:rPr>
                             <m:t>𝑖</m:t>
@@ -3824,7 +3953,7 @@
                         </m:sub>
                       </m:sSub>
                       <m:r>
-                        <a:rPr lang="it-IT" b="0" i="1" smtClean="0">
+                        <a:rPr lang="it-IT" sz="1600" b="0" i="1" smtClean="0">
                           <a:latin typeface="Cambria Math" panose="02040503050406030204" pitchFamily="18" charset="0"/>
                         </a:rPr>
                         <m:t>=48,6244°</m:t>
@@ -3834,7 +3963,7 @@
                       <m:sSub>
                         <m:sSubPr>
                           <m:ctrlPr>
-                            <a:rPr lang="it-IT" b="0" i="1" smtClean="0">
+                            <a:rPr lang="it-IT" sz="1600" b="0" i="1" smtClean="0">
                               <a:latin typeface="Cambria Math" panose="02040503050406030204" pitchFamily="18" charset="0"/>
                             </a:rPr>
                           </m:ctrlPr>
@@ -3844,7 +3973,7 @@
                             <m:rPr>
                               <m:sty m:val="p"/>
                             </m:rPr>
-                            <a:rPr lang="it-IT" b="0" i="1" smtClean="0">
+                            <a:rPr lang="it-IT" sz="1600" b="0" i="1" smtClean="0">
                               <a:latin typeface="Cambria Math" panose="02040503050406030204" pitchFamily="18" charset="0"/>
                             </a:rPr>
                             <m:t>Ω</m:t>
@@ -3852,7 +3981,7 @@
                         </m:e>
                         <m:sub>
                           <m:r>
-                            <a:rPr lang="it-IT" b="0" i="1" smtClean="0">
+                            <a:rPr lang="it-IT" sz="1600" b="0" i="1" smtClean="0">
                               <a:latin typeface="Cambria Math" panose="02040503050406030204" pitchFamily="18" charset="0"/>
                             </a:rPr>
                             <m:t>𝑖</m:t>
@@ -3860,7 +3989,7 @@
                         </m:sub>
                       </m:sSub>
                       <m:r>
-                        <a:rPr lang="it-IT" b="0" i="1" smtClean="0">
+                        <a:rPr lang="it-IT" sz="1600" b="0" i="1" smtClean="0">
                           <a:latin typeface="Cambria Math" panose="02040503050406030204" pitchFamily="18" charset="0"/>
                         </a:rPr>
                         <m:t>=87,8870°</m:t>
@@ -3868,7 +3997,7 @@
                     </m:oMath>
                   </m:oMathPara>
                 </a14:m>
-                <a:endParaRPr lang="it-IT" b="0" dirty="0"/>
+                <a:endParaRPr lang="it-IT" sz="1600" b="0" dirty="0"/>
               </a:p>
               <a:p>
                 <a:pPr/>
@@ -3881,14 +4010,14 @@
                       <m:sSub>
                         <m:sSubPr>
                           <m:ctrlPr>
-                            <a:rPr lang="it-IT" b="0" i="1" smtClean="0">
+                            <a:rPr lang="it-IT" sz="1600" b="0" i="1" smtClean="0">
                               <a:latin typeface="Cambria Math" panose="02040503050406030204" pitchFamily="18" charset="0"/>
                             </a:rPr>
                           </m:ctrlPr>
                         </m:sSubPr>
                         <m:e>
                           <m:r>
-                            <a:rPr lang="it-IT" b="0" i="1" smtClean="0">
+                            <a:rPr lang="it-IT" sz="1600" b="0" i="1" smtClean="0">
                               <a:latin typeface="Cambria Math" panose="02040503050406030204" pitchFamily="18" charset="0"/>
                             </a:rPr>
                             <m:t>𝜔</m:t>
@@ -3896,7 +4025,7 @@
                         </m:e>
                         <m:sub>
                           <m:r>
-                            <a:rPr lang="it-IT" b="0" i="1" smtClean="0">
+                            <a:rPr lang="it-IT" sz="1600" b="0" i="1" smtClean="0">
                               <a:latin typeface="Cambria Math" panose="02040503050406030204" pitchFamily="18" charset="0"/>
                             </a:rPr>
                             <m:t>𝑖</m:t>
@@ -3904,7 +4033,7 @@
                         </m:sub>
                       </m:sSub>
                       <m:r>
-                        <a:rPr lang="it-IT" b="0" i="1" smtClean="0">
+                        <a:rPr lang="it-IT" sz="1600" b="0" i="1" smtClean="0">
                           <a:latin typeface="Cambria Math" panose="02040503050406030204" pitchFamily="18" charset="0"/>
                         </a:rPr>
                         <m:t>=67,8907°</m:t>
@@ -3912,7 +4041,7 @@
                     </m:oMath>
                   </m:oMathPara>
                 </a14:m>
-                <a:endParaRPr lang="it-IT" b="0" dirty="0"/>
+                <a:endParaRPr lang="it-IT" sz="1600" b="0" dirty="0"/>
               </a:p>
               <a:p>
                 <a:pPr/>
@@ -3925,14 +4054,14 @@
                       <m:sSub>
                         <m:sSubPr>
                           <m:ctrlPr>
-                            <a:rPr lang="it-IT" b="0" i="1" smtClean="0">
+                            <a:rPr lang="it-IT" sz="1600" b="0" i="1" smtClean="0">
                               <a:latin typeface="Cambria Math" panose="02040503050406030204" pitchFamily="18" charset="0"/>
                             </a:rPr>
                           </m:ctrlPr>
                         </m:sSubPr>
                         <m:e>
                           <m:r>
-                            <a:rPr lang="it-IT" b="0" i="1" smtClean="0">
+                            <a:rPr lang="it-IT" sz="1600" b="0" i="1" smtClean="0">
                               <a:latin typeface="Cambria Math" panose="02040503050406030204" pitchFamily="18" charset="0"/>
                             </a:rPr>
                             <m:t>𝜃</m:t>
@@ -3940,7 +4069,7 @@
                         </m:e>
                         <m:sub>
                           <m:r>
-                            <a:rPr lang="it-IT" b="0" i="1" smtClean="0">
+                            <a:rPr lang="it-IT" sz="1600" b="0" i="1" smtClean="0">
                               <a:latin typeface="Cambria Math" panose="02040503050406030204" pitchFamily="18" charset="0"/>
                             </a:rPr>
                             <m:t>𝑖</m:t>
@@ -3948,7 +4077,7 @@
                         </m:sub>
                       </m:sSub>
                       <m:r>
-                        <a:rPr lang="it-IT" b="0" i="1" smtClean="0">
+                        <a:rPr lang="it-IT" sz="1600" b="0" i="1" smtClean="0">
                           <a:latin typeface="Cambria Math" panose="02040503050406030204" pitchFamily="18" charset="0"/>
                         </a:rPr>
                         <m:t>=103,2729°</m:t>
@@ -3956,12 +4085,12 @@
                     </m:oMath>
                   </m:oMathPara>
                 </a14:m>
-                <a:endParaRPr lang="it-IT" b="0" dirty="0"/>
+                <a:endParaRPr lang="it-IT" sz="1600" b="0" dirty="0"/>
               </a:p>
             </p:txBody>
           </p:sp>
         </mc:Choice>
-        <mc:Fallback xmlns="">
+        <mc:Fallback>
           <p:sp>
             <p:nvSpPr>
               <p:cNvPr id="9" name="CasellaDiTesto 8">
@@ -3979,15 +4108,15 @@
             <p:spPr>
               <a:xfrm>
                 <a:off x="387096" y="3470976"/>
-                <a:ext cx="4572000" cy="2308324"/>
+                <a:ext cx="4572000" cy="2123658"/>
               </a:xfrm>
               <a:prstGeom prst="rect">
                 <a:avLst/>
               </a:prstGeom>
               <a:blipFill>
-                <a:blip r:embed="rId4"/>
+                <a:blip r:embed="rId3"/>
                 <a:stretch>
-                  <a:fillRect l="-933" t="-1319"/>
+                  <a:fillRect l="-533" t="-860"/>
                 </a:stretch>
               </a:blipFill>
             </p:spPr>
@@ -4006,6 +4135,36 @@
           </p:sp>
         </mc:Fallback>
       </mc:AlternateContent>
+      <p:pic>
+        <p:nvPicPr>
+          <p:cNvPr id="10" name="Immagine 9">
+            <a:extLst>
+              <a:ext uri="{FF2B5EF4-FFF2-40B4-BE49-F238E27FC236}">
+                <a16:creationId xmlns:a16="http://schemas.microsoft.com/office/drawing/2014/main" id="{74AC0508-FBFB-AB73-7ADF-F2B846EA2380}"/>
+              </a:ext>
+            </a:extLst>
+          </p:cNvPr>
+          <p:cNvPicPr>
+            <a:picLocks noChangeAspect="1"/>
+          </p:cNvPicPr>
+          <p:nvPr/>
+        </p:nvPicPr>
+        <p:blipFill>
+          <a:blip r:embed="rId4"/>
+          <a:stretch>
+            <a:fillRect/>
+          </a:stretch>
+        </p:blipFill>
+        <p:spPr>
+          <a:xfrm>
+            <a:off x="3955660" y="1070469"/>
+            <a:ext cx="4791412" cy="4801014"/>
+          </a:xfrm>
+          <a:prstGeom prst="rect">
+            <a:avLst/>
+          </a:prstGeom>
+        </p:spPr>
+      </p:pic>
     </p:spTree>
   </p:cSld>
   <p:clrMapOvr>
@@ -4118,8 +4277,8 @@
           </a:p>
         </p:txBody>
       </p:sp>
-      <mc:AlternateContent xmlns:mc="http://schemas.openxmlformats.org/markup-compatibility/2006" xmlns:a14="http://schemas.microsoft.com/office/drawing/2010/main">
-        <mc:Choice Requires="a14">
+      <mc:AlternateContent xmlns:mc="http://schemas.openxmlformats.org/markup-compatibility/2006">
+        <mc:Choice xmlns:a14="http://schemas.microsoft.com/office/drawing/2010/main" Requires="a14">
           <p:sp>
             <p:nvSpPr>
               <p:cNvPr id="8" name="CasellaDiTesto 7">
@@ -4135,7 +4294,7 @@
             <p:spPr>
               <a:xfrm>
                 <a:off x="240570" y="1356021"/>
-                <a:ext cx="4572000" cy="2471831"/>
+                <a:ext cx="4572000" cy="2251065"/>
               </a:xfrm>
               <a:prstGeom prst="rect">
                 <a:avLst/>
@@ -4153,7 +4312,7 @@
                   <a:buChar char="•"/>
                 </a:pPr>
                 <a:r>
-                  <a:rPr lang="it-IT" dirty="0">
+                  <a:rPr lang="it-IT" sz="1600" dirty="0">
                     <a:latin typeface="Arial" panose="020B0604020202020204" pitchFamily="34" charset="0"/>
                     <a:cs typeface="Arial" panose="020B0604020202020204" pitchFamily="34" charset="0"/>
                   </a:rPr>
@@ -4161,7 +4320,7 @@
                 </a:r>
               </a:p>
               <a:p>
-                <a:endParaRPr lang="it-IT" dirty="0"/>
+                <a:endParaRPr lang="it-IT" sz="1600" dirty="0"/>
               </a:p>
               <a:p>
                 <a:pPr/>
@@ -4174,14 +4333,14 @@
                       <m:sSub>
                         <m:sSubPr>
                           <m:ctrlPr>
-                            <a:rPr lang="it-IT" b="0" i="1" smtClean="0">
+                            <a:rPr lang="it-IT" sz="1600" b="0" i="1" smtClean="0">
                               <a:latin typeface="Cambria Math" panose="02040503050406030204" pitchFamily="18" charset="0"/>
                             </a:rPr>
                           </m:ctrlPr>
                         </m:sSubPr>
                         <m:e>
                           <m:r>
-                            <a:rPr lang="it-IT" b="0" i="1" smtClean="0">
+                            <a:rPr lang="it-IT" sz="1600" b="0" i="1" smtClean="0">
                               <a:latin typeface="Cambria Math" panose="02040503050406030204" pitchFamily="18" charset="0"/>
                             </a:rPr>
                             <m:t>𝑎</m:t>
@@ -4189,7 +4348,7 @@
                         </m:e>
                         <m:sub>
                           <m:r>
-                            <a:rPr lang="it-IT" b="0" i="1" smtClean="0">
+                            <a:rPr lang="it-IT" sz="1600" b="0" i="1" smtClean="0">
                               <a:latin typeface="Cambria Math" panose="02040503050406030204" pitchFamily="18" charset="0"/>
                             </a:rPr>
                             <m:t>𝑓</m:t>
@@ -4197,7 +4356,7 @@
                         </m:sub>
                       </m:sSub>
                       <m:r>
-                        <a:rPr lang="it-IT" b="0" i="1" smtClean="0">
+                        <a:rPr lang="it-IT" sz="1600" b="0" i="1" smtClean="0">
                           <a:latin typeface="Cambria Math" panose="02040503050406030204" pitchFamily="18" charset="0"/>
                         </a:rPr>
                         <m:t>=1,0860 ∗</m:t>
@@ -4205,14 +4364,14 @@
                       <m:sSup>
                         <m:sSupPr>
                           <m:ctrlPr>
-                            <a:rPr lang="it-IT" b="0" i="1" smtClean="0">
+                            <a:rPr lang="it-IT" sz="1600" b="0" i="1" smtClean="0">
                               <a:latin typeface="Cambria Math" panose="02040503050406030204" pitchFamily="18" charset="0"/>
                             </a:rPr>
                           </m:ctrlPr>
                         </m:sSupPr>
                         <m:e>
                           <m:r>
-                            <a:rPr lang="it-IT" b="0" i="1" smtClean="0">
+                            <a:rPr lang="it-IT" sz="1600" b="0" i="1" smtClean="0">
                               <a:latin typeface="Cambria Math" panose="02040503050406030204" pitchFamily="18" charset="0"/>
                             </a:rPr>
                             <m:t>10</m:t>
@@ -4220,7 +4379,7 @@
                         </m:e>
                         <m:sup>
                           <m:r>
-                            <a:rPr lang="it-IT" b="0" i="1" smtClean="0">
+                            <a:rPr lang="it-IT" sz="1600" b="0" i="1" smtClean="0">
                               <a:latin typeface="Cambria Math" panose="02040503050406030204" pitchFamily="18" charset="0"/>
                             </a:rPr>
                             <m:t>4</m:t>
@@ -4228,13 +4387,13 @@
                         </m:sup>
                       </m:sSup>
                       <m:r>
-                        <a:rPr lang="it-IT" b="0" i="1" smtClean="0">
+                        <a:rPr lang="it-IT" sz="1600" b="0" i="1" smtClean="0">
                           <a:latin typeface="Cambria Math" panose="02040503050406030204" pitchFamily="18" charset="0"/>
                         </a:rPr>
                         <m:t> </m:t>
                       </m:r>
                       <m:r>
-                        <a:rPr lang="it-IT" b="0" i="1" smtClean="0">
+                        <a:rPr lang="it-IT" sz="1600" b="0" i="1" smtClean="0">
                           <a:latin typeface="Cambria Math" panose="02040503050406030204" pitchFamily="18" charset="0"/>
                         </a:rPr>
                         <m:t>𝑘𝑚</m:t>
@@ -4242,7 +4401,7 @@
                     </m:oMath>
                   </m:oMathPara>
                 </a14:m>
-                <a:endParaRPr lang="it-IT" b="0" i="1" dirty="0">
+                <a:endParaRPr lang="it-IT" sz="1600" b="0" i="1" dirty="0">
                   <a:latin typeface="Cambria Math" panose="02040503050406030204" pitchFamily="18" charset="0"/>
                 </a:endParaRPr>
               </a:p>
@@ -4257,14 +4416,14 @@
                       <m:sSub>
                         <m:sSubPr>
                           <m:ctrlPr>
-                            <a:rPr lang="it-IT" b="0" i="1" smtClean="0">
+                            <a:rPr lang="it-IT" sz="1600" b="0" i="1" smtClean="0">
                               <a:latin typeface="Cambria Math" panose="02040503050406030204" pitchFamily="18" charset="0"/>
                             </a:rPr>
                           </m:ctrlPr>
                         </m:sSubPr>
                         <m:e>
                           <m:r>
-                            <a:rPr lang="it-IT" i="1">
+                            <a:rPr lang="it-IT" sz="1600" i="1">
                               <a:latin typeface="Cambria Math" panose="02040503050406030204" pitchFamily="18" charset="0"/>
                             </a:rPr>
                             <m:t>𝑒</m:t>
@@ -4272,7 +4431,7 @@
                         </m:e>
                         <m:sub>
                           <m:r>
-                            <a:rPr lang="it-IT" b="0" i="1" smtClean="0">
+                            <a:rPr lang="it-IT" sz="1600" b="0" i="1" smtClean="0">
                               <a:latin typeface="Cambria Math" panose="02040503050406030204" pitchFamily="18" charset="0"/>
                             </a:rPr>
                             <m:t>𝑓</m:t>
@@ -4280,7 +4439,7 @@
                         </m:sub>
                       </m:sSub>
                       <m:r>
-                        <a:rPr lang="it-IT" b="0" i="1" smtClean="0">
+                        <a:rPr lang="it-IT" sz="1600" b="0" i="1" smtClean="0">
                           <a:latin typeface="Cambria Math" panose="02040503050406030204" pitchFamily="18" charset="0"/>
                         </a:rPr>
                         <m:t>=0,2332 </m:t>
@@ -4288,7 +4447,7 @@
                     </m:oMath>
                   </m:oMathPara>
                 </a14:m>
-                <a:endParaRPr lang="it-IT" dirty="0"/>
+                <a:endParaRPr lang="it-IT" sz="1600" dirty="0"/>
               </a:p>
               <a:p>
                 <a:pPr/>
@@ -4301,14 +4460,14 @@
                       <m:sSub>
                         <m:sSubPr>
                           <m:ctrlPr>
-                            <a:rPr lang="it-IT" b="0" i="1" smtClean="0">
+                            <a:rPr lang="it-IT" sz="1600" b="0" i="1" smtClean="0">
                               <a:latin typeface="Cambria Math" panose="02040503050406030204" pitchFamily="18" charset="0"/>
                             </a:rPr>
                           </m:ctrlPr>
                         </m:sSubPr>
                         <m:e>
                           <m:r>
-                            <a:rPr lang="it-IT" i="1">
+                            <a:rPr lang="it-IT" sz="1600" i="1">
                               <a:latin typeface="Cambria Math" panose="02040503050406030204" pitchFamily="18" charset="0"/>
                             </a:rPr>
                             <m:t>𝑖</m:t>
@@ -4316,7 +4475,7 @@
                         </m:e>
                         <m:sub>
                           <m:r>
-                            <a:rPr lang="it-IT" b="0" i="1" smtClean="0">
+                            <a:rPr lang="it-IT" sz="1600" b="0" i="1" smtClean="0">
                               <a:latin typeface="Cambria Math" panose="02040503050406030204" pitchFamily="18" charset="0"/>
                             </a:rPr>
                             <m:t>𝑓</m:t>
@@ -4324,7 +4483,7 @@
                         </m:sub>
                       </m:sSub>
                       <m:r>
-                        <a:rPr lang="it-IT" b="0" i="1" smtClean="0">
+                        <a:rPr lang="it-IT" sz="1600" b="0" i="1" smtClean="0">
                           <a:latin typeface="Cambria Math" panose="02040503050406030204" pitchFamily="18" charset="0"/>
                         </a:rPr>
                         <m:t>=30,2751°</m:t>
@@ -4334,7 +4493,7 @@
                       <m:sSub>
                         <m:sSubPr>
                           <m:ctrlPr>
-                            <a:rPr lang="it-IT" b="0" i="1" smtClean="0">
+                            <a:rPr lang="it-IT" sz="1600" b="0" i="1" smtClean="0">
                               <a:latin typeface="Cambria Math" panose="02040503050406030204" pitchFamily="18" charset="0"/>
                             </a:rPr>
                           </m:ctrlPr>
@@ -4344,7 +4503,7 @@
                             <m:rPr>
                               <m:sty m:val="p"/>
                             </m:rPr>
-                            <a:rPr lang="it-IT" b="0" i="1" smtClean="0">
+                            <a:rPr lang="it-IT" sz="1600" b="0" i="1" smtClean="0">
                               <a:latin typeface="Cambria Math" panose="02040503050406030204" pitchFamily="18" charset="0"/>
                             </a:rPr>
                             <m:t>Ω</m:t>
@@ -4352,7 +4511,7 @@
                         </m:e>
                         <m:sub>
                           <m:r>
-                            <a:rPr lang="it-IT" b="0" i="1" smtClean="0">
+                            <a:rPr lang="it-IT" sz="1600" b="0" i="1" smtClean="0">
                               <a:latin typeface="Cambria Math" panose="02040503050406030204" pitchFamily="18" charset="0"/>
                             </a:rPr>
                             <m:t>𝑓</m:t>
@@ -4360,7 +4519,7 @@
                         </m:sub>
                       </m:sSub>
                       <m:r>
-                        <a:rPr lang="it-IT" b="0" i="1" smtClean="0">
+                        <a:rPr lang="it-IT" sz="1600" b="0" i="1" smtClean="0">
                           <a:latin typeface="Cambria Math" panose="02040503050406030204" pitchFamily="18" charset="0"/>
                         </a:rPr>
                         <m:t>=173,2051°</m:t>
@@ -4368,7 +4527,7 @@
                     </m:oMath>
                   </m:oMathPara>
                 </a14:m>
-                <a:endParaRPr lang="it-IT" b="0" dirty="0"/>
+                <a:endParaRPr lang="it-IT" sz="1600" b="0" dirty="0"/>
               </a:p>
               <a:p>
                 <a:pPr/>
@@ -4381,14 +4540,14 @@
                       <m:sSub>
                         <m:sSubPr>
                           <m:ctrlPr>
-                            <a:rPr lang="it-IT" b="0" i="1" smtClean="0">
+                            <a:rPr lang="it-IT" sz="1600" b="0" i="1" smtClean="0">
                               <a:latin typeface="Cambria Math" panose="02040503050406030204" pitchFamily="18" charset="0"/>
                             </a:rPr>
                           </m:ctrlPr>
                         </m:sSubPr>
                         <m:e>
                           <m:r>
-                            <a:rPr lang="it-IT" b="0" i="1" smtClean="0">
+                            <a:rPr lang="it-IT" sz="1600" b="0" i="1" smtClean="0">
                               <a:latin typeface="Cambria Math" panose="02040503050406030204" pitchFamily="18" charset="0"/>
                             </a:rPr>
                             <m:t>𝜔</m:t>
@@ -4396,7 +4555,7 @@
                         </m:e>
                         <m:sub>
                           <m:r>
-                            <a:rPr lang="it-IT" b="0" i="1" smtClean="0">
+                            <a:rPr lang="it-IT" sz="1600" b="0" i="1" smtClean="0">
                               <a:latin typeface="Cambria Math" panose="02040503050406030204" pitchFamily="18" charset="0"/>
                             </a:rPr>
                             <m:t>𝑓</m:t>
@@ -4404,7 +4563,7 @@
                         </m:sub>
                       </m:sSub>
                       <m:r>
-                        <a:rPr lang="it-IT" b="0" i="1" smtClean="0">
+                        <a:rPr lang="it-IT" sz="1600" b="0" i="1" smtClean="0">
                           <a:latin typeface="Cambria Math" panose="02040503050406030204" pitchFamily="18" charset="0"/>
                         </a:rPr>
                         <m:t>=24,6315°</m:t>
@@ -4412,7 +4571,7 @@
                     </m:oMath>
                   </m:oMathPara>
                 </a14:m>
-                <a:endParaRPr lang="it-IT" b="0" dirty="0"/>
+                <a:endParaRPr lang="it-IT" sz="1600" b="0" dirty="0"/>
               </a:p>
               <a:p>
                 <a:pPr/>
@@ -4425,14 +4584,14 @@
                       <m:sSub>
                         <m:sSubPr>
                           <m:ctrlPr>
-                            <a:rPr lang="it-IT" b="0" i="1" smtClean="0">
+                            <a:rPr lang="it-IT" sz="1600" b="0" i="1" smtClean="0">
                               <a:latin typeface="Cambria Math" panose="02040503050406030204" pitchFamily="18" charset="0"/>
                             </a:rPr>
                           </m:ctrlPr>
                         </m:sSubPr>
                         <m:e>
                           <m:r>
-                            <a:rPr lang="it-IT" b="0" i="1" smtClean="0">
+                            <a:rPr lang="it-IT" sz="1600" b="0" i="1" smtClean="0">
                               <a:latin typeface="Cambria Math" panose="02040503050406030204" pitchFamily="18" charset="0"/>
                             </a:rPr>
                             <m:t>𝜃</m:t>
@@ -4440,7 +4599,7 @@
                         </m:e>
                         <m:sub>
                           <m:r>
-                            <a:rPr lang="it-IT" b="0" i="1" smtClean="0">
+                            <a:rPr lang="it-IT" sz="1600" b="0" i="1" smtClean="0">
                               <a:latin typeface="Cambria Math" panose="02040503050406030204" pitchFamily="18" charset="0"/>
                             </a:rPr>
                             <m:t>𝑓</m:t>
@@ -4448,7 +4607,7 @@
                         </m:sub>
                       </m:sSub>
                       <m:r>
-                        <a:rPr lang="it-IT" b="0" i="1" smtClean="0">
+                        <a:rPr lang="it-IT" sz="1600" b="0" i="1" smtClean="0">
                           <a:latin typeface="Cambria Math" panose="02040503050406030204" pitchFamily="18" charset="0"/>
                         </a:rPr>
                         <m:t>=18,9993°</m:t>
@@ -4456,12 +4615,12 @@
                     </m:oMath>
                   </m:oMathPara>
                 </a14:m>
-                <a:endParaRPr lang="it-IT" b="0" dirty="0"/>
+                <a:endParaRPr lang="it-IT" sz="1600" b="0" dirty="0"/>
               </a:p>
             </p:txBody>
           </p:sp>
         </mc:Choice>
-        <mc:Fallback xmlns="">
+        <mc:Fallback>
           <p:sp>
             <p:nvSpPr>
               <p:cNvPr id="8" name="CasellaDiTesto 7">
@@ -4479,7 +4638,7 @@
             <p:spPr>
               <a:xfrm>
                 <a:off x="240570" y="1356021"/>
-                <a:ext cx="4572000" cy="2471831"/>
+                <a:ext cx="4572000" cy="2251065"/>
               </a:xfrm>
               <a:prstGeom prst="rect">
                 <a:avLst/>
@@ -4487,7 +4646,7 @@
               <a:blipFill>
                 <a:blip r:embed="rId2"/>
                 <a:stretch>
-                  <a:fillRect l="-800" t="-1232"/>
+                  <a:fillRect l="-533" t="-811"/>
                 </a:stretch>
               </a:blipFill>
             </p:spPr>
@@ -4506,8 +4665,8 @@
           </p:sp>
         </mc:Fallback>
       </mc:AlternateContent>
-      <mc:AlternateContent xmlns:mc="http://schemas.openxmlformats.org/markup-compatibility/2006" xmlns:a14="http://schemas.microsoft.com/office/drawing/2010/main">
-        <mc:Choice Requires="a14">
+      <mc:AlternateContent xmlns:mc="http://schemas.openxmlformats.org/markup-compatibility/2006">
+        <mc:Choice xmlns:a14="http://schemas.microsoft.com/office/drawing/2010/main" Requires="a14">
           <p:sp>
             <p:nvSpPr>
               <p:cNvPr id="10" name="CasellaDiTesto 9">
@@ -4523,7 +4682,7 @@
             <p:spPr>
               <a:xfrm>
                 <a:off x="240570" y="3891464"/>
-                <a:ext cx="4572000" cy="2170081"/>
+                <a:ext cx="4572000" cy="1939249"/>
               </a:xfrm>
               <a:prstGeom prst="rect">
                 <a:avLst/>
@@ -4541,13 +4700,13 @@
                   <a:buChar char="•"/>
                 </a:pPr>
                 <a:r>
-                  <a:rPr lang="it-IT" sz="1800" dirty="0"/>
+                  <a:rPr lang="it-IT" sz="1600" dirty="0"/>
                   <a:t>Dati trovati: </a:t>
                 </a:r>
               </a:p>
               <a:p>
                 <a:r>
-                  <a:rPr lang="it-IT" sz="1800" dirty="0"/>
+                  <a:rPr lang="it-IT" sz="1600" dirty="0"/>
                   <a:t>Vettore posizione: </a:t>
                 </a:r>
                 <a14:m>
@@ -4557,7 +4716,7 @@
                         <m:begChr m:val="["/>
                         <m:endChr m:val="]"/>
                         <m:ctrlPr>
-                          <a:rPr lang="it-IT" sz="1800" b="0" i="1" smtClean="0">
+                          <a:rPr lang="it-IT" sz="1600" b="0" i="1" smtClean="0">
                             <a:latin typeface="Cambria Math" panose="02040503050406030204" pitchFamily="18" charset="0"/>
                           </a:rPr>
                         </m:ctrlPr>
@@ -4574,7 +4733,7 @@
                               </m:mc>
                             </m:mcs>
                             <m:ctrlPr>
-                              <a:rPr lang="it-IT" sz="1800" i="1">
+                              <a:rPr lang="it-IT" sz="1600" i="1">
                                 <a:latin typeface="Cambria Math" panose="02040503050406030204" pitchFamily="18" charset="0"/>
                               </a:rPr>
                             </m:ctrlPr>
@@ -4585,13 +4744,13 @@
                                 <m:rPr>
                                   <m:brk m:alnAt="7"/>
                                 </m:rPr>
-                                <a:rPr lang="it-IT" sz="1800" b="0" i="1" smtClean="0">
+                                <a:rPr lang="it-IT" sz="1600" b="0" i="1" smtClean="0">
                                   <a:latin typeface="Cambria Math" panose="02040503050406030204" pitchFamily="18" charset="0"/>
                                 </a:rPr>
                                 <m:t>−</m:t>
                               </m:r>
                               <m:r>
-                                <a:rPr lang="it-IT" sz="1800" b="0" i="1" smtClean="0">
+                                <a:rPr lang="it-IT" sz="1600" b="0" i="1" smtClean="0">
                                   <a:latin typeface="Cambria Math" panose="02040503050406030204" pitchFamily="18" charset="0"/>
                                 </a:rPr>
                                 <m:t>6640,6140</m:t>
@@ -4601,7 +4760,7 @@
                           <m:mr>
                             <m:e>
                               <m:r>
-                                <a:rPr lang="it-IT" sz="1800" b="0" i="1" smtClean="0">
+                                <a:rPr lang="it-IT" sz="1600" b="0" i="1" smtClean="0">
                                   <a:latin typeface="Cambria Math" panose="02040503050406030204" pitchFamily="18" charset="0"/>
                                 </a:rPr>
                                 <m:t>−4258,2138</m:t>
@@ -4611,7 +4770,7 @@
                           <m:mr>
                             <m:e>
                               <m:r>
-                                <a:rPr lang="it-IT" sz="1800" b="0" i="1" smtClean="0">
+                                <a:rPr lang="it-IT" sz="1600" b="0" i="1" smtClean="0">
                                   <a:latin typeface="Cambria Math" panose="02040503050406030204" pitchFamily="18" charset="0"/>
                                 </a:rPr>
                                 <m:t>2927,01450</m:t>
@@ -4624,13 +4783,13 @@
                   </m:oMath>
                 </a14:m>
                 <a:r>
-                  <a:rPr lang="it-IT" sz="1800" dirty="0"/>
+                  <a:rPr lang="it-IT" sz="1600" dirty="0"/>
                   <a:t> [</a:t>
                 </a:r>
                 <a14:m>
                   <m:oMath xmlns:m="http://schemas.openxmlformats.org/officeDocument/2006/math">
                     <m:r>
-                      <a:rPr lang="it-IT" sz="1800" b="0" i="1" smtClean="0">
+                      <a:rPr lang="it-IT" sz="1600" b="0" i="1" smtClean="0">
                         <a:latin typeface="Cambria Math" panose="02040503050406030204" pitchFamily="18" charset="0"/>
                       </a:rPr>
                       <m:t>𝑘𝑚</m:t>
@@ -4638,16 +4797,16 @@
                   </m:oMath>
                 </a14:m>
                 <a:r>
-                  <a:rPr lang="it-IT" sz="1800" dirty="0"/>
+                  <a:rPr lang="it-IT" sz="1600" dirty="0"/>
                   <a:t>]</a:t>
                 </a:r>
               </a:p>
               <a:p>
-                <a:endParaRPr lang="it-IT" sz="1800" i="1" dirty="0"/>
+                <a:endParaRPr lang="it-IT" sz="1600" i="1" dirty="0"/>
               </a:p>
               <a:p>
                 <a:r>
-                  <a:rPr lang="it-IT" sz="1800" dirty="0"/>
+                  <a:rPr lang="it-IT" sz="1600" dirty="0"/>
                   <a:t>Vettore velocità: </a:t>
                 </a:r>
                 <a14:m>
@@ -4657,7 +4816,7 @@
                         <m:begChr m:val="["/>
                         <m:endChr m:val="]"/>
                         <m:ctrlPr>
-                          <a:rPr lang="it-IT" sz="1800" b="0" i="1" smtClean="0">
+                          <a:rPr lang="it-IT" sz="1600" b="0" i="1" smtClean="0">
                             <a:latin typeface="Cambria Math" panose="02040503050406030204" pitchFamily="18" charset="0"/>
                           </a:rPr>
                         </m:ctrlPr>
@@ -4674,7 +4833,7 @@
                               </m:mc>
                             </m:mcs>
                             <m:ctrlPr>
-                              <a:rPr lang="it-IT" sz="1800" i="1">
+                              <a:rPr lang="it-IT" sz="1600" i="1">
                                 <a:latin typeface="Cambria Math" panose="02040503050406030204" pitchFamily="18" charset="0"/>
                               </a:rPr>
                             </m:ctrlPr>
@@ -4685,13 +4844,13 @@
                                 <m:rPr>
                                   <m:brk m:alnAt="7"/>
                                 </m:rPr>
-                                <a:rPr lang="it-IT" sz="1800" b="0" i="1" smtClean="0">
+                                <a:rPr lang="it-IT" sz="1600" b="0" i="1" smtClean="0">
                                   <a:latin typeface="Cambria Math" panose="02040503050406030204" pitchFamily="18" charset="0"/>
                                 </a:rPr>
                                 <m:t>4</m:t>
                               </m:r>
                               <m:r>
-                                <a:rPr lang="it-IT" sz="1800" b="0" i="1" smtClean="0">
+                                <a:rPr lang="it-IT" sz="1600" b="0" i="1" smtClean="0">
                                   <a:latin typeface="Cambria Math" panose="02040503050406030204" pitchFamily="18" charset="0"/>
                                 </a:rPr>
                                 <m:t>,2742</m:t>
@@ -4701,7 +4860,7 @@
                           <m:mr>
                             <m:e>
                               <m:r>
-                                <a:rPr lang="it-IT" sz="1800" b="0" i="1" smtClean="0">
+                                <a:rPr lang="it-IT" sz="1600" b="0" i="1" smtClean="0">
                                   <a:latin typeface="Cambria Math" panose="02040503050406030204" pitchFamily="18" charset="0"/>
                                 </a:rPr>
                                 <m:t>−5,5797</m:t>
@@ -4711,7 +4870,7 @@
                           <m:mr>
                             <m:e>
                               <m:r>
-                                <a:rPr lang="it-IT" sz="1800" b="0" i="1" smtClean="0">
+                                <a:rPr lang="it-IT" sz="1600" b="0" i="1" smtClean="0">
                                   <a:latin typeface="Cambria Math" panose="02040503050406030204" pitchFamily="18" charset="0"/>
                                 </a:rPr>
                                 <m:t>2,9392</m:t>
@@ -4724,11 +4883,11 @@
                   </m:oMath>
                 </a14:m>
                 <a:r>
-                  <a:rPr lang="it-IT" sz="1800" dirty="0"/>
+                  <a:rPr lang="it-IT" sz="1600" dirty="0"/>
                   <a:t> </a:t>
                 </a:r>
                 <a:r>
-                  <a:rPr lang="it-IT" sz="2000" dirty="0"/>
+                  <a:rPr lang="it-IT" dirty="0"/>
                   <a:t>[</a:t>
                 </a:r>
                 <a14:m>
@@ -4737,14 +4896,14 @@
                       <m:fPr>
                         <m:type m:val="skw"/>
                         <m:ctrlPr>
-                          <a:rPr lang="it-IT" sz="2000" i="1" smtClean="0">
+                          <a:rPr lang="it-IT" i="1" smtClean="0">
                             <a:latin typeface="Cambria Math" panose="02040503050406030204" pitchFamily="18" charset="0"/>
                           </a:rPr>
                         </m:ctrlPr>
                       </m:fPr>
                       <m:num>
                         <m:r>
-                          <a:rPr lang="it-IT" sz="2000" b="0" i="1" smtClean="0">
+                          <a:rPr lang="it-IT" b="0" i="1" smtClean="0">
                             <a:latin typeface="Cambria Math" panose="02040503050406030204" pitchFamily="18" charset="0"/>
                           </a:rPr>
                           <m:t>𝑘𝑚</m:t>
@@ -4752,7 +4911,7 @@
                       </m:num>
                       <m:den>
                         <m:r>
-                          <a:rPr lang="it-IT" sz="2000" b="0" i="1" smtClean="0">
+                          <a:rPr lang="it-IT" b="0" i="1" smtClean="0">
                             <a:latin typeface="Cambria Math" panose="02040503050406030204" pitchFamily="18" charset="0"/>
                           </a:rPr>
                           <m:t>𝑠</m:t>
@@ -4762,14 +4921,14 @@
                   </m:oMath>
                 </a14:m>
                 <a:r>
-                  <a:rPr lang="it-IT" sz="2000" i="1" dirty="0"/>
+                  <a:rPr lang="it-IT" i="1" dirty="0"/>
                   <a:t>]</a:t>
                 </a:r>
               </a:p>
             </p:txBody>
           </p:sp>
         </mc:Choice>
-        <mc:Fallback xmlns="">
+        <mc:Fallback>
           <p:sp>
             <p:nvSpPr>
               <p:cNvPr id="10" name="CasellaDiTesto 9">
@@ -4787,7 +4946,7 @@
             <p:spPr>
               <a:xfrm>
                 <a:off x="240570" y="3891464"/>
-                <a:ext cx="4572000" cy="2170081"/>
+                <a:ext cx="4572000" cy="1939249"/>
               </a:xfrm>
               <a:prstGeom prst="rect">
                 <a:avLst/>
@@ -4795,7 +4954,7 @@
               <a:blipFill>
                 <a:blip r:embed="rId3"/>
                 <a:stretch>
-                  <a:fillRect l="-1067" t="-1404"/>
+                  <a:fillRect l="-667" t="-943"/>
                 </a:stretch>
               </a:blipFill>
             </p:spPr>
@@ -4816,10 +4975,10 @@
       </mc:AlternateContent>
       <p:pic>
         <p:nvPicPr>
-          <p:cNvPr id="7" name="Immagine 6">
+          <p:cNvPr id="5" name="Immagine 4">
             <a:extLst>
               <a:ext uri="{FF2B5EF4-FFF2-40B4-BE49-F238E27FC236}">
-                <a16:creationId xmlns:a16="http://schemas.microsoft.com/office/drawing/2014/main" id="{15B141F8-1735-C928-561E-2F9DE7FB1D4E}"/>
+                <a16:creationId xmlns:a16="http://schemas.microsoft.com/office/drawing/2014/main" id="{FB3E9A0A-371A-FF29-3BA8-546301E6E836}"/>
               </a:ext>
             </a:extLst>
           </p:cNvPr>
@@ -4828,15 +4987,16 @@
           </p:cNvPicPr>
           <p:nvPr/>
         </p:nvPicPr>
-        <p:blipFill rotWithShape="1">
+        <p:blipFill>
           <a:blip r:embed="rId4"/>
-          <a:srcRect t="8502"/>
-          <a:stretch/>
+          <a:stretch>
+            <a:fillRect/>
+          </a:stretch>
         </p:blipFill>
         <p:spPr>
           <a:xfrm>
-            <a:off x="4038600" y="1292409"/>
-            <a:ext cx="5105400" cy="4273181"/>
+            <a:off x="3858866" y="1076324"/>
+            <a:ext cx="5081436" cy="4754389"/>
           </a:xfrm>
           <a:prstGeom prst="rect">
             <a:avLst/>
@@ -4957,10 +5117,10 @@
       </p:sp>
       <p:pic>
         <p:nvPicPr>
-          <p:cNvPr id="5" name="Immagine 4">
+          <p:cNvPr id="6" name="Immagine 5">
             <a:extLst>
               <a:ext uri="{FF2B5EF4-FFF2-40B4-BE49-F238E27FC236}">
-                <a16:creationId xmlns:a16="http://schemas.microsoft.com/office/drawing/2014/main" id="{3B7658AD-6357-64AA-4C0A-C4B7E0A08F02}"/>
+                <a16:creationId xmlns:a16="http://schemas.microsoft.com/office/drawing/2014/main" id="{A9DABDB8-37CE-B152-373F-2881A1487917}"/>
               </a:ext>
             </a:extLst>
           </p:cNvPr>
@@ -4977,8 +5137,8 @@
         </p:blipFill>
         <p:spPr>
           <a:xfrm>
-            <a:off x="3276600" y="1117547"/>
-            <a:ext cx="5330831" cy="4622905"/>
+            <a:off x="3495947" y="1066800"/>
+            <a:ext cx="5353345" cy="4648200"/>
           </a:xfrm>
           <a:prstGeom prst="rect">
             <a:avLst/>
@@ -5099,10 +5259,10 @@
       </p:sp>
       <p:pic>
         <p:nvPicPr>
-          <p:cNvPr id="7" name="Immagine 6">
+          <p:cNvPr id="5" name="Immagine 4">
             <a:extLst>
               <a:ext uri="{FF2B5EF4-FFF2-40B4-BE49-F238E27FC236}">
-                <a16:creationId xmlns:a16="http://schemas.microsoft.com/office/drawing/2014/main" id="{3DAE5DC2-CFC1-31DB-FA71-AC08E22E0740}"/>
+                <a16:creationId xmlns:a16="http://schemas.microsoft.com/office/drawing/2014/main" id="{943A690E-D9EE-7352-DF91-0B619B7ADC0A}"/>
               </a:ext>
             </a:extLst>
           </p:cNvPr>
@@ -5119,8 +5279,8 @@
         </p:blipFill>
         <p:spPr>
           <a:xfrm>
-            <a:off x="4455733" y="990600"/>
-            <a:ext cx="4347334" cy="4157954"/>
+            <a:off x="4267200" y="1143000"/>
+            <a:ext cx="4515118" cy="4171029"/>
           </a:xfrm>
           <a:prstGeom prst="rect">
             <a:avLst/>
@@ -5241,10 +5401,10 @@
       </p:sp>
       <p:pic>
         <p:nvPicPr>
-          <p:cNvPr id="7" name="Immagine 6">
+          <p:cNvPr id="5" name="Immagine 4">
             <a:extLst>
               <a:ext uri="{FF2B5EF4-FFF2-40B4-BE49-F238E27FC236}">
-                <a16:creationId xmlns:a16="http://schemas.microsoft.com/office/drawing/2014/main" id="{FCAD97BF-0497-DA4C-5967-3B930CE081FB}"/>
+                <a16:creationId xmlns:a16="http://schemas.microsoft.com/office/drawing/2014/main" id="{E01C51AF-8713-B187-3086-87ADF85AD88A}"/>
               </a:ext>
             </a:extLst>
           </p:cNvPr>
@@ -5261,8 +5421,8 @@
         </p:blipFill>
         <p:spPr>
           <a:xfrm>
-            <a:off x="4267200" y="1219200"/>
-            <a:ext cx="4643227" cy="3640378"/>
+            <a:off x="4343400" y="1371600"/>
+            <a:ext cx="4430752" cy="3657600"/>
           </a:xfrm>
           <a:prstGeom prst="rect">
             <a:avLst/>
@@ -5388,10 +5548,10 @@
       </p:sp>
       <p:pic>
         <p:nvPicPr>
-          <p:cNvPr id="9" name="Immagine 8">
+          <p:cNvPr id="5" name="Immagine 4">
             <a:extLst>
               <a:ext uri="{FF2B5EF4-FFF2-40B4-BE49-F238E27FC236}">
-                <a16:creationId xmlns:a16="http://schemas.microsoft.com/office/drawing/2014/main" id="{73635D9D-B9BA-5722-9C68-BE33639D2BAF}"/>
+                <a16:creationId xmlns:a16="http://schemas.microsoft.com/office/drawing/2014/main" id="{47050054-B110-EEAA-AF0E-B72DF521C300}"/>
               </a:ext>
             </a:extLst>
           </p:cNvPr>
@@ -5408,8 +5568,8 @@
         </p:blipFill>
         <p:spPr>
           <a:xfrm>
-            <a:off x="4343400" y="1066800"/>
-            <a:ext cx="4463981" cy="3923129"/>
+            <a:off x="4096978" y="1143000"/>
+            <a:ext cx="4721327" cy="3962400"/>
           </a:xfrm>
           <a:prstGeom prst="rect">
             <a:avLst/>

--- a/Modelli relazione/ppt_presentazione.pptx
+++ b/Modelli relazione/ppt_presentazione.pptx
@@ -140,7 +140,7 @@
 <file path=ppt/revisionInfo.xml><?xml version="1.0" encoding="utf-8"?>
 <p1510:revInfo xmlns:a="http://schemas.openxmlformats.org/drawingml/2006/main" xmlns:r="http://schemas.openxmlformats.org/officeDocument/2006/relationships" xmlns:p1510="http://schemas.microsoft.com/office/powerpoint/2015/10/main">
   <p1510:revLst>
-    <p1510:client id="{B8AD580B-F48D-4C46-AD44-FB3D7B3B8CED}" v="1" dt="2023-01-02T20:49:03.315"/>
+    <p1510:client id="{B8AD580B-F48D-4C46-AD44-FB3D7B3B8CED}" v="392" dt="2023-01-04T00:01:09.486"/>
   </p1510:revLst>
 </p1510:revInfo>
 </file>
@@ -248,8 +248,8 @@
   </pc:docChgLst>
   <pc:docChgLst>
     <pc:chgData name="Silvia Pala" userId="f0133cc1-7ddc-4617-95f3-a1b241401a99" providerId="ADAL" clId="{B8AD580B-F48D-4C46-AD44-FB3D7B3B8CED}"/>
-    <pc:docChg chg="undo custSel addSld modSld">
-      <pc:chgData name="Silvia Pala" userId="f0133cc1-7ddc-4617-95f3-a1b241401a99" providerId="ADAL" clId="{B8AD580B-F48D-4C46-AD44-FB3D7B3B8CED}" dt="2023-01-03T21:14:21.819" v="338" actId="14100"/>
+    <pc:docChg chg="undo redo custSel addSld modSld">
+      <pc:chgData name="Silvia Pala" userId="f0133cc1-7ddc-4617-95f3-a1b241401a99" providerId="ADAL" clId="{B8AD580B-F48D-4C46-AD44-FB3D7B3B8CED}" dt="2023-01-04T00:01:24.409" v="2364" actId="20577"/>
       <pc:docMkLst>
         <pc:docMk/>
       </pc:docMkLst>
@@ -386,11 +386,51 @@
         </pc:picChg>
       </pc:sldChg>
       <pc:sldChg chg="addSp delSp modSp mod">
-        <pc:chgData name="Silvia Pala" userId="f0133cc1-7ddc-4617-95f3-a1b241401a99" providerId="ADAL" clId="{B8AD580B-F48D-4C46-AD44-FB3D7B3B8CED}" dt="2023-01-03T21:14:21.819" v="338" actId="14100"/>
+        <pc:chgData name="Silvia Pala" userId="f0133cc1-7ddc-4617-95f3-a1b241401a99" providerId="ADAL" clId="{B8AD580B-F48D-4C46-AD44-FB3D7B3B8CED}" dt="2023-01-03T23:47:52.387" v="1885" actId="1076"/>
         <pc:sldMkLst>
           <pc:docMk/>
           <pc:sldMk cId="0" sldId="260"/>
         </pc:sldMkLst>
+        <pc:spChg chg="add mod">
+          <ac:chgData name="Silvia Pala" userId="f0133cc1-7ddc-4617-95f3-a1b241401a99" providerId="ADAL" clId="{B8AD580B-F48D-4C46-AD44-FB3D7B3B8CED}" dt="2023-01-03T23:16:09.341" v="1262" actId="20577"/>
+          <ac:spMkLst>
+            <pc:docMk/>
+            <pc:sldMk cId="0" sldId="260"/>
+            <ac:spMk id="5" creationId="{D1D4D574-4816-B95E-EB2C-8B6B8A72F914}"/>
+          </ac:spMkLst>
+        </pc:spChg>
+        <pc:spChg chg="add mod">
+          <ac:chgData name="Silvia Pala" userId="f0133cc1-7ddc-4617-95f3-a1b241401a99" providerId="ADAL" clId="{B8AD580B-F48D-4C46-AD44-FB3D7B3B8CED}" dt="2023-01-03T23:47:52.387" v="1885" actId="1076"/>
+          <ac:spMkLst>
+            <pc:docMk/>
+            <pc:sldMk cId="0" sldId="260"/>
+            <ac:spMk id="11" creationId="{F9706B29-6D54-B351-78F4-92874429505A}"/>
+          </ac:spMkLst>
+        </pc:spChg>
+        <pc:graphicFrameChg chg="add del mod modGraphic">
+          <ac:chgData name="Silvia Pala" userId="f0133cc1-7ddc-4617-95f3-a1b241401a99" providerId="ADAL" clId="{B8AD580B-F48D-4C46-AD44-FB3D7B3B8CED}" dt="2023-01-03T23:01:19.093" v="699" actId="478"/>
+          <ac:graphicFrameMkLst>
+            <pc:docMk/>
+            <pc:sldMk cId="0" sldId="260"/>
+            <ac:graphicFrameMk id="7" creationId="{11779A4F-7C34-DE44-FE5F-063EF32B0BE0}"/>
+          </ac:graphicFrameMkLst>
+        </pc:graphicFrameChg>
+        <pc:graphicFrameChg chg="add del mod modGraphic">
+          <ac:chgData name="Silvia Pala" userId="f0133cc1-7ddc-4617-95f3-a1b241401a99" providerId="ADAL" clId="{B8AD580B-F48D-4C46-AD44-FB3D7B3B8CED}" dt="2023-01-03T22:55:10.150" v="608"/>
+          <ac:graphicFrameMkLst>
+            <pc:docMk/>
+            <pc:sldMk cId="0" sldId="260"/>
+            <ac:graphicFrameMk id="8" creationId="{E5A7504B-5C47-D5B9-E4CF-2225646A6342}"/>
+          </ac:graphicFrameMkLst>
+        </pc:graphicFrameChg>
+        <pc:graphicFrameChg chg="add mod modGraphic">
+          <ac:chgData name="Silvia Pala" userId="f0133cc1-7ddc-4617-95f3-a1b241401a99" providerId="ADAL" clId="{B8AD580B-F48D-4C46-AD44-FB3D7B3B8CED}" dt="2023-01-03T23:01:22.659" v="700" actId="1076"/>
+          <ac:graphicFrameMkLst>
+            <pc:docMk/>
+            <pc:sldMk cId="0" sldId="260"/>
+            <ac:graphicFrameMk id="9" creationId="{A801BC6F-8044-CDFC-294D-E8FF7A5582AB}"/>
+          </ac:graphicFrameMkLst>
+        </pc:graphicFrameChg>
         <pc:picChg chg="add del mod">
           <ac:chgData name="Silvia Pala" userId="f0133cc1-7ddc-4617-95f3-a1b241401a99" providerId="ADAL" clId="{B8AD580B-F48D-4C46-AD44-FB3D7B3B8CED}" dt="2023-01-03T20:53:46.637" v="300" actId="478"/>
           <ac:picMkLst>
@@ -400,7 +440,7 @@
           </ac:picMkLst>
         </pc:picChg>
         <pc:picChg chg="add mod">
-          <ac:chgData name="Silvia Pala" userId="f0133cc1-7ddc-4617-95f3-a1b241401a99" providerId="ADAL" clId="{B8AD580B-F48D-4C46-AD44-FB3D7B3B8CED}" dt="2023-01-03T21:14:21.819" v="338" actId="14100"/>
+          <ac:chgData name="Silvia Pala" userId="f0133cc1-7ddc-4617-95f3-a1b241401a99" providerId="ADAL" clId="{B8AD580B-F48D-4C46-AD44-FB3D7B3B8CED}" dt="2023-01-03T22:58:18.159" v="638" actId="1076"/>
           <ac:picMkLst>
             <pc:docMk/>
             <pc:sldMk cId="0" sldId="260"/>
@@ -409,13 +449,93 @@
         </pc:picChg>
       </pc:sldChg>
       <pc:sldChg chg="addSp delSp modSp mod">
-        <pc:chgData name="Silvia Pala" userId="f0133cc1-7ddc-4617-95f3-a1b241401a99" providerId="ADAL" clId="{B8AD580B-F48D-4C46-AD44-FB3D7B3B8CED}" dt="2023-01-03T20:55:41.348" v="309" actId="1076"/>
+        <pc:chgData name="Silvia Pala" userId="f0133cc1-7ddc-4617-95f3-a1b241401a99" providerId="ADAL" clId="{B8AD580B-F48D-4C46-AD44-FB3D7B3B8CED}" dt="2023-01-03T23:39:07.293" v="1830" actId="20577"/>
         <pc:sldMkLst>
           <pc:docMk/>
           <pc:sldMk cId="0" sldId="261"/>
         </pc:sldMkLst>
+        <pc:spChg chg="mod">
+          <ac:chgData name="Silvia Pala" userId="f0133cc1-7ddc-4617-95f3-a1b241401a99" providerId="ADAL" clId="{B8AD580B-F48D-4C46-AD44-FB3D7B3B8CED}" dt="2023-01-03T23:22:39.409" v="1392" actId="20577"/>
+          <ac:spMkLst>
+            <pc:docMk/>
+            <pc:sldMk cId="0" sldId="261"/>
+            <ac:spMk id="2" creationId="{00000000-0000-0000-0000-000000000000}"/>
+          </ac:spMkLst>
+        </pc:spChg>
+        <pc:spChg chg="add del mod">
+          <ac:chgData name="Silvia Pala" userId="f0133cc1-7ddc-4617-95f3-a1b241401a99" providerId="ADAL" clId="{B8AD580B-F48D-4C46-AD44-FB3D7B3B8CED}" dt="2023-01-03T23:04:27.935" v="757"/>
+          <ac:spMkLst>
+            <pc:docMk/>
+            <pc:sldMk cId="0" sldId="261"/>
+            <ac:spMk id="6" creationId="{C35B55FF-0C43-D22A-E90E-A04EF144B913}"/>
+          </ac:spMkLst>
+        </pc:spChg>
+        <pc:spChg chg="add del mod">
+          <ac:chgData name="Silvia Pala" userId="f0133cc1-7ddc-4617-95f3-a1b241401a99" providerId="ADAL" clId="{B8AD580B-F48D-4C46-AD44-FB3D7B3B8CED}" dt="2023-01-03T23:02:10.256" v="704"/>
+          <ac:spMkLst>
+            <pc:docMk/>
+            <pc:sldMk cId="0" sldId="261"/>
+            <ac:spMk id="8" creationId="{0F4B6532-3AC4-E050-F710-1DED6A5A7DD4}"/>
+          </ac:spMkLst>
+        </pc:spChg>
+        <pc:spChg chg="add del mod">
+          <ac:chgData name="Silvia Pala" userId="f0133cc1-7ddc-4617-95f3-a1b241401a99" providerId="ADAL" clId="{B8AD580B-F48D-4C46-AD44-FB3D7B3B8CED}" dt="2023-01-03T23:02:23.061" v="707"/>
+          <ac:spMkLst>
+            <pc:docMk/>
+            <pc:sldMk cId="0" sldId="261"/>
+            <ac:spMk id="9" creationId="{CEE3E365-D297-1172-F09E-01C51C224106}"/>
+          </ac:spMkLst>
+        </pc:spChg>
+        <pc:spChg chg="add mod">
+          <ac:chgData name="Silvia Pala" userId="f0133cc1-7ddc-4617-95f3-a1b241401a99" providerId="ADAL" clId="{B8AD580B-F48D-4C46-AD44-FB3D7B3B8CED}" dt="2023-01-03T23:39:07.293" v="1830" actId="20577"/>
+          <ac:spMkLst>
+            <pc:docMk/>
+            <pc:sldMk cId="0" sldId="261"/>
+            <ac:spMk id="10" creationId="{6A13A7E0-D697-E2BA-ED25-19B6FE51E394}"/>
+          </ac:spMkLst>
+        </pc:spChg>
+        <pc:spChg chg="add mod">
+          <ac:chgData name="Silvia Pala" userId="f0133cc1-7ddc-4617-95f3-a1b241401a99" providerId="ADAL" clId="{B8AD580B-F48D-4C46-AD44-FB3D7B3B8CED}" dt="2023-01-03T23:36:15.871" v="1793" actId="1076"/>
+          <ac:spMkLst>
+            <pc:docMk/>
+            <pc:sldMk cId="0" sldId="261"/>
+            <ac:spMk id="11" creationId="{BDAD4C7A-6B0B-C111-CC28-086FA53D4375}"/>
+          </ac:spMkLst>
+        </pc:spChg>
+        <pc:spChg chg="add del mod">
+          <ac:chgData name="Silvia Pala" userId="f0133cc1-7ddc-4617-95f3-a1b241401a99" providerId="ADAL" clId="{B8AD580B-F48D-4C46-AD44-FB3D7B3B8CED}" dt="2023-01-03T23:07:49.918" v="781" actId="478"/>
+          <ac:spMkLst>
+            <pc:docMk/>
+            <pc:sldMk cId="0" sldId="261"/>
+            <ac:spMk id="12" creationId="{525CF2F3-6443-DFD0-3FEE-2BC94DFB877A}"/>
+          </ac:spMkLst>
+        </pc:spChg>
+        <pc:spChg chg="add mod">
+          <ac:chgData name="Silvia Pala" userId="f0133cc1-7ddc-4617-95f3-a1b241401a99" providerId="ADAL" clId="{B8AD580B-F48D-4C46-AD44-FB3D7B3B8CED}" dt="2023-01-03T23:36:19.767" v="1794" actId="1076"/>
+          <ac:spMkLst>
+            <pc:docMk/>
+            <pc:sldMk cId="0" sldId="261"/>
+            <ac:spMk id="13" creationId="{2E02D28A-F410-6B30-3B9B-124697AD0312}"/>
+          </ac:spMkLst>
+        </pc:spChg>
+        <pc:spChg chg="add del mod">
+          <ac:chgData name="Silvia Pala" userId="f0133cc1-7ddc-4617-95f3-a1b241401a99" providerId="ADAL" clId="{B8AD580B-F48D-4C46-AD44-FB3D7B3B8CED}" dt="2023-01-03T23:33:06.443" v="1746"/>
+          <ac:spMkLst>
+            <pc:docMk/>
+            <pc:sldMk cId="0" sldId="261"/>
+            <ac:spMk id="18" creationId="{52294623-E303-B5CB-88C4-F0E5D7F6B0EF}"/>
+          </ac:spMkLst>
+        </pc:spChg>
+        <pc:graphicFrameChg chg="add del mod modGraphic">
+          <ac:chgData name="Silvia Pala" userId="f0133cc1-7ddc-4617-95f3-a1b241401a99" providerId="ADAL" clId="{B8AD580B-F48D-4C46-AD44-FB3D7B3B8CED}" dt="2023-01-03T23:35:23.636" v="1780" actId="478"/>
+          <ac:graphicFrameMkLst>
+            <pc:docMk/>
+            <pc:sldMk cId="0" sldId="261"/>
+            <ac:graphicFrameMk id="7" creationId="{85AA0D0A-298E-22B1-543B-4B6C2CCDF68F}"/>
+          </ac:graphicFrameMkLst>
+        </pc:graphicFrameChg>
         <pc:picChg chg="add mod">
-          <ac:chgData name="Silvia Pala" userId="f0133cc1-7ddc-4617-95f3-a1b241401a99" providerId="ADAL" clId="{B8AD580B-F48D-4C46-AD44-FB3D7B3B8CED}" dt="2023-01-03T20:55:41.348" v="309" actId="1076"/>
+          <ac:chgData name="Silvia Pala" userId="f0133cc1-7ddc-4617-95f3-a1b241401a99" providerId="ADAL" clId="{B8AD580B-F48D-4C46-AD44-FB3D7B3B8CED}" dt="2023-01-03T23:31:48.122" v="1717" actId="1076"/>
           <ac:picMkLst>
             <pc:docMk/>
             <pc:sldMk cId="0" sldId="261"/>
@@ -438,13 +558,45 @@
             <ac:picMk id="7" creationId="{3DAE5DC2-CFC1-31DB-FA71-AC08E22E0740}"/>
           </ac:picMkLst>
         </pc:picChg>
+        <pc:cxnChg chg="add mod">
+          <ac:chgData name="Silvia Pala" userId="f0133cc1-7ddc-4617-95f3-a1b241401a99" providerId="ADAL" clId="{B8AD580B-F48D-4C46-AD44-FB3D7B3B8CED}" dt="2023-01-03T23:18:27.513" v="1298" actId="1076"/>
+          <ac:cxnSpMkLst>
+            <pc:docMk/>
+            <pc:sldMk cId="0" sldId="261"/>
+            <ac:cxnSpMk id="15" creationId="{D5B609F8-BDF1-510A-1003-78D778C0FEB0}"/>
+          </ac:cxnSpMkLst>
+        </pc:cxnChg>
       </pc:sldChg>
       <pc:sldChg chg="addSp delSp modSp mod">
-        <pc:chgData name="Silvia Pala" userId="f0133cc1-7ddc-4617-95f3-a1b241401a99" providerId="ADAL" clId="{B8AD580B-F48D-4C46-AD44-FB3D7B3B8CED}" dt="2023-01-03T21:05:34.398" v="327" actId="14100"/>
+        <pc:chgData name="Silvia Pala" userId="f0133cc1-7ddc-4617-95f3-a1b241401a99" providerId="ADAL" clId="{B8AD580B-F48D-4C46-AD44-FB3D7B3B8CED}" dt="2023-01-03T23:45:04.930" v="1873" actId="1076"/>
         <pc:sldMkLst>
           <pc:docMk/>
           <pc:sldMk cId="0" sldId="266"/>
         </pc:sldMkLst>
+        <pc:spChg chg="add mod">
+          <ac:chgData name="Silvia Pala" userId="f0133cc1-7ddc-4617-95f3-a1b241401a99" providerId="ADAL" clId="{B8AD580B-F48D-4C46-AD44-FB3D7B3B8CED}" dt="2023-01-03T23:44:13.039" v="1870" actId="1076"/>
+          <ac:spMkLst>
+            <pc:docMk/>
+            <pc:sldMk cId="0" sldId="266"/>
+            <ac:spMk id="6" creationId="{6E9C6DCA-5B52-CCB1-C5D9-57C63A815F1B}"/>
+          </ac:spMkLst>
+        </pc:spChg>
+        <pc:spChg chg="add mod">
+          <ac:chgData name="Silvia Pala" userId="f0133cc1-7ddc-4617-95f3-a1b241401a99" providerId="ADAL" clId="{B8AD580B-F48D-4C46-AD44-FB3D7B3B8CED}" dt="2023-01-03T23:41:37.869" v="1846" actId="1076"/>
+          <ac:spMkLst>
+            <pc:docMk/>
+            <pc:sldMk cId="0" sldId="266"/>
+            <ac:spMk id="8" creationId="{1183B2BD-C4D1-327F-24BD-671F147F6A30}"/>
+          </ac:spMkLst>
+        </pc:spChg>
+        <pc:graphicFrameChg chg="add del mod modGraphic">
+          <ac:chgData name="Silvia Pala" userId="f0133cc1-7ddc-4617-95f3-a1b241401a99" providerId="ADAL" clId="{B8AD580B-F48D-4C46-AD44-FB3D7B3B8CED}" dt="2023-01-03T23:44:56.511" v="1872" actId="478"/>
+          <ac:graphicFrameMkLst>
+            <pc:docMk/>
+            <pc:sldMk cId="0" sldId="266"/>
+            <ac:graphicFrameMk id="7" creationId="{3EF7CA75-FC7E-2A5A-2F16-ED7482FE83DD}"/>
+          </ac:graphicFrameMkLst>
+        </pc:graphicFrameChg>
         <pc:picChg chg="add mod">
           <ac:chgData name="Silvia Pala" userId="f0133cc1-7ddc-4617-95f3-a1b241401a99" providerId="ADAL" clId="{B8AD580B-F48D-4C46-AD44-FB3D7B3B8CED}" dt="2023-01-03T21:05:34.398" v="327" actId="14100"/>
           <ac:picMkLst>
@@ -485,9 +637,17 @@
             <ac:picMk id="9" creationId="{73635D9D-B9BA-5722-9C68-BE33639D2BAF}"/>
           </ac:picMkLst>
         </pc:picChg>
+        <pc:cxnChg chg="add mod">
+          <ac:chgData name="Silvia Pala" userId="f0133cc1-7ddc-4617-95f3-a1b241401a99" providerId="ADAL" clId="{B8AD580B-F48D-4C46-AD44-FB3D7B3B8CED}" dt="2023-01-03T23:45:04.930" v="1873" actId="1076"/>
+          <ac:cxnSpMkLst>
+            <pc:docMk/>
+            <pc:sldMk cId="0" sldId="266"/>
+            <ac:cxnSpMk id="10" creationId="{AB6BE6A3-5C9D-A24B-9D9C-CC2D3FB4F2FA}"/>
+          </ac:cxnSpMkLst>
+        </pc:cxnChg>
       </pc:sldChg>
       <pc:sldChg chg="addSp delSp modSp mod">
-        <pc:chgData name="Silvia Pala" userId="f0133cc1-7ddc-4617-95f3-a1b241401a99" providerId="ADAL" clId="{B8AD580B-F48D-4C46-AD44-FB3D7B3B8CED}" dt="2023-01-02T20:49:42.664" v="226" actId="14100"/>
+        <pc:chgData name="Silvia Pala" userId="f0133cc1-7ddc-4617-95f3-a1b241401a99" providerId="ADAL" clId="{B8AD580B-F48D-4C46-AD44-FB3D7B3B8CED}" dt="2023-01-03T23:45:35.960" v="1876" actId="6549"/>
         <pc:sldMkLst>
           <pc:docMk/>
           <pc:sldMk cId="0" sldId="268"/>
@@ -498,6 +658,14 @@
             <pc:docMk/>
             <pc:sldMk cId="0" sldId="268"/>
             <ac:spMk id="2" creationId="{00000000-0000-0000-0000-000000000000}"/>
+          </ac:spMkLst>
+        </pc:spChg>
+        <pc:spChg chg="add mod">
+          <ac:chgData name="Silvia Pala" userId="f0133cc1-7ddc-4617-95f3-a1b241401a99" providerId="ADAL" clId="{B8AD580B-F48D-4C46-AD44-FB3D7B3B8CED}" dt="2023-01-03T23:45:35.960" v="1876" actId="6549"/>
+          <ac:spMkLst>
+            <pc:docMk/>
+            <pc:sldMk cId="0" sldId="268"/>
+            <ac:spMk id="5" creationId="{D8EC853A-5A4F-68B7-6513-0425BB44610D}"/>
           </ac:spMkLst>
         </pc:spChg>
         <pc:picChg chg="add del mod">
@@ -517,8 +685,8 @@
           </ac:picMkLst>
         </pc:picChg>
       </pc:sldChg>
-      <pc:sldChg chg="modSp mod">
-        <pc:chgData name="Silvia Pala" userId="f0133cc1-7ddc-4617-95f3-a1b241401a99" providerId="ADAL" clId="{B8AD580B-F48D-4C46-AD44-FB3D7B3B8CED}" dt="2023-01-02T20:50:17.372" v="228" actId="14100"/>
+      <pc:sldChg chg="addSp delSp modSp mod">
+        <pc:chgData name="Silvia Pala" userId="f0133cc1-7ddc-4617-95f3-a1b241401a99" providerId="ADAL" clId="{B8AD580B-F48D-4C46-AD44-FB3D7B3B8CED}" dt="2023-01-03T22:46:48.784" v="434" actId="12385"/>
         <pc:sldMkLst>
           <pc:docMk/>
           <pc:sldMk cId="0" sldId="269"/>
@@ -531,9 +699,33 @@
             <ac:spMk id="2" creationId="{00000000-0000-0000-0000-000000000000}"/>
           </ac:spMkLst>
         </pc:spChg>
+        <pc:spChg chg="add del mod">
+          <ac:chgData name="Silvia Pala" userId="f0133cc1-7ddc-4617-95f3-a1b241401a99" providerId="ADAL" clId="{B8AD580B-F48D-4C46-AD44-FB3D7B3B8CED}" dt="2023-01-03T21:43:01.870" v="425"/>
+          <ac:spMkLst>
+            <pc:docMk/>
+            <pc:sldMk cId="0" sldId="269"/>
+            <ac:spMk id="5" creationId="{2DF0715C-A104-2F9D-1050-BBB151AB44AA}"/>
+          </ac:spMkLst>
+        </pc:spChg>
+        <pc:graphicFrameChg chg="add del mod">
+          <ac:chgData name="Silvia Pala" userId="f0133cc1-7ddc-4617-95f3-a1b241401a99" providerId="ADAL" clId="{B8AD580B-F48D-4C46-AD44-FB3D7B3B8CED}" dt="2023-01-03T21:43:01.870" v="425"/>
+          <ac:graphicFrameMkLst>
+            <pc:docMk/>
+            <pc:sldMk cId="0" sldId="269"/>
+            <ac:graphicFrameMk id="4" creationId="{F363104C-9F36-1921-0025-8F781E4122B9}"/>
+          </ac:graphicFrameMkLst>
+        </pc:graphicFrameChg>
+        <pc:graphicFrameChg chg="add mod modGraphic">
+          <ac:chgData name="Silvia Pala" userId="f0133cc1-7ddc-4617-95f3-a1b241401a99" providerId="ADAL" clId="{B8AD580B-F48D-4C46-AD44-FB3D7B3B8CED}" dt="2023-01-03T22:46:48.784" v="434" actId="12385"/>
+          <ac:graphicFrameMkLst>
+            <pc:docMk/>
+            <pc:sldMk cId="0" sldId="269"/>
+            <ac:graphicFrameMk id="6" creationId="{46F17B90-82F1-540F-67C2-501E1B7618E4}"/>
+          </ac:graphicFrameMkLst>
+        </pc:graphicFrameChg>
       </pc:sldChg>
       <pc:sldChg chg="addSp delSp modSp mod">
-        <pc:chgData name="Silvia Pala" userId="f0133cc1-7ddc-4617-95f3-a1b241401a99" providerId="ADAL" clId="{B8AD580B-F48D-4C46-AD44-FB3D7B3B8CED}" dt="2023-01-03T21:08:36.823" v="334" actId="1076"/>
+        <pc:chgData name="Silvia Pala" userId="f0133cc1-7ddc-4617-95f3-a1b241401a99" providerId="ADAL" clId="{B8AD580B-F48D-4C46-AD44-FB3D7B3B8CED}" dt="2023-01-04T00:01:24.409" v="2364" actId="20577"/>
         <pc:sldMkLst>
           <pc:docMk/>
           <pc:sldMk cId="0" sldId="270"/>
@@ -546,6 +738,46 @@
             <ac:spMk id="2" creationId="{00000000-0000-0000-0000-000000000000}"/>
           </ac:spMkLst>
         </pc:spChg>
+        <pc:spChg chg="add del mod">
+          <ac:chgData name="Silvia Pala" userId="f0133cc1-7ddc-4617-95f3-a1b241401a99" providerId="ADAL" clId="{B8AD580B-F48D-4C46-AD44-FB3D7B3B8CED}" dt="2023-01-03T21:31:29.140" v="373"/>
+          <ac:spMkLst>
+            <pc:docMk/>
+            <pc:sldMk cId="0" sldId="270"/>
+            <ac:spMk id="5" creationId="{C523E37E-4E74-40A8-B548-288448CCFD6C}"/>
+          </ac:spMkLst>
+        </pc:spChg>
+        <pc:spChg chg="add mod">
+          <ac:chgData name="Silvia Pala" userId="f0133cc1-7ddc-4617-95f3-a1b241401a99" providerId="ADAL" clId="{B8AD580B-F48D-4C46-AD44-FB3D7B3B8CED}" dt="2023-01-03T23:58:49.784" v="2302" actId="14100"/>
+          <ac:spMkLst>
+            <pc:docMk/>
+            <pc:sldMk cId="0" sldId="270"/>
+            <ac:spMk id="10" creationId="{6BFFEB62-EAAC-9384-FD64-39E76FF235EC}"/>
+          </ac:spMkLst>
+        </pc:spChg>
+        <pc:spChg chg="add mod">
+          <ac:chgData name="Silvia Pala" userId="f0133cc1-7ddc-4617-95f3-a1b241401a99" providerId="ADAL" clId="{B8AD580B-F48D-4C46-AD44-FB3D7B3B8CED}" dt="2023-01-04T00:01:24.409" v="2364" actId="20577"/>
+          <ac:spMkLst>
+            <pc:docMk/>
+            <pc:sldMk cId="0" sldId="270"/>
+            <ac:spMk id="12" creationId="{7C415614-5E2F-6006-D183-91E2E167ED80}"/>
+          </ac:spMkLst>
+        </pc:spChg>
+        <pc:spChg chg="add mod">
+          <ac:chgData name="Silvia Pala" userId="f0133cc1-7ddc-4617-95f3-a1b241401a99" providerId="ADAL" clId="{B8AD580B-F48D-4C46-AD44-FB3D7B3B8CED}" dt="2023-01-03T23:59:41.358" v="2332" actId="14100"/>
+          <ac:spMkLst>
+            <pc:docMk/>
+            <pc:sldMk cId="0" sldId="270"/>
+            <ac:spMk id="14" creationId="{29F06499-BB41-C51F-C91D-41BB9E7D3F7D}"/>
+          </ac:spMkLst>
+        </pc:spChg>
+        <pc:graphicFrameChg chg="add del mod">
+          <ac:chgData name="Silvia Pala" userId="f0133cc1-7ddc-4617-95f3-a1b241401a99" providerId="ADAL" clId="{B8AD580B-F48D-4C46-AD44-FB3D7B3B8CED}" dt="2023-01-03T23:47:41.866" v="1882"/>
+          <ac:graphicFrameMkLst>
+            <pc:docMk/>
+            <pc:sldMk cId="0" sldId="270"/>
+            <ac:graphicFrameMk id="7" creationId="{0EE3EEE7-B24E-B141-3D7F-5CCF03429E0D}"/>
+          </ac:graphicFrameMkLst>
+        </pc:graphicFrameChg>
         <pc:picChg chg="add del mod">
           <ac:chgData name="Silvia Pala" userId="f0133cc1-7ddc-4617-95f3-a1b241401a99" providerId="ADAL" clId="{B8AD580B-F48D-4C46-AD44-FB3D7B3B8CED}" dt="2023-01-03T21:08:33.461" v="333" actId="478"/>
           <ac:picMkLst>
@@ -555,20 +787,60 @@
           </ac:picMkLst>
         </pc:picChg>
         <pc:picChg chg="add mod">
-          <ac:chgData name="Silvia Pala" userId="f0133cc1-7ddc-4617-95f3-a1b241401a99" providerId="ADAL" clId="{B8AD580B-F48D-4C46-AD44-FB3D7B3B8CED}" dt="2023-01-03T21:08:36.823" v="334" actId="1076"/>
+          <ac:chgData name="Silvia Pala" userId="f0133cc1-7ddc-4617-95f3-a1b241401a99" providerId="ADAL" clId="{B8AD580B-F48D-4C46-AD44-FB3D7B3B8CED}" dt="2023-01-03T23:59:46.330" v="2333" actId="1076"/>
           <ac:picMkLst>
             <pc:docMk/>
             <pc:sldMk cId="0" sldId="270"/>
             <ac:picMk id="6" creationId="{2FEAD5B4-B5B9-2A5A-D42A-07374C8D1E1E}"/>
           </ac:picMkLst>
         </pc:picChg>
+        <pc:picChg chg="add del">
+          <ac:chgData name="Silvia Pala" userId="f0133cc1-7ddc-4617-95f3-a1b241401a99" providerId="ADAL" clId="{B8AD580B-F48D-4C46-AD44-FB3D7B3B8CED}" dt="2023-01-03T23:49:07.520" v="1915" actId="478"/>
+          <ac:picMkLst>
+            <pc:docMk/>
+            <pc:sldMk cId="0" sldId="270"/>
+            <ac:picMk id="8" creationId="{44981B42-CC5E-054E-39DF-4532029BE508}"/>
+          </ac:picMkLst>
+        </pc:picChg>
       </pc:sldChg>
       <pc:sldChg chg="addSp delSp modSp mod">
-        <pc:chgData name="Silvia Pala" userId="f0133cc1-7ddc-4617-95f3-a1b241401a99" providerId="ADAL" clId="{B8AD580B-F48D-4C46-AD44-FB3D7B3B8CED}" dt="2023-01-03T21:02:53.208" v="320" actId="1076"/>
+        <pc:chgData name="Silvia Pala" userId="f0133cc1-7ddc-4617-95f3-a1b241401a99" providerId="ADAL" clId="{B8AD580B-F48D-4C46-AD44-FB3D7B3B8CED}" dt="2023-01-03T23:43:53.536" v="1866" actId="1076"/>
         <pc:sldMkLst>
           <pc:docMk/>
           <pc:sldMk cId="3600729209" sldId="301"/>
         </pc:sldMkLst>
+        <pc:spChg chg="add mod">
+          <ac:chgData name="Silvia Pala" userId="f0133cc1-7ddc-4617-95f3-a1b241401a99" providerId="ADAL" clId="{B8AD580B-F48D-4C46-AD44-FB3D7B3B8CED}" dt="2023-01-03T23:43:53.536" v="1866" actId="1076"/>
+          <ac:spMkLst>
+            <pc:docMk/>
+            <pc:sldMk cId="3600729209" sldId="301"/>
+            <ac:spMk id="6" creationId="{0F72A5C7-F424-1AF5-88D3-CDE7A31CE309}"/>
+          </ac:spMkLst>
+        </pc:spChg>
+        <pc:spChg chg="add del mod">
+          <ac:chgData name="Silvia Pala" userId="f0133cc1-7ddc-4617-95f3-a1b241401a99" providerId="ADAL" clId="{B8AD580B-F48D-4C46-AD44-FB3D7B3B8CED}" dt="2023-01-03T23:10:25.660" v="1007"/>
+          <ac:spMkLst>
+            <pc:docMk/>
+            <pc:sldMk cId="3600729209" sldId="301"/>
+            <ac:spMk id="9" creationId="{A22CD739-8E43-7CF8-D3BE-991A72A4B73F}"/>
+          </ac:spMkLst>
+        </pc:spChg>
+        <pc:spChg chg="add mod">
+          <ac:chgData name="Silvia Pala" userId="f0133cc1-7ddc-4617-95f3-a1b241401a99" providerId="ADAL" clId="{B8AD580B-F48D-4C46-AD44-FB3D7B3B8CED}" dt="2023-01-03T23:40:48.039" v="1839" actId="1076"/>
+          <ac:spMkLst>
+            <pc:docMk/>
+            <pc:sldMk cId="3600729209" sldId="301"/>
+            <ac:spMk id="10" creationId="{37EEE221-A345-94F6-6AE1-799D5C771456}"/>
+          </ac:spMkLst>
+        </pc:spChg>
+        <pc:graphicFrameChg chg="add del mod modGraphic">
+          <ac:chgData name="Silvia Pala" userId="f0133cc1-7ddc-4617-95f3-a1b241401a99" providerId="ADAL" clId="{B8AD580B-F48D-4C46-AD44-FB3D7B3B8CED}" dt="2023-01-03T23:41:09.451" v="1842" actId="478"/>
+          <ac:graphicFrameMkLst>
+            <pc:docMk/>
+            <pc:sldMk cId="3600729209" sldId="301"/>
+            <ac:graphicFrameMk id="7" creationId="{3ED85645-EBB0-ADEE-1F2A-36CB66B79CE7}"/>
+          </ac:graphicFrameMkLst>
+        </pc:graphicFrameChg>
         <pc:picChg chg="add del mod">
           <ac:chgData name="Silvia Pala" userId="f0133cc1-7ddc-4617-95f3-a1b241401a99" providerId="ADAL" clId="{B8AD580B-F48D-4C46-AD44-FB3D7B3B8CED}" dt="2023-01-02T20:39:54.434" v="45" actId="478"/>
           <ac:picMkLst>
@@ -577,8 +849,8 @@
             <ac:picMk id="5" creationId="{4108AD36-D40F-53E6-C98B-9A09A903E1F2}"/>
           </ac:picMkLst>
         </pc:picChg>
-        <pc:picChg chg="add mod">
-          <ac:chgData name="Silvia Pala" userId="f0133cc1-7ddc-4617-95f3-a1b241401a99" providerId="ADAL" clId="{B8AD580B-F48D-4C46-AD44-FB3D7B3B8CED}" dt="2023-01-03T21:02:53.208" v="320" actId="1076"/>
+        <pc:picChg chg="add del mod">
+          <ac:chgData name="Silvia Pala" userId="f0133cc1-7ddc-4617-95f3-a1b241401a99" providerId="ADAL" clId="{B8AD580B-F48D-4C46-AD44-FB3D7B3B8CED}" dt="2023-01-03T23:25:38.046" v="1485" actId="478"/>
           <ac:picMkLst>
             <pc:docMk/>
             <pc:sldMk cId="3600729209" sldId="301"/>
@@ -593,6 +865,14 @@
             <ac:picMk id="7" creationId="{FCAD97BF-0497-DA4C-5967-3B930CE081FB}"/>
           </ac:picMkLst>
         </pc:picChg>
+        <pc:cxnChg chg="add mod">
+          <ac:chgData name="Silvia Pala" userId="f0133cc1-7ddc-4617-95f3-a1b241401a99" providerId="ADAL" clId="{B8AD580B-F48D-4C46-AD44-FB3D7B3B8CED}" dt="2023-01-03T23:24:43.269" v="1461" actId="13822"/>
+          <ac:cxnSpMkLst>
+            <pc:docMk/>
+            <pc:sldMk cId="3600729209" sldId="301"/>
+            <ac:cxnSpMk id="12" creationId="{4E4FC78F-0DA4-7EE3-4C2D-10F50ECD71F3}"/>
+          </ac:cxnSpMkLst>
+        </pc:cxnChg>
       </pc:sldChg>
       <pc:sldChg chg="modSp mod">
         <pc:chgData name="Silvia Pala" userId="f0133cc1-7ddc-4617-95f3-a1b241401a99" providerId="ADAL" clId="{B8AD580B-F48D-4C46-AD44-FB3D7B3B8CED}" dt="2023-01-02T20:48:13.790" v="120" actId="20577"/>
@@ -2620,6 +2900,1886 @@
           </a:p>
         </p:txBody>
       </p:sp>
+      <mc:AlternateContent xmlns:mc="http://schemas.openxmlformats.org/markup-compatibility/2006">
+        <mc:Choice xmlns:a14="http://schemas.microsoft.com/office/drawing/2010/main" Requires="a14">
+          <p:graphicFrame>
+            <p:nvGraphicFramePr>
+              <p:cNvPr id="6" name="Tabella 5">
+                <a:extLst>
+                  <a:ext uri="{FF2B5EF4-FFF2-40B4-BE49-F238E27FC236}">
+                    <a16:creationId xmlns:a16="http://schemas.microsoft.com/office/drawing/2014/main" id="{46F17B90-82F1-540F-67C2-501E1B7618E4}"/>
+                  </a:ext>
+                </a:extLst>
+              </p:cNvPr>
+              <p:cNvGraphicFramePr>
+                <a:graphicFrameLocks noGrp="1"/>
+              </p:cNvGraphicFramePr>
+              <p:nvPr>
+                <p:extLst>
+                  <p:ext uri="{D42A27DB-BD31-4B8C-83A1-F6EECF244321}">
+                    <p14:modId xmlns:p14="http://schemas.microsoft.com/office/powerpoint/2010/main" val="590098545"/>
+                  </p:ext>
+                </p:extLst>
+              </p:nvPr>
+            </p:nvGraphicFramePr>
+            <p:xfrm>
+              <a:off x="1447800" y="1112341"/>
+              <a:ext cx="4946436" cy="3307261"/>
+            </p:xfrm>
+            <a:graphic>
+              <a:graphicData uri="http://schemas.openxmlformats.org/drawingml/2006/table">
+                <a:tbl>
+                  <a:tblPr firstRow="1" firstCol="1" bandRow="1">
+                    <a:tableStyleId>{5940675A-B579-460E-94D1-54222C63F5DA}</a:tableStyleId>
+                  </a:tblPr>
+                  <a:tblGrid>
+                    <a:gridCol w="1236609">
+                      <a:extLst>
+                        <a:ext uri="{9D8B030D-6E8A-4147-A177-3AD203B41FA5}">
+                          <a16:colId xmlns:a16="http://schemas.microsoft.com/office/drawing/2014/main" val="3852655946"/>
+                        </a:ext>
+                      </a:extLst>
+                    </a:gridCol>
+                    <a:gridCol w="1236609">
+                      <a:extLst>
+                        <a:ext uri="{9D8B030D-6E8A-4147-A177-3AD203B41FA5}">
+                          <a16:colId xmlns:a16="http://schemas.microsoft.com/office/drawing/2014/main" val="2343005180"/>
+                        </a:ext>
+                      </a:extLst>
+                    </a:gridCol>
+                    <a:gridCol w="1236609">
+                      <a:extLst>
+                        <a:ext uri="{9D8B030D-6E8A-4147-A177-3AD203B41FA5}">
+                          <a16:colId xmlns:a16="http://schemas.microsoft.com/office/drawing/2014/main" val="1927354660"/>
+                        </a:ext>
+                      </a:extLst>
+                    </a:gridCol>
+                    <a:gridCol w="1236609">
+                      <a:extLst>
+                        <a:ext uri="{9D8B030D-6E8A-4147-A177-3AD203B41FA5}">
+                          <a16:colId xmlns:a16="http://schemas.microsoft.com/office/drawing/2014/main" val="2118557375"/>
+                        </a:ext>
+                      </a:extLst>
+                    </a:gridCol>
+                  </a:tblGrid>
+                  <a:tr h="528917">
+                    <a:tc>
+                      <a:txBody>
+                        <a:bodyPr/>
+                        <a:lstStyle/>
+                        <a:p>
+                          <a:pPr algn="ctr"/>
+                          <a:r>
+                            <a:rPr lang="en-GB" sz="1100">
+                              <a:effectLst/>
+                            </a:rPr>
+                            <a:t>Strategy</a:t>
+                          </a:r>
+                          <a:endParaRPr lang="it-IT" sz="1100">
+                            <a:effectLst/>
+                            <a:latin typeface="Times New Roman" panose="02020603050405020304" pitchFamily="18" charset="0"/>
+                            <a:ea typeface="Times New Roman" panose="02020603050405020304" pitchFamily="18" charset="0"/>
+                          </a:endParaRPr>
+                        </a:p>
+                      </a:txBody>
+                      <a:tcPr marL="60735" marR="60735" marT="0" marB="0" anchor="ctr"/>
+                    </a:tc>
+                    <a:tc>
+                      <a:txBody>
+                        <a:bodyPr/>
+                        <a:lstStyle/>
+                        <a:p>
+                          <a:pPr algn="ctr"/>
+                          <a14:m>
+                            <m:oMathPara xmlns:m="http://schemas.openxmlformats.org/officeDocument/2006/math">
+                              <m:oMathParaPr>
+                                <m:jc m:val="centerGroup"/>
+                              </m:oMathParaPr>
+                              <m:oMath xmlns:m="http://schemas.openxmlformats.org/officeDocument/2006/math">
+                                <m:r>
+                                  <m:rPr>
+                                    <m:sty m:val="p"/>
+                                  </m:rPr>
+                                  <a:rPr lang="en-GB" sz="1100">
+                                    <a:effectLst/>
+                                  </a:rPr>
+                                  <m:t>Δ</m:t>
+                                </m:r>
+                                <m:r>
+                                  <a:rPr lang="en-GB" sz="1100">
+                                    <a:effectLst/>
+                                  </a:rPr>
+                                  <m:t>𝑡</m:t>
+                                </m:r>
+                                <m:r>
+                                  <a:rPr lang="en-GB" sz="1100">
+                                    <a:effectLst/>
+                                  </a:rPr>
+                                  <m:t> [</m:t>
+                                </m:r>
+                                <m:r>
+                                  <a:rPr lang="en-GB" sz="1100">
+                                    <a:effectLst/>
+                                  </a:rPr>
+                                  <m:t>𝑠</m:t>
+                                </m:r>
+                                <m:r>
+                                  <a:rPr lang="en-GB" sz="1100">
+                                    <a:effectLst/>
+                                  </a:rPr>
+                                  <m:t>]</m:t>
+                                </m:r>
+                              </m:oMath>
+                            </m:oMathPara>
+                          </a14:m>
+                          <a:endParaRPr lang="it-IT" sz="1100">
+                            <a:effectLst/>
+                            <a:latin typeface="Times New Roman" panose="02020603050405020304" pitchFamily="18" charset="0"/>
+                            <a:ea typeface="Times New Roman" panose="02020603050405020304" pitchFamily="18" charset="0"/>
+                          </a:endParaRPr>
+                        </a:p>
+                      </a:txBody>
+                      <a:tcPr marL="60735" marR="60735" marT="0" marB="0" anchor="ctr"/>
+                    </a:tc>
+                    <a:tc>
+                      <a:txBody>
+                        <a:bodyPr/>
+                        <a:lstStyle/>
+                        <a:p>
+                          <a:pPr algn="ctr"/>
+                          <a14:m>
+                            <m:oMathPara xmlns:m="http://schemas.openxmlformats.org/officeDocument/2006/math">
+                              <m:oMathParaPr>
+                                <m:jc m:val="centerGroup"/>
+                              </m:oMathParaPr>
+                              <m:oMath xmlns:m="http://schemas.openxmlformats.org/officeDocument/2006/math">
+                                <m:r>
+                                  <m:rPr>
+                                    <m:sty m:val="p"/>
+                                  </m:rPr>
+                                  <a:rPr lang="en-GB" sz="1100">
+                                    <a:effectLst/>
+                                  </a:rPr>
+                                  <m:t>Δ</m:t>
+                                </m:r>
+                                <m:r>
+                                  <a:rPr lang="en-GB" sz="1100">
+                                    <a:effectLst/>
+                                  </a:rPr>
+                                  <m:t>𝑡</m:t>
+                                </m:r>
+                                <m:r>
+                                  <a:rPr lang="en-GB" sz="1100">
+                                    <a:effectLst/>
+                                  </a:rPr>
+                                  <m:t> [</m:t>
+                                </m:r>
+                                <m:r>
+                                  <a:rPr lang="en-GB" sz="1100">
+                                    <a:effectLst/>
+                                  </a:rPr>
+                                  <m:t>h</m:t>
+                                </m:r>
+                                <m:r>
+                                  <a:rPr lang="en-GB" sz="1100">
+                                    <a:effectLst/>
+                                  </a:rPr>
+                                  <m:t>]</m:t>
+                                </m:r>
+                              </m:oMath>
+                            </m:oMathPara>
+                          </a14:m>
+                          <a:endParaRPr lang="it-IT" sz="1100" dirty="0">
+                            <a:effectLst/>
+                            <a:latin typeface="Times New Roman" panose="02020603050405020304" pitchFamily="18" charset="0"/>
+                            <a:ea typeface="Times New Roman" panose="02020603050405020304" pitchFamily="18" charset="0"/>
+                          </a:endParaRPr>
+                        </a:p>
+                      </a:txBody>
+                      <a:tcPr marL="60735" marR="60735" marT="0" marB="0" anchor="ctr"/>
+                    </a:tc>
+                    <a:tc>
+                      <a:txBody>
+                        <a:bodyPr/>
+                        <a:lstStyle/>
+                        <a:p>
+                          <a:pPr algn="ctr"/>
+                          <a14:m>
+                            <m:oMathPara xmlns:m="http://schemas.openxmlformats.org/officeDocument/2006/math">
+                              <m:oMathParaPr>
+                                <m:jc m:val="centerGroup"/>
+                              </m:oMathParaPr>
+                              <m:oMath xmlns:m="http://schemas.openxmlformats.org/officeDocument/2006/math">
+                                <m:r>
+                                  <m:rPr>
+                                    <m:sty m:val="p"/>
+                                  </m:rPr>
+                                  <a:rPr lang="en-GB" sz="1100">
+                                    <a:effectLst/>
+                                  </a:rPr>
+                                  <m:t>Δ</m:t>
+                                </m:r>
+                                <m:r>
+                                  <a:rPr lang="en-GB" sz="1100">
+                                    <a:effectLst/>
+                                  </a:rPr>
+                                  <m:t>𝑣</m:t>
+                                </m:r>
+                                <m:r>
+                                  <a:rPr lang="en-GB" sz="1100">
+                                    <a:effectLst/>
+                                  </a:rPr>
+                                  <m:t> [</m:t>
+                                </m:r>
+                                <m:r>
+                                  <a:rPr lang="en-GB" sz="1100">
+                                    <a:effectLst/>
+                                  </a:rPr>
+                                  <m:t>𝑘𝑚</m:t>
+                                </m:r>
+                                <m:r>
+                                  <a:rPr lang="en-GB" sz="1100">
+                                    <a:effectLst/>
+                                  </a:rPr>
+                                  <m:t>/</m:t>
+                                </m:r>
+                                <m:r>
+                                  <a:rPr lang="en-GB" sz="1100">
+                                    <a:effectLst/>
+                                  </a:rPr>
+                                  <m:t>𝑠</m:t>
+                                </m:r>
+                                <m:r>
+                                  <a:rPr lang="en-GB" sz="1100">
+                                    <a:effectLst/>
+                                  </a:rPr>
+                                  <m:t>]</m:t>
+                                </m:r>
+                              </m:oMath>
+                            </m:oMathPara>
+                          </a14:m>
+                          <a:endParaRPr lang="it-IT" sz="1100">
+                            <a:effectLst/>
+                            <a:latin typeface="Times New Roman" panose="02020603050405020304" pitchFamily="18" charset="0"/>
+                            <a:ea typeface="Times New Roman" panose="02020603050405020304" pitchFamily="18" charset="0"/>
+                          </a:endParaRPr>
+                        </a:p>
+                      </a:txBody>
+                      <a:tcPr marL="60735" marR="60735" marT="0" marB="0" anchor="ctr"/>
+                    </a:tc>
+                    <a:extLst>
+                      <a:ext uri="{0D108BD9-81ED-4DB2-BD59-A6C34878D82A}">
+                        <a16:rowId xmlns:a16="http://schemas.microsoft.com/office/drawing/2014/main" val="3791096875"/>
+                      </a:ext>
+                    </a:extLst>
+                  </a:tr>
+                  <a:tr h="347293">
+                    <a:tc>
+                      <a:txBody>
+                        <a:bodyPr/>
+                        <a:lstStyle/>
+                        <a:p>
+                          <a:pPr algn="ctr"/>
+                          <a:r>
+                            <a:rPr lang="en-GB" sz="1100">
+                              <a:effectLst/>
+                            </a:rPr>
+                            <a:t>Standard 1</a:t>
+                          </a:r>
+                          <a:endParaRPr lang="it-IT" sz="1100">
+                            <a:effectLst/>
+                            <a:latin typeface="Times New Roman" panose="02020603050405020304" pitchFamily="18" charset="0"/>
+                            <a:ea typeface="Times New Roman" panose="02020603050405020304" pitchFamily="18" charset="0"/>
+                          </a:endParaRPr>
+                        </a:p>
+                      </a:txBody>
+                      <a:tcPr marL="60735" marR="60735" marT="0" marB="0" anchor="ctr"/>
+                    </a:tc>
+                    <a:tc>
+                      <a:txBody>
+                        <a:bodyPr/>
+                        <a:lstStyle/>
+                        <a:p>
+                          <a:pPr algn="ctr"/>
+                          <a:r>
+                            <a:rPr lang="en-GB" sz="1100">
+                              <a:effectLst/>
+                            </a:rPr>
+                            <a:t>17523.1496</a:t>
+                          </a:r>
+                          <a:endParaRPr lang="it-IT" sz="1100">
+                            <a:effectLst/>
+                            <a:latin typeface="Times New Roman" panose="02020603050405020304" pitchFamily="18" charset="0"/>
+                            <a:ea typeface="Times New Roman" panose="02020603050405020304" pitchFamily="18" charset="0"/>
+                          </a:endParaRPr>
+                        </a:p>
+                      </a:txBody>
+                      <a:tcPr marL="60735" marR="60735" marT="0" marB="0" anchor="ctr"/>
+                    </a:tc>
+                    <a:tc>
+                      <a:txBody>
+                        <a:bodyPr/>
+                        <a:lstStyle/>
+                        <a:p>
+                          <a:pPr algn="ctr"/>
+                          <a:r>
+                            <a:rPr lang="en-GB" sz="1100" dirty="0">
+                              <a:effectLst/>
+                            </a:rPr>
+                            <a:t>4.8675</a:t>
+                          </a:r>
+                          <a:endParaRPr lang="it-IT" sz="1100" dirty="0">
+                            <a:effectLst/>
+                            <a:latin typeface="Times New Roman" panose="02020603050405020304" pitchFamily="18" charset="0"/>
+                            <a:ea typeface="Times New Roman" panose="02020603050405020304" pitchFamily="18" charset="0"/>
+                          </a:endParaRPr>
+                        </a:p>
+                      </a:txBody>
+                      <a:tcPr marL="60735" marR="60735" marT="0" marB="0" anchor="ctr"/>
+                    </a:tc>
+                    <a:tc>
+                      <a:txBody>
+                        <a:bodyPr/>
+                        <a:lstStyle/>
+                        <a:p>
+                          <a:pPr algn="ctr"/>
+                          <a:r>
+                            <a:rPr lang="en-GB" sz="1100">
+                              <a:effectLst/>
+                            </a:rPr>
+                            <a:t>6.6450</a:t>
+                          </a:r>
+                          <a:endParaRPr lang="it-IT" sz="1100">
+                            <a:effectLst/>
+                            <a:latin typeface="Times New Roman" panose="02020603050405020304" pitchFamily="18" charset="0"/>
+                            <a:ea typeface="Times New Roman" panose="02020603050405020304" pitchFamily="18" charset="0"/>
+                          </a:endParaRPr>
+                        </a:p>
+                      </a:txBody>
+                      <a:tcPr marL="60735" marR="60735" marT="0" marB="0" anchor="ctr"/>
+                    </a:tc>
+                    <a:extLst>
+                      <a:ext uri="{0D108BD9-81ED-4DB2-BD59-A6C34878D82A}">
+                        <a16:rowId xmlns:a16="http://schemas.microsoft.com/office/drawing/2014/main" val="3546351924"/>
+                      </a:ext>
+                    </a:extLst>
+                  </a:tr>
+                  <a:tr h="347293">
+                    <a:tc>
+                      <a:txBody>
+                        <a:bodyPr/>
+                        <a:lstStyle/>
+                        <a:p>
+                          <a:pPr algn="ctr"/>
+                          <a:r>
+                            <a:rPr lang="en-GB" sz="1100">
+                              <a:effectLst/>
+                            </a:rPr>
+                            <a:t>Standard 2</a:t>
+                          </a:r>
+                          <a:endParaRPr lang="it-IT" sz="1100">
+                            <a:effectLst/>
+                            <a:latin typeface="Times New Roman" panose="02020603050405020304" pitchFamily="18" charset="0"/>
+                            <a:ea typeface="Times New Roman" panose="02020603050405020304" pitchFamily="18" charset="0"/>
+                          </a:endParaRPr>
+                        </a:p>
+                      </a:txBody>
+                      <a:tcPr marL="60735" marR="60735" marT="0" marB="0" anchor="ctr"/>
+                    </a:tc>
+                    <a:tc>
+                      <a:txBody>
+                        <a:bodyPr/>
+                        <a:lstStyle/>
+                        <a:p>
+                          <a:pPr algn="ctr"/>
+                          <a:r>
+                            <a:rPr lang="en-GB" sz="1100">
+                              <a:effectLst/>
+                            </a:rPr>
+                            <a:t>14461.7429</a:t>
+                          </a:r>
+                          <a:endParaRPr lang="it-IT" sz="1100">
+                            <a:effectLst/>
+                            <a:latin typeface="Times New Roman" panose="02020603050405020304" pitchFamily="18" charset="0"/>
+                            <a:ea typeface="Times New Roman" panose="02020603050405020304" pitchFamily="18" charset="0"/>
+                          </a:endParaRPr>
+                        </a:p>
+                      </a:txBody>
+                      <a:tcPr marL="60735" marR="60735" marT="0" marB="0" anchor="ctr"/>
+                    </a:tc>
+                    <a:tc>
+                      <a:txBody>
+                        <a:bodyPr/>
+                        <a:lstStyle/>
+                        <a:p>
+                          <a:pPr algn="ctr"/>
+                          <a:r>
+                            <a:rPr lang="en-GB" sz="1100">
+                              <a:effectLst/>
+                            </a:rPr>
+                            <a:t>4.0172</a:t>
+                          </a:r>
+                          <a:endParaRPr lang="it-IT" sz="1100">
+                            <a:effectLst/>
+                            <a:latin typeface="Times New Roman" panose="02020603050405020304" pitchFamily="18" charset="0"/>
+                            <a:ea typeface="Times New Roman" panose="02020603050405020304" pitchFamily="18" charset="0"/>
+                          </a:endParaRPr>
+                        </a:p>
+                      </a:txBody>
+                      <a:tcPr marL="60735" marR="60735" marT="0" marB="0" anchor="ctr"/>
+                    </a:tc>
+                    <a:tc>
+                      <a:txBody>
+                        <a:bodyPr/>
+                        <a:lstStyle/>
+                        <a:p>
+                          <a:pPr algn="ctr"/>
+                          <a:r>
+                            <a:rPr lang="en-GB" sz="1100">
+                              <a:effectLst/>
+                            </a:rPr>
+                            <a:t>7.1386</a:t>
+                          </a:r>
+                          <a:endParaRPr lang="it-IT" sz="1100">
+                            <a:effectLst/>
+                            <a:latin typeface="Times New Roman" panose="02020603050405020304" pitchFamily="18" charset="0"/>
+                            <a:ea typeface="Times New Roman" panose="02020603050405020304" pitchFamily="18" charset="0"/>
+                          </a:endParaRPr>
+                        </a:p>
+                      </a:txBody>
+                      <a:tcPr marL="60735" marR="60735" marT="0" marB="0" anchor="ctr"/>
+                    </a:tc>
+                    <a:extLst>
+                      <a:ext uri="{0D108BD9-81ED-4DB2-BD59-A6C34878D82A}">
+                        <a16:rowId xmlns:a16="http://schemas.microsoft.com/office/drawing/2014/main" val="4166507607"/>
+                      </a:ext>
+                    </a:extLst>
+                  </a:tr>
+                  <a:tr h="347293">
+                    <a:tc>
+                      <a:txBody>
+                        <a:bodyPr/>
+                        <a:lstStyle/>
+                        <a:p>
+                          <a:pPr algn="ctr"/>
+                          <a:r>
+                            <a:rPr lang="en-GB" sz="1100">
+                              <a:effectLst/>
+                            </a:rPr>
+                            <a:t>Standard 3</a:t>
+                          </a:r>
+                          <a:endParaRPr lang="it-IT" sz="1100">
+                            <a:effectLst/>
+                            <a:latin typeface="Times New Roman" panose="02020603050405020304" pitchFamily="18" charset="0"/>
+                            <a:ea typeface="Times New Roman" panose="02020603050405020304" pitchFamily="18" charset="0"/>
+                          </a:endParaRPr>
+                        </a:p>
+                      </a:txBody>
+                      <a:tcPr marL="60735" marR="60735" marT="0" marB="0" anchor="ctr"/>
+                    </a:tc>
+                    <a:tc>
+                      <a:txBody>
+                        <a:bodyPr/>
+                        <a:lstStyle/>
+                        <a:p>
+                          <a:pPr algn="ctr"/>
+                          <a:r>
+                            <a:rPr lang="en-GB" sz="1100">
+                              <a:effectLst/>
+                            </a:rPr>
+                            <a:t>17464.4130</a:t>
+                          </a:r>
+                          <a:endParaRPr lang="it-IT" sz="1100">
+                            <a:effectLst/>
+                            <a:latin typeface="Times New Roman" panose="02020603050405020304" pitchFamily="18" charset="0"/>
+                            <a:ea typeface="Times New Roman" panose="02020603050405020304" pitchFamily="18" charset="0"/>
+                          </a:endParaRPr>
+                        </a:p>
+                      </a:txBody>
+                      <a:tcPr marL="60735" marR="60735" marT="0" marB="0" anchor="ctr"/>
+                    </a:tc>
+                    <a:tc>
+                      <a:txBody>
+                        <a:bodyPr/>
+                        <a:lstStyle/>
+                        <a:p>
+                          <a:pPr algn="ctr"/>
+                          <a:r>
+                            <a:rPr lang="en-GB" sz="1100" dirty="0">
+                              <a:effectLst/>
+                            </a:rPr>
+                            <a:t>4.8512</a:t>
+                          </a:r>
+                          <a:endParaRPr lang="it-IT" sz="1100" dirty="0">
+                            <a:effectLst/>
+                            <a:latin typeface="Times New Roman" panose="02020603050405020304" pitchFamily="18" charset="0"/>
+                            <a:ea typeface="Times New Roman" panose="02020603050405020304" pitchFamily="18" charset="0"/>
+                          </a:endParaRPr>
+                        </a:p>
+                      </a:txBody>
+                      <a:tcPr marL="60735" marR="60735" marT="0" marB="0" anchor="ctr"/>
+                    </a:tc>
+                    <a:tc>
+                      <a:txBody>
+                        <a:bodyPr/>
+                        <a:lstStyle/>
+                        <a:p>
+                          <a:pPr algn="ctr"/>
+                          <a:r>
+                            <a:rPr lang="en-GB" sz="1100">
+                              <a:effectLst/>
+                            </a:rPr>
+                            <a:t>7.1222</a:t>
+                          </a:r>
+                          <a:endParaRPr lang="it-IT" sz="1100">
+                            <a:effectLst/>
+                            <a:latin typeface="Times New Roman" panose="02020603050405020304" pitchFamily="18" charset="0"/>
+                            <a:ea typeface="Times New Roman" panose="02020603050405020304" pitchFamily="18" charset="0"/>
+                          </a:endParaRPr>
+                        </a:p>
+                      </a:txBody>
+                      <a:tcPr marL="60735" marR="60735" marT="0" marB="0" anchor="ctr"/>
+                    </a:tc>
+                    <a:extLst>
+                      <a:ext uri="{0D108BD9-81ED-4DB2-BD59-A6C34878D82A}">
+                        <a16:rowId xmlns:a16="http://schemas.microsoft.com/office/drawing/2014/main" val="3603318245"/>
+                      </a:ext>
+                    </a:extLst>
+                  </a:tr>
+                  <a:tr h="347293">
+                    <a:tc>
+                      <a:txBody>
+                        <a:bodyPr/>
+                        <a:lstStyle/>
+                        <a:p>
+                          <a:pPr algn="ctr"/>
+                          <a:r>
+                            <a:rPr lang="en-GB" sz="1100" dirty="0">
+                              <a:effectLst/>
+                            </a:rPr>
+                            <a:t>Standard 4</a:t>
+                          </a:r>
+                          <a:endParaRPr lang="it-IT" sz="1100" dirty="0">
+                            <a:effectLst/>
+                            <a:latin typeface="Times New Roman" panose="02020603050405020304" pitchFamily="18" charset="0"/>
+                            <a:ea typeface="Times New Roman" panose="02020603050405020304" pitchFamily="18" charset="0"/>
+                          </a:endParaRPr>
+                        </a:p>
+                      </a:txBody>
+                      <a:tcPr marL="60735" marR="60735" marT="0" marB="0" anchor="ctr"/>
+                    </a:tc>
+                    <a:tc>
+                      <a:txBody>
+                        <a:bodyPr/>
+                        <a:lstStyle/>
+                        <a:p>
+                          <a:pPr algn="ctr"/>
+                          <a:r>
+                            <a:rPr lang="en-GB" sz="1100">
+                              <a:effectLst/>
+                            </a:rPr>
+                            <a:t>21973.3098</a:t>
+                          </a:r>
+                          <a:endParaRPr lang="it-IT" sz="1100">
+                            <a:effectLst/>
+                            <a:latin typeface="Times New Roman" panose="02020603050405020304" pitchFamily="18" charset="0"/>
+                            <a:ea typeface="Times New Roman" panose="02020603050405020304" pitchFamily="18" charset="0"/>
+                          </a:endParaRPr>
+                        </a:p>
+                      </a:txBody>
+                      <a:tcPr marL="60735" marR="60735" marT="0" marB="0" anchor="ctr"/>
+                    </a:tc>
+                    <a:tc>
+                      <a:txBody>
+                        <a:bodyPr/>
+                        <a:lstStyle/>
+                        <a:p>
+                          <a:pPr algn="ctr"/>
+                          <a:r>
+                            <a:rPr lang="en-GB" sz="1100" dirty="0">
+                              <a:effectLst/>
+                            </a:rPr>
+                            <a:t>6.1037</a:t>
+                          </a:r>
+                          <a:endParaRPr lang="it-IT" sz="1100" dirty="0">
+                            <a:effectLst/>
+                            <a:latin typeface="Times New Roman" panose="02020603050405020304" pitchFamily="18" charset="0"/>
+                            <a:ea typeface="Times New Roman" panose="02020603050405020304" pitchFamily="18" charset="0"/>
+                          </a:endParaRPr>
+                        </a:p>
+                      </a:txBody>
+                      <a:tcPr marL="60735" marR="60735" marT="0" marB="0" anchor="ctr"/>
+                    </a:tc>
+                    <a:tc>
+                      <a:txBody>
+                        <a:bodyPr/>
+                        <a:lstStyle/>
+                        <a:p>
+                          <a:pPr algn="ctr"/>
+                          <a:r>
+                            <a:rPr lang="en-GB" sz="1100">
+                              <a:effectLst/>
+                            </a:rPr>
+                            <a:t>6.6614</a:t>
+                          </a:r>
+                          <a:endParaRPr lang="it-IT" sz="1100">
+                            <a:effectLst/>
+                            <a:latin typeface="Times New Roman" panose="02020603050405020304" pitchFamily="18" charset="0"/>
+                            <a:ea typeface="Times New Roman" panose="02020603050405020304" pitchFamily="18" charset="0"/>
+                          </a:endParaRPr>
+                        </a:p>
+                      </a:txBody>
+                      <a:tcPr marL="60735" marR="60735" marT="0" marB="0" anchor="ctr"/>
+                    </a:tc>
+                    <a:extLst>
+                      <a:ext uri="{0D108BD9-81ED-4DB2-BD59-A6C34878D82A}">
+                        <a16:rowId xmlns:a16="http://schemas.microsoft.com/office/drawing/2014/main" val="4024678429"/>
+                      </a:ext>
+                    </a:extLst>
+                  </a:tr>
+                  <a:tr h="347293">
+                    <a:tc>
+                      <a:txBody>
+                        <a:bodyPr/>
+                        <a:lstStyle/>
+                        <a:p>
+                          <a:pPr algn="ctr"/>
+                          <a:r>
+                            <a:rPr lang="en-GB" sz="1100">
+                              <a:effectLst/>
+                            </a:rPr>
+                            <a:t>Standard 5</a:t>
+                          </a:r>
+                          <a:endParaRPr lang="it-IT" sz="1100">
+                            <a:effectLst/>
+                            <a:latin typeface="Times New Roman" panose="02020603050405020304" pitchFamily="18" charset="0"/>
+                            <a:ea typeface="Times New Roman" panose="02020603050405020304" pitchFamily="18" charset="0"/>
+                          </a:endParaRPr>
+                        </a:p>
+                      </a:txBody>
+                      <a:tcPr marL="60735" marR="60735" marT="0" marB="0" anchor="ctr"/>
+                    </a:tc>
+                    <a:tc>
+                      <a:txBody>
+                        <a:bodyPr/>
+                        <a:lstStyle/>
+                        <a:p>
+                          <a:pPr algn="ctr"/>
+                          <a:r>
+                            <a:rPr lang="en-GB" sz="1100">
+                              <a:effectLst/>
+                            </a:rPr>
+                            <a:t>18728.5707</a:t>
+                          </a:r>
+                          <a:endParaRPr lang="it-IT" sz="1100">
+                            <a:effectLst/>
+                            <a:latin typeface="Times New Roman" panose="02020603050405020304" pitchFamily="18" charset="0"/>
+                            <a:ea typeface="Times New Roman" panose="02020603050405020304" pitchFamily="18" charset="0"/>
+                          </a:endParaRPr>
+                        </a:p>
+                      </a:txBody>
+                      <a:tcPr marL="60735" marR="60735" marT="0" marB="0" anchor="ctr"/>
+                    </a:tc>
+                    <a:tc>
+                      <a:txBody>
+                        <a:bodyPr/>
+                        <a:lstStyle/>
+                        <a:p>
+                          <a:pPr algn="ctr"/>
+                          <a:r>
+                            <a:rPr lang="en-GB" sz="1100">
+                              <a:effectLst/>
+                            </a:rPr>
+                            <a:t>5.2024</a:t>
+                          </a:r>
+                          <a:endParaRPr lang="it-IT" sz="1100">
+                            <a:effectLst/>
+                            <a:latin typeface="Times New Roman" panose="02020603050405020304" pitchFamily="18" charset="0"/>
+                            <a:ea typeface="Times New Roman" panose="02020603050405020304" pitchFamily="18" charset="0"/>
+                          </a:endParaRPr>
+                        </a:p>
+                      </a:txBody>
+                      <a:tcPr marL="60735" marR="60735" marT="0" marB="0" anchor="ctr"/>
+                    </a:tc>
+                    <a:tc>
+                      <a:txBody>
+                        <a:bodyPr/>
+                        <a:lstStyle/>
+                        <a:p>
+                          <a:pPr algn="ctr"/>
+                          <a:r>
+                            <a:rPr lang="en-GB" sz="1100">
+                              <a:effectLst/>
+                            </a:rPr>
+                            <a:t>9.0993</a:t>
+                          </a:r>
+                          <a:endParaRPr lang="it-IT" sz="1100">
+                            <a:effectLst/>
+                            <a:latin typeface="Times New Roman" panose="02020603050405020304" pitchFamily="18" charset="0"/>
+                            <a:ea typeface="Times New Roman" panose="02020603050405020304" pitchFamily="18" charset="0"/>
+                          </a:endParaRPr>
+                        </a:p>
+                      </a:txBody>
+                      <a:tcPr marL="60735" marR="60735" marT="0" marB="0" anchor="ctr"/>
+                    </a:tc>
+                    <a:extLst>
+                      <a:ext uri="{0D108BD9-81ED-4DB2-BD59-A6C34878D82A}">
+                        <a16:rowId xmlns:a16="http://schemas.microsoft.com/office/drawing/2014/main" val="4067453794"/>
+                      </a:ext>
+                    </a:extLst>
+                  </a:tr>
+                  <a:tr h="347293">
+                    <a:tc>
+                      <a:txBody>
+                        <a:bodyPr/>
+                        <a:lstStyle/>
+                        <a:p>
+                          <a:pPr algn="ctr"/>
+                          <a:r>
+                            <a:rPr lang="en-GB" sz="1100">
+                              <a:effectLst/>
+                            </a:rPr>
+                            <a:t>Standard 6</a:t>
+                          </a:r>
+                          <a:endParaRPr lang="it-IT" sz="1100">
+                            <a:effectLst/>
+                            <a:latin typeface="Times New Roman" panose="02020603050405020304" pitchFamily="18" charset="0"/>
+                            <a:ea typeface="Times New Roman" panose="02020603050405020304" pitchFamily="18" charset="0"/>
+                          </a:endParaRPr>
+                        </a:p>
+                      </a:txBody>
+                      <a:tcPr marL="60735" marR="60735" marT="0" marB="0" anchor="ctr"/>
+                    </a:tc>
+                    <a:tc>
+                      <a:txBody>
+                        <a:bodyPr/>
+                        <a:lstStyle/>
+                        <a:p>
+                          <a:pPr algn="ctr"/>
+                          <a:r>
+                            <a:rPr lang="en-GB" sz="1100">
+                              <a:effectLst/>
+                            </a:rPr>
+                            <a:t>28868.3598</a:t>
+                          </a:r>
+                          <a:endParaRPr lang="it-IT" sz="1100">
+                            <a:effectLst/>
+                            <a:latin typeface="Times New Roman" panose="02020603050405020304" pitchFamily="18" charset="0"/>
+                            <a:ea typeface="Times New Roman" panose="02020603050405020304" pitchFamily="18" charset="0"/>
+                          </a:endParaRPr>
+                        </a:p>
+                      </a:txBody>
+                      <a:tcPr marL="60735" marR="60735" marT="0" marB="0" anchor="ctr"/>
+                    </a:tc>
+                    <a:tc>
+                      <a:txBody>
+                        <a:bodyPr/>
+                        <a:lstStyle/>
+                        <a:p>
+                          <a:pPr algn="ctr"/>
+                          <a:r>
+                            <a:rPr lang="en-GB" sz="1100" dirty="0">
+                              <a:effectLst/>
+                            </a:rPr>
+                            <a:t>8.0190</a:t>
+                          </a:r>
+                          <a:endParaRPr lang="it-IT" sz="1100" dirty="0">
+                            <a:effectLst/>
+                            <a:latin typeface="Times New Roman" panose="02020603050405020304" pitchFamily="18" charset="0"/>
+                            <a:ea typeface="Times New Roman" panose="02020603050405020304" pitchFamily="18" charset="0"/>
+                          </a:endParaRPr>
+                        </a:p>
+                      </a:txBody>
+                      <a:tcPr marL="60735" marR="60735" marT="0" marB="0" anchor="ctr"/>
+                    </a:tc>
+                    <a:tc>
+                      <a:txBody>
+                        <a:bodyPr/>
+                        <a:lstStyle/>
+                        <a:p>
+                          <a:pPr algn="ctr"/>
+                          <a:r>
+                            <a:rPr lang="en-GB" sz="1100">
+                              <a:effectLst/>
+                            </a:rPr>
+                            <a:t>9.1511</a:t>
+                          </a:r>
+                          <a:endParaRPr lang="it-IT" sz="1100">
+                            <a:effectLst/>
+                            <a:latin typeface="Times New Roman" panose="02020603050405020304" pitchFamily="18" charset="0"/>
+                            <a:ea typeface="Times New Roman" panose="02020603050405020304" pitchFamily="18" charset="0"/>
+                          </a:endParaRPr>
+                        </a:p>
+                      </a:txBody>
+                      <a:tcPr marL="60735" marR="60735" marT="0" marB="0" anchor="ctr"/>
+                    </a:tc>
+                    <a:extLst>
+                      <a:ext uri="{0D108BD9-81ED-4DB2-BD59-A6C34878D82A}">
+                        <a16:rowId xmlns:a16="http://schemas.microsoft.com/office/drawing/2014/main" val="3261692538"/>
+                      </a:ext>
+                    </a:extLst>
+                  </a:tr>
+                  <a:tr h="347293">
+                    <a:tc>
+                      <a:txBody>
+                        <a:bodyPr/>
+                        <a:lstStyle/>
+                        <a:p>
+                          <a:pPr algn="ctr"/>
+                          <a:r>
+                            <a:rPr lang="en-GB" sz="1100">
+                              <a:effectLst/>
+                            </a:rPr>
+                            <a:t>Standard 7</a:t>
+                          </a:r>
+                          <a:endParaRPr lang="it-IT" sz="1100">
+                            <a:effectLst/>
+                            <a:latin typeface="Times New Roman" panose="02020603050405020304" pitchFamily="18" charset="0"/>
+                            <a:ea typeface="Times New Roman" panose="02020603050405020304" pitchFamily="18" charset="0"/>
+                          </a:endParaRPr>
+                        </a:p>
+                      </a:txBody>
+                      <a:tcPr marL="60735" marR="60735" marT="0" marB="0" anchor="ctr"/>
+                    </a:tc>
+                    <a:tc>
+                      <a:txBody>
+                        <a:bodyPr/>
+                        <a:lstStyle/>
+                        <a:p>
+                          <a:pPr algn="ctr"/>
+                          <a:r>
+                            <a:rPr lang="en-GB" sz="1100">
+                              <a:effectLst/>
+                            </a:rPr>
+                            <a:t>15603.0824</a:t>
+                          </a:r>
+                          <a:endParaRPr lang="it-IT" sz="1100">
+                            <a:effectLst/>
+                            <a:latin typeface="Times New Roman" panose="02020603050405020304" pitchFamily="18" charset="0"/>
+                            <a:ea typeface="Times New Roman" panose="02020603050405020304" pitchFamily="18" charset="0"/>
+                          </a:endParaRPr>
+                        </a:p>
+                      </a:txBody>
+                      <a:tcPr marL="60735" marR="60735" marT="0" marB="0" anchor="ctr"/>
+                    </a:tc>
+                    <a:tc>
+                      <a:txBody>
+                        <a:bodyPr/>
+                        <a:lstStyle/>
+                        <a:p>
+                          <a:pPr algn="ctr"/>
+                          <a:r>
+                            <a:rPr lang="en-GB" sz="1100" dirty="0">
+                              <a:effectLst/>
+                            </a:rPr>
+                            <a:t>4.3342</a:t>
+                          </a:r>
+                          <a:endParaRPr lang="it-IT" sz="1100" dirty="0">
+                            <a:effectLst/>
+                            <a:latin typeface="Times New Roman" panose="02020603050405020304" pitchFamily="18" charset="0"/>
+                            <a:ea typeface="Times New Roman" panose="02020603050405020304" pitchFamily="18" charset="0"/>
+                          </a:endParaRPr>
+                        </a:p>
+                      </a:txBody>
+                      <a:tcPr marL="60735" marR="60735" marT="0" marB="0" anchor="ctr"/>
+                    </a:tc>
+                    <a:tc>
+                      <a:txBody>
+                        <a:bodyPr/>
+                        <a:lstStyle/>
+                        <a:p>
+                          <a:pPr algn="ctr"/>
+                          <a:r>
+                            <a:rPr lang="en-GB" sz="1100">
+                              <a:effectLst/>
+                            </a:rPr>
+                            <a:t>7.4603</a:t>
+                          </a:r>
+                          <a:endParaRPr lang="it-IT" sz="1100">
+                            <a:effectLst/>
+                            <a:latin typeface="Times New Roman" panose="02020603050405020304" pitchFamily="18" charset="0"/>
+                            <a:ea typeface="Times New Roman" panose="02020603050405020304" pitchFamily="18" charset="0"/>
+                          </a:endParaRPr>
+                        </a:p>
+                      </a:txBody>
+                      <a:tcPr marL="60735" marR="60735" marT="0" marB="0" anchor="ctr"/>
+                    </a:tc>
+                    <a:extLst>
+                      <a:ext uri="{0D108BD9-81ED-4DB2-BD59-A6C34878D82A}">
+                        <a16:rowId xmlns:a16="http://schemas.microsoft.com/office/drawing/2014/main" val="3368877454"/>
+                      </a:ext>
+                    </a:extLst>
+                  </a:tr>
+                  <a:tr h="347293">
+                    <a:tc>
+                      <a:txBody>
+                        <a:bodyPr/>
+                        <a:lstStyle/>
+                        <a:p>
+                          <a:pPr algn="ctr"/>
+                          <a:r>
+                            <a:rPr lang="en-GB" sz="1100">
+                              <a:effectLst/>
+                            </a:rPr>
+                            <a:t>Standard 8</a:t>
+                          </a:r>
+                          <a:endParaRPr lang="it-IT" sz="1100">
+                            <a:effectLst/>
+                            <a:latin typeface="Times New Roman" panose="02020603050405020304" pitchFamily="18" charset="0"/>
+                            <a:ea typeface="Times New Roman" panose="02020603050405020304" pitchFamily="18" charset="0"/>
+                          </a:endParaRPr>
+                        </a:p>
+                      </a:txBody>
+                      <a:tcPr marL="60735" marR="60735" marT="0" marB="0" anchor="ctr"/>
+                    </a:tc>
+                    <a:tc>
+                      <a:txBody>
+                        <a:bodyPr/>
+                        <a:lstStyle/>
+                        <a:p>
+                          <a:pPr algn="ctr"/>
+                          <a:r>
+                            <a:rPr lang="en-GB" sz="1100">
+                              <a:effectLst/>
+                            </a:rPr>
+                            <a:t>14421.7183</a:t>
+                          </a:r>
+                          <a:endParaRPr lang="it-IT" sz="1100">
+                            <a:effectLst/>
+                            <a:latin typeface="Times New Roman" panose="02020603050405020304" pitchFamily="18" charset="0"/>
+                            <a:ea typeface="Times New Roman" panose="02020603050405020304" pitchFamily="18" charset="0"/>
+                          </a:endParaRPr>
+                        </a:p>
+                      </a:txBody>
+                      <a:tcPr marL="60735" marR="60735" marT="0" marB="0" anchor="ctr"/>
+                    </a:tc>
+                    <a:tc>
+                      <a:txBody>
+                        <a:bodyPr/>
+                        <a:lstStyle/>
+                        <a:p>
+                          <a:pPr algn="ctr"/>
+                          <a:r>
+                            <a:rPr lang="en-GB" sz="1100" dirty="0">
+                              <a:effectLst/>
+                            </a:rPr>
+                            <a:t>4.0060</a:t>
+                          </a:r>
+                          <a:endParaRPr lang="it-IT" sz="1100" dirty="0">
+                            <a:effectLst/>
+                            <a:latin typeface="Times New Roman" panose="02020603050405020304" pitchFamily="18" charset="0"/>
+                            <a:ea typeface="Times New Roman" panose="02020603050405020304" pitchFamily="18" charset="0"/>
+                          </a:endParaRPr>
+                        </a:p>
+                      </a:txBody>
+                      <a:tcPr marL="60735" marR="60735" marT="0" marB="0" anchor="ctr"/>
+                    </a:tc>
+                    <a:tc>
+                      <a:txBody>
+                        <a:bodyPr/>
+                        <a:lstStyle/>
+                        <a:p>
+                          <a:pPr algn="ctr"/>
+                          <a:r>
+                            <a:rPr lang="en-GB" sz="1100" dirty="0">
+                              <a:effectLst/>
+                            </a:rPr>
+                            <a:t>7.4767</a:t>
+                          </a:r>
+                          <a:endParaRPr lang="it-IT" sz="1100" dirty="0">
+                            <a:effectLst/>
+                            <a:latin typeface="Times New Roman" panose="02020603050405020304" pitchFamily="18" charset="0"/>
+                            <a:ea typeface="Times New Roman" panose="02020603050405020304" pitchFamily="18" charset="0"/>
+                          </a:endParaRPr>
+                        </a:p>
+                      </a:txBody>
+                      <a:tcPr marL="60735" marR="60735" marT="0" marB="0" anchor="ctr"/>
+                    </a:tc>
+                    <a:extLst>
+                      <a:ext uri="{0D108BD9-81ED-4DB2-BD59-A6C34878D82A}">
+                        <a16:rowId xmlns:a16="http://schemas.microsoft.com/office/drawing/2014/main" val="1147992986"/>
+                      </a:ext>
+                    </a:extLst>
+                  </a:tr>
+                </a:tbl>
+              </a:graphicData>
+            </a:graphic>
+          </p:graphicFrame>
+        </mc:Choice>
+        <mc:Fallback>
+          <p:graphicFrame>
+            <p:nvGraphicFramePr>
+              <p:cNvPr id="6" name="Tabella 5">
+                <a:extLst>
+                  <a:ext uri="{FF2B5EF4-FFF2-40B4-BE49-F238E27FC236}">
+                    <a16:creationId xmlns:a16="http://schemas.microsoft.com/office/drawing/2014/main" id="{46F17B90-82F1-540F-67C2-501E1B7618E4}"/>
+                  </a:ext>
+                </a:extLst>
+              </p:cNvPr>
+              <p:cNvGraphicFramePr>
+                <a:graphicFrameLocks noGrp="1"/>
+              </p:cNvGraphicFramePr>
+              <p:nvPr>
+                <p:extLst>
+                  <p:ext uri="{D42A27DB-BD31-4B8C-83A1-F6EECF244321}">
+                    <p14:modId xmlns:p14="http://schemas.microsoft.com/office/powerpoint/2010/main" val="590098545"/>
+                  </p:ext>
+                </p:extLst>
+              </p:nvPr>
+            </p:nvGraphicFramePr>
+            <p:xfrm>
+              <a:off x="1447800" y="1112341"/>
+              <a:ext cx="4946436" cy="3307261"/>
+            </p:xfrm>
+            <a:graphic>
+              <a:graphicData uri="http://schemas.openxmlformats.org/drawingml/2006/table">
+                <a:tbl>
+                  <a:tblPr firstRow="1" firstCol="1" bandRow="1">
+                    <a:tableStyleId>{5940675A-B579-460E-94D1-54222C63F5DA}</a:tableStyleId>
+                  </a:tblPr>
+                  <a:tblGrid>
+                    <a:gridCol w="1236609">
+                      <a:extLst>
+                        <a:ext uri="{9D8B030D-6E8A-4147-A177-3AD203B41FA5}">
+                          <a16:colId xmlns:a16="http://schemas.microsoft.com/office/drawing/2014/main" val="3852655946"/>
+                        </a:ext>
+                      </a:extLst>
+                    </a:gridCol>
+                    <a:gridCol w="1236609">
+                      <a:extLst>
+                        <a:ext uri="{9D8B030D-6E8A-4147-A177-3AD203B41FA5}">
+                          <a16:colId xmlns:a16="http://schemas.microsoft.com/office/drawing/2014/main" val="2343005180"/>
+                        </a:ext>
+                      </a:extLst>
+                    </a:gridCol>
+                    <a:gridCol w="1236609">
+                      <a:extLst>
+                        <a:ext uri="{9D8B030D-6E8A-4147-A177-3AD203B41FA5}">
+                          <a16:colId xmlns:a16="http://schemas.microsoft.com/office/drawing/2014/main" val="1927354660"/>
+                        </a:ext>
+                      </a:extLst>
+                    </a:gridCol>
+                    <a:gridCol w="1236609">
+                      <a:extLst>
+                        <a:ext uri="{9D8B030D-6E8A-4147-A177-3AD203B41FA5}">
+                          <a16:colId xmlns:a16="http://schemas.microsoft.com/office/drawing/2014/main" val="2118557375"/>
+                        </a:ext>
+                      </a:extLst>
+                    </a:gridCol>
+                  </a:tblGrid>
+                  <a:tr h="528917">
+                    <a:tc>
+                      <a:txBody>
+                        <a:bodyPr/>
+                        <a:lstStyle/>
+                        <a:p>
+                          <a:pPr algn="ctr"/>
+                          <a:r>
+                            <a:rPr lang="en-GB" sz="1100">
+                              <a:effectLst/>
+                            </a:rPr>
+                            <a:t>Strategy</a:t>
+                          </a:r>
+                          <a:endParaRPr lang="it-IT" sz="1100">
+                            <a:effectLst/>
+                            <a:latin typeface="Times New Roman" panose="02020603050405020304" pitchFamily="18" charset="0"/>
+                            <a:ea typeface="Times New Roman" panose="02020603050405020304" pitchFamily="18" charset="0"/>
+                          </a:endParaRPr>
+                        </a:p>
+                      </a:txBody>
+                      <a:tcPr marL="60735" marR="60735" marT="0" marB="0" anchor="ctr"/>
+                    </a:tc>
+                    <a:tc>
+                      <a:txBody>
+                        <a:bodyPr/>
+                        <a:lstStyle/>
+                        <a:p>
+                          <a:endParaRPr lang="it-IT"/>
+                        </a:p>
+                      </a:txBody>
+                      <a:tcPr marL="60735" marR="60735" marT="0" marB="0" anchor="ctr">
+                        <a:blipFill>
+                          <a:blip r:embed="rId2"/>
+                          <a:stretch>
+                            <a:fillRect l="-100493" t="-1149" r="-201478" b="-527586"/>
+                          </a:stretch>
+                        </a:blipFill>
+                      </a:tcPr>
+                    </a:tc>
+                    <a:tc>
+                      <a:txBody>
+                        <a:bodyPr/>
+                        <a:lstStyle/>
+                        <a:p>
+                          <a:endParaRPr lang="it-IT"/>
+                        </a:p>
+                      </a:txBody>
+                      <a:tcPr marL="60735" marR="60735" marT="0" marB="0" anchor="ctr">
+                        <a:blipFill>
+                          <a:blip r:embed="rId2"/>
+                          <a:stretch>
+                            <a:fillRect l="-200493" t="-1149" r="-101478" b="-527586"/>
+                          </a:stretch>
+                        </a:blipFill>
+                      </a:tcPr>
+                    </a:tc>
+                    <a:tc>
+                      <a:txBody>
+                        <a:bodyPr/>
+                        <a:lstStyle/>
+                        <a:p>
+                          <a:endParaRPr lang="it-IT"/>
+                        </a:p>
+                      </a:txBody>
+                      <a:tcPr marL="60735" marR="60735" marT="0" marB="0" anchor="ctr">
+                        <a:blipFill>
+                          <a:blip r:embed="rId2"/>
+                          <a:stretch>
+                            <a:fillRect l="-300493" t="-1149" r="-1478" b="-527586"/>
+                          </a:stretch>
+                        </a:blipFill>
+                      </a:tcPr>
+                    </a:tc>
+                    <a:extLst>
+                      <a:ext uri="{0D108BD9-81ED-4DB2-BD59-A6C34878D82A}">
+                        <a16:rowId xmlns:a16="http://schemas.microsoft.com/office/drawing/2014/main" val="3791096875"/>
+                      </a:ext>
+                    </a:extLst>
+                  </a:tr>
+                  <a:tr h="347293">
+                    <a:tc>
+                      <a:txBody>
+                        <a:bodyPr/>
+                        <a:lstStyle/>
+                        <a:p>
+                          <a:pPr algn="ctr"/>
+                          <a:r>
+                            <a:rPr lang="en-GB" sz="1100">
+                              <a:effectLst/>
+                            </a:rPr>
+                            <a:t>Standard 1</a:t>
+                          </a:r>
+                          <a:endParaRPr lang="it-IT" sz="1100">
+                            <a:effectLst/>
+                            <a:latin typeface="Times New Roman" panose="02020603050405020304" pitchFamily="18" charset="0"/>
+                            <a:ea typeface="Times New Roman" panose="02020603050405020304" pitchFamily="18" charset="0"/>
+                          </a:endParaRPr>
+                        </a:p>
+                      </a:txBody>
+                      <a:tcPr marL="60735" marR="60735" marT="0" marB="0" anchor="ctr"/>
+                    </a:tc>
+                    <a:tc>
+                      <a:txBody>
+                        <a:bodyPr/>
+                        <a:lstStyle/>
+                        <a:p>
+                          <a:pPr algn="ctr"/>
+                          <a:r>
+                            <a:rPr lang="en-GB" sz="1100">
+                              <a:effectLst/>
+                            </a:rPr>
+                            <a:t>17523.1496</a:t>
+                          </a:r>
+                          <a:endParaRPr lang="it-IT" sz="1100">
+                            <a:effectLst/>
+                            <a:latin typeface="Times New Roman" panose="02020603050405020304" pitchFamily="18" charset="0"/>
+                            <a:ea typeface="Times New Roman" panose="02020603050405020304" pitchFamily="18" charset="0"/>
+                          </a:endParaRPr>
+                        </a:p>
+                      </a:txBody>
+                      <a:tcPr marL="60735" marR="60735" marT="0" marB="0" anchor="ctr"/>
+                    </a:tc>
+                    <a:tc>
+                      <a:txBody>
+                        <a:bodyPr/>
+                        <a:lstStyle/>
+                        <a:p>
+                          <a:pPr algn="ctr"/>
+                          <a:r>
+                            <a:rPr lang="en-GB" sz="1100" dirty="0">
+                              <a:effectLst/>
+                            </a:rPr>
+                            <a:t>4.8675</a:t>
+                          </a:r>
+                          <a:endParaRPr lang="it-IT" sz="1100" dirty="0">
+                            <a:effectLst/>
+                            <a:latin typeface="Times New Roman" panose="02020603050405020304" pitchFamily="18" charset="0"/>
+                            <a:ea typeface="Times New Roman" panose="02020603050405020304" pitchFamily="18" charset="0"/>
+                          </a:endParaRPr>
+                        </a:p>
+                      </a:txBody>
+                      <a:tcPr marL="60735" marR="60735" marT="0" marB="0" anchor="ctr"/>
+                    </a:tc>
+                    <a:tc>
+                      <a:txBody>
+                        <a:bodyPr/>
+                        <a:lstStyle/>
+                        <a:p>
+                          <a:pPr algn="ctr"/>
+                          <a:r>
+                            <a:rPr lang="en-GB" sz="1100">
+                              <a:effectLst/>
+                            </a:rPr>
+                            <a:t>6.6450</a:t>
+                          </a:r>
+                          <a:endParaRPr lang="it-IT" sz="1100">
+                            <a:effectLst/>
+                            <a:latin typeface="Times New Roman" panose="02020603050405020304" pitchFamily="18" charset="0"/>
+                            <a:ea typeface="Times New Roman" panose="02020603050405020304" pitchFamily="18" charset="0"/>
+                          </a:endParaRPr>
+                        </a:p>
+                      </a:txBody>
+                      <a:tcPr marL="60735" marR="60735" marT="0" marB="0" anchor="ctr"/>
+                    </a:tc>
+                    <a:extLst>
+                      <a:ext uri="{0D108BD9-81ED-4DB2-BD59-A6C34878D82A}">
+                        <a16:rowId xmlns:a16="http://schemas.microsoft.com/office/drawing/2014/main" val="3546351924"/>
+                      </a:ext>
+                    </a:extLst>
+                  </a:tr>
+                  <a:tr h="347293">
+                    <a:tc>
+                      <a:txBody>
+                        <a:bodyPr/>
+                        <a:lstStyle/>
+                        <a:p>
+                          <a:pPr algn="ctr"/>
+                          <a:r>
+                            <a:rPr lang="en-GB" sz="1100">
+                              <a:effectLst/>
+                            </a:rPr>
+                            <a:t>Standard 2</a:t>
+                          </a:r>
+                          <a:endParaRPr lang="it-IT" sz="1100">
+                            <a:effectLst/>
+                            <a:latin typeface="Times New Roman" panose="02020603050405020304" pitchFamily="18" charset="0"/>
+                            <a:ea typeface="Times New Roman" panose="02020603050405020304" pitchFamily="18" charset="0"/>
+                          </a:endParaRPr>
+                        </a:p>
+                      </a:txBody>
+                      <a:tcPr marL="60735" marR="60735" marT="0" marB="0" anchor="ctr"/>
+                    </a:tc>
+                    <a:tc>
+                      <a:txBody>
+                        <a:bodyPr/>
+                        <a:lstStyle/>
+                        <a:p>
+                          <a:pPr algn="ctr"/>
+                          <a:r>
+                            <a:rPr lang="en-GB" sz="1100">
+                              <a:effectLst/>
+                            </a:rPr>
+                            <a:t>14461.7429</a:t>
+                          </a:r>
+                          <a:endParaRPr lang="it-IT" sz="1100">
+                            <a:effectLst/>
+                            <a:latin typeface="Times New Roman" panose="02020603050405020304" pitchFamily="18" charset="0"/>
+                            <a:ea typeface="Times New Roman" panose="02020603050405020304" pitchFamily="18" charset="0"/>
+                          </a:endParaRPr>
+                        </a:p>
+                      </a:txBody>
+                      <a:tcPr marL="60735" marR="60735" marT="0" marB="0" anchor="ctr"/>
+                    </a:tc>
+                    <a:tc>
+                      <a:txBody>
+                        <a:bodyPr/>
+                        <a:lstStyle/>
+                        <a:p>
+                          <a:pPr algn="ctr"/>
+                          <a:r>
+                            <a:rPr lang="en-GB" sz="1100">
+                              <a:effectLst/>
+                            </a:rPr>
+                            <a:t>4.0172</a:t>
+                          </a:r>
+                          <a:endParaRPr lang="it-IT" sz="1100">
+                            <a:effectLst/>
+                            <a:latin typeface="Times New Roman" panose="02020603050405020304" pitchFamily="18" charset="0"/>
+                            <a:ea typeface="Times New Roman" panose="02020603050405020304" pitchFamily="18" charset="0"/>
+                          </a:endParaRPr>
+                        </a:p>
+                      </a:txBody>
+                      <a:tcPr marL="60735" marR="60735" marT="0" marB="0" anchor="ctr"/>
+                    </a:tc>
+                    <a:tc>
+                      <a:txBody>
+                        <a:bodyPr/>
+                        <a:lstStyle/>
+                        <a:p>
+                          <a:pPr algn="ctr"/>
+                          <a:r>
+                            <a:rPr lang="en-GB" sz="1100">
+                              <a:effectLst/>
+                            </a:rPr>
+                            <a:t>7.1386</a:t>
+                          </a:r>
+                          <a:endParaRPr lang="it-IT" sz="1100">
+                            <a:effectLst/>
+                            <a:latin typeface="Times New Roman" panose="02020603050405020304" pitchFamily="18" charset="0"/>
+                            <a:ea typeface="Times New Roman" panose="02020603050405020304" pitchFamily="18" charset="0"/>
+                          </a:endParaRPr>
+                        </a:p>
+                      </a:txBody>
+                      <a:tcPr marL="60735" marR="60735" marT="0" marB="0" anchor="ctr"/>
+                    </a:tc>
+                    <a:extLst>
+                      <a:ext uri="{0D108BD9-81ED-4DB2-BD59-A6C34878D82A}">
+                        <a16:rowId xmlns:a16="http://schemas.microsoft.com/office/drawing/2014/main" val="4166507607"/>
+                      </a:ext>
+                    </a:extLst>
+                  </a:tr>
+                  <a:tr h="347293">
+                    <a:tc>
+                      <a:txBody>
+                        <a:bodyPr/>
+                        <a:lstStyle/>
+                        <a:p>
+                          <a:pPr algn="ctr"/>
+                          <a:r>
+                            <a:rPr lang="en-GB" sz="1100">
+                              <a:effectLst/>
+                            </a:rPr>
+                            <a:t>Standard 3</a:t>
+                          </a:r>
+                          <a:endParaRPr lang="it-IT" sz="1100">
+                            <a:effectLst/>
+                            <a:latin typeface="Times New Roman" panose="02020603050405020304" pitchFamily="18" charset="0"/>
+                            <a:ea typeface="Times New Roman" panose="02020603050405020304" pitchFamily="18" charset="0"/>
+                          </a:endParaRPr>
+                        </a:p>
+                      </a:txBody>
+                      <a:tcPr marL="60735" marR="60735" marT="0" marB="0" anchor="ctr"/>
+                    </a:tc>
+                    <a:tc>
+                      <a:txBody>
+                        <a:bodyPr/>
+                        <a:lstStyle/>
+                        <a:p>
+                          <a:pPr algn="ctr"/>
+                          <a:r>
+                            <a:rPr lang="en-GB" sz="1100">
+                              <a:effectLst/>
+                            </a:rPr>
+                            <a:t>17464.4130</a:t>
+                          </a:r>
+                          <a:endParaRPr lang="it-IT" sz="1100">
+                            <a:effectLst/>
+                            <a:latin typeface="Times New Roman" panose="02020603050405020304" pitchFamily="18" charset="0"/>
+                            <a:ea typeface="Times New Roman" panose="02020603050405020304" pitchFamily="18" charset="0"/>
+                          </a:endParaRPr>
+                        </a:p>
+                      </a:txBody>
+                      <a:tcPr marL="60735" marR="60735" marT="0" marB="0" anchor="ctr"/>
+                    </a:tc>
+                    <a:tc>
+                      <a:txBody>
+                        <a:bodyPr/>
+                        <a:lstStyle/>
+                        <a:p>
+                          <a:pPr algn="ctr"/>
+                          <a:r>
+                            <a:rPr lang="en-GB" sz="1100" dirty="0">
+                              <a:effectLst/>
+                            </a:rPr>
+                            <a:t>4.8512</a:t>
+                          </a:r>
+                          <a:endParaRPr lang="it-IT" sz="1100" dirty="0">
+                            <a:effectLst/>
+                            <a:latin typeface="Times New Roman" panose="02020603050405020304" pitchFamily="18" charset="0"/>
+                            <a:ea typeface="Times New Roman" panose="02020603050405020304" pitchFamily="18" charset="0"/>
+                          </a:endParaRPr>
+                        </a:p>
+                      </a:txBody>
+                      <a:tcPr marL="60735" marR="60735" marT="0" marB="0" anchor="ctr"/>
+                    </a:tc>
+                    <a:tc>
+                      <a:txBody>
+                        <a:bodyPr/>
+                        <a:lstStyle/>
+                        <a:p>
+                          <a:pPr algn="ctr"/>
+                          <a:r>
+                            <a:rPr lang="en-GB" sz="1100">
+                              <a:effectLst/>
+                            </a:rPr>
+                            <a:t>7.1222</a:t>
+                          </a:r>
+                          <a:endParaRPr lang="it-IT" sz="1100">
+                            <a:effectLst/>
+                            <a:latin typeface="Times New Roman" panose="02020603050405020304" pitchFamily="18" charset="0"/>
+                            <a:ea typeface="Times New Roman" panose="02020603050405020304" pitchFamily="18" charset="0"/>
+                          </a:endParaRPr>
+                        </a:p>
+                      </a:txBody>
+                      <a:tcPr marL="60735" marR="60735" marT="0" marB="0" anchor="ctr"/>
+                    </a:tc>
+                    <a:extLst>
+                      <a:ext uri="{0D108BD9-81ED-4DB2-BD59-A6C34878D82A}">
+                        <a16:rowId xmlns:a16="http://schemas.microsoft.com/office/drawing/2014/main" val="3603318245"/>
+                      </a:ext>
+                    </a:extLst>
+                  </a:tr>
+                  <a:tr h="347293">
+                    <a:tc>
+                      <a:txBody>
+                        <a:bodyPr/>
+                        <a:lstStyle/>
+                        <a:p>
+                          <a:pPr algn="ctr"/>
+                          <a:r>
+                            <a:rPr lang="en-GB" sz="1100" dirty="0">
+                              <a:effectLst/>
+                            </a:rPr>
+                            <a:t>Standard 4</a:t>
+                          </a:r>
+                          <a:endParaRPr lang="it-IT" sz="1100" dirty="0">
+                            <a:effectLst/>
+                            <a:latin typeface="Times New Roman" panose="02020603050405020304" pitchFamily="18" charset="0"/>
+                            <a:ea typeface="Times New Roman" panose="02020603050405020304" pitchFamily="18" charset="0"/>
+                          </a:endParaRPr>
+                        </a:p>
+                      </a:txBody>
+                      <a:tcPr marL="60735" marR="60735" marT="0" marB="0" anchor="ctr"/>
+                    </a:tc>
+                    <a:tc>
+                      <a:txBody>
+                        <a:bodyPr/>
+                        <a:lstStyle/>
+                        <a:p>
+                          <a:pPr algn="ctr"/>
+                          <a:r>
+                            <a:rPr lang="en-GB" sz="1100">
+                              <a:effectLst/>
+                            </a:rPr>
+                            <a:t>21973.3098</a:t>
+                          </a:r>
+                          <a:endParaRPr lang="it-IT" sz="1100">
+                            <a:effectLst/>
+                            <a:latin typeface="Times New Roman" panose="02020603050405020304" pitchFamily="18" charset="0"/>
+                            <a:ea typeface="Times New Roman" panose="02020603050405020304" pitchFamily="18" charset="0"/>
+                          </a:endParaRPr>
+                        </a:p>
+                      </a:txBody>
+                      <a:tcPr marL="60735" marR="60735" marT="0" marB="0" anchor="ctr"/>
+                    </a:tc>
+                    <a:tc>
+                      <a:txBody>
+                        <a:bodyPr/>
+                        <a:lstStyle/>
+                        <a:p>
+                          <a:pPr algn="ctr"/>
+                          <a:r>
+                            <a:rPr lang="en-GB" sz="1100" dirty="0">
+                              <a:effectLst/>
+                            </a:rPr>
+                            <a:t>6.1037</a:t>
+                          </a:r>
+                          <a:endParaRPr lang="it-IT" sz="1100" dirty="0">
+                            <a:effectLst/>
+                            <a:latin typeface="Times New Roman" panose="02020603050405020304" pitchFamily="18" charset="0"/>
+                            <a:ea typeface="Times New Roman" panose="02020603050405020304" pitchFamily="18" charset="0"/>
+                          </a:endParaRPr>
+                        </a:p>
+                      </a:txBody>
+                      <a:tcPr marL="60735" marR="60735" marT="0" marB="0" anchor="ctr"/>
+                    </a:tc>
+                    <a:tc>
+                      <a:txBody>
+                        <a:bodyPr/>
+                        <a:lstStyle/>
+                        <a:p>
+                          <a:pPr algn="ctr"/>
+                          <a:r>
+                            <a:rPr lang="en-GB" sz="1100">
+                              <a:effectLst/>
+                            </a:rPr>
+                            <a:t>6.6614</a:t>
+                          </a:r>
+                          <a:endParaRPr lang="it-IT" sz="1100">
+                            <a:effectLst/>
+                            <a:latin typeface="Times New Roman" panose="02020603050405020304" pitchFamily="18" charset="0"/>
+                            <a:ea typeface="Times New Roman" panose="02020603050405020304" pitchFamily="18" charset="0"/>
+                          </a:endParaRPr>
+                        </a:p>
+                      </a:txBody>
+                      <a:tcPr marL="60735" marR="60735" marT="0" marB="0" anchor="ctr"/>
+                    </a:tc>
+                    <a:extLst>
+                      <a:ext uri="{0D108BD9-81ED-4DB2-BD59-A6C34878D82A}">
+                        <a16:rowId xmlns:a16="http://schemas.microsoft.com/office/drawing/2014/main" val="4024678429"/>
+                      </a:ext>
+                    </a:extLst>
+                  </a:tr>
+                  <a:tr h="347293">
+                    <a:tc>
+                      <a:txBody>
+                        <a:bodyPr/>
+                        <a:lstStyle/>
+                        <a:p>
+                          <a:pPr algn="ctr"/>
+                          <a:r>
+                            <a:rPr lang="en-GB" sz="1100">
+                              <a:effectLst/>
+                            </a:rPr>
+                            <a:t>Standard 5</a:t>
+                          </a:r>
+                          <a:endParaRPr lang="it-IT" sz="1100">
+                            <a:effectLst/>
+                            <a:latin typeface="Times New Roman" panose="02020603050405020304" pitchFamily="18" charset="0"/>
+                            <a:ea typeface="Times New Roman" panose="02020603050405020304" pitchFamily="18" charset="0"/>
+                          </a:endParaRPr>
+                        </a:p>
+                      </a:txBody>
+                      <a:tcPr marL="60735" marR="60735" marT="0" marB="0" anchor="ctr"/>
+                    </a:tc>
+                    <a:tc>
+                      <a:txBody>
+                        <a:bodyPr/>
+                        <a:lstStyle/>
+                        <a:p>
+                          <a:pPr algn="ctr"/>
+                          <a:r>
+                            <a:rPr lang="en-GB" sz="1100">
+                              <a:effectLst/>
+                            </a:rPr>
+                            <a:t>18728.5707</a:t>
+                          </a:r>
+                          <a:endParaRPr lang="it-IT" sz="1100">
+                            <a:effectLst/>
+                            <a:latin typeface="Times New Roman" panose="02020603050405020304" pitchFamily="18" charset="0"/>
+                            <a:ea typeface="Times New Roman" panose="02020603050405020304" pitchFamily="18" charset="0"/>
+                          </a:endParaRPr>
+                        </a:p>
+                      </a:txBody>
+                      <a:tcPr marL="60735" marR="60735" marT="0" marB="0" anchor="ctr"/>
+                    </a:tc>
+                    <a:tc>
+                      <a:txBody>
+                        <a:bodyPr/>
+                        <a:lstStyle/>
+                        <a:p>
+                          <a:pPr algn="ctr"/>
+                          <a:r>
+                            <a:rPr lang="en-GB" sz="1100">
+                              <a:effectLst/>
+                            </a:rPr>
+                            <a:t>5.2024</a:t>
+                          </a:r>
+                          <a:endParaRPr lang="it-IT" sz="1100">
+                            <a:effectLst/>
+                            <a:latin typeface="Times New Roman" panose="02020603050405020304" pitchFamily="18" charset="0"/>
+                            <a:ea typeface="Times New Roman" panose="02020603050405020304" pitchFamily="18" charset="0"/>
+                          </a:endParaRPr>
+                        </a:p>
+                      </a:txBody>
+                      <a:tcPr marL="60735" marR="60735" marT="0" marB="0" anchor="ctr"/>
+                    </a:tc>
+                    <a:tc>
+                      <a:txBody>
+                        <a:bodyPr/>
+                        <a:lstStyle/>
+                        <a:p>
+                          <a:pPr algn="ctr"/>
+                          <a:r>
+                            <a:rPr lang="en-GB" sz="1100">
+                              <a:effectLst/>
+                            </a:rPr>
+                            <a:t>9.0993</a:t>
+                          </a:r>
+                          <a:endParaRPr lang="it-IT" sz="1100">
+                            <a:effectLst/>
+                            <a:latin typeface="Times New Roman" panose="02020603050405020304" pitchFamily="18" charset="0"/>
+                            <a:ea typeface="Times New Roman" panose="02020603050405020304" pitchFamily="18" charset="0"/>
+                          </a:endParaRPr>
+                        </a:p>
+                      </a:txBody>
+                      <a:tcPr marL="60735" marR="60735" marT="0" marB="0" anchor="ctr"/>
+                    </a:tc>
+                    <a:extLst>
+                      <a:ext uri="{0D108BD9-81ED-4DB2-BD59-A6C34878D82A}">
+                        <a16:rowId xmlns:a16="http://schemas.microsoft.com/office/drawing/2014/main" val="4067453794"/>
+                      </a:ext>
+                    </a:extLst>
+                  </a:tr>
+                  <a:tr h="347293">
+                    <a:tc>
+                      <a:txBody>
+                        <a:bodyPr/>
+                        <a:lstStyle/>
+                        <a:p>
+                          <a:pPr algn="ctr"/>
+                          <a:r>
+                            <a:rPr lang="en-GB" sz="1100">
+                              <a:effectLst/>
+                            </a:rPr>
+                            <a:t>Standard 6</a:t>
+                          </a:r>
+                          <a:endParaRPr lang="it-IT" sz="1100">
+                            <a:effectLst/>
+                            <a:latin typeface="Times New Roman" panose="02020603050405020304" pitchFamily="18" charset="0"/>
+                            <a:ea typeface="Times New Roman" panose="02020603050405020304" pitchFamily="18" charset="0"/>
+                          </a:endParaRPr>
+                        </a:p>
+                      </a:txBody>
+                      <a:tcPr marL="60735" marR="60735" marT="0" marB="0" anchor="ctr"/>
+                    </a:tc>
+                    <a:tc>
+                      <a:txBody>
+                        <a:bodyPr/>
+                        <a:lstStyle/>
+                        <a:p>
+                          <a:pPr algn="ctr"/>
+                          <a:r>
+                            <a:rPr lang="en-GB" sz="1100">
+                              <a:effectLst/>
+                            </a:rPr>
+                            <a:t>28868.3598</a:t>
+                          </a:r>
+                          <a:endParaRPr lang="it-IT" sz="1100">
+                            <a:effectLst/>
+                            <a:latin typeface="Times New Roman" panose="02020603050405020304" pitchFamily="18" charset="0"/>
+                            <a:ea typeface="Times New Roman" panose="02020603050405020304" pitchFamily="18" charset="0"/>
+                          </a:endParaRPr>
+                        </a:p>
+                      </a:txBody>
+                      <a:tcPr marL="60735" marR="60735" marT="0" marB="0" anchor="ctr"/>
+                    </a:tc>
+                    <a:tc>
+                      <a:txBody>
+                        <a:bodyPr/>
+                        <a:lstStyle/>
+                        <a:p>
+                          <a:pPr algn="ctr"/>
+                          <a:r>
+                            <a:rPr lang="en-GB" sz="1100" dirty="0">
+                              <a:effectLst/>
+                            </a:rPr>
+                            <a:t>8.0190</a:t>
+                          </a:r>
+                          <a:endParaRPr lang="it-IT" sz="1100" dirty="0">
+                            <a:effectLst/>
+                            <a:latin typeface="Times New Roman" panose="02020603050405020304" pitchFamily="18" charset="0"/>
+                            <a:ea typeface="Times New Roman" panose="02020603050405020304" pitchFamily="18" charset="0"/>
+                          </a:endParaRPr>
+                        </a:p>
+                      </a:txBody>
+                      <a:tcPr marL="60735" marR="60735" marT="0" marB="0" anchor="ctr"/>
+                    </a:tc>
+                    <a:tc>
+                      <a:txBody>
+                        <a:bodyPr/>
+                        <a:lstStyle/>
+                        <a:p>
+                          <a:pPr algn="ctr"/>
+                          <a:r>
+                            <a:rPr lang="en-GB" sz="1100">
+                              <a:effectLst/>
+                            </a:rPr>
+                            <a:t>9.1511</a:t>
+                          </a:r>
+                          <a:endParaRPr lang="it-IT" sz="1100">
+                            <a:effectLst/>
+                            <a:latin typeface="Times New Roman" panose="02020603050405020304" pitchFamily="18" charset="0"/>
+                            <a:ea typeface="Times New Roman" panose="02020603050405020304" pitchFamily="18" charset="0"/>
+                          </a:endParaRPr>
+                        </a:p>
+                      </a:txBody>
+                      <a:tcPr marL="60735" marR="60735" marT="0" marB="0" anchor="ctr"/>
+                    </a:tc>
+                    <a:extLst>
+                      <a:ext uri="{0D108BD9-81ED-4DB2-BD59-A6C34878D82A}">
+                        <a16:rowId xmlns:a16="http://schemas.microsoft.com/office/drawing/2014/main" val="3261692538"/>
+                      </a:ext>
+                    </a:extLst>
+                  </a:tr>
+                  <a:tr h="347293">
+                    <a:tc>
+                      <a:txBody>
+                        <a:bodyPr/>
+                        <a:lstStyle/>
+                        <a:p>
+                          <a:pPr algn="ctr"/>
+                          <a:r>
+                            <a:rPr lang="en-GB" sz="1100">
+                              <a:effectLst/>
+                            </a:rPr>
+                            <a:t>Standard 7</a:t>
+                          </a:r>
+                          <a:endParaRPr lang="it-IT" sz="1100">
+                            <a:effectLst/>
+                            <a:latin typeface="Times New Roman" panose="02020603050405020304" pitchFamily="18" charset="0"/>
+                            <a:ea typeface="Times New Roman" panose="02020603050405020304" pitchFamily="18" charset="0"/>
+                          </a:endParaRPr>
+                        </a:p>
+                      </a:txBody>
+                      <a:tcPr marL="60735" marR="60735" marT="0" marB="0" anchor="ctr"/>
+                    </a:tc>
+                    <a:tc>
+                      <a:txBody>
+                        <a:bodyPr/>
+                        <a:lstStyle/>
+                        <a:p>
+                          <a:pPr algn="ctr"/>
+                          <a:r>
+                            <a:rPr lang="en-GB" sz="1100">
+                              <a:effectLst/>
+                            </a:rPr>
+                            <a:t>15603.0824</a:t>
+                          </a:r>
+                          <a:endParaRPr lang="it-IT" sz="1100">
+                            <a:effectLst/>
+                            <a:latin typeface="Times New Roman" panose="02020603050405020304" pitchFamily="18" charset="0"/>
+                            <a:ea typeface="Times New Roman" panose="02020603050405020304" pitchFamily="18" charset="0"/>
+                          </a:endParaRPr>
+                        </a:p>
+                      </a:txBody>
+                      <a:tcPr marL="60735" marR="60735" marT="0" marB="0" anchor="ctr"/>
+                    </a:tc>
+                    <a:tc>
+                      <a:txBody>
+                        <a:bodyPr/>
+                        <a:lstStyle/>
+                        <a:p>
+                          <a:pPr algn="ctr"/>
+                          <a:r>
+                            <a:rPr lang="en-GB" sz="1100" dirty="0">
+                              <a:effectLst/>
+                            </a:rPr>
+                            <a:t>4.3342</a:t>
+                          </a:r>
+                          <a:endParaRPr lang="it-IT" sz="1100" dirty="0">
+                            <a:effectLst/>
+                            <a:latin typeface="Times New Roman" panose="02020603050405020304" pitchFamily="18" charset="0"/>
+                            <a:ea typeface="Times New Roman" panose="02020603050405020304" pitchFamily="18" charset="0"/>
+                          </a:endParaRPr>
+                        </a:p>
+                      </a:txBody>
+                      <a:tcPr marL="60735" marR="60735" marT="0" marB="0" anchor="ctr"/>
+                    </a:tc>
+                    <a:tc>
+                      <a:txBody>
+                        <a:bodyPr/>
+                        <a:lstStyle/>
+                        <a:p>
+                          <a:pPr algn="ctr"/>
+                          <a:r>
+                            <a:rPr lang="en-GB" sz="1100">
+                              <a:effectLst/>
+                            </a:rPr>
+                            <a:t>7.4603</a:t>
+                          </a:r>
+                          <a:endParaRPr lang="it-IT" sz="1100">
+                            <a:effectLst/>
+                            <a:latin typeface="Times New Roman" panose="02020603050405020304" pitchFamily="18" charset="0"/>
+                            <a:ea typeface="Times New Roman" panose="02020603050405020304" pitchFamily="18" charset="0"/>
+                          </a:endParaRPr>
+                        </a:p>
+                      </a:txBody>
+                      <a:tcPr marL="60735" marR="60735" marT="0" marB="0" anchor="ctr"/>
+                    </a:tc>
+                    <a:extLst>
+                      <a:ext uri="{0D108BD9-81ED-4DB2-BD59-A6C34878D82A}">
+                        <a16:rowId xmlns:a16="http://schemas.microsoft.com/office/drawing/2014/main" val="3368877454"/>
+                      </a:ext>
+                    </a:extLst>
+                  </a:tr>
+                  <a:tr h="347293">
+                    <a:tc>
+                      <a:txBody>
+                        <a:bodyPr/>
+                        <a:lstStyle/>
+                        <a:p>
+                          <a:pPr algn="ctr"/>
+                          <a:r>
+                            <a:rPr lang="en-GB" sz="1100">
+                              <a:effectLst/>
+                            </a:rPr>
+                            <a:t>Standard 8</a:t>
+                          </a:r>
+                          <a:endParaRPr lang="it-IT" sz="1100">
+                            <a:effectLst/>
+                            <a:latin typeface="Times New Roman" panose="02020603050405020304" pitchFamily="18" charset="0"/>
+                            <a:ea typeface="Times New Roman" panose="02020603050405020304" pitchFamily="18" charset="0"/>
+                          </a:endParaRPr>
+                        </a:p>
+                      </a:txBody>
+                      <a:tcPr marL="60735" marR="60735" marT="0" marB="0" anchor="ctr"/>
+                    </a:tc>
+                    <a:tc>
+                      <a:txBody>
+                        <a:bodyPr/>
+                        <a:lstStyle/>
+                        <a:p>
+                          <a:pPr algn="ctr"/>
+                          <a:r>
+                            <a:rPr lang="en-GB" sz="1100">
+                              <a:effectLst/>
+                            </a:rPr>
+                            <a:t>14421.7183</a:t>
+                          </a:r>
+                          <a:endParaRPr lang="it-IT" sz="1100">
+                            <a:effectLst/>
+                            <a:latin typeface="Times New Roman" panose="02020603050405020304" pitchFamily="18" charset="0"/>
+                            <a:ea typeface="Times New Roman" panose="02020603050405020304" pitchFamily="18" charset="0"/>
+                          </a:endParaRPr>
+                        </a:p>
+                      </a:txBody>
+                      <a:tcPr marL="60735" marR="60735" marT="0" marB="0" anchor="ctr"/>
+                    </a:tc>
+                    <a:tc>
+                      <a:txBody>
+                        <a:bodyPr/>
+                        <a:lstStyle/>
+                        <a:p>
+                          <a:pPr algn="ctr"/>
+                          <a:r>
+                            <a:rPr lang="en-GB" sz="1100" dirty="0">
+                              <a:effectLst/>
+                            </a:rPr>
+                            <a:t>4.0060</a:t>
+                          </a:r>
+                          <a:endParaRPr lang="it-IT" sz="1100" dirty="0">
+                            <a:effectLst/>
+                            <a:latin typeface="Times New Roman" panose="02020603050405020304" pitchFamily="18" charset="0"/>
+                            <a:ea typeface="Times New Roman" panose="02020603050405020304" pitchFamily="18" charset="0"/>
+                          </a:endParaRPr>
+                        </a:p>
+                      </a:txBody>
+                      <a:tcPr marL="60735" marR="60735" marT="0" marB="0" anchor="ctr"/>
+                    </a:tc>
+                    <a:tc>
+                      <a:txBody>
+                        <a:bodyPr/>
+                        <a:lstStyle/>
+                        <a:p>
+                          <a:pPr algn="ctr"/>
+                          <a:r>
+                            <a:rPr lang="en-GB" sz="1100" dirty="0">
+                              <a:effectLst/>
+                            </a:rPr>
+                            <a:t>7.4767</a:t>
+                          </a:r>
+                          <a:endParaRPr lang="it-IT" sz="1100" dirty="0">
+                            <a:effectLst/>
+                            <a:latin typeface="Times New Roman" panose="02020603050405020304" pitchFamily="18" charset="0"/>
+                            <a:ea typeface="Times New Roman" panose="02020603050405020304" pitchFamily="18" charset="0"/>
+                          </a:endParaRPr>
+                        </a:p>
+                      </a:txBody>
+                      <a:tcPr marL="60735" marR="60735" marT="0" marB="0" anchor="ctr"/>
+                    </a:tc>
+                    <a:extLst>
+                      <a:ext uri="{0D108BD9-81ED-4DB2-BD59-A6C34878D82A}">
+                        <a16:rowId xmlns:a16="http://schemas.microsoft.com/office/drawing/2014/main" val="1147992986"/>
+                      </a:ext>
+                    </a:extLst>
+                  </a:tr>
+                </a:tbl>
+              </a:graphicData>
+            </a:graphic>
+          </p:graphicFrame>
+        </mc:Fallback>
+      </mc:AlternateContent>
     </p:spTree>
   </p:cSld>
   <p:clrMapOvr>
@@ -2764,7 +4924,7 @@
         </p:blipFill>
         <p:spPr>
           <a:xfrm>
-            <a:off x="4419600" y="1392493"/>
+            <a:off x="4483116" y="1348315"/>
             <a:ext cx="4523232" cy="4073013"/>
           </a:xfrm>
           <a:prstGeom prst="rect">
@@ -2772,6 +4932,720 @@
           </a:prstGeom>
         </p:spPr>
       </p:pic>
+      <mc:AlternateContent xmlns:mc="http://schemas.openxmlformats.org/markup-compatibility/2006">
+        <mc:Choice xmlns:a14="http://schemas.microsoft.com/office/drawing/2010/main" Requires="a14">
+          <p:sp>
+            <p:nvSpPr>
+              <p:cNvPr id="10" name="CasellaDiTesto 9">
+                <a:extLst>
+                  <a:ext uri="{FF2B5EF4-FFF2-40B4-BE49-F238E27FC236}">
+                    <a16:creationId xmlns:a16="http://schemas.microsoft.com/office/drawing/2014/main" id="{6BFFEB62-EAAC-9384-FD64-39E76FF235EC}"/>
+                  </a:ext>
+                </a:extLst>
+              </p:cNvPr>
+              <p:cNvSpPr txBox="1"/>
+              <p:nvPr/>
+            </p:nvSpPr>
+            <p:spPr>
+              <a:xfrm>
+                <a:off x="5105400" y="5486400"/>
+                <a:ext cx="3761232" cy="1045286"/>
+              </a:xfrm>
+              <a:prstGeom prst="rect">
+                <a:avLst/>
+              </a:prstGeom>
+              <a:noFill/>
+            </p:spPr>
+            <p:txBody>
+              <a:bodyPr wrap="square">
+                <a:spAutoFit/>
+              </a:bodyPr>
+              <a:lstStyle/>
+              <a:p>
+                <a14:m>
+                  <m:oMath xmlns:m="http://schemas.openxmlformats.org/officeDocument/2006/math">
+                    <m:sSub>
+                      <m:sSubPr>
+                        <m:ctrlPr>
+                          <a:rPr lang="en-GB" sz="1800" i="1" smtClean="0">
+                            <a:effectLst/>
+                            <a:latin typeface="Cambria Math" panose="02040503050406030204" pitchFamily="18" charset="0"/>
+                          </a:rPr>
+                        </m:ctrlPr>
+                      </m:sSubPr>
+                      <m:e>
+                        <m:r>
+                          <m:rPr>
+                            <m:sty m:val="p"/>
+                          </m:rPr>
+                          <a:rPr lang="en-GB">
+                            <a:latin typeface="Cambria Math" panose="02040503050406030204" pitchFamily="18" charset="0"/>
+                          </a:rPr>
+                          <m:t>Δ</m:t>
+                        </m:r>
+                        <m:r>
+                          <a:rPr lang="en-GB">
+                            <a:latin typeface="Cambria Math" panose="02040503050406030204" pitchFamily="18" charset="0"/>
+                          </a:rPr>
+                          <m:t>𝑣</m:t>
+                        </m:r>
+                      </m:e>
+                      <m:sub>
+                        <m:r>
+                          <a:rPr lang="it-IT" sz="1800" b="0" i="1" smtClean="0">
+                            <a:effectLst/>
+                            <a:latin typeface="Cambria Math" panose="02040503050406030204" pitchFamily="18" charset="0"/>
+                          </a:rPr>
+                          <m:t>𝑡𝑜𝑡</m:t>
+                        </m:r>
+                      </m:sub>
+                    </m:sSub>
+                    <m:r>
+                      <a:rPr lang="it-IT" sz="1800" b="0" i="1" smtClean="0">
+                        <a:effectLst/>
+                        <a:latin typeface="Cambria Math" panose="02040503050406030204" pitchFamily="18" charset="0"/>
+                      </a:rPr>
+                      <m:t>= </m:t>
+                    </m:r>
+                  </m:oMath>
+                </a14:m>
+                <a:r>
+                  <a:rPr lang="en-GB" i="1" dirty="0"/>
+                  <a:t>6.9762 </a:t>
+                </a:r>
+                <a:r>
+                  <a:rPr lang="en-GB" dirty="0"/>
+                  <a:t> </a:t>
+                </a:r>
+                <a14:m>
+                  <m:oMath xmlns:m="http://schemas.openxmlformats.org/officeDocument/2006/math">
+                    <m:f>
+                      <m:fPr>
+                        <m:ctrlPr>
+                          <a:rPr lang="en-GB" i="1">
+                            <a:latin typeface="Cambria Math" panose="02040503050406030204" pitchFamily="18" charset="0"/>
+                          </a:rPr>
+                        </m:ctrlPr>
+                      </m:fPr>
+                      <m:num>
+                        <m:r>
+                          <a:rPr lang="en-GB">
+                            <a:latin typeface="Cambria Math" panose="02040503050406030204" pitchFamily="18" charset="0"/>
+                          </a:rPr>
+                          <m:t>𝑘𝑚</m:t>
+                        </m:r>
+                      </m:num>
+                      <m:den>
+                        <m:r>
+                          <a:rPr lang="en-GB">
+                            <a:latin typeface="Cambria Math" panose="02040503050406030204" pitchFamily="18" charset="0"/>
+                          </a:rPr>
+                          <m:t>𝑠</m:t>
+                        </m:r>
+                      </m:den>
+                    </m:f>
+                  </m:oMath>
+                </a14:m>
+                <a:endParaRPr lang="it-IT" dirty="0"/>
+              </a:p>
+              <a:p>
+                <a:endParaRPr lang="it-IT" dirty="0"/>
+              </a:p>
+              <a:p>
+                <a14:m>
+                  <m:oMath xmlns:m="http://schemas.openxmlformats.org/officeDocument/2006/math">
+                    <m:sSub>
+                      <m:sSubPr>
+                        <m:ctrlPr>
+                          <a:rPr lang="en-GB" sz="1800" i="1" smtClean="0">
+                            <a:effectLst/>
+                            <a:latin typeface="Cambria Math" panose="02040503050406030204" pitchFamily="18" charset="0"/>
+                          </a:rPr>
+                        </m:ctrlPr>
+                      </m:sSubPr>
+                      <m:e>
+                        <m:r>
+                          <m:rPr>
+                            <m:sty m:val="p"/>
+                          </m:rPr>
+                          <a:rPr lang="en-GB">
+                            <a:latin typeface="Cambria Math" panose="02040503050406030204" pitchFamily="18" charset="0"/>
+                          </a:rPr>
+                          <m:t>Δ</m:t>
+                        </m:r>
+                        <m:r>
+                          <m:rPr>
+                            <m:sty m:val="p"/>
+                          </m:rPr>
+                          <a:rPr lang="it-IT" b="0" i="0" smtClean="0">
+                            <a:latin typeface="Cambria Math" panose="02040503050406030204" pitchFamily="18" charset="0"/>
+                          </a:rPr>
+                          <m:t>t</m:t>
+                        </m:r>
+                      </m:e>
+                      <m:sub>
+                        <m:r>
+                          <a:rPr lang="it-IT" sz="1800" b="0" i="1" smtClean="0">
+                            <a:effectLst/>
+                            <a:latin typeface="Cambria Math" panose="02040503050406030204" pitchFamily="18" charset="0"/>
+                          </a:rPr>
+                          <m:t>𝑡𝑜𝑡</m:t>
+                        </m:r>
+                      </m:sub>
+                    </m:sSub>
+                    <m:r>
+                      <a:rPr lang="it-IT" sz="1800" b="0" i="1" smtClean="0">
+                        <a:effectLst/>
+                        <a:latin typeface="Cambria Math" panose="02040503050406030204" pitchFamily="18" charset="0"/>
+                      </a:rPr>
+                      <m:t>= </m:t>
+                    </m:r>
+                  </m:oMath>
+                </a14:m>
+                <a:r>
+                  <a:rPr lang="en-GB" dirty="0"/>
+                  <a:t>9.0027</a:t>
+                </a:r>
+                <a:r>
+                  <a:rPr lang="it-IT" dirty="0">
+                    <a:latin typeface="Times New Roman" panose="02020603050405020304" pitchFamily="18" charset="0"/>
+                  </a:rPr>
+                  <a:t> </a:t>
+                </a:r>
+                <a14:m>
+                  <m:oMath xmlns:m="http://schemas.openxmlformats.org/officeDocument/2006/math">
+                    <m:r>
+                      <a:rPr lang="en-GB">
+                        <a:latin typeface="Cambria Math" panose="02040503050406030204" pitchFamily="18" charset="0"/>
+                      </a:rPr>
+                      <m:t>h</m:t>
+                    </m:r>
+                  </m:oMath>
+                </a14:m>
+                <a:r>
+                  <a:rPr lang="en-GB" dirty="0"/>
+                  <a:t> = </a:t>
+                </a:r>
+                <a14:m>
+                  <m:oMath xmlns:m="http://schemas.openxmlformats.org/officeDocument/2006/math">
+                    <m:r>
+                      <a:rPr lang="it-IT" b="0" i="0" smtClean="0">
+                        <a:latin typeface="Cambria Math" panose="02040503050406030204" pitchFamily="18" charset="0"/>
+                      </a:rPr>
+                      <m:t>32409.9559</m:t>
+                    </m:r>
+                    <m:r>
+                      <a:rPr lang="it-IT" b="0" i="0" smtClean="0">
+                        <a:latin typeface="Cambria Math" panose="02040503050406030204" pitchFamily="18" charset="0"/>
+                      </a:rPr>
+                      <m:t> </m:t>
+                    </m:r>
+                    <m:r>
+                      <a:rPr lang="en-GB">
+                        <a:latin typeface="Cambria Math" panose="02040503050406030204" pitchFamily="18" charset="0"/>
+                      </a:rPr>
+                      <m:t>𝑠</m:t>
+                    </m:r>
+                  </m:oMath>
+                </a14:m>
+                <a:endParaRPr lang="it-IT" dirty="0"/>
+              </a:p>
+            </p:txBody>
+          </p:sp>
+        </mc:Choice>
+        <mc:Fallback>
+          <p:sp>
+            <p:nvSpPr>
+              <p:cNvPr id="10" name="CasellaDiTesto 9">
+                <a:extLst>
+                  <a:ext uri="{FF2B5EF4-FFF2-40B4-BE49-F238E27FC236}">
+                    <a16:creationId xmlns:a16="http://schemas.microsoft.com/office/drawing/2014/main" id="{6BFFEB62-EAAC-9384-FD64-39E76FF235EC}"/>
+                  </a:ext>
+                </a:extLst>
+              </p:cNvPr>
+              <p:cNvSpPr txBox="1">
+                <a:spLocks noRot="1" noChangeAspect="1" noMove="1" noResize="1" noEditPoints="1" noAdjustHandles="1" noChangeArrowheads="1" noChangeShapeType="1" noTextEdit="1"/>
+              </p:cNvSpPr>
+              <p:nvPr/>
+            </p:nvSpPr>
+            <p:spPr>
+              <a:xfrm>
+                <a:off x="5105400" y="5486400"/>
+                <a:ext cx="3761232" cy="1045286"/>
+              </a:xfrm>
+              <a:prstGeom prst="rect">
+                <a:avLst/>
+              </a:prstGeom>
+              <a:blipFill>
+                <a:blip r:embed="rId3"/>
+                <a:stretch>
+                  <a:fillRect b="-8772"/>
+                </a:stretch>
+              </a:blipFill>
+            </p:spPr>
+            <p:txBody>
+              <a:bodyPr/>
+              <a:lstStyle/>
+              <a:p>
+                <a:r>
+                  <a:rPr lang="it-IT">
+                    <a:noFill/>
+                  </a:rPr>
+                  <a:t> </a:t>
+                </a:r>
+              </a:p>
+            </p:txBody>
+          </p:sp>
+        </mc:Fallback>
+      </mc:AlternateContent>
+      <mc:AlternateContent xmlns:mc="http://schemas.openxmlformats.org/markup-compatibility/2006">
+        <mc:Choice xmlns:a14="http://schemas.microsoft.com/office/drawing/2010/main" Requires="a14">
+          <p:sp>
+            <p:nvSpPr>
+              <p:cNvPr id="12" name="CasellaDiTesto 11">
+                <a:extLst>
+                  <a:ext uri="{FF2B5EF4-FFF2-40B4-BE49-F238E27FC236}">
+                    <a16:creationId xmlns:a16="http://schemas.microsoft.com/office/drawing/2014/main" id="{7C415614-5E2F-6006-D183-91E2E167ED80}"/>
+                  </a:ext>
+                </a:extLst>
+              </p:cNvPr>
+              <p:cNvSpPr txBox="1"/>
+              <p:nvPr/>
+            </p:nvSpPr>
+            <p:spPr>
+              <a:xfrm>
+                <a:off x="154494" y="1600200"/>
+                <a:ext cx="4400868" cy="4269567"/>
+              </a:xfrm>
+              <a:prstGeom prst="rect">
+                <a:avLst/>
+              </a:prstGeom>
+              <a:noFill/>
+            </p:spPr>
+            <p:txBody>
+              <a:bodyPr wrap="square">
+                <a:spAutoFit/>
+              </a:bodyPr>
+              <a:lstStyle/>
+              <a:p>
+                <a:pPr marL="285750" indent="-285750">
+                  <a:buFont typeface="Arial" panose="020B0604020202020204" pitchFamily="34" charset="0"/>
+                  <a:buChar char="•"/>
+                </a:pPr>
+                <a:r>
+                  <a:rPr lang="it-IT" sz="1800" dirty="0">
+                    <a:effectLst/>
+                    <a:latin typeface="Times New Roman" panose="02020603050405020304" pitchFamily="18" charset="0"/>
+                    <a:ea typeface="Times New Roman" panose="02020603050405020304" pitchFamily="18" charset="0"/>
+                  </a:rPr>
+                  <a:t>Trasferimento bitangente dal pericentro dell'orbita iniziale all'orbita di trasferimento circolare</a:t>
+                </a:r>
+                <a:r>
+                  <a:rPr lang="it-IT" dirty="0">
+                    <a:latin typeface="Times New Roman" panose="02020603050405020304" pitchFamily="18" charset="0"/>
+                    <a:ea typeface="Times New Roman" panose="02020603050405020304" pitchFamily="18" charset="0"/>
+                  </a:rPr>
+                  <a:t> </a:t>
+                </a:r>
+                <a14:m>
+                  <m:oMath xmlns:m="http://schemas.openxmlformats.org/officeDocument/2006/math">
+                    <m:sSub>
+                      <m:sSubPr>
+                        <m:ctrlPr>
+                          <a:rPr lang="it-IT" i="1" smtClean="0">
+                            <a:latin typeface="Cambria Math" panose="02040503050406030204" pitchFamily="18" charset="0"/>
+                          </a:rPr>
+                        </m:ctrlPr>
+                      </m:sSubPr>
+                      <m:e>
+                        <m:r>
+                          <a:rPr lang="it-IT" b="0" i="1" smtClean="0">
+                            <a:latin typeface="Cambria Math" panose="02040503050406030204" pitchFamily="18" charset="0"/>
+                          </a:rPr>
+                          <m:t>𝑟</m:t>
+                        </m:r>
+                      </m:e>
+                      <m:sub>
+                        <m:r>
+                          <a:rPr lang="it-IT" b="0" i="1" smtClean="0">
+                            <a:latin typeface="Cambria Math" panose="02040503050406030204" pitchFamily="18" charset="0"/>
+                          </a:rPr>
+                          <m:t>𝑐</m:t>
+                        </m:r>
+                      </m:sub>
+                    </m:sSub>
+                    <m:r>
+                      <a:rPr lang="it-IT" i="1" smtClean="0">
+                        <a:latin typeface="Cambria Math" panose="02040503050406030204" pitchFamily="18" charset="0"/>
+                        <a:ea typeface="Times New Roman" panose="02020603050405020304" pitchFamily="18" charset="0"/>
+                      </a:rPr>
+                      <m:t>=</m:t>
+                    </m:r>
+                    <m:sSub>
+                      <m:sSubPr>
+                        <m:ctrlPr>
+                          <a:rPr lang="it-IT" i="1" smtClean="0">
+                            <a:latin typeface="Cambria Math" panose="02040503050406030204" pitchFamily="18" charset="0"/>
+                          </a:rPr>
+                        </m:ctrlPr>
+                      </m:sSubPr>
+                      <m:e>
+                        <m:r>
+                          <a:rPr lang="it-IT" b="0" i="1" smtClean="0">
+                            <a:latin typeface="Cambria Math" panose="02040503050406030204" pitchFamily="18" charset="0"/>
+                          </a:rPr>
+                          <m:t>𝑟</m:t>
+                        </m:r>
+                      </m:e>
+                      <m:sub>
+                        <m:r>
+                          <a:rPr lang="it-IT" b="0" i="1" smtClean="0">
+                            <a:latin typeface="Cambria Math" panose="02040503050406030204" pitchFamily="18" charset="0"/>
+                          </a:rPr>
+                          <m:t>𝑎𝑓</m:t>
+                        </m:r>
+                      </m:sub>
+                    </m:sSub>
+                  </m:oMath>
+                </a14:m>
+                <a:r>
+                  <a:rPr lang="it-IT" dirty="0">
+                    <a:latin typeface="Times New Roman" panose="02020603050405020304" pitchFamily="18" charset="0"/>
+                    <a:ea typeface="Times New Roman" panose="02020603050405020304" pitchFamily="18" charset="0"/>
+                  </a:rPr>
+                  <a:t> </a:t>
+                </a:r>
+                <a:r>
+                  <a:rPr lang="it-IT" sz="1800" dirty="0">
+                    <a:effectLst/>
+                    <a:latin typeface="Times New Roman" panose="02020603050405020304" pitchFamily="18" charset="0"/>
+                    <a:ea typeface="Times New Roman" panose="02020603050405020304" pitchFamily="18" charset="0"/>
+                  </a:rPr>
+                  <a:t>(impulso 1 e 2)</a:t>
+                </a:r>
+              </a:p>
+              <a:p>
+                <a:r>
+                  <a:rPr lang="it-IT" sz="1800" dirty="0">
+                    <a:effectLst/>
+                    <a:latin typeface="Times New Roman" panose="02020603050405020304" pitchFamily="18" charset="0"/>
+                    <a:ea typeface="Times New Roman" panose="02020603050405020304" pitchFamily="18" charset="0"/>
+                  </a:rPr>
+                  <a:t> </a:t>
+                </a:r>
+              </a:p>
+              <a:p>
+                <a:pPr marL="285750" indent="-285750">
+                  <a:buFont typeface="Arial" panose="020B0604020202020204" pitchFamily="34" charset="0"/>
+                  <a:buChar char="•"/>
+                </a:pPr>
+                <a:r>
+                  <a:rPr lang="it-IT" sz="1800" dirty="0">
+                    <a:effectLst/>
+                    <a:latin typeface="Times New Roman" panose="02020603050405020304" pitchFamily="18" charset="0"/>
+                    <a:ea typeface="Times New Roman" panose="02020603050405020304" pitchFamily="18" charset="0"/>
+                  </a:rPr>
+                  <a:t>Cambio piano (impulso 3)</a:t>
+                </a:r>
+              </a:p>
+              <a:p>
+                <a:pPr marL="285750" indent="-285750">
+                  <a:buFont typeface="Arial" panose="020B0604020202020204" pitchFamily="34" charset="0"/>
+                  <a:buChar char="•"/>
+                </a:pPr>
+                <a:endParaRPr lang="it-IT" dirty="0">
+                  <a:latin typeface="Times New Roman" panose="02020603050405020304" pitchFamily="18" charset="0"/>
+                  <a:ea typeface="Times New Roman" panose="02020603050405020304" pitchFamily="18" charset="0"/>
+                </a:endParaRPr>
+              </a:p>
+              <a:p>
+                <a:pPr marL="285750" indent="-285750">
+                  <a:buFont typeface="Arial" panose="020B0604020202020204" pitchFamily="34" charset="0"/>
+                  <a:buChar char="•"/>
+                </a:pPr>
+                <a:r>
+                  <a:rPr lang="it-IT" dirty="0">
+                    <a:latin typeface="Times New Roman" panose="02020603050405020304" pitchFamily="18" charset="0"/>
+                    <a:ea typeface="Times New Roman" panose="02020603050405020304" pitchFamily="18" charset="0"/>
+                  </a:rPr>
+                  <a:t>Raggiungere intersezione tra orbita circolare e l’apocentro di quella finale</a:t>
+                </a:r>
+              </a:p>
+              <a:p>
+                <a:pPr marL="285750" indent="-285750">
+                  <a:buFont typeface="Arial" panose="020B0604020202020204" pitchFamily="34" charset="0"/>
+                  <a:buChar char="•"/>
+                </a:pPr>
+                <a:endParaRPr lang="it-IT" dirty="0">
+                  <a:latin typeface="Times New Roman" panose="02020603050405020304" pitchFamily="18" charset="0"/>
+                  <a:ea typeface="Times New Roman" panose="02020603050405020304" pitchFamily="18" charset="0"/>
+                </a:endParaRPr>
+              </a:p>
+              <a:p>
+                <a:pPr marL="285750" indent="-285750">
+                  <a:buFont typeface="Arial" panose="020B0604020202020204" pitchFamily="34" charset="0"/>
+                  <a:buChar char="•"/>
+                </a:pPr>
+                <a:r>
+                  <a:rPr lang="it-IT" dirty="0">
+                    <a:latin typeface="Times New Roman" panose="02020603050405020304" pitchFamily="18" charset="0"/>
+                    <a:ea typeface="Times New Roman" panose="02020603050405020304" pitchFamily="18" charset="0"/>
+                  </a:rPr>
+                  <a:t>Impulso 4</a:t>
+                </a:r>
+                <a:endParaRPr lang="it-IT" sz="1800" dirty="0">
+                  <a:effectLst/>
+                  <a:latin typeface="Times New Roman" panose="02020603050405020304" pitchFamily="18" charset="0"/>
+                  <a:ea typeface="Times New Roman" panose="02020603050405020304" pitchFamily="18" charset="0"/>
+                </a:endParaRPr>
+              </a:p>
+              <a:p>
+                <a:r>
+                  <a:rPr lang="it-IT" sz="1800" dirty="0">
+                    <a:effectLst/>
+                    <a:latin typeface="Times New Roman" panose="02020603050405020304" pitchFamily="18" charset="0"/>
+                    <a:ea typeface="Times New Roman" panose="02020603050405020304" pitchFamily="18" charset="0"/>
+                  </a:rPr>
+                  <a:t> </a:t>
+                </a:r>
+              </a:p>
+              <a:p>
+                <a:endParaRPr lang="it-IT" dirty="0">
+                  <a:latin typeface="Times New Roman" panose="02020603050405020304" pitchFamily="18" charset="0"/>
+                  <a:ea typeface="Times New Roman" panose="02020603050405020304" pitchFamily="18" charset="0"/>
+                </a:endParaRPr>
+              </a:p>
+              <a:p>
+                <a:r>
+                  <a:rPr lang="it-IT" dirty="0">
+                    <a:latin typeface="Times New Roman" panose="02020603050405020304" pitchFamily="18" charset="0"/>
+                    <a:ea typeface="Times New Roman" panose="02020603050405020304" pitchFamily="18" charset="0"/>
+                  </a:rPr>
+                  <a:t>Non presenta vantaggi rispetto alla strategia standard</a:t>
+                </a:r>
+                <a:endParaRPr lang="it-IT" sz="1800" dirty="0">
+                  <a:effectLst/>
+                  <a:latin typeface="Times New Roman" panose="02020603050405020304" pitchFamily="18" charset="0"/>
+                  <a:ea typeface="Times New Roman" panose="02020603050405020304" pitchFamily="18" charset="0"/>
+                </a:endParaRPr>
+              </a:p>
+            </p:txBody>
+          </p:sp>
+        </mc:Choice>
+        <mc:Fallback>
+          <p:sp>
+            <p:nvSpPr>
+              <p:cNvPr id="12" name="CasellaDiTesto 11">
+                <a:extLst>
+                  <a:ext uri="{FF2B5EF4-FFF2-40B4-BE49-F238E27FC236}">
+                    <a16:creationId xmlns:a16="http://schemas.microsoft.com/office/drawing/2014/main" id="{7C415614-5E2F-6006-D183-91E2E167ED80}"/>
+                  </a:ext>
+                </a:extLst>
+              </p:cNvPr>
+              <p:cNvSpPr txBox="1">
+                <a:spLocks noRot="1" noChangeAspect="1" noMove="1" noResize="1" noEditPoints="1" noAdjustHandles="1" noChangeArrowheads="1" noChangeShapeType="1" noTextEdit="1"/>
+              </p:cNvSpPr>
+              <p:nvPr/>
+            </p:nvSpPr>
+            <p:spPr>
+              <a:xfrm>
+                <a:off x="154494" y="1600200"/>
+                <a:ext cx="4400868" cy="4269567"/>
+              </a:xfrm>
+              <a:prstGeom prst="rect">
+                <a:avLst/>
+              </a:prstGeom>
+              <a:blipFill>
+                <a:blip r:embed="rId4"/>
+                <a:stretch>
+                  <a:fillRect l="-1108" t="-857" b="-1286"/>
+                </a:stretch>
+              </a:blipFill>
+            </p:spPr>
+            <p:txBody>
+              <a:bodyPr/>
+              <a:lstStyle/>
+              <a:p>
+                <a:r>
+                  <a:rPr lang="it-IT">
+                    <a:noFill/>
+                  </a:rPr>
+                  <a:t> </a:t>
+                </a:r>
+              </a:p>
+            </p:txBody>
+          </p:sp>
+        </mc:Fallback>
+      </mc:AlternateContent>
+      <mc:AlternateContent xmlns:mc="http://schemas.openxmlformats.org/markup-compatibility/2006">
+        <mc:Choice xmlns:a14="http://schemas.microsoft.com/office/drawing/2010/main" Requires="a14">
+          <p:sp>
+            <p:nvSpPr>
+              <p:cNvPr id="14" name="CasellaDiTesto 13">
+                <a:extLst>
+                  <a:ext uri="{FF2B5EF4-FFF2-40B4-BE49-F238E27FC236}">
+                    <a16:creationId xmlns:a16="http://schemas.microsoft.com/office/drawing/2014/main" id="{29F06499-BB41-C51F-C91D-41BB9E7D3F7D}"/>
+                  </a:ext>
+                </a:extLst>
+              </p:cNvPr>
+              <p:cNvSpPr txBox="1"/>
+              <p:nvPr/>
+            </p:nvSpPr>
+            <p:spPr>
+              <a:xfrm>
+                <a:off x="152400" y="934610"/>
+                <a:ext cx="8382000" cy="391582"/>
+              </a:xfrm>
+              <a:prstGeom prst="rect">
+                <a:avLst/>
+              </a:prstGeom>
+              <a:noFill/>
+            </p:spPr>
+            <p:txBody>
+              <a:bodyPr wrap="square">
+                <a:spAutoFit/>
+              </a:bodyPr>
+              <a:lstStyle/>
+              <a:p>
+                <a:r>
+                  <a:rPr lang="it-IT" dirty="0">
+                    <a:latin typeface="Times New Roman" panose="02020603050405020304" pitchFamily="18" charset="0"/>
+                    <a:ea typeface="Times New Roman" panose="02020603050405020304" pitchFamily="18" charset="0"/>
+                  </a:rPr>
+                  <a:t>Orbita </a:t>
+                </a:r>
+                <a:r>
+                  <a:rPr lang="it-IT" sz="1800" dirty="0">
+                    <a:effectLst/>
+                    <a:latin typeface="Times New Roman" panose="02020603050405020304" pitchFamily="18" charset="0"/>
+                    <a:ea typeface="Times New Roman" panose="02020603050405020304" pitchFamily="18" charset="0"/>
+                  </a:rPr>
+                  <a:t>circolare ausiliaria </a:t>
+                </a:r>
+                <a14:m>
+                  <m:oMath xmlns:m="http://schemas.openxmlformats.org/officeDocument/2006/math">
+                    <m:sSub>
+                      <m:sSubPr>
+                        <m:ctrlPr>
+                          <a:rPr lang="it-IT" i="1" smtClean="0">
+                            <a:latin typeface="Cambria Math" panose="02040503050406030204" pitchFamily="18" charset="0"/>
+                          </a:rPr>
+                        </m:ctrlPr>
+                      </m:sSubPr>
+                      <m:e>
+                        <m:r>
+                          <a:rPr lang="it-IT" b="0" i="1" smtClean="0">
+                            <a:latin typeface="Cambria Math" panose="02040503050406030204" pitchFamily="18" charset="0"/>
+                          </a:rPr>
+                          <m:t>𝑟</m:t>
+                        </m:r>
+                      </m:e>
+                      <m:sub>
+                        <m:r>
+                          <a:rPr lang="it-IT" b="0" i="1" smtClean="0">
+                            <a:latin typeface="Cambria Math" panose="02040503050406030204" pitchFamily="18" charset="0"/>
+                          </a:rPr>
+                          <m:t>𝑐</m:t>
+                        </m:r>
+                      </m:sub>
+                    </m:sSub>
+                    <m:r>
+                      <a:rPr lang="it-IT" i="1" smtClean="0">
+                        <a:latin typeface="Cambria Math" panose="02040503050406030204" pitchFamily="18" charset="0"/>
+                        <a:ea typeface="Times New Roman" panose="02020603050405020304" pitchFamily="18" charset="0"/>
+                      </a:rPr>
+                      <m:t>=</m:t>
+                    </m:r>
+                    <m:sSub>
+                      <m:sSubPr>
+                        <m:ctrlPr>
+                          <a:rPr lang="it-IT" i="1" smtClean="0">
+                            <a:latin typeface="Cambria Math" panose="02040503050406030204" pitchFamily="18" charset="0"/>
+                          </a:rPr>
+                        </m:ctrlPr>
+                      </m:sSubPr>
+                      <m:e>
+                        <m:r>
+                          <a:rPr lang="it-IT" b="0" i="1" smtClean="0">
+                            <a:latin typeface="Cambria Math" panose="02040503050406030204" pitchFamily="18" charset="0"/>
+                          </a:rPr>
+                          <m:t>𝑟</m:t>
+                        </m:r>
+                      </m:e>
+                      <m:sub>
+                        <m:r>
+                          <a:rPr lang="it-IT" b="0" i="1" smtClean="0">
+                            <a:latin typeface="Cambria Math" panose="02040503050406030204" pitchFamily="18" charset="0"/>
+                          </a:rPr>
+                          <m:t>𝑎𝑓</m:t>
+                        </m:r>
+                      </m:sub>
+                    </m:sSub>
+                    <m:r>
+                      <a:rPr lang="it-IT" b="0" i="1" smtClean="0">
+                        <a:latin typeface="Cambria Math" panose="02040503050406030204" pitchFamily="18" charset="0"/>
+                      </a:rPr>
+                      <m:t> </m:t>
+                    </m:r>
+                  </m:oMath>
+                </a14:m>
+                <a:r>
+                  <a:rPr lang="it-IT" sz="1800" dirty="0">
+                    <a:effectLst/>
+                    <a:latin typeface="Times New Roman" panose="02020603050405020304" pitchFamily="18" charset="0"/>
+                    <a:ea typeface="Times New Roman" panose="02020603050405020304" pitchFamily="18" charset="0"/>
+                  </a:rPr>
+                  <a:t>, no manovra per cambiare l’anomalia del pericentro</a:t>
+                </a:r>
+              </a:p>
+            </p:txBody>
+          </p:sp>
+        </mc:Choice>
+        <mc:Fallback>
+          <p:sp>
+            <p:nvSpPr>
+              <p:cNvPr id="14" name="CasellaDiTesto 13">
+                <a:extLst>
+                  <a:ext uri="{FF2B5EF4-FFF2-40B4-BE49-F238E27FC236}">
+                    <a16:creationId xmlns:a16="http://schemas.microsoft.com/office/drawing/2014/main" id="{29F06499-BB41-C51F-C91D-41BB9E7D3F7D}"/>
+                  </a:ext>
+                </a:extLst>
+              </p:cNvPr>
+              <p:cNvSpPr txBox="1">
+                <a:spLocks noRot="1" noChangeAspect="1" noMove="1" noResize="1" noEditPoints="1" noAdjustHandles="1" noChangeArrowheads="1" noChangeShapeType="1" noTextEdit="1"/>
+              </p:cNvSpPr>
+              <p:nvPr/>
+            </p:nvSpPr>
+            <p:spPr>
+              <a:xfrm>
+                <a:off x="152400" y="934610"/>
+                <a:ext cx="8382000" cy="391582"/>
+              </a:xfrm>
+              <a:prstGeom prst="rect">
+                <a:avLst/>
+              </a:prstGeom>
+              <a:blipFill>
+                <a:blip r:embed="rId5"/>
+                <a:stretch>
+                  <a:fillRect l="-582" t="-7692" b="-16923"/>
+                </a:stretch>
+              </a:blipFill>
+            </p:spPr>
+            <p:txBody>
+              <a:bodyPr/>
+              <a:lstStyle/>
+              <a:p>
+                <a:r>
+                  <a:rPr lang="it-IT">
+                    <a:noFill/>
+                  </a:rPr>
+                  <a:t> </a:t>
+                </a:r>
+              </a:p>
+            </p:txBody>
+          </p:sp>
+        </mc:Fallback>
+      </mc:AlternateContent>
     </p:spTree>
   </p:cSld>
   <p:clrMapOvr>
@@ -3442,8 +6316,8 @@
           </a:p>
         </p:txBody>
       </p:sp>
-      <mc:AlternateContent xmlns:mc="http://schemas.openxmlformats.org/markup-compatibility/2006">
-        <mc:Choice xmlns:a14="http://schemas.microsoft.com/office/drawing/2010/main" Requires="a14">
+      <mc:AlternateContent xmlns:mc="http://schemas.openxmlformats.org/markup-compatibility/2006" xmlns:a14="http://schemas.microsoft.com/office/drawing/2010/main">
+        <mc:Choice Requires="a14">
           <p:sp>
             <p:nvSpPr>
               <p:cNvPr id="7" name="CasellaDiTesto 6">
@@ -3705,7 +6579,7 @@
             </p:txBody>
           </p:sp>
         </mc:Choice>
-        <mc:Fallback>
+        <mc:Fallback xmlns="">
           <p:sp>
             <p:nvSpPr>
               <p:cNvPr id="7" name="CasellaDiTesto 6">
@@ -3750,8 +6624,8 @@
           </p:sp>
         </mc:Fallback>
       </mc:AlternateContent>
-      <mc:AlternateContent xmlns:mc="http://schemas.openxmlformats.org/markup-compatibility/2006">
-        <mc:Choice xmlns:a14="http://schemas.microsoft.com/office/drawing/2010/main" Requires="a14">
+      <mc:AlternateContent xmlns:mc="http://schemas.openxmlformats.org/markup-compatibility/2006" xmlns:a14="http://schemas.microsoft.com/office/drawing/2010/main">
+        <mc:Choice Requires="a14">
           <p:sp>
             <p:nvSpPr>
               <p:cNvPr id="9" name="CasellaDiTesto 8">
@@ -4090,7 +6964,7 @@
             </p:txBody>
           </p:sp>
         </mc:Choice>
-        <mc:Fallback>
+        <mc:Fallback xmlns="">
           <p:sp>
             <p:nvSpPr>
               <p:cNvPr id="9" name="CasellaDiTesto 8">
@@ -4277,8 +7151,8 @@
           </a:p>
         </p:txBody>
       </p:sp>
-      <mc:AlternateContent xmlns:mc="http://schemas.openxmlformats.org/markup-compatibility/2006">
-        <mc:Choice xmlns:a14="http://schemas.microsoft.com/office/drawing/2010/main" Requires="a14">
+      <mc:AlternateContent xmlns:mc="http://schemas.openxmlformats.org/markup-compatibility/2006" xmlns:a14="http://schemas.microsoft.com/office/drawing/2010/main">
+        <mc:Choice Requires="a14">
           <p:sp>
             <p:nvSpPr>
               <p:cNvPr id="8" name="CasellaDiTesto 7">
@@ -4620,7 +7494,7 @@
             </p:txBody>
           </p:sp>
         </mc:Choice>
-        <mc:Fallback>
+        <mc:Fallback xmlns="">
           <p:sp>
             <p:nvSpPr>
               <p:cNvPr id="8" name="CasellaDiTesto 7">
@@ -4665,8 +7539,8 @@
           </p:sp>
         </mc:Fallback>
       </mc:AlternateContent>
-      <mc:AlternateContent xmlns:mc="http://schemas.openxmlformats.org/markup-compatibility/2006">
-        <mc:Choice xmlns:a14="http://schemas.microsoft.com/office/drawing/2010/main" Requires="a14">
+      <mc:AlternateContent xmlns:mc="http://schemas.openxmlformats.org/markup-compatibility/2006" xmlns:a14="http://schemas.microsoft.com/office/drawing/2010/main">
+        <mc:Choice Requires="a14">
           <p:sp>
             <p:nvSpPr>
               <p:cNvPr id="10" name="CasellaDiTesto 9">
@@ -4928,7 +7802,7 @@
             </p:txBody>
           </p:sp>
         </mc:Choice>
-        <mc:Fallback>
+        <mc:Fallback xmlns="">
           <p:sp>
             <p:nvSpPr>
               <p:cNvPr id="10" name="CasellaDiTesto 9">
@@ -5145,6 +8019,859 @@
           </a:prstGeom>
         </p:spPr>
       </p:pic>
+      <p:sp>
+        <p:nvSpPr>
+          <p:cNvPr id="5" name="CasellaDiTesto 4">
+            <a:extLst>
+              <a:ext uri="{FF2B5EF4-FFF2-40B4-BE49-F238E27FC236}">
+                <a16:creationId xmlns:a16="http://schemas.microsoft.com/office/drawing/2014/main" id="{D1D4D574-4816-B95E-EB2C-8B6B8A72F914}"/>
+              </a:ext>
+            </a:extLst>
+          </p:cNvPr>
+          <p:cNvSpPr txBox="1"/>
+          <p:nvPr/>
+        </p:nvSpPr>
+        <p:spPr>
+          <a:xfrm>
+            <a:off x="438483" y="1465733"/>
+            <a:ext cx="3545489" cy="1815882"/>
+          </a:xfrm>
+          <a:prstGeom prst="rect">
+            <a:avLst/>
+          </a:prstGeom>
+          <a:noFill/>
+        </p:spPr>
+        <p:txBody>
+          <a:bodyPr wrap="square">
+            <a:spAutoFit/>
+          </a:bodyPr>
+          <a:lstStyle/>
+          <a:p>
+            <a:r>
+              <a:rPr lang="it-IT" sz="1600" dirty="0">
+                <a:effectLst/>
+                <a:latin typeface="Times New Roman" panose="02020603050405020304" pitchFamily="18" charset="0"/>
+                <a:ea typeface="Times New Roman" panose="02020603050405020304" pitchFamily="18" charset="0"/>
+              </a:rPr>
+              <a:t>Strategia </a:t>
+            </a:r>
+            <a:r>
+              <a:rPr lang="it-IT" sz="1600" dirty="0">
+                <a:latin typeface="Times New Roman" panose="02020603050405020304" pitchFamily="18" charset="0"/>
+                <a:ea typeface="Times New Roman" panose="02020603050405020304" pitchFamily="18" charset="0"/>
+              </a:rPr>
+              <a:t>S</a:t>
+            </a:r>
+            <a:r>
+              <a:rPr lang="it-IT" sz="1600" dirty="0">
+                <a:effectLst/>
+                <a:latin typeface="Times New Roman" panose="02020603050405020304" pitchFamily="18" charset="0"/>
+                <a:ea typeface="Times New Roman" panose="02020603050405020304" pitchFamily="18" charset="0"/>
+              </a:rPr>
+              <a:t>tandard: </a:t>
+            </a:r>
+          </a:p>
+          <a:p>
+            <a:r>
+              <a:rPr lang="it-IT" sz="1600" dirty="0">
+                <a:effectLst/>
+                <a:latin typeface="Times New Roman" panose="02020603050405020304" pitchFamily="18" charset="0"/>
+                <a:ea typeface="Times New Roman" panose="02020603050405020304" pitchFamily="18" charset="0"/>
+              </a:rPr>
+              <a:t>permutazione di tre manovre </a:t>
+            </a:r>
+          </a:p>
+          <a:p>
+            <a:endParaRPr lang="it-IT" sz="1600" dirty="0">
+              <a:latin typeface="Times New Roman" panose="02020603050405020304" pitchFamily="18" charset="0"/>
+              <a:ea typeface="Times New Roman" panose="02020603050405020304" pitchFamily="18" charset="0"/>
+            </a:endParaRPr>
+          </a:p>
+          <a:p>
+            <a:r>
+              <a:rPr lang="it-IT" sz="1600" dirty="0">
+                <a:latin typeface="Times New Roman" panose="02020603050405020304" pitchFamily="18" charset="0"/>
+                <a:ea typeface="Times New Roman" panose="02020603050405020304" pitchFamily="18" charset="0"/>
+              </a:rPr>
+              <a:t>Trasferimento Bitangente </a:t>
+            </a:r>
+          </a:p>
+          <a:p>
+            <a:r>
+              <a:rPr lang="it-IT" sz="1600" dirty="0">
+                <a:latin typeface="Times New Roman" panose="02020603050405020304" pitchFamily="18" charset="0"/>
+                <a:ea typeface="Times New Roman" panose="02020603050405020304" pitchFamily="18" charset="0"/>
+              </a:rPr>
+              <a:t>Cambio di Piano Orbitale</a:t>
+            </a:r>
+          </a:p>
+          <a:p>
+            <a:r>
+              <a:rPr lang="it-IT" sz="1600" dirty="0">
+                <a:latin typeface="Times New Roman" panose="02020603050405020304" pitchFamily="18" charset="0"/>
+                <a:ea typeface="Times New Roman" panose="02020603050405020304" pitchFamily="18" charset="0"/>
+              </a:rPr>
+              <a:t>Cambio di Anomalia del Pericentro</a:t>
+            </a:r>
+          </a:p>
+          <a:p>
+            <a:pPr algn="just"/>
+            <a:endParaRPr lang="it-IT" sz="1600" dirty="0">
+              <a:effectLst/>
+              <a:latin typeface="Times New Roman" panose="02020603050405020304" pitchFamily="18" charset="0"/>
+              <a:ea typeface="Times New Roman" panose="02020603050405020304" pitchFamily="18" charset="0"/>
+            </a:endParaRPr>
+          </a:p>
+        </p:txBody>
+      </p:sp>
+      <mc:AlternateContent xmlns:mc="http://schemas.openxmlformats.org/markup-compatibility/2006">
+        <mc:Choice xmlns:a14="http://schemas.microsoft.com/office/drawing/2010/main" Requires="a14">
+          <p:graphicFrame>
+            <p:nvGraphicFramePr>
+              <p:cNvPr id="9" name="Tabella 9">
+                <a:extLst>
+                  <a:ext uri="{FF2B5EF4-FFF2-40B4-BE49-F238E27FC236}">
+                    <a16:creationId xmlns:a16="http://schemas.microsoft.com/office/drawing/2014/main" id="{A801BC6F-8044-CDFC-294D-E8FF7A5582AB}"/>
+                  </a:ext>
+                </a:extLst>
+              </p:cNvPr>
+              <p:cNvGraphicFramePr>
+                <a:graphicFrameLocks noGrp="1"/>
+              </p:cNvGraphicFramePr>
+              <p:nvPr>
+                <p:extLst>
+                  <p:ext uri="{D42A27DB-BD31-4B8C-83A1-F6EECF244321}">
+                    <p14:modId xmlns:p14="http://schemas.microsoft.com/office/powerpoint/2010/main" val="2332956877"/>
+                  </p:ext>
+                </p:extLst>
+              </p:nvPr>
+            </p:nvGraphicFramePr>
+            <p:xfrm>
+              <a:off x="682312" y="5349240"/>
+              <a:ext cx="2657747" cy="731520"/>
+            </p:xfrm>
+            <a:graphic>
+              <a:graphicData uri="http://schemas.openxmlformats.org/drawingml/2006/table">
+                <a:tbl>
+                  <a:tblPr firstRow="1" bandRow="1">
+                    <a:tableStyleId>{5940675A-B579-460E-94D1-54222C63F5DA}</a:tableStyleId>
+                  </a:tblPr>
+                  <a:tblGrid>
+                    <a:gridCol w="1679936">
+                      <a:extLst>
+                        <a:ext uri="{9D8B030D-6E8A-4147-A177-3AD203B41FA5}">
+                          <a16:colId xmlns:a16="http://schemas.microsoft.com/office/drawing/2014/main" val="3817423680"/>
+                        </a:ext>
+                      </a:extLst>
+                    </a:gridCol>
+                    <a:gridCol w="977811">
+                      <a:extLst>
+                        <a:ext uri="{9D8B030D-6E8A-4147-A177-3AD203B41FA5}">
+                          <a16:colId xmlns:a16="http://schemas.microsoft.com/office/drawing/2014/main" val="3645020059"/>
+                        </a:ext>
+                      </a:extLst>
+                    </a:gridCol>
+                  </a:tblGrid>
+                  <a:tr h="321094">
+                    <a:tc>
+                      <a:txBody>
+                        <a:bodyPr/>
+                        <a:lstStyle/>
+                        <a:p>
+                          <a:pPr marL="0" marR="0" lvl="0" indent="0" algn="ctr" defTabSz="914400" eaLnBrk="1" fontAlgn="auto" latinLnBrk="0" hangingPunct="1">
+                            <a:lnSpc>
+                              <a:spcPct val="100000"/>
+                            </a:lnSpc>
+                            <a:spcBef>
+                              <a:spcPts val="0"/>
+                            </a:spcBef>
+                            <a:spcAft>
+                              <a:spcPts val="0"/>
+                            </a:spcAft>
+                            <a:buClrTx/>
+                            <a:buSzTx/>
+                            <a:buFontTx/>
+                            <a:buNone/>
+                            <a:tabLst/>
+                            <a:defRPr/>
+                          </a:pPr>
+                          <a14:m>
+                            <m:oMathPara xmlns:m="http://schemas.openxmlformats.org/officeDocument/2006/math">
+                              <m:oMathParaPr>
+                                <m:jc m:val="centerGroup"/>
+                              </m:oMathParaPr>
+                              <m:oMath xmlns:m="http://schemas.openxmlformats.org/officeDocument/2006/math">
+                                <m:r>
+                                  <m:rPr>
+                                    <m:sty m:val="p"/>
+                                  </m:rPr>
+                                  <a:rPr lang="en-GB" sz="1800" smtClean="0">
+                                    <a:effectLst/>
+                                    <a:latin typeface="Cambria Math" panose="02040503050406030204" pitchFamily="18" charset="0"/>
+                                  </a:rPr>
+                                  <m:t>Δ</m:t>
+                                </m:r>
+                                <m:r>
+                                  <a:rPr lang="en-GB" sz="1800" smtClean="0">
+                                    <a:effectLst/>
+                                    <a:latin typeface="Cambria Math" panose="02040503050406030204" pitchFamily="18" charset="0"/>
+                                  </a:rPr>
+                                  <m:t>𝑣</m:t>
+                                </m:r>
+                                <m:r>
+                                  <a:rPr lang="en-GB" sz="1800" smtClean="0">
+                                    <a:effectLst/>
+                                    <a:latin typeface="Cambria Math" panose="02040503050406030204" pitchFamily="18" charset="0"/>
+                                  </a:rPr>
+                                  <m:t> [</m:t>
+                                </m:r>
+                                <m:r>
+                                  <a:rPr lang="en-GB" sz="1800" smtClean="0">
+                                    <a:effectLst/>
+                                    <a:latin typeface="Cambria Math" panose="02040503050406030204" pitchFamily="18" charset="0"/>
+                                  </a:rPr>
+                                  <m:t>𝑘𝑚</m:t>
+                                </m:r>
+                                <m:r>
+                                  <a:rPr lang="en-GB" sz="1800" smtClean="0">
+                                    <a:effectLst/>
+                                    <a:latin typeface="Cambria Math" panose="02040503050406030204" pitchFamily="18" charset="0"/>
+                                  </a:rPr>
+                                  <m:t>/</m:t>
+                                </m:r>
+                                <m:r>
+                                  <a:rPr lang="en-GB" sz="1800" smtClean="0">
+                                    <a:effectLst/>
+                                    <a:latin typeface="Cambria Math" panose="02040503050406030204" pitchFamily="18" charset="0"/>
+                                  </a:rPr>
+                                  <m:t>𝑠</m:t>
+                                </m:r>
+                                <m:r>
+                                  <a:rPr lang="en-GB" sz="1800" smtClean="0">
+                                    <a:effectLst/>
+                                    <a:latin typeface="Cambria Math" panose="02040503050406030204" pitchFamily="18" charset="0"/>
+                                  </a:rPr>
+                                  <m:t>]</m:t>
+                                </m:r>
+                              </m:oMath>
+                            </m:oMathPara>
+                          </a14:m>
+                          <a:endParaRPr lang="it-IT" sz="1800" dirty="0">
+                            <a:effectLst/>
+                            <a:latin typeface="Times New Roman" panose="02020603050405020304" pitchFamily="18" charset="0"/>
+                            <a:ea typeface="Times New Roman" panose="02020603050405020304" pitchFamily="18" charset="0"/>
+                          </a:endParaRPr>
+                        </a:p>
+                      </a:txBody>
+                      <a:tcPr/>
+                    </a:tc>
+                    <a:tc>
+                      <a:txBody>
+                        <a:bodyPr/>
+                        <a:lstStyle/>
+                        <a:p>
+                          <a:pPr marL="0" marR="0" lvl="0" indent="0" algn="ctr" defTabSz="914400" eaLnBrk="1" fontAlgn="auto" latinLnBrk="0" hangingPunct="1">
+                            <a:lnSpc>
+                              <a:spcPct val="100000"/>
+                            </a:lnSpc>
+                            <a:spcBef>
+                              <a:spcPts val="0"/>
+                            </a:spcBef>
+                            <a:spcAft>
+                              <a:spcPts val="0"/>
+                            </a:spcAft>
+                            <a:buClrTx/>
+                            <a:buSzTx/>
+                            <a:buFontTx/>
+                            <a:buNone/>
+                            <a:tabLst/>
+                            <a:defRPr/>
+                          </a:pPr>
+                          <a:r>
+                            <a:rPr lang="en-GB" sz="1800" dirty="0">
+                              <a:effectLst/>
+                            </a:rPr>
+                            <a:t>6.6450</a:t>
+                          </a:r>
+                          <a:endParaRPr lang="it-IT" sz="1800" dirty="0">
+                            <a:effectLst/>
+                            <a:latin typeface="Times New Roman" panose="02020603050405020304" pitchFamily="18" charset="0"/>
+                            <a:ea typeface="Times New Roman" panose="02020603050405020304" pitchFamily="18" charset="0"/>
+                          </a:endParaRPr>
+                        </a:p>
+                      </a:txBody>
+                      <a:tcPr/>
+                    </a:tc>
+                    <a:extLst>
+                      <a:ext uri="{0D108BD9-81ED-4DB2-BD59-A6C34878D82A}">
+                        <a16:rowId xmlns:a16="http://schemas.microsoft.com/office/drawing/2014/main" val="2714837738"/>
+                      </a:ext>
+                    </a:extLst>
+                  </a:tr>
+                  <a:tr h="321094">
+                    <a:tc>
+                      <a:txBody>
+                        <a:bodyPr/>
+                        <a:lstStyle/>
+                        <a:p>
+                          <a:pPr marL="0" marR="0" lvl="0" indent="0" algn="ctr" defTabSz="914400" eaLnBrk="1" fontAlgn="auto" latinLnBrk="0" hangingPunct="1">
+                            <a:lnSpc>
+                              <a:spcPct val="100000"/>
+                            </a:lnSpc>
+                            <a:spcBef>
+                              <a:spcPts val="0"/>
+                            </a:spcBef>
+                            <a:spcAft>
+                              <a:spcPts val="0"/>
+                            </a:spcAft>
+                            <a:buClrTx/>
+                            <a:buSzTx/>
+                            <a:buFontTx/>
+                            <a:buNone/>
+                            <a:tabLst/>
+                            <a:defRPr/>
+                          </a:pPr>
+                          <a14:m>
+                            <m:oMathPara xmlns:m="http://schemas.openxmlformats.org/officeDocument/2006/math">
+                              <m:oMathParaPr>
+                                <m:jc m:val="centerGroup"/>
+                              </m:oMathParaPr>
+                              <m:oMath xmlns:m="http://schemas.openxmlformats.org/officeDocument/2006/math">
+                                <m:r>
+                                  <m:rPr>
+                                    <m:sty m:val="p"/>
+                                  </m:rPr>
+                                  <a:rPr lang="en-GB" sz="1800" smtClean="0">
+                                    <a:effectLst/>
+                                    <a:latin typeface="Cambria Math" panose="02040503050406030204" pitchFamily="18" charset="0"/>
+                                  </a:rPr>
+                                  <m:t>Δ</m:t>
+                                </m:r>
+                                <m:r>
+                                  <a:rPr lang="en-GB" sz="1800" smtClean="0">
+                                    <a:effectLst/>
+                                    <a:latin typeface="Cambria Math" panose="02040503050406030204" pitchFamily="18" charset="0"/>
+                                  </a:rPr>
+                                  <m:t>𝑡</m:t>
+                                </m:r>
+                                <m:r>
+                                  <a:rPr lang="en-GB" sz="1800" smtClean="0">
+                                    <a:effectLst/>
+                                    <a:latin typeface="Cambria Math" panose="02040503050406030204" pitchFamily="18" charset="0"/>
+                                  </a:rPr>
+                                  <m:t> [</m:t>
+                                </m:r>
+                                <m:r>
+                                  <a:rPr lang="en-GB" sz="1800" smtClean="0">
+                                    <a:effectLst/>
+                                    <a:latin typeface="Cambria Math" panose="02040503050406030204" pitchFamily="18" charset="0"/>
+                                  </a:rPr>
+                                  <m:t>h</m:t>
+                                </m:r>
+                                <m:r>
+                                  <a:rPr lang="en-GB" sz="1800" smtClean="0">
+                                    <a:effectLst/>
+                                    <a:latin typeface="Cambria Math" panose="02040503050406030204" pitchFamily="18" charset="0"/>
+                                  </a:rPr>
+                                  <m:t>]</m:t>
+                                </m:r>
+                              </m:oMath>
+                            </m:oMathPara>
+                          </a14:m>
+                          <a:endParaRPr lang="it-IT" sz="1800" dirty="0">
+                            <a:effectLst/>
+                            <a:latin typeface="Times New Roman" panose="02020603050405020304" pitchFamily="18" charset="0"/>
+                            <a:ea typeface="Times New Roman" panose="02020603050405020304" pitchFamily="18" charset="0"/>
+                          </a:endParaRPr>
+                        </a:p>
+                      </a:txBody>
+                      <a:tcPr/>
+                    </a:tc>
+                    <a:tc>
+                      <a:txBody>
+                        <a:bodyPr/>
+                        <a:lstStyle/>
+                        <a:p>
+                          <a:pPr marL="0" marR="0" lvl="0" indent="0" algn="ctr" defTabSz="914400" eaLnBrk="1" fontAlgn="auto" latinLnBrk="0" hangingPunct="1">
+                            <a:lnSpc>
+                              <a:spcPct val="100000"/>
+                            </a:lnSpc>
+                            <a:spcBef>
+                              <a:spcPts val="0"/>
+                            </a:spcBef>
+                            <a:spcAft>
+                              <a:spcPts val="0"/>
+                            </a:spcAft>
+                            <a:buClrTx/>
+                            <a:buSzTx/>
+                            <a:buFontTx/>
+                            <a:buNone/>
+                            <a:tabLst/>
+                            <a:defRPr/>
+                          </a:pPr>
+                          <a:r>
+                            <a:rPr lang="en-GB" sz="1800" dirty="0">
+                              <a:effectLst/>
+                            </a:rPr>
+                            <a:t>4.8675</a:t>
+                          </a:r>
+                          <a:endParaRPr lang="it-IT" sz="1800" dirty="0">
+                            <a:effectLst/>
+                            <a:latin typeface="Times New Roman" panose="02020603050405020304" pitchFamily="18" charset="0"/>
+                            <a:ea typeface="Times New Roman" panose="02020603050405020304" pitchFamily="18" charset="0"/>
+                          </a:endParaRPr>
+                        </a:p>
+                      </a:txBody>
+                      <a:tcPr/>
+                    </a:tc>
+                    <a:extLst>
+                      <a:ext uri="{0D108BD9-81ED-4DB2-BD59-A6C34878D82A}">
+                        <a16:rowId xmlns:a16="http://schemas.microsoft.com/office/drawing/2014/main" val="2392647369"/>
+                      </a:ext>
+                    </a:extLst>
+                  </a:tr>
+                </a:tbl>
+              </a:graphicData>
+            </a:graphic>
+          </p:graphicFrame>
+        </mc:Choice>
+        <mc:Fallback>
+          <p:graphicFrame>
+            <p:nvGraphicFramePr>
+              <p:cNvPr id="9" name="Tabella 9">
+                <a:extLst>
+                  <a:ext uri="{FF2B5EF4-FFF2-40B4-BE49-F238E27FC236}">
+                    <a16:creationId xmlns:a16="http://schemas.microsoft.com/office/drawing/2014/main" id="{A801BC6F-8044-CDFC-294D-E8FF7A5582AB}"/>
+                  </a:ext>
+                </a:extLst>
+              </p:cNvPr>
+              <p:cNvGraphicFramePr>
+                <a:graphicFrameLocks noGrp="1"/>
+              </p:cNvGraphicFramePr>
+              <p:nvPr>
+                <p:extLst>
+                  <p:ext uri="{D42A27DB-BD31-4B8C-83A1-F6EECF244321}">
+                    <p14:modId xmlns:p14="http://schemas.microsoft.com/office/powerpoint/2010/main" val="2332956877"/>
+                  </p:ext>
+                </p:extLst>
+              </p:nvPr>
+            </p:nvGraphicFramePr>
+            <p:xfrm>
+              <a:off x="682312" y="5349240"/>
+              <a:ext cx="2657747" cy="731520"/>
+            </p:xfrm>
+            <a:graphic>
+              <a:graphicData uri="http://schemas.openxmlformats.org/drawingml/2006/table">
+                <a:tbl>
+                  <a:tblPr firstRow="1" bandRow="1">
+                    <a:tableStyleId>{5940675A-B579-460E-94D1-54222C63F5DA}</a:tableStyleId>
+                  </a:tblPr>
+                  <a:tblGrid>
+                    <a:gridCol w="1679936">
+                      <a:extLst>
+                        <a:ext uri="{9D8B030D-6E8A-4147-A177-3AD203B41FA5}">
+                          <a16:colId xmlns:a16="http://schemas.microsoft.com/office/drawing/2014/main" val="3817423680"/>
+                        </a:ext>
+                      </a:extLst>
+                    </a:gridCol>
+                    <a:gridCol w="977811">
+                      <a:extLst>
+                        <a:ext uri="{9D8B030D-6E8A-4147-A177-3AD203B41FA5}">
+                          <a16:colId xmlns:a16="http://schemas.microsoft.com/office/drawing/2014/main" val="3645020059"/>
+                        </a:ext>
+                      </a:extLst>
+                    </a:gridCol>
+                  </a:tblGrid>
+                  <a:tr h="365760">
+                    <a:tc>
+                      <a:txBody>
+                        <a:bodyPr/>
+                        <a:lstStyle/>
+                        <a:p>
+                          <a:endParaRPr lang="it-IT"/>
+                        </a:p>
+                      </a:txBody>
+                      <a:tcPr>
+                        <a:blipFill>
+                          <a:blip r:embed="rId3"/>
+                          <a:stretch>
+                            <a:fillRect l="-362" t="-8197" r="-59058" b="-122951"/>
+                          </a:stretch>
+                        </a:blipFill>
+                      </a:tcPr>
+                    </a:tc>
+                    <a:tc>
+                      <a:txBody>
+                        <a:bodyPr/>
+                        <a:lstStyle/>
+                        <a:p>
+                          <a:pPr marL="0" marR="0" lvl="0" indent="0" algn="ctr" defTabSz="914400" eaLnBrk="1" fontAlgn="auto" latinLnBrk="0" hangingPunct="1">
+                            <a:lnSpc>
+                              <a:spcPct val="100000"/>
+                            </a:lnSpc>
+                            <a:spcBef>
+                              <a:spcPts val="0"/>
+                            </a:spcBef>
+                            <a:spcAft>
+                              <a:spcPts val="0"/>
+                            </a:spcAft>
+                            <a:buClrTx/>
+                            <a:buSzTx/>
+                            <a:buFontTx/>
+                            <a:buNone/>
+                            <a:tabLst/>
+                            <a:defRPr/>
+                          </a:pPr>
+                          <a:r>
+                            <a:rPr lang="en-GB" sz="1800" dirty="0">
+                              <a:effectLst/>
+                            </a:rPr>
+                            <a:t>6.6450</a:t>
+                          </a:r>
+                          <a:endParaRPr lang="it-IT" sz="1800" dirty="0">
+                            <a:effectLst/>
+                            <a:latin typeface="Times New Roman" panose="02020603050405020304" pitchFamily="18" charset="0"/>
+                            <a:ea typeface="Times New Roman" panose="02020603050405020304" pitchFamily="18" charset="0"/>
+                          </a:endParaRPr>
+                        </a:p>
+                      </a:txBody>
+                      <a:tcPr/>
+                    </a:tc>
+                    <a:extLst>
+                      <a:ext uri="{0D108BD9-81ED-4DB2-BD59-A6C34878D82A}">
+                        <a16:rowId xmlns:a16="http://schemas.microsoft.com/office/drawing/2014/main" val="2714837738"/>
+                      </a:ext>
+                    </a:extLst>
+                  </a:tr>
+                  <a:tr h="365760">
+                    <a:tc>
+                      <a:txBody>
+                        <a:bodyPr/>
+                        <a:lstStyle/>
+                        <a:p>
+                          <a:endParaRPr lang="it-IT"/>
+                        </a:p>
+                      </a:txBody>
+                      <a:tcPr>
+                        <a:blipFill>
+                          <a:blip r:embed="rId3"/>
+                          <a:stretch>
+                            <a:fillRect l="-362" t="-110000" r="-59058" b="-25000"/>
+                          </a:stretch>
+                        </a:blipFill>
+                      </a:tcPr>
+                    </a:tc>
+                    <a:tc>
+                      <a:txBody>
+                        <a:bodyPr/>
+                        <a:lstStyle/>
+                        <a:p>
+                          <a:pPr marL="0" marR="0" lvl="0" indent="0" algn="ctr" defTabSz="914400" eaLnBrk="1" fontAlgn="auto" latinLnBrk="0" hangingPunct="1">
+                            <a:lnSpc>
+                              <a:spcPct val="100000"/>
+                            </a:lnSpc>
+                            <a:spcBef>
+                              <a:spcPts val="0"/>
+                            </a:spcBef>
+                            <a:spcAft>
+                              <a:spcPts val="0"/>
+                            </a:spcAft>
+                            <a:buClrTx/>
+                            <a:buSzTx/>
+                            <a:buFontTx/>
+                            <a:buNone/>
+                            <a:tabLst/>
+                            <a:defRPr/>
+                          </a:pPr>
+                          <a:r>
+                            <a:rPr lang="en-GB" sz="1800" dirty="0">
+                              <a:effectLst/>
+                            </a:rPr>
+                            <a:t>4.8675</a:t>
+                          </a:r>
+                          <a:endParaRPr lang="it-IT" sz="1800" dirty="0">
+                            <a:effectLst/>
+                            <a:latin typeface="Times New Roman" panose="02020603050405020304" pitchFamily="18" charset="0"/>
+                            <a:ea typeface="Times New Roman" panose="02020603050405020304" pitchFamily="18" charset="0"/>
+                          </a:endParaRPr>
+                        </a:p>
+                      </a:txBody>
+                      <a:tcPr/>
+                    </a:tc>
+                    <a:extLst>
+                      <a:ext uri="{0D108BD9-81ED-4DB2-BD59-A6C34878D82A}">
+                        <a16:rowId xmlns:a16="http://schemas.microsoft.com/office/drawing/2014/main" val="2392647369"/>
+                      </a:ext>
+                    </a:extLst>
+                  </a:tr>
+                </a:tbl>
+              </a:graphicData>
+            </a:graphic>
+          </p:graphicFrame>
+        </mc:Fallback>
+      </mc:AlternateContent>
+      <mc:AlternateContent xmlns:mc="http://schemas.openxmlformats.org/markup-compatibility/2006">
+        <mc:Choice xmlns:a14="http://schemas.microsoft.com/office/drawing/2010/main" Requires="a14">
+          <p:sp>
+            <p:nvSpPr>
+              <p:cNvPr id="11" name="CasellaDiTesto 10">
+                <a:extLst>
+                  <a:ext uri="{FF2B5EF4-FFF2-40B4-BE49-F238E27FC236}">
+                    <a16:creationId xmlns:a16="http://schemas.microsoft.com/office/drawing/2014/main" id="{F9706B29-6D54-B351-78F4-92874429505A}"/>
+                  </a:ext>
+                </a:extLst>
+              </p:cNvPr>
+              <p:cNvSpPr txBox="1"/>
+              <p:nvPr/>
+            </p:nvSpPr>
+            <p:spPr>
+              <a:xfrm>
+                <a:off x="536256" y="4052620"/>
+                <a:ext cx="3349944" cy="1045286"/>
+              </a:xfrm>
+              <a:prstGeom prst="rect">
+                <a:avLst/>
+              </a:prstGeom>
+              <a:noFill/>
+            </p:spPr>
+            <p:txBody>
+              <a:bodyPr wrap="square">
+                <a:spAutoFit/>
+              </a:bodyPr>
+              <a:lstStyle/>
+              <a:p>
+                <a:pPr/>
+                <a14:m>
+                  <m:oMath xmlns:m="http://schemas.openxmlformats.org/officeDocument/2006/math">
+                    <m:sSub>
+                      <m:sSubPr>
+                        <m:ctrlPr>
+                          <a:rPr lang="en-GB" sz="1800" i="1" smtClean="0">
+                            <a:effectLst/>
+                            <a:latin typeface="Cambria Math" panose="02040503050406030204" pitchFamily="18" charset="0"/>
+                          </a:rPr>
+                        </m:ctrlPr>
+                      </m:sSubPr>
+                      <m:e>
+                        <m:r>
+                          <m:rPr>
+                            <m:sty m:val="p"/>
+                          </m:rPr>
+                          <a:rPr lang="en-GB">
+                            <a:latin typeface="Cambria Math" panose="02040503050406030204" pitchFamily="18" charset="0"/>
+                          </a:rPr>
+                          <m:t>Δ</m:t>
+                        </m:r>
+                        <m:r>
+                          <a:rPr lang="en-GB">
+                            <a:latin typeface="Cambria Math" panose="02040503050406030204" pitchFamily="18" charset="0"/>
+                          </a:rPr>
+                          <m:t>𝑣</m:t>
+                        </m:r>
+                      </m:e>
+                      <m:sub>
+                        <m:r>
+                          <a:rPr lang="it-IT" sz="1800" b="0" i="1" smtClean="0">
+                            <a:effectLst/>
+                            <a:latin typeface="Cambria Math" panose="02040503050406030204" pitchFamily="18" charset="0"/>
+                          </a:rPr>
+                          <m:t>𝑡𝑜𝑡</m:t>
+                        </m:r>
+                      </m:sub>
+                    </m:sSub>
+                    <m:r>
+                      <a:rPr lang="it-IT" sz="1800" b="0" i="1" smtClean="0">
+                        <a:effectLst/>
+                        <a:latin typeface="Cambria Math" panose="02040503050406030204" pitchFamily="18" charset="0"/>
+                      </a:rPr>
+                      <m:t>= </m:t>
+                    </m:r>
+                  </m:oMath>
+                </a14:m>
+                <a:r>
+                  <a:rPr lang="en-GB" i="1" dirty="0"/>
+                  <a:t>6.6450</a:t>
+                </a:r>
+                <a:r>
+                  <a:rPr lang="en-GB" dirty="0"/>
+                  <a:t> </a:t>
+                </a:r>
+                <a14:m>
+                  <m:oMath xmlns:m="http://schemas.openxmlformats.org/officeDocument/2006/math">
+                    <m:f>
+                      <m:fPr>
+                        <m:ctrlPr>
+                          <a:rPr lang="en-GB">
+                            <a:latin typeface="Cambria Math" panose="02040503050406030204" pitchFamily="18" charset="0"/>
+                          </a:rPr>
+                        </m:ctrlPr>
+                      </m:fPr>
+                      <m:num>
+                        <m:r>
+                          <a:rPr lang="en-GB">
+                            <a:latin typeface="Cambria Math" panose="02040503050406030204" pitchFamily="18" charset="0"/>
+                          </a:rPr>
+                          <m:t>𝑘𝑚</m:t>
+                        </m:r>
+                      </m:num>
+                      <m:den>
+                        <m:r>
+                          <a:rPr lang="en-GB">
+                            <a:latin typeface="Cambria Math" panose="02040503050406030204" pitchFamily="18" charset="0"/>
+                          </a:rPr>
+                          <m:t>𝑠</m:t>
+                        </m:r>
+                      </m:den>
+                    </m:f>
+                  </m:oMath>
+                </a14:m>
+                <a:endParaRPr lang="it-IT" dirty="0"/>
+              </a:p>
+              <a:p>
+                <a:pPr/>
+                <a:endParaRPr lang="it-IT" dirty="0"/>
+              </a:p>
+              <a:p>
+                <a14:m>
+                  <m:oMath xmlns:m="http://schemas.openxmlformats.org/officeDocument/2006/math">
+                    <m:sSub>
+                      <m:sSubPr>
+                        <m:ctrlPr>
+                          <a:rPr lang="en-GB" sz="1800" i="1" smtClean="0">
+                            <a:effectLst/>
+                            <a:latin typeface="Cambria Math" panose="02040503050406030204" pitchFamily="18" charset="0"/>
+                          </a:rPr>
+                        </m:ctrlPr>
+                      </m:sSubPr>
+                      <m:e>
+                        <m:r>
+                          <m:rPr>
+                            <m:sty m:val="p"/>
+                          </m:rPr>
+                          <a:rPr lang="en-GB">
+                            <a:latin typeface="Cambria Math" panose="02040503050406030204" pitchFamily="18" charset="0"/>
+                          </a:rPr>
+                          <m:t>Δ</m:t>
+                        </m:r>
+                        <m:r>
+                          <m:rPr>
+                            <m:sty m:val="p"/>
+                          </m:rPr>
+                          <a:rPr lang="it-IT" b="0" i="0" smtClean="0">
+                            <a:latin typeface="Cambria Math" panose="02040503050406030204" pitchFamily="18" charset="0"/>
+                          </a:rPr>
+                          <m:t>t</m:t>
+                        </m:r>
+                      </m:e>
+                      <m:sub>
+                        <m:r>
+                          <a:rPr lang="it-IT" sz="1800" b="0" i="1" smtClean="0">
+                            <a:effectLst/>
+                            <a:latin typeface="Cambria Math" panose="02040503050406030204" pitchFamily="18" charset="0"/>
+                          </a:rPr>
+                          <m:t>𝑡𝑜𝑡</m:t>
+                        </m:r>
+                      </m:sub>
+                    </m:sSub>
+                    <m:r>
+                      <a:rPr lang="it-IT" sz="1800" b="0" i="1" smtClean="0">
+                        <a:effectLst/>
+                        <a:latin typeface="Cambria Math" panose="02040503050406030204" pitchFamily="18" charset="0"/>
+                      </a:rPr>
+                      <m:t>= </m:t>
+                    </m:r>
+                  </m:oMath>
+                </a14:m>
+                <a:r>
+                  <a:rPr lang="en-GB" dirty="0"/>
+                  <a:t>4.8675</a:t>
+                </a:r>
+                <a:r>
+                  <a:rPr lang="it-IT" dirty="0">
+                    <a:latin typeface="Times New Roman" panose="02020603050405020304" pitchFamily="18" charset="0"/>
+                  </a:rPr>
+                  <a:t> </a:t>
+                </a:r>
+                <a14:m>
+                  <m:oMath xmlns:m="http://schemas.openxmlformats.org/officeDocument/2006/math">
+                    <m:r>
+                      <a:rPr lang="en-GB">
+                        <a:latin typeface="Cambria Math" panose="02040503050406030204" pitchFamily="18" charset="0"/>
+                      </a:rPr>
+                      <m:t>h</m:t>
+                    </m:r>
+                  </m:oMath>
+                </a14:m>
+                <a:r>
+                  <a:rPr lang="en-GB" dirty="0"/>
+                  <a:t> = 17523.1496</a:t>
+                </a:r>
+                <a14:m>
+                  <m:oMath xmlns:m="http://schemas.openxmlformats.org/officeDocument/2006/math">
+                    <m:r>
+                      <a:rPr lang="it-IT" b="0" i="0" smtClean="0">
+                        <a:latin typeface="Cambria Math" panose="02040503050406030204" pitchFamily="18" charset="0"/>
+                      </a:rPr>
+                      <m:t> </m:t>
+                    </m:r>
+                    <m:r>
+                      <a:rPr lang="en-GB">
+                        <a:latin typeface="Cambria Math" panose="02040503050406030204" pitchFamily="18" charset="0"/>
+                      </a:rPr>
+                      <m:t>𝑠</m:t>
+                    </m:r>
+                  </m:oMath>
+                </a14:m>
+                <a:endParaRPr lang="it-IT" dirty="0"/>
+              </a:p>
+            </p:txBody>
+          </p:sp>
+        </mc:Choice>
+        <mc:Fallback>
+          <p:sp>
+            <p:nvSpPr>
+              <p:cNvPr id="11" name="CasellaDiTesto 10">
+                <a:extLst>
+                  <a:ext uri="{FF2B5EF4-FFF2-40B4-BE49-F238E27FC236}">
+                    <a16:creationId xmlns:a16="http://schemas.microsoft.com/office/drawing/2014/main" id="{F9706B29-6D54-B351-78F4-92874429505A}"/>
+                  </a:ext>
+                </a:extLst>
+              </p:cNvPr>
+              <p:cNvSpPr txBox="1">
+                <a:spLocks noRot="1" noChangeAspect="1" noMove="1" noResize="1" noEditPoints="1" noAdjustHandles="1" noChangeArrowheads="1" noChangeShapeType="1" noTextEdit="1"/>
+              </p:cNvSpPr>
+              <p:nvPr/>
+            </p:nvSpPr>
+            <p:spPr>
+              <a:xfrm>
+                <a:off x="536256" y="4052620"/>
+                <a:ext cx="3349944" cy="1045286"/>
+              </a:xfrm>
+              <a:prstGeom prst="rect">
+                <a:avLst/>
+              </a:prstGeom>
+              <a:blipFill>
+                <a:blip r:embed="rId4"/>
+                <a:stretch>
+                  <a:fillRect b="-8772"/>
+                </a:stretch>
+              </a:blipFill>
+            </p:spPr>
+            <p:txBody>
+              <a:bodyPr/>
+              <a:lstStyle/>
+              <a:p>
+                <a:r>
+                  <a:rPr lang="it-IT">
+                    <a:noFill/>
+                  </a:rPr>
+                  <a:t> </a:t>
+                </a:r>
+              </a:p>
+            </p:txBody>
+          </p:sp>
+        </mc:Fallback>
+      </mc:AlternateContent>
     </p:spTree>
   </p:cSld>
   <p:clrMapOvr>
@@ -5205,7 +8932,7 @@
             </a:pPr>
             <a:r>
               <a:rPr lang="it-IT" spc="-5" dirty="0"/>
-              <a:t>Strategia Standard: manovra bitangente</a:t>
+              <a:t>Strategia Standard: manovra bitangente PA</a:t>
             </a:r>
             <a:endParaRPr spc="-5" dirty="0"/>
           </a:p>
@@ -5279,7 +9006,7 @@
         </p:blipFill>
         <p:spPr>
           <a:xfrm>
-            <a:off x="4267200" y="1143000"/>
+            <a:off x="4335780" y="1077696"/>
             <a:ext cx="4515118" cy="4171029"/>
           </a:xfrm>
           <a:prstGeom prst="rect">
@@ -5287,6 +9014,943 @@
           </a:prstGeom>
         </p:spPr>
       </p:pic>
+      <mc:AlternateContent xmlns:mc="http://schemas.openxmlformats.org/markup-compatibility/2006">
+        <mc:Choice xmlns:a14="http://schemas.microsoft.com/office/drawing/2010/main" Requires="a14">
+          <p:sp>
+            <p:nvSpPr>
+              <p:cNvPr id="10" name="CasellaDiTesto 9">
+                <a:extLst>
+                  <a:ext uri="{FF2B5EF4-FFF2-40B4-BE49-F238E27FC236}">
+                    <a16:creationId xmlns:a16="http://schemas.microsoft.com/office/drawing/2014/main" id="{6A13A7E0-D697-E2BA-ED25-19B6FE51E394}"/>
+                  </a:ext>
+                </a:extLst>
+              </p:cNvPr>
+              <p:cNvSpPr txBox="1"/>
+              <p:nvPr/>
+            </p:nvSpPr>
+            <p:spPr>
+              <a:xfrm>
+                <a:off x="228600" y="1066712"/>
+                <a:ext cx="4191000" cy="4812728"/>
+              </a:xfrm>
+              <a:prstGeom prst="rect">
+                <a:avLst/>
+              </a:prstGeom>
+              <a:noFill/>
+            </p:spPr>
+            <p:txBody>
+              <a:bodyPr wrap="square" rtlCol="0">
+                <a:spAutoFit/>
+              </a:bodyPr>
+              <a:lstStyle/>
+              <a:p>
+                <a:r>
+                  <a:rPr lang="it-IT" sz="1800" dirty="0">
+                    <a:effectLst/>
+                    <a:latin typeface="Times New Roman" panose="02020603050405020304" pitchFamily="18" charset="0"/>
+                    <a:ea typeface="Times New Roman" panose="02020603050405020304" pitchFamily="18" charset="0"/>
+                  </a:rPr>
+                  <a:t>Cambio forma         </a:t>
+                </a:r>
+                <a14:m>
+                  <m:oMath xmlns:m="http://schemas.openxmlformats.org/officeDocument/2006/math">
+                    <m:sSub>
+                      <m:sSubPr>
+                        <m:ctrlPr>
+                          <a:rPr lang="en-GB" sz="1800" i="1" smtClean="0">
+                            <a:effectLst/>
+                            <a:latin typeface="Cambria Math" panose="02040503050406030204" pitchFamily="18" charset="0"/>
+                          </a:rPr>
+                        </m:ctrlPr>
+                      </m:sSubPr>
+                      <m:e>
+                        <m:r>
+                          <a:rPr lang="en-GB">
+                            <a:latin typeface="Cambria Math" panose="02040503050406030204" pitchFamily="18" charset="0"/>
+                          </a:rPr>
+                          <m:t>𝑒</m:t>
+                        </m:r>
+                      </m:e>
+                      <m:sub>
+                        <m:r>
+                          <a:rPr lang="it-IT" sz="1800" b="0" i="1" smtClean="0">
+                            <a:effectLst/>
+                            <a:latin typeface="Cambria Math" panose="02040503050406030204" pitchFamily="18" charset="0"/>
+                          </a:rPr>
+                          <m:t>𝑓</m:t>
+                        </m:r>
+                      </m:sub>
+                    </m:sSub>
+                  </m:oMath>
+                </a14:m>
+                <a:r>
+                  <a:rPr lang="it-IT" sz="1800" dirty="0">
+                    <a:effectLst/>
+                    <a:latin typeface="Times New Roman" panose="02020603050405020304" pitchFamily="18" charset="0"/>
+                    <a:ea typeface="Times New Roman" panose="02020603050405020304" pitchFamily="18" charset="0"/>
+                  </a:rPr>
+                  <a:t> , </a:t>
+                </a:r>
+                <a14:m>
+                  <m:oMath xmlns:m="http://schemas.openxmlformats.org/officeDocument/2006/math">
+                    <m:sSub>
+                      <m:sSubPr>
+                        <m:ctrlPr>
+                          <a:rPr lang="en-GB" i="1">
+                            <a:latin typeface="Cambria Math" panose="02040503050406030204" pitchFamily="18" charset="0"/>
+                          </a:rPr>
+                        </m:ctrlPr>
+                      </m:sSubPr>
+                      <m:e>
+                        <m:r>
+                          <a:rPr lang="it-IT" b="0" i="1" smtClean="0">
+                            <a:latin typeface="Cambria Math" panose="02040503050406030204" pitchFamily="18" charset="0"/>
+                          </a:rPr>
+                          <m:t>𝑎</m:t>
+                        </m:r>
+                      </m:e>
+                      <m:sub>
+                        <m:r>
+                          <a:rPr lang="it-IT" i="1">
+                            <a:latin typeface="Cambria Math" panose="02040503050406030204" pitchFamily="18" charset="0"/>
+                          </a:rPr>
+                          <m:t>𝑓</m:t>
+                        </m:r>
+                      </m:sub>
+                    </m:sSub>
+                  </m:oMath>
+                </a14:m>
+                <a:r>
+                  <a:rPr lang="it-IT" dirty="0">
+                    <a:latin typeface="Times New Roman" panose="02020603050405020304" pitchFamily="18" charset="0"/>
+                    <a:ea typeface="Times New Roman" panose="02020603050405020304" pitchFamily="18" charset="0"/>
+                  </a:rPr>
+                  <a:t> </a:t>
+                </a:r>
+                <a:endParaRPr lang="it-IT" sz="1800" dirty="0">
+                  <a:effectLst/>
+                  <a:latin typeface="Times New Roman" panose="02020603050405020304" pitchFamily="18" charset="0"/>
+                  <a:ea typeface="Times New Roman" panose="02020603050405020304" pitchFamily="18" charset="0"/>
+                </a:endParaRPr>
+              </a:p>
+              <a:p>
+                <a:endParaRPr lang="it-IT" sz="1800" dirty="0">
+                  <a:effectLst/>
+                  <a:latin typeface="Times New Roman" panose="02020603050405020304" pitchFamily="18" charset="0"/>
+                  <a:ea typeface="Times New Roman" panose="02020603050405020304" pitchFamily="18" charset="0"/>
+                </a:endParaRPr>
+              </a:p>
+              <a:p>
+                <a:pPr marL="285750" indent="-285750">
+                  <a:buFont typeface="Arial" panose="020B0604020202020204" pitchFamily="34" charset="0"/>
+                  <a:buChar char="•"/>
+                </a:pPr>
+                <a:r>
+                  <a:rPr lang="it-IT" sz="1800" dirty="0">
+                    <a:effectLst/>
+                    <a:latin typeface="Times New Roman" panose="02020603050405020304" pitchFamily="18" charset="0"/>
+                    <a:ea typeface="Times New Roman" panose="02020603050405020304" pitchFamily="18" charset="0"/>
+                  </a:rPr>
+                  <a:t>Raggiungere il pericentro dell'orbita iniziale </a:t>
+                </a:r>
+                <a14:m>
+                  <m:oMath xmlns:m="http://schemas.openxmlformats.org/officeDocument/2006/math">
+                    <m:sSub>
+                      <m:sSubPr>
+                        <m:ctrlPr>
+                          <a:rPr lang="en-GB" sz="1800" i="1" smtClean="0">
+                            <a:effectLst/>
+                            <a:latin typeface="Cambria Math" panose="02040503050406030204" pitchFamily="18" charset="0"/>
+                          </a:rPr>
+                        </m:ctrlPr>
+                      </m:sSubPr>
+                      <m:e>
+                        <m:r>
+                          <m:rPr>
+                            <m:sty m:val="p"/>
+                          </m:rPr>
+                          <a:rPr lang="en-GB">
+                            <a:latin typeface="Cambria Math" panose="02040503050406030204" pitchFamily="18" charset="0"/>
+                          </a:rPr>
+                          <m:t>Δ</m:t>
+                        </m:r>
+                        <m:r>
+                          <a:rPr lang="it-IT" b="0" i="1" smtClean="0">
+                            <a:latin typeface="Cambria Math" panose="02040503050406030204" pitchFamily="18" charset="0"/>
+                          </a:rPr>
+                          <m:t>𝑡</m:t>
+                        </m:r>
+                      </m:e>
+                      <m:sub>
+                        <m:r>
+                          <a:rPr lang="it-IT" b="0" i="1" smtClean="0">
+                            <a:latin typeface="Cambria Math" panose="02040503050406030204" pitchFamily="18" charset="0"/>
+                          </a:rPr>
+                          <m:t>1</m:t>
+                        </m:r>
+                      </m:sub>
+                    </m:sSub>
+                    <m:r>
+                      <a:rPr lang="it-IT" sz="1800" b="0" i="1" smtClean="0">
+                        <a:effectLst/>
+                        <a:latin typeface="Cambria Math" panose="02040503050406030204" pitchFamily="18" charset="0"/>
+                      </a:rPr>
+                      <m:t>= </m:t>
+                    </m:r>
+                  </m:oMath>
+                </a14:m>
+                <a:r>
+                  <a:rPr lang="en-GB" dirty="0"/>
+                  <a:t>5698</a:t>
+                </a:r>
+                <a:r>
+                  <a:rPr lang="it-IT" dirty="0">
+                    <a:latin typeface="Times New Roman" panose="02020603050405020304" pitchFamily="18" charset="0"/>
+                  </a:rPr>
+                  <a:t> </a:t>
+                </a:r>
+                <a14:m>
+                  <m:oMath xmlns:m="http://schemas.openxmlformats.org/officeDocument/2006/math">
+                    <m:r>
+                      <a:rPr lang="en-GB">
+                        <a:latin typeface="Cambria Math" panose="02040503050406030204" pitchFamily="18" charset="0"/>
+                      </a:rPr>
+                      <m:t>𝑠</m:t>
+                    </m:r>
+                  </m:oMath>
+                </a14:m>
+                <a:endParaRPr lang="it-IT" sz="1800" dirty="0">
+                  <a:effectLst/>
+                  <a:latin typeface="Times New Roman" panose="02020603050405020304" pitchFamily="18" charset="0"/>
+                  <a:ea typeface="Times New Roman" panose="02020603050405020304" pitchFamily="18" charset="0"/>
+                </a:endParaRPr>
+              </a:p>
+              <a:p>
+                <a:pPr marL="285750" indent="-285750">
+                  <a:buFont typeface="Arial" panose="020B0604020202020204" pitchFamily="34" charset="0"/>
+                  <a:buChar char="•"/>
+                </a:pPr>
+                <a:endParaRPr lang="it-IT" sz="1800" dirty="0">
+                  <a:effectLst/>
+                  <a:latin typeface="Times New Roman" panose="02020603050405020304" pitchFamily="18" charset="0"/>
+                  <a:ea typeface="Times New Roman" panose="02020603050405020304" pitchFamily="18" charset="0"/>
+                </a:endParaRPr>
+              </a:p>
+              <a:p>
+                <a:pPr marL="285750" indent="-285750">
+                  <a:buFont typeface="Arial" panose="020B0604020202020204" pitchFamily="34" charset="0"/>
+                  <a:buChar char="•"/>
+                </a:pPr>
+                <a:r>
+                  <a:rPr lang="it-IT" dirty="0">
+                    <a:latin typeface="Times New Roman" panose="02020603050405020304" pitchFamily="18" charset="0"/>
+                    <a:ea typeface="Times New Roman" panose="02020603050405020304" pitchFamily="18" charset="0"/>
+                  </a:rPr>
+                  <a:t>P</a:t>
+                </a:r>
+                <a:r>
+                  <a:rPr lang="it-IT" sz="1800" dirty="0">
+                    <a:effectLst/>
+                    <a:latin typeface="Times New Roman" panose="02020603050405020304" pitchFamily="18" charset="0"/>
+                    <a:ea typeface="Times New Roman" panose="02020603050405020304" pitchFamily="18" charset="0"/>
+                  </a:rPr>
+                  <a:t>rimo impulso </a:t>
+                </a:r>
+                <a14:m>
+                  <m:oMath xmlns:m="http://schemas.openxmlformats.org/officeDocument/2006/math">
+                    <m:sSub>
+                      <m:sSubPr>
+                        <m:ctrlPr>
+                          <a:rPr lang="en-GB" sz="1800" i="1" smtClean="0">
+                            <a:effectLst/>
+                            <a:latin typeface="Cambria Math" panose="02040503050406030204" pitchFamily="18" charset="0"/>
+                          </a:rPr>
+                        </m:ctrlPr>
+                      </m:sSubPr>
+                      <m:e>
+                        <m:r>
+                          <m:rPr>
+                            <m:sty m:val="p"/>
+                          </m:rPr>
+                          <a:rPr lang="en-GB">
+                            <a:latin typeface="Cambria Math" panose="02040503050406030204" pitchFamily="18" charset="0"/>
+                          </a:rPr>
+                          <m:t>Δ</m:t>
+                        </m:r>
+                        <m:r>
+                          <a:rPr lang="en-GB">
+                            <a:latin typeface="Cambria Math" panose="02040503050406030204" pitchFamily="18" charset="0"/>
+                          </a:rPr>
+                          <m:t>𝑣</m:t>
+                        </m:r>
+                      </m:e>
+                      <m:sub>
+                        <m:r>
+                          <a:rPr lang="it-IT" b="0" i="1" smtClean="0">
+                            <a:latin typeface="Cambria Math" panose="02040503050406030204" pitchFamily="18" charset="0"/>
+                          </a:rPr>
+                          <m:t>1</m:t>
+                        </m:r>
+                      </m:sub>
+                    </m:sSub>
+                    <m:r>
+                      <a:rPr lang="it-IT" sz="1800" b="0" i="1" smtClean="0">
+                        <a:effectLst/>
+                        <a:latin typeface="Cambria Math" panose="02040503050406030204" pitchFamily="18" charset="0"/>
+                      </a:rPr>
+                      <m:t>= </m:t>
+                    </m:r>
+                  </m:oMath>
+                </a14:m>
+                <a:r>
+                  <a:rPr lang="en-GB" dirty="0"/>
+                  <a:t>0.5863 </a:t>
+                </a:r>
+                <a14:m>
+                  <m:oMath xmlns:m="http://schemas.openxmlformats.org/officeDocument/2006/math">
+                    <m:f>
+                      <m:fPr>
+                        <m:ctrlPr>
+                          <a:rPr lang="en-GB">
+                            <a:latin typeface="Cambria Math" panose="02040503050406030204" pitchFamily="18" charset="0"/>
+                          </a:rPr>
+                        </m:ctrlPr>
+                      </m:fPr>
+                      <m:num>
+                        <m:r>
+                          <a:rPr lang="en-GB">
+                            <a:latin typeface="Cambria Math" panose="02040503050406030204" pitchFamily="18" charset="0"/>
+                          </a:rPr>
+                          <m:t>𝑘𝑚</m:t>
+                        </m:r>
+                      </m:num>
+                      <m:den>
+                        <m:r>
+                          <a:rPr lang="en-GB">
+                            <a:latin typeface="Cambria Math" panose="02040503050406030204" pitchFamily="18" charset="0"/>
+                          </a:rPr>
+                          <m:t>𝑠</m:t>
+                        </m:r>
+                      </m:den>
+                    </m:f>
+                  </m:oMath>
+                </a14:m>
+                <a:endParaRPr lang="it-IT" dirty="0"/>
+              </a:p>
+              <a:p>
+                <a:pPr marL="285750" indent="-285750">
+                  <a:buFont typeface="Arial" panose="020B0604020202020204" pitchFamily="34" charset="0"/>
+                  <a:buChar char="•"/>
+                </a:pPr>
+                <a:endParaRPr lang="it-IT" dirty="0">
+                  <a:effectLst/>
+                  <a:latin typeface="Times New Roman" panose="02020603050405020304" pitchFamily="18" charset="0"/>
+                  <a:ea typeface="Times New Roman" panose="02020603050405020304" pitchFamily="18" charset="0"/>
+                </a:endParaRPr>
+              </a:p>
+              <a:p>
+                <a:pPr marL="285750" indent="-285750">
+                  <a:buFont typeface="Arial" panose="020B0604020202020204" pitchFamily="34" charset="0"/>
+                  <a:buChar char="•"/>
+                </a:pPr>
+                <a:r>
+                  <a:rPr lang="it-IT" sz="1800" dirty="0">
+                    <a:effectLst/>
+                    <a:latin typeface="Times New Roman" panose="02020603050405020304" pitchFamily="18" charset="0"/>
+                    <a:ea typeface="Times New Roman" panose="02020603050405020304" pitchFamily="18" charset="0"/>
+                  </a:rPr>
+                  <a:t>Orbita di Trasferimento:</a:t>
+                </a:r>
+                <a14:m>
+                  <m:oMath xmlns:m="http://schemas.openxmlformats.org/officeDocument/2006/math">
+                    <m:sSub>
+                      <m:sSubPr>
+                        <m:ctrlPr>
+                          <a:rPr lang="en-GB" i="1">
+                            <a:latin typeface="Cambria Math" panose="02040503050406030204" pitchFamily="18" charset="0"/>
+                          </a:rPr>
+                        </m:ctrlPr>
+                      </m:sSubPr>
+                      <m:e>
+                        <m:r>
+                          <a:rPr lang="en-GB">
+                            <a:latin typeface="Cambria Math" panose="02040503050406030204" pitchFamily="18" charset="0"/>
+                          </a:rPr>
+                          <m:t>𝑒</m:t>
+                        </m:r>
+                      </m:e>
+                      <m:sub>
+                        <m:r>
+                          <a:rPr lang="it-IT" b="0" i="1" smtClean="0">
+                            <a:latin typeface="Cambria Math" panose="02040503050406030204" pitchFamily="18" charset="0"/>
+                          </a:rPr>
+                          <m:t>𝑡</m:t>
+                        </m:r>
+                      </m:sub>
+                    </m:sSub>
+                  </m:oMath>
+                </a14:m>
+                <a:r>
+                  <a:rPr lang="it-IT" dirty="0">
+                    <a:latin typeface="Times New Roman" panose="02020603050405020304" pitchFamily="18" charset="0"/>
+                    <a:ea typeface="Times New Roman" panose="02020603050405020304" pitchFamily="18" charset="0"/>
+                  </a:rPr>
+                  <a:t> , </a:t>
+                </a:r>
+                <a14:m>
+                  <m:oMath xmlns:m="http://schemas.openxmlformats.org/officeDocument/2006/math">
+                    <m:sSub>
+                      <m:sSubPr>
+                        <m:ctrlPr>
+                          <a:rPr lang="en-GB" i="1">
+                            <a:latin typeface="Cambria Math" panose="02040503050406030204" pitchFamily="18" charset="0"/>
+                          </a:rPr>
+                        </m:ctrlPr>
+                      </m:sSubPr>
+                      <m:e>
+                        <m:r>
+                          <a:rPr lang="it-IT" i="1">
+                            <a:latin typeface="Cambria Math" panose="02040503050406030204" pitchFamily="18" charset="0"/>
+                          </a:rPr>
+                          <m:t>𝑎</m:t>
+                        </m:r>
+                      </m:e>
+                      <m:sub>
+                        <m:r>
+                          <a:rPr lang="it-IT" b="0" i="1" smtClean="0">
+                            <a:latin typeface="Cambria Math" panose="02040503050406030204" pitchFamily="18" charset="0"/>
+                          </a:rPr>
+                          <m:t>𝑡</m:t>
+                        </m:r>
+                      </m:sub>
+                    </m:sSub>
+                  </m:oMath>
+                </a14:m>
+                <a:r>
+                  <a:rPr lang="it-IT" dirty="0">
+                    <a:latin typeface="Times New Roman" panose="02020603050405020304" pitchFamily="18" charset="0"/>
+                    <a:ea typeface="Times New Roman" panose="02020603050405020304" pitchFamily="18" charset="0"/>
+                  </a:rPr>
+                  <a:t> </a:t>
+                </a:r>
+              </a:p>
+              <a:p>
+                <a:pPr marL="285750" indent="-285750">
+                  <a:buFont typeface="Arial" panose="020B0604020202020204" pitchFamily="34" charset="0"/>
+                  <a:buChar char="•"/>
+                </a:pPr>
+                <a:endParaRPr lang="it-IT" sz="1800" dirty="0">
+                  <a:effectLst/>
+                  <a:latin typeface="Times New Roman" panose="02020603050405020304" pitchFamily="18" charset="0"/>
+                  <a:ea typeface="Times New Roman" panose="02020603050405020304" pitchFamily="18" charset="0"/>
+                </a:endParaRPr>
+              </a:p>
+              <a:p>
+                <a:pPr marL="285750" indent="-285750">
+                  <a:buFont typeface="Arial" panose="020B0604020202020204" pitchFamily="34" charset="0"/>
+                  <a:buChar char="•"/>
+                </a:pPr>
+                <a:r>
+                  <a:rPr lang="it-IT" sz="1800" dirty="0">
+                    <a:effectLst/>
+                    <a:latin typeface="Times New Roman" panose="02020603050405020304" pitchFamily="18" charset="0"/>
+                    <a:ea typeface="Times New Roman" panose="02020603050405020304" pitchFamily="18" charset="0"/>
+                  </a:rPr>
+                  <a:t>Raggiungere l'apocentro dell'orbita di trasferimento</a:t>
+                </a:r>
+                <a14:m>
+                  <m:oMath xmlns:m="http://schemas.openxmlformats.org/officeDocument/2006/math">
+                    <m:sSub>
+                      <m:sSubPr>
+                        <m:ctrlPr>
+                          <a:rPr lang="en-GB" sz="1800" i="1" smtClean="0">
+                            <a:effectLst/>
+                            <a:latin typeface="Cambria Math" panose="02040503050406030204" pitchFamily="18" charset="0"/>
+                          </a:rPr>
+                        </m:ctrlPr>
+                      </m:sSubPr>
+                      <m:e>
+                        <m:r>
+                          <a:rPr lang="it-IT" sz="1800" b="0" i="0" smtClean="0">
+                            <a:effectLst/>
+                            <a:latin typeface="Cambria Math" panose="02040503050406030204" pitchFamily="18" charset="0"/>
+                          </a:rPr>
+                          <m:t>  </m:t>
+                        </m:r>
+                        <m:r>
+                          <m:rPr>
+                            <m:sty m:val="p"/>
+                          </m:rPr>
+                          <a:rPr lang="en-GB">
+                            <a:latin typeface="Cambria Math" panose="02040503050406030204" pitchFamily="18" charset="0"/>
+                          </a:rPr>
+                          <m:t>Δ</m:t>
+                        </m:r>
+                        <m:r>
+                          <a:rPr lang="it-IT" b="0" i="1" smtClean="0">
+                            <a:latin typeface="Cambria Math" panose="02040503050406030204" pitchFamily="18" charset="0"/>
+                          </a:rPr>
+                          <m:t>𝑡</m:t>
+                        </m:r>
+                      </m:e>
+                      <m:sub>
+                        <m:r>
+                          <a:rPr lang="it-IT" b="0" i="1" smtClean="0">
+                            <a:latin typeface="Cambria Math" panose="02040503050406030204" pitchFamily="18" charset="0"/>
+                          </a:rPr>
+                          <m:t>2</m:t>
+                        </m:r>
+                      </m:sub>
+                    </m:sSub>
+                    <m:r>
+                      <a:rPr lang="it-IT" sz="1800" b="0" i="1" smtClean="0">
+                        <a:effectLst/>
+                        <a:latin typeface="Cambria Math" panose="02040503050406030204" pitchFamily="18" charset="0"/>
+                      </a:rPr>
+                      <m:t>= </m:t>
+                    </m:r>
+                  </m:oMath>
+                </a14:m>
+                <a:r>
+                  <a:rPr lang="en-GB" dirty="0"/>
+                  <a:t>5295</a:t>
+                </a:r>
+                <a:r>
+                  <a:rPr lang="it-IT" dirty="0">
+                    <a:latin typeface="Times New Roman" panose="02020603050405020304" pitchFamily="18" charset="0"/>
+                  </a:rPr>
+                  <a:t> </a:t>
+                </a:r>
+                <a14:m>
+                  <m:oMath xmlns:m="http://schemas.openxmlformats.org/officeDocument/2006/math">
+                    <m:r>
+                      <a:rPr lang="en-GB">
+                        <a:latin typeface="Cambria Math" panose="02040503050406030204" pitchFamily="18" charset="0"/>
+                      </a:rPr>
+                      <m:t>𝑠</m:t>
+                    </m:r>
+                  </m:oMath>
+                </a14:m>
+                <a:endParaRPr lang="it-IT" sz="1800" dirty="0">
+                  <a:effectLst/>
+                  <a:latin typeface="Times New Roman" panose="02020603050405020304" pitchFamily="18" charset="0"/>
+                  <a:ea typeface="Times New Roman" panose="02020603050405020304" pitchFamily="18" charset="0"/>
+                </a:endParaRPr>
+              </a:p>
+              <a:p>
+                <a:pPr marL="285750" indent="-285750">
+                  <a:buFont typeface="Arial" panose="020B0604020202020204" pitchFamily="34" charset="0"/>
+                  <a:buChar char="•"/>
+                </a:pPr>
+                <a:endParaRPr lang="it-IT" sz="1800" dirty="0">
+                  <a:effectLst/>
+                  <a:latin typeface="Times New Roman" panose="02020603050405020304" pitchFamily="18" charset="0"/>
+                  <a:ea typeface="Times New Roman" panose="02020603050405020304" pitchFamily="18" charset="0"/>
+                </a:endParaRPr>
+              </a:p>
+              <a:p>
+                <a:pPr marL="285750" indent="-285750">
+                  <a:buFont typeface="Arial" panose="020B0604020202020204" pitchFamily="34" charset="0"/>
+                  <a:buChar char="•"/>
+                </a:pPr>
+                <a:r>
+                  <a:rPr lang="it-IT" dirty="0">
+                    <a:latin typeface="Times New Roman" panose="02020603050405020304" pitchFamily="18" charset="0"/>
+                  </a:rPr>
+                  <a:t>Secondo impulso </a:t>
+                </a:r>
+                <a14:m>
+                  <m:oMath xmlns:m="http://schemas.openxmlformats.org/officeDocument/2006/math">
+                    <m:sSub>
+                      <m:sSubPr>
+                        <m:ctrlPr>
+                          <a:rPr lang="en-GB" sz="1800" i="1" smtClean="0">
+                            <a:effectLst/>
+                            <a:latin typeface="Cambria Math" panose="02040503050406030204" pitchFamily="18" charset="0"/>
+                          </a:rPr>
+                        </m:ctrlPr>
+                      </m:sSubPr>
+                      <m:e>
+                        <m:r>
+                          <m:rPr>
+                            <m:sty m:val="p"/>
+                          </m:rPr>
+                          <a:rPr lang="en-GB">
+                            <a:latin typeface="Cambria Math" panose="02040503050406030204" pitchFamily="18" charset="0"/>
+                          </a:rPr>
+                          <m:t>Δ</m:t>
+                        </m:r>
+                        <m:r>
+                          <a:rPr lang="en-GB">
+                            <a:latin typeface="Cambria Math" panose="02040503050406030204" pitchFamily="18" charset="0"/>
+                          </a:rPr>
+                          <m:t>𝑣</m:t>
+                        </m:r>
+                      </m:e>
+                      <m:sub>
+                        <m:r>
+                          <a:rPr lang="it-IT" b="0" i="1" smtClean="0">
+                            <a:latin typeface="Cambria Math" panose="02040503050406030204" pitchFamily="18" charset="0"/>
+                          </a:rPr>
+                          <m:t>2</m:t>
+                        </m:r>
+                      </m:sub>
+                    </m:sSub>
+                    <m:r>
+                      <a:rPr lang="it-IT" sz="1800" b="0" i="1" smtClean="0">
+                        <a:effectLst/>
+                        <a:latin typeface="Cambria Math" panose="02040503050406030204" pitchFamily="18" charset="0"/>
+                      </a:rPr>
+                      <m:t>= </m:t>
+                    </m:r>
+                  </m:oMath>
+                </a14:m>
+                <a:r>
+                  <a:rPr lang="en-GB" dirty="0"/>
+                  <a:t>0.1642 </a:t>
+                </a:r>
+                <a14:m>
+                  <m:oMath xmlns:m="http://schemas.openxmlformats.org/officeDocument/2006/math">
+                    <m:f>
+                      <m:fPr>
+                        <m:ctrlPr>
+                          <a:rPr lang="en-GB">
+                            <a:latin typeface="Cambria Math" panose="02040503050406030204" pitchFamily="18" charset="0"/>
+                          </a:rPr>
+                        </m:ctrlPr>
+                      </m:fPr>
+                      <m:num>
+                        <m:r>
+                          <a:rPr lang="en-GB">
+                            <a:latin typeface="Cambria Math" panose="02040503050406030204" pitchFamily="18" charset="0"/>
+                          </a:rPr>
+                          <m:t>𝑘𝑚</m:t>
+                        </m:r>
+                      </m:num>
+                      <m:den>
+                        <m:r>
+                          <a:rPr lang="en-GB">
+                            <a:latin typeface="Cambria Math" panose="02040503050406030204" pitchFamily="18" charset="0"/>
+                          </a:rPr>
+                          <m:t>𝑠</m:t>
+                        </m:r>
+                      </m:den>
+                    </m:f>
+                  </m:oMath>
+                </a14:m>
+                <a:endParaRPr lang="it-IT" dirty="0"/>
+              </a:p>
+              <a:p>
+                <a:pPr marL="285750" indent="-285750">
+                  <a:buFont typeface="Arial" panose="020B0604020202020204" pitchFamily="34" charset="0"/>
+                  <a:buChar char="•"/>
+                </a:pPr>
+                <a:endParaRPr lang="it-IT" dirty="0">
+                  <a:latin typeface="Times New Roman" panose="02020603050405020304" pitchFamily="18" charset="0"/>
+                </a:endParaRPr>
+              </a:p>
+              <a:p>
+                <a:pPr marL="285750" indent="-285750">
+                  <a:buFont typeface="Arial" panose="020B0604020202020204" pitchFamily="34" charset="0"/>
+                  <a:buChar char="•"/>
+                </a:pPr>
+                <a:r>
+                  <a:rPr lang="it-IT" sz="1800" dirty="0">
+                    <a:effectLst/>
+                    <a:latin typeface="Times New Roman" panose="02020603050405020304" pitchFamily="18" charset="0"/>
+                    <a:ea typeface="Times New Roman" panose="02020603050405020304" pitchFamily="18" charset="0"/>
+                  </a:rPr>
+                  <a:t>Nuova orbita: </a:t>
+                </a:r>
+                <a14:m>
+                  <m:oMath xmlns:m="http://schemas.openxmlformats.org/officeDocument/2006/math">
+                    <m:sSub>
+                      <m:sSubPr>
+                        <m:ctrlPr>
+                          <a:rPr lang="en-GB" sz="1800" i="1" smtClean="0">
+                            <a:effectLst/>
+                            <a:latin typeface="Cambria Math" panose="02040503050406030204" pitchFamily="18" charset="0"/>
+                          </a:rPr>
+                        </m:ctrlPr>
+                      </m:sSubPr>
+                      <m:e>
+                        <m:r>
+                          <a:rPr lang="en-GB">
+                            <a:latin typeface="Cambria Math" panose="02040503050406030204" pitchFamily="18" charset="0"/>
+                          </a:rPr>
+                          <m:t>𝑒</m:t>
+                        </m:r>
+                      </m:e>
+                      <m:sub>
+                        <m:r>
+                          <a:rPr lang="it-IT" sz="1800" b="0" i="1" smtClean="0">
+                            <a:effectLst/>
+                            <a:latin typeface="Cambria Math" panose="02040503050406030204" pitchFamily="18" charset="0"/>
+                          </a:rPr>
+                          <m:t>𝑓</m:t>
+                        </m:r>
+                      </m:sub>
+                    </m:sSub>
+                  </m:oMath>
+                </a14:m>
+                <a:r>
+                  <a:rPr lang="it-IT" sz="1800" dirty="0">
+                    <a:effectLst/>
+                    <a:latin typeface="Times New Roman" panose="02020603050405020304" pitchFamily="18" charset="0"/>
+                    <a:ea typeface="Times New Roman" panose="02020603050405020304" pitchFamily="18" charset="0"/>
+                  </a:rPr>
+                  <a:t> , </a:t>
+                </a:r>
+                <a14:m>
+                  <m:oMath xmlns:m="http://schemas.openxmlformats.org/officeDocument/2006/math">
+                    <m:sSub>
+                      <m:sSubPr>
+                        <m:ctrlPr>
+                          <a:rPr lang="en-GB" i="1">
+                            <a:latin typeface="Cambria Math" panose="02040503050406030204" pitchFamily="18" charset="0"/>
+                          </a:rPr>
+                        </m:ctrlPr>
+                      </m:sSubPr>
+                      <m:e>
+                        <m:r>
+                          <a:rPr lang="it-IT" b="0" i="1" smtClean="0">
+                            <a:latin typeface="Cambria Math" panose="02040503050406030204" pitchFamily="18" charset="0"/>
+                          </a:rPr>
+                          <m:t>𝑎</m:t>
+                        </m:r>
+                      </m:e>
+                      <m:sub>
+                        <m:r>
+                          <a:rPr lang="it-IT" i="1">
+                            <a:latin typeface="Cambria Math" panose="02040503050406030204" pitchFamily="18" charset="0"/>
+                          </a:rPr>
+                          <m:t>𝑓</m:t>
+                        </m:r>
+                      </m:sub>
+                    </m:sSub>
+                  </m:oMath>
+                </a14:m>
+                <a:r>
+                  <a:rPr lang="it-IT" dirty="0">
+                    <a:latin typeface="Times New Roman" panose="02020603050405020304" pitchFamily="18" charset="0"/>
+                    <a:ea typeface="Times New Roman" panose="02020603050405020304" pitchFamily="18" charset="0"/>
+                  </a:rPr>
+                  <a:t> </a:t>
+                </a:r>
+                <a:endParaRPr lang="it-IT" sz="1800" dirty="0">
+                  <a:effectLst/>
+                  <a:latin typeface="Times New Roman" panose="02020603050405020304" pitchFamily="18" charset="0"/>
+                  <a:ea typeface="Times New Roman" panose="02020603050405020304" pitchFamily="18" charset="0"/>
+                </a:endParaRPr>
+              </a:p>
+              <a:p>
+                <a:pPr marL="285750" indent="-285750">
+                  <a:buFont typeface="Arial" panose="020B0604020202020204" pitchFamily="34" charset="0"/>
+                  <a:buChar char="•"/>
+                </a:pPr>
+                <a:endParaRPr lang="it-IT" dirty="0"/>
+              </a:p>
+            </p:txBody>
+          </p:sp>
+        </mc:Choice>
+        <mc:Fallback>
+          <p:sp>
+            <p:nvSpPr>
+              <p:cNvPr id="10" name="CasellaDiTesto 9">
+                <a:extLst>
+                  <a:ext uri="{FF2B5EF4-FFF2-40B4-BE49-F238E27FC236}">
+                    <a16:creationId xmlns:a16="http://schemas.microsoft.com/office/drawing/2014/main" id="{6A13A7E0-D697-E2BA-ED25-19B6FE51E394}"/>
+                  </a:ext>
+                </a:extLst>
+              </p:cNvPr>
+              <p:cNvSpPr txBox="1">
+                <a:spLocks noRot="1" noChangeAspect="1" noMove="1" noResize="1" noEditPoints="1" noAdjustHandles="1" noChangeArrowheads="1" noChangeShapeType="1" noTextEdit="1"/>
+              </p:cNvSpPr>
+              <p:nvPr/>
+            </p:nvSpPr>
+            <p:spPr>
+              <a:xfrm>
+                <a:off x="228600" y="1066712"/>
+                <a:ext cx="4191000" cy="4812728"/>
+              </a:xfrm>
+              <a:prstGeom prst="rect">
+                <a:avLst/>
+              </a:prstGeom>
+              <a:blipFill>
+                <a:blip r:embed="rId3"/>
+                <a:stretch>
+                  <a:fillRect l="-1310" t="-760"/>
+                </a:stretch>
+              </a:blipFill>
+            </p:spPr>
+            <p:txBody>
+              <a:bodyPr/>
+              <a:lstStyle/>
+              <a:p>
+                <a:r>
+                  <a:rPr lang="it-IT">
+                    <a:noFill/>
+                  </a:rPr>
+                  <a:t> </a:t>
+                </a:r>
+              </a:p>
+            </p:txBody>
+          </p:sp>
+        </mc:Fallback>
+      </mc:AlternateContent>
+      <p:sp>
+        <p:nvSpPr>
+          <p:cNvPr id="11" name="Ovale 10">
+            <a:extLst>
+              <a:ext uri="{FF2B5EF4-FFF2-40B4-BE49-F238E27FC236}">
+                <a16:creationId xmlns:a16="http://schemas.microsoft.com/office/drawing/2014/main" id="{BDAD4C7A-6B0B-C111-CC28-086FA53D4375}"/>
+              </a:ext>
+            </a:extLst>
+          </p:cNvPr>
+          <p:cNvSpPr/>
+          <p:nvPr/>
+        </p:nvSpPr>
+        <p:spPr>
+          <a:xfrm>
+            <a:off x="293102" y="2590800"/>
+            <a:ext cx="152400" cy="152400"/>
+          </a:xfrm>
+          <a:prstGeom prst="ellipse">
+            <a:avLst/>
+          </a:prstGeom>
+          <a:solidFill>
+            <a:srgbClr val="FF00FF"/>
+          </a:solidFill>
+          <a:ln>
+            <a:solidFill>
+              <a:schemeClr val="tx1"/>
+            </a:solidFill>
+          </a:ln>
+        </p:spPr>
+        <p:style>
+          <a:lnRef idx="0">
+            <a:scrgbClr r="0" g="0" b="0"/>
+          </a:lnRef>
+          <a:fillRef idx="0">
+            <a:scrgbClr r="0" g="0" b="0"/>
+          </a:fillRef>
+          <a:effectRef idx="0">
+            <a:scrgbClr r="0" g="0" b="0"/>
+          </a:effectRef>
+          <a:fontRef idx="minor">
+            <a:schemeClr val="dk1"/>
+          </a:fontRef>
+        </p:style>
+        <p:txBody>
+          <a:bodyPr rtlCol="0" anchor="ctr"/>
+          <a:lstStyle/>
+          <a:p>
+            <a:pPr algn="ctr"/>
+            <a:endParaRPr lang="it-IT">
+              <a:solidFill>
+                <a:srgbClr val="FF00FF"/>
+              </a:solidFill>
+            </a:endParaRPr>
+          </a:p>
+        </p:txBody>
+      </p:sp>
+      <p:sp>
+        <p:nvSpPr>
+          <p:cNvPr id="13" name="Ovale 12">
+            <a:extLst>
+              <a:ext uri="{FF2B5EF4-FFF2-40B4-BE49-F238E27FC236}">
+                <a16:creationId xmlns:a16="http://schemas.microsoft.com/office/drawing/2014/main" id="{2E02D28A-F410-6B30-3B9B-124697AD0312}"/>
+              </a:ext>
+            </a:extLst>
+          </p:cNvPr>
+          <p:cNvSpPr/>
+          <p:nvPr/>
+        </p:nvSpPr>
+        <p:spPr>
+          <a:xfrm>
+            <a:off x="293102" y="4648200"/>
+            <a:ext cx="152400" cy="152400"/>
+          </a:xfrm>
+          <a:prstGeom prst="ellipse">
+            <a:avLst/>
+          </a:prstGeom>
+          <a:solidFill>
+            <a:srgbClr val="00FFFF"/>
+          </a:solidFill>
+          <a:ln>
+            <a:solidFill>
+              <a:schemeClr val="tx1"/>
+            </a:solidFill>
+          </a:ln>
+        </p:spPr>
+        <p:style>
+          <a:lnRef idx="0">
+            <a:scrgbClr r="0" g="0" b="0"/>
+          </a:lnRef>
+          <a:fillRef idx="0">
+            <a:scrgbClr r="0" g="0" b="0"/>
+          </a:fillRef>
+          <a:effectRef idx="0">
+            <a:scrgbClr r="0" g="0" b="0"/>
+          </a:effectRef>
+          <a:fontRef idx="minor">
+            <a:schemeClr val="dk1"/>
+          </a:fontRef>
+        </p:style>
+        <p:txBody>
+          <a:bodyPr rtlCol="0" anchor="ctr"/>
+          <a:lstStyle/>
+          <a:p>
+            <a:pPr algn="ctr"/>
+            <a:endParaRPr lang="it-IT">
+              <a:solidFill>
+                <a:srgbClr val="FF00FF"/>
+              </a:solidFill>
+            </a:endParaRPr>
+          </a:p>
+        </p:txBody>
+      </p:sp>
+      <p:cxnSp>
+        <p:nvCxnSpPr>
+          <p:cNvPr id="15" name="Connettore 2 14">
+            <a:extLst>
+              <a:ext uri="{FF2B5EF4-FFF2-40B4-BE49-F238E27FC236}">
+                <a16:creationId xmlns:a16="http://schemas.microsoft.com/office/drawing/2014/main" id="{D5B609F8-BDF1-510A-1003-78D778C0FEB0}"/>
+              </a:ext>
+            </a:extLst>
+          </p:cNvPr>
+          <p:cNvCxnSpPr>
+            <a:cxnSpLocks/>
+          </p:cNvCxnSpPr>
+          <p:nvPr/>
+        </p:nvCxnSpPr>
+        <p:spPr>
+          <a:xfrm>
+            <a:off x="1790700" y="1295400"/>
+            <a:ext cx="228600" cy="0"/>
+          </a:xfrm>
+          <a:prstGeom prst="straightConnector1">
+            <a:avLst/>
+          </a:prstGeom>
+          <a:ln>
+            <a:tailEnd type="triangle"/>
+          </a:ln>
+        </p:spPr>
+        <p:style>
+          <a:lnRef idx="1">
+            <a:schemeClr val="dk1"/>
+          </a:lnRef>
+          <a:fillRef idx="0">
+            <a:schemeClr val="dk1"/>
+          </a:fillRef>
+          <a:effectRef idx="0">
+            <a:schemeClr val="dk1"/>
+          </a:effectRef>
+          <a:fontRef idx="minor">
+            <a:schemeClr val="tx1"/>
+          </a:fontRef>
+        </p:style>
+      </p:cxnSp>
     </p:spTree>
   </p:cSld>
   <p:clrMapOvr>
@@ -5429,6 +10093,564 @@
           </a:prstGeom>
         </p:spPr>
       </p:pic>
+      <mc:AlternateContent xmlns:mc="http://schemas.openxmlformats.org/markup-compatibility/2006">
+        <mc:Choice xmlns:a14="http://schemas.microsoft.com/office/drawing/2010/main" Requires="a14">
+          <p:sp>
+            <p:nvSpPr>
+              <p:cNvPr id="6" name="CasellaDiTesto 5">
+                <a:extLst>
+                  <a:ext uri="{FF2B5EF4-FFF2-40B4-BE49-F238E27FC236}">
+                    <a16:creationId xmlns:a16="http://schemas.microsoft.com/office/drawing/2014/main" id="{0F72A5C7-F424-1AF5-88D3-CDE7A31CE309}"/>
+                  </a:ext>
+                </a:extLst>
+              </p:cNvPr>
+              <p:cNvSpPr txBox="1"/>
+              <p:nvPr/>
+            </p:nvSpPr>
+            <p:spPr>
+              <a:xfrm>
+                <a:off x="533400" y="1371600"/>
+                <a:ext cx="3733800" cy="2474780"/>
+              </a:xfrm>
+              <a:prstGeom prst="rect">
+                <a:avLst/>
+              </a:prstGeom>
+              <a:noFill/>
+            </p:spPr>
+            <p:txBody>
+              <a:bodyPr wrap="square">
+                <a:spAutoFit/>
+              </a:bodyPr>
+              <a:lstStyle/>
+              <a:p>
+                <a:r>
+                  <a:rPr lang="it-IT" dirty="0">
+                    <a:latin typeface="Times New Roman" panose="02020603050405020304" pitchFamily="18" charset="0"/>
+                    <a:ea typeface="Times New Roman" panose="02020603050405020304" pitchFamily="18" charset="0"/>
+                  </a:rPr>
+                  <a:t>C</a:t>
+                </a:r>
+                <a:r>
+                  <a:rPr lang="it-IT" sz="1800" dirty="0">
+                    <a:effectLst/>
+                    <a:latin typeface="Times New Roman" panose="02020603050405020304" pitchFamily="18" charset="0"/>
+                    <a:ea typeface="Times New Roman" panose="02020603050405020304" pitchFamily="18" charset="0"/>
+                  </a:rPr>
+                  <a:t>ambio l'inclinazione        </a:t>
+                </a:r>
+                <a14:m>
+                  <m:oMath xmlns:m="http://schemas.openxmlformats.org/officeDocument/2006/math">
+                    <m:sSub>
+                      <m:sSubPr>
+                        <m:ctrlPr>
+                          <a:rPr lang="en-GB" sz="1800" i="1" smtClean="0">
+                            <a:effectLst/>
+                            <a:latin typeface="Cambria Math" panose="02040503050406030204" pitchFamily="18" charset="0"/>
+                          </a:rPr>
+                        </m:ctrlPr>
+                      </m:sSubPr>
+                      <m:e>
+                        <m:r>
+                          <a:rPr lang="it-IT" sz="1800" b="0" i="0" smtClean="0">
+                            <a:effectLst/>
+                            <a:latin typeface="Cambria Math" panose="02040503050406030204" pitchFamily="18" charset="0"/>
+                          </a:rPr>
+                          <m:t> </m:t>
+                        </m:r>
+                        <m:r>
+                          <a:rPr lang="it-IT" sz="1800" b="0" i="1" smtClean="0">
+                            <a:effectLst/>
+                            <a:latin typeface="Cambria Math" panose="02040503050406030204" pitchFamily="18" charset="0"/>
+                          </a:rPr>
+                          <m:t>𝑖</m:t>
+                        </m:r>
+                      </m:e>
+                      <m:sub>
+                        <m:r>
+                          <a:rPr lang="it-IT" sz="1800" b="0" i="1" smtClean="0">
+                            <a:effectLst/>
+                            <a:latin typeface="Cambria Math" panose="02040503050406030204" pitchFamily="18" charset="0"/>
+                          </a:rPr>
+                          <m:t>𝑓</m:t>
+                        </m:r>
+                      </m:sub>
+                    </m:sSub>
+                  </m:oMath>
+                </a14:m>
+                <a:r>
+                  <a:rPr lang="it-IT" sz="1800" dirty="0">
+                    <a:effectLst/>
+                    <a:latin typeface="Times New Roman" panose="02020603050405020304" pitchFamily="18" charset="0"/>
+                    <a:ea typeface="Times New Roman" panose="02020603050405020304" pitchFamily="18" charset="0"/>
+                  </a:rPr>
+                  <a:t> </a:t>
+                </a:r>
+              </a:p>
+              <a:p>
+                <a:endParaRPr lang="it-IT" dirty="0">
+                  <a:latin typeface="Times New Roman" panose="02020603050405020304" pitchFamily="18" charset="0"/>
+                  <a:ea typeface="Times New Roman" panose="02020603050405020304" pitchFamily="18" charset="0"/>
+                </a:endParaRPr>
+              </a:p>
+              <a:p>
+                <a:pPr marL="285750" indent="-285750">
+                  <a:buFont typeface="Arial" panose="020B0604020202020204" pitchFamily="34" charset="0"/>
+                  <a:buChar char="•"/>
+                </a:pPr>
+                <a:r>
+                  <a:rPr lang="it-IT" sz="1800" dirty="0">
+                    <a:effectLst/>
+                    <a:latin typeface="Times New Roman" panose="02020603050405020304" pitchFamily="18" charset="0"/>
+                    <a:ea typeface="Times New Roman" panose="02020603050405020304" pitchFamily="18" charset="0"/>
+                  </a:rPr>
+                  <a:t>Raggiungere il punto di cambio piano </a:t>
+                </a:r>
+                <a14:m>
+                  <m:oMath xmlns:m="http://schemas.openxmlformats.org/officeDocument/2006/math">
+                    <m:sSub>
+                      <m:sSubPr>
+                        <m:ctrlPr>
+                          <a:rPr lang="en-GB" sz="1800" i="1" smtClean="0">
+                            <a:effectLst/>
+                            <a:latin typeface="Cambria Math" panose="02040503050406030204" pitchFamily="18" charset="0"/>
+                          </a:rPr>
+                        </m:ctrlPr>
+                      </m:sSubPr>
+                      <m:e>
+                        <m:r>
+                          <a:rPr lang="it-IT" sz="1800" b="0" i="0" smtClean="0">
+                            <a:effectLst/>
+                            <a:latin typeface="Cambria Math" panose="02040503050406030204" pitchFamily="18" charset="0"/>
+                          </a:rPr>
+                          <m:t>  </m:t>
+                        </m:r>
+                        <m:r>
+                          <m:rPr>
+                            <m:sty m:val="p"/>
+                          </m:rPr>
+                          <a:rPr lang="en-GB">
+                            <a:latin typeface="Cambria Math" panose="02040503050406030204" pitchFamily="18" charset="0"/>
+                          </a:rPr>
+                          <m:t>Δ</m:t>
+                        </m:r>
+                        <m:r>
+                          <a:rPr lang="it-IT" b="0" i="1" smtClean="0">
+                            <a:latin typeface="Cambria Math" panose="02040503050406030204" pitchFamily="18" charset="0"/>
+                          </a:rPr>
+                          <m:t>𝑡</m:t>
+                        </m:r>
+                      </m:e>
+                      <m:sub>
+                        <m:r>
+                          <a:rPr lang="it-IT" b="0" i="1" smtClean="0">
+                            <a:latin typeface="Cambria Math" panose="02040503050406030204" pitchFamily="18" charset="0"/>
+                          </a:rPr>
+                          <m:t>3</m:t>
+                        </m:r>
+                      </m:sub>
+                    </m:sSub>
+                    <m:r>
+                      <a:rPr lang="it-IT" sz="1800" b="0" i="1" smtClean="0">
+                        <a:effectLst/>
+                        <a:latin typeface="Cambria Math" panose="02040503050406030204" pitchFamily="18" charset="0"/>
+                      </a:rPr>
+                      <m:t>=</m:t>
+                    </m:r>
+                    <m:r>
+                      <a:rPr lang="it-IT" sz="1800" b="0" i="1" smtClean="0">
+                        <a:effectLst/>
+                        <a:latin typeface="Cambria Math" panose="02040503050406030204" pitchFamily="18" charset="0"/>
+                      </a:rPr>
+                      <m:t>3122</m:t>
+                    </m:r>
+                    <m:r>
+                      <a:rPr lang="it-IT" sz="1800" b="0" i="1" smtClean="0">
+                        <a:effectLst/>
+                        <a:latin typeface="Cambria Math" panose="02040503050406030204" pitchFamily="18" charset="0"/>
+                      </a:rPr>
+                      <m:t> </m:t>
+                    </m:r>
+                    <m:r>
+                      <a:rPr lang="en-GB">
+                        <a:latin typeface="Cambria Math" panose="02040503050406030204" pitchFamily="18" charset="0"/>
+                      </a:rPr>
+                      <m:t>𝑠</m:t>
+                    </m:r>
+                  </m:oMath>
+                </a14:m>
+                <a:endParaRPr lang="it-IT" sz="1800" dirty="0">
+                  <a:effectLst/>
+                  <a:latin typeface="Times New Roman" panose="02020603050405020304" pitchFamily="18" charset="0"/>
+                  <a:ea typeface="Times New Roman" panose="02020603050405020304" pitchFamily="18" charset="0"/>
+                </a:endParaRPr>
+              </a:p>
+              <a:p>
+                <a:pPr marL="285750" indent="-285750">
+                  <a:buFont typeface="Arial" panose="020B0604020202020204" pitchFamily="34" charset="0"/>
+                  <a:buChar char="•"/>
+                </a:pPr>
+                <a:endParaRPr lang="it-IT" sz="1800" dirty="0">
+                  <a:effectLst/>
+                  <a:latin typeface="Times New Roman" panose="02020603050405020304" pitchFamily="18" charset="0"/>
+                  <a:ea typeface="Times New Roman" panose="02020603050405020304" pitchFamily="18" charset="0"/>
+                </a:endParaRPr>
+              </a:p>
+              <a:p>
+                <a:pPr marL="285750" indent="-285750">
+                  <a:buFont typeface="Arial" panose="020B0604020202020204" pitchFamily="34" charset="0"/>
+                  <a:buChar char="•"/>
+                </a:pPr>
+                <a:r>
+                  <a:rPr lang="it-IT" sz="1800" dirty="0">
+                    <a:effectLst/>
+                    <a:latin typeface="Times New Roman" panose="02020603050405020304" pitchFamily="18" charset="0"/>
+                    <a:ea typeface="Times New Roman" panose="02020603050405020304" pitchFamily="18" charset="0"/>
+                  </a:rPr>
+                  <a:t>Terzo impulso</a:t>
+                </a:r>
+                <a:r>
+                  <a:rPr lang="en-GB" sz="1800" dirty="0">
+                    <a:effectLst/>
+                  </a:rPr>
+                  <a:t> </a:t>
+                </a:r>
+                <a14:m>
+                  <m:oMath xmlns:m="http://schemas.openxmlformats.org/officeDocument/2006/math">
+                    <m:sSub>
+                      <m:sSubPr>
+                        <m:ctrlPr>
+                          <a:rPr lang="en-GB" sz="1800" i="1" smtClean="0">
+                            <a:effectLst/>
+                            <a:latin typeface="Cambria Math" panose="02040503050406030204" pitchFamily="18" charset="0"/>
+                          </a:rPr>
+                        </m:ctrlPr>
+                      </m:sSubPr>
+                      <m:e>
+                        <m:r>
+                          <m:rPr>
+                            <m:sty m:val="p"/>
+                          </m:rPr>
+                          <a:rPr lang="en-GB">
+                            <a:latin typeface="Cambria Math" panose="02040503050406030204" pitchFamily="18" charset="0"/>
+                          </a:rPr>
+                          <m:t>Δ</m:t>
+                        </m:r>
+                        <m:r>
+                          <a:rPr lang="en-GB">
+                            <a:latin typeface="Cambria Math" panose="02040503050406030204" pitchFamily="18" charset="0"/>
+                          </a:rPr>
+                          <m:t>𝑣</m:t>
+                        </m:r>
+                      </m:e>
+                      <m:sub>
+                        <m:r>
+                          <a:rPr lang="it-IT" b="0" i="1" smtClean="0">
+                            <a:latin typeface="Cambria Math" panose="02040503050406030204" pitchFamily="18" charset="0"/>
+                          </a:rPr>
+                          <m:t>3</m:t>
+                        </m:r>
+                      </m:sub>
+                    </m:sSub>
+                    <m:r>
+                      <a:rPr lang="it-IT" sz="1800" b="0" i="1" smtClean="0">
+                        <a:effectLst/>
+                        <a:latin typeface="Cambria Math" panose="02040503050406030204" pitchFamily="18" charset="0"/>
+                      </a:rPr>
+                      <m:t>= </m:t>
+                    </m:r>
+                  </m:oMath>
+                </a14:m>
+                <a:r>
+                  <a:rPr lang="en-GB" dirty="0"/>
+                  <a:t>5.1840 </a:t>
+                </a:r>
+                <a14:m>
+                  <m:oMath xmlns:m="http://schemas.openxmlformats.org/officeDocument/2006/math">
+                    <m:f>
+                      <m:fPr>
+                        <m:ctrlPr>
+                          <a:rPr lang="en-GB" i="1">
+                            <a:latin typeface="Cambria Math" panose="02040503050406030204" pitchFamily="18" charset="0"/>
+                          </a:rPr>
+                        </m:ctrlPr>
+                      </m:fPr>
+                      <m:num>
+                        <m:r>
+                          <a:rPr lang="en-GB">
+                            <a:latin typeface="Cambria Math" panose="02040503050406030204" pitchFamily="18" charset="0"/>
+                          </a:rPr>
+                          <m:t>𝑘𝑚</m:t>
+                        </m:r>
+                      </m:num>
+                      <m:den>
+                        <m:r>
+                          <a:rPr lang="en-GB">
+                            <a:latin typeface="Cambria Math" panose="02040503050406030204" pitchFamily="18" charset="0"/>
+                          </a:rPr>
+                          <m:t>𝑠</m:t>
+                        </m:r>
+                      </m:den>
+                    </m:f>
+                  </m:oMath>
+                </a14:m>
+                <a:endParaRPr lang="it-IT" sz="1800" dirty="0">
+                  <a:effectLst/>
+                  <a:latin typeface="Times New Roman" panose="02020603050405020304" pitchFamily="18" charset="0"/>
+                  <a:ea typeface="Times New Roman" panose="02020603050405020304" pitchFamily="18" charset="0"/>
+                </a:endParaRPr>
+              </a:p>
+              <a:p>
+                <a:pPr marL="285750" indent="-285750">
+                  <a:buFont typeface="Arial" panose="020B0604020202020204" pitchFamily="34" charset="0"/>
+                  <a:buChar char="•"/>
+                </a:pPr>
+                <a:endParaRPr lang="it-IT" sz="1800" dirty="0">
+                  <a:effectLst/>
+                  <a:latin typeface="Times New Roman" panose="02020603050405020304" pitchFamily="18" charset="0"/>
+                  <a:ea typeface="Times New Roman" panose="02020603050405020304" pitchFamily="18" charset="0"/>
+                </a:endParaRPr>
+              </a:p>
+              <a:p>
+                <a:pPr marL="285750" indent="-285750">
+                  <a:buFont typeface="Arial" panose="020B0604020202020204" pitchFamily="34" charset="0"/>
+                  <a:buChar char="•"/>
+                </a:pPr>
+                <a:r>
+                  <a:rPr lang="it-IT" sz="1800" dirty="0">
+                    <a:effectLst/>
+                    <a:latin typeface="Times New Roman" panose="02020603050405020304" pitchFamily="18" charset="0"/>
+                    <a:ea typeface="Times New Roman" panose="02020603050405020304" pitchFamily="18" charset="0"/>
+                  </a:rPr>
+                  <a:t>Nuova orbita: </a:t>
+                </a:r>
+                <a14:m>
+                  <m:oMath xmlns:m="http://schemas.openxmlformats.org/officeDocument/2006/math">
+                    <m:sSub>
+                      <m:sSubPr>
+                        <m:ctrlPr>
+                          <a:rPr lang="en-GB" sz="1800" i="1" smtClean="0">
+                            <a:effectLst/>
+                            <a:latin typeface="Cambria Math" panose="02040503050406030204" pitchFamily="18" charset="0"/>
+                          </a:rPr>
+                        </m:ctrlPr>
+                      </m:sSubPr>
+                      <m:e>
+                        <m:r>
+                          <a:rPr lang="it-IT" sz="1800" b="0" i="1" smtClean="0">
+                            <a:effectLst/>
+                            <a:latin typeface="Cambria Math" panose="02040503050406030204" pitchFamily="18" charset="0"/>
+                          </a:rPr>
+                          <m:t>𝑖</m:t>
+                        </m:r>
+                      </m:e>
+                      <m:sub>
+                        <m:r>
+                          <a:rPr lang="it-IT" sz="1800" b="0" i="1" smtClean="0">
+                            <a:effectLst/>
+                            <a:latin typeface="Cambria Math" panose="02040503050406030204" pitchFamily="18" charset="0"/>
+                          </a:rPr>
+                          <m:t>𝑓</m:t>
+                        </m:r>
+                      </m:sub>
+                    </m:sSub>
+                  </m:oMath>
+                </a14:m>
+                <a:r>
+                  <a:rPr lang="it-IT" sz="1800" dirty="0">
+                    <a:effectLst/>
+                    <a:latin typeface="Times New Roman" panose="02020603050405020304" pitchFamily="18" charset="0"/>
+                    <a:ea typeface="Times New Roman" panose="02020603050405020304" pitchFamily="18" charset="0"/>
+                  </a:rPr>
+                  <a:t> , </a:t>
+                </a:r>
+                <a14:m>
+                  <m:oMath xmlns:m="http://schemas.openxmlformats.org/officeDocument/2006/math">
+                    <m:sSub>
+                      <m:sSubPr>
+                        <m:ctrlPr>
+                          <a:rPr lang="en-GB" i="1">
+                            <a:latin typeface="Cambria Math" panose="02040503050406030204" pitchFamily="18" charset="0"/>
+                          </a:rPr>
+                        </m:ctrlPr>
+                      </m:sSubPr>
+                      <m:e>
+                        <m:r>
+                          <m:rPr>
+                            <m:sty m:val="p"/>
+                          </m:rPr>
+                          <a:rPr lang="en-GB">
+                            <a:latin typeface="Cambria Math" panose="02040503050406030204" pitchFamily="18" charset="0"/>
+                          </a:rPr>
+                          <m:t>Ω</m:t>
+                        </m:r>
+                      </m:e>
+                      <m:sub>
+                        <m:r>
+                          <a:rPr lang="it-IT" i="1">
+                            <a:latin typeface="Cambria Math" panose="02040503050406030204" pitchFamily="18" charset="0"/>
+                          </a:rPr>
+                          <m:t>𝑓</m:t>
+                        </m:r>
+                      </m:sub>
+                    </m:sSub>
+                  </m:oMath>
+                </a14:m>
+                <a:r>
+                  <a:rPr lang="it-IT" dirty="0">
+                    <a:latin typeface="Times New Roman" panose="02020603050405020304" pitchFamily="18" charset="0"/>
+                    <a:ea typeface="Times New Roman" panose="02020603050405020304" pitchFamily="18" charset="0"/>
+                  </a:rPr>
+                  <a:t> </a:t>
+                </a:r>
+                <a:endParaRPr lang="it-IT" sz="1800" dirty="0">
+                  <a:effectLst/>
+                  <a:latin typeface="Times New Roman" panose="02020603050405020304" pitchFamily="18" charset="0"/>
+                  <a:ea typeface="Times New Roman" panose="02020603050405020304" pitchFamily="18" charset="0"/>
+                </a:endParaRPr>
+              </a:p>
+            </p:txBody>
+          </p:sp>
+        </mc:Choice>
+        <mc:Fallback>
+          <p:sp>
+            <p:nvSpPr>
+              <p:cNvPr id="6" name="CasellaDiTesto 5">
+                <a:extLst>
+                  <a:ext uri="{FF2B5EF4-FFF2-40B4-BE49-F238E27FC236}">
+                    <a16:creationId xmlns:a16="http://schemas.microsoft.com/office/drawing/2014/main" id="{0F72A5C7-F424-1AF5-88D3-CDE7A31CE309}"/>
+                  </a:ext>
+                </a:extLst>
+              </p:cNvPr>
+              <p:cNvSpPr txBox="1">
+                <a:spLocks noRot="1" noChangeAspect="1" noMove="1" noResize="1" noEditPoints="1" noAdjustHandles="1" noChangeArrowheads="1" noChangeShapeType="1" noTextEdit="1"/>
+              </p:cNvSpPr>
+              <p:nvPr/>
+            </p:nvSpPr>
+            <p:spPr>
+              <a:xfrm>
+                <a:off x="533400" y="1371600"/>
+                <a:ext cx="3733800" cy="2474780"/>
+              </a:xfrm>
+              <a:prstGeom prst="rect">
+                <a:avLst/>
+              </a:prstGeom>
+              <a:blipFill>
+                <a:blip r:embed="rId3"/>
+                <a:stretch>
+                  <a:fillRect l="-1471" t="-1232" b="-1970"/>
+                </a:stretch>
+              </a:blipFill>
+            </p:spPr>
+            <p:txBody>
+              <a:bodyPr/>
+              <a:lstStyle/>
+              <a:p>
+                <a:r>
+                  <a:rPr lang="it-IT">
+                    <a:noFill/>
+                  </a:rPr>
+                  <a:t> </a:t>
+                </a:r>
+              </a:p>
+            </p:txBody>
+          </p:sp>
+        </mc:Fallback>
+      </mc:AlternateContent>
+      <p:sp>
+        <p:nvSpPr>
+          <p:cNvPr id="10" name="Ovale 9">
+            <a:extLst>
+              <a:ext uri="{FF2B5EF4-FFF2-40B4-BE49-F238E27FC236}">
+                <a16:creationId xmlns:a16="http://schemas.microsoft.com/office/drawing/2014/main" id="{37EEE221-A345-94F6-6AE1-799D5C771456}"/>
+              </a:ext>
+            </a:extLst>
+          </p:cNvPr>
+          <p:cNvSpPr/>
+          <p:nvPr/>
+        </p:nvSpPr>
+        <p:spPr>
+          <a:xfrm>
+            <a:off x="566419" y="2895600"/>
+            <a:ext cx="152400" cy="152400"/>
+          </a:xfrm>
+          <a:prstGeom prst="ellipse">
+            <a:avLst/>
+          </a:prstGeom>
+          <a:solidFill>
+            <a:srgbClr val="00FF00"/>
+          </a:solidFill>
+          <a:ln>
+            <a:solidFill>
+              <a:schemeClr val="tx1"/>
+            </a:solidFill>
+          </a:ln>
+        </p:spPr>
+        <p:style>
+          <a:lnRef idx="0">
+            <a:scrgbClr r="0" g="0" b="0"/>
+          </a:lnRef>
+          <a:fillRef idx="0">
+            <a:scrgbClr r="0" g="0" b="0"/>
+          </a:fillRef>
+          <a:effectRef idx="0">
+            <a:scrgbClr r="0" g="0" b="0"/>
+          </a:effectRef>
+          <a:fontRef idx="minor">
+            <a:schemeClr val="dk1"/>
+          </a:fontRef>
+        </p:style>
+        <p:txBody>
+          <a:bodyPr rtlCol="0" anchor="ctr"/>
+          <a:lstStyle/>
+          <a:p>
+            <a:pPr algn="ctr"/>
+            <a:endParaRPr lang="it-IT">
+              <a:solidFill>
+                <a:srgbClr val="FF00FF"/>
+              </a:solidFill>
+            </a:endParaRPr>
+          </a:p>
+        </p:txBody>
+      </p:sp>
+      <p:cxnSp>
+        <p:nvCxnSpPr>
+          <p:cNvPr id="12" name="Connettore 2 11">
+            <a:extLst>
+              <a:ext uri="{FF2B5EF4-FFF2-40B4-BE49-F238E27FC236}">
+                <a16:creationId xmlns:a16="http://schemas.microsoft.com/office/drawing/2014/main" id="{4E4FC78F-0DA4-7EE3-4C2D-10F50ECD71F3}"/>
+              </a:ext>
+            </a:extLst>
+          </p:cNvPr>
+          <p:cNvCxnSpPr/>
+          <p:nvPr/>
+        </p:nvCxnSpPr>
+        <p:spPr>
+          <a:xfrm>
+            <a:off x="2743200" y="1600200"/>
+            <a:ext cx="304800" cy="0"/>
+          </a:xfrm>
+          <a:prstGeom prst="straightConnector1">
+            <a:avLst/>
+          </a:prstGeom>
+          <a:ln>
+            <a:tailEnd type="triangle"/>
+          </a:ln>
+        </p:spPr>
+        <p:style>
+          <a:lnRef idx="1">
+            <a:schemeClr val="dk1"/>
+          </a:lnRef>
+          <a:fillRef idx="0">
+            <a:schemeClr val="dk1"/>
+          </a:fillRef>
+          <a:effectRef idx="0">
+            <a:schemeClr val="dk1"/>
+          </a:effectRef>
+          <a:fontRef idx="minor">
+            <a:schemeClr val="tx1"/>
+          </a:fontRef>
+        </p:style>
+      </p:cxnSp>
     </p:spTree>
     <p:extLst>
       <p:ext uri="{BB962C8B-B14F-4D97-AF65-F5344CB8AC3E}">
@@ -5576,6 +10798,628 @@
           </a:prstGeom>
         </p:spPr>
       </p:pic>
+      <mc:AlternateContent xmlns:mc="http://schemas.openxmlformats.org/markup-compatibility/2006">
+        <mc:Choice xmlns:a14="http://schemas.microsoft.com/office/drawing/2010/main" Requires="a14">
+          <p:sp>
+            <p:nvSpPr>
+              <p:cNvPr id="6" name="CasellaDiTesto 5">
+                <a:extLst>
+                  <a:ext uri="{FF2B5EF4-FFF2-40B4-BE49-F238E27FC236}">
+                    <a16:creationId xmlns:a16="http://schemas.microsoft.com/office/drawing/2014/main" id="{6E9C6DCA-5B52-CCB1-C5D9-57C63A815F1B}"/>
+                  </a:ext>
+                </a:extLst>
+              </p:cNvPr>
+              <p:cNvSpPr txBox="1"/>
+              <p:nvPr/>
+            </p:nvSpPr>
+            <p:spPr>
+              <a:xfrm>
+                <a:off x="363795" y="1321687"/>
+                <a:ext cx="3560574" cy="3605026"/>
+              </a:xfrm>
+              <a:prstGeom prst="rect">
+                <a:avLst/>
+              </a:prstGeom>
+              <a:noFill/>
+            </p:spPr>
+            <p:txBody>
+              <a:bodyPr wrap="square">
+                <a:spAutoFit/>
+              </a:bodyPr>
+              <a:lstStyle/>
+              <a:p>
+                <a:r>
+                  <a:rPr lang="it-IT" sz="1800" dirty="0">
+                    <a:effectLst/>
+                    <a:latin typeface="Times New Roman" panose="02020603050405020304" pitchFamily="18" charset="0"/>
+                    <a:ea typeface="Times New Roman" panose="02020603050405020304" pitchFamily="18" charset="0"/>
+                  </a:rPr>
+                  <a:t>Allineare le orbite         </a:t>
+                </a:r>
+                <a14:m>
+                  <m:oMath xmlns:m="http://schemas.openxmlformats.org/officeDocument/2006/math">
+                    <m:r>
+                      <a:rPr lang="it-IT" sz="1800" b="0" i="0" smtClean="0">
+                        <a:effectLst/>
+                        <a:latin typeface="Cambria Math" panose="02040503050406030204" pitchFamily="18" charset="0"/>
+                      </a:rPr>
+                      <m:t> </m:t>
+                    </m:r>
+                    <m:sSub>
+                      <m:sSubPr>
+                        <m:ctrlPr>
+                          <a:rPr lang="en-GB" sz="1800" i="1" smtClean="0">
+                            <a:effectLst/>
+                            <a:latin typeface="Cambria Math" panose="02040503050406030204" pitchFamily="18" charset="0"/>
+                          </a:rPr>
+                        </m:ctrlPr>
+                      </m:sSubPr>
+                      <m:e>
+                        <m:r>
+                          <a:rPr lang="en-GB">
+                            <a:latin typeface="Cambria Math" panose="02040503050406030204" pitchFamily="18" charset="0"/>
+                          </a:rPr>
+                          <m:t>𝜔</m:t>
+                        </m:r>
+                      </m:e>
+                      <m:sub>
+                        <m:r>
+                          <a:rPr lang="it-IT" sz="1800" b="0" i="1" smtClean="0">
+                            <a:effectLst/>
+                            <a:latin typeface="Cambria Math" panose="02040503050406030204" pitchFamily="18" charset="0"/>
+                          </a:rPr>
+                          <m:t>𝑓</m:t>
+                        </m:r>
+                      </m:sub>
+                    </m:sSub>
+                  </m:oMath>
+                </a14:m>
+                <a:endParaRPr lang="it-IT" sz="1800" dirty="0">
+                  <a:effectLst/>
+                  <a:latin typeface="Times New Roman" panose="02020603050405020304" pitchFamily="18" charset="0"/>
+                  <a:ea typeface="Times New Roman" panose="02020603050405020304" pitchFamily="18" charset="0"/>
+                </a:endParaRPr>
+              </a:p>
+              <a:p>
+                <a:endParaRPr lang="it-IT" sz="1800" dirty="0">
+                  <a:effectLst/>
+                  <a:latin typeface="Times New Roman" panose="02020603050405020304" pitchFamily="18" charset="0"/>
+                  <a:ea typeface="Times New Roman" panose="02020603050405020304" pitchFamily="18" charset="0"/>
+                </a:endParaRPr>
+              </a:p>
+              <a:p>
+                <a:pPr marL="285750" indent="-285750">
+                  <a:buFont typeface="Arial" panose="020B0604020202020204" pitchFamily="34" charset="0"/>
+                  <a:buChar char="•"/>
+                </a:pPr>
+                <a:r>
+                  <a:rPr lang="it-IT" dirty="0">
+                    <a:latin typeface="Times New Roman" panose="02020603050405020304" pitchFamily="18" charset="0"/>
+                    <a:ea typeface="Times New Roman" panose="02020603050405020304" pitchFamily="18" charset="0"/>
+                  </a:rPr>
+                  <a:t>Raggiungere punto di cambio anomalia </a:t>
+                </a:r>
+                <a14:m>
+                  <m:oMath xmlns:m="http://schemas.openxmlformats.org/officeDocument/2006/math">
+                    <m:sSub>
+                      <m:sSubPr>
+                        <m:ctrlPr>
+                          <a:rPr lang="en-GB" sz="1800" i="1" smtClean="0">
+                            <a:effectLst/>
+                            <a:latin typeface="Cambria Math" panose="02040503050406030204" pitchFamily="18" charset="0"/>
+                          </a:rPr>
+                        </m:ctrlPr>
+                      </m:sSubPr>
+                      <m:e>
+                        <m:r>
+                          <a:rPr lang="it-IT" sz="1800" b="0" i="0" smtClean="0">
+                            <a:effectLst/>
+                            <a:latin typeface="Cambria Math" panose="02040503050406030204" pitchFamily="18" charset="0"/>
+                          </a:rPr>
+                          <m:t>  </m:t>
+                        </m:r>
+                        <m:r>
+                          <m:rPr>
+                            <m:sty m:val="p"/>
+                          </m:rPr>
+                          <a:rPr lang="en-GB">
+                            <a:latin typeface="Cambria Math" panose="02040503050406030204" pitchFamily="18" charset="0"/>
+                          </a:rPr>
+                          <m:t>Δ</m:t>
+                        </m:r>
+                        <m:r>
+                          <a:rPr lang="it-IT" b="0" i="1" smtClean="0">
+                            <a:latin typeface="Cambria Math" panose="02040503050406030204" pitchFamily="18" charset="0"/>
+                          </a:rPr>
+                          <m:t>𝑡</m:t>
+                        </m:r>
+                      </m:e>
+                      <m:sub>
+                        <m:r>
+                          <a:rPr lang="it-IT" b="0" i="1" smtClean="0">
+                            <a:latin typeface="Cambria Math" panose="02040503050406030204" pitchFamily="18" charset="0"/>
+                          </a:rPr>
+                          <m:t>4</m:t>
+                        </m:r>
+                      </m:sub>
+                    </m:sSub>
+                    <m:r>
+                      <a:rPr lang="it-IT" sz="1800" b="0" i="1" smtClean="0">
+                        <a:effectLst/>
+                        <a:latin typeface="Cambria Math" panose="02040503050406030204" pitchFamily="18" charset="0"/>
+                      </a:rPr>
+                      <m:t>=</m:t>
+                    </m:r>
+                    <m:r>
+                      <a:rPr lang="it-IT" sz="1800" b="0" i="1" smtClean="0">
+                        <a:effectLst/>
+                        <a:latin typeface="Cambria Math" panose="02040503050406030204" pitchFamily="18" charset="0"/>
+                      </a:rPr>
+                      <m:t>2777</m:t>
+                    </m:r>
+                    <m:r>
+                      <a:rPr lang="it-IT" sz="1800" b="0" i="1" smtClean="0">
+                        <a:effectLst/>
+                        <a:latin typeface="Cambria Math" panose="02040503050406030204" pitchFamily="18" charset="0"/>
+                      </a:rPr>
+                      <m:t> </m:t>
+                    </m:r>
+                    <m:r>
+                      <a:rPr lang="en-GB">
+                        <a:latin typeface="Cambria Math" panose="02040503050406030204" pitchFamily="18" charset="0"/>
+                      </a:rPr>
+                      <m:t>𝑠</m:t>
+                    </m:r>
+                  </m:oMath>
+                </a14:m>
+                <a:endParaRPr lang="it-IT" sz="1800" dirty="0">
+                  <a:effectLst/>
+                  <a:latin typeface="Times New Roman" panose="02020603050405020304" pitchFamily="18" charset="0"/>
+                  <a:ea typeface="Times New Roman" panose="02020603050405020304" pitchFamily="18" charset="0"/>
+                </a:endParaRPr>
+              </a:p>
+              <a:p>
+                <a:endParaRPr lang="it-IT" dirty="0">
+                  <a:latin typeface="Times New Roman" panose="02020603050405020304" pitchFamily="18" charset="0"/>
+                  <a:ea typeface="Times New Roman" panose="02020603050405020304" pitchFamily="18" charset="0"/>
+                </a:endParaRPr>
+              </a:p>
+              <a:p>
+                <a:pPr marL="285750" indent="-285750">
+                  <a:buFont typeface="Arial" panose="020B0604020202020204" pitchFamily="34" charset="0"/>
+                  <a:buChar char="•"/>
+                </a:pPr>
+                <a:r>
+                  <a:rPr lang="it-IT" sz="1800" dirty="0">
+                    <a:effectLst/>
+                    <a:latin typeface="Times New Roman" panose="02020603050405020304" pitchFamily="18" charset="0"/>
+                    <a:ea typeface="Times New Roman" panose="02020603050405020304" pitchFamily="18" charset="0"/>
+                  </a:rPr>
+                  <a:t>Quarto impulso </a:t>
+                </a:r>
+                <a14:m>
+                  <m:oMath xmlns:m="http://schemas.openxmlformats.org/officeDocument/2006/math">
+                    <m:sSub>
+                      <m:sSubPr>
+                        <m:ctrlPr>
+                          <a:rPr lang="en-GB" sz="1800" i="1" smtClean="0">
+                            <a:effectLst/>
+                            <a:latin typeface="Cambria Math" panose="02040503050406030204" pitchFamily="18" charset="0"/>
+                          </a:rPr>
+                        </m:ctrlPr>
+                      </m:sSubPr>
+                      <m:e>
+                        <m:r>
+                          <m:rPr>
+                            <m:sty m:val="p"/>
+                          </m:rPr>
+                          <a:rPr lang="en-GB">
+                            <a:latin typeface="Cambria Math" panose="02040503050406030204" pitchFamily="18" charset="0"/>
+                          </a:rPr>
+                          <m:t>Δ</m:t>
+                        </m:r>
+                        <m:r>
+                          <a:rPr lang="en-GB">
+                            <a:latin typeface="Cambria Math" panose="02040503050406030204" pitchFamily="18" charset="0"/>
+                          </a:rPr>
+                          <m:t>𝑣</m:t>
+                        </m:r>
+                      </m:e>
+                      <m:sub>
+                        <m:r>
+                          <a:rPr lang="it-IT" b="0" i="1" smtClean="0">
+                            <a:latin typeface="Cambria Math" panose="02040503050406030204" pitchFamily="18" charset="0"/>
+                          </a:rPr>
+                          <m:t>3</m:t>
+                        </m:r>
+                      </m:sub>
+                    </m:sSub>
+                    <m:r>
+                      <a:rPr lang="it-IT" sz="1800" b="0" i="1" smtClean="0">
+                        <a:effectLst/>
+                        <a:latin typeface="Cambria Math" panose="02040503050406030204" pitchFamily="18" charset="0"/>
+                      </a:rPr>
+                      <m:t>=</m:t>
+                    </m:r>
+                    <m:r>
+                      <m:rPr>
+                        <m:nor/>
+                      </m:rPr>
+                      <a:rPr lang="en-GB" dirty="0"/>
+                      <m:t>0.7105</m:t>
+                    </m:r>
+                    <m:f>
+                      <m:fPr>
+                        <m:ctrlPr>
+                          <a:rPr lang="en-GB" i="1">
+                            <a:latin typeface="Cambria Math" panose="02040503050406030204" pitchFamily="18" charset="0"/>
+                          </a:rPr>
+                        </m:ctrlPr>
+                      </m:fPr>
+                      <m:num>
+                        <m:r>
+                          <a:rPr lang="en-GB">
+                            <a:latin typeface="Cambria Math" panose="02040503050406030204" pitchFamily="18" charset="0"/>
+                          </a:rPr>
+                          <m:t>𝑘𝑚</m:t>
+                        </m:r>
+                      </m:num>
+                      <m:den>
+                        <m:r>
+                          <a:rPr lang="en-GB">
+                            <a:latin typeface="Cambria Math" panose="02040503050406030204" pitchFamily="18" charset="0"/>
+                          </a:rPr>
+                          <m:t>𝑠</m:t>
+                        </m:r>
+                      </m:den>
+                    </m:f>
+                  </m:oMath>
+                </a14:m>
+                <a:endParaRPr lang="it-IT" sz="1800" dirty="0">
+                  <a:effectLst/>
+                  <a:latin typeface="Times New Roman" panose="02020603050405020304" pitchFamily="18" charset="0"/>
+                  <a:ea typeface="Times New Roman" panose="02020603050405020304" pitchFamily="18" charset="0"/>
+                </a:endParaRPr>
+              </a:p>
+              <a:p>
+                <a:pPr marL="285750" indent="-285750">
+                  <a:buFont typeface="Arial" panose="020B0604020202020204" pitchFamily="34" charset="0"/>
+                  <a:buChar char="•"/>
+                </a:pPr>
+                <a:endParaRPr lang="it-IT" sz="1800" dirty="0">
+                  <a:effectLst/>
+                  <a:latin typeface="Times New Roman" panose="02020603050405020304" pitchFamily="18" charset="0"/>
+                  <a:ea typeface="Times New Roman" panose="02020603050405020304" pitchFamily="18" charset="0"/>
+                </a:endParaRPr>
+              </a:p>
+              <a:p>
+                <a:pPr marL="285750" indent="-285750">
+                  <a:buFont typeface="Arial" panose="020B0604020202020204" pitchFamily="34" charset="0"/>
+                  <a:buChar char="•"/>
+                </a:pPr>
+                <a:r>
+                  <a:rPr lang="it-IT" dirty="0">
+                    <a:latin typeface="Times New Roman" panose="02020603050405020304" pitchFamily="18" charset="0"/>
+                    <a:ea typeface="Times New Roman" panose="02020603050405020304" pitchFamily="18" charset="0"/>
+                  </a:rPr>
+                  <a:t>Orbita Finale: </a:t>
+                </a:r>
+                <a14:m>
+                  <m:oMath xmlns:m="http://schemas.openxmlformats.org/officeDocument/2006/math">
+                    <m:sSub>
+                      <m:sSubPr>
+                        <m:ctrlPr>
+                          <a:rPr lang="en-GB" sz="1800" i="1" smtClean="0">
+                            <a:effectLst/>
+                            <a:latin typeface="Cambria Math" panose="02040503050406030204" pitchFamily="18" charset="0"/>
+                          </a:rPr>
+                        </m:ctrlPr>
+                      </m:sSubPr>
+                      <m:e>
+                        <m:r>
+                          <a:rPr lang="en-GB">
+                            <a:latin typeface="Cambria Math" panose="02040503050406030204" pitchFamily="18" charset="0"/>
+                          </a:rPr>
+                          <m:t>𝜔</m:t>
+                        </m:r>
+                      </m:e>
+                      <m:sub>
+                        <m:r>
+                          <a:rPr lang="it-IT" sz="1800" b="0" i="1" smtClean="0">
+                            <a:effectLst/>
+                            <a:latin typeface="Cambria Math" panose="02040503050406030204" pitchFamily="18" charset="0"/>
+                          </a:rPr>
+                          <m:t>𝑓</m:t>
+                        </m:r>
+                      </m:sub>
+                    </m:sSub>
+                  </m:oMath>
+                </a14:m>
+                <a:endParaRPr lang="it-IT" sz="1800" dirty="0">
+                  <a:effectLst/>
+                  <a:latin typeface="Times New Roman" panose="02020603050405020304" pitchFamily="18" charset="0"/>
+                  <a:ea typeface="Times New Roman" panose="02020603050405020304" pitchFamily="18" charset="0"/>
+                </a:endParaRPr>
+              </a:p>
+              <a:p>
+                <a:pPr marL="285750" indent="-285750">
+                  <a:buFont typeface="Arial" panose="020B0604020202020204" pitchFamily="34" charset="0"/>
+                  <a:buChar char="•"/>
+                </a:pPr>
+                <a:endParaRPr lang="it-IT" sz="1800" dirty="0">
+                  <a:effectLst/>
+                  <a:latin typeface="Times New Roman" panose="02020603050405020304" pitchFamily="18" charset="0"/>
+                  <a:ea typeface="Times New Roman" panose="02020603050405020304" pitchFamily="18" charset="0"/>
+                </a:endParaRPr>
+              </a:p>
+              <a:p>
+                <a:pPr marL="285750" indent="-285750">
+                  <a:buFont typeface="Arial" panose="020B0604020202020204" pitchFamily="34" charset="0"/>
+                  <a:buChar char="•"/>
+                </a:pPr>
+                <a:r>
+                  <a:rPr lang="it-IT" dirty="0">
+                    <a:latin typeface="Times New Roman" panose="02020603050405020304" pitchFamily="18" charset="0"/>
+                    <a:ea typeface="Times New Roman" panose="02020603050405020304" pitchFamily="18" charset="0"/>
+                  </a:rPr>
+                  <a:t>Raggiungo la posizione finale</a:t>
+                </a:r>
+                <a:r>
+                  <a:rPr lang="en-GB" dirty="0"/>
+                  <a:t> </a:t>
+                </a:r>
+                <a14:m>
+                  <m:oMath xmlns:m="http://schemas.openxmlformats.org/officeDocument/2006/math">
+                    <m:sSub>
+                      <m:sSubPr>
+                        <m:ctrlPr>
+                          <a:rPr lang="en-GB" i="1">
+                            <a:latin typeface="Cambria Math" panose="02040503050406030204" pitchFamily="18" charset="0"/>
+                          </a:rPr>
+                        </m:ctrlPr>
+                      </m:sSubPr>
+                      <m:e>
+                        <m:r>
+                          <a:rPr lang="en-GB">
+                            <a:latin typeface="Cambria Math" panose="02040503050406030204" pitchFamily="18" charset="0"/>
+                          </a:rPr>
+                          <m:t>𝜃</m:t>
+                        </m:r>
+                      </m:e>
+                      <m:sub>
+                        <m:r>
+                          <a:rPr lang="it-IT" i="1">
+                            <a:latin typeface="Cambria Math" panose="02040503050406030204" pitchFamily="18" charset="0"/>
+                          </a:rPr>
+                          <m:t>𝑓</m:t>
+                        </m:r>
+                      </m:sub>
+                    </m:sSub>
+                    <m:sSub>
+                      <m:sSubPr>
+                        <m:ctrlPr>
+                          <a:rPr lang="en-GB" i="1">
+                            <a:latin typeface="Cambria Math" panose="02040503050406030204" pitchFamily="18" charset="0"/>
+                          </a:rPr>
+                        </m:ctrlPr>
+                      </m:sSubPr>
+                      <m:e>
+                        <m:r>
+                          <a:rPr lang="it-IT">
+                            <a:latin typeface="Cambria Math" panose="02040503050406030204" pitchFamily="18" charset="0"/>
+                          </a:rPr>
+                          <m:t>  </m:t>
+                        </m:r>
+                        <m:r>
+                          <m:rPr>
+                            <m:sty m:val="p"/>
+                          </m:rPr>
+                          <a:rPr lang="en-GB">
+                            <a:latin typeface="Cambria Math" panose="02040503050406030204" pitchFamily="18" charset="0"/>
+                          </a:rPr>
+                          <m:t>Δ</m:t>
+                        </m:r>
+                        <m:r>
+                          <a:rPr lang="it-IT" i="1">
+                            <a:latin typeface="Cambria Math" panose="02040503050406030204" pitchFamily="18" charset="0"/>
+                          </a:rPr>
+                          <m:t>𝑡</m:t>
+                        </m:r>
+                      </m:e>
+                      <m:sub>
+                        <m:r>
+                          <a:rPr lang="it-IT" b="0" i="1" smtClean="0">
+                            <a:latin typeface="Cambria Math" panose="02040503050406030204" pitchFamily="18" charset="0"/>
+                          </a:rPr>
+                          <m:t>5</m:t>
+                        </m:r>
+                      </m:sub>
+                    </m:sSub>
+                    <m:r>
+                      <a:rPr lang="it-IT" i="1">
+                        <a:latin typeface="Cambria Math" panose="02040503050406030204" pitchFamily="18" charset="0"/>
+                      </a:rPr>
+                      <m:t>=</m:t>
+                    </m:r>
+                    <m:r>
+                      <a:rPr lang="it-IT" b="0" i="1" smtClean="0">
+                        <a:latin typeface="Cambria Math" panose="02040503050406030204" pitchFamily="18" charset="0"/>
+                      </a:rPr>
+                      <m:t>631</m:t>
+                    </m:r>
+                    <m:r>
+                      <a:rPr lang="it-IT" i="1">
+                        <a:latin typeface="Cambria Math" panose="02040503050406030204" pitchFamily="18" charset="0"/>
+                      </a:rPr>
+                      <m:t> </m:t>
+                    </m:r>
+                    <m:r>
+                      <a:rPr lang="en-GB">
+                        <a:latin typeface="Cambria Math" panose="02040503050406030204" pitchFamily="18" charset="0"/>
+                      </a:rPr>
+                      <m:t>𝑠</m:t>
+                    </m:r>
+                  </m:oMath>
+                </a14:m>
+                <a:endParaRPr lang="it-IT" dirty="0">
+                  <a:latin typeface="Times New Roman" panose="02020603050405020304" pitchFamily="18" charset="0"/>
+                  <a:ea typeface="Times New Roman" panose="02020603050405020304" pitchFamily="18" charset="0"/>
+                </a:endParaRPr>
+              </a:p>
+              <a:p>
+                <a:pPr marL="285750" indent="-285750">
+                  <a:buFont typeface="Arial" panose="020B0604020202020204" pitchFamily="34" charset="0"/>
+                  <a:buChar char="•"/>
+                </a:pPr>
+                <a:endParaRPr lang="it-IT" sz="1800" dirty="0">
+                  <a:effectLst/>
+                  <a:latin typeface="Times New Roman" panose="02020603050405020304" pitchFamily="18" charset="0"/>
+                  <a:ea typeface="Times New Roman" panose="02020603050405020304" pitchFamily="18" charset="0"/>
+                </a:endParaRPr>
+              </a:p>
+            </p:txBody>
+          </p:sp>
+        </mc:Choice>
+        <mc:Fallback>
+          <p:sp>
+            <p:nvSpPr>
+              <p:cNvPr id="6" name="CasellaDiTesto 5">
+                <a:extLst>
+                  <a:ext uri="{FF2B5EF4-FFF2-40B4-BE49-F238E27FC236}">
+                    <a16:creationId xmlns:a16="http://schemas.microsoft.com/office/drawing/2014/main" id="{6E9C6DCA-5B52-CCB1-C5D9-57C63A815F1B}"/>
+                  </a:ext>
+                </a:extLst>
+              </p:cNvPr>
+              <p:cNvSpPr txBox="1">
+                <a:spLocks noRot="1" noChangeAspect="1" noMove="1" noResize="1" noEditPoints="1" noAdjustHandles="1" noChangeArrowheads="1" noChangeShapeType="1" noTextEdit="1"/>
+              </p:cNvSpPr>
+              <p:nvPr/>
+            </p:nvSpPr>
+            <p:spPr>
+              <a:xfrm>
+                <a:off x="363795" y="1321687"/>
+                <a:ext cx="3560574" cy="3605026"/>
+              </a:xfrm>
+              <a:prstGeom prst="rect">
+                <a:avLst/>
+              </a:prstGeom>
+              <a:blipFill>
+                <a:blip r:embed="rId3"/>
+                <a:stretch>
+                  <a:fillRect l="-1541" t="-1015"/>
+                </a:stretch>
+              </a:blipFill>
+            </p:spPr>
+            <p:txBody>
+              <a:bodyPr/>
+              <a:lstStyle/>
+              <a:p>
+                <a:r>
+                  <a:rPr lang="it-IT">
+                    <a:noFill/>
+                  </a:rPr>
+                  <a:t> </a:t>
+                </a:r>
+              </a:p>
+            </p:txBody>
+          </p:sp>
+        </mc:Fallback>
+      </mc:AlternateContent>
+      <p:sp>
+        <p:nvSpPr>
+          <p:cNvPr id="8" name="Ovale 7">
+            <a:extLst>
+              <a:ext uri="{FF2B5EF4-FFF2-40B4-BE49-F238E27FC236}">
+                <a16:creationId xmlns:a16="http://schemas.microsoft.com/office/drawing/2014/main" id="{1183B2BD-C4D1-327F-24BD-671F147F6A30}"/>
+              </a:ext>
+            </a:extLst>
+          </p:cNvPr>
+          <p:cNvSpPr/>
+          <p:nvPr/>
+        </p:nvSpPr>
+        <p:spPr>
+          <a:xfrm>
+            <a:off x="396240" y="2912336"/>
+            <a:ext cx="152400" cy="152400"/>
+          </a:xfrm>
+          <a:prstGeom prst="ellipse">
+            <a:avLst/>
+          </a:prstGeom>
+          <a:solidFill>
+            <a:srgbClr val="0000FF"/>
+          </a:solidFill>
+          <a:ln>
+            <a:solidFill>
+              <a:schemeClr val="tx1"/>
+            </a:solidFill>
+          </a:ln>
+        </p:spPr>
+        <p:style>
+          <a:lnRef idx="0">
+            <a:scrgbClr r="0" g="0" b="0"/>
+          </a:lnRef>
+          <a:fillRef idx="0">
+            <a:scrgbClr r="0" g="0" b="0"/>
+          </a:fillRef>
+          <a:effectRef idx="0">
+            <a:scrgbClr r="0" g="0" b="0"/>
+          </a:effectRef>
+          <a:fontRef idx="minor">
+            <a:schemeClr val="dk1"/>
+          </a:fontRef>
+        </p:style>
+        <p:txBody>
+          <a:bodyPr rtlCol="0" anchor="ctr"/>
+          <a:lstStyle/>
+          <a:p>
+            <a:pPr algn="ctr"/>
+            <a:endParaRPr lang="it-IT">
+              <a:solidFill>
+                <a:srgbClr val="FF00FF"/>
+              </a:solidFill>
+            </a:endParaRPr>
+          </a:p>
+        </p:txBody>
+      </p:sp>
+      <p:cxnSp>
+        <p:nvCxnSpPr>
+          <p:cNvPr id="10" name="Connettore 2 9">
+            <a:extLst>
+              <a:ext uri="{FF2B5EF4-FFF2-40B4-BE49-F238E27FC236}">
+                <a16:creationId xmlns:a16="http://schemas.microsoft.com/office/drawing/2014/main" id="{AB6BE6A3-5C9D-A24B-9D9C-CC2D3FB4F2FA}"/>
+              </a:ext>
+            </a:extLst>
+          </p:cNvPr>
+          <p:cNvCxnSpPr/>
+          <p:nvPr/>
+        </p:nvCxnSpPr>
+        <p:spPr>
+          <a:xfrm>
+            <a:off x="2286000" y="1524000"/>
+            <a:ext cx="304800" cy="0"/>
+          </a:xfrm>
+          <a:prstGeom prst="straightConnector1">
+            <a:avLst/>
+          </a:prstGeom>
+          <a:ln>
+            <a:tailEnd type="triangle"/>
+          </a:ln>
+        </p:spPr>
+        <p:style>
+          <a:lnRef idx="1">
+            <a:schemeClr val="dk1"/>
+          </a:lnRef>
+          <a:fillRef idx="0">
+            <a:schemeClr val="dk1"/>
+          </a:fillRef>
+          <a:effectRef idx="0">
+            <a:schemeClr val="dk1"/>
+          </a:effectRef>
+          <a:fontRef idx="minor">
+            <a:schemeClr val="tx1"/>
+          </a:fontRef>
+        </p:style>
+      </p:cxnSp>
     </p:spTree>
   </p:cSld>
   <p:clrMapOvr>
@@ -5685,6 +11529,192 @@
               <a:latin typeface="Arial"/>
               <a:cs typeface="Arial"/>
             </a:endParaRPr>
+          </a:p>
+        </p:txBody>
+      </p:sp>
+      <p:sp>
+        <p:nvSpPr>
+          <p:cNvPr id="5" name="CasellaDiTesto 4">
+            <a:extLst>
+              <a:ext uri="{FF2B5EF4-FFF2-40B4-BE49-F238E27FC236}">
+                <a16:creationId xmlns:a16="http://schemas.microsoft.com/office/drawing/2014/main" id="{D8EC853A-5A4F-68B7-6513-0425BB44610D}"/>
+              </a:ext>
+            </a:extLst>
+          </p:cNvPr>
+          <p:cNvSpPr txBox="1"/>
+          <p:nvPr/>
+        </p:nvSpPr>
+        <p:spPr>
+          <a:xfrm>
+            <a:off x="390832" y="1043731"/>
+            <a:ext cx="8056373" cy="4031873"/>
+          </a:xfrm>
+          <a:prstGeom prst="rect">
+            <a:avLst/>
+          </a:prstGeom>
+          <a:noFill/>
+        </p:spPr>
+        <p:txBody>
+          <a:bodyPr wrap="square">
+            <a:spAutoFit/>
+          </a:bodyPr>
+          <a:lstStyle/>
+          <a:p>
+            <a:r>
+              <a:rPr lang="it-IT" sz="1600" dirty="0">
+                <a:effectLst/>
+                <a:latin typeface="Times New Roman" panose="02020603050405020304" pitchFamily="18" charset="0"/>
+                <a:ea typeface="Times New Roman" panose="02020603050405020304" pitchFamily="18" charset="0"/>
+              </a:rPr>
+              <a:t>Questa strategia è quella con il costo più basso in termini di velocità, fino al 27,3% inferiore rispetto alle altre strategie. </a:t>
+            </a:r>
+          </a:p>
+          <a:p>
+            <a:r>
+              <a:rPr lang="it-IT" sz="1600" dirty="0">
+                <a:effectLst/>
+                <a:latin typeface="Times New Roman" panose="02020603050405020304" pitchFamily="18" charset="0"/>
+                <a:ea typeface="Times New Roman" panose="02020603050405020304" pitchFamily="18" charset="0"/>
+              </a:rPr>
+              <a:t> </a:t>
+            </a:r>
+          </a:p>
+          <a:p>
+            <a:r>
+              <a:rPr lang="it-IT" sz="1600" dirty="0">
+                <a:effectLst/>
+                <a:latin typeface="Times New Roman" panose="02020603050405020304" pitchFamily="18" charset="0"/>
+                <a:ea typeface="Times New Roman" panose="02020603050405020304" pitchFamily="18" charset="0"/>
+              </a:rPr>
+              <a:t>Questo è possibile dal momento che è stato scelto di non cambiare il piano orbitale come prima manovra e di farlo in un punto più lontano,</a:t>
+            </a:r>
+            <a:r>
+              <a:rPr lang="it-IT" sz="1600" dirty="0">
+                <a:solidFill>
+                  <a:srgbClr val="A8D08D"/>
+                </a:solidFill>
+                <a:effectLst/>
+                <a:latin typeface="Times New Roman" panose="02020603050405020304" pitchFamily="18" charset="0"/>
+                <a:ea typeface="Times New Roman" panose="02020603050405020304" pitchFamily="18" charset="0"/>
+              </a:rPr>
+              <a:t> </a:t>
+            </a:r>
+            <a:r>
+              <a:rPr lang="it-IT" sz="1600" dirty="0">
+                <a:effectLst/>
+                <a:latin typeface="Times New Roman" panose="02020603050405020304" pitchFamily="18" charset="0"/>
+                <a:ea typeface="Times New Roman" panose="02020603050405020304" pitchFamily="18" charset="0"/>
+              </a:rPr>
+              <a:t>risparmiando fino al 13,6% di </a:t>
+            </a:r>
+            <a:r>
+              <a:rPr lang="en-GB" sz="1600" dirty="0">
+                <a:effectLst/>
+                <a:latin typeface="Times New Roman" panose="02020603050405020304" pitchFamily="18" charset="0"/>
+                <a:ea typeface="Times New Roman" panose="02020603050405020304" pitchFamily="18" charset="0"/>
+              </a:rPr>
+              <a:t>Δ</a:t>
+            </a:r>
+            <a:r>
+              <a:rPr lang="it-IT" sz="1600" dirty="0">
+                <a:effectLst/>
+                <a:latin typeface="Times New Roman" panose="02020603050405020304" pitchFamily="18" charset="0"/>
+                <a:ea typeface="Times New Roman" panose="02020603050405020304" pitchFamily="18" charset="0"/>
+              </a:rPr>
+              <a:t>v utilizzato per il cambio inclinazione.</a:t>
+            </a:r>
+          </a:p>
+          <a:p>
+            <a:r>
+              <a:rPr lang="it-IT" sz="1600" dirty="0">
+                <a:effectLst/>
+                <a:latin typeface="Times New Roman" panose="02020603050405020304" pitchFamily="18" charset="0"/>
+                <a:ea typeface="Times New Roman" panose="02020603050405020304" pitchFamily="18" charset="0"/>
+              </a:rPr>
+              <a:t> </a:t>
+            </a:r>
+          </a:p>
+          <a:p>
+            <a:r>
+              <a:rPr lang="it-IT" sz="1600" dirty="0">
+                <a:effectLst/>
+                <a:latin typeface="Times New Roman" panose="02020603050405020304" pitchFamily="18" charset="0"/>
+                <a:ea typeface="Times New Roman" panose="02020603050405020304" pitchFamily="18" charset="0"/>
+              </a:rPr>
+              <a:t>Inoltre la manovra bitangente scelta, ovvero quella da pericentro ad apocentro, è quella meno costosa. Si è calcolata una riduzione di </a:t>
+            </a:r>
+            <a:r>
+              <a:rPr lang="it-IT" sz="1600" dirty="0" err="1">
+                <a:effectLst/>
+                <a:latin typeface="Times New Roman" panose="02020603050405020304" pitchFamily="18" charset="0"/>
+                <a:ea typeface="Times New Roman" panose="02020603050405020304" pitchFamily="18" charset="0"/>
+              </a:rPr>
+              <a:t>Δv</a:t>
+            </a:r>
+            <a:r>
+              <a:rPr lang="it-IT" sz="1600" dirty="0">
+                <a:effectLst/>
+                <a:latin typeface="Times New Roman" panose="02020603050405020304" pitchFamily="18" charset="0"/>
+                <a:ea typeface="Times New Roman" panose="02020603050405020304" pitchFamily="18" charset="0"/>
+              </a:rPr>
+              <a:t> del 2,15% rispetto alla manovra effettuata dall’apocentro al pericentro e fino al 34,7% rispetto alle altre manovre bitangenti. </a:t>
+            </a:r>
+          </a:p>
+          <a:p>
+            <a:r>
+              <a:rPr lang="it-IT" sz="1600" dirty="0">
+                <a:effectLst/>
+                <a:latin typeface="Times New Roman" panose="02020603050405020304" pitchFamily="18" charset="0"/>
+                <a:ea typeface="Times New Roman" panose="02020603050405020304" pitchFamily="18" charset="0"/>
+              </a:rPr>
+              <a:t> </a:t>
+            </a:r>
+          </a:p>
+          <a:p>
+            <a:r>
+              <a:rPr lang="it-IT" sz="1600" dirty="0">
+                <a:effectLst/>
+                <a:latin typeface="Times New Roman" panose="02020603050405020304" pitchFamily="18" charset="0"/>
+                <a:ea typeface="Times New Roman" panose="02020603050405020304" pitchFamily="18" charset="0"/>
+              </a:rPr>
+              <a:t>Il costo associato al cambiamento di anomalia del pericentro è del 47,6% maggiore di quello più basso, ma nonostante questo fatto, il costo totale della strategia rimane il più conveniente.</a:t>
+            </a:r>
+          </a:p>
+          <a:p>
+            <a:r>
+              <a:rPr lang="it-IT" sz="1600" dirty="0">
+                <a:effectLst/>
+                <a:latin typeface="Times New Roman" panose="02020603050405020304" pitchFamily="18" charset="0"/>
+                <a:ea typeface="Times New Roman" panose="02020603050405020304" pitchFamily="18" charset="0"/>
+              </a:rPr>
+              <a:t> </a:t>
+            </a:r>
+          </a:p>
+          <a:p>
+            <a:r>
+              <a:rPr lang="it-IT" sz="1600" dirty="0">
+                <a:effectLst/>
+                <a:latin typeface="Times New Roman" panose="02020603050405020304" pitchFamily="18" charset="0"/>
+                <a:ea typeface="Times New Roman" panose="02020603050405020304" pitchFamily="18" charset="0"/>
+              </a:rPr>
+              <a:t>Il tempo richiesto dalla strategia proposta è superiore del 21,1% rispetto alle altre strategie, ed è maggiore perché le orbite sono più larghe per ridurre </a:t>
+            </a:r>
+            <a:r>
+              <a:rPr lang="it-IT" sz="1600" dirty="0" err="1">
+                <a:effectLst/>
+                <a:latin typeface="Times New Roman" panose="02020603050405020304" pitchFamily="18" charset="0"/>
+                <a:ea typeface="Times New Roman" panose="02020603050405020304" pitchFamily="18" charset="0"/>
+              </a:rPr>
+              <a:t>Δv</a:t>
+            </a:r>
+            <a:r>
+              <a:rPr lang="it-IT" sz="1600" dirty="0">
+                <a:effectLst/>
+                <a:latin typeface="Times New Roman" panose="02020603050405020304" pitchFamily="18" charset="0"/>
+                <a:ea typeface="Times New Roman" panose="02020603050405020304" pitchFamily="18" charset="0"/>
+              </a:rPr>
+              <a:t>. </a:t>
+            </a:r>
           </a:p>
         </p:txBody>
       </p:sp>

--- a/Modelli relazione/ppt_presentazione.pptx
+++ b/Modelli relazione/ppt_presentazione.pptx
@@ -140,7 +140,7 @@
 <file path=ppt/revisionInfo.xml><?xml version="1.0" encoding="utf-8"?>
 <p1510:revInfo xmlns:a="http://schemas.openxmlformats.org/drawingml/2006/main" xmlns:r="http://schemas.openxmlformats.org/officeDocument/2006/relationships" xmlns:p1510="http://schemas.microsoft.com/office/powerpoint/2015/10/main">
   <p1510:revLst>
-    <p1510:client id="{B8AD580B-F48D-4C46-AD44-FB3D7B3B8CED}" v="1" dt="2023-01-02T20:49:03.315"/>
+    <p1510:client id="{B8AD580B-F48D-4C46-AD44-FB3D7B3B8CED}" v="392" dt="2023-01-04T00:01:09.486"/>
   </p1510:revLst>
 </p1510:revInfo>
 </file>
@@ -248,8 +248,8 @@
   </pc:docChgLst>
   <pc:docChgLst>
     <pc:chgData name="Silvia Pala" userId="f0133cc1-7ddc-4617-95f3-a1b241401a99" providerId="ADAL" clId="{B8AD580B-F48D-4C46-AD44-FB3D7B3B8CED}"/>
-    <pc:docChg chg="undo custSel addSld modSld">
-      <pc:chgData name="Silvia Pala" userId="f0133cc1-7ddc-4617-95f3-a1b241401a99" providerId="ADAL" clId="{B8AD580B-F48D-4C46-AD44-FB3D7B3B8CED}" dt="2023-01-03T12:49:04.575" v="243" actId="1076"/>
+    <pc:docChg chg="undo redo custSel addSld modSld">
+      <pc:chgData name="Silvia Pala" userId="f0133cc1-7ddc-4617-95f3-a1b241401a99" providerId="ADAL" clId="{B8AD580B-F48D-4C46-AD44-FB3D7B3B8CED}" dt="2023-01-04T00:01:24.409" v="2364" actId="20577"/>
       <pc:docMkLst>
         <pc:docMk/>
       </pc:docMkLst>
@@ -268,27 +268,280 @@
           </ac:spMkLst>
         </pc:spChg>
       </pc:sldChg>
-      <pc:sldChg chg="addSp modSp mod">
-        <pc:chgData name="Silvia Pala" userId="f0133cc1-7ddc-4617-95f3-a1b241401a99" providerId="ADAL" clId="{B8AD580B-F48D-4C46-AD44-FB3D7B3B8CED}" dt="2023-01-03T12:41:44.524" v="236" actId="1076"/>
+      <pc:sldChg chg="addSp delSp modSp mod">
+        <pc:chgData name="Silvia Pala" userId="f0133cc1-7ddc-4617-95f3-a1b241401a99" providerId="ADAL" clId="{B8AD580B-F48D-4C46-AD44-FB3D7B3B8CED}" dt="2023-01-03T20:36:02.209" v="268" actId="1076"/>
+        <pc:sldMkLst>
+          <pc:docMk/>
+          <pc:sldMk cId="0" sldId="257"/>
+        </pc:sldMkLst>
+        <pc:picChg chg="add del">
+          <ac:chgData name="Silvia Pala" userId="f0133cc1-7ddc-4617-95f3-a1b241401a99" providerId="ADAL" clId="{B8AD580B-F48D-4C46-AD44-FB3D7B3B8CED}" dt="2023-01-03T20:35:56.998" v="267" actId="478"/>
+          <ac:picMkLst>
+            <pc:docMk/>
+            <pc:sldMk cId="0" sldId="257"/>
+            <ac:picMk id="5" creationId="{6C33B58A-B9F8-724A-89B4-A858EAEB8D04}"/>
+          </ac:picMkLst>
+        </pc:picChg>
+        <pc:picChg chg="add mod">
+          <ac:chgData name="Silvia Pala" userId="f0133cc1-7ddc-4617-95f3-a1b241401a99" providerId="ADAL" clId="{B8AD580B-F48D-4C46-AD44-FB3D7B3B8CED}" dt="2023-01-03T20:36:02.209" v="268" actId="1076"/>
+          <ac:picMkLst>
+            <pc:docMk/>
+            <pc:sldMk cId="0" sldId="257"/>
+            <ac:picMk id="6" creationId="{1482A268-846E-C939-4835-0CF5911AA5B4}"/>
+          </ac:picMkLst>
+        </pc:picChg>
+        <pc:picChg chg="add del mod">
+          <ac:chgData name="Silvia Pala" userId="f0133cc1-7ddc-4617-95f3-a1b241401a99" providerId="ADAL" clId="{B8AD580B-F48D-4C46-AD44-FB3D7B3B8CED}" dt="2023-01-03T20:35:17.394" v="252" actId="478"/>
+          <ac:picMkLst>
+            <pc:docMk/>
+            <pc:sldMk cId="0" sldId="257"/>
+            <ac:picMk id="8" creationId="{1BE4CAE8-F98D-3A60-D7F4-9774FC32366F}"/>
+          </ac:picMkLst>
+        </pc:picChg>
+      </pc:sldChg>
+      <pc:sldChg chg="addSp delSp modSp mod">
+        <pc:chgData name="Silvia Pala" userId="f0133cc1-7ddc-4617-95f3-a1b241401a99" providerId="ADAL" clId="{B8AD580B-F48D-4C46-AD44-FB3D7B3B8CED}" dt="2023-01-03T20:46:14.347" v="296" actId="1076"/>
+        <pc:sldMkLst>
+          <pc:docMk/>
+          <pc:sldMk cId="0" sldId="258"/>
+        </pc:sldMkLst>
+        <pc:spChg chg="mod">
+          <ac:chgData name="Silvia Pala" userId="f0133cc1-7ddc-4617-95f3-a1b241401a99" providerId="ADAL" clId="{B8AD580B-F48D-4C46-AD44-FB3D7B3B8CED}" dt="2023-01-03T20:38:39.353" v="284" actId="404"/>
+          <ac:spMkLst>
+            <pc:docMk/>
+            <pc:sldMk cId="0" sldId="258"/>
+            <ac:spMk id="7" creationId="{09A7E81B-9385-19C5-4E92-DC0F31E4D401}"/>
+          </ac:spMkLst>
+        </pc:spChg>
+        <pc:spChg chg="mod">
+          <ac:chgData name="Silvia Pala" userId="f0133cc1-7ddc-4617-95f3-a1b241401a99" providerId="ADAL" clId="{B8AD580B-F48D-4C46-AD44-FB3D7B3B8CED}" dt="2023-01-03T20:38:45.024" v="285" actId="404"/>
+          <ac:spMkLst>
+            <pc:docMk/>
+            <pc:sldMk cId="0" sldId="258"/>
+            <ac:spMk id="9" creationId="{44C69C97-F88C-4AD3-4C26-9BD12732568C}"/>
+          </ac:spMkLst>
+        </pc:spChg>
+        <pc:picChg chg="del">
+          <ac:chgData name="Silvia Pala" userId="f0133cc1-7ddc-4617-95f3-a1b241401a99" providerId="ADAL" clId="{B8AD580B-F48D-4C46-AD44-FB3D7B3B8CED}" dt="2023-01-03T20:46:08.934" v="293" actId="478"/>
+          <ac:picMkLst>
+            <pc:docMk/>
+            <pc:sldMk cId="0" sldId="258"/>
+            <ac:picMk id="5" creationId="{C4C1089B-5C07-3FE8-5C5A-669D3C144F43}"/>
+          </ac:picMkLst>
+        </pc:picChg>
+        <pc:picChg chg="add del mod">
+          <ac:chgData name="Silvia Pala" userId="f0133cc1-7ddc-4617-95f3-a1b241401a99" providerId="ADAL" clId="{B8AD580B-F48D-4C46-AD44-FB3D7B3B8CED}" dt="2023-01-03T20:43:12.346" v="289" actId="478"/>
+          <ac:picMkLst>
+            <pc:docMk/>
+            <pc:sldMk cId="0" sldId="258"/>
+            <ac:picMk id="6" creationId="{95AF39DC-9299-A7E1-E3D0-F9480EA6389C}"/>
+          </ac:picMkLst>
+        </pc:picChg>
+        <pc:picChg chg="add mod">
+          <ac:chgData name="Silvia Pala" userId="f0133cc1-7ddc-4617-95f3-a1b241401a99" providerId="ADAL" clId="{B8AD580B-F48D-4C46-AD44-FB3D7B3B8CED}" dt="2023-01-03T20:46:14.347" v="296" actId="1076"/>
+          <ac:picMkLst>
+            <pc:docMk/>
+            <pc:sldMk cId="0" sldId="258"/>
+            <ac:picMk id="10" creationId="{74AC0508-FBFB-AB73-7ADF-F2B846EA2380}"/>
+          </ac:picMkLst>
+        </pc:picChg>
+      </pc:sldChg>
+      <pc:sldChg chg="addSp delSp modSp mod">
+        <pc:chgData name="Silvia Pala" userId="f0133cc1-7ddc-4617-95f3-a1b241401a99" providerId="ADAL" clId="{B8AD580B-F48D-4C46-AD44-FB3D7B3B8CED}" dt="2023-01-03T20:38:27.079" v="283" actId="14100"/>
+        <pc:sldMkLst>
+          <pc:docMk/>
+          <pc:sldMk cId="0" sldId="259"/>
+        </pc:sldMkLst>
+        <pc:spChg chg="mod">
+          <ac:chgData name="Silvia Pala" userId="f0133cc1-7ddc-4617-95f3-a1b241401a99" providerId="ADAL" clId="{B8AD580B-F48D-4C46-AD44-FB3D7B3B8CED}" dt="2023-01-03T20:38:15.522" v="281" actId="404"/>
+          <ac:spMkLst>
+            <pc:docMk/>
+            <pc:sldMk cId="0" sldId="259"/>
+            <ac:spMk id="8" creationId="{9999F95B-560C-6317-C146-E4A92999F9A3}"/>
+          </ac:spMkLst>
+        </pc:spChg>
+        <pc:spChg chg="mod">
+          <ac:chgData name="Silvia Pala" userId="f0133cc1-7ddc-4617-95f3-a1b241401a99" providerId="ADAL" clId="{B8AD580B-F48D-4C46-AD44-FB3D7B3B8CED}" dt="2023-01-03T20:38:22.044" v="282" actId="404"/>
+          <ac:spMkLst>
+            <pc:docMk/>
+            <pc:sldMk cId="0" sldId="259"/>
+            <ac:spMk id="10" creationId="{2FC31670-CC81-E348-E88E-EA4ECA710049}"/>
+          </ac:spMkLst>
+        </pc:spChg>
+        <pc:picChg chg="add mod">
+          <ac:chgData name="Silvia Pala" userId="f0133cc1-7ddc-4617-95f3-a1b241401a99" providerId="ADAL" clId="{B8AD580B-F48D-4C46-AD44-FB3D7B3B8CED}" dt="2023-01-03T20:38:27.079" v="283" actId="14100"/>
+          <ac:picMkLst>
+            <pc:docMk/>
+            <pc:sldMk cId="0" sldId="259"/>
+            <ac:picMk id="5" creationId="{FB3E9A0A-371A-FF29-3BA8-546301E6E836}"/>
+          </ac:picMkLst>
+        </pc:picChg>
+        <pc:picChg chg="del">
+          <ac:chgData name="Silvia Pala" userId="f0133cc1-7ddc-4617-95f3-a1b241401a99" providerId="ADAL" clId="{B8AD580B-F48D-4C46-AD44-FB3D7B3B8CED}" dt="2023-01-03T20:37:55.095" v="275" actId="478"/>
+          <ac:picMkLst>
+            <pc:docMk/>
+            <pc:sldMk cId="0" sldId="259"/>
+            <ac:picMk id="7" creationId="{15B141F8-1735-C928-561E-2F9DE7FB1D4E}"/>
+          </ac:picMkLst>
+        </pc:picChg>
+      </pc:sldChg>
+      <pc:sldChg chg="addSp delSp modSp mod">
+        <pc:chgData name="Silvia Pala" userId="f0133cc1-7ddc-4617-95f3-a1b241401a99" providerId="ADAL" clId="{B8AD580B-F48D-4C46-AD44-FB3D7B3B8CED}" dt="2023-01-03T23:47:52.387" v="1885" actId="1076"/>
         <pc:sldMkLst>
           <pc:docMk/>
           <pc:sldMk cId="0" sldId="260"/>
         </pc:sldMkLst>
-        <pc:picChg chg="add mod">
-          <ac:chgData name="Silvia Pala" userId="f0133cc1-7ddc-4617-95f3-a1b241401a99" providerId="ADAL" clId="{B8AD580B-F48D-4C46-AD44-FB3D7B3B8CED}" dt="2023-01-03T12:41:44.524" v="236" actId="1076"/>
+        <pc:spChg chg="add mod">
+          <ac:chgData name="Silvia Pala" userId="f0133cc1-7ddc-4617-95f3-a1b241401a99" providerId="ADAL" clId="{B8AD580B-F48D-4C46-AD44-FB3D7B3B8CED}" dt="2023-01-03T23:16:09.341" v="1262" actId="20577"/>
+          <ac:spMkLst>
+            <pc:docMk/>
+            <pc:sldMk cId="0" sldId="260"/>
+            <ac:spMk id="5" creationId="{D1D4D574-4816-B95E-EB2C-8B6B8A72F914}"/>
+          </ac:spMkLst>
+        </pc:spChg>
+        <pc:spChg chg="add mod">
+          <ac:chgData name="Silvia Pala" userId="f0133cc1-7ddc-4617-95f3-a1b241401a99" providerId="ADAL" clId="{B8AD580B-F48D-4C46-AD44-FB3D7B3B8CED}" dt="2023-01-03T23:47:52.387" v="1885" actId="1076"/>
+          <ac:spMkLst>
+            <pc:docMk/>
+            <pc:sldMk cId="0" sldId="260"/>
+            <ac:spMk id="11" creationId="{F9706B29-6D54-B351-78F4-92874429505A}"/>
+          </ac:spMkLst>
+        </pc:spChg>
+        <pc:graphicFrameChg chg="add del mod modGraphic">
+          <ac:chgData name="Silvia Pala" userId="f0133cc1-7ddc-4617-95f3-a1b241401a99" providerId="ADAL" clId="{B8AD580B-F48D-4C46-AD44-FB3D7B3B8CED}" dt="2023-01-03T23:01:19.093" v="699" actId="478"/>
+          <ac:graphicFrameMkLst>
+            <pc:docMk/>
+            <pc:sldMk cId="0" sldId="260"/>
+            <ac:graphicFrameMk id="7" creationId="{11779A4F-7C34-DE44-FE5F-063EF32B0BE0}"/>
+          </ac:graphicFrameMkLst>
+        </pc:graphicFrameChg>
+        <pc:graphicFrameChg chg="add del mod modGraphic">
+          <ac:chgData name="Silvia Pala" userId="f0133cc1-7ddc-4617-95f3-a1b241401a99" providerId="ADAL" clId="{B8AD580B-F48D-4C46-AD44-FB3D7B3B8CED}" dt="2023-01-03T22:55:10.150" v="608"/>
+          <ac:graphicFrameMkLst>
+            <pc:docMk/>
+            <pc:sldMk cId="0" sldId="260"/>
+            <ac:graphicFrameMk id="8" creationId="{E5A7504B-5C47-D5B9-E4CF-2225646A6342}"/>
+          </ac:graphicFrameMkLst>
+        </pc:graphicFrameChg>
+        <pc:graphicFrameChg chg="add mod modGraphic">
+          <ac:chgData name="Silvia Pala" userId="f0133cc1-7ddc-4617-95f3-a1b241401a99" providerId="ADAL" clId="{B8AD580B-F48D-4C46-AD44-FB3D7B3B8CED}" dt="2023-01-03T23:01:22.659" v="700" actId="1076"/>
+          <ac:graphicFrameMkLst>
+            <pc:docMk/>
+            <pc:sldMk cId="0" sldId="260"/>
+            <ac:graphicFrameMk id="9" creationId="{A801BC6F-8044-CDFC-294D-E8FF7A5582AB}"/>
+          </ac:graphicFrameMkLst>
+        </pc:graphicFrameChg>
+        <pc:picChg chg="add del mod">
+          <ac:chgData name="Silvia Pala" userId="f0133cc1-7ddc-4617-95f3-a1b241401a99" providerId="ADAL" clId="{B8AD580B-F48D-4C46-AD44-FB3D7B3B8CED}" dt="2023-01-03T20:53:46.637" v="300" actId="478"/>
           <ac:picMkLst>
             <pc:docMk/>
             <pc:sldMk cId="0" sldId="260"/>
             <ac:picMk id="5" creationId="{3B7658AD-6357-64AA-4C0A-C4B7E0A08F02}"/>
           </ac:picMkLst>
         </pc:picChg>
+        <pc:picChg chg="add mod">
+          <ac:chgData name="Silvia Pala" userId="f0133cc1-7ddc-4617-95f3-a1b241401a99" providerId="ADAL" clId="{B8AD580B-F48D-4C46-AD44-FB3D7B3B8CED}" dt="2023-01-03T22:58:18.159" v="638" actId="1076"/>
+          <ac:picMkLst>
+            <pc:docMk/>
+            <pc:sldMk cId="0" sldId="260"/>
+            <ac:picMk id="6" creationId="{A9DABDB8-37CE-B152-373F-2881A1487917}"/>
+          </ac:picMkLst>
+        </pc:picChg>
       </pc:sldChg>
       <pc:sldChg chg="addSp delSp modSp mod">
-        <pc:chgData name="Silvia Pala" userId="f0133cc1-7ddc-4617-95f3-a1b241401a99" providerId="ADAL" clId="{B8AD580B-F48D-4C46-AD44-FB3D7B3B8CED}" dt="2023-01-02T20:45:03.454" v="55" actId="1076"/>
+        <pc:chgData name="Silvia Pala" userId="f0133cc1-7ddc-4617-95f3-a1b241401a99" providerId="ADAL" clId="{B8AD580B-F48D-4C46-AD44-FB3D7B3B8CED}" dt="2023-01-03T23:39:07.293" v="1830" actId="20577"/>
         <pc:sldMkLst>
           <pc:docMk/>
           <pc:sldMk cId="0" sldId="261"/>
         </pc:sldMkLst>
+        <pc:spChg chg="mod">
+          <ac:chgData name="Silvia Pala" userId="f0133cc1-7ddc-4617-95f3-a1b241401a99" providerId="ADAL" clId="{B8AD580B-F48D-4C46-AD44-FB3D7B3B8CED}" dt="2023-01-03T23:22:39.409" v="1392" actId="20577"/>
+          <ac:spMkLst>
+            <pc:docMk/>
+            <pc:sldMk cId="0" sldId="261"/>
+            <ac:spMk id="2" creationId="{00000000-0000-0000-0000-000000000000}"/>
+          </ac:spMkLst>
+        </pc:spChg>
+        <pc:spChg chg="add del mod">
+          <ac:chgData name="Silvia Pala" userId="f0133cc1-7ddc-4617-95f3-a1b241401a99" providerId="ADAL" clId="{B8AD580B-F48D-4C46-AD44-FB3D7B3B8CED}" dt="2023-01-03T23:04:27.935" v="757"/>
+          <ac:spMkLst>
+            <pc:docMk/>
+            <pc:sldMk cId="0" sldId="261"/>
+            <ac:spMk id="6" creationId="{C35B55FF-0C43-D22A-E90E-A04EF144B913}"/>
+          </ac:spMkLst>
+        </pc:spChg>
+        <pc:spChg chg="add del mod">
+          <ac:chgData name="Silvia Pala" userId="f0133cc1-7ddc-4617-95f3-a1b241401a99" providerId="ADAL" clId="{B8AD580B-F48D-4C46-AD44-FB3D7B3B8CED}" dt="2023-01-03T23:02:10.256" v="704"/>
+          <ac:spMkLst>
+            <pc:docMk/>
+            <pc:sldMk cId="0" sldId="261"/>
+            <ac:spMk id="8" creationId="{0F4B6532-3AC4-E050-F710-1DED6A5A7DD4}"/>
+          </ac:spMkLst>
+        </pc:spChg>
+        <pc:spChg chg="add del mod">
+          <ac:chgData name="Silvia Pala" userId="f0133cc1-7ddc-4617-95f3-a1b241401a99" providerId="ADAL" clId="{B8AD580B-F48D-4C46-AD44-FB3D7B3B8CED}" dt="2023-01-03T23:02:23.061" v="707"/>
+          <ac:spMkLst>
+            <pc:docMk/>
+            <pc:sldMk cId="0" sldId="261"/>
+            <ac:spMk id="9" creationId="{CEE3E365-D297-1172-F09E-01C51C224106}"/>
+          </ac:spMkLst>
+        </pc:spChg>
+        <pc:spChg chg="add mod">
+          <ac:chgData name="Silvia Pala" userId="f0133cc1-7ddc-4617-95f3-a1b241401a99" providerId="ADAL" clId="{B8AD580B-F48D-4C46-AD44-FB3D7B3B8CED}" dt="2023-01-03T23:39:07.293" v="1830" actId="20577"/>
+          <ac:spMkLst>
+            <pc:docMk/>
+            <pc:sldMk cId="0" sldId="261"/>
+            <ac:spMk id="10" creationId="{6A13A7E0-D697-E2BA-ED25-19B6FE51E394}"/>
+          </ac:spMkLst>
+        </pc:spChg>
+        <pc:spChg chg="add mod">
+          <ac:chgData name="Silvia Pala" userId="f0133cc1-7ddc-4617-95f3-a1b241401a99" providerId="ADAL" clId="{B8AD580B-F48D-4C46-AD44-FB3D7B3B8CED}" dt="2023-01-03T23:36:15.871" v="1793" actId="1076"/>
+          <ac:spMkLst>
+            <pc:docMk/>
+            <pc:sldMk cId="0" sldId="261"/>
+            <ac:spMk id="11" creationId="{BDAD4C7A-6B0B-C111-CC28-086FA53D4375}"/>
+          </ac:spMkLst>
+        </pc:spChg>
+        <pc:spChg chg="add del mod">
+          <ac:chgData name="Silvia Pala" userId="f0133cc1-7ddc-4617-95f3-a1b241401a99" providerId="ADAL" clId="{B8AD580B-F48D-4C46-AD44-FB3D7B3B8CED}" dt="2023-01-03T23:07:49.918" v="781" actId="478"/>
+          <ac:spMkLst>
+            <pc:docMk/>
+            <pc:sldMk cId="0" sldId="261"/>
+            <ac:spMk id="12" creationId="{525CF2F3-6443-DFD0-3FEE-2BC94DFB877A}"/>
+          </ac:spMkLst>
+        </pc:spChg>
+        <pc:spChg chg="add mod">
+          <ac:chgData name="Silvia Pala" userId="f0133cc1-7ddc-4617-95f3-a1b241401a99" providerId="ADAL" clId="{B8AD580B-F48D-4C46-AD44-FB3D7B3B8CED}" dt="2023-01-03T23:36:19.767" v="1794" actId="1076"/>
+          <ac:spMkLst>
+            <pc:docMk/>
+            <pc:sldMk cId="0" sldId="261"/>
+            <ac:spMk id="13" creationId="{2E02D28A-F410-6B30-3B9B-124697AD0312}"/>
+          </ac:spMkLst>
+        </pc:spChg>
+        <pc:spChg chg="add del mod">
+          <ac:chgData name="Silvia Pala" userId="f0133cc1-7ddc-4617-95f3-a1b241401a99" providerId="ADAL" clId="{B8AD580B-F48D-4C46-AD44-FB3D7B3B8CED}" dt="2023-01-03T23:33:06.443" v="1746"/>
+          <ac:spMkLst>
+            <pc:docMk/>
+            <pc:sldMk cId="0" sldId="261"/>
+            <ac:spMk id="18" creationId="{52294623-E303-B5CB-88C4-F0E5D7F6B0EF}"/>
+          </ac:spMkLst>
+        </pc:spChg>
+        <pc:graphicFrameChg chg="add del mod modGraphic">
+          <ac:chgData name="Silvia Pala" userId="f0133cc1-7ddc-4617-95f3-a1b241401a99" providerId="ADAL" clId="{B8AD580B-F48D-4C46-AD44-FB3D7B3B8CED}" dt="2023-01-03T23:35:23.636" v="1780" actId="478"/>
+          <ac:graphicFrameMkLst>
+            <pc:docMk/>
+            <pc:sldMk cId="0" sldId="261"/>
+            <ac:graphicFrameMk id="7" creationId="{85AA0D0A-298E-22B1-543B-4B6C2CCDF68F}"/>
+          </ac:graphicFrameMkLst>
+        </pc:graphicFrameChg>
+        <pc:picChg chg="add mod">
+          <ac:chgData name="Silvia Pala" userId="f0133cc1-7ddc-4617-95f3-a1b241401a99" providerId="ADAL" clId="{B8AD580B-F48D-4C46-AD44-FB3D7B3B8CED}" dt="2023-01-03T23:31:48.122" v="1717" actId="1076"/>
+          <ac:picMkLst>
+            <pc:docMk/>
+            <pc:sldMk cId="0" sldId="261"/>
+            <ac:picMk id="5" creationId="{943A690E-D9EE-7352-DF91-0B619B7ADC0A}"/>
+          </ac:picMkLst>
+        </pc:picChg>
         <pc:picChg chg="add del mod">
           <ac:chgData name="Silvia Pala" userId="f0133cc1-7ddc-4617-95f3-a1b241401a99" providerId="ADAL" clId="{B8AD580B-F48D-4C46-AD44-FB3D7B3B8CED}" dt="2023-01-02T20:26:00.225" v="30" actId="478"/>
           <ac:picMkLst>
@@ -297,21 +550,61 @@
             <ac:picMk id="5" creationId="{E2540B7C-8B50-68A2-0BC2-AA39FEAFB416}"/>
           </ac:picMkLst>
         </pc:picChg>
-        <pc:picChg chg="add mod">
-          <ac:chgData name="Silvia Pala" userId="f0133cc1-7ddc-4617-95f3-a1b241401a99" providerId="ADAL" clId="{B8AD580B-F48D-4C46-AD44-FB3D7B3B8CED}" dt="2023-01-02T20:45:03.454" v="55" actId="1076"/>
+        <pc:picChg chg="add del mod">
+          <ac:chgData name="Silvia Pala" userId="f0133cc1-7ddc-4617-95f3-a1b241401a99" providerId="ADAL" clId="{B8AD580B-F48D-4C46-AD44-FB3D7B3B8CED}" dt="2023-01-03T20:55:36.829" v="306" actId="478"/>
           <ac:picMkLst>
             <pc:docMk/>
             <pc:sldMk cId="0" sldId="261"/>
             <ac:picMk id="7" creationId="{3DAE5DC2-CFC1-31DB-FA71-AC08E22E0740}"/>
           </ac:picMkLst>
         </pc:picChg>
+        <pc:cxnChg chg="add mod">
+          <ac:chgData name="Silvia Pala" userId="f0133cc1-7ddc-4617-95f3-a1b241401a99" providerId="ADAL" clId="{B8AD580B-F48D-4C46-AD44-FB3D7B3B8CED}" dt="2023-01-03T23:18:27.513" v="1298" actId="1076"/>
+          <ac:cxnSpMkLst>
+            <pc:docMk/>
+            <pc:sldMk cId="0" sldId="261"/>
+            <ac:cxnSpMk id="15" creationId="{D5B609F8-BDF1-510A-1003-78D778C0FEB0}"/>
+          </ac:cxnSpMkLst>
+        </pc:cxnChg>
       </pc:sldChg>
       <pc:sldChg chg="addSp delSp modSp mod">
-        <pc:chgData name="Silvia Pala" userId="f0133cc1-7ddc-4617-95f3-a1b241401a99" providerId="ADAL" clId="{B8AD580B-F48D-4C46-AD44-FB3D7B3B8CED}" dt="2023-01-03T12:49:04.575" v="243" actId="1076"/>
+        <pc:chgData name="Silvia Pala" userId="f0133cc1-7ddc-4617-95f3-a1b241401a99" providerId="ADAL" clId="{B8AD580B-F48D-4C46-AD44-FB3D7B3B8CED}" dt="2023-01-03T23:45:04.930" v="1873" actId="1076"/>
         <pc:sldMkLst>
           <pc:docMk/>
           <pc:sldMk cId="0" sldId="266"/>
         </pc:sldMkLst>
+        <pc:spChg chg="add mod">
+          <ac:chgData name="Silvia Pala" userId="f0133cc1-7ddc-4617-95f3-a1b241401a99" providerId="ADAL" clId="{B8AD580B-F48D-4C46-AD44-FB3D7B3B8CED}" dt="2023-01-03T23:44:13.039" v="1870" actId="1076"/>
+          <ac:spMkLst>
+            <pc:docMk/>
+            <pc:sldMk cId="0" sldId="266"/>
+            <ac:spMk id="6" creationId="{6E9C6DCA-5B52-CCB1-C5D9-57C63A815F1B}"/>
+          </ac:spMkLst>
+        </pc:spChg>
+        <pc:spChg chg="add mod">
+          <ac:chgData name="Silvia Pala" userId="f0133cc1-7ddc-4617-95f3-a1b241401a99" providerId="ADAL" clId="{B8AD580B-F48D-4C46-AD44-FB3D7B3B8CED}" dt="2023-01-03T23:41:37.869" v="1846" actId="1076"/>
+          <ac:spMkLst>
+            <pc:docMk/>
+            <pc:sldMk cId="0" sldId="266"/>
+            <ac:spMk id="8" creationId="{1183B2BD-C4D1-327F-24BD-671F147F6A30}"/>
+          </ac:spMkLst>
+        </pc:spChg>
+        <pc:graphicFrameChg chg="add del mod modGraphic">
+          <ac:chgData name="Silvia Pala" userId="f0133cc1-7ddc-4617-95f3-a1b241401a99" providerId="ADAL" clId="{B8AD580B-F48D-4C46-AD44-FB3D7B3B8CED}" dt="2023-01-03T23:44:56.511" v="1872" actId="478"/>
+          <ac:graphicFrameMkLst>
+            <pc:docMk/>
+            <pc:sldMk cId="0" sldId="266"/>
+            <ac:graphicFrameMk id="7" creationId="{3EF7CA75-FC7E-2A5A-2F16-ED7482FE83DD}"/>
+          </ac:graphicFrameMkLst>
+        </pc:graphicFrameChg>
+        <pc:picChg chg="add mod">
+          <ac:chgData name="Silvia Pala" userId="f0133cc1-7ddc-4617-95f3-a1b241401a99" providerId="ADAL" clId="{B8AD580B-F48D-4C46-AD44-FB3D7B3B8CED}" dt="2023-01-03T21:05:34.398" v="327" actId="14100"/>
+          <ac:picMkLst>
+            <pc:docMk/>
+            <pc:sldMk cId="0" sldId="266"/>
+            <ac:picMk id="5" creationId="{47050054-B110-EEAA-AF0E-B72DF521C300}"/>
+          </ac:picMkLst>
+        </pc:picChg>
         <pc:picChg chg="add del mod">
           <ac:chgData name="Silvia Pala" userId="f0133cc1-7ddc-4617-95f3-a1b241401a99" providerId="ADAL" clId="{B8AD580B-F48D-4C46-AD44-FB3D7B3B8CED}" dt="2023-01-03T12:37:25.154" v="232" actId="478"/>
           <ac:picMkLst>
@@ -336,17 +629,25 @@
             <ac:picMk id="7" creationId="{2E40805C-E4CB-F58E-1A34-723A8BCF8528}"/>
           </ac:picMkLst>
         </pc:picChg>
-        <pc:picChg chg="add mod">
-          <ac:chgData name="Silvia Pala" userId="f0133cc1-7ddc-4617-95f3-a1b241401a99" providerId="ADAL" clId="{B8AD580B-F48D-4C46-AD44-FB3D7B3B8CED}" dt="2023-01-03T12:49:04.575" v="243" actId="1076"/>
+        <pc:picChg chg="add del mod">
+          <ac:chgData name="Silvia Pala" userId="f0133cc1-7ddc-4617-95f3-a1b241401a99" providerId="ADAL" clId="{B8AD580B-F48D-4C46-AD44-FB3D7B3B8CED}" dt="2023-01-03T21:05:27.253" v="324" actId="478"/>
           <ac:picMkLst>
             <pc:docMk/>
             <pc:sldMk cId="0" sldId="266"/>
             <ac:picMk id="9" creationId="{73635D9D-B9BA-5722-9C68-BE33639D2BAF}"/>
           </ac:picMkLst>
         </pc:picChg>
+        <pc:cxnChg chg="add mod">
+          <ac:chgData name="Silvia Pala" userId="f0133cc1-7ddc-4617-95f3-a1b241401a99" providerId="ADAL" clId="{B8AD580B-F48D-4C46-AD44-FB3D7B3B8CED}" dt="2023-01-03T23:45:04.930" v="1873" actId="1076"/>
+          <ac:cxnSpMkLst>
+            <pc:docMk/>
+            <pc:sldMk cId="0" sldId="266"/>
+            <ac:cxnSpMk id="10" creationId="{AB6BE6A3-5C9D-A24B-9D9C-CC2D3FB4F2FA}"/>
+          </ac:cxnSpMkLst>
+        </pc:cxnChg>
       </pc:sldChg>
       <pc:sldChg chg="addSp delSp modSp mod">
-        <pc:chgData name="Silvia Pala" userId="f0133cc1-7ddc-4617-95f3-a1b241401a99" providerId="ADAL" clId="{B8AD580B-F48D-4C46-AD44-FB3D7B3B8CED}" dt="2023-01-02T20:49:42.664" v="226" actId="14100"/>
+        <pc:chgData name="Silvia Pala" userId="f0133cc1-7ddc-4617-95f3-a1b241401a99" providerId="ADAL" clId="{B8AD580B-F48D-4C46-AD44-FB3D7B3B8CED}" dt="2023-01-03T23:45:35.960" v="1876" actId="6549"/>
         <pc:sldMkLst>
           <pc:docMk/>
           <pc:sldMk cId="0" sldId="268"/>
@@ -357,6 +658,14 @@
             <pc:docMk/>
             <pc:sldMk cId="0" sldId="268"/>
             <ac:spMk id="2" creationId="{00000000-0000-0000-0000-000000000000}"/>
+          </ac:spMkLst>
+        </pc:spChg>
+        <pc:spChg chg="add mod">
+          <ac:chgData name="Silvia Pala" userId="f0133cc1-7ddc-4617-95f3-a1b241401a99" providerId="ADAL" clId="{B8AD580B-F48D-4C46-AD44-FB3D7B3B8CED}" dt="2023-01-03T23:45:35.960" v="1876" actId="6549"/>
+          <ac:spMkLst>
+            <pc:docMk/>
+            <pc:sldMk cId="0" sldId="268"/>
+            <ac:spMk id="5" creationId="{D8EC853A-5A4F-68B7-6513-0425BB44610D}"/>
           </ac:spMkLst>
         </pc:spChg>
         <pc:picChg chg="add del mod">
@@ -376,8 +685,8 @@
           </ac:picMkLst>
         </pc:picChg>
       </pc:sldChg>
-      <pc:sldChg chg="modSp mod">
-        <pc:chgData name="Silvia Pala" userId="f0133cc1-7ddc-4617-95f3-a1b241401a99" providerId="ADAL" clId="{B8AD580B-F48D-4C46-AD44-FB3D7B3B8CED}" dt="2023-01-02T20:50:17.372" v="228" actId="14100"/>
+      <pc:sldChg chg="addSp delSp modSp mod">
+        <pc:chgData name="Silvia Pala" userId="f0133cc1-7ddc-4617-95f3-a1b241401a99" providerId="ADAL" clId="{B8AD580B-F48D-4C46-AD44-FB3D7B3B8CED}" dt="2023-01-03T22:46:48.784" v="434" actId="12385"/>
         <pc:sldMkLst>
           <pc:docMk/>
           <pc:sldMk cId="0" sldId="269"/>
@@ -390,9 +699,33 @@
             <ac:spMk id="2" creationId="{00000000-0000-0000-0000-000000000000}"/>
           </ac:spMkLst>
         </pc:spChg>
+        <pc:spChg chg="add del mod">
+          <ac:chgData name="Silvia Pala" userId="f0133cc1-7ddc-4617-95f3-a1b241401a99" providerId="ADAL" clId="{B8AD580B-F48D-4C46-AD44-FB3D7B3B8CED}" dt="2023-01-03T21:43:01.870" v="425"/>
+          <ac:spMkLst>
+            <pc:docMk/>
+            <pc:sldMk cId="0" sldId="269"/>
+            <ac:spMk id="5" creationId="{2DF0715C-A104-2F9D-1050-BBB151AB44AA}"/>
+          </ac:spMkLst>
+        </pc:spChg>
+        <pc:graphicFrameChg chg="add del mod">
+          <ac:chgData name="Silvia Pala" userId="f0133cc1-7ddc-4617-95f3-a1b241401a99" providerId="ADAL" clId="{B8AD580B-F48D-4C46-AD44-FB3D7B3B8CED}" dt="2023-01-03T21:43:01.870" v="425"/>
+          <ac:graphicFrameMkLst>
+            <pc:docMk/>
+            <pc:sldMk cId="0" sldId="269"/>
+            <ac:graphicFrameMk id="4" creationId="{F363104C-9F36-1921-0025-8F781E4122B9}"/>
+          </ac:graphicFrameMkLst>
+        </pc:graphicFrameChg>
+        <pc:graphicFrameChg chg="add mod modGraphic">
+          <ac:chgData name="Silvia Pala" userId="f0133cc1-7ddc-4617-95f3-a1b241401a99" providerId="ADAL" clId="{B8AD580B-F48D-4C46-AD44-FB3D7B3B8CED}" dt="2023-01-03T22:46:48.784" v="434" actId="12385"/>
+          <ac:graphicFrameMkLst>
+            <pc:docMk/>
+            <pc:sldMk cId="0" sldId="269"/>
+            <ac:graphicFrameMk id="6" creationId="{46F17B90-82F1-540F-67C2-501E1B7618E4}"/>
+          </ac:graphicFrameMkLst>
+        </pc:graphicFrameChg>
       </pc:sldChg>
-      <pc:sldChg chg="addSp modSp mod">
-        <pc:chgData name="Silvia Pala" userId="f0133cc1-7ddc-4617-95f3-a1b241401a99" providerId="ADAL" clId="{B8AD580B-F48D-4C46-AD44-FB3D7B3B8CED}" dt="2023-01-02T20:49:03.315" v="170"/>
+      <pc:sldChg chg="addSp delSp modSp mod">
+        <pc:chgData name="Silvia Pala" userId="f0133cc1-7ddc-4617-95f3-a1b241401a99" providerId="ADAL" clId="{B8AD580B-F48D-4C46-AD44-FB3D7B3B8CED}" dt="2023-01-04T00:01:24.409" v="2364" actId="20577"/>
         <pc:sldMkLst>
           <pc:docMk/>
           <pc:sldMk cId="0" sldId="270"/>
@@ -405,21 +738,109 @@
             <ac:spMk id="2" creationId="{00000000-0000-0000-0000-000000000000}"/>
           </ac:spMkLst>
         </pc:spChg>
-        <pc:picChg chg="add mod">
-          <ac:chgData name="Silvia Pala" userId="f0133cc1-7ddc-4617-95f3-a1b241401a99" providerId="ADAL" clId="{B8AD580B-F48D-4C46-AD44-FB3D7B3B8CED}" dt="2023-01-02T20:49:03.315" v="170"/>
+        <pc:spChg chg="add del mod">
+          <ac:chgData name="Silvia Pala" userId="f0133cc1-7ddc-4617-95f3-a1b241401a99" providerId="ADAL" clId="{B8AD580B-F48D-4C46-AD44-FB3D7B3B8CED}" dt="2023-01-03T21:31:29.140" v="373"/>
+          <ac:spMkLst>
+            <pc:docMk/>
+            <pc:sldMk cId="0" sldId="270"/>
+            <ac:spMk id="5" creationId="{C523E37E-4E74-40A8-B548-288448CCFD6C}"/>
+          </ac:spMkLst>
+        </pc:spChg>
+        <pc:spChg chg="add mod">
+          <ac:chgData name="Silvia Pala" userId="f0133cc1-7ddc-4617-95f3-a1b241401a99" providerId="ADAL" clId="{B8AD580B-F48D-4C46-AD44-FB3D7B3B8CED}" dt="2023-01-03T23:58:49.784" v="2302" actId="14100"/>
+          <ac:spMkLst>
+            <pc:docMk/>
+            <pc:sldMk cId="0" sldId="270"/>
+            <ac:spMk id="10" creationId="{6BFFEB62-EAAC-9384-FD64-39E76FF235EC}"/>
+          </ac:spMkLst>
+        </pc:spChg>
+        <pc:spChg chg="add mod">
+          <ac:chgData name="Silvia Pala" userId="f0133cc1-7ddc-4617-95f3-a1b241401a99" providerId="ADAL" clId="{B8AD580B-F48D-4C46-AD44-FB3D7B3B8CED}" dt="2023-01-04T00:01:24.409" v="2364" actId="20577"/>
+          <ac:spMkLst>
+            <pc:docMk/>
+            <pc:sldMk cId="0" sldId="270"/>
+            <ac:spMk id="12" creationId="{7C415614-5E2F-6006-D183-91E2E167ED80}"/>
+          </ac:spMkLst>
+        </pc:spChg>
+        <pc:spChg chg="add mod">
+          <ac:chgData name="Silvia Pala" userId="f0133cc1-7ddc-4617-95f3-a1b241401a99" providerId="ADAL" clId="{B8AD580B-F48D-4C46-AD44-FB3D7B3B8CED}" dt="2023-01-03T23:59:41.358" v="2332" actId="14100"/>
+          <ac:spMkLst>
+            <pc:docMk/>
+            <pc:sldMk cId="0" sldId="270"/>
+            <ac:spMk id="14" creationId="{29F06499-BB41-C51F-C91D-41BB9E7D3F7D}"/>
+          </ac:spMkLst>
+        </pc:spChg>
+        <pc:graphicFrameChg chg="add del mod">
+          <ac:chgData name="Silvia Pala" userId="f0133cc1-7ddc-4617-95f3-a1b241401a99" providerId="ADAL" clId="{B8AD580B-F48D-4C46-AD44-FB3D7B3B8CED}" dt="2023-01-03T23:47:41.866" v="1882"/>
+          <ac:graphicFrameMkLst>
+            <pc:docMk/>
+            <pc:sldMk cId="0" sldId="270"/>
+            <ac:graphicFrameMk id="7" creationId="{0EE3EEE7-B24E-B141-3D7F-5CCF03429E0D}"/>
+          </ac:graphicFrameMkLst>
+        </pc:graphicFrameChg>
+        <pc:picChg chg="add del mod">
+          <ac:chgData name="Silvia Pala" userId="f0133cc1-7ddc-4617-95f3-a1b241401a99" providerId="ADAL" clId="{B8AD580B-F48D-4C46-AD44-FB3D7B3B8CED}" dt="2023-01-03T21:08:33.461" v="333" actId="478"/>
           <ac:picMkLst>
             <pc:docMk/>
             <pc:sldMk cId="0" sldId="270"/>
             <ac:picMk id="4" creationId="{DB03CAE0-7516-E087-D656-98254CE43E8C}"/>
           </ac:picMkLst>
         </pc:picChg>
+        <pc:picChg chg="add mod">
+          <ac:chgData name="Silvia Pala" userId="f0133cc1-7ddc-4617-95f3-a1b241401a99" providerId="ADAL" clId="{B8AD580B-F48D-4C46-AD44-FB3D7B3B8CED}" dt="2023-01-03T23:59:46.330" v="2333" actId="1076"/>
+          <ac:picMkLst>
+            <pc:docMk/>
+            <pc:sldMk cId="0" sldId="270"/>
+            <ac:picMk id="6" creationId="{2FEAD5B4-B5B9-2A5A-D42A-07374C8D1E1E}"/>
+          </ac:picMkLst>
+        </pc:picChg>
+        <pc:picChg chg="add del">
+          <ac:chgData name="Silvia Pala" userId="f0133cc1-7ddc-4617-95f3-a1b241401a99" providerId="ADAL" clId="{B8AD580B-F48D-4C46-AD44-FB3D7B3B8CED}" dt="2023-01-03T23:49:07.520" v="1915" actId="478"/>
+          <ac:picMkLst>
+            <pc:docMk/>
+            <pc:sldMk cId="0" sldId="270"/>
+            <ac:picMk id="8" creationId="{44981B42-CC5E-054E-39DF-4532029BE508}"/>
+          </ac:picMkLst>
+        </pc:picChg>
       </pc:sldChg>
       <pc:sldChg chg="addSp delSp modSp mod">
-        <pc:chgData name="Silvia Pala" userId="f0133cc1-7ddc-4617-95f3-a1b241401a99" providerId="ADAL" clId="{B8AD580B-F48D-4C46-AD44-FB3D7B3B8CED}" dt="2023-01-02T20:45:10.067" v="56" actId="1076"/>
+        <pc:chgData name="Silvia Pala" userId="f0133cc1-7ddc-4617-95f3-a1b241401a99" providerId="ADAL" clId="{B8AD580B-F48D-4C46-AD44-FB3D7B3B8CED}" dt="2023-01-03T23:43:53.536" v="1866" actId="1076"/>
         <pc:sldMkLst>
           <pc:docMk/>
           <pc:sldMk cId="3600729209" sldId="301"/>
         </pc:sldMkLst>
+        <pc:spChg chg="add mod">
+          <ac:chgData name="Silvia Pala" userId="f0133cc1-7ddc-4617-95f3-a1b241401a99" providerId="ADAL" clId="{B8AD580B-F48D-4C46-AD44-FB3D7B3B8CED}" dt="2023-01-03T23:43:53.536" v="1866" actId="1076"/>
+          <ac:spMkLst>
+            <pc:docMk/>
+            <pc:sldMk cId="3600729209" sldId="301"/>
+            <ac:spMk id="6" creationId="{0F72A5C7-F424-1AF5-88D3-CDE7A31CE309}"/>
+          </ac:spMkLst>
+        </pc:spChg>
+        <pc:spChg chg="add del mod">
+          <ac:chgData name="Silvia Pala" userId="f0133cc1-7ddc-4617-95f3-a1b241401a99" providerId="ADAL" clId="{B8AD580B-F48D-4C46-AD44-FB3D7B3B8CED}" dt="2023-01-03T23:10:25.660" v="1007"/>
+          <ac:spMkLst>
+            <pc:docMk/>
+            <pc:sldMk cId="3600729209" sldId="301"/>
+            <ac:spMk id="9" creationId="{A22CD739-8E43-7CF8-D3BE-991A72A4B73F}"/>
+          </ac:spMkLst>
+        </pc:spChg>
+        <pc:spChg chg="add mod">
+          <ac:chgData name="Silvia Pala" userId="f0133cc1-7ddc-4617-95f3-a1b241401a99" providerId="ADAL" clId="{B8AD580B-F48D-4C46-AD44-FB3D7B3B8CED}" dt="2023-01-03T23:40:48.039" v="1839" actId="1076"/>
+          <ac:spMkLst>
+            <pc:docMk/>
+            <pc:sldMk cId="3600729209" sldId="301"/>
+            <ac:spMk id="10" creationId="{37EEE221-A345-94F6-6AE1-799D5C771456}"/>
+          </ac:spMkLst>
+        </pc:spChg>
+        <pc:graphicFrameChg chg="add del mod modGraphic">
+          <ac:chgData name="Silvia Pala" userId="f0133cc1-7ddc-4617-95f3-a1b241401a99" providerId="ADAL" clId="{B8AD580B-F48D-4C46-AD44-FB3D7B3B8CED}" dt="2023-01-03T23:41:09.451" v="1842" actId="478"/>
+          <ac:graphicFrameMkLst>
+            <pc:docMk/>
+            <pc:sldMk cId="3600729209" sldId="301"/>
+            <ac:graphicFrameMk id="7" creationId="{3ED85645-EBB0-ADEE-1F2A-36CB66B79CE7}"/>
+          </ac:graphicFrameMkLst>
+        </pc:graphicFrameChg>
         <pc:picChg chg="add del mod">
           <ac:chgData name="Silvia Pala" userId="f0133cc1-7ddc-4617-95f3-a1b241401a99" providerId="ADAL" clId="{B8AD580B-F48D-4C46-AD44-FB3D7B3B8CED}" dt="2023-01-02T20:39:54.434" v="45" actId="478"/>
           <ac:picMkLst>
@@ -428,14 +849,30 @@
             <ac:picMk id="5" creationId="{4108AD36-D40F-53E6-C98B-9A09A903E1F2}"/>
           </ac:picMkLst>
         </pc:picChg>
-        <pc:picChg chg="add mod">
-          <ac:chgData name="Silvia Pala" userId="f0133cc1-7ddc-4617-95f3-a1b241401a99" providerId="ADAL" clId="{B8AD580B-F48D-4C46-AD44-FB3D7B3B8CED}" dt="2023-01-02T20:45:10.067" v="56" actId="1076"/>
+        <pc:picChg chg="add del mod">
+          <ac:chgData name="Silvia Pala" userId="f0133cc1-7ddc-4617-95f3-a1b241401a99" providerId="ADAL" clId="{B8AD580B-F48D-4C46-AD44-FB3D7B3B8CED}" dt="2023-01-03T23:25:38.046" v="1485" actId="478"/>
+          <ac:picMkLst>
+            <pc:docMk/>
+            <pc:sldMk cId="3600729209" sldId="301"/>
+            <ac:picMk id="5" creationId="{E01C51AF-8713-B187-3086-87ADF85AD88A}"/>
+          </ac:picMkLst>
+        </pc:picChg>
+        <pc:picChg chg="add del mod">
+          <ac:chgData name="Silvia Pala" userId="f0133cc1-7ddc-4617-95f3-a1b241401a99" providerId="ADAL" clId="{B8AD580B-F48D-4C46-AD44-FB3D7B3B8CED}" dt="2023-01-03T21:02:23.673" v="315" actId="478"/>
           <ac:picMkLst>
             <pc:docMk/>
             <pc:sldMk cId="3600729209" sldId="301"/>
             <ac:picMk id="7" creationId="{FCAD97BF-0497-DA4C-5967-3B930CE081FB}"/>
           </ac:picMkLst>
         </pc:picChg>
+        <pc:cxnChg chg="add mod">
+          <ac:chgData name="Silvia Pala" userId="f0133cc1-7ddc-4617-95f3-a1b241401a99" providerId="ADAL" clId="{B8AD580B-F48D-4C46-AD44-FB3D7B3B8CED}" dt="2023-01-03T23:24:43.269" v="1461" actId="13822"/>
+          <ac:cxnSpMkLst>
+            <pc:docMk/>
+            <pc:sldMk cId="3600729209" sldId="301"/>
+            <ac:cxnSpMk id="12" creationId="{4E4FC78F-0DA4-7EE3-4C2D-10F50ECD71F3}"/>
+          </ac:cxnSpMkLst>
+        </pc:cxnChg>
       </pc:sldChg>
       <pc:sldChg chg="modSp mod">
         <pc:chgData name="Silvia Pala" userId="f0133cc1-7ddc-4617-95f3-a1b241401a99" providerId="ADAL" clId="{B8AD580B-F48D-4C46-AD44-FB3D7B3B8CED}" dt="2023-01-02T20:48:13.790" v="120" actId="20577"/>
@@ -2463,6 +2900,1886 @@
           </a:p>
         </p:txBody>
       </p:sp>
+      <mc:AlternateContent xmlns:mc="http://schemas.openxmlformats.org/markup-compatibility/2006">
+        <mc:Choice xmlns:a14="http://schemas.microsoft.com/office/drawing/2010/main" Requires="a14">
+          <p:graphicFrame>
+            <p:nvGraphicFramePr>
+              <p:cNvPr id="6" name="Tabella 5">
+                <a:extLst>
+                  <a:ext uri="{FF2B5EF4-FFF2-40B4-BE49-F238E27FC236}">
+                    <a16:creationId xmlns:a16="http://schemas.microsoft.com/office/drawing/2014/main" id="{46F17B90-82F1-540F-67C2-501E1B7618E4}"/>
+                  </a:ext>
+                </a:extLst>
+              </p:cNvPr>
+              <p:cNvGraphicFramePr>
+                <a:graphicFrameLocks noGrp="1"/>
+              </p:cNvGraphicFramePr>
+              <p:nvPr>
+                <p:extLst>
+                  <p:ext uri="{D42A27DB-BD31-4B8C-83A1-F6EECF244321}">
+                    <p14:modId xmlns:p14="http://schemas.microsoft.com/office/powerpoint/2010/main" val="590098545"/>
+                  </p:ext>
+                </p:extLst>
+              </p:nvPr>
+            </p:nvGraphicFramePr>
+            <p:xfrm>
+              <a:off x="1447800" y="1112341"/>
+              <a:ext cx="4946436" cy="3307261"/>
+            </p:xfrm>
+            <a:graphic>
+              <a:graphicData uri="http://schemas.openxmlformats.org/drawingml/2006/table">
+                <a:tbl>
+                  <a:tblPr firstRow="1" firstCol="1" bandRow="1">
+                    <a:tableStyleId>{5940675A-B579-460E-94D1-54222C63F5DA}</a:tableStyleId>
+                  </a:tblPr>
+                  <a:tblGrid>
+                    <a:gridCol w="1236609">
+                      <a:extLst>
+                        <a:ext uri="{9D8B030D-6E8A-4147-A177-3AD203B41FA5}">
+                          <a16:colId xmlns:a16="http://schemas.microsoft.com/office/drawing/2014/main" val="3852655946"/>
+                        </a:ext>
+                      </a:extLst>
+                    </a:gridCol>
+                    <a:gridCol w="1236609">
+                      <a:extLst>
+                        <a:ext uri="{9D8B030D-6E8A-4147-A177-3AD203B41FA5}">
+                          <a16:colId xmlns:a16="http://schemas.microsoft.com/office/drawing/2014/main" val="2343005180"/>
+                        </a:ext>
+                      </a:extLst>
+                    </a:gridCol>
+                    <a:gridCol w="1236609">
+                      <a:extLst>
+                        <a:ext uri="{9D8B030D-6E8A-4147-A177-3AD203B41FA5}">
+                          <a16:colId xmlns:a16="http://schemas.microsoft.com/office/drawing/2014/main" val="1927354660"/>
+                        </a:ext>
+                      </a:extLst>
+                    </a:gridCol>
+                    <a:gridCol w="1236609">
+                      <a:extLst>
+                        <a:ext uri="{9D8B030D-6E8A-4147-A177-3AD203B41FA5}">
+                          <a16:colId xmlns:a16="http://schemas.microsoft.com/office/drawing/2014/main" val="2118557375"/>
+                        </a:ext>
+                      </a:extLst>
+                    </a:gridCol>
+                  </a:tblGrid>
+                  <a:tr h="528917">
+                    <a:tc>
+                      <a:txBody>
+                        <a:bodyPr/>
+                        <a:lstStyle/>
+                        <a:p>
+                          <a:pPr algn="ctr"/>
+                          <a:r>
+                            <a:rPr lang="en-GB" sz="1100">
+                              <a:effectLst/>
+                            </a:rPr>
+                            <a:t>Strategy</a:t>
+                          </a:r>
+                          <a:endParaRPr lang="it-IT" sz="1100">
+                            <a:effectLst/>
+                            <a:latin typeface="Times New Roman" panose="02020603050405020304" pitchFamily="18" charset="0"/>
+                            <a:ea typeface="Times New Roman" panose="02020603050405020304" pitchFamily="18" charset="0"/>
+                          </a:endParaRPr>
+                        </a:p>
+                      </a:txBody>
+                      <a:tcPr marL="60735" marR="60735" marT="0" marB="0" anchor="ctr"/>
+                    </a:tc>
+                    <a:tc>
+                      <a:txBody>
+                        <a:bodyPr/>
+                        <a:lstStyle/>
+                        <a:p>
+                          <a:pPr algn="ctr"/>
+                          <a14:m>
+                            <m:oMathPara xmlns:m="http://schemas.openxmlformats.org/officeDocument/2006/math">
+                              <m:oMathParaPr>
+                                <m:jc m:val="centerGroup"/>
+                              </m:oMathParaPr>
+                              <m:oMath xmlns:m="http://schemas.openxmlformats.org/officeDocument/2006/math">
+                                <m:r>
+                                  <m:rPr>
+                                    <m:sty m:val="p"/>
+                                  </m:rPr>
+                                  <a:rPr lang="en-GB" sz="1100">
+                                    <a:effectLst/>
+                                  </a:rPr>
+                                  <m:t>Δ</m:t>
+                                </m:r>
+                                <m:r>
+                                  <a:rPr lang="en-GB" sz="1100">
+                                    <a:effectLst/>
+                                  </a:rPr>
+                                  <m:t>𝑡</m:t>
+                                </m:r>
+                                <m:r>
+                                  <a:rPr lang="en-GB" sz="1100">
+                                    <a:effectLst/>
+                                  </a:rPr>
+                                  <m:t> [</m:t>
+                                </m:r>
+                                <m:r>
+                                  <a:rPr lang="en-GB" sz="1100">
+                                    <a:effectLst/>
+                                  </a:rPr>
+                                  <m:t>𝑠</m:t>
+                                </m:r>
+                                <m:r>
+                                  <a:rPr lang="en-GB" sz="1100">
+                                    <a:effectLst/>
+                                  </a:rPr>
+                                  <m:t>]</m:t>
+                                </m:r>
+                              </m:oMath>
+                            </m:oMathPara>
+                          </a14:m>
+                          <a:endParaRPr lang="it-IT" sz="1100">
+                            <a:effectLst/>
+                            <a:latin typeface="Times New Roman" panose="02020603050405020304" pitchFamily="18" charset="0"/>
+                            <a:ea typeface="Times New Roman" panose="02020603050405020304" pitchFamily="18" charset="0"/>
+                          </a:endParaRPr>
+                        </a:p>
+                      </a:txBody>
+                      <a:tcPr marL="60735" marR="60735" marT="0" marB="0" anchor="ctr"/>
+                    </a:tc>
+                    <a:tc>
+                      <a:txBody>
+                        <a:bodyPr/>
+                        <a:lstStyle/>
+                        <a:p>
+                          <a:pPr algn="ctr"/>
+                          <a14:m>
+                            <m:oMathPara xmlns:m="http://schemas.openxmlformats.org/officeDocument/2006/math">
+                              <m:oMathParaPr>
+                                <m:jc m:val="centerGroup"/>
+                              </m:oMathParaPr>
+                              <m:oMath xmlns:m="http://schemas.openxmlformats.org/officeDocument/2006/math">
+                                <m:r>
+                                  <m:rPr>
+                                    <m:sty m:val="p"/>
+                                  </m:rPr>
+                                  <a:rPr lang="en-GB" sz="1100">
+                                    <a:effectLst/>
+                                  </a:rPr>
+                                  <m:t>Δ</m:t>
+                                </m:r>
+                                <m:r>
+                                  <a:rPr lang="en-GB" sz="1100">
+                                    <a:effectLst/>
+                                  </a:rPr>
+                                  <m:t>𝑡</m:t>
+                                </m:r>
+                                <m:r>
+                                  <a:rPr lang="en-GB" sz="1100">
+                                    <a:effectLst/>
+                                  </a:rPr>
+                                  <m:t> [</m:t>
+                                </m:r>
+                                <m:r>
+                                  <a:rPr lang="en-GB" sz="1100">
+                                    <a:effectLst/>
+                                  </a:rPr>
+                                  <m:t>h</m:t>
+                                </m:r>
+                                <m:r>
+                                  <a:rPr lang="en-GB" sz="1100">
+                                    <a:effectLst/>
+                                  </a:rPr>
+                                  <m:t>]</m:t>
+                                </m:r>
+                              </m:oMath>
+                            </m:oMathPara>
+                          </a14:m>
+                          <a:endParaRPr lang="it-IT" sz="1100" dirty="0">
+                            <a:effectLst/>
+                            <a:latin typeface="Times New Roman" panose="02020603050405020304" pitchFamily="18" charset="0"/>
+                            <a:ea typeface="Times New Roman" panose="02020603050405020304" pitchFamily="18" charset="0"/>
+                          </a:endParaRPr>
+                        </a:p>
+                      </a:txBody>
+                      <a:tcPr marL="60735" marR="60735" marT="0" marB="0" anchor="ctr"/>
+                    </a:tc>
+                    <a:tc>
+                      <a:txBody>
+                        <a:bodyPr/>
+                        <a:lstStyle/>
+                        <a:p>
+                          <a:pPr algn="ctr"/>
+                          <a14:m>
+                            <m:oMathPara xmlns:m="http://schemas.openxmlformats.org/officeDocument/2006/math">
+                              <m:oMathParaPr>
+                                <m:jc m:val="centerGroup"/>
+                              </m:oMathParaPr>
+                              <m:oMath xmlns:m="http://schemas.openxmlformats.org/officeDocument/2006/math">
+                                <m:r>
+                                  <m:rPr>
+                                    <m:sty m:val="p"/>
+                                  </m:rPr>
+                                  <a:rPr lang="en-GB" sz="1100">
+                                    <a:effectLst/>
+                                  </a:rPr>
+                                  <m:t>Δ</m:t>
+                                </m:r>
+                                <m:r>
+                                  <a:rPr lang="en-GB" sz="1100">
+                                    <a:effectLst/>
+                                  </a:rPr>
+                                  <m:t>𝑣</m:t>
+                                </m:r>
+                                <m:r>
+                                  <a:rPr lang="en-GB" sz="1100">
+                                    <a:effectLst/>
+                                  </a:rPr>
+                                  <m:t> [</m:t>
+                                </m:r>
+                                <m:r>
+                                  <a:rPr lang="en-GB" sz="1100">
+                                    <a:effectLst/>
+                                  </a:rPr>
+                                  <m:t>𝑘𝑚</m:t>
+                                </m:r>
+                                <m:r>
+                                  <a:rPr lang="en-GB" sz="1100">
+                                    <a:effectLst/>
+                                  </a:rPr>
+                                  <m:t>/</m:t>
+                                </m:r>
+                                <m:r>
+                                  <a:rPr lang="en-GB" sz="1100">
+                                    <a:effectLst/>
+                                  </a:rPr>
+                                  <m:t>𝑠</m:t>
+                                </m:r>
+                                <m:r>
+                                  <a:rPr lang="en-GB" sz="1100">
+                                    <a:effectLst/>
+                                  </a:rPr>
+                                  <m:t>]</m:t>
+                                </m:r>
+                              </m:oMath>
+                            </m:oMathPara>
+                          </a14:m>
+                          <a:endParaRPr lang="it-IT" sz="1100">
+                            <a:effectLst/>
+                            <a:latin typeface="Times New Roman" panose="02020603050405020304" pitchFamily="18" charset="0"/>
+                            <a:ea typeface="Times New Roman" panose="02020603050405020304" pitchFamily="18" charset="0"/>
+                          </a:endParaRPr>
+                        </a:p>
+                      </a:txBody>
+                      <a:tcPr marL="60735" marR="60735" marT="0" marB="0" anchor="ctr"/>
+                    </a:tc>
+                    <a:extLst>
+                      <a:ext uri="{0D108BD9-81ED-4DB2-BD59-A6C34878D82A}">
+                        <a16:rowId xmlns:a16="http://schemas.microsoft.com/office/drawing/2014/main" val="3791096875"/>
+                      </a:ext>
+                    </a:extLst>
+                  </a:tr>
+                  <a:tr h="347293">
+                    <a:tc>
+                      <a:txBody>
+                        <a:bodyPr/>
+                        <a:lstStyle/>
+                        <a:p>
+                          <a:pPr algn="ctr"/>
+                          <a:r>
+                            <a:rPr lang="en-GB" sz="1100">
+                              <a:effectLst/>
+                            </a:rPr>
+                            <a:t>Standard 1</a:t>
+                          </a:r>
+                          <a:endParaRPr lang="it-IT" sz="1100">
+                            <a:effectLst/>
+                            <a:latin typeface="Times New Roman" panose="02020603050405020304" pitchFamily="18" charset="0"/>
+                            <a:ea typeface="Times New Roman" panose="02020603050405020304" pitchFamily="18" charset="0"/>
+                          </a:endParaRPr>
+                        </a:p>
+                      </a:txBody>
+                      <a:tcPr marL="60735" marR="60735" marT="0" marB="0" anchor="ctr"/>
+                    </a:tc>
+                    <a:tc>
+                      <a:txBody>
+                        <a:bodyPr/>
+                        <a:lstStyle/>
+                        <a:p>
+                          <a:pPr algn="ctr"/>
+                          <a:r>
+                            <a:rPr lang="en-GB" sz="1100">
+                              <a:effectLst/>
+                            </a:rPr>
+                            <a:t>17523.1496</a:t>
+                          </a:r>
+                          <a:endParaRPr lang="it-IT" sz="1100">
+                            <a:effectLst/>
+                            <a:latin typeface="Times New Roman" panose="02020603050405020304" pitchFamily="18" charset="0"/>
+                            <a:ea typeface="Times New Roman" panose="02020603050405020304" pitchFamily="18" charset="0"/>
+                          </a:endParaRPr>
+                        </a:p>
+                      </a:txBody>
+                      <a:tcPr marL="60735" marR="60735" marT="0" marB="0" anchor="ctr"/>
+                    </a:tc>
+                    <a:tc>
+                      <a:txBody>
+                        <a:bodyPr/>
+                        <a:lstStyle/>
+                        <a:p>
+                          <a:pPr algn="ctr"/>
+                          <a:r>
+                            <a:rPr lang="en-GB" sz="1100" dirty="0">
+                              <a:effectLst/>
+                            </a:rPr>
+                            <a:t>4.8675</a:t>
+                          </a:r>
+                          <a:endParaRPr lang="it-IT" sz="1100" dirty="0">
+                            <a:effectLst/>
+                            <a:latin typeface="Times New Roman" panose="02020603050405020304" pitchFamily="18" charset="0"/>
+                            <a:ea typeface="Times New Roman" panose="02020603050405020304" pitchFamily="18" charset="0"/>
+                          </a:endParaRPr>
+                        </a:p>
+                      </a:txBody>
+                      <a:tcPr marL="60735" marR="60735" marT="0" marB="0" anchor="ctr"/>
+                    </a:tc>
+                    <a:tc>
+                      <a:txBody>
+                        <a:bodyPr/>
+                        <a:lstStyle/>
+                        <a:p>
+                          <a:pPr algn="ctr"/>
+                          <a:r>
+                            <a:rPr lang="en-GB" sz="1100">
+                              <a:effectLst/>
+                            </a:rPr>
+                            <a:t>6.6450</a:t>
+                          </a:r>
+                          <a:endParaRPr lang="it-IT" sz="1100">
+                            <a:effectLst/>
+                            <a:latin typeface="Times New Roman" panose="02020603050405020304" pitchFamily="18" charset="0"/>
+                            <a:ea typeface="Times New Roman" panose="02020603050405020304" pitchFamily="18" charset="0"/>
+                          </a:endParaRPr>
+                        </a:p>
+                      </a:txBody>
+                      <a:tcPr marL="60735" marR="60735" marT="0" marB="0" anchor="ctr"/>
+                    </a:tc>
+                    <a:extLst>
+                      <a:ext uri="{0D108BD9-81ED-4DB2-BD59-A6C34878D82A}">
+                        <a16:rowId xmlns:a16="http://schemas.microsoft.com/office/drawing/2014/main" val="3546351924"/>
+                      </a:ext>
+                    </a:extLst>
+                  </a:tr>
+                  <a:tr h="347293">
+                    <a:tc>
+                      <a:txBody>
+                        <a:bodyPr/>
+                        <a:lstStyle/>
+                        <a:p>
+                          <a:pPr algn="ctr"/>
+                          <a:r>
+                            <a:rPr lang="en-GB" sz="1100">
+                              <a:effectLst/>
+                            </a:rPr>
+                            <a:t>Standard 2</a:t>
+                          </a:r>
+                          <a:endParaRPr lang="it-IT" sz="1100">
+                            <a:effectLst/>
+                            <a:latin typeface="Times New Roman" panose="02020603050405020304" pitchFamily="18" charset="0"/>
+                            <a:ea typeface="Times New Roman" panose="02020603050405020304" pitchFamily="18" charset="0"/>
+                          </a:endParaRPr>
+                        </a:p>
+                      </a:txBody>
+                      <a:tcPr marL="60735" marR="60735" marT="0" marB="0" anchor="ctr"/>
+                    </a:tc>
+                    <a:tc>
+                      <a:txBody>
+                        <a:bodyPr/>
+                        <a:lstStyle/>
+                        <a:p>
+                          <a:pPr algn="ctr"/>
+                          <a:r>
+                            <a:rPr lang="en-GB" sz="1100">
+                              <a:effectLst/>
+                            </a:rPr>
+                            <a:t>14461.7429</a:t>
+                          </a:r>
+                          <a:endParaRPr lang="it-IT" sz="1100">
+                            <a:effectLst/>
+                            <a:latin typeface="Times New Roman" panose="02020603050405020304" pitchFamily="18" charset="0"/>
+                            <a:ea typeface="Times New Roman" panose="02020603050405020304" pitchFamily="18" charset="0"/>
+                          </a:endParaRPr>
+                        </a:p>
+                      </a:txBody>
+                      <a:tcPr marL="60735" marR="60735" marT="0" marB="0" anchor="ctr"/>
+                    </a:tc>
+                    <a:tc>
+                      <a:txBody>
+                        <a:bodyPr/>
+                        <a:lstStyle/>
+                        <a:p>
+                          <a:pPr algn="ctr"/>
+                          <a:r>
+                            <a:rPr lang="en-GB" sz="1100">
+                              <a:effectLst/>
+                            </a:rPr>
+                            <a:t>4.0172</a:t>
+                          </a:r>
+                          <a:endParaRPr lang="it-IT" sz="1100">
+                            <a:effectLst/>
+                            <a:latin typeface="Times New Roman" panose="02020603050405020304" pitchFamily="18" charset="0"/>
+                            <a:ea typeface="Times New Roman" panose="02020603050405020304" pitchFamily="18" charset="0"/>
+                          </a:endParaRPr>
+                        </a:p>
+                      </a:txBody>
+                      <a:tcPr marL="60735" marR="60735" marT="0" marB="0" anchor="ctr"/>
+                    </a:tc>
+                    <a:tc>
+                      <a:txBody>
+                        <a:bodyPr/>
+                        <a:lstStyle/>
+                        <a:p>
+                          <a:pPr algn="ctr"/>
+                          <a:r>
+                            <a:rPr lang="en-GB" sz="1100">
+                              <a:effectLst/>
+                            </a:rPr>
+                            <a:t>7.1386</a:t>
+                          </a:r>
+                          <a:endParaRPr lang="it-IT" sz="1100">
+                            <a:effectLst/>
+                            <a:latin typeface="Times New Roman" panose="02020603050405020304" pitchFamily="18" charset="0"/>
+                            <a:ea typeface="Times New Roman" panose="02020603050405020304" pitchFamily="18" charset="0"/>
+                          </a:endParaRPr>
+                        </a:p>
+                      </a:txBody>
+                      <a:tcPr marL="60735" marR="60735" marT="0" marB="0" anchor="ctr"/>
+                    </a:tc>
+                    <a:extLst>
+                      <a:ext uri="{0D108BD9-81ED-4DB2-BD59-A6C34878D82A}">
+                        <a16:rowId xmlns:a16="http://schemas.microsoft.com/office/drawing/2014/main" val="4166507607"/>
+                      </a:ext>
+                    </a:extLst>
+                  </a:tr>
+                  <a:tr h="347293">
+                    <a:tc>
+                      <a:txBody>
+                        <a:bodyPr/>
+                        <a:lstStyle/>
+                        <a:p>
+                          <a:pPr algn="ctr"/>
+                          <a:r>
+                            <a:rPr lang="en-GB" sz="1100">
+                              <a:effectLst/>
+                            </a:rPr>
+                            <a:t>Standard 3</a:t>
+                          </a:r>
+                          <a:endParaRPr lang="it-IT" sz="1100">
+                            <a:effectLst/>
+                            <a:latin typeface="Times New Roman" panose="02020603050405020304" pitchFamily="18" charset="0"/>
+                            <a:ea typeface="Times New Roman" panose="02020603050405020304" pitchFamily="18" charset="0"/>
+                          </a:endParaRPr>
+                        </a:p>
+                      </a:txBody>
+                      <a:tcPr marL="60735" marR="60735" marT="0" marB="0" anchor="ctr"/>
+                    </a:tc>
+                    <a:tc>
+                      <a:txBody>
+                        <a:bodyPr/>
+                        <a:lstStyle/>
+                        <a:p>
+                          <a:pPr algn="ctr"/>
+                          <a:r>
+                            <a:rPr lang="en-GB" sz="1100">
+                              <a:effectLst/>
+                            </a:rPr>
+                            <a:t>17464.4130</a:t>
+                          </a:r>
+                          <a:endParaRPr lang="it-IT" sz="1100">
+                            <a:effectLst/>
+                            <a:latin typeface="Times New Roman" panose="02020603050405020304" pitchFamily="18" charset="0"/>
+                            <a:ea typeface="Times New Roman" panose="02020603050405020304" pitchFamily="18" charset="0"/>
+                          </a:endParaRPr>
+                        </a:p>
+                      </a:txBody>
+                      <a:tcPr marL="60735" marR="60735" marT="0" marB="0" anchor="ctr"/>
+                    </a:tc>
+                    <a:tc>
+                      <a:txBody>
+                        <a:bodyPr/>
+                        <a:lstStyle/>
+                        <a:p>
+                          <a:pPr algn="ctr"/>
+                          <a:r>
+                            <a:rPr lang="en-GB" sz="1100" dirty="0">
+                              <a:effectLst/>
+                            </a:rPr>
+                            <a:t>4.8512</a:t>
+                          </a:r>
+                          <a:endParaRPr lang="it-IT" sz="1100" dirty="0">
+                            <a:effectLst/>
+                            <a:latin typeface="Times New Roman" panose="02020603050405020304" pitchFamily="18" charset="0"/>
+                            <a:ea typeface="Times New Roman" panose="02020603050405020304" pitchFamily="18" charset="0"/>
+                          </a:endParaRPr>
+                        </a:p>
+                      </a:txBody>
+                      <a:tcPr marL="60735" marR="60735" marT="0" marB="0" anchor="ctr"/>
+                    </a:tc>
+                    <a:tc>
+                      <a:txBody>
+                        <a:bodyPr/>
+                        <a:lstStyle/>
+                        <a:p>
+                          <a:pPr algn="ctr"/>
+                          <a:r>
+                            <a:rPr lang="en-GB" sz="1100">
+                              <a:effectLst/>
+                            </a:rPr>
+                            <a:t>7.1222</a:t>
+                          </a:r>
+                          <a:endParaRPr lang="it-IT" sz="1100">
+                            <a:effectLst/>
+                            <a:latin typeface="Times New Roman" panose="02020603050405020304" pitchFamily="18" charset="0"/>
+                            <a:ea typeface="Times New Roman" panose="02020603050405020304" pitchFamily="18" charset="0"/>
+                          </a:endParaRPr>
+                        </a:p>
+                      </a:txBody>
+                      <a:tcPr marL="60735" marR="60735" marT="0" marB="0" anchor="ctr"/>
+                    </a:tc>
+                    <a:extLst>
+                      <a:ext uri="{0D108BD9-81ED-4DB2-BD59-A6C34878D82A}">
+                        <a16:rowId xmlns:a16="http://schemas.microsoft.com/office/drawing/2014/main" val="3603318245"/>
+                      </a:ext>
+                    </a:extLst>
+                  </a:tr>
+                  <a:tr h="347293">
+                    <a:tc>
+                      <a:txBody>
+                        <a:bodyPr/>
+                        <a:lstStyle/>
+                        <a:p>
+                          <a:pPr algn="ctr"/>
+                          <a:r>
+                            <a:rPr lang="en-GB" sz="1100" dirty="0">
+                              <a:effectLst/>
+                            </a:rPr>
+                            <a:t>Standard 4</a:t>
+                          </a:r>
+                          <a:endParaRPr lang="it-IT" sz="1100" dirty="0">
+                            <a:effectLst/>
+                            <a:latin typeface="Times New Roman" panose="02020603050405020304" pitchFamily="18" charset="0"/>
+                            <a:ea typeface="Times New Roman" panose="02020603050405020304" pitchFamily="18" charset="0"/>
+                          </a:endParaRPr>
+                        </a:p>
+                      </a:txBody>
+                      <a:tcPr marL="60735" marR="60735" marT="0" marB="0" anchor="ctr"/>
+                    </a:tc>
+                    <a:tc>
+                      <a:txBody>
+                        <a:bodyPr/>
+                        <a:lstStyle/>
+                        <a:p>
+                          <a:pPr algn="ctr"/>
+                          <a:r>
+                            <a:rPr lang="en-GB" sz="1100">
+                              <a:effectLst/>
+                            </a:rPr>
+                            <a:t>21973.3098</a:t>
+                          </a:r>
+                          <a:endParaRPr lang="it-IT" sz="1100">
+                            <a:effectLst/>
+                            <a:latin typeface="Times New Roman" panose="02020603050405020304" pitchFamily="18" charset="0"/>
+                            <a:ea typeface="Times New Roman" panose="02020603050405020304" pitchFamily="18" charset="0"/>
+                          </a:endParaRPr>
+                        </a:p>
+                      </a:txBody>
+                      <a:tcPr marL="60735" marR="60735" marT="0" marB="0" anchor="ctr"/>
+                    </a:tc>
+                    <a:tc>
+                      <a:txBody>
+                        <a:bodyPr/>
+                        <a:lstStyle/>
+                        <a:p>
+                          <a:pPr algn="ctr"/>
+                          <a:r>
+                            <a:rPr lang="en-GB" sz="1100" dirty="0">
+                              <a:effectLst/>
+                            </a:rPr>
+                            <a:t>6.1037</a:t>
+                          </a:r>
+                          <a:endParaRPr lang="it-IT" sz="1100" dirty="0">
+                            <a:effectLst/>
+                            <a:latin typeface="Times New Roman" panose="02020603050405020304" pitchFamily="18" charset="0"/>
+                            <a:ea typeface="Times New Roman" panose="02020603050405020304" pitchFamily="18" charset="0"/>
+                          </a:endParaRPr>
+                        </a:p>
+                      </a:txBody>
+                      <a:tcPr marL="60735" marR="60735" marT="0" marB="0" anchor="ctr"/>
+                    </a:tc>
+                    <a:tc>
+                      <a:txBody>
+                        <a:bodyPr/>
+                        <a:lstStyle/>
+                        <a:p>
+                          <a:pPr algn="ctr"/>
+                          <a:r>
+                            <a:rPr lang="en-GB" sz="1100">
+                              <a:effectLst/>
+                            </a:rPr>
+                            <a:t>6.6614</a:t>
+                          </a:r>
+                          <a:endParaRPr lang="it-IT" sz="1100">
+                            <a:effectLst/>
+                            <a:latin typeface="Times New Roman" panose="02020603050405020304" pitchFamily="18" charset="0"/>
+                            <a:ea typeface="Times New Roman" panose="02020603050405020304" pitchFamily="18" charset="0"/>
+                          </a:endParaRPr>
+                        </a:p>
+                      </a:txBody>
+                      <a:tcPr marL="60735" marR="60735" marT="0" marB="0" anchor="ctr"/>
+                    </a:tc>
+                    <a:extLst>
+                      <a:ext uri="{0D108BD9-81ED-4DB2-BD59-A6C34878D82A}">
+                        <a16:rowId xmlns:a16="http://schemas.microsoft.com/office/drawing/2014/main" val="4024678429"/>
+                      </a:ext>
+                    </a:extLst>
+                  </a:tr>
+                  <a:tr h="347293">
+                    <a:tc>
+                      <a:txBody>
+                        <a:bodyPr/>
+                        <a:lstStyle/>
+                        <a:p>
+                          <a:pPr algn="ctr"/>
+                          <a:r>
+                            <a:rPr lang="en-GB" sz="1100">
+                              <a:effectLst/>
+                            </a:rPr>
+                            <a:t>Standard 5</a:t>
+                          </a:r>
+                          <a:endParaRPr lang="it-IT" sz="1100">
+                            <a:effectLst/>
+                            <a:latin typeface="Times New Roman" panose="02020603050405020304" pitchFamily="18" charset="0"/>
+                            <a:ea typeface="Times New Roman" panose="02020603050405020304" pitchFamily="18" charset="0"/>
+                          </a:endParaRPr>
+                        </a:p>
+                      </a:txBody>
+                      <a:tcPr marL="60735" marR="60735" marT="0" marB="0" anchor="ctr"/>
+                    </a:tc>
+                    <a:tc>
+                      <a:txBody>
+                        <a:bodyPr/>
+                        <a:lstStyle/>
+                        <a:p>
+                          <a:pPr algn="ctr"/>
+                          <a:r>
+                            <a:rPr lang="en-GB" sz="1100">
+                              <a:effectLst/>
+                            </a:rPr>
+                            <a:t>18728.5707</a:t>
+                          </a:r>
+                          <a:endParaRPr lang="it-IT" sz="1100">
+                            <a:effectLst/>
+                            <a:latin typeface="Times New Roman" panose="02020603050405020304" pitchFamily="18" charset="0"/>
+                            <a:ea typeface="Times New Roman" panose="02020603050405020304" pitchFamily="18" charset="0"/>
+                          </a:endParaRPr>
+                        </a:p>
+                      </a:txBody>
+                      <a:tcPr marL="60735" marR="60735" marT="0" marB="0" anchor="ctr"/>
+                    </a:tc>
+                    <a:tc>
+                      <a:txBody>
+                        <a:bodyPr/>
+                        <a:lstStyle/>
+                        <a:p>
+                          <a:pPr algn="ctr"/>
+                          <a:r>
+                            <a:rPr lang="en-GB" sz="1100">
+                              <a:effectLst/>
+                            </a:rPr>
+                            <a:t>5.2024</a:t>
+                          </a:r>
+                          <a:endParaRPr lang="it-IT" sz="1100">
+                            <a:effectLst/>
+                            <a:latin typeface="Times New Roman" panose="02020603050405020304" pitchFamily="18" charset="0"/>
+                            <a:ea typeface="Times New Roman" panose="02020603050405020304" pitchFamily="18" charset="0"/>
+                          </a:endParaRPr>
+                        </a:p>
+                      </a:txBody>
+                      <a:tcPr marL="60735" marR="60735" marT="0" marB="0" anchor="ctr"/>
+                    </a:tc>
+                    <a:tc>
+                      <a:txBody>
+                        <a:bodyPr/>
+                        <a:lstStyle/>
+                        <a:p>
+                          <a:pPr algn="ctr"/>
+                          <a:r>
+                            <a:rPr lang="en-GB" sz="1100">
+                              <a:effectLst/>
+                            </a:rPr>
+                            <a:t>9.0993</a:t>
+                          </a:r>
+                          <a:endParaRPr lang="it-IT" sz="1100">
+                            <a:effectLst/>
+                            <a:latin typeface="Times New Roman" panose="02020603050405020304" pitchFamily="18" charset="0"/>
+                            <a:ea typeface="Times New Roman" panose="02020603050405020304" pitchFamily="18" charset="0"/>
+                          </a:endParaRPr>
+                        </a:p>
+                      </a:txBody>
+                      <a:tcPr marL="60735" marR="60735" marT="0" marB="0" anchor="ctr"/>
+                    </a:tc>
+                    <a:extLst>
+                      <a:ext uri="{0D108BD9-81ED-4DB2-BD59-A6C34878D82A}">
+                        <a16:rowId xmlns:a16="http://schemas.microsoft.com/office/drawing/2014/main" val="4067453794"/>
+                      </a:ext>
+                    </a:extLst>
+                  </a:tr>
+                  <a:tr h="347293">
+                    <a:tc>
+                      <a:txBody>
+                        <a:bodyPr/>
+                        <a:lstStyle/>
+                        <a:p>
+                          <a:pPr algn="ctr"/>
+                          <a:r>
+                            <a:rPr lang="en-GB" sz="1100">
+                              <a:effectLst/>
+                            </a:rPr>
+                            <a:t>Standard 6</a:t>
+                          </a:r>
+                          <a:endParaRPr lang="it-IT" sz="1100">
+                            <a:effectLst/>
+                            <a:latin typeface="Times New Roman" panose="02020603050405020304" pitchFamily="18" charset="0"/>
+                            <a:ea typeface="Times New Roman" panose="02020603050405020304" pitchFamily="18" charset="0"/>
+                          </a:endParaRPr>
+                        </a:p>
+                      </a:txBody>
+                      <a:tcPr marL="60735" marR="60735" marT="0" marB="0" anchor="ctr"/>
+                    </a:tc>
+                    <a:tc>
+                      <a:txBody>
+                        <a:bodyPr/>
+                        <a:lstStyle/>
+                        <a:p>
+                          <a:pPr algn="ctr"/>
+                          <a:r>
+                            <a:rPr lang="en-GB" sz="1100">
+                              <a:effectLst/>
+                            </a:rPr>
+                            <a:t>28868.3598</a:t>
+                          </a:r>
+                          <a:endParaRPr lang="it-IT" sz="1100">
+                            <a:effectLst/>
+                            <a:latin typeface="Times New Roman" panose="02020603050405020304" pitchFamily="18" charset="0"/>
+                            <a:ea typeface="Times New Roman" panose="02020603050405020304" pitchFamily="18" charset="0"/>
+                          </a:endParaRPr>
+                        </a:p>
+                      </a:txBody>
+                      <a:tcPr marL="60735" marR="60735" marT="0" marB="0" anchor="ctr"/>
+                    </a:tc>
+                    <a:tc>
+                      <a:txBody>
+                        <a:bodyPr/>
+                        <a:lstStyle/>
+                        <a:p>
+                          <a:pPr algn="ctr"/>
+                          <a:r>
+                            <a:rPr lang="en-GB" sz="1100" dirty="0">
+                              <a:effectLst/>
+                            </a:rPr>
+                            <a:t>8.0190</a:t>
+                          </a:r>
+                          <a:endParaRPr lang="it-IT" sz="1100" dirty="0">
+                            <a:effectLst/>
+                            <a:latin typeface="Times New Roman" panose="02020603050405020304" pitchFamily="18" charset="0"/>
+                            <a:ea typeface="Times New Roman" panose="02020603050405020304" pitchFamily="18" charset="0"/>
+                          </a:endParaRPr>
+                        </a:p>
+                      </a:txBody>
+                      <a:tcPr marL="60735" marR="60735" marT="0" marB="0" anchor="ctr"/>
+                    </a:tc>
+                    <a:tc>
+                      <a:txBody>
+                        <a:bodyPr/>
+                        <a:lstStyle/>
+                        <a:p>
+                          <a:pPr algn="ctr"/>
+                          <a:r>
+                            <a:rPr lang="en-GB" sz="1100">
+                              <a:effectLst/>
+                            </a:rPr>
+                            <a:t>9.1511</a:t>
+                          </a:r>
+                          <a:endParaRPr lang="it-IT" sz="1100">
+                            <a:effectLst/>
+                            <a:latin typeface="Times New Roman" panose="02020603050405020304" pitchFamily="18" charset="0"/>
+                            <a:ea typeface="Times New Roman" panose="02020603050405020304" pitchFamily="18" charset="0"/>
+                          </a:endParaRPr>
+                        </a:p>
+                      </a:txBody>
+                      <a:tcPr marL="60735" marR="60735" marT="0" marB="0" anchor="ctr"/>
+                    </a:tc>
+                    <a:extLst>
+                      <a:ext uri="{0D108BD9-81ED-4DB2-BD59-A6C34878D82A}">
+                        <a16:rowId xmlns:a16="http://schemas.microsoft.com/office/drawing/2014/main" val="3261692538"/>
+                      </a:ext>
+                    </a:extLst>
+                  </a:tr>
+                  <a:tr h="347293">
+                    <a:tc>
+                      <a:txBody>
+                        <a:bodyPr/>
+                        <a:lstStyle/>
+                        <a:p>
+                          <a:pPr algn="ctr"/>
+                          <a:r>
+                            <a:rPr lang="en-GB" sz="1100">
+                              <a:effectLst/>
+                            </a:rPr>
+                            <a:t>Standard 7</a:t>
+                          </a:r>
+                          <a:endParaRPr lang="it-IT" sz="1100">
+                            <a:effectLst/>
+                            <a:latin typeface="Times New Roman" panose="02020603050405020304" pitchFamily="18" charset="0"/>
+                            <a:ea typeface="Times New Roman" panose="02020603050405020304" pitchFamily="18" charset="0"/>
+                          </a:endParaRPr>
+                        </a:p>
+                      </a:txBody>
+                      <a:tcPr marL="60735" marR="60735" marT="0" marB="0" anchor="ctr"/>
+                    </a:tc>
+                    <a:tc>
+                      <a:txBody>
+                        <a:bodyPr/>
+                        <a:lstStyle/>
+                        <a:p>
+                          <a:pPr algn="ctr"/>
+                          <a:r>
+                            <a:rPr lang="en-GB" sz="1100">
+                              <a:effectLst/>
+                            </a:rPr>
+                            <a:t>15603.0824</a:t>
+                          </a:r>
+                          <a:endParaRPr lang="it-IT" sz="1100">
+                            <a:effectLst/>
+                            <a:latin typeface="Times New Roman" panose="02020603050405020304" pitchFamily="18" charset="0"/>
+                            <a:ea typeface="Times New Roman" panose="02020603050405020304" pitchFamily="18" charset="0"/>
+                          </a:endParaRPr>
+                        </a:p>
+                      </a:txBody>
+                      <a:tcPr marL="60735" marR="60735" marT="0" marB="0" anchor="ctr"/>
+                    </a:tc>
+                    <a:tc>
+                      <a:txBody>
+                        <a:bodyPr/>
+                        <a:lstStyle/>
+                        <a:p>
+                          <a:pPr algn="ctr"/>
+                          <a:r>
+                            <a:rPr lang="en-GB" sz="1100" dirty="0">
+                              <a:effectLst/>
+                            </a:rPr>
+                            <a:t>4.3342</a:t>
+                          </a:r>
+                          <a:endParaRPr lang="it-IT" sz="1100" dirty="0">
+                            <a:effectLst/>
+                            <a:latin typeface="Times New Roman" panose="02020603050405020304" pitchFamily="18" charset="0"/>
+                            <a:ea typeface="Times New Roman" panose="02020603050405020304" pitchFamily="18" charset="0"/>
+                          </a:endParaRPr>
+                        </a:p>
+                      </a:txBody>
+                      <a:tcPr marL="60735" marR="60735" marT="0" marB="0" anchor="ctr"/>
+                    </a:tc>
+                    <a:tc>
+                      <a:txBody>
+                        <a:bodyPr/>
+                        <a:lstStyle/>
+                        <a:p>
+                          <a:pPr algn="ctr"/>
+                          <a:r>
+                            <a:rPr lang="en-GB" sz="1100">
+                              <a:effectLst/>
+                            </a:rPr>
+                            <a:t>7.4603</a:t>
+                          </a:r>
+                          <a:endParaRPr lang="it-IT" sz="1100">
+                            <a:effectLst/>
+                            <a:latin typeface="Times New Roman" panose="02020603050405020304" pitchFamily="18" charset="0"/>
+                            <a:ea typeface="Times New Roman" panose="02020603050405020304" pitchFamily="18" charset="0"/>
+                          </a:endParaRPr>
+                        </a:p>
+                      </a:txBody>
+                      <a:tcPr marL="60735" marR="60735" marT="0" marB="0" anchor="ctr"/>
+                    </a:tc>
+                    <a:extLst>
+                      <a:ext uri="{0D108BD9-81ED-4DB2-BD59-A6C34878D82A}">
+                        <a16:rowId xmlns:a16="http://schemas.microsoft.com/office/drawing/2014/main" val="3368877454"/>
+                      </a:ext>
+                    </a:extLst>
+                  </a:tr>
+                  <a:tr h="347293">
+                    <a:tc>
+                      <a:txBody>
+                        <a:bodyPr/>
+                        <a:lstStyle/>
+                        <a:p>
+                          <a:pPr algn="ctr"/>
+                          <a:r>
+                            <a:rPr lang="en-GB" sz="1100">
+                              <a:effectLst/>
+                            </a:rPr>
+                            <a:t>Standard 8</a:t>
+                          </a:r>
+                          <a:endParaRPr lang="it-IT" sz="1100">
+                            <a:effectLst/>
+                            <a:latin typeface="Times New Roman" panose="02020603050405020304" pitchFamily="18" charset="0"/>
+                            <a:ea typeface="Times New Roman" panose="02020603050405020304" pitchFamily="18" charset="0"/>
+                          </a:endParaRPr>
+                        </a:p>
+                      </a:txBody>
+                      <a:tcPr marL="60735" marR="60735" marT="0" marB="0" anchor="ctr"/>
+                    </a:tc>
+                    <a:tc>
+                      <a:txBody>
+                        <a:bodyPr/>
+                        <a:lstStyle/>
+                        <a:p>
+                          <a:pPr algn="ctr"/>
+                          <a:r>
+                            <a:rPr lang="en-GB" sz="1100">
+                              <a:effectLst/>
+                            </a:rPr>
+                            <a:t>14421.7183</a:t>
+                          </a:r>
+                          <a:endParaRPr lang="it-IT" sz="1100">
+                            <a:effectLst/>
+                            <a:latin typeface="Times New Roman" panose="02020603050405020304" pitchFamily="18" charset="0"/>
+                            <a:ea typeface="Times New Roman" panose="02020603050405020304" pitchFamily="18" charset="0"/>
+                          </a:endParaRPr>
+                        </a:p>
+                      </a:txBody>
+                      <a:tcPr marL="60735" marR="60735" marT="0" marB="0" anchor="ctr"/>
+                    </a:tc>
+                    <a:tc>
+                      <a:txBody>
+                        <a:bodyPr/>
+                        <a:lstStyle/>
+                        <a:p>
+                          <a:pPr algn="ctr"/>
+                          <a:r>
+                            <a:rPr lang="en-GB" sz="1100" dirty="0">
+                              <a:effectLst/>
+                            </a:rPr>
+                            <a:t>4.0060</a:t>
+                          </a:r>
+                          <a:endParaRPr lang="it-IT" sz="1100" dirty="0">
+                            <a:effectLst/>
+                            <a:latin typeface="Times New Roman" panose="02020603050405020304" pitchFamily="18" charset="0"/>
+                            <a:ea typeface="Times New Roman" panose="02020603050405020304" pitchFamily="18" charset="0"/>
+                          </a:endParaRPr>
+                        </a:p>
+                      </a:txBody>
+                      <a:tcPr marL="60735" marR="60735" marT="0" marB="0" anchor="ctr"/>
+                    </a:tc>
+                    <a:tc>
+                      <a:txBody>
+                        <a:bodyPr/>
+                        <a:lstStyle/>
+                        <a:p>
+                          <a:pPr algn="ctr"/>
+                          <a:r>
+                            <a:rPr lang="en-GB" sz="1100" dirty="0">
+                              <a:effectLst/>
+                            </a:rPr>
+                            <a:t>7.4767</a:t>
+                          </a:r>
+                          <a:endParaRPr lang="it-IT" sz="1100" dirty="0">
+                            <a:effectLst/>
+                            <a:latin typeface="Times New Roman" panose="02020603050405020304" pitchFamily="18" charset="0"/>
+                            <a:ea typeface="Times New Roman" panose="02020603050405020304" pitchFamily="18" charset="0"/>
+                          </a:endParaRPr>
+                        </a:p>
+                      </a:txBody>
+                      <a:tcPr marL="60735" marR="60735" marT="0" marB="0" anchor="ctr"/>
+                    </a:tc>
+                    <a:extLst>
+                      <a:ext uri="{0D108BD9-81ED-4DB2-BD59-A6C34878D82A}">
+                        <a16:rowId xmlns:a16="http://schemas.microsoft.com/office/drawing/2014/main" val="1147992986"/>
+                      </a:ext>
+                    </a:extLst>
+                  </a:tr>
+                </a:tbl>
+              </a:graphicData>
+            </a:graphic>
+          </p:graphicFrame>
+        </mc:Choice>
+        <mc:Fallback>
+          <p:graphicFrame>
+            <p:nvGraphicFramePr>
+              <p:cNvPr id="6" name="Tabella 5">
+                <a:extLst>
+                  <a:ext uri="{FF2B5EF4-FFF2-40B4-BE49-F238E27FC236}">
+                    <a16:creationId xmlns:a16="http://schemas.microsoft.com/office/drawing/2014/main" id="{46F17B90-82F1-540F-67C2-501E1B7618E4}"/>
+                  </a:ext>
+                </a:extLst>
+              </p:cNvPr>
+              <p:cNvGraphicFramePr>
+                <a:graphicFrameLocks noGrp="1"/>
+              </p:cNvGraphicFramePr>
+              <p:nvPr>
+                <p:extLst>
+                  <p:ext uri="{D42A27DB-BD31-4B8C-83A1-F6EECF244321}">
+                    <p14:modId xmlns:p14="http://schemas.microsoft.com/office/powerpoint/2010/main" val="590098545"/>
+                  </p:ext>
+                </p:extLst>
+              </p:nvPr>
+            </p:nvGraphicFramePr>
+            <p:xfrm>
+              <a:off x="1447800" y="1112341"/>
+              <a:ext cx="4946436" cy="3307261"/>
+            </p:xfrm>
+            <a:graphic>
+              <a:graphicData uri="http://schemas.openxmlformats.org/drawingml/2006/table">
+                <a:tbl>
+                  <a:tblPr firstRow="1" firstCol="1" bandRow="1">
+                    <a:tableStyleId>{5940675A-B579-460E-94D1-54222C63F5DA}</a:tableStyleId>
+                  </a:tblPr>
+                  <a:tblGrid>
+                    <a:gridCol w="1236609">
+                      <a:extLst>
+                        <a:ext uri="{9D8B030D-6E8A-4147-A177-3AD203B41FA5}">
+                          <a16:colId xmlns:a16="http://schemas.microsoft.com/office/drawing/2014/main" val="3852655946"/>
+                        </a:ext>
+                      </a:extLst>
+                    </a:gridCol>
+                    <a:gridCol w="1236609">
+                      <a:extLst>
+                        <a:ext uri="{9D8B030D-6E8A-4147-A177-3AD203B41FA5}">
+                          <a16:colId xmlns:a16="http://schemas.microsoft.com/office/drawing/2014/main" val="2343005180"/>
+                        </a:ext>
+                      </a:extLst>
+                    </a:gridCol>
+                    <a:gridCol w="1236609">
+                      <a:extLst>
+                        <a:ext uri="{9D8B030D-6E8A-4147-A177-3AD203B41FA5}">
+                          <a16:colId xmlns:a16="http://schemas.microsoft.com/office/drawing/2014/main" val="1927354660"/>
+                        </a:ext>
+                      </a:extLst>
+                    </a:gridCol>
+                    <a:gridCol w="1236609">
+                      <a:extLst>
+                        <a:ext uri="{9D8B030D-6E8A-4147-A177-3AD203B41FA5}">
+                          <a16:colId xmlns:a16="http://schemas.microsoft.com/office/drawing/2014/main" val="2118557375"/>
+                        </a:ext>
+                      </a:extLst>
+                    </a:gridCol>
+                  </a:tblGrid>
+                  <a:tr h="528917">
+                    <a:tc>
+                      <a:txBody>
+                        <a:bodyPr/>
+                        <a:lstStyle/>
+                        <a:p>
+                          <a:pPr algn="ctr"/>
+                          <a:r>
+                            <a:rPr lang="en-GB" sz="1100">
+                              <a:effectLst/>
+                            </a:rPr>
+                            <a:t>Strategy</a:t>
+                          </a:r>
+                          <a:endParaRPr lang="it-IT" sz="1100">
+                            <a:effectLst/>
+                            <a:latin typeface="Times New Roman" panose="02020603050405020304" pitchFamily="18" charset="0"/>
+                            <a:ea typeface="Times New Roman" panose="02020603050405020304" pitchFamily="18" charset="0"/>
+                          </a:endParaRPr>
+                        </a:p>
+                      </a:txBody>
+                      <a:tcPr marL="60735" marR="60735" marT="0" marB="0" anchor="ctr"/>
+                    </a:tc>
+                    <a:tc>
+                      <a:txBody>
+                        <a:bodyPr/>
+                        <a:lstStyle/>
+                        <a:p>
+                          <a:endParaRPr lang="it-IT"/>
+                        </a:p>
+                      </a:txBody>
+                      <a:tcPr marL="60735" marR="60735" marT="0" marB="0" anchor="ctr">
+                        <a:blipFill>
+                          <a:blip r:embed="rId2"/>
+                          <a:stretch>
+                            <a:fillRect l="-100493" t="-1149" r="-201478" b="-527586"/>
+                          </a:stretch>
+                        </a:blipFill>
+                      </a:tcPr>
+                    </a:tc>
+                    <a:tc>
+                      <a:txBody>
+                        <a:bodyPr/>
+                        <a:lstStyle/>
+                        <a:p>
+                          <a:endParaRPr lang="it-IT"/>
+                        </a:p>
+                      </a:txBody>
+                      <a:tcPr marL="60735" marR="60735" marT="0" marB="0" anchor="ctr">
+                        <a:blipFill>
+                          <a:blip r:embed="rId2"/>
+                          <a:stretch>
+                            <a:fillRect l="-200493" t="-1149" r="-101478" b="-527586"/>
+                          </a:stretch>
+                        </a:blipFill>
+                      </a:tcPr>
+                    </a:tc>
+                    <a:tc>
+                      <a:txBody>
+                        <a:bodyPr/>
+                        <a:lstStyle/>
+                        <a:p>
+                          <a:endParaRPr lang="it-IT"/>
+                        </a:p>
+                      </a:txBody>
+                      <a:tcPr marL="60735" marR="60735" marT="0" marB="0" anchor="ctr">
+                        <a:blipFill>
+                          <a:blip r:embed="rId2"/>
+                          <a:stretch>
+                            <a:fillRect l="-300493" t="-1149" r="-1478" b="-527586"/>
+                          </a:stretch>
+                        </a:blipFill>
+                      </a:tcPr>
+                    </a:tc>
+                    <a:extLst>
+                      <a:ext uri="{0D108BD9-81ED-4DB2-BD59-A6C34878D82A}">
+                        <a16:rowId xmlns:a16="http://schemas.microsoft.com/office/drawing/2014/main" val="3791096875"/>
+                      </a:ext>
+                    </a:extLst>
+                  </a:tr>
+                  <a:tr h="347293">
+                    <a:tc>
+                      <a:txBody>
+                        <a:bodyPr/>
+                        <a:lstStyle/>
+                        <a:p>
+                          <a:pPr algn="ctr"/>
+                          <a:r>
+                            <a:rPr lang="en-GB" sz="1100">
+                              <a:effectLst/>
+                            </a:rPr>
+                            <a:t>Standard 1</a:t>
+                          </a:r>
+                          <a:endParaRPr lang="it-IT" sz="1100">
+                            <a:effectLst/>
+                            <a:latin typeface="Times New Roman" panose="02020603050405020304" pitchFamily="18" charset="0"/>
+                            <a:ea typeface="Times New Roman" panose="02020603050405020304" pitchFamily="18" charset="0"/>
+                          </a:endParaRPr>
+                        </a:p>
+                      </a:txBody>
+                      <a:tcPr marL="60735" marR="60735" marT="0" marB="0" anchor="ctr"/>
+                    </a:tc>
+                    <a:tc>
+                      <a:txBody>
+                        <a:bodyPr/>
+                        <a:lstStyle/>
+                        <a:p>
+                          <a:pPr algn="ctr"/>
+                          <a:r>
+                            <a:rPr lang="en-GB" sz="1100">
+                              <a:effectLst/>
+                            </a:rPr>
+                            <a:t>17523.1496</a:t>
+                          </a:r>
+                          <a:endParaRPr lang="it-IT" sz="1100">
+                            <a:effectLst/>
+                            <a:latin typeface="Times New Roman" panose="02020603050405020304" pitchFamily="18" charset="0"/>
+                            <a:ea typeface="Times New Roman" panose="02020603050405020304" pitchFamily="18" charset="0"/>
+                          </a:endParaRPr>
+                        </a:p>
+                      </a:txBody>
+                      <a:tcPr marL="60735" marR="60735" marT="0" marB="0" anchor="ctr"/>
+                    </a:tc>
+                    <a:tc>
+                      <a:txBody>
+                        <a:bodyPr/>
+                        <a:lstStyle/>
+                        <a:p>
+                          <a:pPr algn="ctr"/>
+                          <a:r>
+                            <a:rPr lang="en-GB" sz="1100" dirty="0">
+                              <a:effectLst/>
+                            </a:rPr>
+                            <a:t>4.8675</a:t>
+                          </a:r>
+                          <a:endParaRPr lang="it-IT" sz="1100" dirty="0">
+                            <a:effectLst/>
+                            <a:latin typeface="Times New Roman" panose="02020603050405020304" pitchFamily="18" charset="0"/>
+                            <a:ea typeface="Times New Roman" panose="02020603050405020304" pitchFamily="18" charset="0"/>
+                          </a:endParaRPr>
+                        </a:p>
+                      </a:txBody>
+                      <a:tcPr marL="60735" marR="60735" marT="0" marB="0" anchor="ctr"/>
+                    </a:tc>
+                    <a:tc>
+                      <a:txBody>
+                        <a:bodyPr/>
+                        <a:lstStyle/>
+                        <a:p>
+                          <a:pPr algn="ctr"/>
+                          <a:r>
+                            <a:rPr lang="en-GB" sz="1100">
+                              <a:effectLst/>
+                            </a:rPr>
+                            <a:t>6.6450</a:t>
+                          </a:r>
+                          <a:endParaRPr lang="it-IT" sz="1100">
+                            <a:effectLst/>
+                            <a:latin typeface="Times New Roman" panose="02020603050405020304" pitchFamily="18" charset="0"/>
+                            <a:ea typeface="Times New Roman" panose="02020603050405020304" pitchFamily="18" charset="0"/>
+                          </a:endParaRPr>
+                        </a:p>
+                      </a:txBody>
+                      <a:tcPr marL="60735" marR="60735" marT="0" marB="0" anchor="ctr"/>
+                    </a:tc>
+                    <a:extLst>
+                      <a:ext uri="{0D108BD9-81ED-4DB2-BD59-A6C34878D82A}">
+                        <a16:rowId xmlns:a16="http://schemas.microsoft.com/office/drawing/2014/main" val="3546351924"/>
+                      </a:ext>
+                    </a:extLst>
+                  </a:tr>
+                  <a:tr h="347293">
+                    <a:tc>
+                      <a:txBody>
+                        <a:bodyPr/>
+                        <a:lstStyle/>
+                        <a:p>
+                          <a:pPr algn="ctr"/>
+                          <a:r>
+                            <a:rPr lang="en-GB" sz="1100">
+                              <a:effectLst/>
+                            </a:rPr>
+                            <a:t>Standard 2</a:t>
+                          </a:r>
+                          <a:endParaRPr lang="it-IT" sz="1100">
+                            <a:effectLst/>
+                            <a:latin typeface="Times New Roman" panose="02020603050405020304" pitchFamily="18" charset="0"/>
+                            <a:ea typeface="Times New Roman" panose="02020603050405020304" pitchFamily="18" charset="0"/>
+                          </a:endParaRPr>
+                        </a:p>
+                      </a:txBody>
+                      <a:tcPr marL="60735" marR="60735" marT="0" marB="0" anchor="ctr"/>
+                    </a:tc>
+                    <a:tc>
+                      <a:txBody>
+                        <a:bodyPr/>
+                        <a:lstStyle/>
+                        <a:p>
+                          <a:pPr algn="ctr"/>
+                          <a:r>
+                            <a:rPr lang="en-GB" sz="1100">
+                              <a:effectLst/>
+                            </a:rPr>
+                            <a:t>14461.7429</a:t>
+                          </a:r>
+                          <a:endParaRPr lang="it-IT" sz="1100">
+                            <a:effectLst/>
+                            <a:latin typeface="Times New Roman" panose="02020603050405020304" pitchFamily="18" charset="0"/>
+                            <a:ea typeface="Times New Roman" panose="02020603050405020304" pitchFamily="18" charset="0"/>
+                          </a:endParaRPr>
+                        </a:p>
+                      </a:txBody>
+                      <a:tcPr marL="60735" marR="60735" marT="0" marB="0" anchor="ctr"/>
+                    </a:tc>
+                    <a:tc>
+                      <a:txBody>
+                        <a:bodyPr/>
+                        <a:lstStyle/>
+                        <a:p>
+                          <a:pPr algn="ctr"/>
+                          <a:r>
+                            <a:rPr lang="en-GB" sz="1100">
+                              <a:effectLst/>
+                            </a:rPr>
+                            <a:t>4.0172</a:t>
+                          </a:r>
+                          <a:endParaRPr lang="it-IT" sz="1100">
+                            <a:effectLst/>
+                            <a:latin typeface="Times New Roman" panose="02020603050405020304" pitchFamily="18" charset="0"/>
+                            <a:ea typeface="Times New Roman" panose="02020603050405020304" pitchFamily="18" charset="0"/>
+                          </a:endParaRPr>
+                        </a:p>
+                      </a:txBody>
+                      <a:tcPr marL="60735" marR="60735" marT="0" marB="0" anchor="ctr"/>
+                    </a:tc>
+                    <a:tc>
+                      <a:txBody>
+                        <a:bodyPr/>
+                        <a:lstStyle/>
+                        <a:p>
+                          <a:pPr algn="ctr"/>
+                          <a:r>
+                            <a:rPr lang="en-GB" sz="1100">
+                              <a:effectLst/>
+                            </a:rPr>
+                            <a:t>7.1386</a:t>
+                          </a:r>
+                          <a:endParaRPr lang="it-IT" sz="1100">
+                            <a:effectLst/>
+                            <a:latin typeface="Times New Roman" panose="02020603050405020304" pitchFamily="18" charset="0"/>
+                            <a:ea typeface="Times New Roman" panose="02020603050405020304" pitchFamily="18" charset="0"/>
+                          </a:endParaRPr>
+                        </a:p>
+                      </a:txBody>
+                      <a:tcPr marL="60735" marR="60735" marT="0" marB="0" anchor="ctr"/>
+                    </a:tc>
+                    <a:extLst>
+                      <a:ext uri="{0D108BD9-81ED-4DB2-BD59-A6C34878D82A}">
+                        <a16:rowId xmlns:a16="http://schemas.microsoft.com/office/drawing/2014/main" val="4166507607"/>
+                      </a:ext>
+                    </a:extLst>
+                  </a:tr>
+                  <a:tr h="347293">
+                    <a:tc>
+                      <a:txBody>
+                        <a:bodyPr/>
+                        <a:lstStyle/>
+                        <a:p>
+                          <a:pPr algn="ctr"/>
+                          <a:r>
+                            <a:rPr lang="en-GB" sz="1100">
+                              <a:effectLst/>
+                            </a:rPr>
+                            <a:t>Standard 3</a:t>
+                          </a:r>
+                          <a:endParaRPr lang="it-IT" sz="1100">
+                            <a:effectLst/>
+                            <a:latin typeface="Times New Roman" panose="02020603050405020304" pitchFamily="18" charset="0"/>
+                            <a:ea typeface="Times New Roman" panose="02020603050405020304" pitchFamily="18" charset="0"/>
+                          </a:endParaRPr>
+                        </a:p>
+                      </a:txBody>
+                      <a:tcPr marL="60735" marR="60735" marT="0" marB="0" anchor="ctr"/>
+                    </a:tc>
+                    <a:tc>
+                      <a:txBody>
+                        <a:bodyPr/>
+                        <a:lstStyle/>
+                        <a:p>
+                          <a:pPr algn="ctr"/>
+                          <a:r>
+                            <a:rPr lang="en-GB" sz="1100">
+                              <a:effectLst/>
+                            </a:rPr>
+                            <a:t>17464.4130</a:t>
+                          </a:r>
+                          <a:endParaRPr lang="it-IT" sz="1100">
+                            <a:effectLst/>
+                            <a:latin typeface="Times New Roman" panose="02020603050405020304" pitchFamily="18" charset="0"/>
+                            <a:ea typeface="Times New Roman" panose="02020603050405020304" pitchFamily="18" charset="0"/>
+                          </a:endParaRPr>
+                        </a:p>
+                      </a:txBody>
+                      <a:tcPr marL="60735" marR="60735" marT="0" marB="0" anchor="ctr"/>
+                    </a:tc>
+                    <a:tc>
+                      <a:txBody>
+                        <a:bodyPr/>
+                        <a:lstStyle/>
+                        <a:p>
+                          <a:pPr algn="ctr"/>
+                          <a:r>
+                            <a:rPr lang="en-GB" sz="1100" dirty="0">
+                              <a:effectLst/>
+                            </a:rPr>
+                            <a:t>4.8512</a:t>
+                          </a:r>
+                          <a:endParaRPr lang="it-IT" sz="1100" dirty="0">
+                            <a:effectLst/>
+                            <a:latin typeface="Times New Roman" panose="02020603050405020304" pitchFamily="18" charset="0"/>
+                            <a:ea typeface="Times New Roman" panose="02020603050405020304" pitchFamily="18" charset="0"/>
+                          </a:endParaRPr>
+                        </a:p>
+                      </a:txBody>
+                      <a:tcPr marL="60735" marR="60735" marT="0" marB="0" anchor="ctr"/>
+                    </a:tc>
+                    <a:tc>
+                      <a:txBody>
+                        <a:bodyPr/>
+                        <a:lstStyle/>
+                        <a:p>
+                          <a:pPr algn="ctr"/>
+                          <a:r>
+                            <a:rPr lang="en-GB" sz="1100">
+                              <a:effectLst/>
+                            </a:rPr>
+                            <a:t>7.1222</a:t>
+                          </a:r>
+                          <a:endParaRPr lang="it-IT" sz="1100">
+                            <a:effectLst/>
+                            <a:latin typeface="Times New Roman" panose="02020603050405020304" pitchFamily="18" charset="0"/>
+                            <a:ea typeface="Times New Roman" panose="02020603050405020304" pitchFamily="18" charset="0"/>
+                          </a:endParaRPr>
+                        </a:p>
+                      </a:txBody>
+                      <a:tcPr marL="60735" marR="60735" marT="0" marB="0" anchor="ctr"/>
+                    </a:tc>
+                    <a:extLst>
+                      <a:ext uri="{0D108BD9-81ED-4DB2-BD59-A6C34878D82A}">
+                        <a16:rowId xmlns:a16="http://schemas.microsoft.com/office/drawing/2014/main" val="3603318245"/>
+                      </a:ext>
+                    </a:extLst>
+                  </a:tr>
+                  <a:tr h="347293">
+                    <a:tc>
+                      <a:txBody>
+                        <a:bodyPr/>
+                        <a:lstStyle/>
+                        <a:p>
+                          <a:pPr algn="ctr"/>
+                          <a:r>
+                            <a:rPr lang="en-GB" sz="1100" dirty="0">
+                              <a:effectLst/>
+                            </a:rPr>
+                            <a:t>Standard 4</a:t>
+                          </a:r>
+                          <a:endParaRPr lang="it-IT" sz="1100" dirty="0">
+                            <a:effectLst/>
+                            <a:latin typeface="Times New Roman" panose="02020603050405020304" pitchFamily="18" charset="0"/>
+                            <a:ea typeface="Times New Roman" panose="02020603050405020304" pitchFamily="18" charset="0"/>
+                          </a:endParaRPr>
+                        </a:p>
+                      </a:txBody>
+                      <a:tcPr marL="60735" marR="60735" marT="0" marB="0" anchor="ctr"/>
+                    </a:tc>
+                    <a:tc>
+                      <a:txBody>
+                        <a:bodyPr/>
+                        <a:lstStyle/>
+                        <a:p>
+                          <a:pPr algn="ctr"/>
+                          <a:r>
+                            <a:rPr lang="en-GB" sz="1100">
+                              <a:effectLst/>
+                            </a:rPr>
+                            <a:t>21973.3098</a:t>
+                          </a:r>
+                          <a:endParaRPr lang="it-IT" sz="1100">
+                            <a:effectLst/>
+                            <a:latin typeface="Times New Roman" panose="02020603050405020304" pitchFamily="18" charset="0"/>
+                            <a:ea typeface="Times New Roman" panose="02020603050405020304" pitchFamily="18" charset="0"/>
+                          </a:endParaRPr>
+                        </a:p>
+                      </a:txBody>
+                      <a:tcPr marL="60735" marR="60735" marT="0" marB="0" anchor="ctr"/>
+                    </a:tc>
+                    <a:tc>
+                      <a:txBody>
+                        <a:bodyPr/>
+                        <a:lstStyle/>
+                        <a:p>
+                          <a:pPr algn="ctr"/>
+                          <a:r>
+                            <a:rPr lang="en-GB" sz="1100" dirty="0">
+                              <a:effectLst/>
+                            </a:rPr>
+                            <a:t>6.1037</a:t>
+                          </a:r>
+                          <a:endParaRPr lang="it-IT" sz="1100" dirty="0">
+                            <a:effectLst/>
+                            <a:latin typeface="Times New Roman" panose="02020603050405020304" pitchFamily="18" charset="0"/>
+                            <a:ea typeface="Times New Roman" panose="02020603050405020304" pitchFamily="18" charset="0"/>
+                          </a:endParaRPr>
+                        </a:p>
+                      </a:txBody>
+                      <a:tcPr marL="60735" marR="60735" marT="0" marB="0" anchor="ctr"/>
+                    </a:tc>
+                    <a:tc>
+                      <a:txBody>
+                        <a:bodyPr/>
+                        <a:lstStyle/>
+                        <a:p>
+                          <a:pPr algn="ctr"/>
+                          <a:r>
+                            <a:rPr lang="en-GB" sz="1100">
+                              <a:effectLst/>
+                            </a:rPr>
+                            <a:t>6.6614</a:t>
+                          </a:r>
+                          <a:endParaRPr lang="it-IT" sz="1100">
+                            <a:effectLst/>
+                            <a:latin typeface="Times New Roman" panose="02020603050405020304" pitchFamily="18" charset="0"/>
+                            <a:ea typeface="Times New Roman" panose="02020603050405020304" pitchFamily="18" charset="0"/>
+                          </a:endParaRPr>
+                        </a:p>
+                      </a:txBody>
+                      <a:tcPr marL="60735" marR="60735" marT="0" marB="0" anchor="ctr"/>
+                    </a:tc>
+                    <a:extLst>
+                      <a:ext uri="{0D108BD9-81ED-4DB2-BD59-A6C34878D82A}">
+                        <a16:rowId xmlns:a16="http://schemas.microsoft.com/office/drawing/2014/main" val="4024678429"/>
+                      </a:ext>
+                    </a:extLst>
+                  </a:tr>
+                  <a:tr h="347293">
+                    <a:tc>
+                      <a:txBody>
+                        <a:bodyPr/>
+                        <a:lstStyle/>
+                        <a:p>
+                          <a:pPr algn="ctr"/>
+                          <a:r>
+                            <a:rPr lang="en-GB" sz="1100">
+                              <a:effectLst/>
+                            </a:rPr>
+                            <a:t>Standard 5</a:t>
+                          </a:r>
+                          <a:endParaRPr lang="it-IT" sz="1100">
+                            <a:effectLst/>
+                            <a:latin typeface="Times New Roman" panose="02020603050405020304" pitchFamily="18" charset="0"/>
+                            <a:ea typeface="Times New Roman" panose="02020603050405020304" pitchFamily="18" charset="0"/>
+                          </a:endParaRPr>
+                        </a:p>
+                      </a:txBody>
+                      <a:tcPr marL="60735" marR="60735" marT="0" marB="0" anchor="ctr"/>
+                    </a:tc>
+                    <a:tc>
+                      <a:txBody>
+                        <a:bodyPr/>
+                        <a:lstStyle/>
+                        <a:p>
+                          <a:pPr algn="ctr"/>
+                          <a:r>
+                            <a:rPr lang="en-GB" sz="1100">
+                              <a:effectLst/>
+                            </a:rPr>
+                            <a:t>18728.5707</a:t>
+                          </a:r>
+                          <a:endParaRPr lang="it-IT" sz="1100">
+                            <a:effectLst/>
+                            <a:latin typeface="Times New Roman" panose="02020603050405020304" pitchFamily="18" charset="0"/>
+                            <a:ea typeface="Times New Roman" panose="02020603050405020304" pitchFamily="18" charset="0"/>
+                          </a:endParaRPr>
+                        </a:p>
+                      </a:txBody>
+                      <a:tcPr marL="60735" marR="60735" marT="0" marB="0" anchor="ctr"/>
+                    </a:tc>
+                    <a:tc>
+                      <a:txBody>
+                        <a:bodyPr/>
+                        <a:lstStyle/>
+                        <a:p>
+                          <a:pPr algn="ctr"/>
+                          <a:r>
+                            <a:rPr lang="en-GB" sz="1100">
+                              <a:effectLst/>
+                            </a:rPr>
+                            <a:t>5.2024</a:t>
+                          </a:r>
+                          <a:endParaRPr lang="it-IT" sz="1100">
+                            <a:effectLst/>
+                            <a:latin typeface="Times New Roman" panose="02020603050405020304" pitchFamily="18" charset="0"/>
+                            <a:ea typeface="Times New Roman" panose="02020603050405020304" pitchFamily="18" charset="0"/>
+                          </a:endParaRPr>
+                        </a:p>
+                      </a:txBody>
+                      <a:tcPr marL="60735" marR="60735" marT="0" marB="0" anchor="ctr"/>
+                    </a:tc>
+                    <a:tc>
+                      <a:txBody>
+                        <a:bodyPr/>
+                        <a:lstStyle/>
+                        <a:p>
+                          <a:pPr algn="ctr"/>
+                          <a:r>
+                            <a:rPr lang="en-GB" sz="1100">
+                              <a:effectLst/>
+                            </a:rPr>
+                            <a:t>9.0993</a:t>
+                          </a:r>
+                          <a:endParaRPr lang="it-IT" sz="1100">
+                            <a:effectLst/>
+                            <a:latin typeface="Times New Roman" panose="02020603050405020304" pitchFamily="18" charset="0"/>
+                            <a:ea typeface="Times New Roman" panose="02020603050405020304" pitchFamily="18" charset="0"/>
+                          </a:endParaRPr>
+                        </a:p>
+                      </a:txBody>
+                      <a:tcPr marL="60735" marR="60735" marT="0" marB="0" anchor="ctr"/>
+                    </a:tc>
+                    <a:extLst>
+                      <a:ext uri="{0D108BD9-81ED-4DB2-BD59-A6C34878D82A}">
+                        <a16:rowId xmlns:a16="http://schemas.microsoft.com/office/drawing/2014/main" val="4067453794"/>
+                      </a:ext>
+                    </a:extLst>
+                  </a:tr>
+                  <a:tr h="347293">
+                    <a:tc>
+                      <a:txBody>
+                        <a:bodyPr/>
+                        <a:lstStyle/>
+                        <a:p>
+                          <a:pPr algn="ctr"/>
+                          <a:r>
+                            <a:rPr lang="en-GB" sz="1100">
+                              <a:effectLst/>
+                            </a:rPr>
+                            <a:t>Standard 6</a:t>
+                          </a:r>
+                          <a:endParaRPr lang="it-IT" sz="1100">
+                            <a:effectLst/>
+                            <a:latin typeface="Times New Roman" panose="02020603050405020304" pitchFamily="18" charset="0"/>
+                            <a:ea typeface="Times New Roman" panose="02020603050405020304" pitchFamily="18" charset="0"/>
+                          </a:endParaRPr>
+                        </a:p>
+                      </a:txBody>
+                      <a:tcPr marL="60735" marR="60735" marT="0" marB="0" anchor="ctr"/>
+                    </a:tc>
+                    <a:tc>
+                      <a:txBody>
+                        <a:bodyPr/>
+                        <a:lstStyle/>
+                        <a:p>
+                          <a:pPr algn="ctr"/>
+                          <a:r>
+                            <a:rPr lang="en-GB" sz="1100">
+                              <a:effectLst/>
+                            </a:rPr>
+                            <a:t>28868.3598</a:t>
+                          </a:r>
+                          <a:endParaRPr lang="it-IT" sz="1100">
+                            <a:effectLst/>
+                            <a:latin typeface="Times New Roman" panose="02020603050405020304" pitchFamily="18" charset="0"/>
+                            <a:ea typeface="Times New Roman" panose="02020603050405020304" pitchFamily="18" charset="0"/>
+                          </a:endParaRPr>
+                        </a:p>
+                      </a:txBody>
+                      <a:tcPr marL="60735" marR="60735" marT="0" marB="0" anchor="ctr"/>
+                    </a:tc>
+                    <a:tc>
+                      <a:txBody>
+                        <a:bodyPr/>
+                        <a:lstStyle/>
+                        <a:p>
+                          <a:pPr algn="ctr"/>
+                          <a:r>
+                            <a:rPr lang="en-GB" sz="1100" dirty="0">
+                              <a:effectLst/>
+                            </a:rPr>
+                            <a:t>8.0190</a:t>
+                          </a:r>
+                          <a:endParaRPr lang="it-IT" sz="1100" dirty="0">
+                            <a:effectLst/>
+                            <a:latin typeface="Times New Roman" panose="02020603050405020304" pitchFamily="18" charset="0"/>
+                            <a:ea typeface="Times New Roman" panose="02020603050405020304" pitchFamily="18" charset="0"/>
+                          </a:endParaRPr>
+                        </a:p>
+                      </a:txBody>
+                      <a:tcPr marL="60735" marR="60735" marT="0" marB="0" anchor="ctr"/>
+                    </a:tc>
+                    <a:tc>
+                      <a:txBody>
+                        <a:bodyPr/>
+                        <a:lstStyle/>
+                        <a:p>
+                          <a:pPr algn="ctr"/>
+                          <a:r>
+                            <a:rPr lang="en-GB" sz="1100">
+                              <a:effectLst/>
+                            </a:rPr>
+                            <a:t>9.1511</a:t>
+                          </a:r>
+                          <a:endParaRPr lang="it-IT" sz="1100">
+                            <a:effectLst/>
+                            <a:latin typeface="Times New Roman" panose="02020603050405020304" pitchFamily="18" charset="0"/>
+                            <a:ea typeface="Times New Roman" panose="02020603050405020304" pitchFamily="18" charset="0"/>
+                          </a:endParaRPr>
+                        </a:p>
+                      </a:txBody>
+                      <a:tcPr marL="60735" marR="60735" marT="0" marB="0" anchor="ctr"/>
+                    </a:tc>
+                    <a:extLst>
+                      <a:ext uri="{0D108BD9-81ED-4DB2-BD59-A6C34878D82A}">
+                        <a16:rowId xmlns:a16="http://schemas.microsoft.com/office/drawing/2014/main" val="3261692538"/>
+                      </a:ext>
+                    </a:extLst>
+                  </a:tr>
+                  <a:tr h="347293">
+                    <a:tc>
+                      <a:txBody>
+                        <a:bodyPr/>
+                        <a:lstStyle/>
+                        <a:p>
+                          <a:pPr algn="ctr"/>
+                          <a:r>
+                            <a:rPr lang="en-GB" sz="1100">
+                              <a:effectLst/>
+                            </a:rPr>
+                            <a:t>Standard 7</a:t>
+                          </a:r>
+                          <a:endParaRPr lang="it-IT" sz="1100">
+                            <a:effectLst/>
+                            <a:latin typeface="Times New Roman" panose="02020603050405020304" pitchFamily="18" charset="0"/>
+                            <a:ea typeface="Times New Roman" panose="02020603050405020304" pitchFamily="18" charset="0"/>
+                          </a:endParaRPr>
+                        </a:p>
+                      </a:txBody>
+                      <a:tcPr marL="60735" marR="60735" marT="0" marB="0" anchor="ctr"/>
+                    </a:tc>
+                    <a:tc>
+                      <a:txBody>
+                        <a:bodyPr/>
+                        <a:lstStyle/>
+                        <a:p>
+                          <a:pPr algn="ctr"/>
+                          <a:r>
+                            <a:rPr lang="en-GB" sz="1100">
+                              <a:effectLst/>
+                            </a:rPr>
+                            <a:t>15603.0824</a:t>
+                          </a:r>
+                          <a:endParaRPr lang="it-IT" sz="1100">
+                            <a:effectLst/>
+                            <a:latin typeface="Times New Roman" panose="02020603050405020304" pitchFamily="18" charset="0"/>
+                            <a:ea typeface="Times New Roman" panose="02020603050405020304" pitchFamily="18" charset="0"/>
+                          </a:endParaRPr>
+                        </a:p>
+                      </a:txBody>
+                      <a:tcPr marL="60735" marR="60735" marT="0" marB="0" anchor="ctr"/>
+                    </a:tc>
+                    <a:tc>
+                      <a:txBody>
+                        <a:bodyPr/>
+                        <a:lstStyle/>
+                        <a:p>
+                          <a:pPr algn="ctr"/>
+                          <a:r>
+                            <a:rPr lang="en-GB" sz="1100" dirty="0">
+                              <a:effectLst/>
+                            </a:rPr>
+                            <a:t>4.3342</a:t>
+                          </a:r>
+                          <a:endParaRPr lang="it-IT" sz="1100" dirty="0">
+                            <a:effectLst/>
+                            <a:latin typeface="Times New Roman" panose="02020603050405020304" pitchFamily="18" charset="0"/>
+                            <a:ea typeface="Times New Roman" panose="02020603050405020304" pitchFamily="18" charset="0"/>
+                          </a:endParaRPr>
+                        </a:p>
+                      </a:txBody>
+                      <a:tcPr marL="60735" marR="60735" marT="0" marB="0" anchor="ctr"/>
+                    </a:tc>
+                    <a:tc>
+                      <a:txBody>
+                        <a:bodyPr/>
+                        <a:lstStyle/>
+                        <a:p>
+                          <a:pPr algn="ctr"/>
+                          <a:r>
+                            <a:rPr lang="en-GB" sz="1100">
+                              <a:effectLst/>
+                            </a:rPr>
+                            <a:t>7.4603</a:t>
+                          </a:r>
+                          <a:endParaRPr lang="it-IT" sz="1100">
+                            <a:effectLst/>
+                            <a:latin typeface="Times New Roman" panose="02020603050405020304" pitchFamily="18" charset="0"/>
+                            <a:ea typeface="Times New Roman" panose="02020603050405020304" pitchFamily="18" charset="0"/>
+                          </a:endParaRPr>
+                        </a:p>
+                      </a:txBody>
+                      <a:tcPr marL="60735" marR="60735" marT="0" marB="0" anchor="ctr"/>
+                    </a:tc>
+                    <a:extLst>
+                      <a:ext uri="{0D108BD9-81ED-4DB2-BD59-A6C34878D82A}">
+                        <a16:rowId xmlns:a16="http://schemas.microsoft.com/office/drawing/2014/main" val="3368877454"/>
+                      </a:ext>
+                    </a:extLst>
+                  </a:tr>
+                  <a:tr h="347293">
+                    <a:tc>
+                      <a:txBody>
+                        <a:bodyPr/>
+                        <a:lstStyle/>
+                        <a:p>
+                          <a:pPr algn="ctr"/>
+                          <a:r>
+                            <a:rPr lang="en-GB" sz="1100">
+                              <a:effectLst/>
+                            </a:rPr>
+                            <a:t>Standard 8</a:t>
+                          </a:r>
+                          <a:endParaRPr lang="it-IT" sz="1100">
+                            <a:effectLst/>
+                            <a:latin typeface="Times New Roman" panose="02020603050405020304" pitchFamily="18" charset="0"/>
+                            <a:ea typeface="Times New Roman" panose="02020603050405020304" pitchFamily="18" charset="0"/>
+                          </a:endParaRPr>
+                        </a:p>
+                      </a:txBody>
+                      <a:tcPr marL="60735" marR="60735" marT="0" marB="0" anchor="ctr"/>
+                    </a:tc>
+                    <a:tc>
+                      <a:txBody>
+                        <a:bodyPr/>
+                        <a:lstStyle/>
+                        <a:p>
+                          <a:pPr algn="ctr"/>
+                          <a:r>
+                            <a:rPr lang="en-GB" sz="1100">
+                              <a:effectLst/>
+                            </a:rPr>
+                            <a:t>14421.7183</a:t>
+                          </a:r>
+                          <a:endParaRPr lang="it-IT" sz="1100">
+                            <a:effectLst/>
+                            <a:latin typeface="Times New Roman" panose="02020603050405020304" pitchFamily="18" charset="0"/>
+                            <a:ea typeface="Times New Roman" panose="02020603050405020304" pitchFamily="18" charset="0"/>
+                          </a:endParaRPr>
+                        </a:p>
+                      </a:txBody>
+                      <a:tcPr marL="60735" marR="60735" marT="0" marB="0" anchor="ctr"/>
+                    </a:tc>
+                    <a:tc>
+                      <a:txBody>
+                        <a:bodyPr/>
+                        <a:lstStyle/>
+                        <a:p>
+                          <a:pPr algn="ctr"/>
+                          <a:r>
+                            <a:rPr lang="en-GB" sz="1100" dirty="0">
+                              <a:effectLst/>
+                            </a:rPr>
+                            <a:t>4.0060</a:t>
+                          </a:r>
+                          <a:endParaRPr lang="it-IT" sz="1100" dirty="0">
+                            <a:effectLst/>
+                            <a:latin typeface="Times New Roman" panose="02020603050405020304" pitchFamily="18" charset="0"/>
+                            <a:ea typeface="Times New Roman" panose="02020603050405020304" pitchFamily="18" charset="0"/>
+                          </a:endParaRPr>
+                        </a:p>
+                      </a:txBody>
+                      <a:tcPr marL="60735" marR="60735" marT="0" marB="0" anchor="ctr"/>
+                    </a:tc>
+                    <a:tc>
+                      <a:txBody>
+                        <a:bodyPr/>
+                        <a:lstStyle/>
+                        <a:p>
+                          <a:pPr algn="ctr"/>
+                          <a:r>
+                            <a:rPr lang="en-GB" sz="1100" dirty="0">
+                              <a:effectLst/>
+                            </a:rPr>
+                            <a:t>7.4767</a:t>
+                          </a:r>
+                          <a:endParaRPr lang="it-IT" sz="1100" dirty="0">
+                            <a:effectLst/>
+                            <a:latin typeface="Times New Roman" panose="02020603050405020304" pitchFamily="18" charset="0"/>
+                            <a:ea typeface="Times New Roman" panose="02020603050405020304" pitchFamily="18" charset="0"/>
+                          </a:endParaRPr>
+                        </a:p>
+                      </a:txBody>
+                      <a:tcPr marL="60735" marR="60735" marT="0" marB="0" anchor="ctr"/>
+                    </a:tc>
+                    <a:extLst>
+                      <a:ext uri="{0D108BD9-81ED-4DB2-BD59-A6C34878D82A}">
+                        <a16:rowId xmlns:a16="http://schemas.microsoft.com/office/drawing/2014/main" val="1147992986"/>
+                      </a:ext>
+                    </a:extLst>
+                  </a:tr>
+                </a:tbl>
+              </a:graphicData>
+            </a:graphic>
+          </p:graphicFrame>
+        </mc:Fallback>
+      </mc:AlternateContent>
     </p:spTree>
   </p:cSld>
   <p:clrMapOvr>
@@ -2587,10 +4904,10 @@
       </p:sp>
       <p:pic>
         <p:nvPicPr>
-          <p:cNvPr id="4" name="Immagine 3">
+          <p:cNvPr id="6" name="Immagine 5">
             <a:extLst>
               <a:ext uri="{FF2B5EF4-FFF2-40B4-BE49-F238E27FC236}">
-                <a16:creationId xmlns:a16="http://schemas.microsoft.com/office/drawing/2014/main" id="{DB03CAE0-7516-E087-D656-98254CE43E8C}"/>
+                <a16:creationId xmlns:a16="http://schemas.microsoft.com/office/drawing/2014/main" id="{2FEAD5B4-B5B9-2A5A-D42A-07374C8D1E1E}"/>
               </a:ext>
             </a:extLst>
           </p:cNvPr>
@@ -2607,14 +4924,728 @@
         </p:blipFill>
         <p:spPr>
           <a:xfrm>
-            <a:off x="4408186" y="1143000"/>
-            <a:ext cx="4613249" cy="3962400"/>
+            <a:off x="4483116" y="1348315"/>
+            <a:ext cx="4523232" cy="4073013"/>
           </a:xfrm>
           <a:prstGeom prst="rect">
             <a:avLst/>
           </a:prstGeom>
         </p:spPr>
       </p:pic>
+      <mc:AlternateContent xmlns:mc="http://schemas.openxmlformats.org/markup-compatibility/2006">
+        <mc:Choice xmlns:a14="http://schemas.microsoft.com/office/drawing/2010/main" Requires="a14">
+          <p:sp>
+            <p:nvSpPr>
+              <p:cNvPr id="10" name="CasellaDiTesto 9">
+                <a:extLst>
+                  <a:ext uri="{FF2B5EF4-FFF2-40B4-BE49-F238E27FC236}">
+                    <a16:creationId xmlns:a16="http://schemas.microsoft.com/office/drawing/2014/main" id="{6BFFEB62-EAAC-9384-FD64-39E76FF235EC}"/>
+                  </a:ext>
+                </a:extLst>
+              </p:cNvPr>
+              <p:cNvSpPr txBox="1"/>
+              <p:nvPr/>
+            </p:nvSpPr>
+            <p:spPr>
+              <a:xfrm>
+                <a:off x="5105400" y="5486400"/>
+                <a:ext cx="3761232" cy="1045286"/>
+              </a:xfrm>
+              <a:prstGeom prst="rect">
+                <a:avLst/>
+              </a:prstGeom>
+              <a:noFill/>
+            </p:spPr>
+            <p:txBody>
+              <a:bodyPr wrap="square">
+                <a:spAutoFit/>
+              </a:bodyPr>
+              <a:lstStyle/>
+              <a:p>
+                <a14:m>
+                  <m:oMath xmlns:m="http://schemas.openxmlformats.org/officeDocument/2006/math">
+                    <m:sSub>
+                      <m:sSubPr>
+                        <m:ctrlPr>
+                          <a:rPr lang="en-GB" sz="1800" i="1" smtClean="0">
+                            <a:effectLst/>
+                            <a:latin typeface="Cambria Math" panose="02040503050406030204" pitchFamily="18" charset="0"/>
+                          </a:rPr>
+                        </m:ctrlPr>
+                      </m:sSubPr>
+                      <m:e>
+                        <m:r>
+                          <m:rPr>
+                            <m:sty m:val="p"/>
+                          </m:rPr>
+                          <a:rPr lang="en-GB">
+                            <a:latin typeface="Cambria Math" panose="02040503050406030204" pitchFamily="18" charset="0"/>
+                          </a:rPr>
+                          <m:t>Δ</m:t>
+                        </m:r>
+                        <m:r>
+                          <a:rPr lang="en-GB">
+                            <a:latin typeface="Cambria Math" panose="02040503050406030204" pitchFamily="18" charset="0"/>
+                          </a:rPr>
+                          <m:t>𝑣</m:t>
+                        </m:r>
+                      </m:e>
+                      <m:sub>
+                        <m:r>
+                          <a:rPr lang="it-IT" sz="1800" b="0" i="1" smtClean="0">
+                            <a:effectLst/>
+                            <a:latin typeface="Cambria Math" panose="02040503050406030204" pitchFamily="18" charset="0"/>
+                          </a:rPr>
+                          <m:t>𝑡𝑜𝑡</m:t>
+                        </m:r>
+                      </m:sub>
+                    </m:sSub>
+                    <m:r>
+                      <a:rPr lang="it-IT" sz="1800" b="0" i="1" smtClean="0">
+                        <a:effectLst/>
+                        <a:latin typeface="Cambria Math" panose="02040503050406030204" pitchFamily="18" charset="0"/>
+                      </a:rPr>
+                      <m:t>= </m:t>
+                    </m:r>
+                  </m:oMath>
+                </a14:m>
+                <a:r>
+                  <a:rPr lang="en-GB" i="1" dirty="0"/>
+                  <a:t>6.9762 </a:t>
+                </a:r>
+                <a:r>
+                  <a:rPr lang="en-GB" dirty="0"/>
+                  <a:t> </a:t>
+                </a:r>
+                <a14:m>
+                  <m:oMath xmlns:m="http://schemas.openxmlformats.org/officeDocument/2006/math">
+                    <m:f>
+                      <m:fPr>
+                        <m:ctrlPr>
+                          <a:rPr lang="en-GB" i="1">
+                            <a:latin typeface="Cambria Math" panose="02040503050406030204" pitchFamily="18" charset="0"/>
+                          </a:rPr>
+                        </m:ctrlPr>
+                      </m:fPr>
+                      <m:num>
+                        <m:r>
+                          <a:rPr lang="en-GB">
+                            <a:latin typeface="Cambria Math" panose="02040503050406030204" pitchFamily="18" charset="0"/>
+                          </a:rPr>
+                          <m:t>𝑘𝑚</m:t>
+                        </m:r>
+                      </m:num>
+                      <m:den>
+                        <m:r>
+                          <a:rPr lang="en-GB">
+                            <a:latin typeface="Cambria Math" panose="02040503050406030204" pitchFamily="18" charset="0"/>
+                          </a:rPr>
+                          <m:t>𝑠</m:t>
+                        </m:r>
+                      </m:den>
+                    </m:f>
+                  </m:oMath>
+                </a14:m>
+                <a:endParaRPr lang="it-IT" dirty="0"/>
+              </a:p>
+              <a:p>
+                <a:endParaRPr lang="it-IT" dirty="0"/>
+              </a:p>
+              <a:p>
+                <a14:m>
+                  <m:oMath xmlns:m="http://schemas.openxmlformats.org/officeDocument/2006/math">
+                    <m:sSub>
+                      <m:sSubPr>
+                        <m:ctrlPr>
+                          <a:rPr lang="en-GB" sz="1800" i="1" smtClean="0">
+                            <a:effectLst/>
+                            <a:latin typeface="Cambria Math" panose="02040503050406030204" pitchFamily="18" charset="0"/>
+                          </a:rPr>
+                        </m:ctrlPr>
+                      </m:sSubPr>
+                      <m:e>
+                        <m:r>
+                          <m:rPr>
+                            <m:sty m:val="p"/>
+                          </m:rPr>
+                          <a:rPr lang="en-GB">
+                            <a:latin typeface="Cambria Math" panose="02040503050406030204" pitchFamily="18" charset="0"/>
+                          </a:rPr>
+                          <m:t>Δ</m:t>
+                        </m:r>
+                        <m:r>
+                          <m:rPr>
+                            <m:sty m:val="p"/>
+                          </m:rPr>
+                          <a:rPr lang="it-IT" b="0" i="0" smtClean="0">
+                            <a:latin typeface="Cambria Math" panose="02040503050406030204" pitchFamily="18" charset="0"/>
+                          </a:rPr>
+                          <m:t>t</m:t>
+                        </m:r>
+                      </m:e>
+                      <m:sub>
+                        <m:r>
+                          <a:rPr lang="it-IT" sz="1800" b="0" i="1" smtClean="0">
+                            <a:effectLst/>
+                            <a:latin typeface="Cambria Math" panose="02040503050406030204" pitchFamily="18" charset="0"/>
+                          </a:rPr>
+                          <m:t>𝑡𝑜𝑡</m:t>
+                        </m:r>
+                      </m:sub>
+                    </m:sSub>
+                    <m:r>
+                      <a:rPr lang="it-IT" sz="1800" b="0" i="1" smtClean="0">
+                        <a:effectLst/>
+                        <a:latin typeface="Cambria Math" panose="02040503050406030204" pitchFamily="18" charset="0"/>
+                      </a:rPr>
+                      <m:t>= </m:t>
+                    </m:r>
+                  </m:oMath>
+                </a14:m>
+                <a:r>
+                  <a:rPr lang="en-GB" dirty="0"/>
+                  <a:t>9.0027</a:t>
+                </a:r>
+                <a:r>
+                  <a:rPr lang="it-IT" dirty="0">
+                    <a:latin typeface="Times New Roman" panose="02020603050405020304" pitchFamily="18" charset="0"/>
+                  </a:rPr>
+                  <a:t> </a:t>
+                </a:r>
+                <a14:m>
+                  <m:oMath xmlns:m="http://schemas.openxmlformats.org/officeDocument/2006/math">
+                    <m:r>
+                      <a:rPr lang="en-GB">
+                        <a:latin typeface="Cambria Math" panose="02040503050406030204" pitchFamily="18" charset="0"/>
+                      </a:rPr>
+                      <m:t>h</m:t>
+                    </m:r>
+                  </m:oMath>
+                </a14:m>
+                <a:r>
+                  <a:rPr lang="en-GB" dirty="0"/>
+                  <a:t> = </a:t>
+                </a:r>
+                <a14:m>
+                  <m:oMath xmlns:m="http://schemas.openxmlformats.org/officeDocument/2006/math">
+                    <m:r>
+                      <a:rPr lang="it-IT" b="0" i="0" smtClean="0">
+                        <a:latin typeface="Cambria Math" panose="02040503050406030204" pitchFamily="18" charset="0"/>
+                      </a:rPr>
+                      <m:t>32409.9559</m:t>
+                    </m:r>
+                    <m:r>
+                      <a:rPr lang="it-IT" b="0" i="0" smtClean="0">
+                        <a:latin typeface="Cambria Math" panose="02040503050406030204" pitchFamily="18" charset="0"/>
+                      </a:rPr>
+                      <m:t> </m:t>
+                    </m:r>
+                    <m:r>
+                      <a:rPr lang="en-GB">
+                        <a:latin typeface="Cambria Math" panose="02040503050406030204" pitchFamily="18" charset="0"/>
+                      </a:rPr>
+                      <m:t>𝑠</m:t>
+                    </m:r>
+                  </m:oMath>
+                </a14:m>
+                <a:endParaRPr lang="it-IT" dirty="0"/>
+              </a:p>
+            </p:txBody>
+          </p:sp>
+        </mc:Choice>
+        <mc:Fallback>
+          <p:sp>
+            <p:nvSpPr>
+              <p:cNvPr id="10" name="CasellaDiTesto 9">
+                <a:extLst>
+                  <a:ext uri="{FF2B5EF4-FFF2-40B4-BE49-F238E27FC236}">
+                    <a16:creationId xmlns:a16="http://schemas.microsoft.com/office/drawing/2014/main" id="{6BFFEB62-EAAC-9384-FD64-39E76FF235EC}"/>
+                  </a:ext>
+                </a:extLst>
+              </p:cNvPr>
+              <p:cNvSpPr txBox="1">
+                <a:spLocks noRot="1" noChangeAspect="1" noMove="1" noResize="1" noEditPoints="1" noAdjustHandles="1" noChangeArrowheads="1" noChangeShapeType="1" noTextEdit="1"/>
+              </p:cNvSpPr>
+              <p:nvPr/>
+            </p:nvSpPr>
+            <p:spPr>
+              <a:xfrm>
+                <a:off x="5105400" y="5486400"/>
+                <a:ext cx="3761232" cy="1045286"/>
+              </a:xfrm>
+              <a:prstGeom prst="rect">
+                <a:avLst/>
+              </a:prstGeom>
+              <a:blipFill>
+                <a:blip r:embed="rId3"/>
+                <a:stretch>
+                  <a:fillRect b="-8772"/>
+                </a:stretch>
+              </a:blipFill>
+            </p:spPr>
+            <p:txBody>
+              <a:bodyPr/>
+              <a:lstStyle/>
+              <a:p>
+                <a:r>
+                  <a:rPr lang="it-IT">
+                    <a:noFill/>
+                  </a:rPr>
+                  <a:t> </a:t>
+                </a:r>
+              </a:p>
+            </p:txBody>
+          </p:sp>
+        </mc:Fallback>
+      </mc:AlternateContent>
+      <mc:AlternateContent xmlns:mc="http://schemas.openxmlformats.org/markup-compatibility/2006">
+        <mc:Choice xmlns:a14="http://schemas.microsoft.com/office/drawing/2010/main" Requires="a14">
+          <p:sp>
+            <p:nvSpPr>
+              <p:cNvPr id="12" name="CasellaDiTesto 11">
+                <a:extLst>
+                  <a:ext uri="{FF2B5EF4-FFF2-40B4-BE49-F238E27FC236}">
+                    <a16:creationId xmlns:a16="http://schemas.microsoft.com/office/drawing/2014/main" id="{7C415614-5E2F-6006-D183-91E2E167ED80}"/>
+                  </a:ext>
+                </a:extLst>
+              </p:cNvPr>
+              <p:cNvSpPr txBox="1"/>
+              <p:nvPr/>
+            </p:nvSpPr>
+            <p:spPr>
+              <a:xfrm>
+                <a:off x="154494" y="1600200"/>
+                <a:ext cx="4400868" cy="4269567"/>
+              </a:xfrm>
+              <a:prstGeom prst="rect">
+                <a:avLst/>
+              </a:prstGeom>
+              <a:noFill/>
+            </p:spPr>
+            <p:txBody>
+              <a:bodyPr wrap="square">
+                <a:spAutoFit/>
+              </a:bodyPr>
+              <a:lstStyle/>
+              <a:p>
+                <a:pPr marL="285750" indent="-285750">
+                  <a:buFont typeface="Arial" panose="020B0604020202020204" pitchFamily="34" charset="0"/>
+                  <a:buChar char="•"/>
+                </a:pPr>
+                <a:r>
+                  <a:rPr lang="it-IT" sz="1800" dirty="0">
+                    <a:effectLst/>
+                    <a:latin typeface="Times New Roman" panose="02020603050405020304" pitchFamily="18" charset="0"/>
+                    <a:ea typeface="Times New Roman" panose="02020603050405020304" pitchFamily="18" charset="0"/>
+                  </a:rPr>
+                  <a:t>Trasferimento bitangente dal pericentro dell'orbita iniziale all'orbita di trasferimento circolare</a:t>
+                </a:r>
+                <a:r>
+                  <a:rPr lang="it-IT" dirty="0">
+                    <a:latin typeface="Times New Roman" panose="02020603050405020304" pitchFamily="18" charset="0"/>
+                    <a:ea typeface="Times New Roman" panose="02020603050405020304" pitchFamily="18" charset="0"/>
+                  </a:rPr>
+                  <a:t> </a:t>
+                </a:r>
+                <a14:m>
+                  <m:oMath xmlns:m="http://schemas.openxmlformats.org/officeDocument/2006/math">
+                    <m:sSub>
+                      <m:sSubPr>
+                        <m:ctrlPr>
+                          <a:rPr lang="it-IT" i="1" smtClean="0">
+                            <a:latin typeface="Cambria Math" panose="02040503050406030204" pitchFamily="18" charset="0"/>
+                          </a:rPr>
+                        </m:ctrlPr>
+                      </m:sSubPr>
+                      <m:e>
+                        <m:r>
+                          <a:rPr lang="it-IT" b="0" i="1" smtClean="0">
+                            <a:latin typeface="Cambria Math" panose="02040503050406030204" pitchFamily="18" charset="0"/>
+                          </a:rPr>
+                          <m:t>𝑟</m:t>
+                        </m:r>
+                      </m:e>
+                      <m:sub>
+                        <m:r>
+                          <a:rPr lang="it-IT" b="0" i="1" smtClean="0">
+                            <a:latin typeface="Cambria Math" panose="02040503050406030204" pitchFamily="18" charset="0"/>
+                          </a:rPr>
+                          <m:t>𝑐</m:t>
+                        </m:r>
+                      </m:sub>
+                    </m:sSub>
+                    <m:r>
+                      <a:rPr lang="it-IT" i="1" smtClean="0">
+                        <a:latin typeface="Cambria Math" panose="02040503050406030204" pitchFamily="18" charset="0"/>
+                        <a:ea typeface="Times New Roman" panose="02020603050405020304" pitchFamily="18" charset="0"/>
+                      </a:rPr>
+                      <m:t>=</m:t>
+                    </m:r>
+                    <m:sSub>
+                      <m:sSubPr>
+                        <m:ctrlPr>
+                          <a:rPr lang="it-IT" i="1" smtClean="0">
+                            <a:latin typeface="Cambria Math" panose="02040503050406030204" pitchFamily="18" charset="0"/>
+                          </a:rPr>
+                        </m:ctrlPr>
+                      </m:sSubPr>
+                      <m:e>
+                        <m:r>
+                          <a:rPr lang="it-IT" b="0" i="1" smtClean="0">
+                            <a:latin typeface="Cambria Math" panose="02040503050406030204" pitchFamily="18" charset="0"/>
+                          </a:rPr>
+                          <m:t>𝑟</m:t>
+                        </m:r>
+                      </m:e>
+                      <m:sub>
+                        <m:r>
+                          <a:rPr lang="it-IT" b="0" i="1" smtClean="0">
+                            <a:latin typeface="Cambria Math" panose="02040503050406030204" pitchFamily="18" charset="0"/>
+                          </a:rPr>
+                          <m:t>𝑎𝑓</m:t>
+                        </m:r>
+                      </m:sub>
+                    </m:sSub>
+                  </m:oMath>
+                </a14:m>
+                <a:r>
+                  <a:rPr lang="it-IT" dirty="0">
+                    <a:latin typeface="Times New Roman" panose="02020603050405020304" pitchFamily="18" charset="0"/>
+                    <a:ea typeface="Times New Roman" panose="02020603050405020304" pitchFamily="18" charset="0"/>
+                  </a:rPr>
+                  <a:t> </a:t>
+                </a:r>
+                <a:r>
+                  <a:rPr lang="it-IT" sz="1800" dirty="0">
+                    <a:effectLst/>
+                    <a:latin typeface="Times New Roman" panose="02020603050405020304" pitchFamily="18" charset="0"/>
+                    <a:ea typeface="Times New Roman" panose="02020603050405020304" pitchFamily="18" charset="0"/>
+                  </a:rPr>
+                  <a:t>(impulso 1 e 2)</a:t>
+                </a:r>
+              </a:p>
+              <a:p>
+                <a:r>
+                  <a:rPr lang="it-IT" sz="1800" dirty="0">
+                    <a:effectLst/>
+                    <a:latin typeface="Times New Roman" panose="02020603050405020304" pitchFamily="18" charset="0"/>
+                    <a:ea typeface="Times New Roman" panose="02020603050405020304" pitchFamily="18" charset="0"/>
+                  </a:rPr>
+                  <a:t> </a:t>
+                </a:r>
+              </a:p>
+              <a:p>
+                <a:pPr marL="285750" indent="-285750">
+                  <a:buFont typeface="Arial" panose="020B0604020202020204" pitchFamily="34" charset="0"/>
+                  <a:buChar char="•"/>
+                </a:pPr>
+                <a:r>
+                  <a:rPr lang="it-IT" sz="1800" dirty="0">
+                    <a:effectLst/>
+                    <a:latin typeface="Times New Roman" panose="02020603050405020304" pitchFamily="18" charset="0"/>
+                    <a:ea typeface="Times New Roman" panose="02020603050405020304" pitchFamily="18" charset="0"/>
+                  </a:rPr>
+                  <a:t>Cambio piano (impulso 3)</a:t>
+                </a:r>
+              </a:p>
+              <a:p>
+                <a:pPr marL="285750" indent="-285750">
+                  <a:buFont typeface="Arial" panose="020B0604020202020204" pitchFamily="34" charset="0"/>
+                  <a:buChar char="•"/>
+                </a:pPr>
+                <a:endParaRPr lang="it-IT" dirty="0">
+                  <a:latin typeface="Times New Roman" panose="02020603050405020304" pitchFamily="18" charset="0"/>
+                  <a:ea typeface="Times New Roman" panose="02020603050405020304" pitchFamily="18" charset="0"/>
+                </a:endParaRPr>
+              </a:p>
+              <a:p>
+                <a:pPr marL="285750" indent="-285750">
+                  <a:buFont typeface="Arial" panose="020B0604020202020204" pitchFamily="34" charset="0"/>
+                  <a:buChar char="•"/>
+                </a:pPr>
+                <a:r>
+                  <a:rPr lang="it-IT" dirty="0">
+                    <a:latin typeface="Times New Roman" panose="02020603050405020304" pitchFamily="18" charset="0"/>
+                    <a:ea typeface="Times New Roman" panose="02020603050405020304" pitchFamily="18" charset="0"/>
+                  </a:rPr>
+                  <a:t>Raggiungere intersezione tra orbita circolare e l’apocentro di quella finale</a:t>
+                </a:r>
+              </a:p>
+              <a:p>
+                <a:pPr marL="285750" indent="-285750">
+                  <a:buFont typeface="Arial" panose="020B0604020202020204" pitchFamily="34" charset="0"/>
+                  <a:buChar char="•"/>
+                </a:pPr>
+                <a:endParaRPr lang="it-IT" dirty="0">
+                  <a:latin typeface="Times New Roman" panose="02020603050405020304" pitchFamily="18" charset="0"/>
+                  <a:ea typeface="Times New Roman" panose="02020603050405020304" pitchFamily="18" charset="0"/>
+                </a:endParaRPr>
+              </a:p>
+              <a:p>
+                <a:pPr marL="285750" indent="-285750">
+                  <a:buFont typeface="Arial" panose="020B0604020202020204" pitchFamily="34" charset="0"/>
+                  <a:buChar char="•"/>
+                </a:pPr>
+                <a:r>
+                  <a:rPr lang="it-IT" dirty="0">
+                    <a:latin typeface="Times New Roman" panose="02020603050405020304" pitchFamily="18" charset="0"/>
+                    <a:ea typeface="Times New Roman" panose="02020603050405020304" pitchFamily="18" charset="0"/>
+                  </a:rPr>
+                  <a:t>Impulso 4</a:t>
+                </a:r>
+                <a:endParaRPr lang="it-IT" sz="1800" dirty="0">
+                  <a:effectLst/>
+                  <a:latin typeface="Times New Roman" panose="02020603050405020304" pitchFamily="18" charset="0"/>
+                  <a:ea typeface="Times New Roman" panose="02020603050405020304" pitchFamily="18" charset="0"/>
+                </a:endParaRPr>
+              </a:p>
+              <a:p>
+                <a:r>
+                  <a:rPr lang="it-IT" sz="1800" dirty="0">
+                    <a:effectLst/>
+                    <a:latin typeface="Times New Roman" panose="02020603050405020304" pitchFamily="18" charset="0"/>
+                    <a:ea typeface="Times New Roman" panose="02020603050405020304" pitchFamily="18" charset="0"/>
+                  </a:rPr>
+                  <a:t> </a:t>
+                </a:r>
+              </a:p>
+              <a:p>
+                <a:endParaRPr lang="it-IT" dirty="0">
+                  <a:latin typeface="Times New Roman" panose="02020603050405020304" pitchFamily="18" charset="0"/>
+                  <a:ea typeface="Times New Roman" panose="02020603050405020304" pitchFamily="18" charset="0"/>
+                </a:endParaRPr>
+              </a:p>
+              <a:p>
+                <a:r>
+                  <a:rPr lang="it-IT" dirty="0">
+                    <a:latin typeface="Times New Roman" panose="02020603050405020304" pitchFamily="18" charset="0"/>
+                    <a:ea typeface="Times New Roman" panose="02020603050405020304" pitchFamily="18" charset="0"/>
+                  </a:rPr>
+                  <a:t>Non presenta vantaggi rispetto alla strategia standard</a:t>
+                </a:r>
+                <a:endParaRPr lang="it-IT" sz="1800" dirty="0">
+                  <a:effectLst/>
+                  <a:latin typeface="Times New Roman" panose="02020603050405020304" pitchFamily="18" charset="0"/>
+                  <a:ea typeface="Times New Roman" panose="02020603050405020304" pitchFamily="18" charset="0"/>
+                </a:endParaRPr>
+              </a:p>
+            </p:txBody>
+          </p:sp>
+        </mc:Choice>
+        <mc:Fallback>
+          <p:sp>
+            <p:nvSpPr>
+              <p:cNvPr id="12" name="CasellaDiTesto 11">
+                <a:extLst>
+                  <a:ext uri="{FF2B5EF4-FFF2-40B4-BE49-F238E27FC236}">
+                    <a16:creationId xmlns:a16="http://schemas.microsoft.com/office/drawing/2014/main" id="{7C415614-5E2F-6006-D183-91E2E167ED80}"/>
+                  </a:ext>
+                </a:extLst>
+              </p:cNvPr>
+              <p:cNvSpPr txBox="1">
+                <a:spLocks noRot="1" noChangeAspect="1" noMove="1" noResize="1" noEditPoints="1" noAdjustHandles="1" noChangeArrowheads="1" noChangeShapeType="1" noTextEdit="1"/>
+              </p:cNvSpPr>
+              <p:nvPr/>
+            </p:nvSpPr>
+            <p:spPr>
+              <a:xfrm>
+                <a:off x="154494" y="1600200"/>
+                <a:ext cx="4400868" cy="4269567"/>
+              </a:xfrm>
+              <a:prstGeom prst="rect">
+                <a:avLst/>
+              </a:prstGeom>
+              <a:blipFill>
+                <a:blip r:embed="rId4"/>
+                <a:stretch>
+                  <a:fillRect l="-1108" t="-857" b="-1286"/>
+                </a:stretch>
+              </a:blipFill>
+            </p:spPr>
+            <p:txBody>
+              <a:bodyPr/>
+              <a:lstStyle/>
+              <a:p>
+                <a:r>
+                  <a:rPr lang="it-IT">
+                    <a:noFill/>
+                  </a:rPr>
+                  <a:t> </a:t>
+                </a:r>
+              </a:p>
+            </p:txBody>
+          </p:sp>
+        </mc:Fallback>
+      </mc:AlternateContent>
+      <mc:AlternateContent xmlns:mc="http://schemas.openxmlformats.org/markup-compatibility/2006">
+        <mc:Choice xmlns:a14="http://schemas.microsoft.com/office/drawing/2010/main" Requires="a14">
+          <p:sp>
+            <p:nvSpPr>
+              <p:cNvPr id="14" name="CasellaDiTesto 13">
+                <a:extLst>
+                  <a:ext uri="{FF2B5EF4-FFF2-40B4-BE49-F238E27FC236}">
+                    <a16:creationId xmlns:a16="http://schemas.microsoft.com/office/drawing/2014/main" id="{29F06499-BB41-C51F-C91D-41BB9E7D3F7D}"/>
+                  </a:ext>
+                </a:extLst>
+              </p:cNvPr>
+              <p:cNvSpPr txBox="1"/>
+              <p:nvPr/>
+            </p:nvSpPr>
+            <p:spPr>
+              <a:xfrm>
+                <a:off x="152400" y="934610"/>
+                <a:ext cx="8382000" cy="391582"/>
+              </a:xfrm>
+              <a:prstGeom prst="rect">
+                <a:avLst/>
+              </a:prstGeom>
+              <a:noFill/>
+            </p:spPr>
+            <p:txBody>
+              <a:bodyPr wrap="square">
+                <a:spAutoFit/>
+              </a:bodyPr>
+              <a:lstStyle/>
+              <a:p>
+                <a:r>
+                  <a:rPr lang="it-IT" dirty="0">
+                    <a:latin typeface="Times New Roman" panose="02020603050405020304" pitchFamily="18" charset="0"/>
+                    <a:ea typeface="Times New Roman" panose="02020603050405020304" pitchFamily="18" charset="0"/>
+                  </a:rPr>
+                  <a:t>Orbita </a:t>
+                </a:r>
+                <a:r>
+                  <a:rPr lang="it-IT" sz="1800" dirty="0">
+                    <a:effectLst/>
+                    <a:latin typeface="Times New Roman" panose="02020603050405020304" pitchFamily="18" charset="0"/>
+                    <a:ea typeface="Times New Roman" panose="02020603050405020304" pitchFamily="18" charset="0"/>
+                  </a:rPr>
+                  <a:t>circolare ausiliaria </a:t>
+                </a:r>
+                <a14:m>
+                  <m:oMath xmlns:m="http://schemas.openxmlformats.org/officeDocument/2006/math">
+                    <m:sSub>
+                      <m:sSubPr>
+                        <m:ctrlPr>
+                          <a:rPr lang="it-IT" i="1" smtClean="0">
+                            <a:latin typeface="Cambria Math" panose="02040503050406030204" pitchFamily="18" charset="0"/>
+                          </a:rPr>
+                        </m:ctrlPr>
+                      </m:sSubPr>
+                      <m:e>
+                        <m:r>
+                          <a:rPr lang="it-IT" b="0" i="1" smtClean="0">
+                            <a:latin typeface="Cambria Math" panose="02040503050406030204" pitchFamily="18" charset="0"/>
+                          </a:rPr>
+                          <m:t>𝑟</m:t>
+                        </m:r>
+                      </m:e>
+                      <m:sub>
+                        <m:r>
+                          <a:rPr lang="it-IT" b="0" i="1" smtClean="0">
+                            <a:latin typeface="Cambria Math" panose="02040503050406030204" pitchFamily="18" charset="0"/>
+                          </a:rPr>
+                          <m:t>𝑐</m:t>
+                        </m:r>
+                      </m:sub>
+                    </m:sSub>
+                    <m:r>
+                      <a:rPr lang="it-IT" i="1" smtClean="0">
+                        <a:latin typeface="Cambria Math" panose="02040503050406030204" pitchFamily="18" charset="0"/>
+                        <a:ea typeface="Times New Roman" panose="02020603050405020304" pitchFamily="18" charset="0"/>
+                      </a:rPr>
+                      <m:t>=</m:t>
+                    </m:r>
+                    <m:sSub>
+                      <m:sSubPr>
+                        <m:ctrlPr>
+                          <a:rPr lang="it-IT" i="1" smtClean="0">
+                            <a:latin typeface="Cambria Math" panose="02040503050406030204" pitchFamily="18" charset="0"/>
+                          </a:rPr>
+                        </m:ctrlPr>
+                      </m:sSubPr>
+                      <m:e>
+                        <m:r>
+                          <a:rPr lang="it-IT" b="0" i="1" smtClean="0">
+                            <a:latin typeface="Cambria Math" panose="02040503050406030204" pitchFamily="18" charset="0"/>
+                          </a:rPr>
+                          <m:t>𝑟</m:t>
+                        </m:r>
+                      </m:e>
+                      <m:sub>
+                        <m:r>
+                          <a:rPr lang="it-IT" b="0" i="1" smtClean="0">
+                            <a:latin typeface="Cambria Math" panose="02040503050406030204" pitchFamily="18" charset="0"/>
+                          </a:rPr>
+                          <m:t>𝑎𝑓</m:t>
+                        </m:r>
+                      </m:sub>
+                    </m:sSub>
+                    <m:r>
+                      <a:rPr lang="it-IT" b="0" i="1" smtClean="0">
+                        <a:latin typeface="Cambria Math" panose="02040503050406030204" pitchFamily="18" charset="0"/>
+                      </a:rPr>
+                      <m:t> </m:t>
+                    </m:r>
+                  </m:oMath>
+                </a14:m>
+                <a:r>
+                  <a:rPr lang="it-IT" sz="1800" dirty="0">
+                    <a:effectLst/>
+                    <a:latin typeface="Times New Roman" panose="02020603050405020304" pitchFamily="18" charset="0"/>
+                    <a:ea typeface="Times New Roman" panose="02020603050405020304" pitchFamily="18" charset="0"/>
+                  </a:rPr>
+                  <a:t>, no manovra per cambiare l’anomalia del pericentro</a:t>
+                </a:r>
+              </a:p>
+            </p:txBody>
+          </p:sp>
+        </mc:Choice>
+        <mc:Fallback>
+          <p:sp>
+            <p:nvSpPr>
+              <p:cNvPr id="14" name="CasellaDiTesto 13">
+                <a:extLst>
+                  <a:ext uri="{FF2B5EF4-FFF2-40B4-BE49-F238E27FC236}">
+                    <a16:creationId xmlns:a16="http://schemas.microsoft.com/office/drawing/2014/main" id="{29F06499-BB41-C51F-C91D-41BB9E7D3F7D}"/>
+                  </a:ext>
+                </a:extLst>
+              </p:cNvPr>
+              <p:cNvSpPr txBox="1">
+                <a:spLocks noRot="1" noChangeAspect="1" noMove="1" noResize="1" noEditPoints="1" noAdjustHandles="1" noChangeArrowheads="1" noChangeShapeType="1" noTextEdit="1"/>
+              </p:cNvSpPr>
+              <p:nvPr/>
+            </p:nvSpPr>
+            <p:spPr>
+              <a:xfrm>
+                <a:off x="152400" y="934610"/>
+                <a:ext cx="8382000" cy="391582"/>
+              </a:xfrm>
+              <a:prstGeom prst="rect">
+                <a:avLst/>
+              </a:prstGeom>
+              <a:blipFill>
+                <a:blip r:embed="rId5"/>
+                <a:stretch>
+                  <a:fillRect l="-582" t="-7692" b="-16923"/>
+                </a:stretch>
+              </a:blipFill>
+            </p:spPr>
+            <p:txBody>
+              <a:bodyPr/>
+              <a:lstStyle/>
+              <a:p>
+                <a:r>
+                  <a:rPr lang="it-IT">
+                    <a:noFill/>
+                  </a:rPr>
+                  <a:t> </a:t>
+                </a:r>
+              </a:p>
+            </p:txBody>
+          </p:sp>
+        </mc:Fallback>
+      </mc:AlternateContent>
     </p:spTree>
   </p:cSld>
   <p:clrMapOvr>
@@ -3145,10 +6176,10 @@
       </p:sp>
       <p:pic>
         <p:nvPicPr>
-          <p:cNvPr id="5" name="Immagine 4">
+          <p:cNvPr id="6" name="Immagine 5">
             <a:extLst>
               <a:ext uri="{FF2B5EF4-FFF2-40B4-BE49-F238E27FC236}">
-                <a16:creationId xmlns:a16="http://schemas.microsoft.com/office/drawing/2014/main" id="{6C33B58A-B9F8-724A-89B4-A858EAEB8D04}"/>
+                <a16:creationId xmlns:a16="http://schemas.microsoft.com/office/drawing/2014/main" id="{1482A268-846E-C939-4835-0CF5911AA5B4}"/>
               </a:ext>
             </a:extLst>
           </p:cNvPr>
@@ -3157,15 +6188,16 @@
           </p:cNvPicPr>
           <p:nvPr/>
         </p:nvPicPr>
-        <p:blipFill rotWithShape="1">
+        <p:blipFill>
           <a:blip r:embed="rId2"/>
-          <a:srcRect t="13291"/>
-          <a:stretch/>
+          <a:stretch>
+            <a:fillRect/>
+          </a:stretch>
         </p:blipFill>
         <p:spPr>
           <a:xfrm>
-            <a:off x="1511825" y="1447800"/>
-            <a:ext cx="6120349" cy="4513434"/>
+            <a:off x="1943100" y="1143000"/>
+            <a:ext cx="5257800" cy="5058203"/>
           </a:xfrm>
           <a:prstGeom prst="rect">
             <a:avLst/>
@@ -3284,35 +6316,6 @@
           </a:p>
         </p:txBody>
       </p:sp>
-      <p:pic>
-        <p:nvPicPr>
-          <p:cNvPr id="5" name="Immagine 4">
-            <a:extLst>
-              <a:ext uri="{FF2B5EF4-FFF2-40B4-BE49-F238E27FC236}">
-                <a16:creationId xmlns:a16="http://schemas.microsoft.com/office/drawing/2014/main" id="{C4C1089B-5C07-3FE8-5C5A-669D3C144F43}"/>
-              </a:ext>
-            </a:extLst>
-          </p:cNvPr>
-          <p:cNvPicPr>
-            <a:picLocks noChangeAspect="1"/>
-          </p:cNvPicPr>
-          <p:nvPr/>
-        </p:nvPicPr>
-        <p:blipFill rotWithShape="1">
-          <a:blip r:embed="rId2"/>
-          <a:srcRect t="13552"/>
-          <a:stretch/>
-        </p:blipFill>
-        <p:spPr>
-          <a:xfrm>
-            <a:off x="3924028" y="1600200"/>
-            <a:ext cx="4832876" cy="4114800"/>
-          </a:xfrm>
-          <a:prstGeom prst="rect">
-            <a:avLst/>
-          </a:prstGeom>
-        </p:spPr>
-      </p:pic>
       <mc:AlternateContent xmlns:mc="http://schemas.openxmlformats.org/markup-compatibility/2006" xmlns:a14="http://schemas.microsoft.com/office/drawing/2010/main">
         <mc:Choice Requires="a14">
           <p:sp>
@@ -3330,7 +6333,7 @@
             <p:spPr>
               <a:xfrm>
                 <a:off x="387096" y="1337766"/>
-                <a:ext cx="4572000" cy="2170081"/>
+                <a:ext cx="4572000" cy="1939249"/>
               </a:xfrm>
               <a:prstGeom prst="rect">
                 <a:avLst/>
@@ -3348,13 +6351,13 @@
                   <a:buChar char="•"/>
                 </a:pPr>
                 <a:r>
-                  <a:rPr lang="it-IT" sz="1800" dirty="0"/>
+                  <a:rPr lang="it-IT" sz="1600" dirty="0"/>
                   <a:t>Dati assegnati: </a:t>
                 </a:r>
               </a:p>
               <a:p>
                 <a:r>
-                  <a:rPr lang="it-IT" dirty="0"/>
+                  <a:rPr lang="it-IT" sz="1600" dirty="0"/>
                   <a:t>Vettore posizione: </a:t>
                 </a:r>
                 <a14:m>
@@ -3364,7 +6367,7 @@
                         <m:begChr m:val="["/>
                         <m:endChr m:val="]"/>
                         <m:ctrlPr>
-                          <a:rPr lang="it-IT" b="0" i="1" smtClean="0">
+                          <a:rPr lang="it-IT" sz="1600" b="0" i="1" smtClean="0">
                             <a:latin typeface="Cambria Math" panose="02040503050406030204" pitchFamily="18" charset="0"/>
                           </a:rPr>
                         </m:ctrlPr>
@@ -3381,7 +6384,7 @@
                               </m:mc>
                             </m:mcs>
                             <m:ctrlPr>
-                              <a:rPr lang="it-IT" i="1">
+                              <a:rPr lang="it-IT" sz="1600" i="1">
                                 <a:latin typeface="Cambria Math" panose="02040503050406030204" pitchFamily="18" charset="0"/>
                               </a:rPr>
                             </m:ctrlPr>
@@ -3392,13 +6395,13 @@
                                 <m:rPr>
                                   <m:brk m:alnAt="7"/>
                                 </m:rPr>
-                                <a:rPr lang="it-IT" i="1">
+                                <a:rPr lang="it-IT" sz="1600" i="1">
                                   <a:latin typeface="Cambria Math" panose="02040503050406030204" pitchFamily="18" charset="0"/>
                                 </a:rPr>
                                 <m:t>−</m:t>
                               </m:r>
                               <m:r>
-                                <a:rPr lang="it-IT" i="1">
+                                <a:rPr lang="it-IT" sz="1600" i="1">
                                   <a:latin typeface="Cambria Math" panose="02040503050406030204" pitchFamily="18" charset="0"/>
                                 </a:rPr>
                                 <m:t>1169,7791</m:t>
@@ -3408,7 +6411,7 @@
                           <m:mr>
                             <m:e>
                               <m:r>
-                                <a:rPr lang="it-IT" i="1">
+                                <a:rPr lang="it-IT" sz="1600" i="1">
                                   <a:latin typeface="Cambria Math" panose="02040503050406030204" pitchFamily="18" charset="0"/>
                                 </a:rPr>
                                 <m:t>−8344,5289</m:t>
@@ -3418,7 +6421,7 @@
                           <m:mr>
                             <m:e>
                               <m:r>
-                                <a:rPr lang="it-IT" i="1">
+                                <a:rPr lang="it-IT" sz="1600" i="1">
                                   <a:latin typeface="Cambria Math" panose="02040503050406030204" pitchFamily="18" charset="0"/>
                                 </a:rPr>
                                 <m:t>977,8062</m:t>
@@ -3431,13 +6434,13 @@
                   </m:oMath>
                 </a14:m>
                 <a:r>
-                  <a:rPr lang="it-IT" dirty="0"/>
+                  <a:rPr lang="it-IT" sz="1600" dirty="0"/>
                   <a:t> [</a:t>
                 </a:r>
                 <a14:m>
                   <m:oMath xmlns:m="http://schemas.openxmlformats.org/officeDocument/2006/math">
                     <m:r>
-                      <a:rPr lang="it-IT" b="0" i="1" smtClean="0">
+                      <a:rPr lang="it-IT" sz="1600" b="0" i="1" smtClean="0">
                         <a:latin typeface="Cambria Math" panose="02040503050406030204" pitchFamily="18" charset="0"/>
                       </a:rPr>
                       <m:t>𝑘𝑚</m:t>
@@ -3445,16 +6448,16 @@
                   </m:oMath>
                 </a14:m>
                 <a:r>
-                  <a:rPr lang="it-IT" dirty="0"/>
+                  <a:rPr lang="it-IT" sz="1600" dirty="0"/>
                   <a:t>]</a:t>
                 </a:r>
               </a:p>
               <a:p>
-                <a:endParaRPr lang="it-IT" sz="1800" i="1" dirty="0"/>
+                <a:endParaRPr lang="it-IT" sz="1600" i="1" dirty="0"/>
               </a:p>
               <a:p>
                 <a:r>
-                  <a:rPr lang="it-IT" sz="1800" dirty="0"/>
+                  <a:rPr lang="it-IT" sz="1600" dirty="0"/>
                   <a:t>Vettore velocità: </a:t>
                 </a:r>
                 <a14:m>
@@ -3464,7 +6467,7 @@
                         <m:begChr m:val="["/>
                         <m:endChr m:val="]"/>
                         <m:ctrlPr>
-                          <a:rPr lang="it-IT" sz="1800" b="0" i="1" smtClean="0">
+                          <a:rPr lang="it-IT" sz="1600" b="0" i="1" smtClean="0">
                             <a:latin typeface="Cambria Math" panose="02040503050406030204" pitchFamily="18" charset="0"/>
                           </a:rPr>
                         </m:ctrlPr>
@@ -3481,7 +6484,7 @@
                               </m:mc>
                             </m:mcs>
                             <m:ctrlPr>
-                              <a:rPr lang="it-IT" sz="1800" i="1">
+                              <a:rPr lang="it-IT" sz="1600" i="1">
                                 <a:latin typeface="Cambria Math" panose="02040503050406030204" pitchFamily="18" charset="0"/>
                               </a:rPr>
                             </m:ctrlPr>
@@ -3492,13 +6495,13 @@
                                 <m:rPr>
                                   <m:brk m:alnAt="7"/>
                                 </m:rPr>
-                                <a:rPr lang="it-IT" sz="1800" b="0" i="1" smtClean="0">
+                                <a:rPr lang="it-IT" sz="1600" b="0" i="1" smtClean="0">
                                   <a:latin typeface="Cambria Math" panose="02040503050406030204" pitchFamily="18" charset="0"/>
                                 </a:rPr>
                                 <m:t>4</m:t>
                               </m:r>
                               <m:r>
-                                <a:rPr lang="it-IT" sz="1800" b="0" i="1" smtClean="0">
+                                <a:rPr lang="it-IT" sz="1600" b="0" i="1" smtClean="0">
                                   <a:latin typeface="Cambria Math" panose="02040503050406030204" pitchFamily="18" charset="0"/>
                                 </a:rPr>
                                 <m:t>,2770</m:t>
@@ -3508,7 +6511,7 @@
                           <m:mr>
                             <m:e>
                               <m:r>
-                                <a:rPr lang="it-IT" sz="1800" b="0" i="1" smtClean="0">
+                                <a:rPr lang="it-IT" sz="1600" b="0" i="1" smtClean="0">
                                   <a:latin typeface="Cambria Math" panose="02040503050406030204" pitchFamily="18" charset="0"/>
                                 </a:rPr>
                                 <m:t>−1,9310</m:t>
@@ -3518,7 +6521,7 @@
                           <m:mr>
                             <m:e>
                               <m:r>
-                                <a:rPr lang="it-IT" sz="1800" b="0" i="1" smtClean="0">
+                                <a:rPr lang="it-IT" sz="1600" b="0" i="1" smtClean="0">
                                   <a:latin typeface="Cambria Math" panose="02040503050406030204" pitchFamily="18" charset="0"/>
                                 </a:rPr>
                                 <m:t>−4,9330</m:t>
@@ -3531,11 +6534,11 @@
                   </m:oMath>
                 </a14:m>
                 <a:r>
-                  <a:rPr lang="it-IT" sz="1800" dirty="0"/>
+                  <a:rPr lang="it-IT" sz="1600" dirty="0"/>
                   <a:t> </a:t>
                 </a:r>
                 <a:r>
-                  <a:rPr lang="it-IT" sz="2000" dirty="0"/>
+                  <a:rPr lang="it-IT" dirty="0"/>
                   <a:t>[</a:t>
                 </a:r>
                 <a14:m>
@@ -3544,14 +6547,14 @@
                       <m:fPr>
                         <m:type m:val="skw"/>
                         <m:ctrlPr>
-                          <a:rPr lang="it-IT" sz="2000" i="1" smtClean="0">
+                          <a:rPr lang="it-IT" i="1" smtClean="0">
                             <a:latin typeface="Cambria Math" panose="02040503050406030204" pitchFamily="18" charset="0"/>
                           </a:rPr>
                         </m:ctrlPr>
                       </m:fPr>
                       <m:num>
                         <m:r>
-                          <a:rPr lang="it-IT" sz="2000" b="0" i="1" smtClean="0">
+                          <a:rPr lang="it-IT" b="0" i="1" smtClean="0">
                             <a:latin typeface="Cambria Math" panose="02040503050406030204" pitchFamily="18" charset="0"/>
                           </a:rPr>
                           <m:t>𝑘𝑚</m:t>
@@ -3559,7 +6562,7 @@
                       </m:num>
                       <m:den>
                         <m:r>
-                          <a:rPr lang="it-IT" sz="2000" b="0" i="1" smtClean="0">
+                          <a:rPr lang="it-IT" b="0" i="1" smtClean="0">
                             <a:latin typeface="Cambria Math" panose="02040503050406030204" pitchFamily="18" charset="0"/>
                           </a:rPr>
                           <m:t>𝑠</m:t>
@@ -3569,7 +6572,7 @@
                   </m:oMath>
                 </a14:m>
                 <a:r>
-                  <a:rPr lang="it-IT" sz="2000" i="1" dirty="0"/>
+                  <a:rPr lang="it-IT" i="1" dirty="0"/>
                   <a:t>]</a:t>
                 </a:r>
               </a:p>
@@ -3594,15 +6597,15 @@
             <p:spPr>
               <a:xfrm>
                 <a:off x="387096" y="1337766"/>
-                <a:ext cx="4572000" cy="2170081"/>
+                <a:ext cx="4572000" cy="1939249"/>
               </a:xfrm>
               <a:prstGeom prst="rect">
                 <a:avLst/>
               </a:prstGeom>
               <a:blipFill>
-                <a:blip r:embed="rId3"/>
+                <a:blip r:embed="rId2"/>
                 <a:stretch>
-                  <a:fillRect l="-1200" t="-1404"/>
+                  <a:fillRect l="-800" t="-940"/>
                 </a:stretch>
               </a:blipFill>
             </p:spPr>
@@ -3638,7 +6641,7 @@
             <p:spPr>
               <a:xfrm>
                 <a:off x="387096" y="3470976"/>
-                <a:ext cx="4572000" cy="2308324"/>
+                <a:ext cx="4572000" cy="2123658"/>
               </a:xfrm>
               <a:prstGeom prst="rect">
                 <a:avLst/>
@@ -3656,12 +6659,12 @@
                   <a:buChar char="•"/>
                 </a:pPr>
                 <a:r>
-                  <a:rPr lang="it-IT" dirty="0"/>
+                  <a:rPr lang="it-IT" sz="1600" dirty="0"/>
                   <a:t>Dati trovati:</a:t>
                 </a:r>
               </a:p>
               <a:p>
-                <a:endParaRPr lang="it-IT" dirty="0"/>
+                <a:endParaRPr lang="it-IT" sz="1600" dirty="0"/>
               </a:p>
               <a:p>
                 <a:pPr/>
@@ -3674,14 +6677,14 @@
                       <m:sSub>
                         <m:sSubPr>
                           <m:ctrlPr>
-                            <a:rPr lang="it-IT" b="0" i="1" smtClean="0">
+                            <a:rPr lang="it-IT" sz="1600" b="0" i="1" smtClean="0">
                               <a:latin typeface="Cambria Math" panose="02040503050406030204" pitchFamily="18" charset="0"/>
                             </a:rPr>
                           </m:ctrlPr>
                         </m:sSubPr>
                         <m:e>
                           <m:r>
-                            <a:rPr lang="it-IT" b="0" i="1" smtClean="0">
+                            <a:rPr lang="it-IT" sz="1600" b="0" i="1" smtClean="0">
                               <a:latin typeface="Cambria Math" panose="02040503050406030204" pitchFamily="18" charset="0"/>
                             </a:rPr>
                             <m:t>𝑎</m:t>
@@ -3689,7 +6692,7 @@
                         </m:e>
                         <m:sub>
                           <m:r>
-                            <a:rPr lang="it-IT" b="0" i="1" smtClean="0">
+                            <a:rPr lang="it-IT" sz="1600" b="0" i="1" smtClean="0">
                               <a:latin typeface="Cambria Math" panose="02040503050406030204" pitchFamily="18" charset="0"/>
                             </a:rPr>
                             <m:t>𝑖</m:t>
@@ -3697,7 +6700,7 @@
                         </m:sub>
                       </m:sSub>
                       <m:r>
-                        <a:rPr lang="it-IT" b="0" i="1" smtClean="0">
+                        <a:rPr lang="it-IT" sz="1600" b="0" i="1" smtClean="0">
                           <a:latin typeface="Cambria Math" panose="02040503050406030204" pitchFamily="18" charset="0"/>
                         </a:rPr>
                         <m:t>=8,3697 ∗</m:t>
@@ -3705,14 +6708,14 @@
                       <m:sSup>
                         <m:sSupPr>
                           <m:ctrlPr>
-                            <a:rPr lang="it-IT" b="0" i="1" smtClean="0">
+                            <a:rPr lang="it-IT" sz="1600" b="0" i="1" smtClean="0">
                               <a:latin typeface="Cambria Math" panose="02040503050406030204" pitchFamily="18" charset="0"/>
                             </a:rPr>
                           </m:ctrlPr>
                         </m:sSupPr>
                         <m:e>
                           <m:r>
-                            <a:rPr lang="it-IT" b="0" i="1" smtClean="0">
+                            <a:rPr lang="it-IT" sz="1600" b="0" i="1" smtClean="0">
                               <a:latin typeface="Cambria Math" panose="02040503050406030204" pitchFamily="18" charset="0"/>
                             </a:rPr>
                             <m:t>10</m:t>
@@ -3720,7 +6723,7 @@
                         </m:e>
                         <m:sup>
                           <m:r>
-                            <a:rPr lang="it-IT" b="0" i="1" smtClean="0">
+                            <a:rPr lang="it-IT" sz="1600" b="0" i="1" smtClean="0">
                               <a:latin typeface="Cambria Math" panose="02040503050406030204" pitchFamily="18" charset="0"/>
                             </a:rPr>
                             <m:t>3</m:t>
@@ -3728,13 +6731,13 @@
                         </m:sup>
                       </m:sSup>
                       <m:r>
-                        <a:rPr lang="it-IT" b="0" i="1" smtClean="0">
+                        <a:rPr lang="it-IT" sz="1600" b="0" i="1" smtClean="0">
                           <a:latin typeface="Cambria Math" panose="02040503050406030204" pitchFamily="18" charset="0"/>
                         </a:rPr>
                         <m:t> </m:t>
                       </m:r>
                       <m:r>
-                        <a:rPr lang="it-IT" b="0" i="1" smtClean="0">
+                        <a:rPr lang="it-IT" sz="1600" b="0" i="1" smtClean="0">
                           <a:latin typeface="Cambria Math" panose="02040503050406030204" pitchFamily="18" charset="0"/>
                         </a:rPr>
                         <m:t>𝑘𝑚</m:t>
@@ -3742,7 +6745,7 @@
                     </m:oMath>
                   </m:oMathPara>
                 </a14:m>
-                <a:endParaRPr lang="it-IT" b="0" i="1" dirty="0">
+                <a:endParaRPr lang="it-IT" sz="1600" b="0" i="1" dirty="0">
                   <a:latin typeface="Cambria Math" panose="02040503050406030204" pitchFamily="18" charset="0"/>
                 </a:endParaRPr>
               </a:p>
@@ -3757,14 +6760,14 @@
                       <m:sSub>
                         <m:sSubPr>
                           <m:ctrlPr>
-                            <a:rPr lang="it-IT" b="0" i="1" smtClean="0">
+                            <a:rPr lang="it-IT" sz="1600" b="0" i="1" smtClean="0">
                               <a:latin typeface="Cambria Math" panose="02040503050406030204" pitchFamily="18" charset="0"/>
                             </a:rPr>
                           </m:ctrlPr>
                         </m:sSubPr>
                         <m:e>
                           <m:r>
-                            <a:rPr lang="it-IT" i="1">
+                            <a:rPr lang="it-IT" sz="1600" i="1">
                               <a:latin typeface="Cambria Math" panose="02040503050406030204" pitchFamily="18" charset="0"/>
                             </a:rPr>
                             <m:t>𝑒</m:t>
@@ -3772,7 +6775,7 @@
                         </m:e>
                         <m:sub>
                           <m:r>
-                            <a:rPr lang="it-IT" b="0" i="1" smtClean="0">
+                            <a:rPr lang="it-IT" sz="1600" b="0" i="1" smtClean="0">
                               <a:latin typeface="Cambria Math" panose="02040503050406030204" pitchFamily="18" charset="0"/>
                             </a:rPr>
                             <m:t>𝑖</m:t>
@@ -3780,7 +6783,7 @@
                         </m:sub>
                       </m:sSub>
                       <m:r>
-                        <a:rPr lang="it-IT" b="0" i="1" smtClean="0">
+                        <a:rPr lang="it-IT" sz="1600" b="0" i="1" smtClean="0">
                           <a:latin typeface="Cambria Math" panose="02040503050406030204" pitchFamily="18" charset="0"/>
                         </a:rPr>
                         <m:t>=0,1097 </m:t>
@@ -3788,7 +6791,7 @@
                     </m:oMath>
                   </m:oMathPara>
                 </a14:m>
-                <a:endParaRPr lang="it-IT" dirty="0"/>
+                <a:endParaRPr lang="it-IT" sz="1600" dirty="0"/>
               </a:p>
               <a:p>
                 <a:pPr/>
@@ -3801,14 +6804,14 @@
                       <m:sSub>
                         <m:sSubPr>
                           <m:ctrlPr>
-                            <a:rPr lang="it-IT" b="0" i="1" smtClean="0">
+                            <a:rPr lang="it-IT" sz="1600" b="0" i="1" smtClean="0">
                               <a:latin typeface="Cambria Math" panose="02040503050406030204" pitchFamily="18" charset="0"/>
                             </a:rPr>
                           </m:ctrlPr>
                         </m:sSubPr>
                         <m:e>
                           <m:r>
-                            <a:rPr lang="it-IT" i="1">
+                            <a:rPr lang="it-IT" sz="1600" i="1">
                               <a:latin typeface="Cambria Math" panose="02040503050406030204" pitchFamily="18" charset="0"/>
                             </a:rPr>
                             <m:t>𝑖</m:t>
@@ -3816,7 +6819,7 @@
                         </m:e>
                         <m:sub>
                           <m:r>
-                            <a:rPr lang="it-IT" b="0" i="1" smtClean="0">
+                            <a:rPr lang="it-IT" sz="1600" b="0" i="1" smtClean="0">
                               <a:latin typeface="Cambria Math" panose="02040503050406030204" pitchFamily="18" charset="0"/>
                             </a:rPr>
                             <m:t>𝑖</m:t>
@@ -3824,7 +6827,7 @@
                         </m:sub>
                       </m:sSub>
                       <m:r>
-                        <a:rPr lang="it-IT" b="0" i="1" smtClean="0">
+                        <a:rPr lang="it-IT" sz="1600" b="0" i="1" smtClean="0">
                           <a:latin typeface="Cambria Math" panose="02040503050406030204" pitchFamily="18" charset="0"/>
                         </a:rPr>
                         <m:t>=48,6244°</m:t>
@@ -3834,7 +6837,7 @@
                       <m:sSub>
                         <m:sSubPr>
                           <m:ctrlPr>
-                            <a:rPr lang="it-IT" b="0" i="1" smtClean="0">
+                            <a:rPr lang="it-IT" sz="1600" b="0" i="1" smtClean="0">
                               <a:latin typeface="Cambria Math" panose="02040503050406030204" pitchFamily="18" charset="0"/>
                             </a:rPr>
                           </m:ctrlPr>
@@ -3844,7 +6847,7 @@
                             <m:rPr>
                               <m:sty m:val="p"/>
                             </m:rPr>
-                            <a:rPr lang="it-IT" b="0" i="1" smtClean="0">
+                            <a:rPr lang="it-IT" sz="1600" b="0" i="1" smtClean="0">
                               <a:latin typeface="Cambria Math" panose="02040503050406030204" pitchFamily="18" charset="0"/>
                             </a:rPr>
                             <m:t>Ω</m:t>
@@ -3852,7 +6855,7 @@
                         </m:e>
                         <m:sub>
                           <m:r>
-                            <a:rPr lang="it-IT" b="0" i="1" smtClean="0">
+                            <a:rPr lang="it-IT" sz="1600" b="0" i="1" smtClean="0">
                               <a:latin typeface="Cambria Math" panose="02040503050406030204" pitchFamily="18" charset="0"/>
                             </a:rPr>
                             <m:t>𝑖</m:t>
@@ -3860,7 +6863,7 @@
                         </m:sub>
                       </m:sSub>
                       <m:r>
-                        <a:rPr lang="it-IT" b="0" i="1" smtClean="0">
+                        <a:rPr lang="it-IT" sz="1600" b="0" i="1" smtClean="0">
                           <a:latin typeface="Cambria Math" panose="02040503050406030204" pitchFamily="18" charset="0"/>
                         </a:rPr>
                         <m:t>=87,8870°</m:t>
@@ -3868,7 +6871,7 @@
                     </m:oMath>
                   </m:oMathPara>
                 </a14:m>
-                <a:endParaRPr lang="it-IT" b="0" dirty="0"/>
+                <a:endParaRPr lang="it-IT" sz="1600" b="0" dirty="0"/>
               </a:p>
               <a:p>
                 <a:pPr/>
@@ -3881,14 +6884,14 @@
                       <m:sSub>
                         <m:sSubPr>
                           <m:ctrlPr>
-                            <a:rPr lang="it-IT" b="0" i="1" smtClean="0">
+                            <a:rPr lang="it-IT" sz="1600" b="0" i="1" smtClean="0">
                               <a:latin typeface="Cambria Math" panose="02040503050406030204" pitchFamily="18" charset="0"/>
                             </a:rPr>
                           </m:ctrlPr>
                         </m:sSubPr>
                         <m:e>
                           <m:r>
-                            <a:rPr lang="it-IT" b="0" i="1" smtClean="0">
+                            <a:rPr lang="it-IT" sz="1600" b="0" i="1" smtClean="0">
                               <a:latin typeface="Cambria Math" panose="02040503050406030204" pitchFamily="18" charset="0"/>
                             </a:rPr>
                             <m:t>𝜔</m:t>
@@ -3896,7 +6899,7 @@
                         </m:e>
                         <m:sub>
                           <m:r>
-                            <a:rPr lang="it-IT" b="0" i="1" smtClean="0">
+                            <a:rPr lang="it-IT" sz="1600" b="0" i="1" smtClean="0">
                               <a:latin typeface="Cambria Math" panose="02040503050406030204" pitchFamily="18" charset="0"/>
                             </a:rPr>
                             <m:t>𝑖</m:t>
@@ -3904,7 +6907,7 @@
                         </m:sub>
                       </m:sSub>
                       <m:r>
-                        <a:rPr lang="it-IT" b="0" i="1" smtClean="0">
+                        <a:rPr lang="it-IT" sz="1600" b="0" i="1" smtClean="0">
                           <a:latin typeface="Cambria Math" panose="02040503050406030204" pitchFamily="18" charset="0"/>
                         </a:rPr>
                         <m:t>=67,8907°</m:t>
@@ -3912,7 +6915,7 @@
                     </m:oMath>
                   </m:oMathPara>
                 </a14:m>
-                <a:endParaRPr lang="it-IT" b="0" dirty="0"/>
+                <a:endParaRPr lang="it-IT" sz="1600" b="0" dirty="0"/>
               </a:p>
               <a:p>
                 <a:pPr/>
@@ -3925,14 +6928,14 @@
                       <m:sSub>
                         <m:sSubPr>
                           <m:ctrlPr>
-                            <a:rPr lang="it-IT" b="0" i="1" smtClean="0">
+                            <a:rPr lang="it-IT" sz="1600" b="0" i="1" smtClean="0">
                               <a:latin typeface="Cambria Math" panose="02040503050406030204" pitchFamily="18" charset="0"/>
                             </a:rPr>
                           </m:ctrlPr>
                         </m:sSubPr>
                         <m:e>
                           <m:r>
-                            <a:rPr lang="it-IT" b="0" i="1" smtClean="0">
+                            <a:rPr lang="it-IT" sz="1600" b="0" i="1" smtClean="0">
                               <a:latin typeface="Cambria Math" panose="02040503050406030204" pitchFamily="18" charset="0"/>
                             </a:rPr>
                             <m:t>𝜃</m:t>
@@ -3940,7 +6943,7 @@
                         </m:e>
                         <m:sub>
                           <m:r>
-                            <a:rPr lang="it-IT" b="0" i="1" smtClean="0">
+                            <a:rPr lang="it-IT" sz="1600" b="0" i="1" smtClean="0">
                               <a:latin typeface="Cambria Math" panose="02040503050406030204" pitchFamily="18" charset="0"/>
                             </a:rPr>
                             <m:t>𝑖</m:t>
@@ -3948,7 +6951,7 @@
                         </m:sub>
                       </m:sSub>
                       <m:r>
-                        <a:rPr lang="it-IT" b="0" i="1" smtClean="0">
+                        <a:rPr lang="it-IT" sz="1600" b="0" i="1" smtClean="0">
                           <a:latin typeface="Cambria Math" panose="02040503050406030204" pitchFamily="18" charset="0"/>
                         </a:rPr>
                         <m:t>=103,2729°</m:t>
@@ -3956,7 +6959,7 @@
                     </m:oMath>
                   </m:oMathPara>
                 </a14:m>
-                <a:endParaRPr lang="it-IT" b="0" dirty="0"/>
+                <a:endParaRPr lang="it-IT" sz="1600" b="0" dirty="0"/>
               </a:p>
             </p:txBody>
           </p:sp>
@@ -3979,15 +6982,15 @@
             <p:spPr>
               <a:xfrm>
                 <a:off x="387096" y="3470976"/>
-                <a:ext cx="4572000" cy="2308324"/>
+                <a:ext cx="4572000" cy="2123658"/>
               </a:xfrm>
               <a:prstGeom prst="rect">
                 <a:avLst/>
               </a:prstGeom>
               <a:blipFill>
-                <a:blip r:embed="rId4"/>
+                <a:blip r:embed="rId3"/>
                 <a:stretch>
-                  <a:fillRect l="-933" t="-1319"/>
+                  <a:fillRect l="-533" t="-860"/>
                 </a:stretch>
               </a:blipFill>
             </p:spPr>
@@ -4006,6 +7009,36 @@
           </p:sp>
         </mc:Fallback>
       </mc:AlternateContent>
+      <p:pic>
+        <p:nvPicPr>
+          <p:cNvPr id="10" name="Immagine 9">
+            <a:extLst>
+              <a:ext uri="{FF2B5EF4-FFF2-40B4-BE49-F238E27FC236}">
+                <a16:creationId xmlns:a16="http://schemas.microsoft.com/office/drawing/2014/main" id="{74AC0508-FBFB-AB73-7ADF-F2B846EA2380}"/>
+              </a:ext>
+            </a:extLst>
+          </p:cNvPr>
+          <p:cNvPicPr>
+            <a:picLocks noChangeAspect="1"/>
+          </p:cNvPicPr>
+          <p:nvPr/>
+        </p:nvPicPr>
+        <p:blipFill>
+          <a:blip r:embed="rId4"/>
+          <a:stretch>
+            <a:fillRect/>
+          </a:stretch>
+        </p:blipFill>
+        <p:spPr>
+          <a:xfrm>
+            <a:off x="3955660" y="1070469"/>
+            <a:ext cx="4791412" cy="4801014"/>
+          </a:xfrm>
+          <a:prstGeom prst="rect">
+            <a:avLst/>
+          </a:prstGeom>
+        </p:spPr>
+      </p:pic>
     </p:spTree>
   </p:cSld>
   <p:clrMapOvr>
@@ -4135,7 +7168,7 @@
             <p:spPr>
               <a:xfrm>
                 <a:off x="240570" y="1356021"/>
-                <a:ext cx="4572000" cy="2471831"/>
+                <a:ext cx="4572000" cy="2251065"/>
               </a:xfrm>
               <a:prstGeom prst="rect">
                 <a:avLst/>
@@ -4153,7 +7186,7 @@
                   <a:buChar char="•"/>
                 </a:pPr>
                 <a:r>
-                  <a:rPr lang="it-IT" dirty="0">
+                  <a:rPr lang="it-IT" sz="1600" dirty="0">
                     <a:latin typeface="Arial" panose="020B0604020202020204" pitchFamily="34" charset="0"/>
                     <a:cs typeface="Arial" panose="020B0604020202020204" pitchFamily="34" charset="0"/>
                   </a:rPr>
@@ -4161,7 +7194,7 @@
                 </a:r>
               </a:p>
               <a:p>
-                <a:endParaRPr lang="it-IT" dirty="0"/>
+                <a:endParaRPr lang="it-IT" sz="1600" dirty="0"/>
               </a:p>
               <a:p>
                 <a:pPr/>
@@ -4174,14 +7207,14 @@
                       <m:sSub>
                         <m:sSubPr>
                           <m:ctrlPr>
-                            <a:rPr lang="it-IT" b="0" i="1" smtClean="0">
+                            <a:rPr lang="it-IT" sz="1600" b="0" i="1" smtClean="0">
                               <a:latin typeface="Cambria Math" panose="02040503050406030204" pitchFamily="18" charset="0"/>
                             </a:rPr>
                           </m:ctrlPr>
                         </m:sSubPr>
                         <m:e>
                           <m:r>
-                            <a:rPr lang="it-IT" b="0" i="1" smtClean="0">
+                            <a:rPr lang="it-IT" sz="1600" b="0" i="1" smtClean="0">
                               <a:latin typeface="Cambria Math" panose="02040503050406030204" pitchFamily="18" charset="0"/>
                             </a:rPr>
                             <m:t>𝑎</m:t>
@@ -4189,7 +7222,7 @@
                         </m:e>
                         <m:sub>
                           <m:r>
-                            <a:rPr lang="it-IT" b="0" i="1" smtClean="0">
+                            <a:rPr lang="it-IT" sz="1600" b="0" i="1" smtClean="0">
                               <a:latin typeface="Cambria Math" panose="02040503050406030204" pitchFamily="18" charset="0"/>
                             </a:rPr>
                             <m:t>𝑓</m:t>
@@ -4197,7 +7230,7 @@
                         </m:sub>
                       </m:sSub>
                       <m:r>
-                        <a:rPr lang="it-IT" b="0" i="1" smtClean="0">
+                        <a:rPr lang="it-IT" sz="1600" b="0" i="1" smtClean="0">
                           <a:latin typeface="Cambria Math" panose="02040503050406030204" pitchFamily="18" charset="0"/>
                         </a:rPr>
                         <m:t>=1,0860 ∗</m:t>
@@ -4205,14 +7238,14 @@
                       <m:sSup>
                         <m:sSupPr>
                           <m:ctrlPr>
-                            <a:rPr lang="it-IT" b="0" i="1" smtClean="0">
+                            <a:rPr lang="it-IT" sz="1600" b="0" i="1" smtClean="0">
                               <a:latin typeface="Cambria Math" panose="02040503050406030204" pitchFamily="18" charset="0"/>
                             </a:rPr>
                           </m:ctrlPr>
                         </m:sSupPr>
                         <m:e>
                           <m:r>
-                            <a:rPr lang="it-IT" b="0" i="1" smtClean="0">
+                            <a:rPr lang="it-IT" sz="1600" b="0" i="1" smtClean="0">
                               <a:latin typeface="Cambria Math" panose="02040503050406030204" pitchFamily="18" charset="0"/>
                             </a:rPr>
                             <m:t>10</m:t>
@@ -4220,7 +7253,7 @@
                         </m:e>
                         <m:sup>
                           <m:r>
-                            <a:rPr lang="it-IT" b="0" i="1" smtClean="0">
+                            <a:rPr lang="it-IT" sz="1600" b="0" i="1" smtClean="0">
                               <a:latin typeface="Cambria Math" panose="02040503050406030204" pitchFamily="18" charset="0"/>
                             </a:rPr>
                             <m:t>4</m:t>
@@ -4228,13 +7261,13 @@
                         </m:sup>
                       </m:sSup>
                       <m:r>
-                        <a:rPr lang="it-IT" b="0" i="1" smtClean="0">
+                        <a:rPr lang="it-IT" sz="1600" b="0" i="1" smtClean="0">
                           <a:latin typeface="Cambria Math" panose="02040503050406030204" pitchFamily="18" charset="0"/>
                         </a:rPr>
                         <m:t> </m:t>
                       </m:r>
                       <m:r>
-                        <a:rPr lang="it-IT" b="0" i="1" smtClean="0">
+                        <a:rPr lang="it-IT" sz="1600" b="0" i="1" smtClean="0">
                           <a:latin typeface="Cambria Math" panose="02040503050406030204" pitchFamily="18" charset="0"/>
                         </a:rPr>
                         <m:t>𝑘𝑚</m:t>
@@ -4242,7 +7275,7 @@
                     </m:oMath>
                   </m:oMathPara>
                 </a14:m>
-                <a:endParaRPr lang="it-IT" b="0" i="1" dirty="0">
+                <a:endParaRPr lang="it-IT" sz="1600" b="0" i="1" dirty="0">
                   <a:latin typeface="Cambria Math" panose="02040503050406030204" pitchFamily="18" charset="0"/>
                 </a:endParaRPr>
               </a:p>
@@ -4257,14 +7290,14 @@
                       <m:sSub>
                         <m:sSubPr>
                           <m:ctrlPr>
-                            <a:rPr lang="it-IT" b="0" i="1" smtClean="0">
+                            <a:rPr lang="it-IT" sz="1600" b="0" i="1" smtClean="0">
                               <a:latin typeface="Cambria Math" panose="02040503050406030204" pitchFamily="18" charset="0"/>
                             </a:rPr>
                           </m:ctrlPr>
                         </m:sSubPr>
                         <m:e>
                           <m:r>
-                            <a:rPr lang="it-IT" i="1">
+                            <a:rPr lang="it-IT" sz="1600" i="1">
                               <a:latin typeface="Cambria Math" panose="02040503050406030204" pitchFamily="18" charset="0"/>
                             </a:rPr>
                             <m:t>𝑒</m:t>
@@ -4272,7 +7305,7 @@
                         </m:e>
                         <m:sub>
                           <m:r>
-                            <a:rPr lang="it-IT" b="0" i="1" smtClean="0">
+                            <a:rPr lang="it-IT" sz="1600" b="0" i="1" smtClean="0">
                               <a:latin typeface="Cambria Math" panose="02040503050406030204" pitchFamily="18" charset="0"/>
                             </a:rPr>
                             <m:t>𝑓</m:t>
@@ -4280,7 +7313,7 @@
                         </m:sub>
                       </m:sSub>
                       <m:r>
-                        <a:rPr lang="it-IT" b="0" i="1" smtClean="0">
+                        <a:rPr lang="it-IT" sz="1600" b="0" i="1" smtClean="0">
                           <a:latin typeface="Cambria Math" panose="02040503050406030204" pitchFamily="18" charset="0"/>
                         </a:rPr>
                         <m:t>=0,2332 </m:t>
@@ -4288,7 +7321,7 @@
                     </m:oMath>
                   </m:oMathPara>
                 </a14:m>
-                <a:endParaRPr lang="it-IT" dirty="0"/>
+                <a:endParaRPr lang="it-IT" sz="1600" dirty="0"/>
               </a:p>
               <a:p>
                 <a:pPr/>
@@ -4301,14 +7334,14 @@
                       <m:sSub>
                         <m:sSubPr>
                           <m:ctrlPr>
-                            <a:rPr lang="it-IT" b="0" i="1" smtClean="0">
+                            <a:rPr lang="it-IT" sz="1600" b="0" i="1" smtClean="0">
                               <a:latin typeface="Cambria Math" panose="02040503050406030204" pitchFamily="18" charset="0"/>
                             </a:rPr>
                           </m:ctrlPr>
                         </m:sSubPr>
                         <m:e>
                           <m:r>
-                            <a:rPr lang="it-IT" i="1">
+                            <a:rPr lang="it-IT" sz="1600" i="1">
                               <a:latin typeface="Cambria Math" panose="02040503050406030204" pitchFamily="18" charset="0"/>
                             </a:rPr>
                             <m:t>𝑖</m:t>
@@ -4316,7 +7349,7 @@
                         </m:e>
                         <m:sub>
                           <m:r>
-                            <a:rPr lang="it-IT" b="0" i="1" smtClean="0">
+                            <a:rPr lang="it-IT" sz="1600" b="0" i="1" smtClean="0">
                               <a:latin typeface="Cambria Math" panose="02040503050406030204" pitchFamily="18" charset="0"/>
                             </a:rPr>
                             <m:t>𝑓</m:t>
@@ -4324,7 +7357,7 @@
                         </m:sub>
                       </m:sSub>
                       <m:r>
-                        <a:rPr lang="it-IT" b="0" i="1" smtClean="0">
+                        <a:rPr lang="it-IT" sz="1600" b="0" i="1" smtClean="0">
                           <a:latin typeface="Cambria Math" panose="02040503050406030204" pitchFamily="18" charset="0"/>
                         </a:rPr>
                         <m:t>=30,2751°</m:t>
@@ -4334,7 +7367,7 @@
                       <m:sSub>
                         <m:sSubPr>
                           <m:ctrlPr>
-                            <a:rPr lang="it-IT" b="0" i="1" smtClean="0">
+                            <a:rPr lang="it-IT" sz="1600" b="0" i="1" smtClean="0">
                               <a:latin typeface="Cambria Math" panose="02040503050406030204" pitchFamily="18" charset="0"/>
                             </a:rPr>
                           </m:ctrlPr>
@@ -4344,7 +7377,7 @@
                             <m:rPr>
                               <m:sty m:val="p"/>
                             </m:rPr>
-                            <a:rPr lang="it-IT" b="0" i="1" smtClean="0">
+                            <a:rPr lang="it-IT" sz="1600" b="0" i="1" smtClean="0">
                               <a:latin typeface="Cambria Math" panose="02040503050406030204" pitchFamily="18" charset="0"/>
                             </a:rPr>
                             <m:t>Ω</m:t>
@@ -4352,7 +7385,7 @@
                         </m:e>
                         <m:sub>
                           <m:r>
-                            <a:rPr lang="it-IT" b="0" i="1" smtClean="0">
+                            <a:rPr lang="it-IT" sz="1600" b="0" i="1" smtClean="0">
                               <a:latin typeface="Cambria Math" panose="02040503050406030204" pitchFamily="18" charset="0"/>
                             </a:rPr>
                             <m:t>𝑓</m:t>
@@ -4360,7 +7393,7 @@
                         </m:sub>
                       </m:sSub>
                       <m:r>
-                        <a:rPr lang="it-IT" b="0" i="1" smtClean="0">
+                        <a:rPr lang="it-IT" sz="1600" b="0" i="1" smtClean="0">
                           <a:latin typeface="Cambria Math" panose="02040503050406030204" pitchFamily="18" charset="0"/>
                         </a:rPr>
                         <m:t>=173,2051°</m:t>
@@ -4368,7 +7401,7 @@
                     </m:oMath>
                   </m:oMathPara>
                 </a14:m>
-                <a:endParaRPr lang="it-IT" b="0" dirty="0"/>
+                <a:endParaRPr lang="it-IT" sz="1600" b="0" dirty="0"/>
               </a:p>
               <a:p>
                 <a:pPr/>
@@ -4381,14 +7414,14 @@
                       <m:sSub>
                         <m:sSubPr>
                           <m:ctrlPr>
-                            <a:rPr lang="it-IT" b="0" i="1" smtClean="0">
+                            <a:rPr lang="it-IT" sz="1600" b="0" i="1" smtClean="0">
                               <a:latin typeface="Cambria Math" panose="02040503050406030204" pitchFamily="18" charset="0"/>
                             </a:rPr>
                           </m:ctrlPr>
                         </m:sSubPr>
                         <m:e>
                           <m:r>
-                            <a:rPr lang="it-IT" b="0" i="1" smtClean="0">
+                            <a:rPr lang="it-IT" sz="1600" b="0" i="1" smtClean="0">
                               <a:latin typeface="Cambria Math" panose="02040503050406030204" pitchFamily="18" charset="0"/>
                             </a:rPr>
                             <m:t>𝜔</m:t>
@@ -4396,7 +7429,7 @@
                         </m:e>
                         <m:sub>
                           <m:r>
-                            <a:rPr lang="it-IT" b="0" i="1" smtClean="0">
+                            <a:rPr lang="it-IT" sz="1600" b="0" i="1" smtClean="0">
                               <a:latin typeface="Cambria Math" panose="02040503050406030204" pitchFamily="18" charset="0"/>
                             </a:rPr>
                             <m:t>𝑓</m:t>
@@ -4404,7 +7437,7 @@
                         </m:sub>
                       </m:sSub>
                       <m:r>
-                        <a:rPr lang="it-IT" b="0" i="1" smtClean="0">
+                        <a:rPr lang="it-IT" sz="1600" b="0" i="1" smtClean="0">
                           <a:latin typeface="Cambria Math" panose="02040503050406030204" pitchFamily="18" charset="0"/>
                         </a:rPr>
                         <m:t>=24,6315°</m:t>
@@ -4412,7 +7445,7 @@
                     </m:oMath>
                   </m:oMathPara>
                 </a14:m>
-                <a:endParaRPr lang="it-IT" b="0" dirty="0"/>
+                <a:endParaRPr lang="it-IT" sz="1600" b="0" dirty="0"/>
               </a:p>
               <a:p>
                 <a:pPr/>
@@ -4425,14 +7458,14 @@
                       <m:sSub>
                         <m:sSubPr>
                           <m:ctrlPr>
-                            <a:rPr lang="it-IT" b="0" i="1" smtClean="0">
+                            <a:rPr lang="it-IT" sz="1600" b="0" i="1" smtClean="0">
                               <a:latin typeface="Cambria Math" panose="02040503050406030204" pitchFamily="18" charset="0"/>
                             </a:rPr>
                           </m:ctrlPr>
                         </m:sSubPr>
                         <m:e>
                           <m:r>
-                            <a:rPr lang="it-IT" b="0" i="1" smtClean="0">
+                            <a:rPr lang="it-IT" sz="1600" b="0" i="1" smtClean="0">
                               <a:latin typeface="Cambria Math" panose="02040503050406030204" pitchFamily="18" charset="0"/>
                             </a:rPr>
                             <m:t>𝜃</m:t>
@@ -4440,7 +7473,7 @@
                         </m:e>
                         <m:sub>
                           <m:r>
-                            <a:rPr lang="it-IT" b="0" i="1" smtClean="0">
+                            <a:rPr lang="it-IT" sz="1600" b="0" i="1" smtClean="0">
                               <a:latin typeface="Cambria Math" panose="02040503050406030204" pitchFamily="18" charset="0"/>
                             </a:rPr>
                             <m:t>𝑓</m:t>
@@ -4448,7 +7481,7 @@
                         </m:sub>
                       </m:sSub>
                       <m:r>
-                        <a:rPr lang="it-IT" b="0" i="1" smtClean="0">
+                        <a:rPr lang="it-IT" sz="1600" b="0" i="1" smtClean="0">
                           <a:latin typeface="Cambria Math" panose="02040503050406030204" pitchFamily="18" charset="0"/>
                         </a:rPr>
                         <m:t>=18,9993°</m:t>
@@ -4456,7 +7489,7 @@
                     </m:oMath>
                   </m:oMathPara>
                 </a14:m>
-                <a:endParaRPr lang="it-IT" b="0" dirty="0"/>
+                <a:endParaRPr lang="it-IT" sz="1600" b="0" dirty="0"/>
               </a:p>
             </p:txBody>
           </p:sp>
@@ -4479,7 +7512,7 @@
             <p:spPr>
               <a:xfrm>
                 <a:off x="240570" y="1356021"/>
-                <a:ext cx="4572000" cy="2471831"/>
+                <a:ext cx="4572000" cy="2251065"/>
               </a:xfrm>
               <a:prstGeom prst="rect">
                 <a:avLst/>
@@ -4487,7 +7520,7 @@
               <a:blipFill>
                 <a:blip r:embed="rId2"/>
                 <a:stretch>
-                  <a:fillRect l="-800" t="-1232"/>
+                  <a:fillRect l="-533" t="-811"/>
                 </a:stretch>
               </a:blipFill>
             </p:spPr>
@@ -4523,7 +7556,7 @@
             <p:spPr>
               <a:xfrm>
                 <a:off x="240570" y="3891464"/>
-                <a:ext cx="4572000" cy="2170081"/>
+                <a:ext cx="4572000" cy="1939249"/>
               </a:xfrm>
               <a:prstGeom prst="rect">
                 <a:avLst/>
@@ -4541,13 +7574,13 @@
                   <a:buChar char="•"/>
                 </a:pPr>
                 <a:r>
-                  <a:rPr lang="it-IT" sz="1800" dirty="0"/>
+                  <a:rPr lang="it-IT" sz="1600" dirty="0"/>
                   <a:t>Dati trovati: </a:t>
                 </a:r>
               </a:p>
               <a:p>
                 <a:r>
-                  <a:rPr lang="it-IT" sz="1800" dirty="0"/>
+                  <a:rPr lang="it-IT" sz="1600" dirty="0"/>
                   <a:t>Vettore posizione: </a:t>
                 </a:r>
                 <a14:m>
@@ -4557,7 +7590,7 @@
                         <m:begChr m:val="["/>
                         <m:endChr m:val="]"/>
                         <m:ctrlPr>
-                          <a:rPr lang="it-IT" sz="1800" b="0" i="1" smtClean="0">
+                          <a:rPr lang="it-IT" sz="1600" b="0" i="1" smtClean="0">
                             <a:latin typeface="Cambria Math" panose="02040503050406030204" pitchFamily="18" charset="0"/>
                           </a:rPr>
                         </m:ctrlPr>
@@ -4574,7 +7607,7 @@
                               </m:mc>
                             </m:mcs>
                             <m:ctrlPr>
-                              <a:rPr lang="it-IT" sz="1800" i="1">
+                              <a:rPr lang="it-IT" sz="1600" i="1">
                                 <a:latin typeface="Cambria Math" panose="02040503050406030204" pitchFamily="18" charset="0"/>
                               </a:rPr>
                             </m:ctrlPr>
@@ -4585,13 +7618,13 @@
                                 <m:rPr>
                                   <m:brk m:alnAt="7"/>
                                 </m:rPr>
-                                <a:rPr lang="it-IT" sz="1800" b="0" i="1" smtClean="0">
+                                <a:rPr lang="it-IT" sz="1600" b="0" i="1" smtClean="0">
                                   <a:latin typeface="Cambria Math" panose="02040503050406030204" pitchFamily="18" charset="0"/>
                                 </a:rPr>
                                 <m:t>−</m:t>
                               </m:r>
                               <m:r>
-                                <a:rPr lang="it-IT" sz="1800" b="0" i="1" smtClean="0">
+                                <a:rPr lang="it-IT" sz="1600" b="0" i="1" smtClean="0">
                                   <a:latin typeface="Cambria Math" panose="02040503050406030204" pitchFamily="18" charset="0"/>
                                 </a:rPr>
                                 <m:t>6640,6140</m:t>
@@ -4601,7 +7634,7 @@
                           <m:mr>
                             <m:e>
                               <m:r>
-                                <a:rPr lang="it-IT" sz="1800" b="0" i="1" smtClean="0">
+                                <a:rPr lang="it-IT" sz="1600" b="0" i="1" smtClean="0">
                                   <a:latin typeface="Cambria Math" panose="02040503050406030204" pitchFamily="18" charset="0"/>
                                 </a:rPr>
                                 <m:t>−4258,2138</m:t>
@@ -4611,7 +7644,7 @@
                           <m:mr>
                             <m:e>
                               <m:r>
-                                <a:rPr lang="it-IT" sz="1800" b="0" i="1" smtClean="0">
+                                <a:rPr lang="it-IT" sz="1600" b="0" i="1" smtClean="0">
                                   <a:latin typeface="Cambria Math" panose="02040503050406030204" pitchFamily="18" charset="0"/>
                                 </a:rPr>
                                 <m:t>2927,01450</m:t>
@@ -4624,13 +7657,13 @@
                   </m:oMath>
                 </a14:m>
                 <a:r>
-                  <a:rPr lang="it-IT" sz="1800" dirty="0"/>
+                  <a:rPr lang="it-IT" sz="1600" dirty="0"/>
                   <a:t> [</a:t>
                 </a:r>
                 <a14:m>
                   <m:oMath xmlns:m="http://schemas.openxmlformats.org/officeDocument/2006/math">
                     <m:r>
-                      <a:rPr lang="it-IT" sz="1800" b="0" i="1" smtClean="0">
+                      <a:rPr lang="it-IT" sz="1600" b="0" i="1" smtClean="0">
                         <a:latin typeface="Cambria Math" panose="02040503050406030204" pitchFamily="18" charset="0"/>
                       </a:rPr>
                       <m:t>𝑘𝑚</m:t>
@@ -4638,16 +7671,16 @@
                   </m:oMath>
                 </a14:m>
                 <a:r>
-                  <a:rPr lang="it-IT" sz="1800" dirty="0"/>
+                  <a:rPr lang="it-IT" sz="1600" dirty="0"/>
                   <a:t>]</a:t>
                 </a:r>
               </a:p>
               <a:p>
-                <a:endParaRPr lang="it-IT" sz="1800" i="1" dirty="0"/>
+                <a:endParaRPr lang="it-IT" sz="1600" i="1" dirty="0"/>
               </a:p>
               <a:p>
                 <a:r>
-                  <a:rPr lang="it-IT" sz="1800" dirty="0"/>
+                  <a:rPr lang="it-IT" sz="1600" dirty="0"/>
                   <a:t>Vettore velocità: </a:t>
                 </a:r>
                 <a14:m>
@@ -4657,7 +7690,7 @@
                         <m:begChr m:val="["/>
                         <m:endChr m:val="]"/>
                         <m:ctrlPr>
-                          <a:rPr lang="it-IT" sz="1800" b="0" i="1" smtClean="0">
+                          <a:rPr lang="it-IT" sz="1600" b="0" i="1" smtClean="0">
                             <a:latin typeface="Cambria Math" panose="02040503050406030204" pitchFamily="18" charset="0"/>
                           </a:rPr>
                         </m:ctrlPr>
@@ -4674,7 +7707,7 @@
                               </m:mc>
                             </m:mcs>
                             <m:ctrlPr>
-                              <a:rPr lang="it-IT" sz="1800" i="1">
+                              <a:rPr lang="it-IT" sz="1600" i="1">
                                 <a:latin typeface="Cambria Math" panose="02040503050406030204" pitchFamily="18" charset="0"/>
                               </a:rPr>
                             </m:ctrlPr>
@@ -4685,13 +7718,13 @@
                                 <m:rPr>
                                   <m:brk m:alnAt="7"/>
                                 </m:rPr>
-                                <a:rPr lang="it-IT" sz="1800" b="0" i="1" smtClean="0">
+                                <a:rPr lang="it-IT" sz="1600" b="0" i="1" smtClean="0">
                                   <a:latin typeface="Cambria Math" panose="02040503050406030204" pitchFamily="18" charset="0"/>
                                 </a:rPr>
                                 <m:t>4</m:t>
                               </m:r>
                               <m:r>
-                                <a:rPr lang="it-IT" sz="1800" b="0" i="1" smtClean="0">
+                                <a:rPr lang="it-IT" sz="1600" b="0" i="1" smtClean="0">
                                   <a:latin typeface="Cambria Math" panose="02040503050406030204" pitchFamily="18" charset="0"/>
                                 </a:rPr>
                                 <m:t>,2742</m:t>
@@ -4701,7 +7734,7 @@
                           <m:mr>
                             <m:e>
                               <m:r>
-                                <a:rPr lang="it-IT" sz="1800" b="0" i="1" smtClean="0">
+                                <a:rPr lang="it-IT" sz="1600" b="0" i="1" smtClean="0">
                                   <a:latin typeface="Cambria Math" panose="02040503050406030204" pitchFamily="18" charset="0"/>
                                 </a:rPr>
                                 <m:t>−5,5797</m:t>
@@ -4711,7 +7744,7 @@
                           <m:mr>
                             <m:e>
                               <m:r>
-                                <a:rPr lang="it-IT" sz="1800" b="0" i="1" smtClean="0">
+                                <a:rPr lang="it-IT" sz="1600" b="0" i="1" smtClean="0">
                                   <a:latin typeface="Cambria Math" panose="02040503050406030204" pitchFamily="18" charset="0"/>
                                 </a:rPr>
                                 <m:t>2,9392</m:t>
@@ -4724,11 +7757,11 @@
                   </m:oMath>
                 </a14:m>
                 <a:r>
-                  <a:rPr lang="it-IT" sz="1800" dirty="0"/>
+                  <a:rPr lang="it-IT" sz="1600" dirty="0"/>
                   <a:t> </a:t>
                 </a:r>
                 <a:r>
-                  <a:rPr lang="it-IT" sz="2000" dirty="0"/>
+                  <a:rPr lang="it-IT" dirty="0"/>
                   <a:t>[</a:t>
                 </a:r>
                 <a14:m>
@@ -4737,14 +7770,14 @@
                       <m:fPr>
                         <m:type m:val="skw"/>
                         <m:ctrlPr>
-                          <a:rPr lang="it-IT" sz="2000" i="1" smtClean="0">
+                          <a:rPr lang="it-IT" i="1" smtClean="0">
                             <a:latin typeface="Cambria Math" panose="02040503050406030204" pitchFamily="18" charset="0"/>
                           </a:rPr>
                         </m:ctrlPr>
                       </m:fPr>
                       <m:num>
                         <m:r>
-                          <a:rPr lang="it-IT" sz="2000" b="0" i="1" smtClean="0">
+                          <a:rPr lang="it-IT" b="0" i="1" smtClean="0">
                             <a:latin typeface="Cambria Math" panose="02040503050406030204" pitchFamily="18" charset="0"/>
                           </a:rPr>
                           <m:t>𝑘𝑚</m:t>
@@ -4752,7 +7785,7 @@
                       </m:num>
                       <m:den>
                         <m:r>
-                          <a:rPr lang="it-IT" sz="2000" b="0" i="1" smtClean="0">
+                          <a:rPr lang="it-IT" b="0" i="1" smtClean="0">
                             <a:latin typeface="Cambria Math" panose="02040503050406030204" pitchFamily="18" charset="0"/>
                           </a:rPr>
                           <m:t>𝑠</m:t>
@@ -4762,7 +7795,7 @@
                   </m:oMath>
                 </a14:m>
                 <a:r>
-                  <a:rPr lang="it-IT" sz="2000" i="1" dirty="0"/>
+                  <a:rPr lang="it-IT" i="1" dirty="0"/>
                   <a:t>]</a:t>
                 </a:r>
               </a:p>
@@ -4787,7 +7820,7 @@
             <p:spPr>
               <a:xfrm>
                 <a:off x="240570" y="3891464"/>
-                <a:ext cx="4572000" cy="2170081"/>
+                <a:ext cx="4572000" cy="1939249"/>
               </a:xfrm>
               <a:prstGeom prst="rect">
                 <a:avLst/>
@@ -4795,7 +7828,7 @@
               <a:blipFill>
                 <a:blip r:embed="rId3"/>
                 <a:stretch>
-                  <a:fillRect l="-1067" t="-1404"/>
+                  <a:fillRect l="-667" t="-943"/>
                 </a:stretch>
               </a:blipFill>
             </p:spPr>
@@ -4816,10 +7849,10 @@
       </mc:AlternateContent>
       <p:pic>
         <p:nvPicPr>
-          <p:cNvPr id="7" name="Immagine 6">
+          <p:cNvPr id="5" name="Immagine 4">
             <a:extLst>
               <a:ext uri="{FF2B5EF4-FFF2-40B4-BE49-F238E27FC236}">
-                <a16:creationId xmlns:a16="http://schemas.microsoft.com/office/drawing/2014/main" id="{15B141F8-1735-C928-561E-2F9DE7FB1D4E}"/>
+                <a16:creationId xmlns:a16="http://schemas.microsoft.com/office/drawing/2014/main" id="{FB3E9A0A-371A-FF29-3BA8-546301E6E836}"/>
               </a:ext>
             </a:extLst>
           </p:cNvPr>
@@ -4828,15 +7861,16 @@
           </p:cNvPicPr>
           <p:nvPr/>
         </p:nvPicPr>
-        <p:blipFill rotWithShape="1">
+        <p:blipFill>
           <a:blip r:embed="rId4"/>
-          <a:srcRect t="8502"/>
-          <a:stretch/>
+          <a:stretch>
+            <a:fillRect/>
+          </a:stretch>
         </p:blipFill>
         <p:spPr>
           <a:xfrm>
-            <a:off x="4038600" y="1292409"/>
-            <a:ext cx="5105400" cy="4273181"/>
+            <a:off x="3858866" y="1076324"/>
+            <a:ext cx="5081436" cy="4754389"/>
           </a:xfrm>
           <a:prstGeom prst="rect">
             <a:avLst/>
@@ -4957,10 +7991,10 @@
       </p:sp>
       <p:pic>
         <p:nvPicPr>
-          <p:cNvPr id="5" name="Immagine 4">
+          <p:cNvPr id="6" name="Immagine 5">
             <a:extLst>
               <a:ext uri="{FF2B5EF4-FFF2-40B4-BE49-F238E27FC236}">
-                <a16:creationId xmlns:a16="http://schemas.microsoft.com/office/drawing/2014/main" id="{3B7658AD-6357-64AA-4C0A-C4B7E0A08F02}"/>
+                <a16:creationId xmlns:a16="http://schemas.microsoft.com/office/drawing/2014/main" id="{A9DABDB8-37CE-B152-373F-2881A1487917}"/>
               </a:ext>
             </a:extLst>
           </p:cNvPr>
@@ -4977,14 +8011,867 @@
         </p:blipFill>
         <p:spPr>
           <a:xfrm>
-            <a:off x="3276600" y="1117547"/>
-            <a:ext cx="5330831" cy="4622905"/>
+            <a:off x="3495947" y="1066800"/>
+            <a:ext cx="5353345" cy="4648200"/>
           </a:xfrm>
           <a:prstGeom prst="rect">
             <a:avLst/>
           </a:prstGeom>
         </p:spPr>
       </p:pic>
+      <p:sp>
+        <p:nvSpPr>
+          <p:cNvPr id="5" name="CasellaDiTesto 4">
+            <a:extLst>
+              <a:ext uri="{FF2B5EF4-FFF2-40B4-BE49-F238E27FC236}">
+                <a16:creationId xmlns:a16="http://schemas.microsoft.com/office/drawing/2014/main" id="{D1D4D574-4816-B95E-EB2C-8B6B8A72F914}"/>
+              </a:ext>
+            </a:extLst>
+          </p:cNvPr>
+          <p:cNvSpPr txBox="1"/>
+          <p:nvPr/>
+        </p:nvSpPr>
+        <p:spPr>
+          <a:xfrm>
+            <a:off x="438483" y="1465733"/>
+            <a:ext cx="3545489" cy="1815882"/>
+          </a:xfrm>
+          <a:prstGeom prst="rect">
+            <a:avLst/>
+          </a:prstGeom>
+          <a:noFill/>
+        </p:spPr>
+        <p:txBody>
+          <a:bodyPr wrap="square">
+            <a:spAutoFit/>
+          </a:bodyPr>
+          <a:lstStyle/>
+          <a:p>
+            <a:r>
+              <a:rPr lang="it-IT" sz="1600" dirty="0">
+                <a:effectLst/>
+                <a:latin typeface="Times New Roman" panose="02020603050405020304" pitchFamily="18" charset="0"/>
+                <a:ea typeface="Times New Roman" panose="02020603050405020304" pitchFamily="18" charset="0"/>
+              </a:rPr>
+              <a:t>Strategia </a:t>
+            </a:r>
+            <a:r>
+              <a:rPr lang="it-IT" sz="1600" dirty="0">
+                <a:latin typeface="Times New Roman" panose="02020603050405020304" pitchFamily="18" charset="0"/>
+                <a:ea typeface="Times New Roman" panose="02020603050405020304" pitchFamily="18" charset="0"/>
+              </a:rPr>
+              <a:t>S</a:t>
+            </a:r>
+            <a:r>
+              <a:rPr lang="it-IT" sz="1600" dirty="0">
+                <a:effectLst/>
+                <a:latin typeface="Times New Roman" panose="02020603050405020304" pitchFamily="18" charset="0"/>
+                <a:ea typeface="Times New Roman" panose="02020603050405020304" pitchFamily="18" charset="0"/>
+              </a:rPr>
+              <a:t>tandard: </a:t>
+            </a:r>
+          </a:p>
+          <a:p>
+            <a:r>
+              <a:rPr lang="it-IT" sz="1600" dirty="0">
+                <a:effectLst/>
+                <a:latin typeface="Times New Roman" panose="02020603050405020304" pitchFamily="18" charset="0"/>
+                <a:ea typeface="Times New Roman" panose="02020603050405020304" pitchFamily="18" charset="0"/>
+              </a:rPr>
+              <a:t>permutazione di tre manovre </a:t>
+            </a:r>
+          </a:p>
+          <a:p>
+            <a:endParaRPr lang="it-IT" sz="1600" dirty="0">
+              <a:latin typeface="Times New Roman" panose="02020603050405020304" pitchFamily="18" charset="0"/>
+              <a:ea typeface="Times New Roman" panose="02020603050405020304" pitchFamily="18" charset="0"/>
+            </a:endParaRPr>
+          </a:p>
+          <a:p>
+            <a:r>
+              <a:rPr lang="it-IT" sz="1600" dirty="0">
+                <a:latin typeface="Times New Roman" panose="02020603050405020304" pitchFamily="18" charset="0"/>
+                <a:ea typeface="Times New Roman" panose="02020603050405020304" pitchFamily="18" charset="0"/>
+              </a:rPr>
+              <a:t>Trasferimento Bitangente </a:t>
+            </a:r>
+          </a:p>
+          <a:p>
+            <a:r>
+              <a:rPr lang="it-IT" sz="1600" dirty="0">
+                <a:latin typeface="Times New Roman" panose="02020603050405020304" pitchFamily="18" charset="0"/>
+                <a:ea typeface="Times New Roman" panose="02020603050405020304" pitchFamily="18" charset="0"/>
+              </a:rPr>
+              <a:t>Cambio di Piano Orbitale</a:t>
+            </a:r>
+          </a:p>
+          <a:p>
+            <a:r>
+              <a:rPr lang="it-IT" sz="1600" dirty="0">
+                <a:latin typeface="Times New Roman" panose="02020603050405020304" pitchFamily="18" charset="0"/>
+                <a:ea typeface="Times New Roman" panose="02020603050405020304" pitchFamily="18" charset="0"/>
+              </a:rPr>
+              <a:t>Cambio di Anomalia del Pericentro</a:t>
+            </a:r>
+          </a:p>
+          <a:p>
+            <a:pPr algn="just"/>
+            <a:endParaRPr lang="it-IT" sz="1600" dirty="0">
+              <a:effectLst/>
+              <a:latin typeface="Times New Roman" panose="02020603050405020304" pitchFamily="18" charset="0"/>
+              <a:ea typeface="Times New Roman" panose="02020603050405020304" pitchFamily="18" charset="0"/>
+            </a:endParaRPr>
+          </a:p>
+        </p:txBody>
+      </p:sp>
+      <mc:AlternateContent xmlns:mc="http://schemas.openxmlformats.org/markup-compatibility/2006">
+        <mc:Choice xmlns:a14="http://schemas.microsoft.com/office/drawing/2010/main" Requires="a14">
+          <p:graphicFrame>
+            <p:nvGraphicFramePr>
+              <p:cNvPr id="9" name="Tabella 9">
+                <a:extLst>
+                  <a:ext uri="{FF2B5EF4-FFF2-40B4-BE49-F238E27FC236}">
+                    <a16:creationId xmlns:a16="http://schemas.microsoft.com/office/drawing/2014/main" id="{A801BC6F-8044-CDFC-294D-E8FF7A5582AB}"/>
+                  </a:ext>
+                </a:extLst>
+              </p:cNvPr>
+              <p:cNvGraphicFramePr>
+                <a:graphicFrameLocks noGrp="1"/>
+              </p:cNvGraphicFramePr>
+              <p:nvPr>
+                <p:extLst>
+                  <p:ext uri="{D42A27DB-BD31-4B8C-83A1-F6EECF244321}">
+                    <p14:modId xmlns:p14="http://schemas.microsoft.com/office/powerpoint/2010/main" val="2332956877"/>
+                  </p:ext>
+                </p:extLst>
+              </p:nvPr>
+            </p:nvGraphicFramePr>
+            <p:xfrm>
+              <a:off x="682312" y="5349240"/>
+              <a:ext cx="2657747" cy="731520"/>
+            </p:xfrm>
+            <a:graphic>
+              <a:graphicData uri="http://schemas.openxmlformats.org/drawingml/2006/table">
+                <a:tbl>
+                  <a:tblPr firstRow="1" bandRow="1">
+                    <a:tableStyleId>{5940675A-B579-460E-94D1-54222C63F5DA}</a:tableStyleId>
+                  </a:tblPr>
+                  <a:tblGrid>
+                    <a:gridCol w="1679936">
+                      <a:extLst>
+                        <a:ext uri="{9D8B030D-6E8A-4147-A177-3AD203B41FA5}">
+                          <a16:colId xmlns:a16="http://schemas.microsoft.com/office/drawing/2014/main" val="3817423680"/>
+                        </a:ext>
+                      </a:extLst>
+                    </a:gridCol>
+                    <a:gridCol w="977811">
+                      <a:extLst>
+                        <a:ext uri="{9D8B030D-6E8A-4147-A177-3AD203B41FA5}">
+                          <a16:colId xmlns:a16="http://schemas.microsoft.com/office/drawing/2014/main" val="3645020059"/>
+                        </a:ext>
+                      </a:extLst>
+                    </a:gridCol>
+                  </a:tblGrid>
+                  <a:tr h="321094">
+                    <a:tc>
+                      <a:txBody>
+                        <a:bodyPr/>
+                        <a:lstStyle/>
+                        <a:p>
+                          <a:pPr marL="0" marR="0" lvl="0" indent="0" algn="ctr" defTabSz="914400" eaLnBrk="1" fontAlgn="auto" latinLnBrk="0" hangingPunct="1">
+                            <a:lnSpc>
+                              <a:spcPct val="100000"/>
+                            </a:lnSpc>
+                            <a:spcBef>
+                              <a:spcPts val="0"/>
+                            </a:spcBef>
+                            <a:spcAft>
+                              <a:spcPts val="0"/>
+                            </a:spcAft>
+                            <a:buClrTx/>
+                            <a:buSzTx/>
+                            <a:buFontTx/>
+                            <a:buNone/>
+                            <a:tabLst/>
+                            <a:defRPr/>
+                          </a:pPr>
+                          <a14:m>
+                            <m:oMathPara xmlns:m="http://schemas.openxmlformats.org/officeDocument/2006/math">
+                              <m:oMathParaPr>
+                                <m:jc m:val="centerGroup"/>
+                              </m:oMathParaPr>
+                              <m:oMath xmlns:m="http://schemas.openxmlformats.org/officeDocument/2006/math">
+                                <m:r>
+                                  <m:rPr>
+                                    <m:sty m:val="p"/>
+                                  </m:rPr>
+                                  <a:rPr lang="en-GB" sz="1800" smtClean="0">
+                                    <a:effectLst/>
+                                    <a:latin typeface="Cambria Math" panose="02040503050406030204" pitchFamily="18" charset="0"/>
+                                  </a:rPr>
+                                  <m:t>Δ</m:t>
+                                </m:r>
+                                <m:r>
+                                  <a:rPr lang="en-GB" sz="1800" smtClean="0">
+                                    <a:effectLst/>
+                                    <a:latin typeface="Cambria Math" panose="02040503050406030204" pitchFamily="18" charset="0"/>
+                                  </a:rPr>
+                                  <m:t>𝑣</m:t>
+                                </m:r>
+                                <m:r>
+                                  <a:rPr lang="en-GB" sz="1800" smtClean="0">
+                                    <a:effectLst/>
+                                    <a:latin typeface="Cambria Math" panose="02040503050406030204" pitchFamily="18" charset="0"/>
+                                  </a:rPr>
+                                  <m:t> [</m:t>
+                                </m:r>
+                                <m:r>
+                                  <a:rPr lang="en-GB" sz="1800" smtClean="0">
+                                    <a:effectLst/>
+                                    <a:latin typeface="Cambria Math" panose="02040503050406030204" pitchFamily="18" charset="0"/>
+                                  </a:rPr>
+                                  <m:t>𝑘𝑚</m:t>
+                                </m:r>
+                                <m:r>
+                                  <a:rPr lang="en-GB" sz="1800" smtClean="0">
+                                    <a:effectLst/>
+                                    <a:latin typeface="Cambria Math" panose="02040503050406030204" pitchFamily="18" charset="0"/>
+                                  </a:rPr>
+                                  <m:t>/</m:t>
+                                </m:r>
+                                <m:r>
+                                  <a:rPr lang="en-GB" sz="1800" smtClean="0">
+                                    <a:effectLst/>
+                                    <a:latin typeface="Cambria Math" panose="02040503050406030204" pitchFamily="18" charset="0"/>
+                                  </a:rPr>
+                                  <m:t>𝑠</m:t>
+                                </m:r>
+                                <m:r>
+                                  <a:rPr lang="en-GB" sz="1800" smtClean="0">
+                                    <a:effectLst/>
+                                    <a:latin typeface="Cambria Math" panose="02040503050406030204" pitchFamily="18" charset="0"/>
+                                  </a:rPr>
+                                  <m:t>]</m:t>
+                                </m:r>
+                              </m:oMath>
+                            </m:oMathPara>
+                          </a14:m>
+                          <a:endParaRPr lang="it-IT" sz="1800" dirty="0">
+                            <a:effectLst/>
+                            <a:latin typeface="Times New Roman" panose="02020603050405020304" pitchFamily="18" charset="0"/>
+                            <a:ea typeface="Times New Roman" panose="02020603050405020304" pitchFamily="18" charset="0"/>
+                          </a:endParaRPr>
+                        </a:p>
+                      </a:txBody>
+                      <a:tcPr/>
+                    </a:tc>
+                    <a:tc>
+                      <a:txBody>
+                        <a:bodyPr/>
+                        <a:lstStyle/>
+                        <a:p>
+                          <a:pPr marL="0" marR="0" lvl="0" indent="0" algn="ctr" defTabSz="914400" eaLnBrk="1" fontAlgn="auto" latinLnBrk="0" hangingPunct="1">
+                            <a:lnSpc>
+                              <a:spcPct val="100000"/>
+                            </a:lnSpc>
+                            <a:spcBef>
+                              <a:spcPts val="0"/>
+                            </a:spcBef>
+                            <a:spcAft>
+                              <a:spcPts val="0"/>
+                            </a:spcAft>
+                            <a:buClrTx/>
+                            <a:buSzTx/>
+                            <a:buFontTx/>
+                            <a:buNone/>
+                            <a:tabLst/>
+                            <a:defRPr/>
+                          </a:pPr>
+                          <a:r>
+                            <a:rPr lang="en-GB" sz="1800" dirty="0">
+                              <a:effectLst/>
+                            </a:rPr>
+                            <a:t>6.6450</a:t>
+                          </a:r>
+                          <a:endParaRPr lang="it-IT" sz="1800" dirty="0">
+                            <a:effectLst/>
+                            <a:latin typeface="Times New Roman" panose="02020603050405020304" pitchFamily="18" charset="0"/>
+                            <a:ea typeface="Times New Roman" panose="02020603050405020304" pitchFamily="18" charset="0"/>
+                          </a:endParaRPr>
+                        </a:p>
+                      </a:txBody>
+                      <a:tcPr/>
+                    </a:tc>
+                    <a:extLst>
+                      <a:ext uri="{0D108BD9-81ED-4DB2-BD59-A6C34878D82A}">
+                        <a16:rowId xmlns:a16="http://schemas.microsoft.com/office/drawing/2014/main" val="2714837738"/>
+                      </a:ext>
+                    </a:extLst>
+                  </a:tr>
+                  <a:tr h="321094">
+                    <a:tc>
+                      <a:txBody>
+                        <a:bodyPr/>
+                        <a:lstStyle/>
+                        <a:p>
+                          <a:pPr marL="0" marR="0" lvl="0" indent="0" algn="ctr" defTabSz="914400" eaLnBrk="1" fontAlgn="auto" latinLnBrk="0" hangingPunct="1">
+                            <a:lnSpc>
+                              <a:spcPct val="100000"/>
+                            </a:lnSpc>
+                            <a:spcBef>
+                              <a:spcPts val="0"/>
+                            </a:spcBef>
+                            <a:spcAft>
+                              <a:spcPts val="0"/>
+                            </a:spcAft>
+                            <a:buClrTx/>
+                            <a:buSzTx/>
+                            <a:buFontTx/>
+                            <a:buNone/>
+                            <a:tabLst/>
+                            <a:defRPr/>
+                          </a:pPr>
+                          <a14:m>
+                            <m:oMathPara xmlns:m="http://schemas.openxmlformats.org/officeDocument/2006/math">
+                              <m:oMathParaPr>
+                                <m:jc m:val="centerGroup"/>
+                              </m:oMathParaPr>
+                              <m:oMath xmlns:m="http://schemas.openxmlformats.org/officeDocument/2006/math">
+                                <m:r>
+                                  <m:rPr>
+                                    <m:sty m:val="p"/>
+                                  </m:rPr>
+                                  <a:rPr lang="en-GB" sz="1800" smtClean="0">
+                                    <a:effectLst/>
+                                    <a:latin typeface="Cambria Math" panose="02040503050406030204" pitchFamily="18" charset="0"/>
+                                  </a:rPr>
+                                  <m:t>Δ</m:t>
+                                </m:r>
+                                <m:r>
+                                  <a:rPr lang="en-GB" sz="1800" smtClean="0">
+                                    <a:effectLst/>
+                                    <a:latin typeface="Cambria Math" panose="02040503050406030204" pitchFamily="18" charset="0"/>
+                                  </a:rPr>
+                                  <m:t>𝑡</m:t>
+                                </m:r>
+                                <m:r>
+                                  <a:rPr lang="en-GB" sz="1800" smtClean="0">
+                                    <a:effectLst/>
+                                    <a:latin typeface="Cambria Math" panose="02040503050406030204" pitchFamily="18" charset="0"/>
+                                  </a:rPr>
+                                  <m:t> [</m:t>
+                                </m:r>
+                                <m:r>
+                                  <a:rPr lang="en-GB" sz="1800" smtClean="0">
+                                    <a:effectLst/>
+                                    <a:latin typeface="Cambria Math" panose="02040503050406030204" pitchFamily="18" charset="0"/>
+                                  </a:rPr>
+                                  <m:t>h</m:t>
+                                </m:r>
+                                <m:r>
+                                  <a:rPr lang="en-GB" sz="1800" smtClean="0">
+                                    <a:effectLst/>
+                                    <a:latin typeface="Cambria Math" panose="02040503050406030204" pitchFamily="18" charset="0"/>
+                                  </a:rPr>
+                                  <m:t>]</m:t>
+                                </m:r>
+                              </m:oMath>
+                            </m:oMathPara>
+                          </a14:m>
+                          <a:endParaRPr lang="it-IT" sz="1800" dirty="0">
+                            <a:effectLst/>
+                            <a:latin typeface="Times New Roman" panose="02020603050405020304" pitchFamily="18" charset="0"/>
+                            <a:ea typeface="Times New Roman" panose="02020603050405020304" pitchFamily="18" charset="0"/>
+                          </a:endParaRPr>
+                        </a:p>
+                      </a:txBody>
+                      <a:tcPr/>
+                    </a:tc>
+                    <a:tc>
+                      <a:txBody>
+                        <a:bodyPr/>
+                        <a:lstStyle/>
+                        <a:p>
+                          <a:pPr marL="0" marR="0" lvl="0" indent="0" algn="ctr" defTabSz="914400" eaLnBrk="1" fontAlgn="auto" latinLnBrk="0" hangingPunct="1">
+                            <a:lnSpc>
+                              <a:spcPct val="100000"/>
+                            </a:lnSpc>
+                            <a:spcBef>
+                              <a:spcPts val="0"/>
+                            </a:spcBef>
+                            <a:spcAft>
+                              <a:spcPts val="0"/>
+                            </a:spcAft>
+                            <a:buClrTx/>
+                            <a:buSzTx/>
+                            <a:buFontTx/>
+                            <a:buNone/>
+                            <a:tabLst/>
+                            <a:defRPr/>
+                          </a:pPr>
+                          <a:r>
+                            <a:rPr lang="en-GB" sz="1800" dirty="0">
+                              <a:effectLst/>
+                            </a:rPr>
+                            <a:t>4.8675</a:t>
+                          </a:r>
+                          <a:endParaRPr lang="it-IT" sz="1800" dirty="0">
+                            <a:effectLst/>
+                            <a:latin typeface="Times New Roman" panose="02020603050405020304" pitchFamily="18" charset="0"/>
+                            <a:ea typeface="Times New Roman" panose="02020603050405020304" pitchFamily="18" charset="0"/>
+                          </a:endParaRPr>
+                        </a:p>
+                      </a:txBody>
+                      <a:tcPr/>
+                    </a:tc>
+                    <a:extLst>
+                      <a:ext uri="{0D108BD9-81ED-4DB2-BD59-A6C34878D82A}">
+                        <a16:rowId xmlns:a16="http://schemas.microsoft.com/office/drawing/2014/main" val="2392647369"/>
+                      </a:ext>
+                    </a:extLst>
+                  </a:tr>
+                </a:tbl>
+              </a:graphicData>
+            </a:graphic>
+          </p:graphicFrame>
+        </mc:Choice>
+        <mc:Fallback>
+          <p:graphicFrame>
+            <p:nvGraphicFramePr>
+              <p:cNvPr id="9" name="Tabella 9">
+                <a:extLst>
+                  <a:ext uri="{FF2B5EF4-FFF2-40B4-BE49-F238E27FC236}">
+                    <a16:creationId xmlns:a16="http://schemas.microsoft.com/office/drawing/2014/main" id="{A801BC6F-8044-CDFC-294D-E8FF7A5582AB}"/>
+                  </a:ext>
+                </a:extLst>
+              </p:cNvPr>
+              <p:cNvGraphicFramePr>
+                <a:graphicFrameLocks noGrp="1"/>
+              </p:cNvGraphicFramePr>
+              <p:nvPr>
+                <p:extLst>
+                  <p:ext uri="{D42A27DB-BD31-4B8C-83A1-F6EECF244321}">
+                    <p14:modId xmlns:p14="http://schemas.microsoft.com/office/powerpoint/2010/main" val="2332956877"/>
+                  </p:ext>
+                </p:extLst>
+              </p:nvPr>
+            </p:nvGraphicFramePr>
+            <p:xfrm>
+              <a:off x="682312" y="5349240"/>
+              <a:ext cx="2657747" cy="731520"/>
+            </p:xfrm>
+            <a:graphic>
+              <a:graphicData uri="http://schemas.openxmlformats.org/drawingml/2006/table">
+                <a:tbl>
+                  <a:tblPr firstRow="1" bandRow="1">
+                    <a:tableStyleId>{5940675A-B579-460E-94D1-54222C63F5DA}</a:tableStyleId>
+                  </a:tblPr>
+                  <a:tblGrid>
+                    <a:gridCol w="1679936">
+                      <a:extLst>
+                        <a:ext uri="{9D8B030D-6E8A-4147-A177-3AD203B41FA5}">
+                          <a16:colId xmlns:a16="http://schemas.microsoft.com/office/drawing/2014/main" val="3817423680"/>
+                        </a:ext>
+                      </a:extLst>
+                    </a:gridCol>
+                    <a:gridCol w="977811">
+                      <a:extLst>
+                        <a:ext uri="{9D8B030D-6E8A-4147-A177-3AD203B41FA5}">
+                          <a16:colId xmlns:a16="http://schemas.microsoft.com/office/drawing/2014/main" val="3645020059"/>
+                        </a:ext>
+                      </a:extLst>
+                    </a:gridCol>
+                  </a:tblGrid>
+                  <a:tr h="365760">
+                    <a:tc>
+                      <a:txBody>
+                        <a:bodyPr/>
+                        <a:lstStyle/>
+                        <a:p>
+                          <a:endParaRPr lang="it-IT"/>
+                        </a:p>
+                      </a:txBody>
+                      <a:tcPr>
+                        <a:blipFill>
+                          <a:blip r:embed="rId3"/>
+                          <a:stretch>
+                            <a:fillRect l="-362" t="-8197" r="-59058" b="-122951"/>
+                          </a:stretch>
+                        </a:blipFill>
+                      </a:tcPr>
+                    </a:tc>
+                    <a:tc>
+                      <a:txBody>
+                        <a:bodyPr/>
+                        <a:lstStyle/>
+                        <a:p>
+                          <a:pPr marL="0" marR="0" lvl="0" indent="0" algn="ctr" defTabSz="914400" eaLnBrk="1" fontAlgn="auto" latinLnBrk="0" hangingPunct="1">
+                            <a:lnSpc>
+                              <a:spcPct val="100000"/>
+                            </a:lnSpc>
+                            <a:spcBef>
+                              <a:spcPts val="0"/>
+                            </a:spcBef>
+                            <a:spcAft>
+                              <a:spcPts val="0"/>
+                            </a:spcAft>
+                            <a:buClrTx/>
+                            <a:buSzTx/>
+                            <a:buFontTx/>
+                            <a:buNone/>
+                            <a:tabLst/>
+                            <a:defRPr/>
+                          </a:pPr>
+                          <a:r>
+                            <a:rPr lang="en-GB" sz="1800" dirty="0">
+                              <a:effectLst/>
+                            </a:rPr>
+                            <a:t>6.6450</a:t>
+                          </a:r>
+                          <a:endParaRPr lang="it-IT" sz="1800" dirty="0">
+                            <a:effectLst/>
+                            <a:latin typeface="Times New Roman" panose="02020603050405020304" pitchFamily="18" charset="0"/>
+                            <a:ea typeface="Times New Roman" panose="02020603050405020304" pitchFamily="18" charset="0"/>
+                          </a:endParaRPr>
+                        </a:p>
+                      </a:txBody>
+                      <a:tcPr/>
+                    </a:tc>
+                    <a:extLst>
+                      <a:ext uri="{0D108BD9-81ED-4DB2-BD59-A6C34878D82A}">
+                        <a16:rowId xmlns:a16="http://schemas.microsoft.com/office/drawing/2014/main" val="2714837738"/>
+                      </a:ext>
+                    </a:extLst>
+                  </a:tr>
+                  <a:tr h="365760">
+                    <a:tc>
+                      <a:txBody>
+                        <a:bodyPr/>
+                        <a:lstStyle/>
+                        <a:p>
+                          <a:endParaRPr lang="it-IT"/>
+                        </a:p>
+                      </a:txBody>
+                      <a:tcPr>
+                        <a:blipFill>
+                          <a:blip r:embed="rId3"/>
+                          <a:stretch>
+                            <a:fillRect l="-362" t="-110000" r="-59058" b="-25000"/>
+                          </a:stretch>
+                        </a:blipFill>
+                      </a:tcPr>
+                    </a:tc>
+                    <a:tc>
+                      <a:txBody>
+                        <a:bodyPr/>
+                        <a:lstStyle/>
+                        <a:p>
+                          <a:pPr marL="0" marR="0" lvl="0" indent="0" algn="ctr" defTabSz="914400" eaLnBrk="1" fontAlgn="auto" latinLnBrk="0" hangingPunct="1">
+                            <a:lnSpc>
+                              <a:spcPct val="100000"/>
+                            </a:lnSpc>
+                            <a:spcBef>
+                              <a:spcPts val="0"/>
+                            </a:spcBef>
+                            <a:spcAft>
+                              <a:spcPts val="0"/>
+                            </a:spcAft>
+                            <a:buClrTx/>
+                            <a:buSzTx/>
+                            <a:buFontTx/>
+                            <a:buNone/>
+                            <a:tabLst/>
+                            <a:defRPr/>
+                          </a:pPr>
+                          <a:r>
+                            <a:rPr lang="en-GB" sz="1800" dirty="0">
+                              <a:effectLst/>
+                            </a:rPr>
+                            <a:t>4.8675</a:t>
+                          </a:r>
+                          <a:endParaRPr lang="it-IT" sz="1800" dirty="0">
+                            <a:effectLst/>
+                            <a:latin typeface="Times New Roman" panose="02020603050405020304" pitchFamily="18" charset="0"/>
+                            <a:ea typeface="Times New Roman" panose="02020603050405020304" pitchFamily="18" charset="0"/>
+                          </a:endParaRPr>
+                        </a:p>
+                      </a:txBody>
+                      <a:tcPr/>
+                    </a:tc>
+                    <a:extLst>
+                      <a:ext uri="{0D108BD9-81ED-4DB2-BD59-A6C34878D82A}">
+                        <a16:rowId xmlns:a16="http://schemas.microsoft.com/office/drawing/2014/main" val="2392647369"/>
+                      </a:ext>
+                    </a:extLst>
+                  </a:tr>
+                </a:tbl>
+              </a:graphicData>
+            </a:graphic>
+          </p:graphicFrame>
+        </mc:Fallback>
+      </mc:AlternateContent>
+      <mc:AlternateContent xmlns:mc="http://schemas.openxmlformats.org/markup-compatibility/2006">
+        <mc:Choice xmlns:a14="http://schemas.microsoft.com/office/drawing/2010/main" Requires="a14">
+          <p:sp>
+            <p:nvSpPr>
+              <p:cNvPr id="11" name="CasellaDiTesto 10">
+                <a:extLst>
+                  <a:ext uri="{FF2B5EF4-FFF2-40B4-BE49-F238E27FC236}">
+                    <a16:creationId xmlns:a16="http://schemas.microsoft.com/office/drawing/2014/main" id="{F9706B29-6D54-B351-78F4-92874429505A}"/>
+                  </a:ext>
+                </a:extLst>
+              </p:cNvPr>
+              <p:cNvSpPr txBox="1"/>
+              <p:nvPr/>
+            </p:nvSpPr>
+            <p:spPr>
+              <a:xfrm>
+                <a:off x="536256" y="4052620"/>
+                <a:ext cx="3349944" cy="1045286"/>
+              </a:xfrm>
+              <a:prstGeom prst="rect">
+                <a:avLst/>
+              </a:prstGeom>
+              <a:noFill/>
+            </p:spPr>
+            <p:txBody>
+              <a:bodyPr wrap="square">
+                <a:spAutoFit/>
+              </a:bodyPr>
+              <a:lstStyle/>
+              <a:p>
+                <a:pPr/>
+                <a14:m>
+                  <m:oMath xmlns:m="http://schemas.openxmlformats.org/officeDocument/2006/math">
+                    <m:sSub>
+                      <m:sSubPr>
+                        <m:ctrlPr>
+                          <a:rPr lang="en-GB" sz="1800" i="1" smtClean="0">
+                            <a:effectLst/>
+                            <a:latin typeface="Cambria Math" panose="02040503050406030204" pitchFamily="18" charset="0"/>
+                          </a:rPr>
+                        </m:ctrlPr>
+                      </m:sSubPr>
+                      <m:e>
+                        <m:r>
+                          <m:rPr>
+                            <m:sty m:val="p"/>
+                          </m:rPr>
+                          <a:rPr lang="en-GB">
+                            <a:latin typeface="Cambria Math" panose="02040503050406030204" pitchFamily="18" charset="0"/>
+                          </a:rPr>
+                          <m:t>Δ</m:t>
+                        </m:r>
+                        <m:r>
+                          <a:rPr lang="en-GB">
+                            <a:latin typeface="Cambria Math" panose="02040503050406030204" pitchFamily="18" charset="0"/>
+                          </a:rPr>
+                          <m:t>𝑣</m:t>
+                        </m:r>
+                      </m:e>
+                      <m:sub>
+                        <m:r>
+                          <a:rPr lang="it-IT" sz="1800" b="0" i="1" smtClean="0">
+                            <a:effectLst/>
+                            <a:latin typeface="Cambria Math" panose="02040503050406030204" pitchFamily="18" charset="0"/>
+                          </a:rPr>
+                          <m:t>𝑡𝑜𝑡</m:t>
+                        </m:r>
+                      </m:sub>
+                    </m:sSub>
+                    <m:r>
+                      <a:rPr lang="it-IT" sz="1800" b="0" i="1" smtClean="0">
+                        <a:effectLst/>
+                        <a:latin typeface="Cambria Math" panose="02040503050406030204" pitchFamily="18" charset="0"/>
+                      </a:rPr>
+                      <m:t>= </m:t>
+                    </m:r>
+                  </m:oMath>
+                </a14:m>
+                <a:r>
+                  <a:rPr lang="en-GB" i="1" dirty="0"/>
+                  <a:t>6.6450</a:t>
+                </a:r>
+                <a:r>
+                  <a:rPr lang="en-GB" dirty="0"/>
+                  <a:t> </a:t>
+                </a:r>
+                <a14:m>
+                  <m:oMath xmlns:m="http://schemas.openxmlformats.org/officeDocument/2006/math">
+                    <m:f>
+                      <m:fPr>
+                        <m:ctrlPr>
+                          <a:rPr lang="en-GB">
+                            <a:latin typeface="Cambria Math" panose="02040503050406030204" pitchFamily="18" charset="0"/>
+                          </a:rPr>
+                        </m:ctrlPr>
+                      </m:fPr>
+                      <m:num>
+                        <m:r>
+                          <a:rPr lang="en-GB">
+                            <a:latin typeface="Cambria Math" panose="02040503050406030204" pitchFamily="18" charset="0"/>
+                          </a:rPr>
+                          <m:t>𝑘𝑚</m:t>
+                        </m:r>
+                      </m:num>
+                      <m:den>
+                        <m:r>
+                          <a:rPr lang="en-GB">
+                            <a:latin typeface="Cambria Math" panose="02040503050406030204" pitchFamily="18" charset="0"/>
+                          </a:rPr>
+                          <m:t>𝑠</m:t>
+                        </m:r>
+                      </m:den>
+                    </m:f>
+                  </m:oMath>
+                </a14:m>
+                <a:endParaRPr lang="it-IT" dirty="0"/>
+              </a:p>
+              <a:p>
+                <a:pPr/>
+                <a:endParaRPr lang="it-IT" dirty="0"/>
+              </a:p>
+              <a:p>
+                <a14:m>
+                  <m:oMath xmlns:m="http://schemas.openxmlformats.org/officeDocument/2006/math">
+                    <m:sSub>
+                      <m:sSubPr>
+                        <m:ctrlPr>
+                          <a:rPr lang="en-GB" sz="1800" i="1" smtClean="0">
+                            <a:effectLst/>
+                            <a:latin typeface="Cambria Math" panose="02040503050406030204" pitchFamily="18" charset="0"/>
+                          </a:rPr>
+                        </m:ctrlPr>
+                      </m:sSubPr>
+                      <m:e>
+                        <m:r>
+                          <m:rPr>
+                            <m:sty m:val="p"/>
+                          </m:rPr>
+                          <a:rPr lang="en-GB">
+                            <a:latin typeface="Cambria Math" panose="02040503050406030204" pitchFamily="18" charset="0"/>
+                          </a:rPr>
+                          <m:t>Δ</m:t>
+                        </m:r>
+                        <m:r>
+                          <m:rPr>
+                            <m:sty m:val="p"/>
+                          </m:rPr>
+                          <a:rPr lang="it-IT" b="0" i="0" smtClean="0">
+                            <a:latin typeface="Cambria Math" panose="02040503050406030204" pitchFamily="18" charset="0"/>
+                          </a:rPr>
+                          <m:t>t</m:t>
+                        </m:r>
+                      </m:e>
+                      <m:sub>
+                        <m:r>
+                          <a:rPr lang="it-IT" sz="1800" b="0" i="1" smtClean="0">
+                            <a:effectLst/>
+                            <a:latin typeface="Cambria Math" panose="02040503050406030204" pitchFamily="18" charset="0"/>
+                          </a:rPr>
+                          <m:t>𝑡𝑜𝑡</m:t>
+                        </m:r>
+                      </m:sub>
+                    </m:sSub>
+                    <m:r>
+                      <a:rPr lang="it-IT" sz="1800" b="0" i="1" smtClean="0">
+                        <a:effectLst/>
+                        <a:latin typeface="Cambria Math" panose="02040503050406030204" pitchFamily="18" charset="0"/>
+                      </a:rPr>
+                      <m:t>= </m:t>
+                    </m:r>
+                  </m:oMath>
+                </a14:m>
+                <a:r>
+                  <a:rPr lang="en-GB" dirty="0"/>
+                  <a:t>4.8675</a:t>
+                </a:r>
+                <a:r>
+                  <a:rPr lang="it-IT" dirty="0">
+                    <a:latin typeface="Times New Roman" panose="02020603050405020304" pitchFamily="18" charset="0"/>
+                  </a:rPr>
+                  <a:t> </a:t>
+                </a:r>
+                <a14:m>
+                  <m:oMath xmlns:m="http://schemas.openxmlformats.org/officeDocument/2006/math">
+                    <m:r>
+                      <a:rPr lang="en-GB">
+                        <a:latin typeface="Cambria Math" panose="02040503050406030204" pitchFamily="18" charset="0"/>
+                      </a:rPr>
+                      <m:t>h</m:t>
+                    </m:r>
+                  </m:oMath>
+                </a14:m>
+                <a:r>
+                  <a:rPr lang="en-GB" dirty="0"/>
+                  <a:t> = 17523.1496</a:t>
+                </a:r>
+                <a14:m>
+                  <m:oMath xmlns:m="http://schemas.openxmlformats.org/officeDocument/2006/math">
+                    <m:r>
+                      <a:rPr lang="it-IT" b="0" i="0" smtClean="0">
+                        <a:latin typeface="Cambria Math" panose="02040503050406030204" pitchFamily="18" charset="0"/>
+                      </a:rPr>
+                      <m:t> </m:t>
+                    </m:r>
+                    <m:r>
+                      <a:rPr lang="en-GB">
+                        <a:latin typeface="Cambria Math" panose="02040503050406030204" pitchFamily="18" charset="0"/>
+                      </a:rPr>
+                      <m:t>𝑠</m:t>
+                    </m:r>
+                  </m:oMath>
+                </a14:m>
+                <a:endParaRPr lang="it-IT" dirty="0"/>
+              </a:p>
+            </p:txBody>
+          </p:sp>
+        </mc:Choice>
+        <mc:Fallback>
+          <p:sp>
+            <p:nvSpPr>
+              <p:cNvPr id="11" name="CasellaDiTesto 10">
+                <a:extLst>
+                  <a:ext uri="{FF2B5EF4-FFF2-40B4-BE49-F238E27FC236}">
+                    <a16:creationId xmlns:a16="http://schemas.microsoft.com/office/drawing/2014/main" id="{F9706B29-6D54-B351-78F4-92874429505A}"/>
+                  </a:ext>
+                </a:extLst>
+              </p:cNvPr>
+              <p:cNvSpPr txBox="1">
+                <a:spLocks noRot="1" noChangeAspect="1" noMove="1" noResize="1" noEditPoints="1" noAdjustHandles="1" noChangeArrowheads="1" noChangeShapeType="1" noTextEdit="1"/>
+              </p:cNvSpPr>
+              <p:nvPr/>
+            </p:nvSpPr>
+            <p:spPr>
+              <a:xfrm>
+                <a:off x="536256" y="4052620"/>
+                <a:ext cx="3349944" cy="1045286"/>
+              </a:xfrm>
+              <a:prstGeom prst="rect">
+                <a:avLst/>
+              </a:prstGeom>
+              <a:blipFill>
+                <a:blip r:embed="rId4"/>
+                <a:stretch>
+                  <a:fillRect b="-8772"/>
+                </a:stretch>
+              </a:blipFill>
+            </p:spPr>
+            <p:txBody>
+              <a:bodyPr/>
+              <a:lstStyle/>
+              <a:p>
+                <a:r>
+                  <a:rPr lang="it-IT">
+                    <a:noFill/>
+                  </a:rPr>
+                  <a:t> </a:t>
+                </a:r>
+              </a:p>
+            </p:txBody>
+          </p:sp>
+        </mc:Fallback>
+      </mc:AlternateContent>
     </p:spTree>
   </p:cSld>
   <p:clrMapOvr>
@@ -5045,7 +8932,7 @@
             </a:pPr>
             <a:r>
               <a:rPr lang="it-IT" spc="-5" dirty="0"/>
-              <a:t>Strategia Standard: manovra bitangente</a:t>
+              <a:t>Strategia Standard: manovra bitangente PA</a:t>
             </a:r>
             <a:endParaRPr spc="-5" dirty="0"/>
           </a:p>
@@ -5099,10 +8986,10 @@
       </p:sp>
       <p:pic>
         <p:nvPicPr>
-          <p:cNvPr id="7" name="Immagine 6">
+          <p:cNvPr id="5" name="Immagine 4">
             <a:extLst>
               <a:ext uri="{FF2B5EF4-FFF2-40B4-BE49-F238E27FC236}">
-                <a16:creationId xmlns:a16="http://schemas.microsoft.com/office/drawing/2014/main" id="{3DAE5DC2-CFC1-31DB-FA71-AC08E22E0740}"/>
+                <a16:creationId xmlns:a16="http://schemas.microsoft.com/office/drawing/2014/main" id="{943A690E-D9EE-7352-DF91-0B619B7ADC0A}"/>
               </a:ext>
             </a:extLst>
           </p:cNvPr>
@@ -5119,14 +9006,951 @@
         </p:blipFill>
         <p:spPr>
           <a:xfrm>
-            <a:off x="4455733" y="990600"/>
-            <a:ext cx="4347334" cy="4157954"/>
+            <a:off x="4335780" y="1077696"/>
+            <a:ext cx="4515118" cy="4171029"/>
           </a:xfrm>
           <a:prstGeom prst="rect">
             <a:avLst/>
           </a:prstGeom>
         </p:spPr>
       </p:pic>
+      <mc:AlternateContent xmlns:mc="http://schemas.openxmlformats.org/markup-compatibility/2006">
+        <mc:Choice xmlns:a14="http://schemas.microsoft.com/office/drawing/2010/main" Requires="a14">
+          <p:sp>
+            <p:nvSpPr>
+              <p:cNvPr id="10" name="CasellaDiTesto 9">
+                <a:extLst>
+                  <a:ext uri="{FF2B5EF4-FFF2-40B4-BE49-F238E27FC236}">
+                    <a16:creationId xmlns:a16="http://schemas.microsoft.com/office/drawing/2014/main" id="{6A13A7E0-D697-E2BA-ED25-19B6FE51E394}"/>
+                  </a:ext>
+                </a:extLst>
+              </p:cNvPr>
+              <p:cNvSpPr txBox="1"/>
+              <p:nvPr/>
+            </p:nvSpPr>
+            <p:spPr>
+              <a:xfrm>
+                <a:off x="228600" y="1066712"/>
+                <a:ext cx="4191000" cy="4812728"/>
+              </a:xfrm>
+              <a:prstGeom prst="rect">
+                <a:avLst/>
+              </a:prstGeom>
+              <a:noFill/>
+            </p:spPr>
+            <p:txBody>
+              <a:bodyPr wrap="square" rtlCol="0">
+                <a:spAutoFit/>
+              </a:bodyPr>
+              <a:lstStyle/>
+              <a:p>
+                <a:r>
+                  <a:rPr lang="it-IT" sz="1800" dirty="0">
+                    <a:effectLst/>
+                    <a:latin typeface="Times New Roman" panose="02020603050405020304" pitchFamily="18" charset="0"/>
+                    <a:ea typeface="Times New Roman" panose="02020603050405020304" pitchFamily="18" charset="0"/>
+                  </a:rPr>
+                  <a:t>Cambio forma         </a:t>
+                </a:r>
+                <a14:m>
+                  <m:oMath xmlns:m="http://schemas.openxmlformats.org/officeDocument/2006/math">
+                    <m:sSub>
+                      <m:sSubPr>
+                        <m:ctrlPr>
+                          <a:rPr lang="en-GB" sz="1800" i="1" smtClean="0">
+                            <a:effectLst/>
+                            <a:latin typeface="Cambria Math" panose="02040503050406030204" pitchFamily="18" charset="0"/>
+                          </a:rPr>
+                        </m:ctrlPr>
+                      </m:sSubPr>
+                      <m:e>
+                        <m:r>
+                          <a:rPr lang="en-GB">
+                            <a:latin typeface="Cambria Math" panose="02040503050406030204" pitchFamily="18" charset="0"/>
+                          </a:rPr>
+                          <m:t>𝑒</m:t>
+                        </m:r>
+                      </m:e>
+                      <m:sub>
+                        <m:r>
+                          <a:rPr lang="it-IT" sz="1800" b="0" i="1" smtClean="0">
+                            <a:effectLst/>
+                            <a:latin typeface="Cambria Math" panose="02040503050406030204" pitchFamily="18" charset="0"/>
+                          </a:rPr>
+                          <m:t>𝑓</m:t>
+                        </m:r>
+                      </m:sub>
+                    </m:sSub>
+                  </m:oMath>
+                </a14:m>
+                <a:r>
+                  <a:rPr lang="it-IT" sz="1800" dirty="0">
+                    <a:effectLst/>
+                    <a:latin typeface="Times New Roman" panose="02020603050405020304" pitchFamily="18" charset="0"/>
+                    <a:ea typeface="Times New Roman" panose="02020603050405020304" pitchFamily="18" charset="0"/>
+                  </a:rPr>
+                  <a:t> , </a:t>
+                </a:r>
+                <a14:m>
+                  <m:oMath xmlns:m="http://schemas.openxmlformats.org/officeDocument/2006/math">
+                    <m:sSub>
+                      <m:sSubPr>
+                        <m:ctrlPr>
+                          <a:rPr lang="en-GB" i="1">
+                            <a:latin typeface="Cambria Math" panose="02040503050406030204" pitchFamily="18" charset="0"/>
+                          </a:rPr>
+                        </m:ctrlPr>
+                      </m:sSubPr>
+                      <m:e>
+                        <m:r>
+                          <a:rPr lang="it-IT" b="0" i="1" smtClean="0">
+                            <a:latin typeface="Cambria Math" panose="02040503050406030204" pitchFamily="18" charset="0"/>
+                          </a:rPr>
+                          <m:t>𝑎</m:t>
+                        </m:r>
+                      </m:e>
+                      <m:sub>
+                        <m:r>
+                          <a:rPr lang="it-IT" i="1">
+                            <a:latin typeface="Cambria Math" panose="02040503050406030204" pitchFamily="18" charset="0"/>
+                          </a:rPr>
+                          <m:t>𝑓</m:t>
+                        </m:r>
+                      </m:sub>
+                    </m:sSub>
+                  </m:oMath>
+                </a14:m>
+                <a:r>
+                  <a:rPr lang="it-IT" dirty="0">
+                    <a:latin typeface="Times New Roman" panose="02020603050405020304" pitchFamily="18" charset="0"/>
+                    <a:ea typeface="Times New Roman" panose="02020603050405020304" pitchFamily="18" charset="0"/>
+                  </a:rPr>
+                  <a:t> </a:t>
+                </a:r>
+                <a:endParaRPr lang="it-IT" sz="1800" dirty="0">
+                  <a:effectLst/>
+                  <a:latin typeface="Times New Roman" panose="02020603050405020304" pitchFamily="18" charset="0"/>
+                  <a:ea typeface="Times New Roman" panose="02020603050405020304" pitchFamily="18" charset="0"/>
+                </a:endParaRPr>
+              </a:p>
+              <a:p>
+                <a:endParaRPr lang="it-IT" sz="1800" dirty="0">
+                  <a:effectLst/>
+                  <a:latin typeface="Times New Roman" panose="02020603050405020304" pitchFamily="18" charset="0"/>
+                  <a:ea typeface="Times New Roman" panose="02020603050405020304" pitchFamily="18" charset="0"/>
+                </a:endParaRPr>
+              </a:p>
+              <a:p>
+                <a:pPr marL="285750" indent="-285750">
+                  <a:buFont typeface="Arial" panose="020B0604020202020204" pitchFamily="34" charset="0"/>
+                  <a:buChar char="•"/>
+                </a:pPr>
+                <a:r>
+                  <a:rPr lang="it-IT" sz="1800" dirty="0">
+                    <a:effectLst/>
+                    <a:latin typeface="Times New Roman" panose="02020603050405020304" pitchFamily="18" charset="0"/>
+                    <a:ea typeface="Times New Roman" panose="02020603050405020304" pitchFamily="18" charset="0"/>
+                  </a:rPr>
+                  <a:t>Raggiungere il pericentro dell'orbita iniziale </a:t>
+                </a:r>
+                <a14:m>
+                  <m:oMath xmlns:m="http://schemas.openxmlformats.org/officeDocument/2006/math">
+                    <m:sSub>
+                      <m:sSubPr>
+                        <m:ctrlPr>
+                          <a:rPr lang="en-GB" sz="1800" i="1" smtClean="0">
+                            <a:effectLst/>
+                            <a:latin typeface="Cambria Math" panose="02040503050406030204" pitchFamily="18" charset="0"/>
+                          </a:rPr>
+                        </m:ctrlPr>
+                      </m:sSubPr>
+                      <m:e>
+                        <m:r>
+                          <m:rPr>
+                            <m:sty m:val="p"/>
+                          </m:rPr>
+                          <a:rPr lang="en-GB">
+                            <a:latin typeface="Cambria Math" panose="02040503050406030204" pitchFamily="18" charset="0"/>
+                          </a:rPr>
+                          <m:t>Δ</m:t>
+                        </m:r>
+                        <m:r>
+                          <a:rPr lang="it-IT" b="0" i="1" smtClean="0">
+                            <a:latin typeface="Cambria Math" panose="02040503050406030204" pitchFamily="18" charset="0"/>
+                          </a:rPr>
+                          <m:t>𝑡</m:t>
+                        </m:r>
+                      </m:e>
+                      <m:sub>
+                        <m:r>
+                          <a:rPr lang="it-IT" b="0" i="1" smtClean="0">
+                            <a:latin typeface="Cambria Math" panose="02040503050406030204" pitchFamily="18" charset="0"/>
+                          </a:rPr>
+                          <m:t>1</m:t>
+                        </m:r>
+                      </m:sub>
+                    </m:sSub>
+                    <m:r>
+                      <a:rPr lang="it-IT" sz="1800" b="0" i="1" smtClean="0">
+                        <a:effectLst/>
+                        <a:latin typeface="Cambria Math" panose="02040503050406030204" pitchFamily="18" charset="0"/>
+                      </a:rPr>
+                      <m:t>= </m:t>
+                    </m:r>
+                  </m:oMath>
+                </a14:m>
+                <a:r>
+                  <a:rPr lang="en-GB" dirty="0"/>
+                  <a:t>5698</a:t>
+                </a:r>
+                <a:r>
+                  <a:rPr lang="it-IT" dirty="0">
+                    <a:latin typeface="Times New Roman" panose="02020603050405020304" pitchFamily="18" charset="0"/>
+                  </a:rPr>
+                  <a:t> </a:t>
+                </a:r>
+                <a14:m>
+                  <m:oMath xmlns:m="http://schemas.openxmlformats.org/officeDocument/2006/math">
+                    <m:r>
+                      <a:rPr lang="en-GB">
+                        <a:latin typeface="Cambria Math" panose="02040503050406030204" pitchFamily="18" charset="0"/>
+                      </a:rPr>
+                      <m:t>𝑠</m:t>
+                    </m:r>
+                  </m:oMath>
+                </a14:m>
+                <a:endParaRPr lang="it-IT" sz="1800" dirty="0">
+                  <a:effectLst/>
+                  <a:latin typeface="Times New Roman" panose="02020603050405020304" pitchFamily="18" charset="0"/>
+                  <a:ea typeface="Times New Roman" panose="02020603050405020304" pitchFamily="18" charset="0"/>
+                </a:endParaRPr>
+              </a:p>
+              <a:p>
+                <a:pPr marL="285750" indent="-285750">
+                  <a:buFont typeface="Arial" panose="020B0604020202020204" pitchFamily="34" charset="0"/>
+                  <a:buChar char="•"/>
+                </a:pPr>
+                <a:endParaRPr lang="it-IT" sz="1800" dirty="0">
+                  <a:effectLst/>
+                  <a:latin typeface="Times New Roman" panose="02020603050405020304" pitchFamily="18" charset="0"/>
+                  <a:ea typeface="Times New Roman" panose="02020603050405020304" pitchFamily="18" charset="0"/>
+                </a:endParaRPr>
+              </a:p>
+              <a:p>
+                <a:pPr marL="285750" indent="-285750">
+                  <a:buFont typeface="Arial" panose="020B0604020202020204" pitchFamily="34" charset="0"/>
+                  <a:buChar char="•"/>
+                </a:pPr>
+                <a:r>
+                  <a:rPr lang="it-IT" dirty="0">
+                    <a:latin typeface="Times New Roman" panose="02020603050405020304" pitchFamily="18" charset="0"/>
+                    <a:ea typeface="Times New Roman" panose="02020603050405020304" pitchFamily="18" charset="0"/>
+                  </a:rPr>
+                  <a:t>P</a:t>
+                </a:r>
+                <a:r>
+                  <a:rPr lang="it-IT" sz="1800" dirty="0">
+                    <a:effectLst/>
+                    <a:latin typeface="Times New Roman" panose="02020603050405020304" pitchFamily="18" charset="0"/>
+                    <a:ea typeface="Times New Roman" panose="02020603050405020304" pitchFamily="18" charset="0"/>
+                  </a:rPr>
+                  <a:t>rimo impulso </a:t>
+                </a:r>
+                <a14:m>
+                  <m:oMath xmlns:m="http://schemas.openxmlformats.org/officeDocument/2006/math">
+                    <m:sSub>
+                      <m:sSubPr>
+                        <m:ctrlPr>
+                          <a:rPr lang="en-GB" sz="1800" i="1" smtClean="0">
+                            <a:effectLst/>
+                            <a:latin typeface="Cambria Math" panose="02040503050406030204" pitchFamily="18" charset="0"/>
+                          </a:rPr>
+                        </m:ctrlPr>
+                      </m:sSubPr>
+                      <m:e>
+                        <m:r>
+                          <m:rPr>
+                            <m:sty m:val="p"/>
+                          </m:rPr>
+                          <a:rPr lang="en-GB">
+                            <a:latin typeface="Cambria Math" panose="02040503050406030204" pitchFamily="18" charset="0"/>
+                          </a:rPr>
+                          <m:t>Δ</m:t>
+                        </m:r>
+                        <m:r>
+                          <a:rPr lang="en-GB">
+                            <a:latin typeface="Cambria Math" panose="02040503050406030204" pitchFamily="18" charset="0"/>
+                          </a:rPr>
+                          <m:t>𝑣</m:t>
+                        </m:r>
+                      </m:e>
+                      <m:sub>
+                        <m:r>
+                          <a:rPr lang="it-IT" b="0" i="1" smtClean="0">
+                            <a:latin typeface="Cambria Math" panose="02040503050406030204" pitchFamily="18" charset="0"/>
+                          </a:rPr>
+                          <m:t>1</m:t>
+                        </m:r>
+                      </m:sub>
+                    </m:sSub>
+                    <m:r>
+                      <a:rPr lang="it-IT" sz="1800" b="0" i="1" smtClean="0">
+                        <a:effectLst/>
+                        <a:latin typeface="Cambria Math" panose="02040503050406030204" pitchFamily="18" charset="0"/>
+                      </a:rPr>
+                      <m:t>= </m:t>
+                    </m:r>
+                  </m:oMath>
+                </a14:m>
+                <a:r>
+                  <a:rPr lang="en-GB" dirty="0"/>
+                  <a:t>0.5863 </a:t>
+                </a:r>
+                <a14:m>
+                  <m:oMath xmlns:m="http://schemas.openxmlformats.org/officeDocument/2006/math">
+                    <m:f>
+                      <m:fPr>
+                        <m:ctrlPr>
+                          <a:rPr lang="en-GB">
+                            <a:latin typeface="Cambria Math" panose="02040503050406030204" pitchFamily="18" charset="0"/>
+                          </a:rPr>
+                        </m:ctrlPr>
+                      </m:fPr>
+                      <m:num>
+                        <m:r>
+                          <a:rPr lang="en-GB">
+                            <a:latin typeface="Cambria Math" panose="02040503050406030204" pitchFamily="18" charset="0"/>
+                          </a:rPr>
+                          <m:t>𝑘𝑚</m:t>
+                        </m:r>
+                      </m:num>
+                      <m:den>
+                        <m:r>
+                          <a:rPr lang="en-GB">
+                            <a:latin typeface="Cambria Math" panose="02040503050406030204" pitchFamily="18" charset="0"/>
+                          </a:rPr>
+                          <m:t>𝑠</m:t>
+                        </m:r>
+                      </m:den>
+                    </m:f>
+                  </m:oMath>
+                </a14:m>
+                <a:endParaRPr lang="it-IT" dirty="0"/>
+              </a:p>
+              <a:p>
+                <a:pPr marL="285750" indent="-285750">
+                  <a:buFont typeface="Arial" panose="020B0604020202020204" pitchFamily="34" charset="0"/>
+                  <a:buChar char="•"/>
+                </a:pPr>
+                <a:endParaRPr lang="it-IT" dirty="0">
+                  <a:effectLst/>
+                  <a:latin typeface="Times New Roman" panose="02020603050405020304" pitchFamily="18" charset="0"/>
+                  <a:ea typeface="Times New Roman" panose="02020603050405020304" pitchFamily="18" charset="0"/>
+                </a:endParaRPr>
+              </a:p>
+              <a:p>
+                <a:pPr marL="285750" indent="-285750">
+                  <a:buFont typeface="Arial" panose="020B0604020202020204" pitchFamily="34" charset="0"/>
+                  <a:buChar char="•"/>
+                </a:pPr>
+                <a:r>
+                  <a:rPr lang="it-IT" sz="1800" dirty="0">
+                    <a:effectLst/>
+                    <a:latin typeface="Times New Roman" panose="02020603050405020304" pitchFamily="18" charset="0"/>
+                    <a:ea typeface="Times New Roman" panose="02020603050405020304" pitchFamily="18" charset="0"/>
+                  </a:rPr>
+                  <a:t>Orbita di Trasferimento:</a:t>
+                </a:r>
+                <a14:m>
+                  <m:oMath xmlns:m="http://schemas.openxmlformats.org/officeDocument/2006/math">
+                    <m:sSub>
+                      <m:sSubPr>
+                        <m:ctrlPr>
+                          <a:rPr lang="en-GB" i="1">
+                            <a:latin typeface="Cambria Math" panose="02040503050406030204" pitchFamily="18" charset="0"/>
+                          </a:rPr>
+                        </m:ctrlPr>
+                      </m:sSubPr>
+                      <m:e>
+                        <m:r>
+                          <a:rPr lang="en-GB">
+                            <a:latin typeface="Cambria Math" panose="02040503050406030204" pitchFamily="18" charset="0"/>
+                          </a:rPr>
+                          <m:t>𝑒</m:t>
+                        </m:r>
+                      </m:e>
+                      <m:sub>
+                        <m:r>
+                          <a:rPr lang="it-IT" b="0" i="1" smtClean="0">
+                            <a:latin typeface="Cambria Math" panose="02040503050406030204" pitchFamily="18" charset="0"/>
+                          </a:rPr>
+                          <m:t>𝑡</m:t>
+                        </m:r>
+                      </m:sub>
+                    </m:sSub>
+                  </m:oMath>
+                </a14:m>
+                <a:r>
+                  <a:rPr lang="it-IT" dirty="0">
+                    <a:latin typeface="Times New Roman" panose="02020603050405020304" pitchFamily="18" charset="0"/>
+                    <a:ea typeface="Times New Roman" panose="02020603050405020304" pitchFamily="18" charset="0"/>
+                  </a:rPr>
+                  <a:t> , </a:t>
+                </a:r>
+                <a14:m>
+                  <m:oMath xmlns:m="http://schemas.openxmlformats.org/officeDocument/2006/math">
+                    <m:sSub>
+                      <m:sSubPr>
+                        <m:ctrlPr>
+                          <a:rPr lang="en-GB" i="1">
+                            <a:latin typeface="Cambria Math" panose="02040503050406030204" pitchFamily="18" charset="0"/>
+                          </a:rPr>
+                        </m:ctrlPr>
+                      </m:sSubPr>
+                      <m:e>
+                        <m:r>
+                          <a:rPr lang="it-IT" i="1">
+                            <a:latin typeface="Cambria Math" panose="02040503050406030204" pitchFamily="18" charset="0"/>
+                          </a:rPr>
+                          <m:t>𝑎</m:t>
+                        </m:r>
+                      </m:e>
+                      <m:sub>
+                        <m:r>
+                          <a:rPr lang="it-IT" b="0" i="1" smtClean="0">
+                            <a:latin typeface="Cambria Math" panose="02040503050406030204" pitchFamily="18" charset="0"/>
+                          </a:rPr>
+                          <m:t>𝑡</m:t>
+                        </m:r>
+                      </m:sub>
+                    </m:sSub>
+                  </m:oMath>
+                </a14:m>
+                <a:r>
+                  <a:rPr lang="it-IT" dirty="0">
+                    <a:latin typeface="Times New Roman" panose="02020603050405020304" pitchFamily="18" charset="0"/>
+                    <a:ea typeface="Times New Roman" panose="02020603050405020304" pitchFamily="18" charset="0"/>
+                  </a:rPr>
+                  <a:t> </a:t>
+                </a:r>
+              </a:p>
+              <a:p>
+                <a:pPr marL="285750" indent="-285750">
+                  <a:buFont typeface="Arial" panose="020B0604020202020204" pitchFamily="34" charset="0"/>
+                  <a:buChar char="•"/>
+                </a:pPr>
+                <a:endParaRPr lang="it-IT" sz="1800" dirty="0">
+                  <a:effectLst/>
+                  <a:latin typeface="Times New Roman" panose="02020603050405020304" pitchFamily="18" charset="0"/>
+                  <a:ea typeface="Times New Roman" panose="02020603050405020304" pitchFamily="18" charset="0"/>
+                </a:endParaRPr>
+              </a:p>
+              <a:p>
+                <a:pPr marL="285750" indent="-285750">
+                  <a:buFont typeface="Arial" panose="020B0604020202020204" pitchFamily="34" charset="0"/>
+                  <a:buChar char="•"/>
+                </a:pPr>
+                <a:r>
+                  <a:rPr lang="it-IT" sz="1800" dirty="0">
+                    <a:effectLst/>
+                    <a:latin typeface="Times New Roman" panose="02020603050405020304" pitchFamily="18" charset="0"/>
+                    <a:ea typeface="Times New Roman" panose="02020603050405020304" pitchFamily="18" charset="0"/>
+                  </a:rPr>
+                  <a:t>Raggiungere l'apocentro dell'orbita di trasferimento</a:t>
+                </a:r>
+                <a14:m>
+                  <m:oMath xmlns:m="http://schemas.openxmlformats.org/officeDocument/2006/math">
+                    <m:sSub>
+                      <m:sSubPr>
+                        <m:ctrlPr>
+                          <a:rPr lang="en-GB" sz="1800" i="1" smtClean="0">
+                            <a:effectLst/>
+                            <a:latin typeface="Cambria Math" panose="02040503050406030204" pitchFamily="18" charset="0"/>
+                          </a:rPr>
+                        </m:ctrlPr>
+                      </m:sSubPr>
+                      <m:e>
+                        <m:r>
+                          <a:rPr lang="it-IT" sz="1800" b="0" i="0" smtClean="0">
+                            <a:effectLst/>
+                            <a:latin typeface="Cambria Math" panose="02040503050406030204" pitchFamily="18" charset="0"/>
+                          </a:rPr>
+                          <m:t>  </m:t>
+                        </m:r>
+                        <m:r>
+                          <m:rPr>
+                            <m:sty m:val="p"/>
+                          </m:rPr>
+                          <a:rPr lang="en-GB">
+                            <a:latin typeface="Cambria Math" panose="02040503050406030204" pitchFamily="18" charset="0"/>
+                          </a:rPr>
+                          <m:t>Δ</m:t>
+                        </m:r>
+                        <m:r>
+                          <a:rPr lang="it-IT" b="0" i="1" smtClean="0">
+                            <a:latin typeface="Cambria Math" panose="02040503050406030204" pitchFamily="18" charset="0"/>
+                          </a:rPr>
+                          <m:t>𝑡</m:t>
+                        </m:r>
+                      </m:e>
+                      <m:sub>
+                        <m:r>
+                          <a:rPr lang="it-IT" b="0" i="1" smtClean="0">
+                            <a:latin typeface="Cambria Math" panose="02040503050406030204" pitchFamily="18" charset="0"/>
+                          </a:rPr>
+                          <m:t>2</m:t>
+                        </m:r>
+                      </m:sub>
+                    </m:sSub>
+                    <m:r>
+                      <a:rPr lang="it-IT" sz="1800" b="0" i="1" smtClean="0">
+                        <a:effectLst/>
+                        <a:latin typeface="Cambria Math" panose="02040503050406030204" pitchFamily="18" charset="0"/>
+                      </a:rPr>
+                      <m:t>= </m:t>
+                    </m:r>
+                  </m:oMath>
+                </a14:m>
+                <a:r>
+                  <a:rPr lang="en-GB" dirty="0"/>
+                  <a:t>5295</a:t>
+                </a:r>
+                <a:r>
+                  <a:rPr lang="it-IT" dirty="0">
+                    <a:latin typeface="Times New Roman" panose="02020603050405020304" pitchFamily="18" charset="0"/>
+                  </a:rPr>
+                  <a:t> </a:t>
+                </a:r>
+                <a14:m>
+                  <m:oMath xmlns:m="http://schemas.openxmlformats.org/officeDocument/2006/math">
+                    <m:r>
+                      <a:rPr lang="en-GB">
+                        <a:latin typeface="Cambria Math" panose="02040503050406030204" pitchFamily="18" charset="0"/>
+                      </a:rPr>
+                      <m:t>𝑠</m:t>
+                    </m:r>
+                  </m:oMath>
+                </a14:m>
+                <a:endParaRPr lang="it-IT" sz="1800" dirty="0">
+                  <a:effectLst/>
+                  <a:latin typeface="Times New Roman" panose="02020603050405020304" pitchFamily="18" charset="0"/>
+                  <a:ea typeface="Times New Roman" panose="02020603050405020304" pitchFamily="18" charset="0"/>
+                </a:endParaRPr>
+              </a:p>
+              <a:p>
+                <a:pPr marL="285750" indent="-285750">
+                  <a:buFont typeface="Arial" panose="020B0604020202020204" pitchFamily="34" charset="0"/>
+                  <a:buChar char="•"/>
+                </a:pPr>
+                <a:endParaRPr lang="it-IT" sz="1800" dirty="0">
+                  <a:effectLst/>
+                  <a:latin typeface="Times New Roman" panose="02020603050405020304" pitchFamily="18" charset="0"/>
+                  <a:ea typeface="Times New Roman" panose="02020603050405020304" pitchFamily="18" charset="0"/>
+                </a:endParaRPr>
+              </a:p>
+              <a:p>
+                <a:pPr marL="285750" indent="-285750">
+                  <a:buFont typeface="Arial" panose="020B0604020202020204" pitchFamily="34" charset="0"/>
+                  <a:buChar char="•"/>
+                </a:pPr>
+                <a:r>
+                  <a:rPr lang="it-IT" dirty="0">
+                    <a:latin typeface="Times New Roman" panose="02020603050405020304" pitchFamily="18" charset="0"/>
+                  </a:rPr>
+                  <a:t>Secondo impulso </a:t>
+                </a:r>
+                <a14:m>
+                  <m:oMath xmlns:m="http://schemas.openxmlformats.org/officeDocument/2006/math">
+                    <m:sSub>
+                      <m:sSubPr>
+                        <m:ctrlPr>
+                          <a:rPr lang="en-GB" sz="1800" i="1" smtClean="0">
+                            <a:effectLst/>
+                            <a:latin typeface="Cambria Math" panose="02040503050406030204" pitchFamily="18" charset="0"/>
+                          </a:rPr>
+                        </m:ctrlPr>
+                      </m:sSubPr>
+                      <m:e>
+                        <m:r>
+                          <m:rPr>
+                            <m:sty m:val="p"/>
+                          </m:rPr>
+                          <a:rPr lang="en-GB">
+                            <a:latin typeface="Cambria Math" panose="02040503050406030204" pitchFamily="18" charset="0"/>
+                          </a:rPr>
+                          <m:t>Δ</m:t>
+                        </m:r>
+                        <m:r>
+                          <a:rPr lang="en-GB">
+                            <a:latin typeface="Cambria Math" panose="02040503050406030204" pitchFamily="18" charset="0"/>
+                          </a:rPr>
+                          <m:t>𝑣</m:t>
+                        </m:r>
+                      </m:e>
+                      <m:sub>
+                        <m:r>
+                          <a:rPr lang="it-IT" b="0" i="1" smtClean="0">
+                            <a:latin typeface="Cambria Math" panose="02040503050406030204" pitchFamily="18" charset="0"/>
+                          </a:rPr>
+                          <m:t>2</m:t>
+                        </m:r>
+                      </m:sub>
+                    </m:sSub>
+                    <m:r>
+                      <a:rPr lang="it-IT" sz="1800" b="0" i="1" smtClean="0">
+                        <a:effectLst/>
+                        <a:latin typeface="Cambria Math" panose="02040503050406030204" pitchFamily="18" charset="0"/>
+                      </a:rPr>
+                      <m:t>= </m:t>
+                    </m:r>
+                  </m:oMath>
+                </a14:m>
+                <a:r>
+                  <a:rPr lang="en-GB" dirty="0"/>
+                  <a:t>0.1642 </a:t>
+                </a:r>
+                <a14:m>
+                  <m:oMath xmlns:m="http://schemas.openxmlformats.org/officeDocument/2006/math">
+                    <m:f>
+                      <m:fPr>
+                        <m:ctrlPr>
+                          <a:rPr lang="en-GB">
+                            <a:latin typeface="Cambria Math" panose="02040503050406030204" pitchFamily="18" charset="0"/>
+                          </a:rPr>
+                        </m:ctrlPr>
+                      </m:fPr>
+                      <m:num>
+                        <m:r>
+                          <a:rPr lang="en-GB">
+                            <a:latin typeface="Cambria Math" panose="02040503050406030204" pitchFamily="18" charset="0"/>
+                          </a:rPr>
+                          <m:t>𝑘𝑚</m:t>
+                        </m:r>
+                      </m:num>
+                      <m:den>
+                        <m:r>
+                          <a:rPr lang="en-GB">
+                            <a:latin typeface="Cambria Math" panose="02040503050406030204" pitchFamily="18" charset="0"/>
+                          </a:rPr>
+                          <m:t>𝑠</m:t>
+                        </m:r>
+                      </m:den>
+                    </m:f>
+                  </m:oMath>
+                </a14:m>
+                <a:endParaRPr lang="it-IT" dirty="0"/>
+              </a:p>
+              <a:p>
+                <a:pPr marL="285750" indent="-285750">
+                  <a:buFont typeface="Arial" panose="020B0604020202020204" pitchFamily="34" charset="0"/>
+                  <a:buChar char="•"/>
+                </a:pPr>
+                <a:endParaRPr lang="it-IT" dirty="0">
+                  <a:latin typeface="Times New Roman" panose="02020603050405020304" pitchFamily="18" charset="0"/>
+                </a:endParaRPr>
+              </a:p>
+              <a:p>
+                <a:pPr marL="285750" indent="-285750">
+                  <a:buFont typeface="Arial" panose="020B0604020202020204" pitchFamily="34" charset="0"/>
+                  <a:buChar char="•"/>
+                </a:pPr>
+                <a:r>
+                  <a:rPr lang="it-IT" sz="1800" dirty="0">
+                    <a:effectLst/>
+                    <a:latin typeface="Times New Roman" panose="02020603050405020304" pitchFamily="18" charset="0"/>
+                    <a:ea typeface="Times New Roman" panose="02020603050405020304" pitchFamily="18" charset="0"/>
+                  </a:rPr>
+                  <a:t>Nuova orbita: </a:t>
+                </a:r>
+                <a14:m>
+                  <m:oMath xmlns:m="http://schemas.openxmlformats.org/officeDocument/2006/math">
+                    <m:sSub>
+                      <m:sSubPr>
+                        <m:ctrlPr>
+                          <a:rPr lang="en-GB" sz="1800" i="1" smtClean="0">
+                            <a:effectLst/>
+                            <a:latin typeface="Cambria Math" panose="02040503050406030204" pitchFamily="18" charset="0"/>
+                          </a:rPr>
+                        </m:ctrlPr>
+                      </m:sSubPr>
+                      <m:e>
+                        <m:r>
+                          <a:rPr lang="en-GB">
+                            <a:latin typeface="Cambria Math" panose="02040503050406030204" pitchFamily="18" charset="0"/>
+                          </a:rPr>
+                          <m:t>𝑒</m:t>
+                        </m:r>
+                      </m:e>
+                      <m:sub>
+                        <m:r>
+                          <a:rPr lang="it-IT" sz="1800" b="0" i="1" smtClean="0">
+                            <a:effectLst/>
+                            <a:latin typeface="Cambria Math" panose="02040503050406030204" pitchFamily="18" charset="0"/>
+                          </a:rPr>
+                          <m:t>𝑓</m:t>
+                        </m:r>
+                      </m:sub>
+                    </m:sSub>
+                  </m:oMath>
+                </a14:m>
+                <a:r>
+                  <a:rPr lang="it-IT" sz="1800" dirty="0">
+                    <a:effectLst/>
+                    <a:latin typeface="Times New Roman" panose="02020603050405020304" pitchFamily="18" charset="0"/>
+                    <a:ea typeface="Times New Roman" panose="02020603050405020304" pitchFamily="18" charset="0"/>
+                  </a:rPr>
+                  <a:t> , </a:t>
+                </a:r>
+                <a14:m>
+                  <m:oMath xmlns:m="http://schemas.openxmlformats.org/officeDocument/2006/math">
+                    <m:sSub>
+                      <m:sSubPr>
+                        <m:ctrlPr>
+                          <a:rPr lang="en-GB" i="1">
+                            <a:latin typeface="Cambria Math" panose="02040503050406030204" pitchFamily="18" charset="0"/>
+                          </a:rPr>
+                        </m:ctrlPr>
+                      </m:sSubPr>
+                      <m:e>
+                        <m:r>
+                          <a:rPr lang="it-IT" b="0" i="1" smtClean="0">
+                            <a:latin typeface="Cambria Math" panose="02040503050406030204" pitchFamily="18" charset="0"/>
+                          </a:rPr>
+                          <m:t>𝑎</m:t>
+                        </m:r>
+                      </m:e>
+                      <m:sub>
+                        <m:r>
+                          <a:rPr lang="it-IT" i="1">
+                            <a:latin typeface="Cambria Math" panose="02040503050406030204" pitchFamily="18" charset="0"/>
+                          </a:rPr>
+                          <m:t>𝑓</m:t>
+                        </m:r>
+                      </m:sub>
+                    </m:sSub>
+                  </m:oMath>
+                </a14:m>
+                <a:r>
+                  <a:rPr lang="it-IT" dirty="0">
+                    <a:latin typeface="Times New Roman" panose="02020603050405020304" pitchFamily="18" charset="0"/>
+                    <a:ea typeface="Times New Roman" panose="02020603050405020304" pitchFamily="18" charset="0"/>
+                  </a:rPr>
+                  <a:t> </a:t>
+                </a:r>
+                <a:endParaRPr lang="it-IT" sz="1800" dirty="0">
+                  <a:effectLst/>
+                  <a:latin typeface="Times New Roman" panose="02020603050405020304" pitchFamily="18" charset="0"/>
+                  <a:ea typeface="Times New Roman" panose="02020603050405020304" pitchFamily="18" charset="0"/>
+                </a:endParaRPr>
+              </a:p>
+              <a:p>
+                <a:pPr marL="285750" indent="-285750">
+                  <a:buFont typeface="Arial" panose="020B0604020202020204" pitchFamily="34" charset="0"/>
+                  <a:buChar char="•"/>
+                </a:pPr>
+                <a:endParaRPr lang="it-IT" dirty="0"/>
+              </a:p>
+            </p:txBody>
+          </p:sp>
+        </mc:Choice>
+        <mc:Fallback>
+          <p:sp>
+            <p:nvSpPr>
+              <p:cNvPr id="10" name="CasellaDiTesto 9">
+                <a:extLst>
+                  <a:ext uri="{FF2B5EF4-FFF2-40B4-BE49-F238E27FC236}">
+                    <a16:creationId xmlns:a16="http://schemas.microsoft.com/office/drawing/2014/main" id="{6A13A7E0-D697-E2BA-ED25-19B6FE51E394}"/>
+                  </a:ext>
+                </a:extLst>
+              </p:cNvPr>
+              <p:cNvSpPr txBox="1">
+                <a:spLocks noRot="1" noChangeAspect="1" noMove="1" noResize="1" noEditPoints="1" noAdjustHandles="1" noChangeArrowheads="1" noChangeShapeType="1" noTextEdit="1"/>
+              </p:cNvSpPr>
+              <p:nvPr/>
+            </p:nvSpPr>
+            <p:spPr>
+              <a:xfrm>
+                <a:off x="228600" y="1066712"/>
+                <a:ext cx="4191000" cy="4812728"/>
+              </a:xfrm>
+              <a:prstGeom prst="rect">
+                <a:avLst/>
+              </a:prstGeom>
+              <a:blipFill>
+                <a:blip r:embed="rId3"/>
+                <a:stretch>
+                  <a:fillRect l="-1310" t="-760"/>
+                </a:stretch>
+              </a:blipFill>
+            </p:spPr>
+            <p:txBody>
+              <a:bodyPr/>
+              <a:lstStyle/>
+              <a:p>
+                <a:r>
+                  <a:rPr lang="it-IT">
+                    <a:noFill/>
+                  </a:rPr>
+                  <a:t> </a:t>
+                </a:r>
+              </a:p>
+            </p:txBody>
+          </p:sp>
+        </mc:Fallback>
+      </mc:AlternateContent>
+      <p:sp>
+        <p:nvSpPr>
+          <p:cNvPr id="11" name="Ovale 10">
+            <a:extLst>
+              <a:ext uri="{FF2B5EF4-FFF2-40B4-BE49-F238E27FC236}">
+                <a16:creationId xmlns:a16="http://schemas.microsoft.com/office/drawing/2014/main" id="{BDAD4C7A-6B0B-C111-CC28-086FA53D4375}"/>
+              </a:ext>
+            </a:extLst>
+          </p:cNvPr>
+          <p:cNvSpPr/>
+          <p:nvPr/>
+        </p:nvSpPr>
+        <p:spPr>
+          <a:xfrm>
+            <a:off x="293102" y="2590800"/>
+            <a:ext cx="152400" cy="152400"/>
+          </a:xfrm>
+          <a:prstGeom prst="ellipse">
+            <a:avLst/>
+          </a:prstGeom>
+          <a:solidFill>
+            <a:srgbClr val="FF00FF"/>
+          </a:solidFill>
+          <a:ln>
+            <a:solidFill>
+              <a:schemeClr val="tx1"/>
+            </a:solidFill>
+          </a:ln>
+        </p:spPr>
+        <p:style>
+          <a:lnRef idx="0">
+            <a:scrgbClr r="0" g="0" b="0"/>
+          </a:lnRef>
+          <a:fillRef idx="0">
+            <a:scrgbClr r="0" g="0" b="0"/>
+          </a:fillRef>
+          <a:effectRef idx="0">
+            <a:scrgbClr r="0" g="0" b="0"/>
+          </a:effectRef>
+          <a:fontRef idx="minor">
+            <a:schemeClr val="dk1"/>
+          </a:fontRef>
+        </p:style>
+        <p:txBody>
+          <a:bodyPr rtlCol="0" anchor="ctr"/>
+          <a:lstStyle/>
+          <a:p>
+            <a:pPr algn="ctr"/>
+            <a:endParaRPr lang="it-IT">
+              <a:solidFill>
+                <a:srgbClr val="FF00FF"/>
+              </a:solidFill>
+            </a:endParaRPr>
+          </a:p>
+        </p:txBody>
+      </p:sp>
+      <p:sp>
+        <p:nvSpPr>
+          <p:cNvPr id="13" name="Ovale 12">
+            <a:extLst>
+              <a:ext uri="{FF2B5EF4-FFF2-40B4-BE49-F238E27FC236}">
+                <a16:creationId xmlns:a16="http://schemas.microsoft.com/office/drawing/2014/main" id="{2E02D28A-F410-6B30-3B9B-124697AD0312}"/>
+              </a:ext>
+            </a:extLst>
+          </p:cNvPr>
+          <p:cNvSpPr/>
+          <p:nvPr/>
+        </p:nvSpPr>
+        <p:spPr>
+          <a:xfrm>
+            <a:off x="293102" y="4648200"/>
+            <a:ext cx="152400" cy="152400"/>
+          </a:xfrm>
+          <a:prstGeom prst="ellipse">
+            <a:avLst/>
+          </a:prstGeom>
+          <a:solidFill>
+            <a:srgbClr val="00FFFF"/>
+          </a:solidFill>
+          <a:ln>
+            <a:solidFill>
+              <a:schemeClr val="tx1"/>
+            </a:solidFill>
+          </a:ln>
+        </p:spPr>
+        <p:style>
+          <a:lnRef idx="0">
+            <a:scrgbClr r="0" g="0" b="0"/>
+          </a:lnRef>
+          <a:fillRef idx="0">
+            <a:scrgbClr r="0" g="0" b="0"/>
+          </a:fillRef>
+          <a:effectRef idx="0">
+            <a:scrgbClr r="0" g="0" b="0"/>
+          </a:effectRef>
+          <a:fontRef idx="minor">
+            <a:schemeClr val="dk1"/>
+          </a:fontRef>
+        </p:style>
+        <p:txBody>
+          <a:bodyPr rtlCol="0" anchor="ctr"/>
+          <a:lstStyle/>
+          <a:p>
+            <a:pPr algn="ctr"/>
+            <a:endParaRPr lang="it-IT">
+              <a:solidFill>
+                <a:srgbClr val="FF00FF"/>
+              </a:solidFill>
+            </a:endParaRPr>
+          </a:p>
+        </p:txBody>
+      </p:sp>
+      <p:cxnSp>
+        <p:nvCxnSpPr>
+          <p:cNvPr id="15" name="Connettore 2 14">
+            <a:extLst>
+              <a:ext uri="{FF2B5EF4-FFF2-40B4-BE49-F238E27FC236}">
+                <a16:creationId xmlns:a16="http://schemas.microsoft.com/office/drawing/2014/main" id="{D5B609F8-BDF1-510A-1003-78D778C0FEB0}"/>
+              </a:ext>
+            </a:extLst>
+          </p:cNvPr>
+          <p:cNvCxnSpPr>
+            <a:cxnSpLocks/>
+          </p:cNvCxnSpPr>
+          <p:nvPr/>
+        </p:nvCxnSpPr>
+        <p:spPr>
+          <a:xfrm>
+            <a:off x="1790700" y="1295400"/>
+            <a:ext cx="228600" cy="0"/>
+          </a:xfrm>
+          <a:prstGeom prst="straightConnector1">
+            <a:avLst/>
+          </a:prstGeom>
+          <a:ln>
+            <a:tailEnd type="triangle"/>
+          </a:ln>
+        </p:spPr>
+        <p:style>
+          <a:lnRef idx="1">
+            <a:schemeClr val="dk1"/>
+          </a:lnRef>
+          <a:fillRef idx="0">
+            <a:schemeClr val="dk1"/>
+          </a:fillRef>
+          <a:effectRef idx="0">
+            <a:schemeClr val="dk1"/>
+          </a:effectRef>
+          <a:fontRef idx="minor">
+            <a:schemeClr val="tx1"/>
+          </a:fontRef>
+        </p:style>
+      </p:cxnSp>
     </p:spTree>
   </p:cSld>
   <p:clrMapOvr>
@@ -5241,10 +10065,10 @@
       </p:sp>
       <p:pic>
         <p:nvPicPr>
-          <p:cNvPr id="7" name="Immagine 6">
+          <p:cNvPr id="5" name="Immagine 4">
             <a:extLst>
               <a:ext uri="{FF2B5EF4-FFF2-40B4-BE49-F238E27FC236}">
-                <a16:creationId xmlns:a16="http://schemas.microsoft.com/office/drawing/2014/main" id="{FCAD97BF-0497-DA4C-5967-3B930CE081FB}"/>
+                <a16:creationId xmlns:a16="http://schemas.microsoft.com/office/drawing/2014/main" id="{E01C51AF-8713-B187-3086-87ADF85AD88A}"/>
               </a:ext>
             </a:extLst>
           </p:cNvPr>
@@ -5261,14 +10085,572 @@
         </p:blipFill>
         <p:spPr>
           <a:xfrm>
-            <a:off x="4267200" y="1219200"/>
-            <a:ext cx="4643227" cy="3640378"/>
+            <a:off x="4343400" y="1371600"/>
+            <a:ext cx="4430752" cy="3657600"/>
           </a:xfrm>
           <a:prstGeom prst="rect">
             <a:avLst/>
           </a:prstGeom>
         </p:spPr>
       </p:pic>
+      <mc:AlternateContent xmlns:mc="http://schemas.openxmlformats.org/markup-compatibility/2006">
+        <mc:Choice xmlns:a14="http://schemas.microsoft.com/office/drawing/2010/main" Requires="a14">
+          <p:sp>
+            <p:nvSpPr>
+              <p:cNvPr id="6" name="CasellaDiTesto 5">
+                <a:extLst>
+                  <a:ext uri="{FF2B5EF4-FFF2-40B4-BE49-F238E27FC236}">
+                    <a16:creationId xmlns:a16="http://schemas.microsoft.com/office/drawing/2014/main" id="{0F72A5C7-F424-1AF5-88D3-CDE7A31CE309}"/>
+                  </a:ext>
+                </a:extLst>
+              </p:cNvPr>
+              <p:cNvSpPr txBox="1"/>
+              <p:nvPr/>
+            </p:nvSpPr>
+            <p:spPr>
+              <a:xfrm>
+                <a:off x="533400" y="1371600"/>
+                <a:ext cx="3733800" cy="2474780"/>
+              </a:xfrm>
+              <a:prstGeom prst="rect">
+                <a:avLst/>
+              </a:prstGeom>
+              <a:noFill/>
+            </p:spPr>
+            <p:txBody>
+              <a:bodyPr wrap="square">
+                <a:spAutoFit/>
+              </a:bodyPr>
+              <a:lstStyle/>
+              <a:p>
+                <a:r>
+                  <a:rPr lang="it-IT" dirty="0">
+                    <a:latin typeface="Times New Roman" panose="02020603050405020304" pitchFamily="18" charset="0"/>
+                    <a:ea typeface="Times New Roman" panose="02020603050405020304" pitchFamily="18" charset="0"/>
+                  </a:rPr>
+                  <a:t>C</a:t>
+                </a:r>
+                <a:r>
+                  <a:rPr lang="it-IT" sz="1800" dirty="0">
+                    <a:effectLst/>
+                    <a:latin typeface="Times New Roman" panose="02020603050405020304" pitchFamily="18" charset="0"/>
+                    <a:ea typeface="Times New Roman" panose="02020603050405020304" pitchFamily="18" charset="0"/>
+                  </a:rPr>
+                  <a:t>ambio l'inclinazione        </a:t>
+                </a:r>
+                <a14:m>
+                  <m:oMath xmlns:m="http://schemas.openxmlformats.org/officeDocument/2006/math">
+                    <m:sSub>
+                      <m:sSubPr>
+                        <m:ctrlPr>
+                          <a:rPr lang="en-GB" sz="1800" i="1" smtClean="0">
+                            <a:effectLst/>
+                            <a:latin typeface="Cambria Math" panose="02040503050406030204" pitchFamily="18" charset="0"/>
+                          </a:rPr>
+                        </m:ctrlPr>
+                      </m:sSubPr>
+                      <m:e>
+                        <m:r>
+                          <a:rPr lang="it-IT" sz="1800" b="0" i="0" smtClean="0">
+                            <a:effectLst/>
+                            <a:latin typeface="Cambria Math" panose="02040503050406030204" pitchFamily="18" charset="0"/>
+                          </a:rPr>
+                          <m:t> </m:t>
+                        </m:r>
+                        <m:r>
+                          <a:rPr lang="it-IT" sz="1800" b="0" i="1" smtClean="0">
+                            <a:effectLst/>
+                            <a:latin typeface="Cambria Math" panose="02040503050406030204" pitchFamily="18" charset="0"/>
+                          </a:rPr>
+                          <m:t>𝑖</m:t>
+                        </m:r>
+                      </m:e>
+                      <m:sub>
+                        <m:r>
+                          <a:rPr lang="it-IT" sz="1800" b="0" i="1" smtClean="0">
+                            <a:effectLst/>
+                            <a:latin typeface="Cambria Math" panose="02040503050406030204" pitchFamily="18" charset="0"/>
+                          </a:rPr>
+                          <m:t>𝑓</m:t>
+                        </m:r>
+                      </m:sub>
+                    </m:sSub>
+                  </m:oMath>
+                </a14:m>
+                <a:r>
+                  <a:rPr lang="it-IT" sz="1800" dirty="0">
+                    <a:effectLst/>
+                    <a:latin typeface="Times New Roman" panose="02020603050405020304" pitchFamily="18" charset="0"/>
+                    <a:ea typeface="Times New Roman" panose="02020603050405020304" pitchFamily="18" charset="0"/>
+                  </a:rPr>
+                  <a:t> </a:t>
+                </a:r>
+              </a:p>
+              <a:p>
+                <a:endParaRPr lang="it-IT" dirty="0">
+                  <a:latin typeface="Times New Roman" panose="02020603050405020304" pitchFamily="18" charset="0"/>
+                  <a:ea typeface="Times New Roman" panose="02020603050405020304" pitchFamily="18" charset="0"/>
+                </a:endParaRPr>
+              </a:p>
+              <a:p>
+                <a:pPr marL="285750" indent="-285750">
+                  <a:buFont typeface="Arial" panose="020B0604020202020204" pitchFamily="34" charset="0"/>
+                  <a:buChar char="•"/>
+                </a:pPr>
+                <a:r>
+                  <a:rPr lang="it-IT" sz="1800" dirty="0">
+                    <a:effectLst/>
+                    <a:latin typeface="Times New Roman" panose="02020603050405020304" pitchFamily="18" charset="0"/>
+                    <a:ea typeface="Times New Roman" panose="02020603050405020304" pitchFamily="18" charset="0"/>
+                  </a:rPr>
+                  <a:t>Raggiungere il punto di cambio piano </a:t>
+                </a:r>
+                <a14:m>
+                  <m:oMath xmlns:m="http://schemas.openxmlformats.org/officeDocument/2006/math">
+                    <m:sSub>
+                      <m:sSubPr>
+                        <m:ctrlPr>
+                          <a:rPr lang="en-GB" sz="1800" i="1" smtClean="0">
+                            <a:effectLst/>
+                            <a:latin typeface="Cambria Math" panose="02040503050406030204" pitchFamily="18" charset="0"/>
+                          </a:rPr>
+                        </m:ctrlPr>
+                      </m:sSubPr>
+                      <m:e>
+                        <m:r>
+                          <a:rPr lang="it-IT" sz="1800" b="0" i="0" smtClean="0">
+                            <a:effectLst/>
+                            <a:latin typeface="Cambria Math" panose="02040503050406030204" pitchFamily="18" charset="0"/>
+                          </a:rPr>
+                          <m:t>  </m:t>
+                        </m:r>
+                        <m:r>
+                          <m:rPr>
+                            <m:sty m:val="p"/>
+                          </m:rPr>
+                          <a:rPr lang="en-GB">
+                            <a:latin typeface="Cambria Math" panose="02040503050406030204" pitchFamily="18" charset="0"/>
+                          </a:rPr>
+                          <m:t>Δ</m:t>
+                        </m:r>
+                        <m:r>
+                          <a:rPr lang="it-IT" b="0" i="1" smtClean="0">
+                            <a:latin typeface="Cambria Math" panose="02040503050406030204" pitchFamily="18" charset="0"/>
+                          </a:rPr>
+                          <m:t>𝑡</m:t>
+                        </m:r>
+                      </m:e>
+                      <m:sub>
+                        <m:r>
+                          <a:rPr lang="it-IT" b="0" i="1" smtClean="0">
+                            <a:latin typeface="Cambria Math" panose="02040503050406030204" pitchFamily="18" charset="0"/>
+                          </a:rPr>
+                          <m:t>3</m:t>
+                        </m:r>
+                      </m:sub>
+                    </m:sSub>
+                    <m:r>
+                      <a:rPr lang="it-IT" sz="1800" b="0" i="1" smtClean="0">
+                        <a:effectLst/>
+                        <a:latin typeface="Cambria Math" panose="02040503050406030204" pitchFamily="18" charset="0"/>
+                      </a:rPr>
+                      <m:t>=</m:t>
+                    </m:r>
+                    <m:r>
+                      <a:rPr lang="it-IT" sz="1800" b="0" i="1" smtClean="0">
+                        <a:effectLst/>
+                        <a:latin typeface="Cambria Math" panose="02040503050406030204" pitchFamily="18" charset="0"/>
+                      </a:rPr>
+                      <m:t>3122</m:t>
+                    </m:r>
+                    <m:r>
+                      <a:rPr lang="it-IT" sz="1800" b="0" i="1" smtClean="0">
+                        <a:effectLst/>
+                        <a:latin typeface="Cambria Math" panose="02040503050406030204" pitchFamily="18" charset="0"/>
+                      </a:rPr>
+                      <m:t> </m:t>
+                    </m:r>
+                    <m:r>
+                      <a:rPr lang="en-GB">
+                        <a:latin typeface="Cambria Math" panose="02040503050406030204" pitchFamily="18" charset="0"/>
+                      </a:rPr>
+                      <m:t>𝑠</m:t>
+                    </m:r>
+                  </m:oMath>
+                </a14:m>
+                <a:endParaRPr lang="it-IT" sz="1800" dirty="0">
+                  <a:effectLst/>
+                  <a:latin typeface="Times New Roman" panose="02020603050405020304" pitchFamily="18" charset="0"/>
+                  <a:ea typeface="Times New Roman" panose="02020603050405020304" pitchFamily="18" charset="0"/>
+                </a:endParaRPr>
+              </a:p>
+              <a:p>
+                <a:pPr marL="285750" indent="-285750">
+                  <a:buFont typeface="Arial" panose="020B0604020202020204" pitchFamily="34" charset="0"/>
+                  <a:buChar char="•"/>
+                </a:pPr>
+                <a:endParaRPr lang="it-IT" sz="1800" dirty="0">
+                  <a:effectLst/>
+                  <a:latin typeface="Times New Roman" panose="02020603050405020304" pitchFamily="18" charset="0"/>
+                  <a:ea typeface="Times New Roman" panose="02020603050405020304" pitchFamily="18" charset="0"/>
+                </a:endParaRPr>
+              </a:p>
+              <a:p>
+                <a:pPr marL="285750" indent="-285750">
+                  <a:buFont typeface="Arial" panose="020B0604020202020204" pitchFamily="34" charset="0"/>
+                  <a:buChar char="•"/>
+                </a:pPr>
+                <a:r>
+                  <a:rPr lang="it-IT" sz="1800" dirty="0">
+                    <a:effectLst/>
+                    <a:latin typeface="Times New Roman" panose="02020603050405020304" pitchFamily="18" charset="0"/>
+                    <a:ea typeface="Times New Roman" panose="02020603050405020304" pitchFamily="18" charset="0"/>
+                  </a:rPr>
+                  <a:t>Terzo impulso</a:t>
+                </a:r>
+                <a:r>
+                  <a:rPr lang="en-GB" sz="1800" dirty="0">
+                    <a:effectLst/>
+                  </a:rPr>
+                  <a:t> </a:t>
+                </a:r>
+                <a14:m>
+                  <m:oMath xmlns:m="http://schemas.openxmlformats.org/officeDocument/2006/math">
+                    <m:sSub>
+                      <m:sSubPr>
+                        <m:ctrlPr>
+                          <a:rPr lang="en-GB" sz="1800" i="1" smtClean="0">
+                            <a:effectLst/>
+                            <a:latin typeface="Cambria Math" panose="02040503050406030204" pitchFamily="18" charset="0"/>
+                          </a:rPr>
+                        </m:ctrlPr>
+                      </m:sSubPr>
+                      <m:e>
+                        <m:r>
+                          <m:rPr>
+                            <m:sty m:val="p"/>
+                          </m:rPr>
+                          <a:rPr lang="en-GB">
+                            <a:latin typeface="Cambria Math" panose="02040503050406030204" pitchFamily="18" charset="0"/>
+                          </a:rPr>
+                          <m:t>Δ</m:t>
+                        </m:r>
+                        <m:r>
+                          <a:rPr lang="en-GB">
+                            <a:latin typeface="Cambria Math" panose="02040503050406030204" pitchFamily="18" charset="0"/>
+                          </a:rPr>
+                          <m:t>𝑣</m:t>
+                        </m:r>
+                      </m:e>
+                      <m:sub>
+                        <m:r>
+                          <a:rPr lang="it-IT" b="0" i="1" smtClean="0">
+                            <a:latin typeface="Cambria Math" panose="02040503050406030204" pitchFamily="18" charset="0"/>
+                          </a:rPr>
+                          <m:t>3</m:t>
+                        </m:r>
+                      </m:sub>
+                    </m:sSub>
+                    <m:r>
+                      <a:rPr lang="it-IT" sz="1800" b="0" i="1" smtClean="0">
+                        <a:effectLst/>
+                        <a:latin typeface="Cambria Math" panose="02040503050406030204" pitchFamily="18" charset="0"/>
+                      </a:rPr>
+                      <m:t>= </m:t>
+                    </m:r>
+                  </m:oMath>
+                </a14:m>
+                <a:r>
+                  <a:rPr lang="en-GB" dirty="0"/>
+                  <a:t>5.1840 </a:t>
+                </a:r>
+                <a14:m>
+                  <m:oMath xmlns:m="http://schemas.openxmlformats.org/officeDocument/2006/math">
+                    <m:f>
+                      <m:fPr>
+                        <m:ctrlPr>
+                          <a:rPr lang="en-GB" i="1">
+                            <a:latin typeface="Cambria Math" panose="02040503050406030204" pitchFamily="18" charset="0"/>
+                          </a:rPr>
+                        </m:ctrlPr>
+                      </m:fPr>
+                      <m:num>
+                        <m:r>
+                          <a:rPr lang="en-GB">
+                            <a:latin typeface="Cambria Math" panose="02040503050406030204" pitchFamily="18" charset="0"/>
+                          </a:rPr>
+                          <m:t>𝑘𝑚</m:t>
+                        </m:r>
+                      </m:num>
+                      <m:den>
+                        <m:r>
+                          <a:rPr lang="en-GB">
+                            <a:latin typeface="Cambria Math" panose="02040503050406030204" pitchFamily="18" charset="0"/>
+                          </a:rPr>
+                          <m:t>𝑠</m:t>
+                        </m:r>
+                      </m:den>
+                    </m:f>
+                  </m:oMath>
+                </a14:m>
+                <a:endParaRPr lang="it-IT" sz="1800" dirty="0">
+                  <a:effectLst/>
+                  <a:latin typeface="Times New Roman" panose="02020603050405020304" pitchFamily="18" charset="0"/>
+                  <a:ea typeface="Times New Roman" panose="02020603050405020304" pitchFamily="18" charset="0"/>
+                </a:endParaRPr>
+              </a:p>
+              <a:p>
+                <a:pPr marL="285750" indent="-285750">
+                  <a:buFont typeface="Arial" panose="020B0604020202020204" pitchFamily="34" charset="0"/>
+                  <a:buChar char="•"/>
+                </a:pPr>
+                <a:endParaRPr lang="it-IT" sz="1800" dirty="0">
+                  <a:effectLst/>
+                  <a:latin typeface="Times New Roman" panose="02020603050405020304" pitchFamily="18" charset="0"/>
+                  <a:ea typeface="Times New Roman" panose="02020603050405020304" pitchFamily="18" charset="0"/>
+                </a:endParaRPr>
+              </a:p>
+              <a:p>
+                <a:pPr marL="285750" indent="-285750">
+                  <a:buFont typeface="Arial" panose="020B0604020202020204" pitchFamily="34" charset="0"/>
+                  <a:buChar char="•"/>
+                </a:pPr>
+                <a:r>
+                  <a:rPr lang="it-IT" sz="1800" dirty="0">
+                    <a:effectLst/>
+                    <a:latin typeface="Times New Roman" panose="02020603050405020304" pitchFamily="18" charset="0"/>
+                    <a:ea typeface="Times New Roman" panose="02020603050405020304" pitchFamily="18" charset="0"/>
+                  </a:rPr>
+                  <a:t>Nuova orbita: </a:t>
+                </a:r>
+                <a14:m>
+                  <m:oMath xmlns:m="http://schemas.openxmlformats.org/officeDocument/2006/math">
+                    <m:sSub>
+                      <m:sSubPr>
+                        <m:ctrlPr>
+                          <a:rPr lang="en-GB" sz="1800" i="1" smtClean="0">
+                            <a:effectLst/>
+                            <a:latin typeface="Cambria Math" panose="02040503050406030204" pitchFamily="18" charset="0"/>
+                          </a:rPr>
+                        </m:ctrlPr>
+                      </m:sSubPr>
+                      <m:e>
+                        <m:r>
+                          <a:rPr lang="it-IT" sz="1800" b="0" i="1" smtClean="0">
+                            <a:effectLst/>
+                            <a:latin typeface="Cambria Math" panose="02040503050406030204" pitchFamily="18" charset="0"/>
+                          </a:rPr>
+                          <m:t>𝑖</m:t>
+                        </m:r>
+                      </m:e>
+                      <m:sub>
+                        <m:r>
+                          <a:rPr lang="it-IT" sz="1800" b="0" i="1" smtClean="0">
+                            <a:effectLst/>
+                            <a:latin typeface="Cambria Math" panose="02040503050406030204" pitchFamily="18" charset="0"/>
+                          </a:rPr>
+                          <m:t>𝑓</m:t>
+                        </m:r>
+                      </m:sub>
+                    </m:sSub>
+                  </m:oMath>
+                </a14:m>
+                <a:r>
+                  <a:rPr lang="it-IT" sz="1800" dirty="0">
+                    <a:effectLst/>
+                    <a:latin typeface="Times New Roman" panose="02020603050405020304" pitchFamily="18" charset="0"/>
+                    <a:ea typeface="Times New Roman" panose="02020603050405020304" pitchFamily="18" charset="0"/>
+                  </a:rPr>
+                  <a:t> , </a:t>
+                </a:r>
+                <a14:m>
+                  <m:oMath xmlns:m="http://schemas.openxmlformats.org/officeDocument/2006/math">
+                    <m:sSub>
+                      <m:sSubPr>
+                        <m:ctrlPr>
+                          <a:rPr lang="en-GB" i="1">
+                            <a:latin typeface="Cambria Math" panose="02040503050406030204" pitchFamily="18" charset="0"/>
+                          </a:rPr>
+                        </m:ctrlPr>
+                      </m:sSubPr>
+                      <m:e>
+                        <m:r>
+                          <m:rPr>
+                            <m:sty m:val="p"/>
+                          </m:rPr>
+                          <a:rPr lang="en-GB">
+                            <a:latin typeface="Cambria Math" panose="02040503050406030204" pitchFamily="18" charset="0"/>
+                          </a:rPr>
+                          <m:t>Ω</m:t>
+                        </m:r>
+                      </m:e>
+                      <m:sub>
+                        <m:r>
+                          <a:rPr lang="it-IT" i="1">
+                            <a:latin typeface="Cambria Math" panose="02040503050406030204" pitchFamily="18" charset="0"/>
+                          </a:rPr>
+                          <m:t>𝑓</m:t>
+                        </m:r>
+                      </m:sub>
+                    </m:sSub>
+                  </m:oMath>
+                </a14:m>
+                <a:r>
+                  <a:rPr lang="it-IT" dirty="0">
+                    <a:latin typeface="Times New Roman" panose="02020603050405020304" pitchFamily="18" charset="0"/>
+                    <a:ea typeface="Times New Roman" panose="02020603050405020304" pitchFamily="18" charset="0"/>
+                  </a:rPr>
+                  <a:t> </a:t>
+                </a:r>
+                <a:endParaRPr lang="it-IT" sz="1800" dirty="0">
+                  <a:effectLst/>
+                  <a:latin typeface="Times New Roman" panose="02020603050405020304" pitchFamily="18" charset="0"/>
+                  <a:ea typeface="Times New Roman" panose="02020603050405020304" pitchFamily="18" charset="0"/>
+                </a:endParaRPr>
+              </a:p>
+            </p:txBody>
+          </p:sp>
+        </mc:Choice>
+        <mc:Fallback>
+          <p:sp>
+            <p:nvSpPr>
+              <p:cNvPr id="6" name="CasellaDiTesto 5">
+                <a:extLst>
+                  <a:ext uri="{FF2B5EF4-FFF2-40B4-BE49-F238E27FC236}">
+                    <a16:creationId xmlns:a16="http://schemas.microsoft.com/office/drawing/2014/main" id="{0F72A5C7-F424-1AF5-88D3-CDE7A31CE309}"/>
+                  </a:ext>
+                </a:extLst>
+              </p:cNvPr>
+              <p:cNvSpPr txBox="1">
+                <a:spLocks noRot="1" noChangeAspect="1" noMove="1" noResize="1" noEditPoints="1" noAdjustHandles="1" noChangeArrowheads="1" noChangeShapeType="1" noTextEdit="1"/>
+              </p:cNvSpPr>
+              <p:nvPr/>
+            </p:nvSpPr>
+            <p:spPr>
+              <a:xfrm>
+                <a:off x="533400" y="1371600"/>
+                <a:ext cx="3733800" cy="2474780"/>
+              </a:xfrm>
+              <a:prstGeom prst="rect">
+                <a:avLst/>
+              </a:prstGeom>
+              <a:blipFill>
+                <a:blip r:embed="rId3"/>
+                <a:stretch>
+                  <a:fillRect l="-1471" t="-1232" b="-1970"/>
+                </a:stretch>
+              </a:blipFill>
+            </p:spPr>
+            <p:txBody>
+              <a:bodyPr/>
+              <a:lstStyle/>
+              <a:p>
+                <a:r>
+                  <a:rPr lang="it-IT">
+                    <a:noFill/>
+                  </a:rPr>
+                  <a:t> </a:t>
+                </a:r>
+              </a:p>
+            </p:txBody>
+          </p:sp>
+        </mc:Fallback>
+      </mc:AlternateContent>
+      <p:sp>
+        <p:nvSpPr>
+          <p:cNvPr id="10" name="Ovale 9">
+            <a:extLst>
+              <a:ext uri="{FF2B5EF4-FFF2-40B4-BE49-F238E27FC236}">
+                <a16:creationId xmlns:a16="http://schemas.microsoft.com/office/drawing/2014/main" id="{37EEE221-A345-94F6-6AE1-799D5C771456}"/>
+              </a:ext>
+            </a:extLst>
+          </p:cNvPr>
+          <p:cNvSpPr/>
+          <p:nvPr/>
+        </p:nvSpPr>
+        <p:spPr>
+          <a:xfrm>
+            <a:off x="566419" y="2895600"/>
+            <a:ext cx="152400" cy="152400"/>
+          </a:xfrm>
+          <a:prstGeom prst="ellipse">
+            <a:avLst/>
+          </a:prstGeom>
+          <a:solidFill>
+            <a:srgbClr val="00FF00"/>
+          </a:solidFill>
+          <a:ln>
+            <a:solidFill>
+              <a:schemeClr val="tx1"/>
+            </a:solidFill>
+          </a:ln>
+        </p:spPr>
+        <p:style>
+          <a:lnRef idx="0">
+            <a:scrgbClr r="0" g="0" b="0"/>
+          </a:lnRef>
+          <a:fillRef idx="0">
+            <a:scrgbClr r="0" g="0" b="0"/>
+          </a:fillRef>
+          <a:effectRef idx="0">
+            <a:scrgbClr r="0" g="0" b="0"/>
+          </a:effectRef>
+          <a:fontRef idx="minor">
+            <a:schemeClr val="dk1"/>
+          </a:fontRef>
+        </p:style>
+        <p:txBody>
+          <a:bodyPr rtlCol="0" anchor="ctr"/>
+          <a:lstStyle/>
+          <a:p>
+            <a:pPr algn="ctr"/>
+            <a:endParaRPr lang="it-IT">
+              <a:solidFill>
+                <a:srgbClr val="FF00FF"/>
+              </a:solidFill>
+            </a:endParaRPr>
+          </a:p>
+        </p:txBody>
+      </p:sp>
+      <p:cxnSp>
+        <p:nvCxnSpPr>
+          <p:cNvPr id="12" name="Connettore 2 11">
+            <a:extLst>
+              <a:ext uri="{FF2B5EF4-FFF2-40B4-BE49-F238E27FC236}">
+                <a16:creationId xmlns:a16="http://schemas.microsoft.com/office/drawing/2014/main" id="{4E4FC78F-0DA4-7EE3-4C2D-10F50ECD71F3}"/>
+              </a:ext>
+            </a:extLst>
+          </p:cNvPr>
+          <p:cNvCxnSpPr/>
+          <p:nvPr/>
+        </p:nvCxnSpPr>
+        <p:spPr>
+          <a:xfrm>
+            <a:off x="2743200" y="1600200"/>
+            <a:ext cx="304800" cy="0"/>
+          </a:xfrm>
+          <a:prstGeom prst="straightConnector1">
+            <a:avLst/>
+          </a:prstGeom>
+          <a:ln>
+            <a:tailEnd type="triangle"/>
+          </a:ln>
+        </p:spPr>
+        <p:style>
+          <a:lnRef idx="1">
+            <a:schemeClr val="dk1"/>
+          </a:lnRef>
+          <a:fillRef idx="0">
+            <a:schemeClr val="dk1"/>
+          </a:fillRef>
+          <a:effectRef idx="0">
+            <a:schemeClr val="dk1"/>
+          </a:effectRef>
+          <a:fontRef idx="minor">
+            <a:schemeClr val="tx1"/>
+          </a:fontRef>
+        </p:style>
+      </p:cxnSp>
     </p:spTree>
     <p:extLst>
       <p:ext uri="{BB962C8B-B14F-4D97-AF65-F5344CB8AC3E}">
@@ -5388,10 +10770,10 @@
       </p:sp>
       <p:pic>
         <p:nvPicPr>
-          <p:cNvPr id="9" name="Immagine 8">
+          <p:cNvPr id="5" name="Immagine 4">
             <a:extLst>
               <a:ext uri="{FF2B5EF4-FFF2-40B4-BE49-F238E27FC236}">
-                <a16:creationId xmlns:a16="http://schemas.microsoft.com/office/drawing/2014/main" id="{73635D9D-B9BA-5722-9C68-BE33639D2BAF}"/>
+                <a16:creationId xmlns:a16="http://schemas.microsoft.com/office/drawing/2014/main" id="{47050054-B110-EEAA-AF0E-B72DF521C300}"/>
               </a:ext>
             </a:extLst>
           </p:cNvPr>
@@ -5408,14 +10790,636 @@
         </p:blipFill>
         <p:spPr>
           <a:xfrm>
-            <a:off x="4343400" y="1066800"/>
-            <a:ext cx="4463981" cy="3923129"/>
+            <a:off x="4096978" y="1143000"/>
+            <a:ext cx="4721327" cy="3962400"/>
           </a:xfrm>
           <a:prstGeom prst="rect">
             <a:avLst/>
           </a:prstGeom>
         </p:spPr>
       </p:pic>
+      <mc:AlternateContent xmlns:mc="http://schemas.openxmlformats.org/markup-compatibility/2006">
+        <mc:Choice xmlns:a14="http://schemas.microsoft.com/office/drawing/2010/main" Requires="a14">
+          <p:sp>
+            <p:nvSpPr>
+              <p:cNvPr id="6" name="CasellaDiTesto 5">
+                <a:extLst>
+                  <a:ext uri="{FF2B5EF4-FFF2-40B4-BE49-F238E27FC236}">
+                    <a16:creationId xmlns:a16="http://schemas.microsoft.com/office/drawing/2014/main" id="{6E9C6DCA-5B52-CCB1-C5D9-57C63A815F1B}"/>
+                  </a:ext>
+                </a:extLst>
+              </p:cNvPr>
+              <p:cNvSpPr txBox="1"/>
+              <p:nvPr/>
+            </p:nvSpPr>
+            <p:spPr>
+              <a:xfrm>
+                <a:off x="363795" y="1321687"/>
+                <a:ext cx="3560574" cy="3605026"/>
+              </a:xfrm>
+              <a:prstGeom prst="rect">
+                <a:avLst/>
+              </a:prstGeom>
+              <a:noFill/>
+            </p:spPr>
+            <p:txBody>
+              <a:bodyPr wrap="square">
+                <a:spAutoFit/>
+              </a:bodyPr>
+              <a:lstStyle/>
+              <a:p>
+                <a:r>
+                  <a:rPr lang="it-IT" sz="1800" dirty="0">
+                    <a:effectLst/>
+                    <a:latin typeface="Times New Roman" panose="02020603050405020304" pitchFamily="18" charset="0"/>
+                    <a:ea typeface="Times New Roman" panose="02020603050405020304" pitchFamily="18" charset="0"/>
+                  </a:rPr>
+                  <a:t>Allineare le orbite         </a:t>
+                </a:r>
+                <a14:m>
+                  <m:oMath xmlns:m="http://schemas.openxmlformats.org/officeDocument/2006/math">
+                    <m:r>
+                      <a:rPr lang="it-IT" sz="1800" b="0" i="0" smtClean="0">
+                        <a:effectLst/>
+                        <a:latin typeface="Cambria Math" panose="02040503050406030204" pitchFamily="18" charset="0"/>
+                      </a:rPr>
+                      <m:t> </m:t>
+                    </m:r>
+                    <m:sSub>
+                      <m:sSubPr>
+                        <m:ctrlPr>
+                          <a:rPr lang="en-GB" sz="1800" i="1" smtClean="0">
+                            <a:effectLst/>
+                            <a:latin typeface="Cambria Math" panose="02040503050406030204" pitchFamily="18" charset="0"/>
+                          </a:rPr>
+                        </m:ctrlPr>
+                      </m:sSubPr>
+                      <m:e>
+                        <m:r>
+                          <a:rPr lang="en-GB">
+                            <a:latin typeface="Cambria Math" panose="02040503050406030204" pitchFamily="18" charset="0"/>
+                          </a:rPr>
+                          <m:t>𝜔</m:t>
+                        </m:r>
+                      </m:e>
+                      <m:sub>
+                        <m:r>
+                          <a:rPr lang="it-IT" sz="1800" b="0" i="1" smtClean="0">
+                            <a:effectLst/>
+                            <a:latin typeface="Cambria Math" panose="02040503050406030204" pitchFamily="18" charset="0"/>
+                          </a:rPr>
+                          <m:t>𝑓</m:t>
+                        </m:r>
+                      </m:sub>
+                    </m:sSub>
+                  </m:oMath>
+                </a14:m>
+                <a:endParaRPr lang="it-IT" sz="1800" dirty="0">
+                  <a:effectLst/>
+                  <a:latin typeface="Times New Roman" panose="02020603050405020304" pitchFamily="18" charset="0"/>
+                  <a:ea typeface="Times New Roman" panose="02020603050405020304" pitchFamily="18" charset="0"/>
+                </a:endParaRPr>
+              </a:p>
+              <a:p>
+                <a:endParaRPr lang="it-IT" sz="1800" dirty="0">
+                  <a:effectLst/>
+                  <a:latin typeface="Times New Roman" panose="02020603050405020304" pitchFamily="18" charset="0"/>
+                  <a:ea typeface="Times New Roman" panose="02020603050405020304" pitchFamily="18" charset="0"/>
+                </a:endParaRPr>
+              </a:p>
+              <a:p>
+                <a:pPr marL="285750" indent="-285750">
+                  <a:buFont typeface="Arial" panose="020B0604020202020204" pitchFamily="34" charset="0"/>
+                  <a:buChar char="•"/>
+                </a:pPr>
+                <a:r>
+                  <a:rPr lang="it-IT" dirty="0">
+                    <a:latin typeface="Times New Roman" panose="02020603050405020304" pitchFamily="18" charset="0"/>
+                    <a:ea typeface="Times New Roman" panose="02020603050405020304" pitchFamily="18" charset="0"/>
+                  </a:rPr>
+                  <a:t>Raggiungere punto di cambio anomalia </a:t>
+                </a:r>
+                <a14:m>
+                  <m:oMath xmlns:m="http://schemas.openxmlformats.org/officeDocument/2006/math">
+                    <m:sSub>
+                      <m:sSubPr>
+                        <m:ctrlPr>
+                          <a:rPr lang="en-GB" sz="1800" i="1" smtClean="0">
+                            <a:effectLst/>
+                            <a:latin typeface="Cambria Math" panose="02040503050406030204" pitchFamily="18" charset="0"/>
+                          </a:rPr>
+                        </m:ctrlPr>
+                      </m:sSubPr>
+                      <m:e>
+                        <m:r>
+                          <a:rPr lang="it-IT" sz="1800" b="0" i="0" smtClean="0">
+                            <a:effectLst/>
+                            <a:latin typeface="Cambria Math" panose="02040503050406030204" pitchFamily="18" charset="0"/>
+                          </a:rPr>
+                          <m:t>  </m:t>
+                        </m:r>
+                        <m:r>
+                          <m:rPr>
+                            <m:sty m:val="p"/>
+                          </m:rPr>
+                          <a:rPr lang="en-GB">
+                            <a:latin typeface="Cambria Math" panose="02040503050406030204" pitchFamily="18" charset="0"/>
+                          </a:rPr>
+                          <m:t>Δ</m:t>
+                        </m:r>
+                        <m:r>
+                          <a:rPr lang="it-IT" b="0" i="1" smtClean="0">
+                            <a:latin typeface="Cambria Math" panose="02040503050406030204" pitchFamily="18" charset="0"/>
+                          </a:rPr>
+                          <m:t>𝑡</m:t>
+                        </m:r>
+                      </m:e>
+                      <m:sub>
+                        <m:r>
+                          <a:rPr lang="it-IT" b="0" i="1" smtClean="0">
+                            <a:latin typeface="Cambria Math" panose="02040503050406030204" pitchFamily="18" charset="0"/>
+                          </a:rPr>
+                          <m:t>4</m:t>
+                        </m:r>
+                      </m:sub>
+                    </m:sSub>
+                    <m:r>
+                      <a:rPr lang="it-IT" sz="1800" b="0" i="1" smtClean="0">
+                        <a:effectLst/>
+                        <a:latin typeface="Cambria Math" panose="02040503050406030204" pitchFamily="18" charset="0"/>
+                      </a:rPr>
+                      <m:t>=</m:t>
+                    </m:r>
+                    <m:r>
+                      <a:rPr lang="it-IT" sz="1800" b="0" i="1" smtClean="0">
+                        <a:effectLst/>
+                        <a:latin typeface="Cambria Math" panose="02040503050406030204" pitchFamily="18" charset="0"/>
+                      </a:rPr>
+                      <m:t>2777</m:t>
+                    </m:r>
+                    <m:r>
+                      <a:rPr lang="it-IT" sz="1800" b="0" i="1" smtClean="0">
+                        <a:effectLst/>
+                        <a:latin typeface="Cambria Math" panose="02040503050406030204" pitchFamily="18" charset="0"/>
+                      </a:rPr>
+                      <m:t> </m:t>
+                    </m:r>
+                    <m:r>
+                      <a:rPr lang="en-GB">
+                        <a:latin typeface="Cambria Math" panose="02040503050406030204" pitchFamily="18" charset="0"/>
+                      </a:rPr>
+                      <m:t>𝑠</m:t>
+                    </m:r>
+                  </m:oMath>
+                </a14:m>
+                <a:endParaRPr lang="it-IT" sz="1800" dirty="0">
+                  <a:effectLst/>
+                  <a:latin typeface="Times New Roman" panose="02020603050405020304" pitchFamily="18" charset="0"/>
+                  <a:ea typeface="Times New Roman" panose="02020603050405020304" pitchFamily="18" charset="0"/>
+                </a:endParaRPr>
+              </a:p>
+              <a:p>
+                <a:endParaRPr lang="it-IT" dirty="0">
+                  <a:latin typeface="Times New Roman" panose="02020603050405020304" pitchFamily="18" charset="0"/>
+                  <a:ea typeface="Times New Roman" panose="02020603050405020304" pitchFamily="18" charset="0"/>
+                </a:endParaRPr>
+              </a:p>
+              <a:p>
+                <a:pPr marL="285750" indent="-285750">
+                  <a:buFont typeface="Arial" panose="020B0604020202020204" pitchFamily="34" charset="0"/>
+                  <a:buChar char="•"/>
+                </a:pPr>
+                <a:r>
+                  <a:rPr lang="it-IT" sz="1800" dirty="0">
+                    <a:effectLst/>
+                    <a:latin typeface="Times New Roman" panose="02020603050405020304" pitchFamily="18" charset="0"/>
+                    <a:ea typeface="Times New Roman" panose="02020603050405020304" pitchFamily="18" charset="0"/>
+                  </a:rPr>
+                  <a:t>Quarto impulso </a:t>
+                </a:r>
+                <a14:m>
+                  <m:oMath xmlns:m="http://schemas.openxmlformats.org/officeDocument/2006/math">
+                    <m:sSub>
+                      <m:sSubPr>
+                        <m:ctrlPr>
+                          <a:rPr lang="en-GB" sz="1800" i="1" smtClean="0">
+                            <a:effectLst/>
+                            <a:latin typeface="Cambria Math" panose="02040503050406030204" pitchFamily="18" charset="0"/>
+                          </a:rPr>
+                        </m:ctrlPr>
+                      </m:sSubPr>
+                      <m:e>
+                        <m:r>
+                          <m:rPr>
+                            <m:sty m:val="p"/>
+                          </m:rPr>
+                          <a:rPr lang="en-GB">
+                            <a:latin typeface="Cambria Math" panose="02040503050406030204" pitchFamily="18" charset="0"/>
+                          </a:rPr>
+                          <m:t>Δ</m:t>
+                        </m:r>
+                        <m:r>
+                          <a:rPr lang="en-GB">
+                            <a:latin typeface="Cambria Math" panose="02040503050406030204" pitchFamily="18" charset="0"/>
+                          </a:rPr>
+                          <m:t>𝑣</m:t>
+                        </m:r>
+                      </m:e>
+                      <m:sub>
+                        <m:r>
+                          <a:rPr lang="it-IT" b="0" i="1" smtClean="0">
+                            <a:latin typeface="Cambria Math" panose="02040503050406030204" pitchFamily="18" charset="0"/>
+                          </a:rPr>
+                          <m:t>3</m:t>
+                        </m:r>
+                      </m:sub>
+                    </m:sSub>
+                    <m:r>
+                      <a:rPr lang="it-IT" sz="1800" b="0" i="1" smtClean="0">
+                        <a:effectLst/>
+                        <a:latin typeface="Cambria Math" panose="02040503050406030204" pitchFamily="18" charset="0"/>
+                      </a:rPr>
+                      <m:t>=</m:t>
+                    </m:r>
+                    <m:r>
+                      <m:rPr>
+                        <m:nor/>
+                      </m:rPr>
+                      <a:rPr lang="en-GB" dirty="0"/>
+                      <m:t>0.7105</m:t>
+                    </m:r>
+                    <m:f>
+                      <m:fPr>
+                        <m:ctrlPr>
+                          <a:rPr lang="en-GB" i="1">
+                            <a:latin typeface="Cambria Math" panose="02040503050406030204" pitchFamily="18" charset="0"/>
+                          </a:rPr>
+                        </m:ctrlPr>
+                      </m:fPr>
+                      <m:num>
+                        <m:r>
+                          <a:rPr lang="en-GB">
+                            <a:latin typeface="Cambria Math" panose="02040503050406030204" pitchFamily="18" charset="0"/>
+                          </a:rPr>
+                          <m:t>𝑘𝑚</m:t>
+                        </m:r>
+                      </m:num>
+                      <m:den>
+                        <m:r>
+                          <a:rPr lang="en-GB">
+                            <a:latin typeface="Cambria Math" panose="02040503050406030204" pitchFamily="18" charset="0"/>
+                          </a:rPr>
+                          <m:t>𝑠</m:t>
+                        </m:r>
+                      </m:den>
+                    </m:f>
+                  </m:oMath>
+                </a14:m>
+                <a:endParaRPr lang="it-IT" sz="1800" dirty="0">
+                  <a:effectLst/>
+                  <a:latin typeface="Times New Roman" panose="02020603050405020304" pitchFamily="18" charset="0"/>
+                  <a:ea typeface="Times New Roman" panose="02020603050405020304" pitchFamily="18" charset="0"/>
+                </a:endParaRPr>
+              </a:p>
+              <a:p>
+                <a:pPr marL="285750" indent="-285750">
+                  <a:buFont typeface="Arial" panose="020B0604020202020204" pitchFamily="34" charset="0"/>
+                  <a:buChar char="•"/>
+                </a:pPr>
+                <a:endParaRPr lang="it-IT" sz="1800" dirty="0">
+                  <a:effectLst/>
+                  <a:latin typeface="Times New Roman" panose="02020603050405020304" pitchFamily="18" charset="0"/>
+                  <a:ea typeface="Times New Roman" panose="02020603050405020304" pitchFamily="18" charset="0"/>
+                </a:endParaRPr>
+              </a:p>
+              <a:p>
+                <a:pPr marL="285750" indent="-285750">
+                  <a:buFont typeface="Arial" panose="020B0604020202020204" pitchFamily="34" charset="0"/>
+                  <a:buChar char="•"/>
+                </a:pPr>
+                <a:r>
+                  <a:rPr lang="it-IT" dirty="0">
+                    <a:latin typeface="Times New Roman" panose="02020603050405020304" pitchFamily="18" charset="0"/>
+                    <a:ea typeface="Times New Roman" panose="02020603050405020304" pitchFamily="18" charset="0"/>
+                  </a:rPr>
+                  <a:t>Orbita Finale: </a:t>
+                </a:r>
+                <a14:m>
+                  <m:oMath xmlns:m="http://schemas.openxmlformats.org/officeDocument/2006/math">
+                    <m:sSub>
+                      <m:sSubPr>
+                        <m:ctrlPr>
+                          <a:rPr lang="en-GB" sz="1800" i="1" smtClean="0">
+                            <a:effectLst/>
+                            <a:latin typeface="Cambria Math" panose="02040503050406030204" pitchFamily="18" charset="0"/>
+                          </a:rPr>
+                        </m:ctrlPr>
+                      </m:sSubPr>
+                      <m:e>
+                        <m:r>
+                          <a:rPr lang="en-GB">
+                            <a:latin typeface="Cambria Math" panose="02040503050406030204" pitchFamily="18" charset="0"/>
+                          </a:rPr>
+                          <m:t>𝜔</m:t>
+                        </m:r>
+                      </m:e>
+                      <m:sub>
+                        <m:r>
+                          <a:rPr lang="it-IT" sz="1800" b="0" i="1" smtClean="0">
+                            <a:effectLst/>
+                            <a:latin typeface="Cambria Math" panose="02040503050406030204" pitchFamily="18" charset="0"/>
+                          </a:rPr>
+                          <m:t>𝑓</m:t>
+                        </m:r>
+                      </m:sub>
+                    </m:sSub>
+                  </m:oMath>
+                </a14:m>
+                <a:endParaRPr lang="it-IT" sz="1800" dirty="0">
+                  <a:effectLst/>
+                  <a:latin typeface="Times New Roman" panose="02020603050405020304" pitchFamily="18" charset="0"/>
+                  <a:ea typeface="Times New Roman" panose="02020603050405020304" pitchFamily="18" charset="0"/>
+                </a:endParaRPr>
+              </a:p>
+              <a:p>
+                <a:pPr marL="285750" indent="-285750">
+                  <a:buFont typeface="Arial" panose="020B0604020202020204" pitchFamily="34" charset="0"/>
+                  <a:buChar char="•"/>
+                </a:pPr>
+                <a:endParaRPr lang="it-IT" sz="1800" dirty="0">
+                  <a:effectLst/>
+                  <a:latin typeface="Times New Roman" panose="02020603050405020304" pitchFamily="18" charset="0"/>
+                  <a:ea typeface="Times New Roman" panose="02020603050405020304" pitchFamily="18" charset="0"/>
+                </a:endParaRPr>
+              </a:p>
+              <a:p>
+                <a:pPr marL="285750" indent="-285750">
+                  <a:buFont typeface="Arial" panose="020B0604020202020204" pitchFamily="34" charset="0"/>
+                  <a:buChar char="•"/>
+                </a:pPr>
+                <a:r>
+                  <a:rPr lang="it-IT" dirty="0">
+                    <a:latin typeface="Times New Roman" panose="02020603050405020304" pitchFamily="18" charset="0"/>
+                    <a:ea typeface="Times New Roman" panose="02020603050405020304" pitchFamily="18" charset="0"/>
+                  </a:rPr>
+                  <a:t>Raggiungo la posizione finale</a:t>
+                </a:r>
+                <a:r>
+                  <a:rPr lang="en-GB" dirty="0"/>
+                  <a:t> </a:t>
+                </a:r>
+                <a14:m>
+                  <m:oMath xmlns:m="http://schemas.openxmlformats.org/officeDocument/2006/math">
+                    <m:sSub>
+                      <m:sSubPr>
+                        <m:ctrlPr>
+                          <a:rPr lang="en-GB" i="1">
+                            <a:latin typeface="Cambria Math" panose="02040503050406030204" pitchFamily="18" charset="0"/>
+                          </a:rPr>
+                        </m:ctrlPr>
+                      </m:sSubPr>
+                      <m:e>
+                        <m:r>
+                          <a:rPr lang="en-GB">
+                            <a:latin typeface="Cambria Math" panose="02040503050406030204" pitchFamily="18" charset="0"/>
+                          </a:rPr>
+                          <m:t>𝜃</m:t>
+                        </m:r>
+                      </m:e>
+                      <m:sub>
+                        <m:r>
+                          <a:rPr lang="it-IT" i="1">
+                            <a:latin typeface="Cambria Math" panose="02040503050406030204" pitchFamily="18" charset="0"/>
+                          </a:rPr>
+                          <m:t>𝑓</m:t>
+                        </m:r>
+                      </m:sub>
+                    </m:sSub>
+                    <m:sSub>
+                      <m:sSubPr>
+                        <m:ctrlPr>
+                          <a:rPr lang="en-GB" i="1">
+                            <a:latin typeface="Cambria Math" panose="02040503050406030204" pitchFamily="18" charset="0"/>
+                          </a:rPr>
+                        </m:ctrlPr>
+                      </m:sSubPr>
+                      <m:e>
+                        <m:r>
+                          <a:rPr lang="it-IT">
+                            <a:latin typeface="Cambria Math" panose="02040503050406030204" pitchFamily="18" charset="0"/>
+                          </a:rPr>
+                          <m:t>  </m:t>
+                        </m:r>
+                        <m:r>
+                          <m:rPr>
+                            <m:sty m:val="p"/>
+                          </m:rPr>
+                          <a:rPr lang="en-GB">
+                            <a:latin typeface="Cambria Math" panose="02040503050406030204" pitchFamily="18" charset="0"/>
+                          </a:rPr>
+                          <m:t>Δ</m:t>
+                        </m:r>
+                        <m:r>
+                          <a:rPr lang="it-IT" i="1">
+                            <a:latin typeface="Cambria Math" panose="02040503050406030204" pitchFamily="18" charset="0"/>
+                          </a:rPr>
+                          <m:t>𝑡</m:t>
+                        </m:r>
+                      </m:e>
+                      <m:sub>
+                        <m:r>
+                          <a:rPr lang="it-IT" b="0" i="1" smtClean="0">
+                            <a:latin typeface="Cambria Math" panose="02040503050406030204" pitchFamily="18" charset="0"/>
+                          </a:rPr>
+                          <m:t>5</m:t>
+                        </m:r>
+                      </m:sub>
+                    </m:sSub>
+                    <m:r>
+                      <a:rPr lang="it-IT" i="1">
+                        <a:latin typeface="Cambria Math" panose="02040503050406030204" pitchFamily="18" charset="0"/>
+                      </a:rPr>
+                      <m:t>=</m:t>
+                    </m:r>
+                    <m:r>
+                      <a:rPr lang="it-IT" b="0" i="1" smtClean="0">
+                        <a:latin typeface="Cambria Math" panose="02040503050406030204" pitchFamily="18" charset="0"/>
+                      </a:rPr>
+                      <m:t>631</m:t>
+                    </m:r>
+                    <m:r>
+                      <a:rPr lang="it-IT" i="1">
+                        <a:latin typeface="Cambria Math" panose="02040503050406030204" pitchFamily="18" charset="0"/>
+                      </a:rPr>
+                      <m:t> </m:t>
+                    </m:r>
+                    <m:r>
+                      <a:rPr lang="en-GB">
+                        <a:latin typeface="Cambria Math" panose="02040503050406030204" pitchFamily="18" charset="0"/>
+                      </a:rPr>
+                      <m:t>𝑠</m:t>
+                    </m:r>
+                  </m:oMath>
+                </a14:m>
+                <a:endParaRPr lang="it-IT" dirty="0">
+                  <a:latin typeface="Times New Roman" panose="02020603050405020304" pitchFamily="18" charset="0"/>
+                  <a:ea typeface="Times New Roman" panose="02020603050405020304" pitchFamily="18" charset="0"/>
+                </a:endParaRPr>
+              </a:p>
+              <a:p>
+                <a:pPr marL="285750" indent="-285750">
+                  <a:buFont typeface="Arial" panose="020B0604020202020204" pitchFamily="34" charset="0"/>
+                  <a:buChar char="•"/>
+                </a:pPr>
+                <a:endParaRPr lang="it-IT" sz="1800" dirty="0">
+                  <a:effectLst/>
+                  <a:latin typeface="Times New Roman" panose="02020603050405020304" pitchFamily="18" charset="0"/>
+                  <a:ea typeface="Times New Roman" panose="02020603050405020304" pitchFamily="18" charset="0"/>
+                </a:endParaRPr>
+              </a:p>
+            </p:txBody>
+          </p:sp>
+        </mc:Choice>
+        <mc:Fallback>
+          <p:sp>
+            <p:nvSpPr>
+              <p:cNvPr id="6" name="CasellaDiTesto 5">
+                <a:extLst>
+                  <a:ext uri="{FF2B5EF4-FFF2-40B4-BE49-F238E27FC236}">
+                    <a16:creationId xmlns:a16="http://schemas.microsoft.com/office/drawing/2014/main" id="{6E9C6DCA-5B52-CCB1-C5D9-57C63A815F1B}"/>
+                  </a:ext>
+                </a:extLst>
+              </p:cNvPr>
+              <p:cNvSpPr txBox="1">
+                <a:spLocks noRot="1" noChangeAspect="1" noMove="1" noResize="1" noEditPoints="1" noAdjustHandles="1" noChangeArrowheads="1" noChangeShapeType="1" noTextEdit="1"/>
+              </p:cNvSpPr>
+              <p:nvPr/>
+            </p:nvSpPr>
+            <p:spPr>
+              <a:xfrm>
+                <a:off x="363795" y="1321687"/>
+                <a:ext cx="3560574" cy="3605026"/>
+              </a:xfrm>
+              <a:prstGeom prst="rect">
+                <a:avLst/>
+              </a:prstGeom>
+              <a:blipFill>
+                <a:blip r:embed="rId3"/>
+                <a:stretch>
+                  <a:fillRect l="-1541" t="-1015"/>
+                </a:stretch>
+              </a:blipFill>
+            </p:spPr>
+            <p:txBody>
+              <a:bodyPr/>
+              <a:lstStyle/>
+              <a:p>
+                <a:r>
+                  <a:rPr lang="it-IT">
+                    <a:noFill/>
+                  </a:rPr>
+                  <a:t> </a:t>
+                </a:r>
+              </a:p>
+            </p:txBody>
+          </p:sp>
+        </mc:Fallback>
+      </mc:AlternateContent>
+      <p:sp>
+        <p:nvSpPr>
+          <p:cNvPr id="8" name="Ovale 7">
+            <a:extLst>
+              <a:ext uri="{FF2B5EF4-FFF2-40B4-BE49-F238E27FC236}">
+                <a16:creationId xmlns:a16="http://schemas.microsoft.com/office/drawing/2014/main" id="{1183B2BD-C4D1-327F-24BD-671F147F6A30}"/>
+              </a:ext>
+            </a:extLst>
+          </p:cNvPr>
+          <p:cNvSpPr/>
+          <p:nvPr/>
+        </p:nvSpPr>
+        <p:spPr>
+          <a:xfrm>
+            <a:off x="396240" y="2912336"/>
+            <a:ext cx="152400" cy="152400"/>
+          </a:xfrm>
+          <a:prstGeom prst="ellipse">
+            <a:avLst/>
+          </a:prstGeom>
+          <a:solidFill>
+            <a:srgbClr val="0000FF"/>
+          </a:solidFill>
+          <a:ln>
+            <a:solidFill>
+              <a:schemeClr val="tx1"/>
+            </a:solidFill>
+          </a:ln>
+        </p:spPr>
+        <p:style>
+          <a:lnRef idx="0">
+            <a:scrgbClr r="0" g="0" b="0"/>
+          </a:lnRef>
+          <a:fillRef idx="0">
+            <a:scrgbClr r="0" g="0" b="0"/>
+          </a:fillRef>
+          <a:effectRef idx="0">
+            <a:scrgbClr r="0" g="0" b="0"/>
+          </a:effectRef>
+          <a:fontRef idx="minor">
+            <a:schemeClr val="dk1"/>
+          </a:fontRef>
+        </p:style>
+        <p:txBody>
+          <a:bodyPr rtlCol="0" anchor="ctr"/>
+          <a:lstStyle/>
+          <a:p>
+            <a:pPr algn="ctr"/>
+            <a:endParaRPr lang="it-IT">
+              <a:solidFill>
+                <a:srgbClr val="FF00FF"/>
+              </a:solidFill>
+            </a:endParaRPr>
+          </a:p>
+        </p:txBody>
+      </p:sp>
+      <p:cxnSp>
+        <p:nvCxnSpPr>
+          <p:cNvPr id="10" name="Connettore 2 9">
+            <a:extLst>
+              <a:ext uri="{FF2B5EF4-FFF2-40B4-BE49-F238E27FC236}">
+                <a16:creationId xmlns:a16="http://schemas.microsoft.com/office/drawing/2014/main" id="{AB6BE6A3-5C9D-A24B-9D9C-CC2D3FB4F2FA}"/>
+              </a:ext>
+            </a:extLst>
+          </p:cNvPr>
+          <p:cNvCxnSpPr/>
+          <p:nvPr/>
+        </p:nvCxnSpPr>
+        <p:spPr>
+          <a:xfrm>
+            <a:off x="2286000" y="1524000"/>
+            <a:ext cx="304800" cy="0"/>
+          </a:xfrm>
+          <a:prstGeom prst="straightConnector1">
+            <a:avLst/>
+          </a:prstGeom>
+          <a:ln>
+            <a:tailEnd type="triangle"/>
+          </a:ln>
+        </p:spPr>
+        <p:style>
+          <a:lnRef idx="1">
+            <a:schemeClr val="dk1"/>
+          </a:lnRef>
+          <a:fillRef idx="0">
+            <a:schemeClr val="dk1"/>
+          </a:fillRef>
+          <a:effectRef idx="0">
+            <a:schemeClr val="dk1"/>
+          </a:effectRef>
+          <a:fontRef idx="minor">
+            <a:schemeClr val="tx1"/>
+          </a:fontRef>
+        </p:style>
+      </p:cxnSp>
     </p:spTree>
   </p:cSld>
   <p:clrMapOvr>
@@ -5525,6 +11529,192 @@
               <a:latin typeface="Arial"/>
               <a:cs typeface="Arial"/>
             </a:endParaRPr>
+          </a:p>
+        </p:txBody>
+      </p:sp>
+      <p:sp>
+        <p:nvSpPr>
+          <p:cNvPr id="5" name="CasellaDiTesto 4">
+            <a:extLst>
+              <a:ext uri="{FF2B5EF4-FFF2-40B4-BE49-F238E27FC236}">
+                <a16:creationId xmlns:a16="http://schemas.microsoft.com/office/drawing/2014/main" id="{D8EC853A-5A4F-68B7-6513-0425BB44610D}"/>
+              </a:ext>
+            </a:extLst>
+          </p:cNvPr>
+          <p:cNvSpPr txBox="1"/>
+          <p:nvPr/>
+        </p:nvSpPr>
+        <p:spPr>
+          <a:xfrm>
+            <a:off x="390832" y="1043731"/>
+            <a:ext cx="8056373" cy="4031873"/>
+          </a:xfrm>
+          <a:prstGeom prst="rect">
+            <a:avLst/>
+          </a:prstGeom>
+          <a:noFill/>
+        </p:spPr>
+        <p:txBody>
+          <a:bodyPr wrap="square">
+            <a:spAutoFit/>
+          </a:bodyPr>
+          <a:lstStyle/>
+          <a:p>
+            <a:r>
+              <a:rPr lang="it-IT" sz="1600" dirty="0">
+                <a:effectLst/>
+                <a:latin typeface="Times New Roman" panose="02020603050405020304" pitchFamily="18" charset="0"/>
+                <a:ea typeface="Times New Roman" panose="02020603050405020304" pitchFamily="18" charset="0"/>
+              </a:rPr>
+              <a:t>Questa strategia è quella con il costo più basso in termini di velocità, fino al 27,3% inferiore rispetto alle altre strategie. </a:t>
+            </a:r>
+          </a:p>
+          <a:p>
+            <a:r>
+              <a:rPr lang="it-IT" sz="1600" dirty="0">
+                <a:effectLst/>
+                <a:latin typeface="Times New Roman" panose="02020603050405020304" pitchFamily="18" charset="0"/>
+                <a:ea typeface="Times New Roman" panose="02020603050405020304" pitchFamily="18" charset="0"/>
+              </a:rPr>
+              <a:t> </a:t>
+            </a:r>
+          </a:p>
+          <a:p>
+            <a:r>
+              <a:rPr lang="it-IT" sz="1600" dirty="0">
+                <a:effectLst/>
+                <a:latin typeface="Times New Roman" panose="02020603050405020304" pitchFamily="18" charset="0"/>
+                <a:ea typeface="Times New Roman" panose="02020603050405020304" pitchFamily="18" charset="0"/>
+              </a:rPr>
+              <a:t>Questo è possibile dal momento che è stato scelto di non cambiare il piano orbitale come prima manovra e di farlo in un punto più lontano,</a:t>
+            </a:r>
+            <a:r>
+              <a:rPr lang="it-IT" sz="1600" dirty="0">
+                <a:solidFill>
+                  <a:srgbClr val="A8D08D"/>
+                </a:solidFill>
+                <a:effectLst/>
+                <a:latin typeface="Times New Roman" panose="02020603050405020304" pitchFamily="18" charset="0"/>
+                <a:ea typeface="Times New Roman" panose="02020603050405020304" pitchFamily="18" charset="0"/>
+              </a:rPr>
+              <a:t> </a:t>
+            </a:r>
+            <a:r>
+              <a:rPr lang="it-IT" sz="1600" dirty="0">
+                <a:effectLst/>
+                <a:latin typeface="Times New Roman" panose="02020603050405020304" pitchFamily="18" charset="0"/>
+                <a:ea typeface="Times New Roman" panose="02020603050405020304" pitchFamily="18" charset="0"/>
+              </a:rPr>
+              <a:t>risparmiando fino al 13,6% di </a:t>
+            </a:r>
+            <a:r>
+              <a:rPr lang="en-GB" sz="1600" dirty="0">
+                <a:effectLst/>
+                <a:latin typeface="Times New Roman" panose="02020603050405020304" pitchFamily="18" charset="0"/>
+                <a:ea typeface="Times New Roman" panose="02020603050405020304" pitchFamily="18" charset="0"/>
+              </a:rPr>
+              <a:t>Δ</a:t>
+            </a:r>
+            <a:r>
+              <a:rPr lang="it-IT" sz="1600" dirty="0">
+                <a:effectLst/>
+                <a:latin typeface="Times New Roman" panose="02020603050405020304" pitchFamily="18" charset="0"/>
+                <a:ea typeface="Times New Roman" panose="02020603050405020304" pitchFamily="18" charset="0"/>
+              </a:rPr>
+              <a:t>v utilizzato per il cambio inclinazione.</a:t>
+            </a:r>
+          </a:p>
+          <a:p>
+            <a:r>
+              <a:rPr lang="it-IT" sz="1600" dirty="0">
+                <a:effectLst/>
+                <a:latin typeface="Times New Roman" panose="02020603050405020304" pitchFamily="18" charset="0"/>
+                <a:ea typeface="Times New Roman" panose="02020603050405020304" pitchFamily="18" charset="0"/>
+              </a:rPr>
+              <a:t> </a:t>
+            </a:r>
+          </a:p>
+          <a:p>
+            <a:r>
+              <a:rPr lang="it-IT" sz="1600" dirty="0">
+                <a:effectLst/>
+                <a:latin typeface="Times New Roman" panose="02020603050405020304" pitchFamily="18" charset="0"/>
+                <a:ea typeface="Times New Roman" panose="02020603050405020304" pitchFamily="18" charset="0"/>
+              </a:rPr>
+              <a:t>Inoltre la manovra bitangente scelta, ovvero quella da pericentro ad apocentro, è quella meno costosa. Si è calcolata una riduzione di </a:t>
+            </a:r>
+            <a:r>
+              <a:rPr lang="it-IT" sz="1600" dirty="0" err="1">
+                <a:effectLst/>
+                <a:latin typeface="Times New Roman" panose="02020603050405020304" pitchFamily="18" charset="0"/>
+                <a:ea typeface="Times New Roman" panose="02020603050405020304" pitchFamily="18" charset="0"/>
+              </a:rPr>
+              <a:t>Δv</a:t>
+            </a:r>
+            <a:r>
+              <a:rPr lang="it-IT" sz="1600" dirty="0">
+                <a:effectLst/>
+                <a:latin typeface="Times New Roman" panose="02020603050405020304" pitchFamily="18" charset="0"/>
+                <a:ea typeface="Times New Roman" panose="02020603050405020304" pitchFamily="18" charset="0"/>
+              </a:rPr>
+              <a:t> del 2,15% rispetto alla manovra effettuata dall’apocentro al pericentro e fino al 34,7% rispetto alle altre manovre bitangenti. </a:t>
+            </a:r>
+          </a:p>
+          <a:p>
+            <a:r>
+              <a:rPr lang="it-IT" sz="1600" dirty="0">
+                <a:effectLst/>
+                <a:latin typeface="Times New Roman" panose="02020603050405020304" pitchFamily="18" charset="0"/>
+                <a:ea typeface="Times New Roman" panose="02020603050405020304" pitchFamily="18" charset="0"/>
+              </a:rPr>
+              <a:t> </a:t>
+            </a:r>
+          </a:p>
+          <a:p>
+            <a:r>
+              <a:rPr lang="it-IT" sz="1600" dirty="0">
+                <a:effectLst/>
+                <a:latin typeface="Times New Roman" panose="02020603050405020304" pitchFamily="18" charset="0"/>
+                <a:ea typeface="Times New Roman" panose="02020603050405020304" pitchFamily="18" charset="0"/>
+              </a:rPr>
+              <a:t>Il costo associato al cambiamento di anomalia del pericentro è del 47,6% maggiore di quello più basso, ma nonostante questo fatto, il costo totale della strategia rimane il più conveniente.</a:t>
+            </a:r>
+          </a:p>
+          <a:p>
+            <a:r>
+              <a:rPr lang="it-IT" sz="1600" dirty="0">
+                <a:effectLst/>
+                <a:latin typeface="Times New Roman" panose="02020603050405020304" pitchFamily="18" charset="0"/>
+                <a:ea typeface="Times New Roman" panose="02020603050405020304" pitchFamily="18" charset="0"/>
+              </a:rPr>
+              <a:t> </a:t>
+            </a:r>
+          </a:p>
+          <a:p>
+            <a:r>
+              <a:rPr lang="it-IT" sz="1600" dirty="0">
+                <a:effectLst/>
+                <a:latin typeface="Times New Roman" panose="02020603050405020304" pitchFamily="18" charset="0"/>
+                <a:ea typeface="Times New Roman" panose="02020603050405020304" pitchFamily="18" charset="0"/>
+              </a:rPr>
+              <a:t>Il tempo richiesto dalla strategia proposta è superiore del 21,1% rispetto alle altre strategie, ed è maggiore perché le orbite sono più larghe per ridurre </a:t>
+            </a:r>
+            <a:r>
+              <a:rPr lang="it-IT" sz="1600" dirty="0" err="1">
+                <a:effectLst/>
+                <a:latin typeface="Times New Roman" panose="02020603050405020304" pitchFamily="18" charset="0"/>
+                <a:ea typeface="Times New Roman" panose="02020603050405020304" pitchFamily="18" charset="0"/>
+              </a:rPr>
+              <a:t>Δv</a:t>
+            </a:r>
+            <a:r>
+              <a:rPr lang="it-IT" sz="1600" dirty="0">
+                <a:effectLst/>
+                <a:latin typeface="Times New Roman" panose="02020603050405020304" pitchFamily="18" charset="0"/>
+                <a:ea typeface="Times New Roman" panose="02020603050405020304" pitchFamily="18" charset="0"/>
+              </a:rPr>
+              <a:t>. </a:t>
+            </a:r>
           </a:p>
         </p:txBody>
       </p:sp>

--- a/Modelli relazione/ppt_presentazione.pptx
+++ b/Modelli relazione/ppt_presentazione.pptx
@@ -19,7 +19,9 @@
     <p:sldId id="302" r:id="rId13"/>
     <p:sldId id="303" r:id="rId14"/>
     <p:sldId id="304" r:id="rId15"/>
-    <p:sldId id="300" r:id="rId16"/>
+    <p:sldId id="307" r:id="rId16"/>
+    <p:sldId id="305" r:id="rId17"/>
+    <p:sldId id="300" r:id="rId18"/>
   </p:sldIdLst>
   <p:sldSz cx="9144000" cy="6858000" type="screen4x3"/>
   <p:notesSz cx="9144000" cy="6858000"/>
@@ -240,244 +242,6 @@
           <ac:spMkLst>
             <pc:docMk/>
             <pc:sldMk cId="3867818285" sldId="303"/>
-            <ac:spMk id="3" creationId="{00000000-0000-0000-0000-000000000000}"/>
-          </ac:spMkLst>
-        </pc:spChg>
-      </pc:sldChg>
-    </pc:docChg>
-  </pc:docChgLst>
-  <pc:docChgLst>
-    <pc:chgData name="Silvia Pala" userId="f0133cc1-7ddc-4617-95f3-a1b241401a99" providerId="ADAL" clId="{B8AD580B-F48D-4C46-AD44-FB3D7B3B8CED}"/>
-    <pc:docChg chg="undo custSel addSld modSld">
-      <pc:chgData name="Silvia Pala" userId="f0133cc1-7ddc-4617-95f3-a1b241401a99" providerId="ADAL" clId="{B8AD580B-F48D-4C46-AD44-FB3D7B3B8CED}" dt="2023-01-03T12:49:04.575" v="243" actId="1076"/>
-      <pc:docMkLst>
-        <pc:docMk/>
-      </pc:docMkLst>
-      <pc:sldChg chg="modSp mod">
-        <pc:chgData name="Silvia Pala" userId="f0133cc1-7ddc-4617-95f3-a1b241401a99" providerId="ADAL" clId="{B8AD580B-F48D-4C46-AD44-FB3D7B3B8CED}" dt="2023-01-01T21:57:07.713" v="2" actId="20577"/>
-        <pc:sldMkLst>
-          <pc:docMk/>
-          <pc:sldMk cId="0" sldId="256"/>
-        </pc:sldMkLst>
-        <pc:spChg chg="mod">
-          <ac:chgData name="Silvia Pala" userId="f0133cc1-7ddc-4617-95f3-a1b241401a99" providerId="ADAL" clId="{B8AD580B-F48D-4C46-AD44-FB3D7B3B8CED}" dt="2023-01-01T21:57:07.713" v="2" actId="20577"/>
-          <ac:spMkLst>
-            <pc:docMk/>
-            <pc:sldMk cId="0" sldId="256"/>
-            <ac:spMk id="4" creationId="{D90E403D-70D9-E8A4-CFFE-6B79FDF2DDA9}"/>
-          </ac:spMkLst>
-        </pc:spChg>
-      </pc:sldChg>
-      <pc:sldChg chg="addSp modSp mod">
-        <pc:chgData name="Silvia Pala" userId="f0133cc1-7ddc-4617-95f3-a1b241401a99" providerId="ADAL" clId="{B8AD580B-F48D-4C46-AD44-FB3D7B3B8CED}" dt="2023-01-03T12:41:44.524" v="236" actId="1076"/>
-        <pc:sldMkLst>
-          <pc:docMk/>
-          <pc:sldMk cId="0" sldId="260"/>
-        </pc:sldMkLst>
-        <pc:picChg chg="add mod">
-          <ac:chgData name="Silvia Pala" userId="f0133cc1-7ddc-4617-95f3-a1b241401a99" providerId="ADAL" clId="{B8AD580B-F48D-4C46-AD44-FB3D7B3B8CED}" dt="2023-01-03T12:41:44.524" v="236" actId="1076"/>
-          <ac:picMkLst>
-            <pc:docMk/>
-            <pc:sldMk cId="0" sldId="260"/>
-            <ac:picMk id="5" creationId="{3B7658AD-6357-64AA-4C0A-C4B7E0A08F02}"/>
-          </ac:picMkLst>
-        </pc:picChg>
-      </pc:sldChg>
-      <pc:sldChg chg="addSp delSp modSp mod">
-        <pc:chgData name="Silvia Pala" userId="f0133cc1-7ddc-4617-95f3-a1b241401a99" providerId="ADAL" clId="{B8AD580B-F48D-4C46-AD44-FB3D7B3B8CED}" dt="2023-01-02T20:45:03.454" v="55" actId="1076"/>
-        <pc:sldMkLst>
-          <pc:docMk/>
-          <pc:sldMk cId="0" sldId="261"/>
-        </pc:sldMkLst>
-        <pc:picChg chg="add del mod">
-          <ac:chgData name="Silvia Pala" userId="f0133cc1-7ddc-4617-95f3-a1b241401a99" providerId="ADAL" clId="{B8AD580B-F48D-4C46-AD44-FB3D7B3B8CED}" dt="2023-01-02T20:26:00.225" v="30" actId="478"/>
-          <ac:picMkLst>
-            <pc:docMk/>
-            <pc:sldMk cId="0" sldId="261"/>
-            <ac:picMk id="5" creationId="{E2540B7C-8B50-68A2-0BC2-AA39FEAFB416}"/>
-          </ac:picMkLst>
-        </pc:picChg>
-        <pc:picChg chg="add mod">
-          <ac:chgData name="Silvia Pala" userId="f0133cc1-7ddc-4617-95f3-a1b241401a99" providerId="ADAL" clId="{B8AD580B-F48D-4C46-AD44-FB3D7B3B8CED}" dt="2023-01-02T20:45:03.454" v="55" actId="1076"/>
-          <ac:picMkLst>
-            <pc:docMk/>
-            <pc:sldMk cId="0" sldId="261"/>
-            <ac:picMk id="7" creationId="{3DAE5DC2-CFC1-31DB-FA71-AC08E22E0740}"/>
-          </ac:picMkLst>
-        </pc:picChg>
-      </pc:sldChg>
-      <pc:sldChg chg="addSp delSp modSp mod">
-        <pc:chgData name="Silvia Pala" userId="f0133cc1-7ddc-4617-95f3-a1b241401a99" providerId="ADAL" clId="{B8AD580B-F48D-4C46-AD44-FB3D7B3B8CED}" dt="2023-01-03T12:49:04.575" v="243" actId="1076"/>
-        <pc:sldMkLst>
-          <pc:docMk/>
-          <pc:sldMk cId="0" sldId="266"/>
-        </pc:sldMkLst>
-        <pc:picChg chg="add del mod">
-          <ac:chgData name="Silvia Pala" userId="f0133cc1-7ddc-4617-95f3-a1b241401a99" providerId="ADAL" clId="{B8AD580B-F48D-4C46-AD44-FB3D7B3B8CED}" dt="2023-01-03T12:37:25.154" v="232" actId="478"/>
-          <ac:picMkLst>
-            <pc:docMk/>
-            <pc:sldMk cId="0" sldId="266"/>
-            <ac:picMk id="5" creationId="{82E00CE2-9C4D-1E0B-F5E5-7B8B3E7BE442}"/>
-          </ac:picMkLst>
-        </pc:picChg>
-        <pc:picChg chg="add del">
-          <ac:chgData name="Silvia Pala" userId="f0133cc1-7ddc-4617-95f3-a1b241401a99" providerId="ADAL" clId="{B8AD580B-F48D-4C46-AD44-FB3D7B3B8CED}" dt="2023-01-02T20:31:09.045" v="41" actId="478"/>
-          <ac:picMkLst>
-            <pc:docMk/>
-            <pc:sldMk cId="0" sldId="266"/>
-            <ac:picMk id="5" creationId="{A860C61B-EFE2-06C9-B2FA-AC6AEB9CC4A7}"/>
-          </ac:picMkLst>
-        </pc:picChg>
-        <pc:picChg chg="add del mod">
-          <ac:chgData name="Silvia Pala" userId="f0133cc1-7ddc-4617-95f3-a1b241401a99" providerId="ADAL" clId="{B8AD580B-F48D-4C46-AD44-FB3D7B3B8CED}" dt="2023-01-02T20:42:46.543" v="50" actId="478"/>
-          <ac:picMkLst>
-            <pc:docMk/>
-            <pc:sldMk cId="0" sldId="266"/>
-            <ac:picMk id="7" creationId="{2E40805C-E4CB-F58E-1A34-723A8BCF8528}"/>
-          </ac:picMkLst>
-        </pc:picChg>
-        <pc:picChg chg="add mod">
-          <ac:chgData name="Silvia Pala" userId="f0133cc1-7ddc-4617-95f3-a1b241401a99" providerId="ADAL" clId="{B8AD580B-F48D-4C46-AD44-FB3D7B3B8CED}" dt="2023-01-03T12:49:04.575" v="243" actId="1076"/>
-          <ac:picMkLst>
-            <pc:docMk/>
-            <pc:sldMk cId="0" sldId="266"/>
-            <ac:picMk id="9" creationId="{73635D9D-B9BA-5722-9C68-BE33639D2BAF}"/>
-          </ac:picMkLst>
-        </pc:picChg>
-      </pc:sldChg>
-      <pc:sldChg chg="addSp delSp modSp mod">
-        <pc:chgData name="Silvia Pala" userId="f0133cc1-7ddc-4617-95f3-a1b241401a99" providerId="ADAL" clId="{B8AD580B-F48D-4C46-AD44-FB3D7B3B8CED}" dt="2023-01-02T20:49:42.664" v="226" actId="14100"/>
-        <pc:sldMkLst>
-          <pc:docMk/>
-          <pc:sldMk cId="0" sldId="268"/>
-        </pc:sldMkLst>
-        <pc:spChg chg="mod">
-          <ac:chgData name="Silvia Pala" userId="f0133cc1-7ddc-4617-95f3-a1b241401a99" providerId="ADAL" clId="{B8AD580B-F48D-4C46-AD44-FB3D7B3B8CED}" dt="2023-01-02T20:49:42.664" v="226" actId="14100"/>
-          <ac:spMkLst>
-            <pc:docMk/>
-            <pc:sldMk cId="0" sldId="268"/>
-            <ac:spMk id="2" creationId="{00000000-0000-0000-0000-000000000000}"/>
-          </ac:spMkLst>
-        </pc:spChg>
-        <pc:picChg chg="add del mod">
-          <ac:chgData name="Silvia Pala" userId="f0133cc1-7ddc-4617-95f3-a1b241401a99" providerId="ADAL" clId="{B8AD580B-F48D-4C46-AD44-FB3D7B3B8CED}" dt="2023-01-02T00:14:31.899" v="10" actId="478"/>
-          <ac:picMkLst>
-            <pc:docMk/>
-            <pc:sldMk cId="0" sldId="268"/>
-            <ac:picMk id="5" creationId="{94D147B6-1CD2-99E4-9264-6CD2A419CFE1}"/>
-          </ac:picMkLst>
-        </pc:picChg>
-        <pc:picChg chg="add del mod">
-          <ac:chgData name="Silvia Pala" userId="f0133cc1-7ddc-4617-95f3-a1b241401a99" providerId="ADAL" clId="{B8AD580B-F48D-4C46-AD44-FB3D7B3B8CED}" dt="2023-01-02T20:49:06.589" v="171" actId="478"/>
-          <ac:picMkLst>
-            <pc:docMk/>
-            <pc:sldMk cId="0" sldId="268"/>
-            <ac:picMk id="7" creationId="{66049390-7025-1CE0-C0BF-B49AD9A5AEDF}"/>
-          </ac:picMkLst>
-        </pc:picChg>
-      </pc:sldChg>
-      <pc:sldChg chg="modSp mod">
-        <pc:chgData name="Silvia Pala" userId="f0133cc1-7ddc-4617-95f3-a1b241401a99" providerId="ADAL" clId="{B8AD580B-F48D-4C46-AD44-FB3D7B3B8CED}" dt="2023-01-02T20:50:17.372" v="228" actId="14100"/>
-        <pc:sldMkLst>
-          <pc:docMk/>
-          <pc:sldMk cId="0" sldId="269"/>
-        </pc:sldMkLst>
-        <pc:spChg chg="mod">
-          <ac:chgData name="Silvia Pala" userId="f0133cc1-7ddc-4617-95f3-a1b241401a99" providerId="ADAL" clId="{B8AD580B-F48D-4C46-AD44-FB3D7B3B8CED}" dt="2023-01-02T20:50:17.372" v="228" actId="14100"/>
-          <ac:spMkLst>
-            <pc:docMk/>
-            <pc:sldMk cId="0" sldId="269"/>
-            <ac:spMk id="2" creationId="{00000000-0000-0000-0000-000000000000}"/>
-          </ac:spMkLst>
-        </pc:spChg>
-      </pc:sldChg>
-      <pc:sldChg chg="addSp modSp mod">
-        <pc:chgData name="Silvia Pala" userId="f0133cc1-7ddc-4617-95f3-a1b241401a99" providerId="ADAL" clId="{B8AD580B-F48D-4C46-AD44-FB3D7B3B8CED}" dt="2023-01-02T20:49:03.315" v="170"/>
-        <pc:sldMkLst>
-          <pc:docMk/>
-          <pc:sldMk cId="0" sldId="270"/>
-        </pc:sldMkLst>
-        <pc:spChg chg="mod">
-          <ac:chgData name="Silvia Pala" userId="f0133cc1-7ddc-4617-95f3-a1b241401a99" providerId="ADAL" clId="{B8AD580B-F48D-4C46-AD44-FB3D7B3B8CED}" dt="2023-01-02T20:48:30.113" v="132" actId="6549"/>
-          <ac:spMkLst>
-            <pc:docMk/>
-            <pc:sldMk cId="0" sldId="270"/>
-            <ac:spMk id="2" creationId="{00000000-0000-0000-0000-000000000000}"/>
-          </ac:spMkLst>
-        </pc:spChg>
-        <pc:picChg chg="add mod">
-          <ac:chgData name="Silvia Pala" userId="f0133cc1-7ddc-4617-95f3-a1b241401a99" providerId="ADAL" clId="{B8AD580B-F48D-4C46-AD44-FB3D7B3B8CED}" dt="2023-01-02T20:49:03.315" v="170"/>
-          <ac:picMkLst>
-            <pc:docMk/>
-            <pc:sldMk cId="0" sldId="270"/>
-            <ac:picMk id="4" creationId="{DB03CAE0-7516-E087-D656-98254CE43E8C}"/>
-          </ac:picMkLst>
-        </pc:picChg>
-      </pc:sldChg>
-      <pc:sldChg chg="addSp delSp modSp mod">
-        <pc:chgData name="Silvia Pala" userId="f0133cc1-7ddc-4617-95f3-a1b241401a99" providerId="ADAL" clId="{B8AD580B-F48D-4C46-AD44-FB3D7B3B8CED}" dt="2023-01-02T20:45:10.067" v="56" actId="1076"/>
-        <pc:sldMkLst>
-          <pc:docMk/>
-          <pc:sldMk cId="3600729209" sldId="301"/>
-        </pc:sldMkLst>
-        <pc:picChg chg="add del mod">
-          <ac:chgData name="Silvia Pala" userId="f0133cc1-7ddc-4617-95f3-a1b241401a99" providerId="ADAL" clId="{B8AD580B-F48D-4C46-AD44-FB3D7B3B8CED}" dt="2023-01-02T20:39:54.434" v="45" actId="478"/>
-          <ac:picMkLst>
-            <pc:docMk/>
-            <pc:sldMk cId="3600729209" sldId="301"/>
-            <ac:picMk id="5" creationId="{4108AD36-D40F-53E6-C98B-9A09A903E1F2}"/>
-          </ac:picMkLst>
-        </pc:picChg>
-        <pc:picChg chg="add mod">
-          <ac:chgData name="Silvia Pala" userId="f0133cc1-7ddc-4617-95f3-a1b241401a99" providerId="ADAL" clId="{B8AD580B-F48D-4C46-AD44-FB3D7B3B8CED}" dt="2023-01-02T20:45:10.067" v="56" actId="1076"/>
-          <ac:picMkLst>
-            <pc:docMk/>
-            <pc:sldMk cId="3600729209" sldId="301"/>
-            <ac:picMk id="7" creationId="{FCAD97BF-0497-DA4C-5967-3B930CE081FB}"/>
-          </ac:picMkLst>
-        </pc:picChg>
-      </pc:sldChg>
-      <pc:sldChg chg="modSp mod">
-        <pc:chgData name="Silvia Pala" userId="f0133cc1-7ddc-4617-95f3-a1b241401a99" providerId="ADAL" clId="{B8AD580B-F48D-4C46-AD44-FB3D7B3B8CED}" dt="2023-01-02T20:48:13.790" v="120" actId="20577"/>
-        <pc:sldMkLst>
-          <pc:docMk/>
-          <pc:sldMk cId="3667043842" sldId="302"/>
-        </pc:sldMkLst>
-        <pc:spChg chg="mod">
-          <ac:chgData name="Silvia Pala" userId="f0133cc1-7ddc-4617-95f3-a1b241401a99" providerId="ADAL" clId="{B8AD580B-F48D-4C46-AD44-FB3D7B3B8CED}" dt="2023-01-02T20:48:13.790" v="120" actId="20577"/>
-          <ac:spMkLst>
-            <pc:docMk/>
-            <pc:sldMk cId="3667043842" sldId="302"/>
-            <ac:spMk id="2" creationId="{00000000-0000-0000-0000-000000000000}"/>
-          </ac:spMkLst>
-        </pc:spChg>
-      </pc:sldChg>
-      <pc:sldChg chg="modSp mod">
-        <pc:chgData name="Silvia Pala" userId="f0133cc1-7ddc-4617-95f3-a1b241401a99" providerId="ADAL" clId="{B8AD580B-F48D-4C46-AD44-FB3D7B3B8CED}" dt="2023-01-02T20:47:49.281" v="97" actId="20577"/>
-        <pc:sldMkLst>
-          <pc:docMk/>
-          <pc:sldMk cId="3867818285" sldId="303"/>
-        </pc:sldMkLst>
-        <pc:spChg chg="mod">
-          <ac:chgData name="Silvia Pala" userId="f0133cc1-7ddc-4617-95f3-a1b241401a99" providerId="ADAL" clId="{B8AD580B-F48D-4C46-AD44-FB3D7B3B8CED}" dt="2023-01-02T20:47:49.281" v="97" actId="20577"/>
-          <ac:spMkLst>
-            <pc:docMk/>
-            <pc:sldMk cId="3867818285" sldId="303"/>
-            <ac:spMk id="2" creationId="{00000000-0000-0000-0000-000000000000}"/>
-          </ac:spMkLst>
-        </pc:spChg>
-      </pc:sldChg>
-      <pc:sldChg chg="modSp add mod">
-        <pc:chgData name="Silvia Pala" userId="f0133cc1-7ddc-4617-95f3-a1b241401a99" providerId="ADAL" clId="{B8AD580B-F48D-4C46-AD44-FB3D7B3B8CED}" dt="2023-01-02T20:47:31.211" v="61" actId="20577"/>
-        <pc:sldMkLst>
-          <pc:docMk/>
-          <pc:sldMk cId="2839312188" sldId="304"/>
-        </pc:sldMkLst>
-        <pc:spChg chg="mod">
-          <ac:chgData name="Silvia Pala" userId="f0133cc1-7ddc-4617-95f3-a1b241401a99" providerId="ADAL" clId="{B8AD580B-F48D-4C46-AD44-FB3D7B3B8CED}" dt="2023-01-02T20:47:31.211" v="61" actId="20577"/>
-          <ac:spMkLst>
-            <pc:docMk/>
-            <pc:sldMk cId="2839312188" sldId="304"/>
             <ac:spMk id="3" creationId="{00000000-0000-0000-0000-000000000000}"/>
           </ac:spMkLst>
         </pc:spChg>
@@ -854,6 +618,244 @@
       </pc:sldChg>
     </pc:docChg>
   </pc:docChgLst>
+  <pc:docChgLst>
+    <pc:chgData name="Silvia Pala" userId="f0133cc1-7ddc-4617-95f3-a1b241401a99" providerId="ADAL" clId="{B8AD580B-F48D-4C46-AD44-FB3D7B3B8CED}"/>
+    <pc:docChg chg="undo custSel addSld modSld">
+      <pc:chgData name="Silvia Pala" userId="f0133cc1-7ddc-4617-95f3-a1b241401a99" providerId="ADAL" clId="{B8AD580B-F48D-4C46-AD44-FB3D7B3B8CED}" dt="2023-01-03T12:49:04.575" v="243" actId="1076"/>
+      <pc:docMkLst>
+        <pc:docMk/>
+      </pc:docMkLst>
+      <pc:sldChg chg="modSp mod">
+        <pc:chgData name="Silvia Pala" userId="f0133cc1-7ddc-4617-95f3-a1b241401a99" providerId="ADAL" clId="{B8AD580B-F48D-4C46-AD44-FB3D7B3B8CED}" dt="2023-01-01T21:57:07.713" v="2" actId="20577"/>
+        <pc:sldMkLst>
+          <pc:docMk/>
+          <pc:sldMk cId="0" sldId="256"/>
+        </pc:sldMkLst>
+        <pc:spChg chg="mod">
+          <ac:chgData name="Silvia Pala" userId="f0133cc1-7ddc-4617-95f3-a1b241401a99" providerId="ADAL" clId="{B8AD580B-F48D-4C46-AD44-FB3D7B3B8CED}" dt="2023-01-01T21:57:07.713" v="2" actId="20577"/>
+          <ac:spMkLst>
+            <pc:docMk/>
+            <pc:sldMk cId="0" sldId="256"/>
+            <ac:spMk id="4" creationId="{D90E403D-70D9-E8A4-CFFE-6B79FDF2DDA9}"/>
+          </ac:spMkLst>
+        </pc:spChg>
+      </pc:sldChg>
+      <pc:sldChg chg="addSp modSp mod">
+        <pc:chgData name="Silvia Pala" userId="f0133cc1-7ddc-4617-95f3-a1b241401a99" providerId="ADAL" clId="{B8AD580B-F48D-4C46-AD44-FB3D7B3B8CED}" dt="2023-01-03T12:41:44.524" v="236" actId="1076"/>
+        <pc:sldMkLst>
+          <pc:docMk/>
+          <pc:sldMk cId="0" sldId="260"/>
+        </pc:sldMkLst>
+        <pc:picChg chg="add mod">
+          <ac:chgData name="Silvia Pala" userId="f0133cc1-7ddc-4617-95f3-a1b241401a99" providerId="ADAL" clId="{B8AD580B-F48D-4C46-AD44-FB3D7B3B8CED}" dt="2023-01-03T12:41:44.524" v="236" actId="1076"/>
+          <ac:picMkLst>
+            <pc:docMk/>
+            <pc:sldMk cId="0" sldId="260"/>
+            <ac:picMk id="5" creationId="{3B7658AD-6357-64AA-4C0A-C4B7E0A08F02}"/>
+          </ac:picMkLst>
+        </pc:picChg>
+      </pc:sldChg>
+      <pc:sldChg chg="addSp delSp modSp mod">
+        <pc:chgData name="Silvia Pala" userId="f0133cc1-7ddc-4617-95f3-a1b241401a99" providerId="ADAL" clId="{B8AD580B-F48D-4C46-AD44-FB3D7B3B8CED}" dt="2023-01-02T20:45:03.454" v="55" actId="1076"/>
+        <pc:sldMkLst>
+          <pc:docMk/>
+          <pc:sldMk cId="0" sldId="261"/>
+        </pc:sldMkLst>
+        <pc:picChg chg="add del mod">
+          <ac:chgData name="Silvia Pala" userId="f0133cc1-7ddc-4617-95f3-a1b241401a99" providerId="ADAL" clId="{B8AD580B-F48D-4C46-AD44-FB3D7B3B8CED}" dt="2023-01-02T20:26:00.225" v="30" actId="478"/>
+          <ac:picMkLst>
+            <pc:docMk/>
+            <pc:sldMk cId="0" sldId="261"/>
+            <ac:picMk id="5" creationId="{E2540B7C-8B50-68A2-0BC2-AA39FEAFB416}"/>
+          </ac:picMkLst>
+        </pc:picChg>
+        <pc:picChg chg="add mod">
+          <ac:chgData name="Silvia Pala" userId="f0133cc1-7ddc-4617-95f3-a1b241401a99" providerId="ADAL" clId="{B8AD580B-F48D-4C46-AD44-FB3D7B3B8CED}" dt="2023-01-02T20:45:03.454" v="55" actId="1076"/>
+          <ac:picMkLst>
+            <pc:docMk/>
+            <pc:sldMk cId="0" sldId="261"/>
+            <ac:picMk id="7" creationId="{3DAE5DC2-CFC1-31DB-FA71-AC08E22E0740}"/>
+          </ac:picMkLst>
+        </pc:picChg>
+      </pc:sldChg>
+      <pc:sldChg chg="addSp delSp modSp mod">
+        <pc:chgData name="Silvia Pala" userId="f0133cc1-7ddc-4617-95f3-a1b241401a99" providerId="ADAL" clId="{B8AD580B-F48D-4C46-AD44-FB3D7B3B8CED}" dt="2023-01-03T12:49:04.575" v="243" actId="1076"/>
+        <pc:sldMkLst>
+          <pc:docMk/>
+          <pc:sldMk cId="0" sldId="266"/>
+        </pc:sldMkLst>
+        <pc:picChg chg="add del mod">
+          <ac:chgData name="Silvia Pala" userId="f0133cc1-7ddc-4617-95f3-a1b241401a99" providerId="ADAL" clId="{B8AD580B-F48D-4C46-AD44-FB3D7B3B8CED}" dt="2023-01-03T12:37:25.154" v="232" actId="478"/>
+          <ac:picMkLst>
+            <pc:docMk/>
+            <pc:sldMk cId="0" sldId="266"/>
+            <ac:picMk id="5" creationId="{82E00CE2-9C4D-1E0B-F5E5-7B8B3E7BE442}"/>
+          </ac:picMkLst>
+        </pc:picChg>
+        <pc:picChg chg="add del">
+          <ac:chgData name="Silvia Pala" userId="f0133cc1-7ddc-4617-95f3-a1b241401a99" providerId="ADAL" clId="{B8AD580B-F48D-4C46-AD44-FB3D7B3B8CED}" dt="2023-01-02T20:31:09.045" v="41" actId="478"/>
+          <ac:picMkLst>
+            <pc:docMk/>
+            <pc:sldMk cId="0" sldId="266"/>
+            <ac:picMk id="5" creationId="{A860C61B-EFE2-06C9-B2FA-AC6AEB9CC4A7}"/>
+          </ac:picMkLst>
+        </pc:picChg>
+        <pc:picChg chg="add del mod">
+          <ac:chgData name="Silvia Pala" userId="f0133cc1-7ddc-4617-95f3-a1b241401a99" providerId="ADAL" clId="{B8AD580B-F48D-4C46-AD44-FB3D7B3B8CED}" dt="2023-01-02T20:42:46.543" v="50" actId="478"/>
+          <ac:picMkLst>
+            <pc:docMk/>
+            <pc:sldMk cId="0" sldId="266"/>
+            <ac:picMk id="7" creationId="{2E40805C-E4CB-F58E-1A34-723A8BCF8528}"/>
+          </ac:picMkLst>
+        </pc:picChg>
+        <pc:picChg chg="add mod">
+          <ac:chgData name="Silvia Pala" userId="f0133cc1-7ddc-4617-95f3-a1b241401a99" providerId="ADAL" clId="{B8AD580B-F48D-4C46-AD44-FB3D7B3B8CED}" dt="2023-01-03T12:49:04.575" v="243" actId="1076"/>
+          <ac:picMkLst>
+            <pc:docMk/>
+            <pc:sldMk cId="0" sldId="266"/>
+            <ac:picMk id="9" creationId="{73635D9D-B9BA-5722-9C68-BE33639D2BAF}"/>
+          </ac:picMkLst>
+        </pc:picChg>
+      </pc:sldChg>
+      <pc:sldChg chg="addSp delSp modSp mod">
+        <pc:chgData name="Silvia Pala" userId="f0133cc1-7ddc-4617-95f3-a1b241401a99" providerId="ADAL" clId="{B8AD580B-F48D-4C46-AD44-FB3D7B3B8CED}" dt="2023-01-02T20:49:42.664" v="226" actId="14100"/>
+        <pc:sldMkLst>
+          <pc:docMk/>
+          <pc:sldMk cId="0" sldId="268"/>
+        </pc:sldMkLst>
+        <pc:spChg chg="mod">
+          <ac:chgData name="Silvia Pala" userId="f0133cc1-7ddc-4617-95f3-a1b241401a99" providerId="ADAL" clId="{B8AD580B-F48D-4C46-AD44-FB3D7B3B8CED}" dt="2023-01-02T20:49:42.664" v="226" actId="14100"/>
+          <ac:spMkLst>
+            <pc:docMk/>
+            <pc:sldMk cId="0" sldId="268"/>
+            <ac:spMk id="2" creationId="{00000000-0000-0000-0000-000000000000}"/>
+          </ac:spMkLst>
+        </pc:spChg>
+        <pc:picChg chg="add del mod">
+          <ac:chgData name="Silvia Pala" userId="f0133cc1-7ddc-4617-95f3-a1b241401a99" providerId="ADAL" clId="{B8AD580B-F48D-4C46-AD44-FB3D7B3B8CED}" dt="2023-01-02T00:14:31.899" v="10" actId="478"/>
+          <ac:picMkLst>
+            <pc:docMk/>
+            <pc:sldMk cId="0" sldId="268"/>
+            <ac:picMk id="5" creationId="{94D147B6-1CD2-99E4-9264-6CD2A419CFE1}"/>
+          </ac:picMkLst>
+        </pc:picChg>
+        <pc:picChg chg="add del mod">
+          <ac:chgData name="Silvia Pala" userId="f0133cc1-7ddc-4617-95f3-a1b241401a99" providerId="ADAL" clId="{B8AD580B-F48D-4C46-AD44-FB3D7B3B8CED}" dt="2023-01-02T20:49:06.589" v="171" actId="478"/>
+          <ac:picMkLst>
+            <pc:docMk/>
+            <pc:sldMk cId="0" sldId="268"/>
+            <ac:picMk id="7" creationId="{66049390-7025-1CE0-C0BF-B49AD9A5AEDF}"/>
+          </ac:picMkLst>
+        </pc:picChg>
+      </pc:sldChg>
+      <pc:sldChg chg="modSp mod">
+        <pc:chgData name="Silvia Pala" userId="f0133cc1-7ddc-4617-95f3-a1b241401a99" providerId="ADAL" clId="{B8AD580B-F48D-4C46-AD44-FB3D7B3B8CED}" dt="2023-01-02T20:50:17.372" v="228" actId="14100"/>
+        <pc:sldMkLst>
+          <pc:docMk/>
+          <pc:sldMk cId="0" sldId="269"/>
+        </pc:sldMkLst>
+        <pc:spChg chg="mod">
+          <ac:chgData name="Silvia Pala" userId="f0133cc1-7ddc-4617-95f3-a1b241401a99" providerId="ADAL" clId="{B8AD580B-F48D-4C46-AD44-FB3D7B3B8CED}" dt="2023-01-02T20:50:17.372" v="228" actId="14100"/>
+          <ac:spMkLst>
+            <pc:docMk/>
+            <pc:sldMk cId="0" sldId="269"/>
+            <ac:spMk id="2" creationId="{00000000-0000-0000-0000-000000000000}"/>
+          </ac:spMkLst>
+        </pc:spChg>
+      </pc:sldChg>
+      <pc:sldChg chg="addSp modSp mod">
+        <pc:chgData name="Silvia Pala" userId="f0133cc1-7ddc-4617-95f3-a1b241401a99" providerId="ADAL" clId="{B8AD580B-F48D-4C46-AD44-FB3D7B3B8CED}" dt="2023-01-02T20:49:03.315" v="170"/>
+        <pc:sldMkLst>
+          <pc:docMk/>
+          <pc:sldMk cId="0" sldId="270"/>
+        </pc:sldMkLst>
+        <pc:spChg chg="mod">
+          <ac:chgData name="Silvia Pala" userId="f0133cc1-7ddc-4617-95f3-a1b241401a99" providerId="ADAL" clId="{B8AD580B-F48D-4C46-AD44-FB3D7B3B8CED}" dt="2023-01-02T20:48:30.113" v="132" actId="6549"/>
+          <ac:spMkLst>
+            <pc:docMk/>
+            <pc:sldMk cId="0" sldId="270"/>
+            <ac:spMk id="2" creationId="{00000000-0000-0000-0000-000000000000}"/>
+          </ac:spMkLst>
+        </pc:spChg>
+        <pc:picChg chg="add mod">
+          <ac:chgData name="Silvia Pala" userId="f0133cc1-7ddc-4617-95f3-a1b241401a99" providerId="ADAL" clId="{B8AD580B-F48D-4C46-AD44-FB3D7B3B8CED}" dt="2023-01-02T20:49:03.315" v="170"/>
+          <ac:picMkLst>
+            <pc:docMk/>
+            <pc:sldMk cId="0" sldId="270"/>
+            <ac:picMk id="4" creationId="{DB03CAE0-7516-E087-D656-98254CE43E8C}"/>
+          </ac:picMkLst>
+        </pc:picChg>
+      </pc:sldChg>
+      <pc:sldChg chg="addSp delSp modSp mod">
+        <pc:chgData name="Silvia Pala" userId="f0133cc1-7ddc-4617-95f3-a1b241401a99" providerId="ADAL" clId="{B8AD580B-F48D-4C46-AD44-FB3D7B3B8CED}" dt="2023-01-02T20:45:10.067" v="56" actId="1076"/>
+        <pc:sldMkLst>
+          <pc:docMk/>
+          <pc:sldMk cId="3600729209" sldId="301"/>
+        </pc:sldMkLst>
+        <pc:picChg chg="add del mod">
+          <ac:chgData name="Silvia Pala" userId="f0133cc1-7ddc-4617-95f3-a1b241401a99" providerId="ADAL" clId="{B8AD580B-F48D-4C46-AD44-FB3D7B3B8CED}" dt="2023-01-02T20:39:54.434" v="45" actId="478"/>
+          <ac:picMkLst>
+            <pc:docMk/>
+            <pc:sldMk cId="3600729209" sldId="301"/>
+            <ac:picMk id="5" creationId="{4108AD36-D40F-53E6-C98B-9A09A903E1F2}"/>
+          </ac:picMkLst>
+        </pc:picChg>
+        <pc:picChg chg="add mod">
+          <ac:chgData name="Silvia Pala" userId="f0133cc1-7ddc-4617-95f3-a1b241401a99" providerId="ADAL" clId="{B8AD580B-F48D-4C46-AD44-FB3D7B3B8CED}" dt="2023-01-02T20:45:10.067" v="56" actId="1076"/>
+          <ac:picMkLst>
+            <pc:docMk/>
+            <pc:sldMk cId="3600729209" sldId="301"/>
+            <ac:picMk id="7" creationId="{FCAD97BF-0497-DA4C-5967-3B930CE081FB}"/>
+          </ac:picMkLst>
+        </pc:picChg>
+      </pc:sldChg>
+      <pc:sldChg chg="modSp mod">
+        <pc:chgData name="Silvia Pala" userId="f0133cc1-7ddc-4617-95f3-a1b241401a99" providerId="ADAL" clId="{B8AD580B-F48D-4C46-AD44-FB3D7B3B8CED}" dt="2023-01-02T20:48:13.790" v="120" actId="20577"/>
+        <pc:sldMkLst>
+          <pc:docMk/>
+          <pc:sldMk cId="3667043842" sldId="302"/>
+        </pc:sldMkLst>
+        <pc:spChg chg="mod">
+          <ac:chgData name="Silvia Pala" userId="f0133cc1-7ddc-4617-95f3-a1b241401a99" providerId="ADAL" clId="{B8AD580B-F48D-4C46-AD44-FB3D7B3B8CED}" dt="2023-01-02T20:48:13.790" v="120" actId="20577"/>
+          <ac:spMkLst>
+            <pc:docMk/>
+            <pc:sldMk cId="3667043842" sldId="302"/>
+            <ac:spMk id="2" creationId="{00000000-0000-0000-0000-000000000000}"/>
+          </ac:spMkLst>
+        </pc:spChg>
+      </pc:sldChg>
+      <pc:sldChg chg="modSp mod">
+        <pc:chgData name="Silvia Pala" userId="f0133cc1-7ddc-4617-95f3-a1b241401a99" providerId="ADAL" clId="{B8AD580B-F48D-4C46-AD44-FB3D7B3B8CED}" dt="2023-01-02T20:47:49.281" v="97" actId="20577"/>
+        <pc:sldMkLst>
+          <pc:docMk/>
+          <pc:sldMk cId="3867818285" sldId="303"/>
+        </pc:sldMkLst>
+        <pc:spChg chg="mod">
+          <ac:chgData name="Silvia Pala" userId="f0133cc1-7ddc-4617-95f3-a1b241401a99" providerId="ADAL" clId="{B8AD580B-F48D-4C46-AD44-FB3D7B3B8CED}" dt="2023-01-02T20:47:49.281" v="97" actId="20577"/>
+          <ac:spMkLst>
+            <pc:docMk/>
+            <pc:sldMk cId="3867818285" sldId="303"/>
+            <ac:spMk id="2" creationId="{00000000-0000-0000-0000-000000000000}"/>
+          </ac:spMkLst>
+        </pc:spChg>
+      </pc:sldChg>
+      <pc:sldChg chg="modSp add mod">
+        <pc:chgData name="Silvia Pala" userId="f0133cc1-7ddc-4617-95f3-a1b241401a99" providerId="ADAL" clId="{B8AD580B-F48D-4C46-AD44-FB3D7B3B8CED}" dt="2023-01-02T20:47:31.211" v="61" actId="20577"/>
+        <pc:sldMkLst>
+          <pc:docMk/>
+          <pc:sldMk cId="2839312188" sldId="304"/>
+        </pc:sldMkLst>
+        <pc:spChg chg="mod">
+          <ac:chgData name="Silvia Pala" userId="f0133cc1-7ddc-4617-95f3-a1b241401a99" providerId="ADAL" clId="{B8AD580B-F48D-4C46-AD44-FB3D7B3B8CED}" dt="2023-01-02T20:47:31.211" v="61" actId="20577"/>
+          <ac:spMkLst>
+            <pc:docMk/>
+            <pc:sldMk cId="2839312188" sldId="304"/>
+            <ac:spMk id="3" creationId="{00000000-0000-0000-0000-000000000000}"/>
+          </ac:spMkLst>
+        </pc:spChg>
+      </pc:sldChg>
+    </pc:docChg>
+  </pc:docChgLst>
 </pc:chgInfo>
 </file>
 
@@ -996,7 +998,7 @@
           <a:p>
             <a:fld id="{1D8BD707-D9CF-40AE-B4C6-C98DA3205C09}" type="datetimeFigureOut">
               <a:rPr lang="en-US"/>
-              <a:t>1/3/2023</a:t>
+              <a:t>1/4/2023</a:t>
             </a:fld>
             <a:endParaRPr lang="en-US"/>
           </a:p>
@@ -1173,7 +1175,7 @@
           <a:p>
             <a:fld id="{1D8BD707-D9CF-40AE-B4C6-C98DA3205C09}" type="datetimeFigureOut">
               <a:rPr lang="en-US"/>
-              <a:t>1/3/2023</a:t>
+              <a:t>1/4/2023</a:t>
             </a:fld>
             <a:endParaRPr lang="en-US"/>
           </a:p>
@@ -1387,7 +1389,7 @@
           <a:p>
             <a:fld id="{1D8BD707-D9CF-40AE-B4C6-C98DA3205C09}" type="datetimeFigureOut">
               <a:rPr lang="en-US"/>
-              <a:t>1/3/2023</a:t>
+              <a:t>1/4/2023</a:t>
             </a:fld>
             <a:endParaRPr lang="en-US"/>
           </a:p>
@@ -1535,7 +1537,7 @@
           <a:p>
             <a:fld id="{1D8BD707-D9CF-40AE-B4C6-C98DA3205C09}" type="datetimeFigureOut">
               <a:rPr lang="en-US"/>
-              <a:t>1/3/2023</a:t>
+              <a:t>1/4/2023</a:t>
             </a:fld>
             <a:endParaRPr lang="en-US"/>
           </a:p>
@@ -1684,7 +1686,7 @@
           <a:p>
             <a:fld id="{1D8BD707-D9CF-40AE-B4C6-C98DA3205C09}" type="datetimeFigureOut">
               <a:rPr lang="en-US"/>
-              <a:t>1/3/2023</a:t>
+              <a:t>1/4/2023</a:t>
             </a:fld>
             <a:endParaRPr lang="en-US"/>
           </a:p>
@@ -1953,7 +1955,7 @@
           <a:p>
             <a:fld id="{1D8BD707-D9CF-40AE-B4C6-C98DA3205C09}" type="datetimeFigureOut">
               <a:rPr lang="en-US"/>
-              <a:t>1/3/2023</a:t>
+              <a:t>1/4/2023</a:t>
             </a:fld>
             <a:endParaRPr lang="en-US"/>
           </a:p>
@@ -3001,6 +3003,36 @@
           </a:p>
         </p:txBody>
       </p:sp>
+      <p:pic>
+        <p:nvPicPr>
+          <p:cNvPr id="7" name="Immagine 6">
+            <a:extLst>
+              <a:ext uri="{FF2B5EF4-FFF2-40B4-BE49-F238E27FC236}">
+                <a16:creationId xmlns:a16="http://schemas.microsoft.com/office/drawing/2014/main" id="{04263ED9-A669-1F71-6A27-2476B489446B}"/>
+              </a:ext>
+            </a:extLst>
+          </p:cNvPr>
+          <p:cNvPicPr>
+            <a:picLocks noChangeAspect="1"/>
+          </p:cNvPicPr>
+          <p:nvPr/>
+        </p:nvPicPr>
+        <p:blipFill>
+          <a:blip r:embed="rId2"/>
+          <a:stretch>
+            <a:fillRect/>
+          </a:stretch>
+        </p:blipFill>
+        <p:spPr>
+          <a:xfrm>
+            <a:off x="0" y="987009"/>
+            <a:ext cx="9067800" cy="4883982"/>
+          </a:xfrm>
+          <a:prstGeom prst="rect">
+            <a:avLst/>
+          </a:prstGeom>
+        </p:spPr>
+      </p:pic>
     </p:spTree>
     <p:extLst>
       <p:ext uri="{BB962C8B-B14F-4D97-AF65-F5344CB8AC3E}">
@@ -3015,6 +3047,862 @@
 </file>
 
 <file path=ppt/slides/slide15.xml><?xml version="1.0" encoding="utf-8"?>
+<p:sld xmlns:a="http://schemas.openxmlformats.org/drawingml/2006/main" xmlns:r="http://schemas.openxmlformats.org/officeDocument/2006/relationships" xmlns:p="http://schemas.openxmlformats.org/presentationml/2006/main">
+  <p:cSld>
+    <p:spTree>
+      <p:nvGrpSpPr>
+        <p:cNvPr id="1" name=""/>
+        <p:cNvGrpSpPr/>
+        <p:nvPr/>
+      </p:nvGrpSpPr>
+      <p:grpSpPr>
+        <a:xfrm>
+          <a:off x="0" y="0"/>
+          <a:ext cx="0" cy="0"/>
+          <a:chOff x="0" y="0"/>
+          <a:chExt cx="0" cy="0"/>
+        </a:xfrm>
+      </p:grpSpPr>
+      <p:sp>
+        <p:nvSpPr>
+          <p:cNvPr id="2" name="object 2"/>
+          <p:cNvSpPr txBox="1">
+            <a:spLocks noGrp="1"/>
+          </p:cNvSpPr>
+          <p:nvPr>
+            <p:ph type="title"/>
+          </p:nvPr>
+        </p:nvSpPr>
+        <p:spPr>
+          <a:xfrm>
+            <a:off x="706627" y="211962"/>
+            <a:ext cx="3848735" cy="360680"/>
+          </a:xfrm>
+          <a:prstGeom prst="rect">
+            <a:avLst/>
+          </a:prstGeom>
+        </p:spPr>
+        <p:txBody>
+          <a:bodyPr vert="horz" wrap="square" lIns="0" tIns="12065" rIns="0" bIns="0" rtlCol="0">
+            <a:spAutoFit/>
+          </a:bodyPr>
+          <a:lstStyle/>
+          <a:p>
+            <a:pPr marL="12700">
+              <a:lnSpc>
+                <a:spcPct val="100000"/>
+              </a:lnSpc>
+              <a:spcBef>
+                <a:spcPts val="95"/>
+              </a:spcBef>
+            </a:pPr>
+            <a:r>
+              <a:rPr lang="it-IT" spc="-5" dirty="0"/>
+              <a:t>Conclusioni</a:t>
+            </a:r>
+            <a:endParaRPr spc="-5" dirty="0"/>
+          </a:p>
+        </p:txBody>
+      </p:sp>
+      <p:sp>
+        <p:nvSpPr>
+          <p:cNvPr id="3" name="object 3"/>
+          <p:cNvSpPr txBox="1"/>
+          <p:nvPr/>
+        </p:nvSpPr>
+        <p:spPr>
+          <a:xfrm>
+            <a:off x="7848600" y="156021"/>
+            <a:ext cx="251460" cy="517449"/>
+          </a:xfrm>
+          <a:prstGeom prst="rect">
+            <a:avLst/>
+          </a:prstGeom>
+        </p:spPr>
+        <p:txBody>
+          <a:bodyPr vert="horz" wrap="square" lIns="0" tIns="12065" rIns="0" bIns="0" rtlCol="0">
+            <a:spAutoFit/>
+          </a:bodyPr>
+          <a:lstStyle/>
+          <a:p>
+            <a:pPr marL="12700">
+              <a:lnSpc>
+                <a:spcPct val="100000"/>
+              </a:lnSpc>
+              <a:spcBef>
+                <a:spcPts val="95"/>
+              </a:spcBef>
+            </a:pPr>
+            <a:r>
+              <a:rPr sz="1600" b="1" spc="-10" dirty="0">
+                <a:solidFill>
+                  <a:srgbClr val="FF9900"/>
+                </a:solidFill>
+                <a:latin typeface="Arial"/>
+                <a:cs typeface="Arial"/>
+              </a:rPr>
+              <a:t>1</a:t>
+            </a:r>
+            <a:r>
+              <a:rPr lang="it-IT" sz="1600" b="1" spc="-10" dirty="0">
+                <a:solidFill>
+                  <a:srgbClr val="FF9900"/>
+                </a:solidFill>
+                <a:latin typeface="Arial"/>
+                <a:cs typeface="Arial"/>
+              </a:rPr>
+              <a:t>5</a:t>
+            </a:r>
+          </a:p>
+          <a:p>
+            <a:pPr marL="12700">
+              <a:lnSpc>
+                <a:spcPct val="100000"/>
+              </a:lnSpc>
+              <a:spcBef>
+                <a:spcPts val="95"/>
+              </a:spcBef>
+            </a:pPr>
+            <a:endParaRPr sz="1600" dirty="0">
+              <a:latin typeface="Arial"/>
+              <a:cs typeface="Arial"/>
+            </a:endParaRPr>
+          </a:p>
+        </p:txBody>
+      </p:sp>
+      <p:pic>
+        <p:nvPicPr>
+          <p:cNvPr id="8" name="Immagine 7">
+            <a:extLst>
+              <a:ext uri="{FF2B5EF4-FFF2-40B4-BE49-F238E27FC236}">
+                <a16:creationId xmlns:a16="http://schemas.microsoft.com/office/drawing/2014/main" id="{F9B0B8FC-4BE9-660F-F9B4-BCC555659EBA}"/>
+              </a:ext>
+            </a:extLst>
+          </p:cNvPr>
+          <p:cNvPicPr>
+            <a:picLocks noChangeAspect="1"/>
+          </p:cNvPicPr>
+          <p:nvPr/>
+        </p:nvPicPr>
+        <p:blipFill>
+          <a:blip r:embed="rId2" cstate="print">
+            <a:extLst>
+              <a:ext uri="{28A0092B-C50C-407E-A947-70E740481C1C}">
+                <a14:useLocalDpi xmlns:a14="http://schemas.microsoft.com/office/drawing/2010/main" val="0"/>
+              </a:ext>
+            </a:extLst>
+          </a:blip>
+          <a:srcRect/>
+          <a:stretch/>
+        </p:blipFill>
+        <p:spPr>
+          <a:xfrm>
+            <a:off x="726292" y="1600200"/>
+            <a:ext cx="7694993" cy="4648200"/>
+          </a:xfrm>
+          <a:prstGeom prst="rect">
+            <a:avLst/>
+          </a:prstGeom>
+        </p:spPr>
+      </p:pic>
+      <p:sp>
+        <p:nvSpPr>
+          <p:cNvPr id="9" name="CasellaDiTesto 8">
+            <a:extLst>
+              <a:ext uri="{FF2B5EF4-FFF2-40B4-BE49-F238E27FC236}">
+                <a16:creationId xmlns:a16="http://schemas.microsoft.com/office/drawing/2014/main" id="{41004977-1373-4819-42B7-5B71D926F54D}"/>
+              </a:ext>
+            </a:extLst>
+          </p:cNvPr>
+          <p:cNvSpPr txBox="1"/>
+          <p:nvPr/>
+        </p:nvSpPr>
+        <p:spPr>
+          <a:xfrm>
+            <a:off x="228600" y="1078468"/>
+            <a:ext cx="3074816" cy="369332"/>
+          </a:xfrm>
+          <a:prstGeom prst="rect">
+            <a:avLst/>
+          </a:prstGeom>
+          <a:noFill/>
+        </p:spPr>
+        <p:txBody>
+          <a:bodyPr wrap="none" rtlCol="0">
+            <a:spAutoFit/>
+          </a:bodyPr>
+          <a:lstStyle/>
+          <a:p>
+            <a:r>
+              <a:rPr lang="it-IT" dirty="0"/>
+              <a:t>Analisi cambio piano tangente:</a:t>
+            </a:r>
+          </a:p>
+        </p:txBody>
+      </p:sp>
+    </p:spTree>
+    <p:extLst>
+      <p:ext uri="{BB962C8B-B14F-4D97-AF65-F5344CB8AC3E}">
+        <p14:creationId xmlns:p14="http://schemas.microsoft.com/office/powerpoint/2010/main" val="2630493288"/>
+      </p:ext>
+    </p:extLst>
+  </p:cSld>
+  <p:clrMapOvr>
+    <a:masterClrMapping/>
+  </p:clrMapOvr>
+</p:sld>
+</file>
+
+<file path=ppt/slides/slide16.xml><?xml version="1.0" encoding="utf-8"?>
+<p:sld xmlns:a="http://schemas.openxmlformats.org/drawingml/2006/main" xmlns:r="http://schemas.openxmlformats.org/officeDocument/2006/relationships" xmlns:p="http://schemas.openxmlformats.org/presentationml/2006/main">
+  <p:cSld>
+    <p:spTree>
+      <p:nvGrpSpPr>
+        <p:cNvPr id="1" name=""/>
+        <p:cNvGrpSpPr/>
+        <p:nvPr/>
+      </p:nvGrpSpPr>
+      <p:grpSpPr>
+        <a:xfrm>
+          <a:off x="0" y="0"/>
+          <a:ext cx="0" cy="0"/>
+          <a:chOff x="0" y="0"/>
+          <a:chExt cx="0" cy="0"/>
+        </a:xfrm>
+      </p:grpSpPr>
+      <p:sp>
+        <p:nvSpPr>
+          <p:cNvPr id="2" name="object 2"/>
+          <p:cNvSpPr txBox="1">
+            <a:spLocks noGrp="1"/>
+          </p:cNvSpPr>
+          <p:nvPr>
+            <p:ph type="title"/>
+          </p:nvPr>
+        </p:nvSpPr>
+        <p:spPr>
+          <a:xfrm>
+            <a:off x="706627" y="211962"/>
+            <a:ext cx="3848735" cy="360680"/>
+          </a:xfrm>
+          <a:prstGeom prst="rect">
+            <a:avLst/>
+          </a:prstGeom>
+        </p:spPr>
+        <p:txBody>
+          <a:bodyPr vert="horz" wrap="square" lIns="0" tIns="12065" rIns="0" bIns="0" rtlCol="0">
+            <a:spAutoFit/>
+          </a:bodyPr>
+          <a:lstStyle/>
+          <a:p>
+            <a:pPr marL="12700">
+              <a:lnSpc>
+                <a:spcPct val="100000"/>
+              </a:lnSpc>
+              <a:spcBef>
+                <a:spcPts val="95"/>
+              </a:spcBef>
+            </a:pPr>
+            <a:r>
+              <a:rPr lang="it-IT" spc="-5" dirty="0"/>
+              <a:t>Conclusioni</a:t>
+            </a:r>
+            <a:endParaRPr spc="-5" dirty="0"/>
+          </a:p>
+        </p:txBody>
+      </p:sp>
+      <p:sp>
+        <p:nvSpPr>
+          <p:cNvPr id="3" name="object 3"/>
+          <p:cNvSpPr txBox="1"/>
+          <p:nvPr/>
+        </p:nvSpPr>
+        <p:spPr>
+          <a:xfrm>
+            <a:off x="7848600" y="156021"/>
+            <a:ext cx="251460" cy="517449"/>
+          </a:xfrm>
+          <a:prstGeom prst="rect">
+            <a:avLst/>
+          </a:prstGeom>
+        </p:spPr>
+        <p:txBody>
+          <a:bodyPr vert="horz" wrap="square" lIns="0" tIns="12065" rIns="0" bIns="0" rtlCol="0">
+            <a:spAutoFit/>
+          </a:bodyPr>
+          <a:lstStyle/>
+          <a:p>
+            <a:pPr marL="12700">
+              <a:lnSpc>
+                <a:spcPct val="100000"/>
+              </a:lnSpc>
+              <a:spcBef>
+                <a:spcPts val="95"/>
+              </a:spcBef>
+            </a:pPr>
+            <a:r>
+              <a:rPr sz="1600" b="1" spc="-10" dirty="0">
+                <a:solidFill>
+                  <a:srgbClr val="FF9900"/>
+                </a:solidFill>
+                <a:latin typeface="Arial"/>
+                <a:cs typeface="Arial"/>
+              </a:rPr>
+              <a:t>1</a:t>
+            </a:r>
+            <a:r>
+              <a:rPr lang="it-IT" sz="1600" b="1" spc="-10" dirty="0">
+                <a:solidFill>
+                  <a:srgbClr val="FF9900"/>
+                </a:solidFill>
+                <a:latin typeface="Arial"/>
+                <a:cs typeface="Arial"/>
+              </a:rPr>
+              <a:t>5</a:t>
+            </a:r>
+          </a:p>
+          <a:p>
+            <a:pPr marL="12700">
+              <a:lnSpc>
+                <a:spcPct val="100000"/>
+              </a:lnSpc>
+              <a:spcBef>
+                <a:spcPts val="95"/>
+              </a:spcBef>
+            </a:pPr>
+            <a:endParaRPr sz="1600" dirty="0">
+              <a:latin typeface="Arial"/>
+              <a:cs typeface="Arial"/>
+            </a:endParaRPr>
+          </a:p>
+        </p:txBody>
+      </p:sp>
+      <mc:AlternateContent xmlns:mc="http://schemas.openxmlformats.org/markup-compatibility/2006">
+        <mc:Choice xmlns:a14="http://schemas.microsoft.com/office/drawing/2010/main" Requires="a14">
+          <p:sp>
+            <p:nvSpPr>
+              <p:cNvPr id="4" name="CasellaDiTesto 3">
+                <a:extLst>
+                  <a:ext uri="{FF2B5EF4-FFF2-40B4-BE49-F238E27FC236}">
+                    <a16:creationId xmlns:a16="http://schemas.microsoft.com/office/drawing/2014/main" id="{E46E7062-9105-D751-BD91-3078F5B665F6}"/>
+                  </a:ext>
+                </a:extLst>
+              </p:cNvPr>
+              <p:cNvSpPr txBox="1"/>
+              <p:nvPr/>
+            </p:nvSpPr>
+            <p:spPr>
+              <a:xfrm>
+                <a:off x="228600" y="1066800"/>
+                <a:ext cx="8077200" cy="2031325"/>
+              </a:xfrm>
+              <a:prstGeom prst="rect">
+                <a:avLst/>
+              </a:prstGeom>
+              <a:noFill/>
+            </p:spPr>
+            <p:txBody>
+              <a:bodyPr wrap="square" rtlCol="0">
+                <a:spAutoFit/>
+              </a:bodyPr>
+              <a:lstStyle/>
+              <a:p>
+                <a:r>
+                  <a:rPr lang="it-IT" dirty="0">
+                    <a:latin typeface="+mj-lt"/>
+                  </a:rPr>
+                  <a:t>Confronti </a:t>
+                </a:r>
+                <a:r>
+                  <a:rPr lang="it-IT" dirty="0">
+                    <a:latin typeface="+mj-lt"/>
+                    <a:cs typeface="Times New Roman" panose="02020603050405020304" pitchFamily="18" charset="0"/>
+                  </a:rPr>
+                  <a:t>strategie</a:t>
+                </a:r>
+                <a:r>
+                  <a:rPr lang="it-IT" dirty="0">
+                    <a:latin typeface="+mj-lt"/>
+                  </a:rPr>
+                  <a:t> rispetto alla standard proposta:</a:t>
+                </a:r>
+              </a:p>
+              <a:p>
+                <a:pPr marL="285750" indent="-285750">
+                  <a:buFont typeface="Arial" panose="020B0604020202020204" pitchFamily="34" charset="0"/>
+                  <a:buChar char="•"/>
+                </a:pPr>
+                <a:endParaRPr lang="it-IT" dirty="0">
+                  <a:latin typeface="+mj-lt"/>
+                </a:endParaRPr>
+              </a:p>
+              <a:p>
+                <a:pPr marL="285750" indent="-285750">
+                  <a:buFont typeface="Arial" panose="020B0604020202020204" pitchFamily="34" charset="0"/>
+                  <a:buChar char="•"/>
+                </a:pPr>
+                <a:r>
+                  <a:rPr lang="it-IT" dirty="0">
+                    <a:latin typeface="+mj-lt"/>
+                  </a:rPr>
+                  <a:t>Alternativa 1 «</a:t>
+                </a:r>
+                <a:r>
+                  <a:rPr lang="it-IT" dirty="0" err="1">
+                    <a:latin typeface="+mj-lt"/>
+                  </a:rPr>
+                  <a:t>Circolarizzata</a:t>
+                </a:r>
+                <a:r>
+                  <a:rPr lang="it-IT" dirty="0">
+                    <a:latin typeface="+mj-lt"/>
+                  </a:rPr>
+                  <a:t>»  </a:t>
+                </a:r>
+                <a14:m>
+                  <m:oMath xmlns:m="http://schemas.openxmlformats.org/officeDocument/2006/math">
+                    <m:r>
+                      <a:rPr lang="it-IT" b="0" i="0" smtClean="0">
+                        <a:latin typeface="Cambria Math" panose="02040503050406030204" pitchFamily="18" charset="0"/>
+                      </a:rPr>
+                      <m:t>               </m:t>
+                    </m:r>
+                    <m:r>
+                      <m:rPr>
+                        <m:sty m:val="p"/>
+                      </m:rPr>
+                      <a:rPr lang="it-IT" b="0" i="0" smtClean="0">
+                        <a:latin typeface="Cambria Math" panose="02040503050406030204" pitchFamily="18" charset="0"/>
+                      </a:rPr>
+                      <m:t>Δ</m:t>
+                    </m:r>
+                    <m:r>
+                      <a:rPr lang="it-IT" b="0" i="1" smtClean="0">
+                        <a:latin typeface="Cambria Math" panose="02040503050406030204" pitchFamily="18" charset="0"/>
+                      </a:rPr>
+                      <m:t>𝑣</m:t>
+                    </m:r>
+                    <m:r>
+                      <a:rPr lang="it-IT" b="0" i="1" smtClean="0">
+                        <a:latin typeface="Cambria Math" panose="02040503050406030204" pitchFamily="18" charset="0"/>
+                      </a:rPr>
+                      <m:t>:</m:t>
+                    </m:r>
+                  </m:oMath>
+                </a14:m>
+                <a:r>
+                  <a:rPr lang="it-IT" b="0" dirty="0">
+                    <a:latin typeface="+mj-lt"/>
+                  </a:rPr>
+                  <a:t> + 56%  </a:t>
+                </a:r>
+                <a14:m>
+                  <m:oMath xmlns:m="http://schemas.openxmlformats.org/officeDocument/2006/math">
+                    <m:r>
+                      <m:rPr>
+                        <m:sty m:val="p"/>
+                      </m:rPr>
+                      <a:rPr lang="it-IT" b="0" i="0" smtClean="0">
+                        <a:latin typeface="Cambria Math" panose="02040503050406030204" pitchFamily="18" charset="0"/>
+                      </a:rPr>
+                      <m:t>Δ</m:t>
+                    </m:r>
+                    <m:r>
+                      <a:rPr lang="it-IT" b="0" i="1" smtClean="0">
+                        <a:latin typeface="Cambria Math" panose="02040503050406030204" pitchFamily="18" charset="0"/>
+                      </a:rPr>
+                      <m:t>𝑡</m:t>
+                    </m:r>
+                    <m:r>
+                      <a:rPr lang="it-IT" b="0" i="1" smtClean="0">
+                        <a:latin typeface="Cambria Math" panose="02040503050406030204" pitchFamily="18" charset="0"/>
+                      </a:rPr>
+                      <m:t>:</m:t>
+                    </m:r>
+                  </m:oMath>
+                </a14:m>
+                <a:r>
+                  <a:rPr lang="it-IT" dirty="0">
+                    <a:latin typeface="+mj-lt"/>
+                  </a:rPr>
+                  <a:t> + 89% ( dati provvisori)</a:t>
+                </a:r>
+              </a:p>
+              <a:p>
+                <a:pPr marL="285750" indent="-285750">
+                  <a:buFont typeface="Arial" panose="020B0604020202020204" pitchFamily="34" charset="0"/>
+                  <a:buChar char="•"/>
+                </a:pPr>
+                <a:endParaRPr lang="it-IT" dirty="0">
+                  <a:latin typeface="+mj-lt"/>
+                </a:endParaRPr>
+              </a:p>
+              <a:p>
+                <a:pPr marL="285750" indent="-285750">
+                  <a:buFont typeface="Arial" panose="020B0604020202020204" pitchFamily="34" charset="0"/>
+                  <a:buChar char="•"/>
+                </a:pPr>
+                <a:r>
+                  <a:rPr lang="it-IT" dirty="0">
+                    <a:latin typeface="+mj-lt"/>
+                  </a:rPr>
+                  <a:t>Alternativa 2 «Secante»                          </a:t>
+                </a:r>
+                <a14:m>
+                  <m:oMath xmlns:m="http://schemas.openxmlformats.org/officeDocument/2006/math">
+                    <m:r>
+                      <m:rPr>
+                        <m:sty m:val="p"/>
+                      </m:rPr>
+                      <a:rPr lang="it-IT" b="0" i="0" smtClean="0">
+                        <a:latin typeface="Cambria Math" panose="02040503050406030204" pitchFamily="18" charset="0"/>
+                      </a:rPr>
+                      <m:t>Δ</m:t>
+                    </m:r>
+                    <m:r>
+                      <a:rPr lang="it-IT" b="0" i="1" smtClean="0">
+                        <a:latin typeface="Cambria Math" panose="02040503050406030204" pitchFamily="18" charset="0"/>
+                      </a:rPr>
+                      <m:t>𝑣</m:t>
+                    </m:r>
+                    <m:r>
+                      <a:rPr lang="it-IT" b="0" i="1" smtClean="0">
+                        <a:latin typeface="Cambria Math" panose="02040503050406030204" pitchFamily="18" charset="0"/>
+                      </a:rPr>
+                      <m:t>:</m:t>
+                    </m:r>
+                  </m:oMath>
+                </a14:m>
+                <a:r>
+                  <a:rPr lang="it-IT" b="0" dirty="0">
+                    <a:latin typeface="+mj-lt"/>
+                  </a:rPr>
+                  <a:t> + 56%  </a:t>
+                </a:r>
+                <a14:m>
+                  <m:oMath xmlns:m="http://schemas.openxmlformats.org/officeDocument/2006/math">
+                    <m:r>
+                      <m:rPr>
+                        <m:sty m:val="p"/>
+                      </m:rPr>
+                      <a:rPr lang="it-IT" b="0" i="0" smtClean="0">
+                        <a:latin typeface="Cambria Math" panose="02040503050406030204" pitchFamily="18" charset="0"/>
+                      </a:rPr>
+                      <m:t>Δ</m:t>
+                    </m:r>
+                    <m:r>
+                      <a:rPr lang="it-IT" b="0" i="1" smtClean="0">
+                        <a:latin typeface="Cambria Math" panose="02040503050406030204" pitchFamily="18" charset="0"/>
+                      </a:rPr>
+                      <m:t>𝑡</m:t>
+                    </m:r>
+                    <m:r>
+                      <a:rPr lang="it-IT" b="0" i="1" smtClean="0">
+                        <a:latin typeface="Cambria Math" panose="02040503050406030204" pitchFamily="18" charset="0"/>
+                      </a:rPr>
+                      <m:t>:</m:t>
+                    </m:r>
+                  </m:oMath>
+                </a14:m>
+                <a:r>
+                  <a:rPr lang="it-IT" dirty="0">
+                    <a:latin typeface="+mj-lt"/>
+                  </a:rPr>
+                  <a:t> + 89% ( dati provvisori)</a:t>
+                </a:r>
+              </a:p>
+              <a:p>
+                <a:pPr marL="285750" indent="-285750">
+                  <a:buFont typeface="Arial" panose="020B0604020202020204" pitchFamily="34" charset="0"/>
+                  <a:buChar char="•"/>
+                </a:pPr>
+                <a:endParaRPr lang="it-IT" dirty="0">
+                  <a:latin typeface="+mj-lt"/>
+                </a:endParaRPr>
+              </a:p>
+              <a:p>
+                <a:pPr marL="285750" indent="-285750">
+                  <a:buFont typeface="Arial" panose="020B0604020202020204" pitchFamily="34" charset="0"/>
+                  <a:buChar char="•"/>
+                </a:pPr>
+                <a:r>
+                  <a:rPr lang="it-IT" dirty="0">
+                    <a:latin typeface="+mj-lt"/>
+                  </a:rPr>
+                  <a:t>Alternativa 3 «Tangente»                        </a:t>
+                </a:r>
+                <a14:m>
+                  <m:oMath xmlns:m="http://schemas.openxmlformats.org/officeDocument/2006/math">
+                    <m:r>
+                      <m:rPr>
+                        <m:sty m:val="p"/>
+                      </m:rPr>
+                      <a:rPr lang="it-IT" b="0" i="0" smtClean="0">
+                        <a:latin typeface="Cambria Math" panose="02040503050406030204" pitchFamily="18" charset="0"/>
+                      </a:rPr>
+                      <m:t>Δ</m:t>
+                    </m:r>
+                    <m:r>
+                      <a:rPr lang="it-IT" b="0" i="1" smtClean="0">
+                        <a:latin typeface="Cambria Math" panose="02040503050406030204" pitchFamily="18" charset="0"/>
+                      </a:rPr>
+                      <m:t>𝑣</m:t>
+                    </m:r>
+                    <m:r>
+                      <a:rPr lang="it-IT" b="0" i="1" smtClean="0">
+                        <a:latin typeface="Cambria Math" panose="02040503050406030204" pitchFamily="18" charset="0"/>
+                      </a:rPr>
+                      <m:t>:</m:t>
+                    </m:r>
+                  </m:oMath>
+                </a14:m>
+                <a:r>
+                  <a:rPr lang="it-IT" b="0" dirty="0">
+                    <a:latin typeface="+mj-lt"/>
+                  </a:rPr>
+                  <a:t> + 56%  </a:t>
+                </a:r>
+                <a14:m>
+                  <m:oMath xmlns:m="http://schemas.openxmlformats.org/officeDocument/2006/math">
+                    <m:r>
+                      <m:rPr>
+                        <m:sty m:val="p"/>
+                      </m:rPr>
+                      <a:rPr lang="it-IT" b="0" i="0" smtClean="0">
+                        <a:latin typeface="Cambria Math" panose="02040503050406030204" pitchFamily="18" charset="0"/>
+                      </a:rPr>
+                      <m:t>Δ</m:t>
+                    </m:r>
+                    <m:r>
+                      <a:rPr lang="it-IT" b="0" i="1" smtClean="0">
+                        <a:latin typeface="Cambria Math" panose="02040503050406030204" pitchFamily="18" charset="0"/>
+                      </a:rPr>
+                      <m:t>𝑡</m:t>
+                    </m:r>
+                    <m:r>
+                      <a:rPr lang="it-IT" b="0" i="1" smtClean="0">
+                        <a:latin typeface="Cambria Math" panose="02040503050406030204" pitchFamily="18" charset="0"/>
+                      </a:rPr>
+                      <m:t>:</m:t>
+                    </m:r>
+                  </m:oMath>
+                </a14:m>
+                <a:r>
+                  <a:rPr lang="it-IT" dirty="0">
+                    <a:latin typeface="+mj-lt"/>
+                  </a:rPr>
+                  <a:t> + 89% ( dati provvisori)</a:t>
+                </a:r>
+              </a:p>
+            </p:txBody>
+          </p:sp>
+        </mc:Choice>
+        <mc:Fallback>
+          <p:sp>
+            <p:nvSpPr>
+              <p:cNvPr id="4" name="CasellaDiTesto 3">
+                <a:extLst>
+                  <a:ext uri="{FF2B5EF4-FFF2-40B4-BE49-F238E27FC236}">
+                    <a16:creationId xmlns:a16="http://schemas.microsoft.com/office/drawing/2014/main" id="{E46E7062-9105-D751-BD91-3078F5B665F6}"/>
+                  </a:ext>
+                </a:extLst>
+              </p:cNvPr>
+              <p:cNvSpPr txBox="1">
+                <a:spLocks noRot="1" noChangeAspect="1" noMove="1" noResize="1" noEditPoints="1" noAdjustHandles="1" noChangeArrowheads="1" noChangeShapeType="1" noTextEdit="1"/>
+              </p:cNvSpPr>
+              <p:nvPr/>
+            </p:nvSpPr>
+            <p:spPr>
+              <a:xfrm>
+                <a:off x="228600" y="1066800"/>
+                <a:ext cx="8077200" cy="2031325"/>
+              </a:xfrm>
+              <a:prstGeom prst="rect">
+                <a:avLst/>
+              </a:prstGeom>
+              <a:blipFill>
+                <a:blip r:embed="rId2"/>
+                <a:stretch>
+                  <a:fillRect l="-679" t="-1502" b="-3904"/>
+                </a:stretch>
+              </a:blipFill>
+            </p:spPr>
+            <p:txBody>
+              <a:bodyPr/>
+              <a:lstStyle/>
+              <a:p>
+                <a:r>
+                  <a:rPr lang="it-IT">
+                    <a:noFill/>
+                  </a:rPr>
+                  <a:t> </a:t>
+                </a:r>
+              </a:p>
+            </p:txBody>
+          </p:sp>
+        </mc:Fallback>
+      </mc:AlternateContent>
+      <p:sp>
+        <p:nvSpPr>
+          <p:cNvPr id="5" name="Freccia a destra 4">
+            <a:extLst>
+              <a:ext uri="{FF2B5EF4-FFF2-40B4-BE49-F238E27FC236}">
+                <a16:creationId xmlns:a16="http://schemas.microsoft.com/office/drawing/2014/main" id="{BD9DEC05-7380-A417-479B-683B12861F27}"/>
+              </a:ext>
+            </a:extLst>
+          </p:cNvPr>
+          <p:cNvSpPr/>
+          <p:nvPr/>
+        </p:nvSpPr>
+        <p:spPr>
+          <a:xfrm>
+            <a:off x="3505200" y="2272962"/>
+            <a:ext cx="457200" cy="152400"/>
+          </a:xfrm>
+          <a:prstGeom prst="rightArrow">
+            <a:avLst/>
+          </a:prstGeom>
+          <a:solidFill>
+            <a:schemeClr val="tx2"/>
+          </a:solidFill>
+        </p:spPr>
+        <p:style>
+          <a:lnRef idx="2">
+            <a:schemeClr val="accent1">
+              <a:shade val="50000"/>
+            </a:schemeClr>
+          </a:lnRef>
+          <a:fillRef idx="1">
+            <a:schemeClr val="accent1"/>
+          </a:fillRef>
+          <a:effectRef idx="0">
+            <a:schemeClr val="accent1"/>
+          </a:effectRef>
+          <a:fontRef idx="minor">
+            <a:schemeClr val="lt1"/>
+          </a:fontRef>
+        </p:style>
+        <p:txBody>
+          <a:bodyPr rtlCol="0" anchor="ctr"/>
+          <a:lstStyle/>
+          <a:p>
+            <a:pPr algn="ctr"/>
+            <a:endParaRPr lang="it-IT"/>
+          </a:p>
+        </p:txBody>
+      </p:sp>
+      <p:sp>
+        <p:nvSpPr>
+          <p:cNvPr id="6" name="Freccia a destra 5">
+            <a:extLst>
+              <a:ext uri="{FF2B5EF4-FFF2-40B4-BE49-F238E27FC236}">
+                <a16:creationId xmlns:a16="http://schemas.microsoft.com/office/drawing/2014/main" id="{5FB1872A-0EE2-2656-7AC9-FF64AB1934AF}"/>
+              </a:ext>
+            </a:extLst>
+          </p:cNvPr>
+          <p:cNvSpPr/>
+          <p:nvPr/>
+        </p:nvSpPr>
+        <p:spPr>
+          <a:xfrm>
+            <a:off x="3505200" y="1752600"/>
+            <a:ext cx="457200" cy="152400"/>
+          </a:xfrm>
+          <a:prstGeom prst="rightArrow">
+            <a:avLst/>
+          </a:prstGeom>
+          <a:solidFill>
+            <a:schemeClr val="tx2"/>
+          </a:solidFill>
+        </p:spPr>
+        <p:style>
+          <a:lnRef idx="2">
+            <a:schemeClr val="accent1">
+              <a:shade val="50000"/>
+            </a:schemeClr>
+          </a:lnRef>
+          <a:fillRef idx="1">
+            <a:schemeClr val="accent1"/>
+          </a:fillRef>
+          <a:effectRef idx="0">
+            <a:schemeClr val="accent1"/>
+          </a:effectRef>
+          <a:fontRef idx="minor">
+            <a:schemeClr val="lt1"/>
+          </a:fontRef>
+        </p:style>
+        <p:txBody>
+          <a:bodyPr rtlCol="0" anchor="ctr"/>
+          <a:lstStyle/>
+          <a:p>
+            <a:pPr algn="ctr"/>
+            <a:endParaRPr lang="it-IT" dirty="0"/>
+          </a:p>
+        </p:txBody>
+      </p:sp>
+      <p:sp>
+        <p:nvSpPr>
+          <p:cNvPr id="7" name="Freccia a destra 6">
+            <a:extLst>
+              <a:ext uri="{FF2B5EF4-FFF2-40B4-BE49-F238E27FC236}">
+                <a16:creationId xmlns:a16="http://schemas.microsoft.com/office/drawing/2014/main" id="{ABC4ABF9-E50A-7718-A5A8-9DD53E686FE2}"/>
+              </a:ext>
+            </a:extLst>
+          </p:cNvPr>
+          <p:cNvSpPr/>
+          <p:nvPr/>
+        </p:nvSpPr>
+        <p:spPr>
+          <a:xfrm>
+            <a:off x="3505200" y="2845731"/>
+            <a:ext cx="457200" cy="152400"/>
+          </a:xfrm>
+          <a:prstGeom prst="rightArrow">
+            <a:avLst/>
+          </a:prstGeom>
+          <a:solidFill>
+            <a:schemeClr val="tx2"/>
+          </a:solidFill>
+        </p:spPr>
+        <p:style>
+          <a:lnRef idx="2">
+            <a:schemeClr val="accent1">
+              <a:shade val="50000"/>
+            </a:schemeClr>
+          </a:lnRef>
+          <a:fillRef idx="1">
+            <a:schemeClr val="accent1"/>
+          </a:fillRef>
+          <a:effectRef idx="0">
+            <a:schemeClr val="accent1"/>
+          </a:effectRef>
+          <a:fontRef idx="minor">
+            <a:schemeClr val="lt1"/>
+          </a:fontRef>
+        </p:style>
+        <p:txBody>
+          <a:bodyPr rtlCol="0" anchor="ctr"/>
+          <a:lstStyle/>
+          <a:p>
+            <a:pPr algn="ctr"/>
+            <a:endParaRPr lang="it-IT"/>
+          </a:p>
+        </p:txBody>
+      </p:sp>
+    </p:spTree>
+    <p:extLst>
+      <p:ext uri="{BB962C8B-B14F-4D97-AF65-F5344CB8AC3E}">
+        <p14:creationId xmlns:p14="http://schemas.microsoft.com/office/powerpoint/2010/main" val="2386791939"/>
+      </p:ext>
+    </p:extLst>
+  </p:cSld>
+  <p:clrMapOvr>
+    <a:masterClrMapping/>
+  </p:clrMapOvr>
+</p:sld>
+</file>
+
+<file path=ppt/slides/slide17.xml><?xml version="1.0" encoding="utf-8"?>
 <p:sld xmlns:a="http://schemas.openxmlformats.org/drawingml/2006/main" xmlns:r="http://schemas.openxmlformats.org/officeDocument/2006/relationships" xmlns:p="http://schemas.openxmlformats.org/presentationml/2006/main">
   <p:cSld>
     <p:spTree>
@@ -3313,8 +4201,8 @@
           </a:prstGeom>
         </p:spPr>
       </p:pic>
-      <mc:AlternateContent xmlns:mc="http://schemas.openxmlformats.org/markup-compatibility/2006" xmlns:a14="http://schemas.microsoft.com/office/drawing/2010/main">
-        <mc:Choice Requires="a14">
+      <mc:AlternateContent xmlns:mc="http://schemas.openxmlformats.org/markup-compatibility/2006">
+        <mc:Choice xmlns:a14="http://schemas.microsoft.com/office/drawing/2010/main" Requires="a14">
           <p:sp>
             <p:nvSpPr>
               <p:cNvPr id="7" name="CasellaDiTesto 6">
@@ -3330,7 +4218,7 @@
             <p:spPr>
               <a:xfrm>
                 <a:off x="387096" y="1337766"/>
-                <a:ext cx="4572000" cy="2170081"/>
+                <a:ext cx="4572000" cy="1939249"/>
               </a:xfrm>
               <a:prstGeom prst="rect">
                 <a:avLst/>
@@ -3348,13 +4236,13 @@
                   <a:buChar char="•"/>
                 </a:pPr>
                 <a:r>
-                  <a:rPr lang="it-IT" sz="1800" dirty="0"/>
+                  <a:rPr lang="it-IT" sz="1600" dirty="0"/>
                   <a:t>Dati assegnati: </a:t>
                 </a:r>
               </a:p>
               <a:p>
                 <a:r>
-                  <a:rPr lang="it-IT" dirty="0"/>
+                  <a:rPr lang="it-IT" sz="1600" dirty="0"/>
                   <a:t>Vettore posizione: </a:t>
                 </a:r>
                 <a14:m>
@@ -3364,7 +4252,7 @@
                         <m:begChr m:val="["/>
                         <m:endChr m:val="]"/>
                         <m:ctrlPr>
-                          <a:rPr lang="it-IT" b="0" i="1" smtClean="0">
+                          <a:rPr lang="it-IT" sz="1600" b="0" i="1" smtClean="0">
                             <a:latin typeface="Cambria Math" panose="02040503050406030204" pitchFamily="18" charset="0"/>
                           </a:rPr>
                         </m:ctrlPr>
@@ -3381,7 +4269,7 @@
                               </m:mc>
                             </m:mcs>
                             <m:ctrlPr>
-                              <a:rPr lang="it-IT" i="1">
+                              <a:rPr lang="it-IT" sz="1600" i="1">
                                 <a:latin typeface="Cambria Math" panose="02040503050406030204" pitchFamily="18" charset="0"/>
                               </a:rPr>
                             </m:ctrlPr>
@@ -3392,13 +4280,13 @@
                                 <m:rPr>
                                   <m:brk m:alnAt="7"/>
                                 </m:rPr>
-                                <a:rPr lang="it-IT" i="1">
+                                <a:rPr lang="it-IT" sz="1600" i="1">
                                   <a:latin typeface="Cambria Math" panose="02040503050406030204" pitchFamily="18" charset="0"/>
                                 </a:rPr>
                                 <m:t>−</m:t>
                               </m:r>
                               <m:r>
-                                <a:rPr lang="it-IT" i="1">
+                                <a:rPr lang="it-IT" sz="1600" i="1">
                                   <a:latin typeface="Cambria Math" panose="02040503050406030204" pitchFamily="18" charset="0"/>
                                 </a:rPr>
                                 <m:t>1169,7791</m:t>
@@ -3408,7 +4296,7 @@
                           <m:mr>
                             <m:e>
                               <m:r>
-                                <a:rPr lang="it-IT" i="1">
+                                <a:rPr lang="it-IT" sz="1600" i="1">
                                   <a:latin typeface="Cambria Math" panose="02040503050406030204" pitchFamily="18" charset="0"/>
                                 </a:rPr>
                                 <m:t>−8344,5289</m:t>
@@ -3418,7 +4306,7 @@
                           <m:mr>
                             <m:e>
                               <m:r>
-                                <a:rPr lang="it-IT" i="1">
+                                <a:rPr lang="it-IT" sz="1600" i="1">
                                   <a:latin typeface="Cambria Math" panose="02040503050406030204" pitchFamily="18" charset="0"/>
                                 </a:rPr>
                                 <m:t>977,8062</m:t>
@@ -3431,13 +4319,13 @@
                   </m:oMath>
                 </a14:m>
                 <a:r>
-                  <a:rPr lang="it-IT" dirty="0"/>
+                  <a:rPr lang="it-IT" sz="1600" dirty="0"/>
                   <a:t> [</a:t>
                 </a:r>
                 <a14:m>
                   <m:oMath xmlns:m="http://schemas.openxmlformats.org/officeDocument/2006/math">
                     <m:r>
-                      <a:rPr lang="it-IT" b="0" i="1" smtClean="0">
+                      <a:rPr lang="it-IT" sz="1600" b="0" i="1" smtClean="0">
                         <a:latin typeface="Cambria Math" panose="02040503050406030204" pitchFamily="18" charset="0"/>
                       </a:rPr>
                       <m:t>𝑘𝑚</m:t>
@@ -3445,16 +4333,16 @@
                   </m:oMath>
                 </a14:m>
                 <a:r>
-                  <a:rPr lang="it-IT" dirty="0"/>
+                  <a:rPr lang="it-IT" sz="1600" dirty="0"/>
                   <a:t>]</a:t>
                 </a:r>
               </a:p>
               <a:p>
-                <a:endParaRPr lang="it-IT" sz="1800" i="1" dirty="0"/>
+                <a:endParaRPr lang="it-IT" sz="1600" i="1" dirty="0"/>
               </a:p>
               <a:p>
                 <a:r>
-                  <a:rPr lang="it-IT" sz="1800" dirty="0"/>
+                  <a:rPr lang="it-IT" sz="1600" dirty="0"/>
                   <a:t>Vettore velocità: </a:t>
                 </a:r>
                 <a14:m>
@@ -3464,7 +4352,7 @@
                         <m:begChr m:val="["/>
                         <m:endChr m:val="]"/>
                         <m:ctrlPr>
-                          <a:rPr lang="it-IT" sz="1800" b="0" i="1" smtClean="0">
+                          <a:rPr lang="it-IT" sz="1600" b="0" i="1" smtClean="0">
                             <a:latin typeface="Cambria Math" panose="02040503050406030204" pitchFamily="18" charset="0"/>
                           </a:rPr>
                         </m:ctrlPr>
@@ -3481,7 +4369,7 @@
                               </m:mc>
                             </m:mcs>
                             <m:ctrlPr>
-                              <a:rPr lang="it-IT" sz="1800" i="1">
+                              <a:rPr lang="it-IT" sz="1600" i="1">
                                 <a:latin typeface="Cambria Math" panose="02040503050406030204" pitchFamily="18" charset="0"/>
                               </a:rPr>
                             </m:ctrlPr>
@@ -3492,13 +4380,13 @@
                                 <m:rPr>
                                   <m:brk m:alnAt="7"/>
                                 </m:rPr>
-                                <a:rPr lang="it-IT" sz="1800" b="0" i="1" smtClean="0">
+                                <a:rPr lang="it-IT" sz="1600" b="0" i="1" smtClean="0">
                                   <a:latin typeface="Cambria Math" panose="02040503050406030204" pitchFamily="18" charset="0"/>
                                 </a:rPr>
                                 <m:t>4</m:t>
                               </m:r>
                               <m:r>
-                                <a:rPr lang="it-IT" sz="1800" b="0" i="1" smtClean="0">
+                                <a:rPr lang="it-IT" sz="1600" b="0" i="1" smtClean="0">
                                   <a:latin typeface="Cambria Math" panose="02040503050406030204" pitchFamily="18" charset="0"/>
                                 </a:rPr>
                                 <m:t>,2770</m:t>
@@ -3508,7 +4396,7 @@
                           <m:mr>
                             <m:e>
                               <m:r>
-                                <a:rPr lang="it-IT" sz="1800" b="0" i="1" smtClean="0">
+                                <a:rPr lang="it-IT" sz="1600" b="0" i="1" smtClean="0">
                                   <a:latin typeface="Cambria Math" panose="02040503050406030204" pitchFamily="18" charset="0"/>
                                 </a:rPr>
                                 <m:t>−1,9310</m:t>
@@ -3518,7 +4406,7 @@
                           <m:mr>
                             <m:e>
                               <m:r>
-                                <a:rPr lang="it-IT" sz="1800" b="0" i="1" smtClean="0">
+                                <a:rPr lang="it-IT" sz="1600" b="0" i="1" smtClean="0">
                                   <a:latin typeface="Cambria Math" panose="02040503050406030204" pitchFamily="18" charset="0"/>
                                 </a:rPr>
                                 <m:t>−4,9330</m:t>
@@ -3531,7 +4419,7 @@
                   </m:oMath>
                 </a14:m>
                 <a:r>
-                  <a:rPr lang="it-IT" sz="1800" dirty="0"/>
+                  <a:rPr lang="it-IT" sz="1600" dirty="0"/>
                   <a:t> </a:t>
                 </a:r>
                 <a:r>
@@ -3576,7 +4464,7 @@
             </p:txBody>
           </p:sp>
         </mc:Choice>
-        <mc:Fallback xmlns="">
+        <mc:Fallback>
           <p:sp>
             <p:nvSpPr>
               <p:cNvPr id="7" name="CasellaDiTesto 6">
@@ -3594,7 +4482,7 @@
             <p:spPr>
               <a:xfrm>
                 <a:off x="387096" y="1337766"/>
-                <a:ext cx="4572000" cy="2170081"/>
+                <a:ext cx="4572000" cy="1939249"/>
               </a:xfrm>
               <a:prstGeom prst="rect">
                 <a:avLst/>
@@ -3602,7 +4490,7 @@
               <a:blipFill>
                 <a:blip r:embed="rId3"/>
                 <a:stretch>
-                  <a:fillRect l="-1200" t="-1404"/>
+                  <a:fillRect l="-800" t="-940"/>
                 </a:stretch>
               </a:blipFill>
             </p:spPr>
@@ -3621,8 +4509,8 @@
           </p:sp>
         </mc:Fallback>
       </mc:AlternateContent>
-      <mc:AlternateContent xmlns:mc="http://schemas.openxmlformats.org/markup-compatibility/2006" xmlns:a14="http://schemas.microsoft.com/office/drawing/2010/main">
-        <mc:Choice Requires="a14">
+      <mc:AlternateContent xmlns:mc="http://schemas.openxmlformats.org/markup-compatibility/2006">
+        <mc:Choice xmlns:a14="http://schemas.microsoft.com/office/drawing/2010/main" Requires="a14">
           <p:sp>
             <p:nvSpPr>
               <p:cNvPr id="9" name="CasellaDiTesto 8">
@@ -3638,7 +4526,7 @@
             <p:spPr>
               <a:xfrm>
                 <a:off x="387096" y="3470976"/>
-                <a:ext cx="4572000" cy="2308324"/>
+                <a:ext cx="4572000" cy="2062103"/>
               </a:xfrm>
               <a:prstGeom prst="rect">
                 <a:avLst/>
@@ -3656,12 +4544,12 @@
                   <a:buChar char="•"/>
                 </a:pPr>
                 <a:r>
-                  <a:rPr lang="it-IT" dirty="0"/>
+                  <a:rPr lang="it-IT" sz="1600" dirty="0"/>
                   <a:t>Dati trovati:</a:t>
                 </a:r>
               </a:p>
               <a:p>
-                <a:endParaRPr lang="it-IT" dirty="0"/>
+                <a:endParaRPr lang="it-IT" sz="1600" dirty="0"/>
               </a:p>
               <a:p>
                 <a:pPr/>
@@ -3674,14 +4562,14 @@
                       <m:sSub>
                         <m:sSubPr>
                           <m:ctrlPr>
-                            <a:rPr lang="it-IT" b="0" i="1" smtClean="0">
+                            <a:rPr lang="it-IT" sz="1600" b="0" i="1" smtClean="0">
                               <a:latin typeface="Cambria Math" panose="02040503050406030204" pitchFamily="18" charset="0"/>
                             </a:rPr>
                           </m:ctrlPr>
                         </m:sSubPr>
                         <m:e>
                           <m:r>
-                            <a:rPr lang="it-IT" b="0" i="1" smtClean="0">
+                            <a:rPr lang="it-IT" sz="1600" b="0" i="1" smtClean="0">
                               <a:latin typeface="Cambria Math" panose="02040503050406030204" pitchFamily="18" charset="0"/>
                             </a:rPr>
                             <m:t>𝑎</m:t>
@@ -3689,7 +4577,7 @@
                         </m:e>
                         <m:sub>
                           <m:r>
-                            <a:rPr lang="it-IT" b="0" i="1" smtClean="0">
+                            <a:rPr lang="it-IT" sz="1600" b="0" i="1" smtClean="0">
                               <a:latin typeface="Cambria Math" panose="02040503050406030204" pitchFamily="18" charset="0"/>
                             </a:rPr>
                             <m:t>𝑖</m:t>
@@ -3697,7 +4585,7 @@
                         </m:sub>
                       </m:sSub>
                       <m:r>
-                        <a:rPr lang="it-IT" b="0" i="1" smtClean="0">
+                        <a:rPr lang="it-IT" sz="1600" b="0" i="1" smtClean="0">
                           <a:latin typeface="Cambria Math" panose="02040503050406030204" pitchFamily="18" charset="0"/>
                         </a:rPr>
                         <m:t>=8,3697 ∗</m:t>
@@ -3705,14 +4593,14 @@
                       <m:sSup>
                         <m:sSupPr>
                           <m:ctrlPr>
-                            <a:rPr lang="it-IT" b="0" i="1" smtClean="0">
+                            <a:rPr lang="it-IT" sz="1600" b="0" i="1" smtClean="0">
                               <a:latin typeface="Cambria Math" panose="02040503050406030204" pitchFamily="18" charset="0"/>
                             </a:rPr>
                           </m:ctrlPr>
                         </m:sSupPr>
                         <m:e>
                           <m:r>
-                            <a:rPr lang="it-IT" b="0" i="1" smtClean="0">
+                            <a:rPr lang="it-IT" sz="1600" b="0" i="1" smtClean="0">
                               <a:latin typeface="Cambria Math" panose="02040503050406030204" pitchFamily="18" charset="0"/>
                             </a:rPr>
                             <m:t>10</m:t>
@@ -3720,7 +4608,7 @@
                         </m:e>
                         <m:sup>
                           <m:r>
-                            <a:rPr lang="it-IT" b="0" i="1" smtClean="0">
+                            <a:rPr lang="it-IT" sz="1600" b="0" i="1" smtClean="0">
                               <a:latin typeface="Cambria Math" panose="02040503050406030204" pitchFamily="18" charset="0"/>
                             </a:rPr>
                             <m:t>3</m:t>
@@ -3728,13 +4616,13 @@
                         </m:sup>
                       </m:sSup>
                       <m:r>
-                        <a:rPr lang="it-IT" b="0" i="1" smtClean="0">
+                        <a:rPr lang="it-IT" sz="1600" b="0" i="1" smtClean="0">
                           <a:latin typeface="Cambria Math" panose="02040503050406030204" pitchFamily="18" charset="0"/>
                         </a:rPr>
                         <m:t> </m:t>
                       </m:r>
                       <m:r>
-                        <a:rPr lang="it-IT" b="0" i="1" smtClean="0">
+                        <a:rPr lang="it-IT" sz="1600" b="0" i="1" smtClean="0">
                           <a:latin typeface="Cambria Math" panose="02040503050406030204" pitchFamily="18" charset="0"/>
                         </a:rPr>
                         <m:t>𝑘𝑚</m:t>
@@ -3742,7 +4630,7 @@
                     </m:oMath>
                   </m:oMathPara>
                 </a14:m>
-                <a:endParaRPr lang="it-IT" b="0" i="1" dirty="0">
+                <a:endParaRPr lang="it-IT" sz="1600" b="0" i="1" dirty="0">
                   <a:latin typeface="Cambria Math" panose="02040503050406030204" pitchFamily="18" charset="0"/>
                 </a:endParaRPr>
               </a:p>
@@ -3757,14 +4645,14 @@
                       <m:sSub>
                         <m:sSubPr>
                           <m:ctrlPr>
-                            <a:rPr lang="it-IT" b="0" i="1" smtClean="0">
+                            <a:rPr lang="it-IT" sz="1600" b="0" i="1" smtClean="0">
                               <a:latin typeface="Cambria Math" panose="02040503050406030204" pitchFamily="18" charset="0"/>
                             </a:rPr>
                           </m:ctrlPr>
                         </m:sSubPr>
                         <m:e>
                           <m:r>
-                            <a:rPr lang="it-IT" i="1">
+                            <a:rPr lang="it-IT" sz="1600" i="1">
                               <a:latin typeface="Cambria Math" panose="02040503050406030204" pitchFamily="18" charset="0"/>
                             </a:rPr>
                             <m:t>𝑒</m:t>
@@ -3772,7 +4660,7 @@
                         </m:e>
                         <m:sub>
                           <m:r>
-                            <a:rPr lang="it-IT" b="0" i="1" smtClean="0">
+                            <a:rPr lang="it-IT" sz="1600" b="0" i="1" smtClean="0">
                               <a:latin typeface="Cambria Math" panose="02040503050406030204" pitchFamily="18" charset="0"/>
                             </a:rPr>
                             <m:t>𝑖</m:t>
@@ -3780,7 +4668,7 @@
                         </m:sub>
                       </m:sSub>
                       <m:r>
-                        <a:rPr lang="it-IT" b="0" i="1" smtClean="0">
+                        <a:rPr lang="it-IT" sz="1600" b="0" i="1" smtClean="0">
                           <a:latin typeface="Cambria Math" panose="02040503050406030204" pitchFamily="18" charset="0"/>
                         </a:rPr>
                         <m:t>=0,1097 </m:t>
@@ -3788,7 +4676,7 @@
                     </m:oMath>
                   </m:oMathPara>
                 </a14:m>
-                <a:endParaRPr lang="it-IT" dirty="0"/>
+                <a:endParaRPr lang="it-IT" sz="1600" dirty="0"/>
               </a:p>
               <a:p>
                 <a:pPr/>
@@ -3801,14 +4689,14 @@
                       <m:sSub>
                         <m:sSubPr>
                           <m:ctrlPr>
-                            <a:rPr lang="it-IT" b="0" i="1" smtClean="0">
+                            <a:rPr lang="it-IT" sz="1600" b="0" i="1" smtClean="0">
                               <a:latin typeface="Cambria Math" panose="02040503050406030204" pitchFamily="18" charset="0"/>
                             </a:rPr>
                           </m:ctrlPr>
                         </m:sSubPr>
                         <m:e>
                           <m:r>
-                            <a:rPr lang="it-IT" i="1">
+                            <a:rPr lang="it-IT" sz="1600" i="1">
                               <a:latin typeface="Cambria Math" panose="02040503050406030204" pitchFamily="18" charset="0"/>
                             </a:rPr>
                             <m:t>𝑖</m:t>
@@ -3816,7 +4704,7 @@
                         </m:e>
                         <m:sub>
                           <m:r>
-                            <a:rPr lang="it-IT" b="0" i="1" smtClean="0">
+                            <a:rPr lang="it-IT" sz="1600" b="0" i="1" smtClean="0">
                               <a:latin typeface="Cambria Math" panose="02040503050406030204" pitchFamily="18" charset="0"/>
                             </a:rPr>
                             <m:t>𝑖</m:t>
@@ -3824,7 +4712,7 @@
                         </m:sub>
                       </m:sSub>
                       <m:r>
-                        <a:rPr lang="it-IT" b="0" i="1" smtClean="0">
+                        <a:rPr lang="it-IT" sz="1600" b="0" i="1" smtClean="0">
                           <a:latin typeface="Cambria Math" panose="02040503050406030204" pitchFamily="18" charset="0"/>
                         </a:rPr>
                         <m:t>=48,6244°</m:t>
@@ -3834,7 +4722,7 @@
                       <m:sSub>
                         <m:sSubPr>
                           <m:ctrlPr>
-                            <a:rPr lang="it-IT" b="0" i="1" smtClean="0">
+                            <a:rPr lang="it-IT" sz="1600" b="0" i="1" smtClean="0">
                               <a:latin typeface="Cambria Math" panose="02040503050406030204" pitchFamily="18" charset="0"/>
                             </a:rPr>
                           </m:ctrlPr>
@@ -3844,7 +4732,7 @@
                             <m:rPr>
                               <m:sty m:val="p"/>
                             </m:rPr>
-                            <a:rPr lang="it-IT" b="0" i="1" smtClean="0">
+                            <a:rPr lang="it-IT" sz="1600" b="0" i="1" smtClean="0">
                               <a:latin typeface="Cambria Math" panose="02040503050406030204" pitchFamily="18" charset="0"/>
                             </a:rPr>
                             <m:t>Ω</m:t>
@@ -3852,7 +4740,7 @@
                         </m:e>
                         <m:sub>
                           <m:r>
-                            <a:rPr lang="it-IT" b="0" i="1" smtClean="0">
+                            <a:rPr lang="it-IT" sz="1600" b="0" i="1" smtClean="0">
                               <a:latin typeface="Cambria Math" panose="02040503050406030204" pitchFamily="18" charset="0"/>
                             </a:rPr>
                             <m:t>𝑖</m:t>
@@ -3860,7 +4748,7 @@
                         </m:sub>
                       </m:sSub>
                       <m:r>
-                        <a:rPr lang="it-IT" b="0" i="1" smtClean="0">
+                        <a:rPr lang="it-IT" sz="1600" b="0" i="1" smtClean="0">
                           <a:latin typeface="Cambria Math" panose="02040503050406030204" pitchFamily="18" charset="0"/>
                         </a:rPr>
                         <m:t>=87,8870°</m:t>
@@ -3868,7 +4756,7 @@
                     </m:oMath>
                   </m:oMathPara>
                 </a14:m>
-                <a:endParaRPr lang="it-IT" b="0" dirty="0"/>
+                <a:endParaRPr lang="it-IT" sz="1600" b="0" dirty="0"/>
               </a:p>
               <a:p>
                 <a:pPr/>
@@ -3881,14 +4769,14 @@
                       <m:sSub>
                         <m:sSubPr>
                           <m:ctrlPr>
-                            <a:rPr lang="it-IT" b="0" i="1" smtClean="0">
+                            <a:rPr lang="it-IT" sz="1600" b="0" i="1" smtClean="0">
                               <a:latin typeface="Cambria Math" panose="02040503050406030204" pitchFamily="18" charset="0"/>
                             </a:rPr>
                           </m:ctrlPr>
                         </m:sSubPr>
                         <m:e>
                           <m:r>
-                            <a:rPr lang="it-IT" b="0" i="1" smtClean="0">
+                            <a:rPr lang="it-IT" sz="1600" b="0" i="1" smtClean="0">
                               <a:latin typeface="Cambria Math" panose="02040503050406030204" pitchFamily="18" charset="0"/>
                             </a:rPr>
                             <m:t>𝜔</m:t>
@@ -3896,7 +4784,7 @@
                         </m:e>
                         <m:sub>
                           <m:r>
-                            <a:rPr lang="it-IT" b="0" i="1" smtClean="0">
+                            <a:rPr lang="it-IT" sz="1600" b="0" i="1" smtClean="0">
                               <a:latin typeface="Cambria Math" panose="02040503050406030204" pitchFamily="18" charset="0"/>
                             </a:rPr>
                             <m:t>𝑖</m:t>
@@ -3904,7 +4792,7 @@
                         </m:sub>
                       </m:sSub>
                       <m:r>
-                        <a:rPr lang="it-IT" b="0" i="1" smtClean="0">
+                        <a:rPr lang="it-IT" sz="1600" b="0" i="1" smtClean="0">
                           <a:latin typeface="Cambria Math" panose="02040503050406030204" pitchFamily="18" charset="0"/>
                         </a:rPr>
                         <m:t>=67,8907°</m:t>
@@ -3912,7 +4800,7 @@
                     </m:oMath>
                   </m:oMathPara>
                 </a14:m>
-                <a:endParaRPr lang="it-IT" b="0" dirty="0"/>
+                <a:endParaRPr lang="it-IT" sz="1600" b="0" dirty="0"/>
               </a:p>
               <a:p>
                 <a:pPr/>
@@ -3925,14 +4813,14 @@
                       <m:sSub>
                         <m:sSubPr>
                           <m:ctrlPr>
-                            <a:rPr lang="it-IT" b="0" i="1" smtClean="0">
+                            <a:rPr lang="it-IT" sz="1600" b="0" i="1" smtClean="0">
                               <a:latin typeface="Cambria Math" panose="02040503050406030204" pitchFamily="18" charset="0"/>
                             </a:rPr>
                           </m:ctrlPr>
                         </m:sSubPr>
                         <m:e>
                           <m:r>
-                            <a:rPr lang="it-IT" b="0" i="1" smtClean="0">
+                            <a:rPr lang="it-IT" sz="1600" b="0" i="1" smtClean="0">
                               <a:latin typeface="Cambria Math" panose="02040503050406030204" pitchFamily="18" charset="0"/>
                             </a:rPr>
                             <m:t>𝜃</m:t>
@@ -3940,7 +4828,7 @@
                         </m:e>
                         <m:sub>
                           <m:r>
-                            <a:rPr lang="it-IT" b="0" i="1" smtClean="0">
+                            <a:rPr lang="it-IT" sz="1600" b="0" i="1" smtClean="0">
                               <a:latin typeface="Cambria Math" panose="02040503050406030204" pitchFamily="18" charset="0"/>
                             </a:rPr>
                             <m:t>𝑖</m:t>
@@ -3948,7 +4836,7 @@
                         </m:sub>
                       </m:sSub>
                       <m:r>
-                        <a:rPr lang="it-IT" b="0" i="1" smtClean="0">
+                        <a:rPr lang="it-IT" sz="1600" b="0" i="1" smtClean="0">
                           <a:latin typeface="Cambria Math" panose="02040503050406030204" pitchFamily="18" charset="0"/>
                         </a:rPr>
                         <m:t>=103,2729°</m:t>
@@ -3956,12 +4844,12 @@
                     </m:oMath>
                   </m:oMathPara>
                 </a14:m>
-                <a:endParaRPr lang="it-IT" b="0" dirty="0"/>
+                <a:endParaRPr lang="it-IT" sz="1600" b="0" dirty="0"/>
               </a:p>
             </p:txBody>
           </p:sp>
         </mc:Choice>
-        <mc:Fallback xmlns="">
+        <mc:Fallback>
           <p:sp>
             <p:nvSpPr>
               <p:cNvPr id="9" name="CasellaDiTesto 8">
@@ -3979,7 +4867,7 @@
             <p:spPr>
               <a:xfrm>
                 <a:off x="387096" y="3470976"/>
-                <a:ext cx="4572000" cy="2308324"/>
+                <a:ext cx="4572000" cy="2062103"/>
               </a:xfrm>
               <a:prstGeom prst="rect">
                 <a:avLst/>
@@ -3987,7 +4875,7 @@
               <a:blipFill>
                 <a:blip r:embed="rId4"/>
                 <a:stretch>
-                  <a:fillRect l="-933" t="-1319"/>
+                  <a:fillRect l="-533" t="-885"/>
                 </a:stretch>
               </a:blipFill>
             </p:spPr>
@@ -4118,8 +5006,8 @@
           </a:p>
         </p:txBody>
       </p:sp>
-      <mc:AlternateContent xmlns:mc="http://schemas.openxmlformats.org/markup-compatibility/2006" xmlns:a14="http://schemas.microsoft.com/office/drawing/2010/main">
-        <mc:Choice Requires="a14">
+      <mc:AlternateContent xmlns:mc="http://schemas.openxmlformats.org/markup-compatibility/2006">
+        <mc:Choice xmlns:a14="http://schemas.microsoft.com/office/drawing/2010/main" Requires="a14">
           <p:sp>
             <p:nvSpPr>
               <p:cNvPr id="8" name="CasellaDiTesto 7">
@@ -4135,7 +5023,7 @@
             <p:spPr>
               <a:xfrm>
                 <a:off x="240570" y="1356021"/>
-                <a:ext cx="4572000" cy="2471831"/>
+                <a:ext cx="4572000" cy="2251065"/>
               </a:xfrm>
               <a:prstGeom prst="rect">
                 <a:avLst/>
@@ -4153,7 +5041,7 @@
                   <a:buChar char="•"/>
                 </a:pPr>
                 <a:r>
-                  <a:rPr lang="it-IT" dirty="0">
+                  <a:rPr lang="it-IT" sz="1600" dirty="0">
                     <a:latin typeface="Arial" panose="020B0604020202020204" pitchFamily="34" charset="0"/>
                     <a:cs typeface="Arial" panose="020B0604020202020204" pitchFamily="34" charset="0"/>
                   </a:rPr>
@@ -4161,7 +5049,7 @@
                 </a:r>
               </a:p>
               <a:p>
-                <a:endParaRPr lang="it-IT" dirty="0"/>
+                <a:endParaRPr lang="it-IT" sz="1600" dirty="0"/>
               </a:p>
               <a:p>
                 <a:pPr/>
@@ -4174,14 +5062,14 @@
                       <m:sSub>
                         <m:sSubPr>
                           <m:ctrlPr>
-                            <a:rPr lang="it-IT" b="0" i="1" smtClean="0">
+                            <a:rPr lang="it-IT" sz="1600" b="0" i="1" smtClean="0">
                               <a:latin typeface="Cambria Math" panose="02040503050406030204" pitchFamily="18" charset="0"/>
                             </a:rPr>
                           </m:ctrlPr>
                         </m:sSubPr>
                         <m:e>
                           <m:r>
-                            <a:rPr lang="it-IT" b="0" i="1" smtClean="0">
+                            <a:rPr lang="it-IT" sz="1600" b="0" i="1" smtClean="0">
                               <a:latin typeface="Cambria Math" panose="02040503050406030204" pitchFamily="18" charset="0"/>
                             </a:rPr>
                             <m:t>𝑎</m:t>
@@ -4189,7 +5077,7 @@
                         </m:e>
                         <m:sub>
                           <m:r>
-                            <a:rPr lang="it-IT" b="0" i="1" smtClean="0">
+                            <a:rPr lang="it-IT" sz="1600" b="0" i="1" smtClean="0">
                               <a:latin typeface="Cambria Math" panose="02040503050406030204" pitchFamily="18" charset="0"/>
                             </a:rPr>
                             <m:t>𝑓</m:t>
@@ -4197,7 +5085,7 @@
                         </m:sub>
                       </m:sSub>
                       <m:r>
-                        <a:rPr lang="it-IT" b="0" i="1" smtClean="0">
+                        <a:rPr lang="it-IT" sz="1600" b="0" i="1" smtClean="0">
                           <a:latin typeface="Cambria Math" panose="02040503050406030204" pitchFamily="18" charset="0"/>
                         </a:rPr>
                         <m:t>=1,0860 ∗</m:t>
@@ -4205,14 +5093,14 @@
                       <m:sSup>
                         <m:sSupPr>
                           <m:ctrlPr>
-                            <a:rPr lang="it-IT" b="0" i="1" smtClean="0">
+                            <a:rPr lang="it-IT" sz="1600" b="0" i="1" smtClean="0">
                               <a:latin typeface="Cambria Math" panose="02040503050406030204" pitchFamily="18" charset="0"/>
                             </a:rPr>
                           </m:ctrlPr>
                         </m:sSupPr>
                         <m:e>
                           <m:r>
-                            <a:rPr lang="it-IT" b="0" i="1" smtClean="0">
+                            <a:rPr lang="it-IT" sz="1600" b="0" i="1" smtClean="0">
                               <a:latin typeface="Cambria Math" panose="02040503050406030204" pitchFamily="18" charset="0"/>
                             </a:rPr>
                             <m:t>10</m:t>
@@ -4220,7 +5108,7 @@
                         </m:e>
                         <m:sup>
                           <m:r>
-                            <a:rPr lang="it-IT" b="0" i="1" smtClean="0">
+                            <a:rPr lang="it-IT" sz="1600" b="0" i="1" smtClean="0">
                               <a:latin typeface="Cambria Math" panose="02040503050406030204" pitchFamily="18" charset="0"/>
                             </a:rPr>
                             <m:t>4</m:t>
@@ -4228,13 +5116,13 @@
                         </m:sup>
                       </m:sSup>
                       <m:r>
-                        <a:rPr lang="it-IT" b="0" i="1" smtClean="0">
+                        <a:rPr lang="it-IT" sz="1600" b="0" i="1" smtClean="0">
                           <a:latin typeface="Cambria Math" panose="02040503050406030204" pitchFamily="18" charset="0"/>
                         </a:rPr>
                         <m:t> </m:t>
                       </m:r>
                       <m:r>
-                        <a:rPr lang="it-IT" b="0" i="1" smtClean="0">
+                        <a:rPr lang="it-IT" sz="1600" b="0" i="1" smtClean="0">
                           <a:latin typeface="Cambria Math" panose="02040503050406030204" pitchFamily="18" charset="0"/>
                         </a:rPr>
                         <m:t>𝑘𝑚</m:t>
@@ -4242,7 +5130,7 @@
                     </m:oMath>
                   </m:oMathPara>
                 </a14:m>
-                <a:endParaRPr lang="it-IT" b="0" i="1" dirty="0">
+                <a:endParaRPr lang="it-IT" sz="1600" b="0" i="1" dirty="0">
                   <a:latin typeface="Cambria Math" panose="02040503050406030204" pitchFamily="18" charset="0"/>
                 </a:endParaRPr>
               </a:p>
@@ -4257,14 +5145,14 @@
                       <m:sSub>
                         <m:sSubPr>
                           <m:ctrlPr>
-                            <a:rPr lang="it-IT" b="0" i="1" smtClean="0">
+                            <a:rPr lang="it-IT" sz="1600" b="0" i="1" smtClean="0">
                               <a:latin typeface="Cambria Math" panose="02040503050406030204" pitchFamily="18" charset="0"/>
                             </a:rPr>
                           </m:ctrlPr>
                         </m:sSubPr>
                         <m:e>
                           <m:r>
-                            <a:rPr lang="it-IT" i="1">
+                            <a:rPr lang="it-IT" sz="1600" i="1">
                               <a:latin typeface="Cambria Math" panose="02040503050406030204" pitchFamily="18" charset="0"/>
                             </a:rPr>
                             <m:t>𝑒</m:t>
@@ -4272,7 +5160,7 @@
                         </m:e>
                         <m:sub>
                           <m:r>
-                            <a:rPr lang="it-IT" b="0" i="1" smtClean="0">
+                            <a:rPr lang="it-IT" sz="1600" b="0" i="1" smtClean="0">
                               <a:latin typeface="Cambria Math" panose="02040503050406030204" pitchFamily="18" charset="0"/>
                             </a:rPr>
                             <m:t>𝑓</m:t>
@@ -4280,7 +5168,7 @@
                         </m:sub>
                       </m:sSub>
                       <m:r>
-                        <a:rPr lang="it-IT" b="0" i="1" smtClean="0">
+                        <a:rPr lang="it-IT" sz="1600" b="0" i="1" smtClean="0">
                           <a:latin typeface="Cambria Math" panose="02040503050406030204" pitchFamily="18" charset="0"/>
                         </a:rPr>
                         <m:t>=0,2332 </m:t>
@@ -4288,7 +5176,7 @@
                     </m:oMath>
                   </m:oMathPara>
                 </a14:m>
-                <a:endParaRPr lang="it-IT" dirty="0"/>
+                <a:endParaRPr lang="it-IT" sz="1600" dirty="0"/>
               </a:p>
               <a:p>
                 <a:pPr/>
@@ -4301,14 +5189,14 @@
                       <m:sSub>
                         <m:sSubPr>
                           <m:ctrlPr>
-                            <a:rPr lang="it-IT" b="0" i="1" smtClean="0">
+                            <a:rPr lang="it-IT" sz="1600" b="0" i="1" smtClean="0">
                               <a:latin typeface="Cambria Math" panose="02040503050406030204" pitchFamily="18" charset="0"/>
                             </a:rPr>
                           </m:ctrlPr>
                         </m:sSubPr>
                         <m:e>
                           <m:r>
-                            <a:rPr lang="it-IT" i="1">
+                            <a:rPr lang="it-IT" sz="1600" i="1">
                               <a:latin typeface="Cambria Math" panose="02040503050406030204" pitchFamily="18" charset="0"/>
                             </a:rPr>
                             <m:t>𝑖</m:t>
@@ -4316,7 +5204,7 @@
                         </m:e>
                         <m:sub>
                           <m:r>
-                            <a:rPr lang="it-IT" b="0" i="1" smtClean="0">
+                            <a:rPr lang="it-IT" sz="1600" b="0" i="1" smtClean="0">
                               <a:latin typeface="Cambria Math" panose="02040503050406030204" pitchFamily="18" charset="0"/>
                             </a:rPr>
                             <m:t>𝑓</m:t>
@@ -4324,7 +5212,7 @@
                         </m:sub>
                       </m:sSub>
                       <m:r>
-                        <a:rPr lang="it-IT" b="0" i="1" smtClean="0">
+                        <a:rPr lang="it-IT" sz="1600" b="0" i="1" smtClean="0">
                           <a:latin typeface="Cambria Math" panose="02040503050406030204" pitchFamily="18" charset="0"/>
                         </a:rPr>
                         <m:t>=30,2751°</m:t>
@@ -4334,7 +5222,7 @@
                       <m:sSub>
                         <m:sSubPr>
                           <m:ctrlPr>
-                            <a:rPr lang="it-IT" b="0" i="1" smtClean="0">
+                            <a:rPr lang="it-IT" sz="1600" b="0" i="1" smtClean="0">
                               <a:latin typeface="Cambria Math" panose="02040503050406030204" pitchFamily="18" charset="0"/>
                             </a:rPr>
                           </m:ctrlPr>
@@ -4344,7 +5232,7 @@
                             <m:rPr>
                               <m:sty m:val="p"/>
                             </m:rPr>
-                            <a:rPr lang="it-IT" b="0" i="1" smtClean="0">
+                            <a:rPr lang="it-IT" sz="1600" b="0" i="1" smtClean="0">
                               <a:latin typeface="Cambria Math" panose="02040503050406030204" pitchFamily="18" charset="0"/>
                             </a:rPr>
                             <m:t>Ω</m:t>
@@ -4352,7 +5240,7 @@
                         </m:e>
                         <m:sub>
                           <m:r>
-                            <a:rPr lang="it-IT" b="0" i="1" smtClean="0">
+                            <a:rPr lang="it-IT" sz="1600" b="0" i="1" smtClean="0">
                               <a:latin typeface="Cambria Math" panose="02040503050406030204" pitchFamily="18" charset="0"/>
                             </a:rPr>
                             <m:t>𝑓</m:t>
@@ -4360,7 +5248,7 @@
                         </m:sub>
                       </m:sSub>
                       <m:r>
-                        <a:rPr lang="it-IT" b="0" i="1" smtClean="0">
+                        <a:rPr lang="it-IT" sz="1600" b="0" i="1" smtClean="0">
                           <a:latin typeface="Cambria Math" panose="02040503050406030204" pitchFamily="18" charset="0"/>
                         </a:rPr>
                         <m:t>=173,2051°</m:t>
@@ -4368,7 +5256,7 @@
                     </m:oMath>
                   </m:oMathPara>
                 </a14:m>
-                <a:endParaRPr lang="it-IT" b="0" dirty="0"/>
+                <a:endParaRPr lang="it-IT" sz="1600" b="0" dirty="0"/>
               </a:p>
               <a:p>
                 <a:pPr/>
@@ -4381,14 +5269,14 @@
                       <m:sSub>
                         <m:sSubPr>
                           <m:ctrlPr>
-                            <a:rPr lang="it-IT" b="0" i="1" smtClean="0">
+                            <a:rPr lang="it-IT" sz="1600" b="0" i="1" smtClean="0">
                               <a:latin typeface="Cambria Math" panose="02040503050406030204" pitchFamily="18" charset="0"/>
                             </a:rPr>
                           </m:ctrlPr>
                         </m:sSubPr>
                         <m:e>
                           <m:r>
-                            <a:rPr lang="it-IT" b="0" i="1" smtClean="0">
+                            <a:rPr lang="it-IT" sz="1600" b="0" i="1" smtClean="0">
                               <a:latin typeface="Cambria Math" panose="02040503050406030204" pitchFamily="18" charset="0"/>
                             </a:rPr>
                             <m:t>𝜔</m:t>
@@ -4396,7 +5284,7 @@
                         </m:e>
                         <m:sub>
                           <m:r>
-                            <a:rPr lang="it-IT" b="0" i="1" smtClean="0">
+                            <a:rPr lang="it-IT" sz="1600" b="0" i="1" smtClean="0">
                               <a:latin typeface="Cambria Math" panose="02040503050406030204" pitchFamily="18" charset="0"/>
                             </a:rPr>
                             <m:t>𝑓</m:t>
@@ -4404,7 +5292,7 @@
                         </m:sub>
                       </m:sSub>
                       <m:r>
-                        <a:rPr lang="it-IT" b="0" i="1" smtClean="0">
+                        <a:rPr lang="it-IT" sz="1600" b="0" i="1" smtClean="0">
                           <a:latin typeface="Cambria Math" panose="02040503050406030204" pitchFamily="18" charset="0"/>
                         </a:rPr>
                         <m:t>=24,6315°</m:t>
@@ -4412,7 +5300,7 @@
                     </m:oMath>
                   </m:oMathPara>
                 </a14:m>
-                <a:endParaRPr lang="it-IT" b="0" dirty="0"/>
+                <a:endParaRPr lang="it-IT" sz="1600" b="0" dirty="0"/>
               </a:p>
               <a:p>
                 <a:pPr/>
@@ -4425,14 +5313,14 @@
                       <m:sSub>
                         <m:sSubPr>
                           <m:ctrlPr>
-                            <a:rPr lang="it-IT" b="0" i="1" smtClean="0">
+                            <a:rPr lang="it-IT" sz="1600" b="0" i="1" smtClean="0">
                               <a:latin typeface="Cambria Math" panose="02040503050406030204" pitchFamily="18" charset="0"/>
                             </a:rPr>
                           </m:ctrlPr>
                         </m:sSubPr>
                         <m:e>
                           <m:r>
-                            <a:rPr lang="it-IT" b="0" i="1" smtClean="0">
+                            <a:rPr lang="it-IT" sz="1600" b="0" i="1" smtClean="0">
                               <a:latin typeface="Cambria Math" panose="02040503050406030204" pitchFamily="18" charset="0"/>
                             </a:rPr>
                             <m:t>𝜃</m:t>
@@ -4440,7 +5328,7 @@
                         </m:e>
                         <m:sub>
                           <m:r>
-                            <a:rPr lang="it-IT" b="0" i="1" smtClean="0">
+                            <a:rPr lang="it-IT" sz="1600" b="0" i="1" smtClean="0">
                               <a:latin typeface="Cambria Math" panose="02040503050406030204" pitchFamily="18" charset="0"/>
                             </a:rPr>
                             <m:t>𝑓</m:t>
@@ -4448,7 +5336,7 @@
                         </m:sub>
                       </m:sSub>
                       <m:r>
-                        <a:rPr lang="it-IT" b="0" i="1" smtClean="0">
+                        <a:rPr lang="it-IT" sz="1600" b="0" i="1" smtClean="0">
                           <a:latin typeface="Cambria Math" panose="02040503050406030204" pitchFamily="18" charset="0"/>
                         </a:rPr>
                         <m:t>=18,9993°</m:t>
@@ -4456,12 +5344,12 @@
                     </m:oMath>
                   </m:oMathPara>
                 </a14:m>
-                <a:endParaRPr lang="it-IT" b="0" dirty="0"/>
+                <a:endParaRPr lang="it-IT" sz="1600" b="0" dirty="0"/>
               </a:p>
             </p:txBody>
           </p:sp>
         </mc:Choice>
-        <mc:Fallback xmlns="">
+        <mc:Fallback>
           <p:sp>
             <p:nvSpPr>
               <p:cNvPr id="8" name="CasellaDiTesto 7">
@@ -4479,7 +5367,7 @@
             <p:spPr>
               <a:xfrm>
                 <a:off x="240570" y="1356021"/>
-                <a:ext cx="4572000" cy="2471831"/>
+                <a:ext cx="4572000" cy="2251065"/>
               </a:xfrm>
               <a:prstGeom prst="rect">
                 <a:avLst/>
@@ -4487,7 +5375,7 @@
               <a:blipFill>
                 <a:blip r:embed="rId2"/>
                 <a:stretch>
-                  <a:fillRect l="-800" t="-1232"/>
+                  <a:fillRect l="-533" t="-811"/>
                 </a:stretch>
               </a:blipFill>
             </p:spPr>
@@ -4506,8 +5394,8 @@
           </p:sp>
         </mc:Fallback>
       </mc:AlternateContent>
-      <mc:AlternateContent xmlns:mc="http://schemas.openxmlformats.org/markup-compatibility/2006" xmlns:a14="http://schemas.microsoft.com/office/drawing/2010/main">
-        <mc:Choice Requires="a14">
+      <mc:AlternateContent xmlns:mc="http://schemas.openxmlformats.org/markup-compatibility/2006">
+        <mc:Choice xmlns:a14="http://schemas.microsoft.com/office/drawing/2010/main" Requires="a14">
           <p:sp>
             <p:nvSpPr>
               <p:cNvPr id="10" name="CasellaDiTesto 9">
@@ -4523,7 +5411,7 @@
             <p:spPr>
               <a:xfrm>
                 <a:off x="240570" y="3891464"/>
-                <a:ext cx="4572000" cy="2170081"/>
+                <a:ext cx="4572000" cy="1939249"/>
               </a:xfrm>
               <a:prstGeom prst="rect">
                 <a:avLst/>
@@ -4541,13 +5429,13 @@
                   <a:buChar char="•"/>
                 </a:pPr>
                 <a:r>
-                  <a:rPr lang="it-IT" sz="1800" dirty="0"/>
+                  <a:rPr lang="it-IT" sz="1600" dirty="0"/>
                   <a:t>Dati trovati: </a:t>
                 </a:r>
               </a:p>
               <a:p>
                 <a:r>
-                  <a:rPr lang="it-IT" sz="1800" dirty="0"/>
+                  <a:rPr lang="it-IT" sz="1600" dirty="0"/>
                   <a:t>Vettore posizione: </a:t>
                 </a:r>
                 <a14:m>
@@ -4557,7 +5445,7 @@
                         <m:begChr m:val="["/>
                         <m:endChr m:val="]"/>
                         <m:ctrlPr>
-                          <a:rPr lang="it-IT" sz="1800" b="0" i="1" smtClean="0">
+                          <a:rPr lang="it-IT" sz="1600" b="0" i="1" smtClean="0">
                             <a:latin typeface="Cambria Math" panose="02040503050406030204" pitchFamily="18" charset="0"/>
                           </a:rPr>
                         </m:ctrlPr>
@@ -4574,7 +5462,7 @@
                               </m:mc>
                             </m:mcs>
                             <m:ctrlPr>
-                              <a:rPr lang="it-IT" sz="1800" i="1">
+                              <a:rPr lang="it-IT" sz="1600" i="1">
                                 <a:latin typeface="Cambria Math" panose="02040503050406030204" pitchFamily="18" charset="0"/>
                               </a:rPr>
                             </m:ctrlPr>
@@ -4585,13 +5473,13 @@
                                 <m:rPr>
                                   <m:brk m:alnAt="7"/>
                                 </m:rPr>
-                                <a:rPr lang="it-IT" sz="1800" b="0" i="1" smtClean="0">
+                                <a:rPr lang="it-IT" sz="1600" b="0" i="1" smtClean="0">
                                   <a:latin typeface="Cambria Math" panose="02040503050406030204" pitchFamily="18" charset="0"/>
                                 </a:rPr>
                                 <m:t>−</m:t>
                               </m:r>
                               <m:r>
-                                <a:rPr lang="it-IT" sz="1800" b="0" i="1" smtClean="0">
+                                <a:rPr lang="it-IT" sz="1600" b="0" i="1" smtClean="0">
                                   <a:latin typeface="Cambria Math" panose="02040503050406030204" pitchFamily="18" charset="0"/>
                                 </a:rPr>
                                 <m:t>6640,6140</m:t>
@@ -4601,7 +5489,7 @@
                           <m:mr>
                             <m:e>
                               <m:r>
-                                <a:rPr lang="it-IT" sz="1800" b="0" i="1" smtClean="0">
+                                <a:rPr lang="it-IT" sz="1600" b="0" i="1" smtClean="0">
                                   <a:latin typeface="Cambria Math" panose="02040503050406030204" pitchFamily="18" charset="0"/>
                                 </a:rPr>
                                 <m:t>−4258,2138</m:t>
@@ -4611,7 +5499,7 @@
                           <m:mr>
                             <m:e>
                               <m:r>
-                                <a:rPr lang="it-IT" sz="1800" b="0" i="1" smtClean="0">
+                                <a:rPr lang="it-IT" sz="1600" b="0" i="1" smtClean="0">
                                   <a:latin typeface="Cambria Math" panose="02040503050406030204" pitchFamily="18" charset="0"/>
                                 </a:rPr>
                                 <m:t>2927,01450</m:t>
@@ -4624,13 +5512,13 @@
                   </m:oMath>
                 </a14:m>
                 <a:r>
-                  <a:rPr lang="it-IT" sz="1800" dirty="0"/>
+                  <a:rPr lang="it-IT" sz="1600" dirty="0"/>
                   <a:t> [</a:t>
                 </a:r>
                 <a14:m>
                   <m:oMath xmlns:m="http://schemas.openxmlformats.org/officeDocument/2006/math">
                     <m:r>
-                      <a:rPr lang="it-IT" sz="1800" b="0" i="1" smtClean="0">
+                      <a:rPr lang="it-IT" sz="1600" b="0" i="1" smtClean="0">
                         <a:latin typeface="Cambria Math" panose="02040503050406030204" pitchFamily="18" charset="0"/>
                       </a:rPr>
                       <m:t>𝑘𝑚</m:t>
@@ -4638,16 +5526,16 @@
                   </m:oMath>
                 </a14:m>
                 <a:r>
-                  <a:rPr lang="it-IT" sz="1800" dirty="0"/>
+                  <a:rPr lang="it-IT" sz="1600" dirty="0"/>
                   <a:t>]</a:t>
                 </a:r>
               </a:p>
               <a:p>
-                <a:endParaRPr lang="it-IT" sz="1800" i="1" dirty="0"/>
+                <a:endParaRPr lang="it-IT" sz="1600" i="1" dirty="0"/>
               </a:p>
               <a:p>
                 <a:r>
-                  <a:rPr lang="it-IT" sz="1800" dirty="0"/>
+                  <a:rPr lang="it-IT" sz="1600" dirty="0"/>
                   <a:t>Vettore velocità: </a:t>
                 </a:r>
                 <a14:m>
@@ -4657,7 +5545,7 @@
                         <m:begChr m:val="["/>
                         <m:endChr m:val="]"/>
                         <m:ctrlPr>
-                          <a:rPr lang="it-IT" sz="1800" b="0" i="1" smtClean="0">
+                          <a:rPr lang="it-IT" sz="1600" b="0" i="1" smtClean="0">
                             <a:latin typeface="Cambria Math" panose="02040503050406030204" pitchFamily="18" charset="0"/>
                           </a:rPr>
                         </m:ctrlPr>
@@ -4674,7 +5562,7 @@
                               </m:mc>
                             </m:mcs>
                             <m:ctrlPr>
-                              <a:rPr lang="it-IT" sz="1800" i="1">
+                              <a:rPr lang="it-IT" sz="1600" i="1">
                                 <a:latin typeface="Cambria Math" panose="02040503050406030204" pitchFamily="18" charset="0"/>
                               </a:rPr>
                             </m:ctrlPr>
@@ -4685,13 +5573,13 @@
                                 <m:rPr>
                                   <m:brk m:alnAt="7"/>
                                 </m:rPr>
-                                <a:rPr lang="it-IT" sz="1800" b="0" i="1" smtClean="0">
+                                <a:rPr lang="it-IT" sz="1600" b="0" i="1" smtClean="0">
                                   <a:latin typeface="Cambria Math" panose="02040503050406030204" pitchFamily="18" charset="0"/>
                                 </a:rPr>
                                 <m:t>4</m:t>
                               </m:r>
                               <m:r>
-                                <a:rPr lang="it-IT" sz="1800" b="0" i="1" smtClean="0">
+                                <a:rPr lang="it-IT" sz="1600" b="0" i="1" smtClean="0">
                                   <a:latin typeface="Cambria Math" panose="02040503050406030204" pitchFamily="18" charset="0"/>
                                 </a:rPr>
                                 <m:t>,2742</m:t>
@@ -4701,7 +5589,7 @@
                           <m:mr>
                             <m:e>
                               <m:r>
-                                <a:rPr lang="it-IT" sz="1800" b="0" i="1" smtClean="0">
+                                <a:rPr lang="it-IT" sz="1600" b="0" i="1" smtClean="0">
                                   <a:latin typeface="Cambria Math" panose="02040503050406030204" pitchFamily="18" charset="0"/>
                                 </a:rPr>
                                 <m:t>−5,5797</m:t>
@@ -4711,7 +5599,7 @@
                           <m:mr>
                             <m:e>
                               <m:r>
-                                <a:rPr lang="it-IT" sz="1800" b="0" i="1" smtClean="0">
+                                <a:rPr lang="it-IT" sz="1600" b="0" i="1" smtClean="0">
                                   <a:latin typeface="Cambria Math" panose="02040503050406030204" pitchFamily="18" charset="0"/>
                                 </a:rPr>
                                 <m:t>2,9392</m:t>
@@ -4724,11 +5612,11 @@
                   </m:oMath>
                 </a14:m>
                 <a:r>
-                  <a:rPr lang="it-IT" sz="1800" dirty="0"/>
+                  <a:rPr lang="it-IT" sz="1600" dirty="0"/>
                   <a:t> </a:t>
                 </a:r>
                 <a:r>
-                  <a:rPr lang="it-IT" sz="2000" dirty="0"/>
+                  <a:rPr lang="it-IT" dirty="0"/>
                   <a:t>[</a:t>
                 </a:r>
                 <a14:m>
@@ -4737,14 +5625,14 @@
                       <m:fPr>
                         <m:type m:val="skw"/>
                         <m:ctrlPr>
-                          <a:rPr lang="it-IT" sz="2000" i="1" smtClean="0">
+                          <a:rPr lang="it-IT" i="1" smtClean="0">
                             <a:latin typeface="Cambria Math" panose="02040503050406030204" pitchFamily="18" charset="0"/>
                           </a:rPr>
                         </m:ctrlPr>
                       </m:fPr>
                       <m:num>
                         <m:r>
-                          <a:rPr lang="it-IT" sz="2000" b="0" i="1" smtClean="0">
+                          <a:rPr lang="it-IT" b="0" i="1" smtClean="0">
                             <a:latin typeface="Cambria Math" panose="02040503050406030204" pitchFamily="18" charset="0"/>
                           </a:rPr>
                           <m:t>𝑘𝑚</m:t>
@@ -4752,7 +5640,7 @@
                       </m:num>
                       <m:den>
                         <m:r>
-                          <a:rPr lang="it-IT" sz="2000" b="0" i="1" smtClean="0">
+                          <a:rPr lang="it-IT" b="0" i="1" smtClean="0">
                             <a:latin typeface="Cambria Math" panose="02040503050406030204" pitchFamily="18" charset="0"/>
                           </a:rPr>
                           <m:t>𝑠</m:t>
@@ -4762,14 +5650,14 @@
                   </m:oMath>
                 </a14:m>
                 <a:r>
-                  <a:rPr lang="it-IT" sz="2000" i="1" dirty="0"/>
+                  <a:rPr lang="it-IT" i="1" dirty="0"/>
                   <a:t>]</a:t>
                 </a:r>
               </a:p>
             </p:txBody>
           </p:sp>
         </mc:Choice>
-        <mc:Fallback xmlns="">
+        <mc:Fallback>
           <p:sp>
             <p:nvSpPr>
               <p:cNvPr id="10" name="CasellaDiTesto 9">
@@ -4787,7 +5675,7 @@
             <p:spPr>
               <a:xfrm>
                 <a:off x="240570" y="3891464"/>
-                <a:ext cx="4572000" cy="2170081"/>
+                <a:ext cx="4572000" cy="1939249"/>
               </a:xfrm>
               <a:prstGeom prst="rect">
                 <a:avLst/>
@@ -4795,7 +5683,7 @@
               <a:blipFill>
                 <a:blip r:embed="rId3"/>
                 <a:stretch>
-                  <a:fillRect l="-1067" t="-1404"/>
+                  <a:fillRect l="-667" t="-943"/>
                 </a:stretch>
               </a:blipFill>
             </p:spPr>

--- a/Modelli relazione/ppt_presentazione.pptx
+++ b/Modelli relazione/ppt_presentazione.pptx
@@ -998,7 +998,7 @@
           <a:p>
             <a:fld id="{1D8BD707-D9CF-40AE-B4C6-C98DA3205C09}" type="datetimeFigureOut">
               <a:rPr lang="en-US"/>
-              <a:t>1/4/2023</a:t>
+              <a:t>1/5/2023</a:t>
             </a:fld>
             <a:endParaRPr lang="en-US"/>
           </a:p>
@@ -1175,7 +1175,7 @@
           <a:p>
             <a:fld id="{1D8BD707-D9CF-40AE-B4C6-C98DA3205C09}" type="datetimeFigureOut">
               <a:rPr lang="en-US"/>
-              <a:t>1/4/2023</a:t>
+              <a:t>1/5/2023</a:t>
             </a:fld>
             <a:endParaRPr lang="en-US"/>
           </a:p>
@@ -1389,7 +1389,7 @@
           <a:p>
             <a:fld id="{1D8BD707-D9CF-40AE-B4C6-C98DA3205C09}" type="datetimeFigureOut">
               <a:rPr lang="en-US"/>
-              <a:t>1/4/2023</a:t>
+              <a:t>1/5/2023</a:t>
             </a:fld>
             <a:endParaRPr lang="en-US"/>
           </a:p>
@@ -1537,7 +1537,7 @@
           <a:p>
             <a:fld id="{1D8BD707-D9CF-40AE-B4C6-C98DA3205C09}" type="datetimeFigureOut">
               <a:rPr lang="en-US"/>
-              <a:t>1/4/2023</a:t>
+              <a:t>1/5/2023</a:t>
             </a:fld>
             <a:endParaRPr lang="en-US"/>
           </a:p>
@@ -1686,7 +1686,7 @@
           <a:p>
             <a:fld id="{1D8BD707-D9CF-40AE-B4C6-C98DA3205C09}" type="datetimeFigureOut">
               <a:rPr lang="en-US"/>
-              <a:t>1/4/2023</a:t>
+              <a:t>1/5/2023</a:t>
             </a:fld>
             <a:endParaRPr lang="en-US"/>
           </a:p>
@@ -1955,7 +1955,7 @@
           <a:p>
             <a:fld id="{1D8BD707-D9CF-40AE-B4C6-C98DA3205C09}" type="datetimeFigureOut">
               <a:rPr lang="en-US"/>
-              <a:t>1/4/2023</a:t>
+              <a:t>1/5/2023</a:t>
             </a:fld>
             <a:endParaRPr lang="en-US"/>
           </a:p>
@@ -3197,8 +3197,8 @@
         </p:blipFill>
         <p:spPr>
           <a:xfrm>
-            <a:off x="726292" y="1600200"/>
-            <a:ext cx="7694993" cy="4648200"/>
+            <a:off x="3657600" y="2153920"/>
+            <a:ext cx="5376949" cy="3247974"/>
           </a:xfrm>
           <a:prstGeom prst="rect">
             <a:avLst/>
@@ -3358,7 +3358,7 @@
                 <a:latin typeface="Arial"/>
                 <a:cs typeface="Arial"/>
               </a:rPr>
-              <a:t>5</a:t>
+              <a:t>6</a:t>
             </a:r>
           </a:p>
           <a:p>
@@ -3418,13 +3418,13 @@
                     <a:latin typeface="+mj-lt"/>
                     <a:cs typeface="Times New Roman" panose="02020603050405020304" pitchFamily="18" charset="0"/>
                   </a:rPr>
-                  <a:t>strategie</a:t>
+                  <a:t>Strategie</a:t>
                 </a:r>
                 <a:r>
                   <a:rPr lang="it-IT" dirty="0">
                     <a:latin typeface="+mj-lt"/>
                   </a:rPr>
-                  <a:t> rispetto alla standard proposta:</a:t>
+                  <a:t> Alternative rispetto alla Manovra Standard proposta:</a:t>
                 </a:r>
               </a:p>
               <a:p>
@@ -3494,7 +3494,19 @@
                   <a:rPr lang="it-IT" b="0" dirty="0">
                     <a:latin typeface="+mj-lt"/>
                   </a:rPr>
-                  <a:t> + 56%  </a:t>
+                  <a:t> + </a:t>
+                </a:r>
+                <a:r>
+                  <a:rPr lang="it-IT" dirty="0">
+                    <a:latin typeface="+mj-lt"/>
+                  </a:rPr>
+                  <a:t>4,98 </a:t>
+                </a:r>
+                <a:r>
+                  <a:rPr lang="it-IT" b="0" dirty="0">
+                    <a:latin typeface="+mj-lt"/>
+                  </a:rPr>
+                  <a:t>%  </a:t>
                 </a:r>
                 <a14:m>
                   <m:oMath xmlns:m="http://schemas.openxmlformats.org/officeDocument/2006/math">
@@ -3525,7 +3537,7 @@
                   <a:rPr lang="it-IT" dirty="0">
                     <a:latin typeface="+mj-lt"/>
                   </a:rPr>
-                  <a:t> + 89% ( dati provvisori)</a:t>
+                  <a:t> + 85 % </a:t>
                 </a:r>
               </a:p>
               <a:p>
@@ -3577,7 +3589,19 @@
                   <a:rPr lang="it-IT" b="0" dirty="0">
                     <a:latin typeface="+mj-lt"/>
                   </a:rPr>
-                  <a:t> + 56%  </a:t>
+                  <a:t> </a:t>
+                </a:r>
+                <a:r>
+                  <a:rPr lang="it-IT" dirty="0">
+                    <a:latin typeface="+mj-lt"/>
+                  </a:rPr>
+                  <a:t>- 22,8 </a:t>
+                </a:r>
+                <a:r>
+                  <a:rPr lang="it-IT" b="0" dirty="0">
+                    <a:latin typeface="+mj-lt"/>
+                  </a:rPr>
+                  <a:t>%  </a:t>
                 </a:r>
                 <a14:m>
                   <m:oMath xmlns:m="http://schemas.openxmlformats.org/officeDocument/2006/math">
@@ -3608,7 +3632,7 @@
                   <a:rPr lang="it-IT" dirty="0">
                     <a:latin typeface="+mj-lt"/>
                   </a:rPr>
-                  <a:t> + 89% ( dati provvisori)</a:t>
+                  <a:t> - 48,8 %</a:t>
                 </a:r>
               </a:p>
               <a:p>
@@ -3660,7 +3684,19 @@
                   <a:rPr lang="it-IT" b="0" dirty="0">
                     <a:latin typeface="+mj-lt"/>
                   </a:rPr>
-                  <a:t> + 56%  </a:t>
+                  <a:t> </a:t>
+                </a:r>
+                <a:r>
+                  <a:rPr lang="it-IT" dirty="0">
+                    <a:latin typeface="+mj-lt"/>
+                  </a:rPr>
+                  <a:t>-  19,4 </a:t>
+                </a:r>
+                <a:r>
+                  <a:rPr lang="it-IT" b="0" dirty="0">
+                    <a:latin typeface="+mj-lt"/>
+                  </a:rPr>
+                  <a:t>%  </a:t>
                 </a:r>
                 <a14:m>
                   <m:oMath xmlns:m="http://schemas.openxmlformats.org/officeDocument/2006/math">
@@ -3691,7 +3727,7 @@
                   <a:rPr lang="it-IT" dirty="0">
                     <a:latin typeface="+mj-lt"/>
                   </a:rPr>
-                  <a:t> + 89% ( dati provvisori)</a:t>
+                  <a:t> + 62,3 %</a:t>
                 </a:r>
               </a:p>
             </p:txBody>
@@ -4201,8 +4237,8 @@
           </a:prstGeom>
         </p:spPr>
       </p:pic>
-      <mc:AlternateContent xmlns:mc="http://schemas.openxmlformats.org/markup-compatibility/2006">
-        <mc:Choice xmlns:a14="http://schemas.microsoft.com/office/drawing/2010/main" Requires="a14">
+      <mc:AlternateContent xmlns:mc="http://schemas.openxmlformats.org/markup-compatibility/2006" xmlns:a14="http://schemas.microsoft.com/office/drawing/2010/main">
+        <mc:Choice Requires="a14">
           <p:sp>
             <p:nvSpPr>
               <p:cNvPr id="7" name="CasellaDiTesto 6">
@@ -4464,7 +4500,7 @@
             </p:txBody>
           </p:sp>
         </mc:Choice>
-        <mc:Fallback>
+        <mc:Fallback xmlns="">
           <p:sp>
             <p:nvSpPr>
               <p:cNvPr id="7" name="CasellaDiTesto 6">
@@ -4509,8 +4545,8 @@
           </p:sp>
         </mc:Fallback>
       </mc:AlternateContent>
-      <mc:AlternateContent xmlns:mc="http://schemas.openxmlformats.org/markup-compatibility/2006">
-        <mc:Choice xmlns:a14="http://schemas.microsoft.com/office/drawing/2010/main" Requires="a14">
+      <mc:AlternateContent xmlns:mc="http://schemas.openxmlformats.org/markup-compatibility/2006" xmlns:a14="http://schemas.microsoft.com/office/drawing/2010/main">
+        <mc:Choice Requires="a14">
           <p:sp>
             <p:nvSpPr>
               <p:cNvPr id="9" name="CasellaDiTesto 8">
@@ -4849,7 +4885,7 @@
             </p:txBody>
           </p:sp>
         </mc:Choice>
-        <mc:Fallback>
+        <mc:Fallback xmlns="">
           <p:sp>
             <p:nvSpPr>
               <p:cNvPr id="9" name="CasellaDiTesto 8">
@@ -5006,8 +5042,8 @@
           </a:p>
         </p:txBody>
       </p:sp>
-      <mc:AlternateContent xmlns:mc="http://schemas.openxmlformats.org/markup-compatibility/2006">
-        <mc:Choice xmlns:a14="http://schemas.microsoft.com/office/drawing/2010/main" Requires="a14">
+      <mc:AlternateContent xmlns:mc="http://schemas.openxmlformats.org/markup-compatibility/2006" xmlns:a14="http://schemas.microsoft.com/office/drawing/2010/main">
+        <mc:Choice Requires="a14">
           <p:sp>
             <p:nvSpPr>
               <p:cNvPr id="8" name="CasellaDiTesto 7">
@@ -5349,7 +5385,7 @@
             </p:txBody>
           </p:sp>
         </mc:Choice>
-        <mc:Fallback>
+        <mc:Fallback xmlns="">
           <p:sp>
             <p:nvSpPr>
               <p:cNvPr id="8" name="CasellaDiTesto 7">
@@ -5394,8 +5430,8 @@
           </p:sp>
         </mc:Fallback>
       </mc:AlternateContent>
-      <mc:AlternateContent xmlns:mc="http://schemas.openxmlformats.org/markup-compatibility/2006">
-        <mc:Choice xmlns:a14="http://schemas.microsoft.com/office/drawing/2010/main" Requires="a14">
+      <mc:AlternateContent xmlns:mc="http://schemas.openxmlformats.org/markup-compatibility/2006" xmlns:a14="http://schemas.microsoft.com/office/drawing/2010/main">
+        <mc:Choice Requires="a14">
           <p:sp>
             <p:nvSpPr>
               <p:cNvPr id="10" name="CasellaDiTesto 9">
@@ -5657,7 +5693,7 @@
             </p:txBody>
           </p:sp>
         </mc:Choice>
-        <mc:Fallback>
+        <mc:Fallback xmlns="">
           <p:sp>
             <p:nvSpPr>
               <p:cNvPr id="10" name="CasellaDiTesto 9">

--- a/Modelli relazione/ppt_presentazione.pptx
+++ b/Modelli relazione/ppt_presentazione.pptx
@@ -19,8 +19,8 @@
     <p:sldId id="302" r:id="rId13"/>
     <p:sldId id="303" r:id="rId14"/>
     <p:sldId id="304" r:id="rId15"/>
-    <p:sldId id="307" r:id="rId16"/>
-    <p:sldId id="305" r:id="rId17"/>
+    <p:sldId id="308" r:id="rId16"/>
+    <p:sldId id="307" r:id="rId17"/>
     <p:sldId id="300" r:id="rId18"/>
   </p:sldIdLst>
   <p:sldSz cx="9144000" cy="6858000" type="screen4x3"/>
@@ -998,7 +998,7 @@
           <a:p>
             <a:fld id="{1D8BD707-D9CF-40AE-B4C6-C98DA3205C09}" type="datetimeFigureOut">
               <a:rPr lang="en-US"/>
-              <a:t>1/5/2023</a:t>
+              <a:t>1/6/2023</a:t>
             </a:fld>
             <a:endParaRPr lang="en-US"/>
           </a:p>
@@ -1175,7 +1175,7 @@
           <a:p>
             <a:fld id="{1D8BD707-D9CF-40AE-B4C6-C98DA3205C09}" type="datetimeFigureOut">
               <a:rPr lang="en-US"/>
-              <a:t>1/5/2023</a:t>
+              <a:t>1/6/2023</a:t>
             </a:fld>
             <a:endParaRPr lang="en-US"/>
           </a:p>
@@ -1389,7 +1389,7 @@
           <a:p>
             <a:fld id="{1D8BD707-D9CF-40AE-B4C6-C98DA3205C09}" type="datetimeFigureOut">
               <a:rPr lang="en-US"/>
-              <a:t>1/5/2023</a:t>
+              <a:t>1/6/2023</a:t>
             </a:fld>
             <a:endParaRPr lang="en-US"/>
           </a:p>
@@ -1537,7 +1537,7 @@
           <a:p>
             <a:fld id="{1D8BD707-D9CF-40AE-B4C6-C98DA3205C09}" type="datetimeFigureOut">
               <a:rPr lang="en-US"/>
-              <a:t>1/5/2023</a:t>
+              <a:t>1/6/2023</a:t>
             </a:fld>
             <a:endParaRPr lang="en-US"/>
           </a:p>
@@ -1686,7 +1686,7 @@
           <a:p>
             <a:fld id="{1D8BD707-D9CF-40AE-B4C6-C98DA3205C09}" type="datetimeFigureOut">
               <a:rPr lang="en-US"/>
-              <a:t>1/5/2023</a:t>
+              <a:t>1/6/2023</a:t>
             </a:fld>
             <a:endParaRPr lang="en-US"/>
           </a:p>
@@ -1955,7 +1955,7 @@
           <a:p>
             <a:fld id="{1D8BD707-D9CF-40AE-B4C6-C98DA3205C09}" type="datetimeFigureOut">
               <a:rPr lang="en-US"/>
-              <a:t>1/5/2023</a:t>
+              <a:t>1/6/2023</a:t>
             </a:fld>
             <a:endParaRPr lang="en-US"/>
           </a:p>
@@ -3005,10 +3005,10 @@
       </p:sp>
       <p:pic>
         <p:nvPicPr>
-          <p:cNvPr id="7" name="Immagine 6">
+          <p:cNvPr id="8" name="Immagine 7">
             <a:extLst>
               <a:ext uri="{FF2B5EF4-FFF2-40B4-BE49-F238E27FC236}">
-                <a16:creationId xmlns:a16="http://schemas.microsoft.com/office/drawing/2014/main" id="{04263ED9-A669-1F71-6A27-2476B489446B}"/>
+                <a16:creationId xmlns:a16="http://schemas.microsoft.com/office/drawing/2014/main" id="{966295C4-48C3-1AB6-9990-44E3050DD478}"/>
               </a:ext>
             </a:extLst>
           </p:cNvPr>
@@ -3018,14 +3018,16 @@
           <p:nvPr/>
         </p:nvPicPr>
         <p:blipFill>
-          <a:blip r:embed="rId2"/>
+          <a:blip r:embed="rId2">
+            <a:alphaModFix/>
+          </a:blip>
           <a:stretch>
             <a:fillRect/>
           </a:stretch>
         </p:blipFill>
         <p:spPr>
           <a:xfrm>
-            <a:off x="0" y="987009"/>
+            <a:off x="-1228" y="1084008"/>
             <a:ext cx="9067800" cy="4883982"/>
           </a:xfrm>
           <a:prstGeom prst="rect">
@@ -3113,7 +3115,7 @@
         <p:spPr>
           <a:xfrm>
             <a:off x="7848600" y="156021"/>
-            <a:ext cx="251460" cy="517449"/>
+            <a:ext cx="251460" cy="258404"/>
           </a:xfrm>
           <a:prstGeom prst="rect">
             <a:avLst/>
@@ -3153,16 +3155,6 @@
               </a:rPr>
               <a:t>5</a:t>
             </a:r>
-          </a:p>
-          <a:p>
-            <a:pPr marL="12700">
-              <a:lnSpc>
-                <a:spcPct val="100000"/>
-              </a:lnSpc>
-              <a:spcBef>
-                <a:spcPts val="95"/>
-              </a:spcBef>
-            </a:pPr>
             <a:endParaRPr sz="1600" dirty="0">
               <a:latin typeface="Arial"/>
               <a:cs typeface="Arial"/>
@@ -3172,10 +3164,10 @@
       </p:sp>
       <p:pic>
         <p:nvPicPr>
-          <p:cNvPr id="8" name="Immagine 7">
+          <p:cNvPr id="7" name="Immagine 6">
             <a:extLst>
               <a:ext uri="{FF2B5EF4-FFF2-40B4-BE49-F238E27FC236}">
-                <a16:creationId xmlns:a16="http://schemas.microsoft.com/office/drawing/2014/main" id="{F9B0B8FC-4BE9-660F-F9B4-BCC555659EBA}"/>
+                <a16:creationId xmlns:a16="http://schemas.microsoft.com/office/drawing/2014/main" id="{04263ED9-A669-1F71-6A27-2476B489446B}"/>
               </a:ext>
             </a:extLst>
           </p:cNvPr>
@@ -3185,198 +3177,23 @@
           <p:nvPr/>
         </p:nvPicPr>
         <p:blipFill>
-          <a:blip r:embed="rId2" cstate="print">
-            <a:extLst>
-              <a:ext uri="{28A0092B-C50C-407E-A947-70E740481C1C}">
-                <a14:useLocalDpi xmlns:a14="http://schemas.microsoft.com/office/drawing/2010/main" val="0"/>
-              </a:ext>
-            </a:extLst>
+          <a:blip r:embed="rId2">
+            <a:alphaModFix amt="5000"/>
           </a:blip>
-          <a:srcRect/>
-          <a:stretch/>
+          <a:stretch>
+            <a:fillRect/>
+          </a:stretch>
         </p:blipFill>
         <p:spPr>
           <a:xfrm>
-            <a:off x="3657600" y="2153920"/>
-            <a:ext cx="5376949" cy="3247974"/>
+            <a:off x="0" y="1066800"/>
+            <a:ext cx="9067800" cy="4883982"/>
           </a:xfrm>
           <a:prstGeom prst="rect">
             <a:avLst/>
           </a:prstGeom>
         </p:spPr>
       </p:pic>
-      <p:sp>
-        <p:nvSpPr>
-          <p:cNvPr id="9" name="CasellaDiTesto 8">
-            <a:extLst>
-              <a:ext uri="{FF2B5EF4-FFF2-40B4-BE49-F238E27FC236}">
-                <a16:creationId xmlns:a16="http://schemas.microsoft.com/office/drawing/2014/main" id="{41004977-1373-4819-42B7-5B71D926F54D}"/>
-              </a:ext>
-            </a:extLst>
-          </p:cNvPr>
-          <p:cNvSpPr txBox="1"/>
-          <p:nvPr/>
-        </p:nvSpPr>
-        <p:spPr>
-          <a:xfrm>
-            <a:off x="228600" y="1078468"/>
-            <a:ext cx="3074816" cy="369332"/>
-          </a:xfrm>
-          <a:prstGeom prst="rect">
-            <a:avLst/>
-          </a:prstGeom>
-          <a:noFill/>
-        </p:spPr>
-        <p:txBody>
-          <a:bodyPr wrap="none" rtlCol="0">
-            <a:spAutoFit/>
-          </a:bodyPr>
-          <a:lstStyle/>
-          <a:p>
-            <a:r>
-              <a:rPr lang="it-IT" dirty="0"/>
-              <a:t>Analisi cambio piano tangente:</a:t>
-            </a:r>
-          </a:p>
-        </p:txBody>
-      </p:sp>
-    </p:spTree>
-    <p:extLst>
-      <p:ext uri="{BB962C8B-B14F-4D97-AF65-F5344CB8AC3E}">
-        <p14:creationId xmlns:p14="http://schemas.microsoft.com/office/powerpoint/2010/main" val="2630493288"/>
-      </p:ext>
-    </p:extLst>
-  </p:cSld>
-  <p:clrMapOvr>
-    <a:masterClrMapping/>
-  </p:clrMapOvr>
-</p:sld>
-</file>
-
-<file path=ppt/slides/slide16.xml><?xml version="1.0" encoding="utf-8"?>
-<p:sld xmlns:a="http://schemas.openxmlformats.org/drawingml/2006/main" xmlns:r="http://schemas.openxmlformats.org/officeDocument/2006/relationships" xmlns:p="http://schemas.openxmlformats.org/presentationml/2006/main">
-  <p:cSld>
-    <p:spTree>
-      <p:nvGrpSpPr>
-        <p:cNvPr id="1" name=""/>
-        <p:cNvGrpSpPr/>
-        <p:nvPr/>
-      </p:nvGrpSpPr>
-      <p:grpSpPr>
-        <a:xfrm>
-          <a:off x="0" y="0"/>
-          <a:ext cx="0" cy="0"/>
-          <a:chOff x="0" y="0"/>
-          <a:chExt cx="0" cy="0"/>
-        </a:xfrm>
-      </p:grpSpPr>
-      <p:sp>
-        <p:nvSpPr>
-          <p:cNvPr id="2" name="object 2"/>
-          <p:cNvSpPr txBox="1">
-            <a:spLocks noGrp="1"/>
-          </p:cNvSpPr>
-          <p:nvPr>
-            <p:ph type="title"/>
-          </p:nvPr>
-        </p:nvSpPr>
-        <p:spPr>
-          <a:xfrm>
-            <a:off x="706627" y="211962"/>
-            <a:ext cx="3848735" cy="360680"/>
-          </a:xfrm>
-          <a:prstGeom prst="rect">
-            <a:avLst/>
-          </a:prstGeom>
-        </p:spPr>
-        <p:txBody>
-          <a:bodyPr vert="horz" wrap="square" lIns="0" tIns="12065" rIns="0" bIns="0" rtlCol="0">
-            <a:spAutoFit/>
-          </a:bodyPr>
-          <a:lstStyle/>
-          <a:p>
-            <a:pPr marL="12700">
-              <a:lnSpc>
-                <a:spcPct val="100000"/>
-              </a:lnSpc>
-              <a:spcBef>
-                <a:spcPts val="95"/>
-              </a:spcBef>
-            </a:pPr>
-            <a:r>
-              <a:rPr lang="it-IT" spc="-5" dirty="0"/>
-              <a:t>Conclusioni</a:t>
-            </a:r>
-            <a:endParaRPr spc="-5" dirty="0"/>
-          </a:p>
-        </p:txBody>
-      </p:sp>
-      <p:sp>
-        <p:nvSpPr>
-          <p:cNvPr id="3" name="object 3"/>
-          <p:cNvSpPr txBox="1"/>
-          <p:nvPr/>
-        </p:nvSpPr>
-        <p:spPr>
-          <a:xfrm>
-            <a:off x="7848600" y="156021"/>
-            <a:ext cx="251460" cy="517449"/>
-          </a:xfrm>
-          <a:prstGeom prst="rect">
-            <a:avLst/>
-          </a:prstGeom>
-        </p:spPr>
-        <p:txBody>
-          <a:bodyPr vert="horz" wrap="square" lIns="0" tIns="12065" rIns="0" bIns="0" rtlCol="0">
-            <a:spAutoFit/>
-          </a:bodyPr>
-          <a:lstStyle/>
-          <a:p>
-            <a:pPr marL="12700">
-              <a:lnSpc>
-                <a:spcPct val="100000"/>
-              </a:lnSpc>
-              <a:spcBef>
-                <a:spcPts val="95"/>
-              </a:spcBef>
-            </a:pPr>
-            <a:r>
-              <a:rPr sz="1600" b="1" spc="-10" dirty="0">
-                <a:solidFill>
-                  <a:srgbClr val="FF9900"/>
-                </a:solidFill>
-                <a:latin typeface="Arial"/>
-                <a:cs typeface="Arial"/>
-              </a:rPr>
-              <a:t>1</a:t>
-            </a:r>
-            <a:r>
-              <a:rPr lang="it-IT" sz="1600" b="1" spc="-10" dirty="0">
-                <a:solidFill>
-                  <a:srgbClr val="FF9900"/>
-                </a:solidFill>
-                <a:latin typeface="Arial"/>
-                <a:cs typeface="Arial"/>
-              </a:rPr>
-              <a:t>6</a:t>
-            </a:r>
-          </a:p>
-          <a:p>
-            <a:pPr marL="12700">
-              <a:lnSpc>
-                <a:spcPct val="100000"/>
-              </a:lnSpc>
-              <a:spcBef>
-                <a:spcPts val="95"/>
-              </a:spcBef>
-            </a:pPr>
-            <a:endParaRPr sz="1600" dirty="0">
-              <a:latin typeface="Arial"/>
-              <a:cs typeface="Arial"/>
-            </a:endParaRPr>
-          </a:p>
-        </p:txBody>
-      </p:sp>
       <mc:AlternateContent xmlns:mc="http://schemas.openxmlformats.org/markup-compatibility/2006">
         <mc:Choice xmlns:a14="http://schemas.microsoft.com/office/drawing/2010/main" Requires="a14">
           <p:sp>
@@ -3384,7 +3201,7 @@
               <p:cNvPr id="4" name="CasellaDiTesto 3">
                 <a:extLst>
                   <a:ext uri="{FF2B5EF4-FFF2-40B4-BE49-F238E27FC236}">
-                    <a16:creationId xmlns:a16="http://schemas.microsoft.com/office/drawing/2014/main" id="{E46E7062-9105-D751-BD91-3078F5B665F6}"/>
+                    <a16:creationId xmlns:a16="http://schemas.microsoft.com/office/drawing/2014/main" id="{CE0F557F-D449-9FE2-52DD-A5AF7B990AB0}"/>
                   </a:ext>
                 </a:extLst>
               </p:cNvPr>
@@ -3393,7 +3210,7 @@
             </p:nvSpPr>
             <p:spPr>
               <a:xfrm>
-                <a:off x="228600" y="1066800"/>
+                <a:off x="381000" y="1052052"/>
                 <a:ext cx="8077200" cy="2031325"/>
               </a:xfrm>
               <a:prstGeom prst="rect">
@@ -3739,7 +3556,7 @@
               <p:cNvPr id="4" name="CasellaDiTesto 3">
                 <a:extLst>
                   <a:ext uri="{FF2B5EF4-FFF2-40B4-BE49-F238E27FC236}">
-                    <a16:creationId xmlns:a16="http://schemas.microsoft.com/office/drawing/2014/main" id="{E46E7062-9105-D751-BD91-3078F5B665F6}"/>
+                    <a16:creationId xmlns:a16="http://schemas.microsoft.com/office/drawing/2014/main" id="{CE0F557F-D449-9FE2-52DD-A5AF7B990AB0}"/>
                   </a:ext>
                 </a:extLst>
               </p:cNvPr>
@@ -3750,16 +3567,16 @@
             </p:nvSpPr>
             <p:spPr>
               <a:xfrm>
-                <a:off x="228600" y="1066800"/>
+                <a:off x="381000" y="1052052"/>
                 <a:ext cx="8077200" cy="2031325"/>
               </a:xfrm>
               <a:prstGeom prst="rect">
                 <a:avLst/>
               </a:prstGeom>
               <a:blipFill>
-                <a:blip r:embed="rId2"/>
+                <a:blip r:embed="rId3"/>
                 <a:stretch>
-                  <a:fillRect l="-679" t="-1502" b="-3904"/>
+                  <a:fillRect l="-679" t="-1802" b="-3904"/>
                 </a:stretch>
               </a:blipFill>
             </p:spPr>
@@ -3783,7 +3600,7 @@
           <p:cNvPr id="5" name="Freccia a destra 4">
             <a:extLst>
               <a:ext uri="{FF2B5EF4-FFF2-40B4-BE49-F238E27FC236}">
-                <a16:creationId xmlns:a16="http://schemas.microsoft.com/office/drawing/2014/main" id="{BD9DEC05-7380-A417-479B-683B12861F27}"/>
+                <a16:creationId xmlns:a16="http://schemas.microsoft.com/office/drawing/2014/main" id="{DAFE7BE8-E876-A4FF-3F09-3B657B14B7A2}"/>
               </a:ext>
             </a:extLst>
           </p:cNvPr>
@@ -3832,7 +3649,7 @@
           <p:cNvPr id="6" name="Freccia a destra 5">
             <a:extLst>
               <a:ext uri="{FF2B5EF4-FFF2-40B4-BE49-F238E27FC236}">
-                <a16:creationId xmlns:a16="http://schemas.microsoft.com/office/drawing/2014/main" id="{5FB1872A-0EE2-2656-7AC9-FF64AB1934AF}"/>
+                <a16:creationId xmlns:a16="http://schemas.microsoft.com/office/drawing/2014/main" id="{2D15324E-F490-C05F-3142-EBEFF81AF0CC}"/>
               </a:ext>
             </a:extLst>
           </p:cNvPr>
@@ -3878,10 +3695,10 @@
       </p:sp>
       <p:sp>
         <p:nvSpPr>
-          <p:cNvPr id="7" name="Freccia a destra 6">
+          <p:cNvPr id="8" name="Freccia a destra 7">
             <a:extLst>
               <a:ext uri="{FF2B5EF4-FFF2-40B4-BE49-F238E27FC236}">
-                <a16:creationId xmlns:a16="http://schemas.microsoft.com/office/drawing/2014/main" id="{ABC4ABF9-E50A-7718-A5A8-9DD53E686FE2}"/>
+                <a16:creationId xmlns:a16="http://schemas.microsoft.com/office/drawing/2014/main" id="{D4E3F214-20BE-DACC-5CC3-7DB99B53F272}"/>
               </a:ext>
             </a:extLst>
           </p:cNvPr>
@@ -3925,10 +3742,277 @@
           </a:p>
         </p:txBody>
       </p:sp>
+      <p:pic>
+        <p:nvPicPr>
+          <p:cNvPr id="9" name="Immagine 8">
+            <a:extLst>
+              <a:ext uri="{FF2B5EF4-FFF2-40B4-BE49-F238E27FC236}">
+                <a16:creationId xmlns:a16="http://schemas.microsoft.com/office/drawing/2014/main" id="{A7D24461-BED3-90DE-5155-438C54654DC2}"/>
+              </a:ext>
+            </a:extLst>
+          </p:cNvPr>
+          <p:cNvPicPr>
+            <a:picLocks noChangeAspect="1"/>
+          </p:cNvPicPr>
+          <p:nvPr/>
+        </p:nvPicPr>
+        <p:blipFill rotWithShape="1">
+          <a:blip r:embed="rId2"/>
+          <a:srcRect t="42199"/>
+          <a:stretch/>
+        </p:blipFill>
+        <p:spPr>
+          <a:xfrm>
+            <a:off x="0" y="3142539"/>
+            <a:ext cx="9067800" cy="2822991"/>
+          </a:xfrm>
+          <a:prstGeom prst="rect">
+            <a:avLst/>
+          </a:prstGeom>
+        </p:spPr>
+      </p:pic>
+      <p:pic>
+        <p:nvPicPr>
+          <p:cNvPr id="10" name="Immagine 9">
+            <a:extLst>
+              <a:ext uri="{FF2B5EF4-FFF2-40B4-BE49-F238E27FC236}">
+                <a16:creationId xmlns:a16="http://schemas.microsoft.com/office/drawing/2014/main" id="{D6E86036-DBF8-67D1-4940-C5B543BC7EDD}"/>
+              </a:ext>
+            </a:extLst>
+          </p:cNvPr>
+          <p:cNvPicPr>
+            <a:picLocks noChangeAspect="1"/>
+          </p:cNvPicPr>
+          <p:nvPr/>
+        </p:nvPicPr>
+        <p:blipFill rotWithShape="1">
+          <a:blip r:embed="rId2">
+            <a:alphaModFix/>
+          </a:blip>
+          <a:srcRect r="96639"/>
+          <a:stretch/>
+        </p:blipFill>
+        <p:spPr>
+          <a:xfrm>
+            <a:off x="2464" y="1081468"/>
+            <a:ext cx="304800" cy="4883982"/>
+          </a:xfrm>
+          <a:prstGeom prst="rect">
+            <a:avLst/>
+          </a:prstGeom>
+        </p:spPr>
+      </p:pic>
     </p:spTree>
     <p:extLst>
       <p:ext uri="{BB962C8B-B14F-4D97-AF65-F5344CB8AC3E}">
-        <p14:creationId xmlns:p14="http://schemas.microsoft.com/office/powerpoint/2010/main" val="2386791939"/>
+        <p14:creationId xmlns:p14="http://schemas.microsoft.com/office/powerpoint/2010/main" val="2470239666"/>
+      </p:ext>
+    </p:extLst>
+  </p:cSld>
+  <p:clrMapOvr>
+    <a:masterClrMapping/>
+  </p:clrMapOvr>
+</p:sld>
+</file>
+
+<file path=ppt/slides/slide16.xml><?xml version="1.0" encoding="utf-8"?>
+<p:sld xmlns:a="http://schemas.openxmlformats.org/drawingml/2006/main" xmlns:r="http://schemas.openxmlformats.org/officeDocument/2006/relationships" xmlns:p="http://schemas.openxmlformats.org/presentationml/2006/main">
+  <p:cSld>
+    <p:spTree>
+      <p:nvGrpSpPr>
+        <p:cNvPr id="1" name=""/>
+        <p:cNvGrpSpPr/>
+        <p:nvPr/>
+      </p:nvGrpSpPr>
+      <p:grpSpPr>
+        <a:xfrm>
+          <a:off x="0" y="0"/>
+          <a:ext cx="0" cy="0"/>
+          <a:chOff x="0" y="0"/>
+          <a:chExt cx="0" cy="0"/>
+        </a:xfrm>
+      </p:grpSpPr>
+      <p:sp>
+        <p:nvSpPr>
+          <p:cNvPr id="2" name="object 2"/>
+          <p:cNvSpPr txBox="1">
+            <a:spLocks noGrp="1"/>
+          </p:cNvSpPr>
+          <p:nvPr>
+            <p:ph type="title"/>
+          </p:nvPr>
+        </p:nvSpPr>
+        <p:spPr>
+          <a:xfrm>
+            <a:off x="706627" y="211962"/>
+            <a:ext cx="3848735" cy="360680"/>
+          </a:xfrm>
+          <a:prstGeom prst="rect">
+            <a:avLst/>
+          </a:prstGeom>
+        </p:spPr>
+        <p:txBody>
+          <a:bodyPr vert="horz" wrap="square" lIns="0" tIns="12065" rIns="0" bIns="0" rtlCol="0">
+            <a:spAutoFit/>
+          </a:bodyPr>
+          <a:lstStyle/>
+          <a:p>
+            <a:pPr marL="12700">
+              <a:lnSpc>
+                <a:spcPct val="100000"/>
+              </a:lnSpc>
+              <a:spcBef>
+                <a:spcPts val="95"/>
+              </a:spcBef>
+            </a:pPr>
+            <a:r>
+              <a:rPr lang="it-IT" spc="-5" dirty="0"/>
+              <a:t>Conclusioni</a:t>
+            </a:r>
+            <a:endParaRPr spc="-5" dirty="0"/>
+          </a:p>
+        </p:txBody>
+      </p:sp>
+      <p:sp>
+        <p:nvSpPr>
+          <p:cNvPr id="3" name="object 3"/>
+          <p:cNvSpPr txBox="1"/>
+          <p:nvPr/>
+        </p:nvSpPr>
+        <p:spPr>
+          <a:xfrm>
+            <a:off x="7848600" y="156021"/>
+            <a:ext cx="251460" cy="517449"/>
+          </a:xfrm>
+          <a:prstGeom prst="rect">
+            <a:avLst/>
+          </a:prstGeom>
+        </p:spPr>
+        <p:txBody>
+          <a:bodyPr vert="horz" wrap="square" lIns="0" tIns="12065" rIns="0" bIns="0" rtlCol="0">
+            <a:spAutoFit/>
+          </a:bodyPr>
+          <a:lstStyle/>
+          <a:p>
+            <a:pPr marL="12700">
+              <a:lnSpc>
+                <a:spcPct val="100000"/>
+              </a:lnSpc>
+              <a:spcBef>
+                <a:spcPts val="95"/>
+              </a:spcBef>
+            </a:pPr>
+            <a:r>
+              <a:rPr sz="1600" b="1" spc="-10" dirty="0">
+                <a:solidFill>
+                  <a:srgbClr val="FF9900"/>
+                </a:solidFill>
+                <a:latin typeface="Arial"/>
+                <a:cs typeface="Arial"/>
+              </a:rPr>
+              <a:t>1</a:t>
+            </a:r>
+            <a:r>
+              <a:rPr lang="it-IT" sz="1600" b="1" spc="-10" dirty="0">
+                <a:solidFill>
+                  <a:srgbClr val="FF9900"/>
+                </a:solidFill>
+                <a:latin typeface="Arial"/>
+                <a:cs typeface="Arial"/>
+              </a:rPr>
+              <a:t>6</a:t>
+            </a:r>
+          </a:p>
+          <a:p>
+            <a:pPr marL="12700">
+              <a:lnSpc>
+                <a:spcPct val="100000"/>
+              </a:lnSpc>
+              <a:spcBef>
+                <a:spcPts val="95"/>
+              </a:spcBef>
+            </a:pPr>
+            <a:endParaRPr sz="1600" dirty="0">
+              <a:latin typeface="Arial"/>
+              <a:cs typeface="Arial"/>
+            </a:endParaRPr>
+          </a:p>
+        </p:txBody>
+      </p:sp>
+      <p:pic>
+        <p:nvPicPr>
+          <p:cNvPr id="8" name="Immagine 7">
+            <a:extLst>
+              <a:ext uri="{FF2B5EF4-FFF2-40B4-BE49-F238E27FC236}">
+                <a16:creationId xmlns:a16="http://schemas.microsoft.com/office/drawing/2014/main" id="{F9B0B8FC-4BE9-660F-F9B4-BCC555659EBA}"/>
+              </a:ext>
+            </a:extLst>
+          </p:cNvPr>
+          <p:cNvPicPr>
+            <a:picLocks noChangeAspect="1"/>
+          </p:cNvPicPr>
+          <p:nvPr/>
+        </p:nvPicPr>
+        <p:blipFill>
+          <a:blip r:embed="rId2" cstate="print">
+            <a:extLst>
+              <a:ext uri="{28A0092B-C50C-407E-A947-70E740481C1C}">
+                <a14:useLocalDpi xmlns:a14="http://schemas.microsoft.com/office/drawing/2010/main" val="0"/>
+              </a:ext>
+            </a:extLst>
+          </a:blip>
+          <a:srcRect/>
+          <a:stretch/>
+        </p:blipFill>
+        <p:spPr>
+          <a:xfrm>
+            <a:off x="816725" y="1600200"/>
+            <a:ext cx="7510549" cy="4536786"/>
+          </a:xfrm>
+          <a:prstGeom prst="rect">
+            <a:avLst/>
+          </a:prstGeom>
+        </p:spPr>
+      </p:pic>
+      <p:sp>
+        <p:nvSpPr>
+          <p:cNvPr id="9" name="CasellaDiTesto 8">
+            <a:extLst>
+              <a:ext uri="{FF2B5EF4-FFF2-40B4-BE49-F238E27FC236}">
+                <a16:creationId xmlns:a16="http://schemas.microsoft.com/office/drawing/2014/main" id="{41004977-1373-4819-42B7-5B71D926F54D}"/>
+              </a:ext>
+            </a:extLst>
+          </p:cNvPr>
+          <p:cNvSpPr txBox="1"/>
+          <p:nvPr/>
+        </p:nvSpPr>
+        <p:spPr>
+          <a:xfrm>
+            <a:off x="228600" y="1078468"/>
+            <a:ext cx="3074816" cy="369332"/>
+          </a:xfrm>
+          <a:prstGeom prst="rect">
+            <a:avLst/>
+          </a:prstGeom>
+          <a:noFill/>
+        </p:spPr>
+        <p:txBody>
+          <a:bodyPr wrap="none" rtlCol="0">
+            <a:spAutoFit/>
+          </a:bodyPr>
+          <a:lstStyle/>
+          <a:p>
+            <a:r>
+              <a:rPr lang="it-IT" dirty="0"/>
+              <a:t>Analisi cambio piano tangente:</a:t>
+            </a:r>
+          </a:p>
+        </p:txBody>
+      </p:sp>
+    </p:spTree>
+    <p:extLst>
+      <p:ext uri="{BB962C8B-B14F-4D97-AF65-F5344CB8AC3E}">
+        <p14:creationId xmlns:p14="http://schemas.microsoft.com/office/powerpoint/2010/main" val="2630493288"/>
       </p:ext>
     </p:extLst>
   </p:cSld>

--- a/Modelli relazione/ppt_presentazione.pptx
+++ b/Modelli relazione/ppt_presentazione.pptx
@@ -4,6 +4,9 @@
   <p:sldMasterIdLst>
     <p:sldMasterId id="2147483648" r:id="rId1"/>
   </p:sldMasterIdLst>
+  <p:notesMasterIdLst>
+    <p:notesMasterId r:id="rId19"/>
+  </p:notesMasterIdLst>
   <p:sldIdLst>
     <p:sldId id="256" r:id="rId2"/>
     <p:sldId id="257" r:id="rId3"/>
@@ -859,6 +862,1143 @@
 </pc:chgInfo>
 </file>
 
+<file path=ppt/notesMasters/notesMaster1.xml><?xml version="1.0" encoding="utf-8"?>
+<p:notesMaster xmlns:a="http://schemas.openxmlformats.org/drawingml/2006/main" xmlns:r="http://schemas.openxmlformats.org/officeDocument/2006/relationships" xmlns:p="http://schemas.openxmlformats.org/presentationml/2006/main">
+  <p:cSld>
+    <p:bg>
+      <p:bgRef idx="1001">
+        <a:schemeClr val="bg1"/>
+      </p:bgRef>
+    </p:bg>
+    <p:spTree>
+      <p:nvGrpSpPr>
+        <p:cNvPr id="1" name=""/>
+        <p:cNvGrpSpPr/>
+        <p:nvPr/>
+      </p:nvGrpSpPr>
+      <p:grpSpPr>
+        <a:xfrm>
+          <a:off x="0" y="0"/>
+          <a:ext cx="0" cy="0"/>
+          <a:chOff x="0" y="0"/>
+          <a:chExt cx="0" cy="0"/>
+        </a:xfrm>
+      </p:grpSpPr>
+      <p:sp>
+        <p:nvSpPr>
+          <p:cNvPr id="2" name="Segnaposto intestazione 1"/>
+          <p:cNvSpPr>
+            <a:spLocks noGrp="1"/>
+          </p:cNvSpPr>
+          <p:nvPr>
+            <p:ph type="hdr" sz="quarter"/>
+          </p:nvPr>
+        </p:nvSpPr>
+        <p:spPr>
+          <a:xfrm>
+            <a:off x="0" y="0"/>
+            <a:ext cx="3962400" cy="344488"/>
+          </a:xfrm>
+          <a:prstGeom prst="rect">
+            <a:avLst/>
+          </a:prstGeom>
+        </p:spPr>
+        <p:txBody>
+          <a:bodyPr vert="horz" lIns="91440" tIns="45720" rIns="91440" bIns="45720" rtlCol="0"/>
+          <a:lstStyle>
+            <a:lvl1pPr algn="l">
+              <a:defRPr sz="1200"/>
+            </a:lvl1pPr>
+          </a:lstStyle>
+          <a:p>
+            <a:endParaRPr lang="it-IT"/>
+          </a:p>
+        </p:txBody>
+      </p:sp>
+      <p:sp>
+        <p:nvSpPr>
+          <p:cNvPr id="3" name="Segnaposto data 2"/>
+          <p:cNvSpPr>
+            <a:spLocks noGrp="1"/>
+          </p:cNvSpPr>
+          <p:nvPr>
+            <p:ph type="dt" idx="1"/>
+          </p:nvPr>
+        </p:nvSpPr>
+        <p:spPr>
+          <a:xfrm>
+            <a:off x="5180013" y="0"/>
+            <a:ext cx="3962400" cy="344488"/>
+          </a:xfrm>
+          <a:prstGeom prst="rect">
+            <a:avLst/>
+          </a:prstGeom>
+        </p:spPr>
+        <p:txBody>
+          <a:bodyPr vert="horz" lIns="91440" tIns="45720" rIns="91440" bIns="45720" rtlCol="0"/>
+          <a:lstStyle>
+            <a:lvl1pPr algn="r">
+              <a:defRPr sz="1200"/>
+            </a:lvl1pPr>
+          </a:lstStyle>
+          <a:p>
+            <a:fld id="{1DE5F0A9-B406-498E-A7DE-FDB29F638B59}" type="datetimeFigureOut">
+              <a:rPr lang="it-IT" smtClean="0"/>
+              <a:t>08/01/2023</a:t>
+            </a:fld>
+            <a:endParaRPr lang="it-IT"/>
+          </a:p>
+        </p:txBody>
+      </p:sp>
+      <p:sp>
+        <p:nvSpPr>
+          <p:cNvPr id="4" name="Segnaposto immagine diapositiva 3"/>
+          <p:cNvSpPr>
+            <a:spLocks noGrp="1" noRot="1" noChangeAspect="1"/>
+          </p:cNvSpPr>
+          <p:nvPr>
+            <p:ph type="sldImg" idx="2"/>
+          </p:nvPr>
+        </p:nvSpPr>
+        <p:spPr>
+          <a:xfrm>
+            <a:off x="3028950" y="857250"/>
+            <a:ext cx="3086100" cy="2314575"/>
+          </a:xfrm>
+          <a:prstGeom prst="rect">
+            <a:avLst/>
+          </a:prstGeom>
+          <a:noFill/>
+          <a:ln w="12700">
+            <a:solidFill>
+              <a:prstClr val="black"/>
+            </a:solidFill>
+          </a:ln>
+        </p:spPr>
+        <p:txBody>
+          <a:bodyPr vert="horz" lIns="91440" tIns="45720" rIns="91440" bIns="45720" rtlCol="0" anchor="ctr"/>
+          <a:lstStyle/>
+          <a:p>
+            <a:endParaRPr lang="it-IT"/>
+          </a:p>
+        </p:txBody>
+      </p:sp>
+      <p:sp>
+        <p:nvSpPr>
+          <p:cNvPr id="5" name="Segnaposto note 4"/>
+          <p:cNvSpPr>
+            <a:spLocks noGrp="1"/>
+          </p:cNvSpPr>
+          <p:nvPr>
+            <p:ph type="body" sz="quarter" idx="3"/>
+          </p:nvPr>
+        </p:nvSpPr>
+        <p:spPr>
+          <a:xfrm>
+            <a:off x="914400" y="3300413"/>
+            <a:ext cx="7315200" cy="2700337"/>
+          </a:xfrm>
+          <a:prstGeom prst="rect">
+            <a:avLst/>
+          </a:prstGeom>
+        </p:spPr>
+        <p:txBody>
+          <a:bodyPr vert="horz" lIns="91440" tIns="45720" rIns="91440" bIns="45720" rtlCol="0"/>
+          <a:lstStyle/>
+          <a:p>
+            <a:pPr lvl="0"/>
+            <a:r>
+              <a:rPr lang="it-IT"/>
+              <a:t>Fare clic per modificare gli stili del testo dello schema</a:t>
+            </a:r>
+          </a:p>
+          <a:p>
+            <a:pPr lvl="1"/>
+            <a:r>
+              <a:rPr lang="it-IT"/>
+              <a:t>Secondo livello</a:t>
+            </a:r>
+          </a:p>
+          <a:p>
+            <a:pPr lvl="2"/>
+            <a:r>
+              <a:rPr lang="it-IT"/>
+              <a:t>Terzo livello</a:t>
+            </a:r>
+          </a:p>
+          <a:p>
+            <a:pPr lvl="3"/>
+            <a:r>
+              <a:rPr lang="it-IT"/>
+              <a:t>Quarto livello</a:t>
+            </a:r>
+          </a:p>
+          <a:p>
+            <a:pPr lvl="4"/>
+            <a:r>
+              <a:rPr lang="it-IT"/>
+              <a:t>Quinto livello</a:t>
+            </a:r>
+          </a:p>
+        </p:txBody>
+      </p:sp>
+      <p:sp>
+        <p:nvSpPr>
+          <p:cNvPr id="6" name="Segnaposto piè di pagina 5"/>
+          <p:cNvSpPr>
+            <a:spLocks noGrp="1"/>
+          </p:cNvSpPr>
+          <p:nvPr>
+            <p:ph type="ftr" sz="quarter" idx="4"/>
+          </p:nvPr>
+        </p:nvSpPr>
+        <p:spPr>
+          <a:xfrm>
+            <a:off x="0" y="6513513"/>
+            <a:ext cx="3962400" cy="344487"/>
+          </a:xfrm>
+          <a:prstGeom prst="rect">
+            <a:avLst/>
+          </a:prstGeom>
+        </p:spPr>
+        <p:txBody>
+          <a:bodyPr vert="horz" lIns="91440" tIns="45720" rIns="91440" bIns="45720" rtlCol="0" anchor="b"/>
+          <a:lstStyle>
+            <a:lvl1pPr algn="l">
+              <a:defRPr sz="1200"/>
+            </a:lvl1pPr>
+          </a:lstStyle>
+          <a:p>
+            <a:endParaRPr lang="it-IT"/>
+          </a:p>
+        </p:txBody>
+      </p:sp>
+      <p:sp>
+        <p:nvSpPr>
+          <p:cNvPr id="7" name="Segnaposto numero diapositiva 6"/>
+          <p:cNvSpPr>
+            <a:spLocks noGrp="1"/>
+          </p:cNvSpPr>
+          <p:nvPr>
+            <p:ph type="sldNum" sz="quarter" idx="5"/>
+          </p:nvPr>
+        </p:nvSpPr>
+        <p:spPr>
+          <a:xfrm>
+            <a:off x="5180013" y="6513513"/>
+            <a:ext cx="3962400" cy="344487"/>
+          </a:xfrm>
+          <a:prstGeom prst="rect">
+            <a:avLst/>
+          </a:prstGeom>
+        </p:spPr>
+        <p:txBody>
+          <a:bodyPr vert="horz" lIns="91440" tIns="45720" rIns="91440" bIns="45720" rtlCol="0" anchor="b"/>
+          <a:lstStyle>
+            <a:lvl1pPr algn="r">
+              <a:defRPr sz="1200"/>
+            </a:lvl1pPr>
+          </a:lstStyle>
+          <a:p>
+            <a:fld id="{51F67564-9E4D-4C20-9178-CC1B8F49A5DC}" type="slidenum">
+              <a:rPr lang="it-IT" smtClean="0"/>
+              <a:t>‹N›</a:t>
+            </a:fld>
+            <a:endParaRPr lang="it-IT"/>
+          </a:p>
+        </p:txBody>
+      </p:sp>
+    </p:spTree>
+    <p:extLst>
+      <p:ext uri="{BB962C8B-B14F-4D97-AF65-F5344CB8AC3E}">
+        <p14:creationId xmlns:p14="http://schemas.microsoft.com/office/powerpoint/2010/main" val="3417481148"/>
+      </p:ext>
+    </p:extLst>
+  </p:cSld>
+  <p:clrMap bg1="lt1" tx1="dk1" bg2="lt2" tx2="dk2" accent1="accent1" accent2="accent2" accent3="accent3" accent4="accent4" accent5="accent5" accent6="accent6" hlink="hlink" folHlink="folHlink"/>
+  <p:notesStyle>
+    <a:lvl1pPr marL="0" algn="l" defTabSz="914400" rtl="0" eaLnBrk="1" latinLnBrk="0" hangingPunct="1">
+      <a:defRPr sz="1200" kern="1200">
+        <a:solidFill>
+          <a:schemeClr val="tx1"/>
+        </a:solidFill>
+        <a:latin typeface="+mn-lt"/>
+        <a:ea typeface="+mn-ea"/>
+        <a:cs typeface="+mn-cs"/>
+      </a:defRPr>
+    </a:lvl1pPr>
+    <a:lvl2pPr marL="457200" algn="l" defTabSz="914400" rtl="0" eaLnBrk="1" latinLnBrk="0" hangingPunct="1">
+      <a:defRPr sz="1200" kern="1200">
+        <a:solidFill>
+          <a:schemeClr val="tx1"/>
+        </a:solidFill>
+        <a:latin typeface="+mn-lt"/>
+        <a:ea typeface="+mn-ea"/>
+        <a:cs typeface="+mn-cs"/>
+      </a:defRPr>
+    </a:lvl2pPr>
+    <a:lvl3pPr marL="914400" algn="l" defTabSz="914400" rtl="0" eaLnBrk="1" latinLnBrk="0" hangingPunct="1">
+      <a:defRPr sz="1200" kern="1200">
+        <a:solidFill>
+          <a:schemeClr val="tx1"/>
+        </a:solidFill>
+        <a:latin typeface="+mn-lt"/>
+        <a:ea typeface="+mn-ea"/>
+        <a:cs typeface="+mn-cs"/>
+      </a:defRPr>
+    </a:lvl3pPr>
+    <a:lvl4pPr marL="1371600" algn="l" defTabSz="914400" rtl="0" eaLnBrk="1" latinLnBrk="0" hangingPunct="1">
+      <a:defRPr sz="1200" kern="1200">
+        <a:solidFill>
+          <a:schemeClr val="tx1"/>
+        </a:solidFill>
+        <a:latin typeface="+mn-lt"/>
+        <a:ea typeface="+mn-ea"/>
+        <a:cs typeface="+mn-cs"/>
+      </a:defRPr>
+    </a:lvl4pPr>
+    <a:lvl5pPr marL="1828800" algn="l" defTabSz="914400" rtl="0" eaLnBrk="1" latinLnBrk="0" hangingPunct="1">
+      <a:defRPr sz="1200" kern="1200">
+        <a:solidFill>
+          <a:schemeClr val="tx1"/>
+        </a:solidFill>
+        <a:latin typeface="+mn-lt"/>
+        <a:ea typeface="+mn-ea"/>
+        <a:cs typeface="+mn-cs"/>
+      </a:defRPr>
+    </a:lvl5pPr>
+    <a:lvl6pPr marL="2286000" algn="l" defTabSz="914400" rtl="0" eaLnBrk="1" latinLnBrk="0" hangingPunct="1">
+      <a:defRPr sz="1200" kern="1200">
+        <a:solidFill>
+          <a:schemeClr val="tx1"/>
+        </a:solidFill>
+        <a:latin typeface="+mn-lt"/>
+        <a:ea typeface="+mn-ea"/>
+        <a:cs typeface="+mn-cs"/>
+      </a:defRPr>
+    </a:lvl6pPr>
+    <a:lvl7pPr marL="2743200" algn="l" defTabSz="914400" rtl="0" eaLnBrk="1" latinLnBrk="0" hangingPunct="1">
+      <a:defRPr sz="1200" kern="1200">
+        <a:solidFill>
+          <a:schemeClr val="tx1"/>
+        </a:solidFill>
+        <a:latin typeface="+mn-lt"/>
+        <a:ea typeface="+mn-ea"/>
+        <a:cs typeface="+mn-cs"/>
+      </a:defRPr>
+    </a:lvl7pPr>
+    <a:lvl8pPr marL="3200400" algn="l" defTabSz="914400" rtl="0" eaLnBrk="1" latinLnBrk="0" hangingPunct="1">
+      <a:defRPr sz="1200" kern="1200">
+        <a:solidFill>
+          <a:schemeClr val="tx1"/>
+        </a:solidFill>
+        <a:latin typeface="+mn-lt"/>
+        <a:ea typeface="+mn-ea"/>
+        <a:cs typeface="+mn-cs"/>
+      </a:defRPr>
+    </a:lvl8pPr>
+    <a:lvl9pPr marL="3657600" algn="l" defTabSz="914400" rtl="0" eaLnBrk="1" latinLnBrk="0" hangingPunct="1">
+      <a:defRPr sz="1200" kern="1200">
+        <a:solidFill>
+          <a:schemeClr val="tx1"/>
+        </a:solidFill>
+        <a:latin typeface="+mn-lt"/>
+        <a:ea typeface="+mn-ea"/>
+        <a:cs typeface="+mn-cs"/>
+      </a:defRPr>
+    </a:lvl9pPr>
+  </p:notesStyle>
+</p:notesMaster>
+</file>
+
+<file path=ppt/notesSlides/notesSlide1.xml><?xml version="1.0" encoding="utf-8"?>
+<p:notes xmlns:a="http://schemas.openxmlformats.org/drawingml/2006/main" xmlns:r="http://schemas.openxmlformats.org/officeDocument/2006/relationships" xmlns:p="http://schemas.openxmlformats.org/presentationml/2006/main">
+  <p:cSld>
+    <p:spTree>
+      <p:nvGrpSpPr>
+        <p:cNvPr id="1" name=""/>
+        <p:cNvGrpSpPr/>
+        <p:nvPr/>
+      </p:nvGrpSpPr>
+      <p:grpSpPr>
+        <a:xfrm>
+          <a:off x="0" y="0"/>
+          <a:ext cx="0" cy="0"/>
+          <a:chOff x="0" y="0"/>
+          <a:chExt cx="0" cy="0"/>
+        </a:xfrm>
+      </p:grpSpPr>
+      <p:sp>
+        <p:nvSpPr>
+          <p:cNvPr id="2" name="Segnaposto immagine diapositiva 1"/>
+          <p:cNvSpPr>
+            <a:spLocks noGrp="1" noRot="1" noChangeAspect="1"/>
+          </p:cNvSpPr>
+          <p:nvPr>
+            <p:ph type="sldImg"/>
+          </p:nvPr>
+        </p:nvSpPr>
+        <p:spPr/>
+      </p:sp>
+      <p:sp>
+        <p:nvSpPr>
+          <p:cNvPr id="3" name="Segnaposto note 2"/>
+          <p:cNvSpPr>
+            <a:spLocks noGrp="1"/>
+          </p:cNvSpPr>
+          <p:nvPr>
+            <p:ph type="body" idx="1"/>
+          </p:nvPr>
+        </p:nvSpPr>
+        <p:spPr/>
+        <p:txBody>
+          <a:bodyPr/>
+          <a:lstStyle/>
+          <a:p>
+            <a:endParaRPr lang="it-IT" dirty="0"/>
+          </a:p>
+        </p:txBody>
+      </p:sp>
+      <p:sp>
+        <p:nvSpPr>
+          <p:cNvPr id="4" name="Segnaposto numero diapositiva 3"/>
+          <p:cNvSpPr>
+            <a:spLocks noGrp="1"/>
+          </p:cNvSpPr>
+          <p:nvPr>
+            <p:ph type="sldNum" sz="quarter" idx="5"/>
+          </p:nvPr>
+        </p:nvSpPr>
+        <p:spPr/>
+        <p:txBody>
+          <a:bodyPr/>
+          <a:lstStyle/>
+          <a:p>
+            <a:fld id="{51F67564-9E4D-4C20-9178-CC1B8F49A5DC}" type="slidenum">
+              <a:rPr lang="it-IT" smtClean="0"/>
+              <a:t>1</a:t>
+            </a:fld>
+            <a:endParaRPr lang="it-IT"/>
+          </a:p>
+        </p:txBody>
+      </p:sp>
+    </p:spTree>
+    <p:extLst>
+      <p:ext uri="{BB962C8B-B14F-4D97-AF65-F5344CB8AC3E}">
+        <p14:creationId xmlns:p14="http://schemas.microsoft.com/office/powerpoint/2010/main" val="122359027"/>
+      </p:ext>
+    </p:extLst>
+  </p:cSld>
+  <p:clrMapOvr>
+    <a:masterClrMapping/>
+  </p:clrMapOvr>
+</p:notes>
+</file>
+
+<file path=ppt/notesSlides/notesSlide2.xml><?xml version="1.0" encoding="utf-8"?>
+<p:notes xmlns:a="http://schemas.openxmlformats.org/drawingml/2006/main" xmlns:r="http://schemas.openxmlformats.org/officeDocument/2006/relationships" xmlns:p="http://schemas.openxmlformats.org/presentationml/2006/main">
+  <p:cSld>
+    <p:spTree>
+      <p:nvGrpSpPr>
+        <p:cNvPr id="1" name=""/>
+        <p:cNvGrpSpPr/>
+        <p:nvPr/>
+      </p:nvGrpSpPr>
+      <p:grpSpPr>
+        <a:xfrm>
+          <a:off x="0" y="0"/>
+          <a:ext cx="0" cy="0"/>
+          <a:chOff x="0" y="0"/>
+          <a:chExt cx="0" cy="0"/>
+        </a:xfrm>
+      </p:grpSpPr>
+      <p:sp>
+        <p:nvSpPr>
+          <p:cNvPr id="2" name="Segnaposto immagine diapositiva 1"/>
+          <p:cNvSpPr>
+            <a:spLocks noGrp="1" noRot="1" noChangeAspect="1"/>
+          </p:cNvSpPr>
+          <p:nvPr>
+            <p:ph type="sldImg"/>
+          </p:nvPr>
+        </p:nvSpPr>
+        <p:spPr/>
+      </p:sp>
+      <p:sp>
+        <p:nvSpPr>
+          <p:cNvPr id="3" name="Segnaposto note 2"/>
+          <p:cNvSpPr>
+            <a:spLocks noGrp="1"/>
+          </p:cNvSpPr>
+          <p:nvPr>
+            <p:ph type="body" idx="1"/>
+          </p:nvPr>
+        </p:nvSpPr>
+        <p:spPr/>
+        <p:txBody>
+          <a:bodyPr/>
+          <a:lstStyle/>
+          <a:p>
+            <a:r>
+              <a:rPr lang="it-IT" sz="1800" dirty="0">
+                <a:effectLst/>
+                <a:latin typeface="Calibri" panose="020F0502020204030204" pitchFamily="34" charset="0"/>
+                <a:ea typeface="Calibri" panose="020F0502020204030204" pitchFamily="34" charset="0"/>
+                <a:cs typeface="Times New Roman" panose="02020603050405020304" pitchFamily="18" charset="0"/>
+              </a:rPr>
+              <a:t>La cui consegna è quella di, assegnati dati relativi a due punti appartenenti ad orbite diverse, studiare, analizzare e scegliere differenti strategie di trasferimento,  sia attraverso un set predefinito di manovre standard, sia attraverso manovre da noi pensate.</a:t>
+            </a:r>
+            <a:endParaRPr lang="it-IT" dirty="0"/>
+          </a:p>
+        </p:txBody>
+      </p:sp>
+      <p:sp>
+        <p:nvSpPr>
+          <p:cNvPr id="4" name="Segnaposto numero diapositiva 3"/>
+          <p:cNvSpPr>
+            <a:spLocks noGrp="1"/>
+          </p:cNvSpPr>
+          <p:nvPr>
+            <p:ph type="sldNum" sz="quarter" idx="5"/>
+          </p:nvPr>
+        </p:nvSpPr>
+        <p:spPr/>
+        <p:txBody>
+          <a:bodyPr/>
+          <a:lstStyle/>
+          <a:p>
+            <a:fld id="{51F67564-9E4D-4C20-9178-CC1B8F49A5DC}" type="slidenum">
+              <a:rPr lang="it-IT" smtClean="0"/>
+              <a:t>2</a:t>
+            </a:fld>
+            <a:endParaRPr lang="it-IT"/>
+          </a:p>
+        </p:txBody>
+      </p:sp>
+    </p:spTree>
+    <p:extLst>
+      <p:ext uri="{BB962C8B-B14F-4D97-AF65-F5344CB8AC3E}">
+        <p14:creationId xmlns:p14="http://schemas.microsoft.com/office/powerpoint/2010/main" val="4165010985"/>
+      </p:ext>
+    </p:extLst>
+  </p:cSld>
+  <p:clrMapOvr>
+    <a:masterClrMapping/>
+  </p:clrMapOvr>
+</p:notes>
+</file>
+
+<file path=ppt/notesSlides/notesSlide3.xml><?xml version="1.0" encoding="utf-8"?>
+<p:notes xmlns:a="http://schemas.openxmlformats.org/drawingml/2006/main" xmlns:r="http://schemas.openxmlformats.org/officeDocument/2006/relationships" xmlns:p="http://schemas.openxmlformats.org/presentationml/2006/main">
+  <p:cSld>
+    <p:spTree>
+      <p:nvGrpSpPr>
+        <p:cNvPr id="1" name=""/>
+        <p:cNvGrpSpPr/>
+        <p:nvPr/>
+      </p:nvGrpSpPr>
+      <p:grpSpPr>
+        <a:xfrm>
+          <a:off x="0" y="0"/>
+          <a:ext cx="0" cy="0"/>
+          <a:chOff x="0" y="0"/>
+          <a:chExt cx="0" cy="0"/>
+        </a:xfrm>
+      </p:grpSpPr>
+      <p:sp>
+        <p:nvSpPr>
+          <p:cNvPr id="2" name="Segnaposto immagine diapositiva 1"/>
+          <p:cNvSpPr>
+            <a:spLocks noGrp="1" noRot="1" noChangeAspect="1"/>
+          </p:cNvSpPr>
+          <p:nvPr>
+            <p:ph type="sldImg"/>
+          </p:nvPr>
+        </p:nvSpPr>
+        <p:spPr/>
+      </p:sp>
+      <p:sp>
+        <p:nvSpPr>
+          <p:cNvPr id="3" name="Segnaposto note 2"/>
+          <p:cNvSpPr>
+            <a:spLocks noGrp="1"/>
+          </p:cNvSpPr>
+          <p:nvPr>
+            <p:ph type="body" idx="1"/>
+          </p:nvPr>
+        </p:nvSpPr>
+        <p:spPr/>
+        <p:txBody>
+          <a:bodyPr/>
+          <a:lstStyle/>
+          <a:p>
+            <a:pPr marL="0" marR="0" lvl="0" indent="0" algn="l" defTabSz="914400" rtl="0" eaLnBrk="1" fontAlgn="auto" latinLnBrk="0" hangingPunct="1">
+              <a:lnSpc>
+                <a:spcPct val="100000"/>
+              </a:lnSpc>
+              <a:spcBef>
+                <a:spcPts val="0"/>
+              </a:spcBef>
+              <a:spcAft>
+                <a:spcPts val="0"/>
+              </a:spcAft>
+              <a:buClrTx/>
+              <a:buSzTx/>
+              <a:buFontTx/>
+              <a:buNone/>
+              <a:tabLst/>
+              <a:defRPr/>
+            </a:pPr>
+            <a:r>
+              <a:rPr lang="it-IT" sz="1800" dirty="0">
+                <a:effectLst/>
+                <a:latin typeface="Calibri" panose="020F0502020204030204" pitchFamily="34" charset="0"/>
+                <a:ea typeface="Calibri" panose="020F0502020204030204" pitchFamily="34" charset="0"/>
+                <a:cs typeface="Times New Roman" panose="02020603050405020304" pitchFamily="18" charset="0"/>
+              </a:rPr>
+              <a:t>Della prima orbita sono assegnati i vettori posizione e velocità, da cui è possibile ricavare i parametri orbitali. Come possiamo vedere l’orbita è ellittica, non geostazionaria ne’ polare ne’ equatoriale e appartiene alle orbite medie. </a:t>
+            </a:r>
+          </a:p>
+          <a:p>
+            <a:endParaRPr lang="it-IT" dirty="0"/>
+          </a:p>
+        </p:txBody>
+      </p:sp>
+      <p:sp>
+        <p:nvSpPr>
+          <p:cNvPr id="4" name="Segnaposto numero diapositiva 3"/>
+          <p:cNvSpPr>
+            <a:spLocks noGrp="1"/>
+          </p:cNvSpPr>
+          <p:nvPr>
+            <p:ph type="sldNum" sz="quarter" idx="5"/>
+          </p:nvPr>
+        </p:nvSpPr>
+        <p:spPr/>
+        <p:txBody>
+          <a:bodyPr/>
+          <a:lstStyle/>
+          <a:p>
+            <a:fld id="{51F67564-9E4D-4C20-9178-CC1B8F49A5DC}" type="slidenum">
+              <a:rPr lang="it-IT" smtClean="0"/>
+              <a:t>3</a:t>
+            </a:fld>
+            <a:endParaRPr lang="it-IT"/>
+          </a:p>
+        </p:txBody>
+      </p:sp>
+    </p:spTree>
+    <p:extLst>
+      <p:ext uri="{BB962C8B-B14F-4D97-AF65-F5344CB8AC3E}">
+        <p14:creationId xmlns:p14="http://schemas.microsoft.com/office/powerpoint/2010/main" val="4266638926"/>
+      </p:ext>
+    </p:extLst>
+  </p:cSld>
+  <p:clrMapOvr>
+    <a:masterClrMapping/>
+  </p:clrMapOvr>
+</p:notes>
+</file>
+
+<file path=ppt/notesSlides/notesSlide4.xml><?xml version="1.0" encoding="utf-8"?>
+<p:notes xmlns:a="http://schemas.openxmlformats.org/drawingml/2006/main" xmlns:r="http://schemas.openxmlformats.org/officeDocument/2006/relationships" xmlns:p="http://schemas.openxmlformats.org/presentationml/2006/main">
+  <p:cSld>
+    <p:spTree>
+      <p:nvGrpSpPr>
+        <p:cNvPr id="1" name=""/>
+        <p:cNvGrpSpPr/>
+        <p:nvPr/>
+      </p:nvGrpSpPr>
+      <p:grpSpPr>
+        <a:xfrm>
+          <a:off x="0" y="0"/>
+          <a:ext cx="0" cy="0"/>
+          <a:chOff x="0" y="0"/>
+          <a:chExt cx="0" cy="0"/>
+        </a:xfrm>
+      </p:grpSpPr>
+      <p:sp>
+        <p:nvSpPr>
+          <p:cNvPr id="2" name="Segnaposto immagine diapositiva 1"/>
+          <p:cNvSpPr>
+            <a:spLocks noGrp="1" noRot="1" noChangeAspect="1"/>
+          </p:cNvSpPr>
+          <p:nvPr>
+            <p:ph type="sldImg"/>
+          </p:nvPr>
+        </p:nvSpPr>
+        <p:spPr/>
+      </p:sp>
+      <p:sp>
+        <p:nvSpPr>
+          <p:cNvPr id="3" name="Segnaposto note 2"/>
+          <p:cNvSpPr>
+            <a:spLocks noGrp="1"/>
+          </p:cNvSpPr>
+          <p:nvPr>
+            <p:ph type="body" idx="1"/>
+          </p:nvPr>
+        </p:nvSpPr>
+        <p:spPr/>
+        <p:txBody>
+          <a:bodyPr/>
+          <a:lstStyle/>
+          <a:p>
+            <a:pPr marL="0" marR="0" lvl="0" indent="0" algn="l" defTabSz="914400" rtl="0" eaLnBrk="1" fontAlgn="auto" latinLnBrk="0" hangingPunct="1">
+              <a:lnSpc>
+                <a:spcPct val="100000"/>
+              </a:lnSpc>
+              <a:spcBef>
+                <a:spcPts val="0"/>
+              </a:spcBef>
+              <a:spcAft>
+                <a:spcPts val="0"/>
+              </a:spcAft>
+              <a:buClrTx/>
+              <a:buSzTx/>
+              <a:buFontTx/>
+              <a:buNone/>
+              <a:tabLst/>
+              <a:defRPr/>
+            </a:pPr>
+            <a:r>
+              <a:rPr lang="it-IT" sz="1800" dirty="0">
+                <a:effectLst/>
+                <a:latin typeface="Calibri" panose="020F0502020204030204" pitchFamily="34" charset="0"/>
+                <a:ea typeface="Calibri" panose="020F0502020204030204" pitchFamily="34" charset="0"/>
+                <a:cs typeface="Times New Roman" panose="02020603050405020304" pitchFamily="18" charset="0"/>
+              </a:rPr>
+              <a:t>Della seconda orbita sono invece stati assegnati i parametri orbitali, da cui è possibile ricavare posizione e velocità del punto assegnato. Anche quest’orbita è ellittica, con un’eccentricità superiore alla precedente, è più ampia e presenta una maggiore inclinazione. Anche quest’orbita non risulta essere ne’ polare ne’ equatoriale.</a:t>
+            </a:r>
+          </a:p>
+          <a:p>
+            <a:endParaRPr lang="it-IT" dirty="0"/>
+          </a:p>
+        </p:txBody>
+      </p:sp>
+      <p:sp>
+        <p:nvSpPr>
+          <p:cNvPr id="4" name="Segnaposto numero diapositiva 3"/>
+          <p:cNvSpPr>
+            <a:spLocks noGrp="1"/>
+          </p:cNvSpPr>
+          <p:nvPr>
+            <p:ph type="sldNum" sz="quarter" idx="5"/>
+          </p:nvPr>
+        </p:nvSpPr>
+        <p:spPr/>
+        <p:txBody>
+          <a:bodyPr/>
+          <a:lstStyle/>
+          <a:p>
+            <a:fld id="{51F67564-9E4D-4C20-9178-CC1B8F49A5DC}" type="slidenum">
+              <a:rPr lang="it-IT" smtClean="0"/>
+              <a:t>4</a:t>
+            </a:fld>
+            <a:endParaRPr lang="it-IT"/>
+          </a:p>
+        </p:txBody>
+      </p:sp>
+    </p:spTree>
+    <p:extLst>
+      <p:ext uri="{BB962C8B-B14F-4D97-AF65-F5344CB8AC3E}">
+        <p14:creationId xmlns:p14="http://schemas.microsoft.com/office/powerpoint/2010/main" val="3234344699"/>
+      </p:ext>
+    </p:extLst>
+  </p:cSld>
+  <p:clrMapOvr>
+    <a:masterClrMapping/>
+  </p:clrMapOvr>
+</p:notes>
+</file>
+
+<file path=ppt/notesSlides/notesSlide5.xml><?xml version="1.0" encoding="utf-8"?>
+<p:notes xmlns:a="http://schemas.openxmlformats.org/drawingml/2006/main" xmlns:r="http://schemas.openxmlformats.org/officeDocument/2006/relationships" xmlns:p="http://schemas.openxmlformats.org/presentationml/2006/main">
+  <p:cSld>
+    <p:spTree>
+      <p:nvGrpSpPr>
+        <p:cNvPr id="1" name=""/>
+        <p:cNvGrpSpPr/>
+        <p:nvPr/>
+      </p:nvGrpSpPr>
+      <p:grpSpPr>
+        <a:xfrm>
+          <a:off x="0" y="0"/>
+          <a:ext cx="0" cy="0"/>
+          <a:chOff x="0" y="0"/>
+          <a:chExt cx="0" cy="0"/>
+        </a:xfrm>
+      </p:grpSpPr>
+      <p:sp>
+        <p:nvSpPr>
+          <p:cNvPr id="2" name="Segnaposto immagine diapositiva 1"/>
+          <p:cNvSpPr>
+            <a:spLocks noGrp="1" noRot="1" noChangeAspect="1"/>
+          </p:cNvSpPr>
+          <p:nvPr>
+            <p:ph type="sldImg"/>
+          </p:nvPr>
+        </p:nvSpPr>
+        <p:spPr/>
+      </p:sp>
+      <p:sp>
+        <p:nvSpPr>
+          <p:cNvPr id="3" name="Segnaposto note 2"/>
+          <p:cNvSpPr>
+            <a:spLocks noGrp="1"/>
+          </p:cNvSpPr>
+          <p:nvPr>
+            <p:ph type="body" idx="1"/>
+          </p:nvPr>
+        </p:nvSpPr>
+        <p:spPr/>
+        <p:txBody>
+          <a:bodyPr/>
+          <a:lstStyle/>
+          <a:p>
+            <a:pPr marL="0" marR="0" lvl="0" indent="0" algn="l" defTabSz="914400" rtl="0" eaLnBrk="1" fontAlgn="auto" latinLnBrk="0" hangingPunct="1">
+              <a:lnSpc>
+                <a:spcPct val="100000"/>
+              </a:lnSpc>
+              <a:spcBef>
+                <a:spcPts val="0"/>
+              </a:spcBef>
+              <a:spcAft>
+                <a:spcPts val="0"/>
+              </a:spcAft>
+              <a:buClrTx/>
+              <a:buSzTx/>
+              <a:buFontTx/>
+              <a:buNone/>
+              <a:tabLst/>
+              <a:defRPr/>
+            </a:pPr>
+            <a:r>
+              <a:rPr lang="it-IT" sz="1800" dirty="0">
+                <a:effectLst/>
+                <a:latin typeface="Calibri" panose="020F0502020204030204" pitchFamily="34" charset="0"/>
+                <a:ea typeface="Calibri" panose="020F0502020204030204" pitchFamily="34" charset="0"/>
+                <a:cs typeface="Times New Roman" panose="02020603050405020304" pitchFamily="18" charset="0"/>
+              </a:rPr>
+              <a:t>Possiamo ora confrontare i costi, sia in termini di tempo che in termini di velocità, delle varie strategie considerate. Di osserva quindi come la strategia standard selezionata, indicata con S1, sia quella con il minor costo di velocità, ma non la minor richiesta di tempo. Il nostro obiettivo per la strategia standard proposta era proprio quello di diminuire il più possibile la velocità richiesta,</a:t>
+            </a:r>
+          </a:p>
+          <a:p>
+            <a:endParaRPr lang="it-IT" dirty="0"/>
+          </a:p>
+        </p:txBody>
+      </p:sp>
+      <p:sp>
+        <p:nvSpPr>
+          <p:cNvPr id="4" name="Segnaposto numero diapositiva 3"/>
+          <p:cNvSpPr>
+            <a:spLocks noGrp="1"/>
+          </p:cNvSpPr>
+          <p:nvPr>
+            <p:ph type="sldNum" sz="quarter" idx="5"/>
+          </p:nvPr>
+        </p:nvSpPr>
+        <p:spPr/>
+        <p:txBody>
+          <a:bodyPr/>
+          <a:lstStyle/>
+          <a:p>
+            <a:fld id="{51F67564-9E4D-4C20-9178-CC1B8F49A5DC}" type="slidenum">
+              <a:rPr lang="it-IT" smtClean="0"/>
+              <a:t>14</a:t>
+            </a:fld>
+            <a:endParaRPr lang="it-IT"/>
+          </a:p>
+        </p:txBody>
+      </p:sp>
+    </p:spTree>
+    <p:extLst>
+      <p:ext uri="{BB962C8B-B14F-4D97-AF65-F5344CB8AC3E}">
+        <p14:creationId xmlns:p14="http://schemas.microsoft.com/office/powerpoint/2010/main" val="3312164307"/>
+      </p:ext>
+    </p:extLst>
+  </p:cSld>
+  <p:clrMapOvr>
+    <a:masterClrMapping/>
+  </p:clrMapOvr>
+</p:notes>
+</file>
+
+<file path=ppt/notesSlides/notesSlide6.xml><?xml version="1.0" encoding="utf-8"?>
+<p:notes xmlns:a="http://schemas.openxmlformats.org/drawingml/2006/main" xmlns:r="http://schemas.openxmlformats.org/officeDocument/2006/relationships" xmlns:p="http://schemas.openxmlformats.org/presentationml/2006/main">
+  <p:cSld>
+    <p:spTree>
+      <p:nvGrpSpPr>
+        <p:cNvPr id="1" name=""/>
+        <p:cNvGrpSpPr/>
+        <p:nvPr/>
+      </p:nvGrpSpPr>
+      <p:grpSpPr>
+        <a:xfrm>
+          <a:off x="0" y="0"/>
+          <a:ext cx="0" cy="0"/>
+          <a:chOff x="0" y="0"/>
+          <a:chExt cx="0" cy="0"/>
+        </a:xfrm>
+      </p:grpSpPr>
+      <p:sp>
+        <p:nvSpPr>
+          <p:cNvPr id="2" name="Segnaposto immagine diapositiva 1"/>
+          <p:cNvSpPr>
+            <a:spLocks noGrp="1" noRot="1" noChangeAspect="1"/>
+          </p:cNvSpPr>
+          <p:nvPr>
+            <p:ph type="sldImg"/>
+          </p:nvPr>
+        </p:nvSpPr>
+        <p:spPr/>
+      </p:sp>
+      <p:sp>
+        <p:nvSpPr>
+          <p:cNvPr id="3" name="Segnaposto note 2"/>
+          <p:cNvSpPr>
+            <a:spLocks noGrp="1"/>
+          </p:cNvSpPr>
+          <p:nvPr>
+            <p:ph type="body" idx="1"/>
+          </p:nvPr>
+        </p:nvSpPr>
+        <p:spPr/>
+        <p:txBody>
+          <a:bodyPr/>
+          <a:lstStyle/>
+          <a:p>
+            <a:pPr marL="0" marR="0" lvl="0" indent="0" algn="l" defTabSz="914400" rtl="0" eaLnBrk="1" fontAlgn="auto" latinLnBrk="0" hangingPunct="1">
+              <a:lnSpc>
+                <a:spcPct val="100000"/>
+              </a:lnSpc>
+              <a:spcBef>
+                <a:spcPts val="0"/>
+              </a:spcBef>
+              <a:spcAft>
+                <a:spcPts val="0"/>
+              </a:spcAft>
+              <a:buClrTx/>
+              <a:buSzTx/>
+              <a:buFontTx/>
+              <a:buNone/>
+              <a:tabLst/>
+              <a:defRPr/>
+            </a:pPr>
+            <a:r>
+              <a:rPr lang="it-IT" sz="1800" dirty="0">
+                <a:effectLst/>
+                <a:latin typeface="Calibri" panose="020F0502020204030204" pitchFamily="34" charset="0"/>
+                <a:ea typeface="Calibri" panose="020F0502020204030204" pitchFamily="34" charset="0"/>
+                <a:cs typeface="Times New Roman" panose="02020603050405020304" pitchFamily="18" charset="0"/>
+              </a:rPr>
+              <a:t>Per quanto riguarda le strategie alternative, alternativa A1 risulta essere la meno vantaggiosa di quelle proposte, con un aumento di costi e tempi del 4.98 e 85 % a causa delle maggiori dimensioni delle orbite percorse; la manovra secante, A2 è invece la migliore, sia per costi che per tempo con una riduzione sostanziale di entrambi i parametri di merito, 22.8 e 48.8 % rispettivamente. La terza strategia alternativa permette invece di avere un risparmio del 19.4 % nei costi di esecuzione, grazie soprattutto ad un cambio piano oculato, a discapito però dei tempi di esecuzione, che aumentano del 62.3%. </a:t>
+            </a:r>
+          </a:p>
+          <a:p>
+            <a:endParaRPr lang="it-IT" dirty="0"/>
+          </a:p>
+        </p:txBody>
+      </p:sp>
+      <p:sp>
+        <p:nvSpPr>
+          <p:cNvPr id="4" name="Segnaposto numero diapositiva 3"/>
+          <p:cNvSpPr>
+            <a:spLocks noGrp="1"/>
+          </p:cNvSpPr>
+          <p:nvPr>
+            <p:ph type="sldNum" sz="quarter" idx="5"/>
+          </p:nvPr>
+        </p:nvSpPr>
+        <p:spPr/>
+        <p:txBody>
+          <a:bodyPr/>
+          <a:lstStyle/>
+          <a:p>
+            <a:fld id="{51F67564-9E4D-4C20-9178-CC1B8F49A5DC}" type="slidenum">
+              <a:rPr lang="it-IT" smtClean="0"/>
+              <a:t>15</a:t>
+            </a:fld>
+            <a:endParaRPr lang="it-IT"/>
+          </a:p>
+        </p:txBody>
+      </p:sp>
+    </p:spTree>
+    <p:extLst>
+      <p:ext uri="{BB962C8B-B14F-4D97-AF65-F5344CB8AC3E}">
+        <p14:creationId xmlns:p14="http://schemas.microsoft.com/office/powerpoint/2010/main" val="3006367797"/>
+      </p:ext>
+    </p:extLst>
+  </p:cSld>
+  <p:clrMapOvr>
+    <a:masterClrMapping/>
+  </p:clrMapOvr>
+</p:notes>
+</file>
+
+<file path=ppt/notesSlides/notesSlide7.xml><?xml version="1.0" encoding="utf-8"?>
+<p:notes xmlns:a="http://schemas.openxmlformats.org/drawingml/2006/main" xmlns:r="http://schemas.openxmlformats.org/officeDocument/2006/relationships" xmlns:p="http://schemas.openxmlformats.org/presentationml/2006/main">
+  <p:cSld>
+    <p:spTree>
+      <p:nvGrpSpPr>
+        <p:cNvPr id="1" name=""/>
+        <p:cNvGrpSpPr/>
+        <p:nvPr/>
+      </p:nvGrpSpPr>
+      <p:grpSpPr>
+        <a:xfrm>
+          <a:off x="0" y="0"/>
+          <a:ext cx="0" cy="0"/>
+          <a:chOff x="0" y="0"/>
+          <a:chExt cx="0" cy="0"/>
+        </a:xfrm>
+      </p:grpSpPr>
+      <p:sp>
+        <p:nvSpPr>
+          <p:cNvPr id="2" name="Segnaposto immagine diapositiva 1"/>
+          <p:cNvSpPr>
+            <a:spLocks noGrp="1" noRot="1" noChangeAspect="1"/>
+          </p:cNvSpPr>
+          <p:nvPr>
+            <p:ph type="sldImg"/>
+          </p:nvPr>
+        </p:nvSpPr>
+        <p:spPr/>
+      </p:sp>
+      <p:sp>
+        <p:nvSpPr>
+          <p:cNvPr id="3" name="Segnaposto note 2"/>
+          <p:cNvSpPr>
+            <a:spLocks noGrp="1"/>
+          </p:cNvSpPr>
+          <p:nvPr>
+            <p:ph type="body" idx="1"/>
+          </p:nvPr>
+        </p:nvSpPr>
+        <p:spPr/>
+        <p:txBody>
+          <a:bodyPr/>
+          <a:lstStyle/>
+          <a:p>
+            <a:pPr marL="0" marR="0" lvl="0" indent="0" algn="l" defTabSz="914400" rtl="0" eaLnBrk="1" fontAlgn="auto" latinLnBrk="0" hangingPunct="1">
+              <a:lnSpc>
+                <a:spcPct val="100000"/>
+              </a:lnSpc>
+              <a:spcBef>
+                <a:spcPts val="0"/>
+              </a:spcBef>
+              <a:spcAft>
+                <a:spcPts val="0"/>
+              </a:spcAft>
+              <a:buClrTx/>
+              <a:buSzTx/>
+              <a:buFontTx/>
+              <a:buNone/>
+              <a:tabLst/>
+              <a:defRPr/>
+            </a:pPr>
+            <a:r>
+              <a:rPr lang="it-IT" sz="1800" dirty="0">
+                <a:effectLst/>
+                <a:latin typeface="Calibri" panose="020F0502020204030204" pitchFamily="34" charset="0"/>
+                <a:ea typeface="Calibri" panose="020F0502020204030204" pitchFamily="34" charset="0"/>
+                <a:cs typeface="Times New Roman" panose="02020603050405020304" pitchFamily="18" charset="0"/>
+              </a:rPr>
+              <a:t>Questo perché abbiamo notato come, aumentando l’impulso della manovra tangente, come si può vedere dal grafico puramente illustrativo,  e di conseguenza allargando l’orbita di trasferimento, il costo del cambio piano si riduce in maniera significativa. Tuttavia, un aumento eccessivo del </a:t>
+            </a:r>
+            <a:r>
+              <a:rPr lang="it-IT" sz="1800" dirty="0" err="1">
+                <a:effectLst/>
+                <a:latin typeface="Calibri" panose="020F0502020204030204" pitchFamily="34" charset="0"/>
+                <a:ea typeface="Calibri" panose="020F0502020204030204" pitchFamily="34" charset="0"/>
+                <a:cs typeface="Times New Roman" panose="02020603050405020304" pitchFamily="18" charset="0"/>
+              </a:rPr>
+              <a:t>deltaV</a:t>
+            </a:r>
+            <a:r>
+              <a:rPr lang="it-IT" sz="1800" dirty="0">
+                <a:effectLst/>
+                <a:latin typeface="Calibri" panose="020F0502020204030204" pitchFamily="34" charset="0"/>
+                <a:ea typeface="Calibri" panose="020F0502020204030204" pitchFamily="34" charset="0"/>
+                <a:cs typeface="Times New Roman" panose="02020603050405020304" pitchFamily="18" charset="0"/>
+              </a:rPr>
+              <a:t> iniziale, riducendo quindi i costi </a:t>
+            </a:r>
+            <a:r>
+              <a:rPr lang="it-IT" sz="1800">
+                <a:effectLst/>
+                <a:latin typeface="Calibri" panose="020F0502020204030204" pitchFamily="34" charset="0"/>
+                <a:ea typeface="Calibri" panose="020F0502020204030204" pitchFamily="34" charset="0"/>
+                <a:cs typeface="Times New Roman" panose="02020603050405020304" pitchFamily="18" charset="0"/>
+              </a:rPr>
+              <a:t>di cambio piano, </a:t>
+            </a:r>
+            <a:r>
+              <a:rPr lang="it-IT" sz="1800" dirty="0">
+                <a:effectLst/>
+                <a:latin typeface="Calibri" panose="020F0502020204030204" pitchFamily="34" charset="0"/>
+                <a:ea typeface="Calibri" panose="020F0502020204030204" pitchFamily="34" charset="0"/>
+                <a:cs typeface="Times New Roman" panose="02020603050405020304" pitchFamily="18" charset="0"/>
+              </a:rPr>
+              <a:t>comporterebbe un aumento generale dei costi </a:t>
+            </a:r>
+            <a:r>
+              <a:rPr lang="it-IT" sz="1800">
+                <a:effectLst/>
+                <a:latin typeface="Calibri" panose="020F0502020204030204" pitchFamily="34" charset="0"/>
+                <a:ea typeface="Calibri" panose="020F0502020204030204" pitchFamily="34" charset="0"/>
+                <a:cs typeface="Times New Roman" panose="02020603050405020304" pitchFamily="18" charset="0"/>
+              </a:rPr>
+              <a:t>della manovra.</a:t>
+            </a:r>
+            <a:endParaRPr lang="it-IT" sz="1800" dirty="0">
+              <a:effectLst/>
+              <a:latin typeface="Calibri" panose="020F0502020204030204" pitchFamily="34" charset="0"/>
+              <a:ea typeface="Calibri" panose="020F0502020204030204" pitchFamily="34" charset="0"/>
+              <a:cs typeface="Times New Roman" panose="02020603050405020304" pitchFamily="18" charset="0"/>
+            </a:endParaRPr>
+          </a:p>
+          <a:p>
+            <a:endParaRPr lang="it-IT" dirty="0"/>
+          </a:p>
+        </p:txBody>
+      </p:sp>
+      <p:sp>
+        <p:nvSpPr>
+          <p:cNvPr id="4" name="Segnaposto numero diapositiva 3"/>
+          <p:cNvSpPr>
+            <a:spLocks noGrp="1"/>
+          </p:cNvSpPr>
+          <p:nvPr>
+            <p:ph type="sldNum" sz="quarter" idx="5"/>
+          </p:nvPr>
+        </p:nvSpPr>
+        <p:spPr/>
+        <p:txBody>
+          <a:bodyPr/>
+          <a:lstStyle/>
+          <a:p>
+            <a:fld id="{51F67564-9E4D-4C20-9178-CC1B8F49A5DC}" type="slidenum">
+              <a:rPr lang="it-IT" smtClean="0"/>
+              <a:t>16</a:t>
+            </a:fld>
+            <a:endParaRPr lang="it-IT"/>
+          </a:p>
+        </p:txBody>
+      </p:sp>
+    </p:spTree>
+    <p:extLst>
+      <p:ext uri="{BB962C8B-B14F-4D97-AF65-F5344CB8AC3E}">
+        <p14:creationId xmlns:p14="http://schemas.microsoft.com/office/powerpoint/2010/main" val="270071710"/>
+      </p:ext>
+    </p:extLst>
+  </p:cSld>
+  <p:clrMapOvr>
+    <a:masterClrMapping/>
+  </p:clrMapOvr>
+</p:notes>
+</file>
+
 <file path=ppt/slideLayouts/slideLayout1.xml><?xml version="1.0" encoding="utf-8"?>
 <p:sldLayout xmlns:a="http://schemas.openxmlformats.org/drawingml/2006/main" xmlns:r="http://schemas.openxmlformats.org/officeDocument/2006/relationships" xmlns:p="http://schemas.openxmlformats.org/presentationml/2006/main" type="obj" preserve="1">
   <p:cSld name="Title Slide">
@@ -998,7 +2138,7 @@
           <a:p>
             <a:fld id="{1D8BD707-D9CF-40AE-B4C6-C98DA3205C09}" type="datetimeFigureOut">
               <a:rPr lang="en-US"/>
-              <a:t>1/6/2023</a:t>
+              <a:t>1/8/2023</a:t>
             </a:fld>
             <a:endParaRPr lang="en-US"/>
           </a:p>
@@ -1175,7 +2315,7 @@
           <a:p>
             <a:fld id="{1D8BD707-D9CF-40AE-B4C6-C98DA3205C09}" type="datetimeFigureOut">
               <a:rPr lang="en-US"/>
-              <a:t>1/6/2023</a:t>
+              <a:t>1/8/2023</a:t>
             </a:fld>
             <a:endParaRPr lang="en-US"/>
           </a:p>
@@ -1389,7 +2529,7 @@
           <a:p>
             <a:fld id="{1D8BD707-D9CF-40AE-B4C6-C98DA3205C09}" type="datetimeFigureOut">
               <a:rPr lang="en-US"/>
-              <a:t>1/6/2023</a:t>
+              <a:t>1/8/2023</a:t>
             </a:fld>
             <a:endParaRPr lang="en-US"/>
           </a:p>
@@ -1537,7 +2677,7 @@
           <a:p>
             <a:fld id="{1D8BD707-D9CF-40AE-B4C6-C98DA3205C09}" type="datetimeFigureOut">
               <a:rPr lang="en-US"/>
-              <a:t>1/6/2023</a:t>
+              <a:t>1/8/2023</a:t>
             </a:fld>
             <a:endParaRPr lang="en-US"/>
           </a:p>
@@ -1686,7 +2826,7 @@
           <a:p>
             <a:fld id="{1D8BD707-D9CF-40AE-B4C6-C98DA3205C09}" type="datetimeFigureOut">
               <a:rPr lang="en-US"/>
-              <a:t>1/6/2023</a:t>
+              <a:t>1/8/2023</a:t>
             </a:fld>
             <a:endParaRPr lang="en-US"/>
           </a:p>
@@ -1955,7 +3095,7 @@
           <a:p>
             <a:fld id="{1D8BD707-D9CF-40AE-B4C6-C98DA3205C09}" type="datetimeFigureOut">
               <a:rPr lang="en-US"/>
-              <a:t>1/6/2023</a:t>
+              <a:t>1/8/2023</a:t>
             </a:fld>
             <a:endParaRPr lang="en-US"/>
           </a:p>
@@ -3018,7 +4158,7 @@
           <p:nvPr/>
         </p:nvPicPr>
         <p:blipFill>
-          <a:blip r:embed="rId2">
+          <a:blip r:embed="rId3">
             <a:alphaModFix/>
           </a:blip>
           <a:stretch>
@@ -3177,7 +4317,7 @@
           <p:nvPr/>
         </p:nvPicPr>
         <p:blipFill>
-          <a:blip r:embed="rId2">
+          <a:blip r:embed="rId3">
             <a:alphaModFix amt="5000"/>
           </a:blip>
           <a:stretch>
@@ -3194,8 +4334,8 @@
           </a:prstGeom>
         </p:spPr>
       </p:pic>
-      <mc:AlternateContent xmlns:mc="http://schemas.openxmlformats.org/markup-compatibility/2006">
-        <mc:Choice xmlns:a14="http://schemas.microsoft.com/office/drawing/2010/main" Requires="a14">
+      <mc:AlternateContent xmlns:mc="http://schemas.openxmlformats.org/markup-compatibility/2006" xmlns:a14="http://schemas.microsoft.com/office/drawing/2010/main">
+        <mc:Choice Requires="a14">
           <p:sp>
             <p:nvSpPr>
               <p:cNvPr id="4" name="CasellaDiTesto 3">
@@ -3210,8 +4350,8 @@
             </p:nvSpPr>
             <p:spPr>
               <a:xfrm>
-                <a:off x="381000" y="1052052"/>
-                <a:ext cx="8077200" cy="2031325"/>
+                <a:off x="372395" y="1071717"/>
+                <a:ext cx="8153400" cy="2031325"/>
               </a:xfrm>
               <a:prstGeom prst="rect">
                 <a:avLst/>
@@ -3262,7 +4402,7 @@
                   <a:rPr lang="it-IT" dirty="0">
                     <a:latin typeface="+mj-lt"/>
                   </a:rPr>
-                  <a:t>Alternativa 1 «</a:t>
+                  <a:t>A.1 </a:t>
                 </a:r>
                 <a:r>
                   <a:rPr lang="it-IT" dirty="0" err="1">
@@ -3274,16 +4414,22 @@
                   <a:rPr lang="it-IT" dirty="0">
                     <a:latin typeface="+mj-lt"/>
                   </a:rPr>
-                  <a:t>»  </a:t>
+                  <a:t>  «</a:t>
+                </a:r>
+                <a:r>
+                  <a:rPr lang="it-IT" dirty="0" err="1">
+                    <a:latin typeface="+mj-lt"/>
+                  </a:rPr>
+                  <a:t>Worst</a:t>
+                </a:r>
+                <a:r>
+                  <a:rPr lang="it-IT" dirty="0">
+                    <a:latin typeface="+mj-lt"/>
+                  </a:rPr>
+                  <a:t> Alternative»                    </a:t>
                 </a:r>
                 <a14:m>
                   <m:oMath xmlns:m="http://schemas.openxmlformats.org/officeDocument/2006/math">
-                    <m:r>
-                      <a:rPr lang="it-IT" b="0" i="0" smtClean="0">
-                        <a:latin typeface="Cambria Math" panose="02040503050406030204" pitchFamily="18" charset="0"/>
-                      </a:rPr>
-                      <m:t>               </m:t>
-                    </m:r>
                     <m:r>
                       <m:rPr>
                         <m:sty m:val="p"/>
@@ -3375,10 +4521,16 @@
                   <a:rPr lang="it-IT" dirty="0">
                     <a:latin typeface="+mj-lt"/>
                   </a:rPr>
-                  <a:t>Alternativa 2 «Secante»                          </a:t>
+                  <a:t>A.2 Secante  «Best Strategy»                                    </a:t>
                 </a:r>
                 <a14:m>
                   <m:oMath xmlns:m="http://schemas.openxmlformats.org/officeDocument/2006/math">
+                    <m:r>
+                      <a:rPr lang="it-IT" b="0" i="0" smtClean="0">
+                        <a:latin typeface="Cambria Math" panose="02040503050406030204" pitchFamily="18" charset="0"/>
+                      </a:rPr>
+                      <m:t>  </m:t>
+                    </m:r>
                     <m:r>
                       <m:rPr>
                         <m:sty m:val="p"/>
@@ -3470,10 +4622,28 @@
                   <a:rPr lang="it-IT" dirty="0">
                     <a:latin typeface="+mj-lt"/>
                   </a:rPr>
-                  <a:t>Alternativa 3 «Tangente»                        </a:t>
+                  <a:t>A.3 Tangente  «</a:t>
+                </a:r>
+                <a:r>
+                  <a:rPr lang="it-IT" dirty="0" err="1">
+                    <a:latin typeface="+mj-lt"/>
+                  </a:rPr>
+                  <a:t>Tangent</a:t>
+                </a:r>
+                <a:r>
+                  <a:rPr lang="it-IT" dirty="0">
+                    <a:latin typeface="+mj-lt"/>
+                  </a:rPr>
+                  <a:t> Strategy»                            </a:t>
                 </a:r>
                 <a14:m>
                   <m:oMath xmlns:m="http://schemas.openxmlformats.org/officeDocument/2006/math">
+                    <m:r>
+                      <a:rPr lang="it-IT" b="0" i="0" smtClean="0">
+                        <a:latin typeface="Cambria Math" panose="02040503050406030204" pitchFamily="18" charset="0"/>
+                      </a:rPr>
+                      <m:t> </m:t>
+                    </m:r>
                     <m:r>
                       <m:rPr>
                         <m:sty m:val="p"/>
@@ -3507,7 +4677,7 @@
                   <a:rPr lang="it-IT" dirty="0">
                     <a:latin typeface="+mj-lt"/>
                   </a:rPr>
-                  <a:t>-  19,4 </a:t>
+                  <a:t>- 19,4 </a:t>
                 </a:r>
                 <a:r>
                   <a:rPr lang="it-IT" b="0" dirty="0">
@@ -3550,7 +4720,7 @@
             </p:txBody>
           </p:sp>
         </mc:Choice>
-        <mc:Fallback>
+        <mc:Fallback xmlns="">
           <p:sp>
             <p:nvSpPr>
               <p:cNvPr id="4" name="CasellaDiTesto 3">
@@ -3567,16 +4737,16 @@
             </p:nvSpPr>
             <p:spPr>
               <a:xfrm>
-                <a:off x="381000" y="1052052"/>
-                <a:ext cx="8077200" cy="2031325"/>
+                <a:off x="372395" y="1071717"/>
+                <a:ext cx="8153400" cy="2031325"/>
               </a:xfrm>
               <a:prstGeom prst="rect">
                 <a:avLst/>
               </a:prstGeom>
               <a:blipFill>
-                <a:blip r:embed="rId3"/>
+                <a:blip r:embed="rId4"/>
                 <a:stretch>
-                  <a:fillRect l="-679" t="-1802" b="-3904"/>
+                  <a:fillRect l="-598" t="-1802" b="-3904"/>
                 </a:stretch>
               </a:blipFill>
             </p:spPr>
@@ -3609,8 +4779,8 @@
         </p:nvSpPr>
         <p:spPr>
           <a:xfrm>
-            <a:off x="3505200" y="2272962"/>
-            <a:ext cx="457200" cy="152400"/>
+            <a:off x="4887873" y="2246631"/>
+            <a:ext cx="287591" cy="152400"/>
           </a:xfrm>
           <a:prstGeom prst="rightArrow">
             <a:avLst/>
@@ -3658,8 +4828,8 @@
         </p:nvSpPr>
         <p:spPr>
           <a:xfrm>
-            <a:off x="3505200" y="1752600"/>
-            <a:ext cx="457200" cy="152400"/>
+            <a:off x="4887873" y="1726269"/>
+            <a:ext cx="287591" cy="152400"/>
           </a:xfrm>
           <a:prstGeom prst="rightArrow">
             <a:avLst/>
@@ -3707,8 +4877,8 @@
         </p:nvSpPr>
         <p:spPr>
           <a:xfrm>
-            <a:off x="3505200" y="2845731"/>
-            <a:ext cx="457200" cy="152400"/>
+            <a:off x="4887873" y="2819400"/>
+            <a:ext cx="287591" cy="152400"/>
           </a:xfrm>
           <a:prstGeom prst="rightArrow">
             <a:avLst/>
@@ -3757,7 +4927,7 @@
           <p:nvPr/>
         </p:nvPicPr>
         <p:blipFill rotWithShape="1">
-          <a:blip r:embed="rId2"/>
+          <a:blip r:embed="rId3"/>
           <a:srcRect t="42199"/>
           <a:stretch/>
         </p:blipFill>
@@ -3786,7 +4956,7 @@
           <p:nvPr/>
         </p:nvPicPr>
         <p:blipFill rotWithShape="1">
-          <a:blip r:embed="rId2">
+          <a:blip r:embed="rId3">
             <a:alphaModFix/>
           </a:blip>
           <a:srcRect r="96639"/>
@@ -3802,6 +4972,168 @@
           </a:prstGeom>
         </p:spPr>
       </p:pic>
+      <p:sp>
+        <p:nvSpPr>
+          <p:cNvPr id="11" name="Decisione 10">
+            <a:extLst>
+              <a:ext uri="{FF2B5EF4-FFF2-40B4-BE49-F238E27FC236}">
+                <a16:creationId xmlns:a16="http://schemas.microsoft.com/office/drawing/2014/main" id="{45C8876F-AD9B-2537-9711-B2DDB8A27240}"/>
+              </a:ext>
+            </a:extLst>
+          </p:cNvPr>
+          <p:cNvSpPr/>
+          <p:nvPr/>
+        </p:nvSpPr>
+        <p:spPr>
+          <a:xfrm>
+            <a:off x="4545530" y="1771020"/>
+            <a:ext cx="78664" cy="152400"/>
+          </a:xfrm>
+          <a:prstGeom prst="flowChartDecision">
+            <a:avLst/>
+          </a:prstGeom>
+          <a:solidFill>
+            <a:srgbClr val="FF0000"/>
+          </a:solidFill>
+          <a:ln>
+            <a:solidFill>
+              <a:srgbClr val="FF0000"/>
+            </a:solidFill>
+          </a:ln>
+        </p:spPr>
+        <p:style>
+          <a:lnRef idx="2">
+            <a:schemeClr val="accent1">
+              <a:shade val="50000"/>
+            </a:schemeClr>
+          </a:lnRef>
+          <a:fillRef idx="1">
+            <a:schemeClr val="accent1"/>
+          </a:fillRef>
+          <a:effectRef idx="0">
+            <a:schemeClr val="accent1"/>
+          </a:effectRef>
+          <a:fontRef idx="minor">
+            <a:schemeClr val="lt1"/>
+          </a:fontRef>
+        </p:style>
+        <p:txBody>
+          <a:bodyPr rtlCol="0" anchor="ctr"/>
+          <a:lstStyle/>
+          <a:p>
+            <a:pPr algn="ctr"/>
+            <a:endParaRPr lang="it-IT"/>
+          </a:p>
+        </p:txBody>
+      </p:sp>
+      <p:sp>
+        <p:nvSpPr>
+          <p:cNvPr id="12" name="Decisione 11">
+            <a:extLst>
+              <a:ext uri="{FF2B5EF4-FFF2-40B4-BE49-F238E27FC236}">
+                <a16:creationId xmlns:a16="http://schemas.microsoft.com/office/drawing/2014/main" id="{2B0167D5-E17C-0B99-78E9-FDC6E8D91C33}"/>
+              </a:ext>
+            </a:extLst>
+          </p:cNvPr>
+          <p:cNvSpPr/>
+          <p:nvPr/>
+        </p:nvSpPr>
+        <p:spPr>
+          <a:xfrm>
+            <a:off x="4545530" y="2284008"/>
+            <a:ext cx="78664" cy="152400"/>
+          </a:xfrm>
+          <a:prstGeom prst="flowChartDecision">
+            <a:avLst/>
+          </a:prstGeom>
+          <a:solidFill>
+            <a:srgbClr val="0000FF"/>
+          </a:solidFill>
+          <a:ln>
+            <a:solidFill>
+              <a:srgbClr val="0000FF"/>
+            </a:solidFill>
+          </a:ln>
+        </p:spPr>
+        <p:style>
+          <a:lnRef idx="2">
+            <a:schemeClr val="accent1">
+              <a:shade val="50000"/>
+            </a:schemeClr>
+          </a:lnRef>
+          <a:fillRef idx="1">
+            <a:schemeClr val="accent1"/>
+          </a:fillRef>
+          <a:effectRef idx="0">
+            <a:schemeClr val="accent1"/>
+          </a:effectRef>
+          <a:fontRef idx="minor">
+            <a:schemeClr val="lt1"/>
+          </a:fontRef>
+        </p:style>
+        <p:txBody>
+          <a:bodyPr rtlCol="0" anchor="ctr"/>
+          <a:lstStyle/>
+          <a:p>
+            <a:pPr algn="ctr"/>
+            <a:endParaRPr lang="it-IT"/>
+          </a:p>
+        </p:txBody>
+      </p:sp>
+      <p:sp>
+        <p:nvSpPr>
+          <p:cNvPr id="13" name="Rettangolo 12">
+            <a:extLst>
+              <a:ext uri="{FF2B5EF4-FFF2-40B4-BE49-F238E27FC236}">
+                <a16:creationId xmlns:a16="http://schemas.microsoft.com/office/drawing/2014/main" id="{7E476F6E-763F-31C0-8030-81057EEC68C3}"/>
+              </a:ext>
+            </a:extLst>
+          </p:cNvPr>
+          <p:cNvSpPr/>
+          <p:nvPr/>
+        </p:nvSpPr>
+        <p:spPr>
+          <a:xfrm>
+            <a:off x="4547994" y="2864151"/>
+            <a:ext cx="76200" cy="76200"/>
+          </a:xfrm>
+          <a:prstGeom prst="rect">
+            <a:avLst/>
+          </a:prstGeom>
+          <a:solidFill>
+            <a:srgbClr val="0000FF"/>
+          </a:solidFill>
+          <a:ln>
+            <a:solidFill>
+              <a:srgbClr val="0000FF"/>
+            </a:solidFill>
+          </a:ln>
+        </p:spPr>
+        <p:style>
+          <a:lnRef idx="2">
+            <a:schemeClr val="accent1">
+              <a:shade val="50000"/>
+            </a:schemeClr>
+          </a:lnRef>
+          <a:fillRef idx="1">
+            <a:schemeClr val="accent1"/>
+          </a:fillRef>
+          <a:effectRef idx="0">
+            <a:schemeClr val="accent1"/>
+          </a:effectRef>
+          <a:fontRef idx="minor">
+            <a:schemeClr val="lt1"/>
+          </a:fontRef>
+        </p:style>
+        <p:txBody>
+          <a:bodyPr rtlCol="0" anchor="ctr"/>
+          <a:lstStyle/>
+          <a:p>
+            <a:pPr algn="ctr"/>
+            <a:endParaRPr lang="it-IT"/>
+          </a:p>
+        </p:txBody>
+      </p:sp>
     </p:spTree>
     <p:extLst>
       <p:ext uri="{BB962C8B-B14F-4D97-AF65-F5344CB8AC3E}">
@@ -3954,7 +5286,7 @@
           <p:nvPr/>
         </p:nvPicPr>
         <p:blipFill>
-          <a:blip r:embed="rId2" cstate="print">
+          <a:blip r:embed="rId3" cstate="print">
             <a:extLst>
               <a:ext uri="{28A0092B-C50C-407E-A947-70E740481C1C}">
                 <a14:useLocalDpi xmlns:a14="http://schemas.microsoft.com/office/drawing/2010/main" val="0"/>
@@ -4166,7 +5498,7 @@
           <p:nvPr/>
         </p:nvPicPr>
         <p:blipFill rotWithShape="1">
-          <a:blip r:embed="rId2"/>
+          <a:blip r:embed="rId3"/>
           <a:srcRect t="13291"/>
           <a:stretch/>
         </p:blipFill>
@@ -4307,7 +5639,7 @@
           <p:nvPr/>
         </p:nvPicPr>
         <p:blipFill rotWithShape="1">
-          <a:blip r:embed="rId2"/>
+          <a:blip r:embed="rId3"/>
           <a:srcRect t="13552"/>
           <a:stretch/>
         </p:blipFill>
@@ -4608,7 +5940,7 @@
                 <a:avLst/>
               </a:prstGeom>
               <a:blipFill>
-                <a:blip r:embed="rId3"/>
+                <a:blip r:embed="rId4"/>
                 <a:stretch>
                   <a:fillRect l="-800" t="-940"/>
                 </a:stretch>
@@ -4993,7 +6325,7 @@
                 <a:avLst/>
               </a:prstGeom>
               <a:blipFill>
-                <a:blip r:embed="rId4"/>
+                <a:blip r:embed="rId5"/>
                 <a:stretch>
                   <a:fillRect l="-533" t="-885"/>
                 </a:stretch>
@@ -5493,7 +6825,7 @@
                 <a:avLst/>
               </a:prstGeom>
               <a:blipFill>
-                <a:blip r:embed="rId2"/>
+                <a:blip r:embed="rId3"/>
                 <a:stretch>
                   <a:fillRect l="-533" t="-811"/>
                 </a:stretch>
@@ -5801,7 +7133,7 @@
                 <a:avLst/>
               </a:prstGeom>
               <a:blipFill>
-                <a:blip r:embed="rId3"/>
+                <a:blip r:embed="rId4"/>
                 <a:stretch>
                   <a:fillRect l="-667" t="-943"/>
                 </a:stretch>
@@ -5837,7 +7169,7 @@
           <p:nvPr/>
         </p:nvPicPr>
         <p:blipFill rotWithShape="1">
-          <a:blip r:embed="rId4"/>
+          <a:blip r:embed="rId5"/>
           <a:srcRect t="8502"/>
           <a:stretch/>
         </p:blipFill>
@@ -6825,4 +8157,299 @@
   <a:objectDefaults/>
   <a:extraClrSchemeLst/>
 </a:theme>
+</file>
+
+<file path=ppt/theme/theme2.xml><?xml version="1.0" encoding="utf-8"?>
+<a:theme xmlns:a="http://schemas.openxmlformats.org/drawingml/2006/main" name="Tema di Office">
+  <a:themeElements>
+    <a:clrScheme name="Office">
+      <a:dk1>
+        <a:sysClr val="windowText" lastClr="000000"/>
+      </a:dk1>
+      <a:lt1>
+        <a:sysClr val="window" lastClr="FFFFFF"/>
+      </a:lt1>
+      <a:dk2>
+        <a:srgbClr val="44546A"/>
+      </a:dk2>
+      <a:lt2>
+        <a:srgbClr val="E7E6E6"/>
+      </a:lt2>
+      <a:accent1>
+        <a:srgbClr val="4472C4"/>
+      </a:accent1>
+      <a:accent2>
+        <a:srgbClr val="ED7D31"/>
+      </a:accent2>
+      <a:accent3>
+        <a:srgbClr val="A5A5A5"/>
+      </a:accent3>
+      <a:accent4>
+        <a:srgbClr val="FFC000"/>
+      </a:accent4>
+      <a:accent5>
+        <a:srgbClr val="5B9BD5"/>
+      </a:accent5>
+      <a:accent6>
+        <a:srgbClr val="70AD47"/>
+      </a:accent6>
+      <a:hlink>
+        <a:srgbClr val="0563C1"/>
+      </a:hlink>
+      <a:folHlink>
+        <a:srgbClr val="954F72"/>
+      </a:folHlink>
+    </a:clrScheme>
+    <a:fontScheme name="Office">
+      <a:majorFont>
+        <a:latin typeface="Calibri Light" panose="020F0302020204030204"/>
+        <a:ea typeface=""/>
+        <a:cs typeface=""/>
+        <a:font script="Jpan" typeface="游ゴシック Light"/>
+        <a:font script="Hang" typeface="맑은 고딕"/>
+        <a:font script="Hans" typeface="等线 Light"/>
+        <a:font script="Hant" typeface="新細明體"/>
+        <a:font script="Arab" typeface="Times New Roman"/>
+        <a:font script="Hebr" typeface="Times New Roman"/>
+        <a:font script="Thai" typeface="Angsana New"/>
+        <a:font script="Ethi" typeface="Nyala"/>
+        <a:font script="Beng" typeface="Vrinda"/>
+        <a:font script="Gujr" typeface="Shruti"/>
+        <a:font script="Khmr" typeface="MoolBoran"/>
+        <a:font script="Knda" typeface="Tunga"/>
+        <a:font script="Guru" typeface="Raavi"/>
+        <a:font script="Cans" typeface="Euphemia"/>
+        <a:font script="Cher" typeface="Plantagenet Cherokee"/>
+        <a:font script="Yiii" typeface="Microsoft Yi Baiti"/>
+        <a:font script="Tibt" typeface="Microsoft Himalaya"/>
+        <a:font script="Thaa" typeface="MV Boli"/>
+        <a:font script="Deva" typeface="Mangal"/>
+        <a:font script="Telu" typeface="Gautami"/>
+        <a:font script="Taml" typeface="Latha"/>
+        <a:font script="Syrc" typeface="Estrangelo Edessa"/>
+        <a:font script="Orya" typeface="Kalinga"/>
+        <a:font script="Mlym" typeface="Kartika"/>
+        <a:font script="Laoo" typeface="DokChampa"/>
+        <a:font script="Sinh" typeface="Iskoola Pota"/>
+        <a:font script="Mong" typeface="Mongolian Baiti"/>
+        <a:font script="Viet" typeface="Times New Roman"/>
+        <a:font script="Uigh" typeface="Microsoft Uighur"/>
+        <a:font script="Geor" typeface="Sylfaen"/>
+        <a:font script="Armn" typeface="Arial"/>
+        <a:font script="Bugi" typeface="Leelawadee UI"/>
+        <a:font script="Bopo" typeface="Microsoft JhengHei"/>
+        <a:font script="Java" typeface="Javanese Text"/>
+        <a:font script="Lisu" typeface="Segoe UI"/>
+        <a:font script="Mymr" typeface="Myanmar Text"/>
+        <a:font script="Nkoo" typeface="Ebrima"/>
+        <a:font script="Olck" typeface="Nirmala UI"/>
+        <a:font script="Osma" typeface="Ebrima"/>
+        <a:font script="Phag" typeface="Phagspa"/>
+        <a:font script="Syrn" typeface="Estrangelo Edessa"/>
+        <a:font script="Syrj" typeface="Estrangelo Edessa"/>
+        <a:font script="Syre" typeface="Estrangelo Edessa"/>
+        <a:font script="Sora" typeface="Nirmala UI"/>
+        <a:font script="Tale" typeface="Microsoft Tai Le"/>
+        <a:font script="Talu" typeface="Microsoft New Tai Lue"/>
+        <a:font script="Tfng" typeface="Ebrima"/>
+      </a:majorFont>
+      <a:minorFont>
+        <a:latin typeface="Calibri" panose="020F0502020204030204"/>
+        <a:ea typeface=""/>
+        <a:cs typeface=""/>
+        <a:font script="Jpan" typeface="游ゴシック"/>
+        <a:font script="Hang" typeface="맑은 고딕"/>
+        <a:font script="Hans" typeface="等线"/>
+        <a:font script="Hant" typeface="新細明體"/>
+        <a:font script="Arab" typeface="Arial"/>
+        <a:font script="Hebr" typeface="Arial"/>
+        <a:font script="Thai" typeface="Cordia New"/>
+        <a:font script="Ethi" typeface="Nyala"/>
+        <a:font script="Beng" typeface="Vrinda"/>
+        <a:font script="Gujr" typeface="Shruti"/>
+        <a:font script="Khmr" typeface="DaunPenh"/>
+        <a:font script="Knda" typeface="Tunga"/>
+        <a:font script="Guru" typeface="Raavi"/>
+        <a:font script="Cans" typeface="Euphemia"/>
+        <a:font script="Cher" typeface="Plantagenet Cherokee"/>
+        <a:font script="Yiii" typeface="Microsoft Yi Baiti"/>
+        <a:font script="Tibt" typeface="Microsoft Himalaya"/>
+        <a:font script="Thaa" typeface="MV Boli"/>
+        <a:font script="Deva" typeface="Mangal"/>
+        <a:font script="Telu" typeface="Gautami"/>
+        <a:font script="Taml" typeface="Latha"/>
+        <a:font script="Syrc" typeface="Estrangelo Edessa"/>
+        <a:font script="Orya" typeface="Kalinga"/>
+        <a:font script="Mlym" typeface="Kartika"/>
+        <a:font script="Laoo" typeface="DokChampa"/>
+        <a:font script="Sinh" typeface="Iskoola Pota"/>
+        <a:font script="Mong" typeface="Mongolian Baiti"/>
+        <a:font script="Viet" typeface="Arial"/>
+        <a:font script="Uigh" typeface="Microsoft Uighur"/>
+        <a:font script="Geor" typeface="Sylfaen"/>
+        <a:font script="Armn" typeface="Arial"/>
+        <a:font script="Bugi" typeface="Leelawadee UI"/>
+        <a:font script="Bopo" typeface="Microsoft JhengHei"/>
+        <a:font script="Java" typeface="Javanese Text"/>
+        <a:font script="Lisu" typeface="Segoe UI"/>
+        <a:font script="Mymr" typeface="Myanmar Text"/>
+        <a:font script="Nkoo" typeface="Ebrima"/>
+        <a:font script="Olck" typeface="Nirmala UI"/>
+        <a:font script="Osma" typeface="Ebrima"/>
+        <a:font script="Phag" typeface="Phagspa"/>
+        <a:font script="Syrn" typeface="Estrangelo Edessa"/>
+        <a:font script="Syrj" typeface="Estrangelo Edessa"/>
+        <a:font script="Syre" typeface="Estrangelo Edessa"/>
+        <a:font script="Sora" typeface="Nirmala UI"/>
+        <a:font script="Tale" typeface="Microsoft Tai Le"/>
+        <a:font script="Talu" typeface="Microsoft New Tai Lue"/>
+        <a:font script="Tfng" typeface="Ebrima"/>
+      </a:minorFont>
+    </a:fontScheme>
+    <a:fmtScheme name="Office">
+      <a:fillStyleLst>
+        <a:solidFill>
+          <a:schemeClr val="phClr"/>
+        </a:solidFill>
+        <a:gradFill rotWithShape="1">
+          <a:gsLst>
+            <a:gs pos="0">
+              <a:schemeClr val="phClr">
+                <a:lumMod val="110000"/>
+                <a:satMod val="105000"/>
+                <a:tint val="67000"/>
+              </a:schemeClr>
+            </a:gs>
+            <a:gs pos="50000">
+              <a:schemeClr val="phClr">
+                <a:lumMod val="105000"/>
+                <a:satMod val="103000"/>
+                <a:tint val="73000"/>
+              </a:schemeClr>
+            </a:gs>
+            <a:gs pos="100000">
+              <a:schemeClr val="phClr">
+                <a:lumMod val="105000"/>
+                <a:satMod val="109000"/>
+                <a:tint val="81000"/>
+              </a:schemeClr>
+            </a:gs>
+          </a:gsLst>
+          <a:lin ang="5400000" scaled="0"/>
+        </a:gradFill>
+        <a:gradFill rotWithShape="1">
+          <a:gsLst>
+            <a:gs pos="0">
+              <a:schemeClr val="phClr">
+                <a:satMod val="103000"/>
+                <a:lumMod val="102000"/>
+                <a:tint val="94000"/>
+              </a:schemeClr>
+            </a:gs>
+            <a:gs pos="50000">
+              <a:schemeClr val="phClr">
+                <a:satMod val="110000"/>
+                <a:lumMod val="100000"/>
+                <a:shade val="100000"/>
+              </a:schemeClr>
+            </a:gs>
+            <a:gs pos="100000">
+              <a:schemeClr val="phClr">
+                <a:lumMod val="99000"/>
+                <a:satMod val="120000"/>
+                <a:shade val="78000"/>
+              </a:schemeClr>
+            </a:gs>
+          </a:gsLst>
+          <a:lin ang="5400000" scaled="0"/>
+        </a:gradFill>
+      </a:fillStyleLst>
+      <a:lnStyleLst>
+        <a:ln w="6350" cap="flat" cmpd="sng" algn="ctr">
+          <a:solidFill>
+            <a:schemeClr val="phClr"/>
+          </a:solidFill>
+          <a:prstDash val="solid"/>
+          <a:miter lim="800000"/>
+        </a:ln>
+        <a:ln w="12700" cap="flat" cmpd="sng" algn="ctr">
+          <a:solidFill>
+            <a:schemeClr val="phClr"/>
+          </a:solidFill>
+          <a:prstDash val="solid"/>
+          <a:miter lim="800000"/>
+        </a:ln>
+        <a:ln w="19050" cap="flat" cmpd="sng" algn="ctr">
+          <a:solidFill>
+            <a:schemeClr val="phClr"/>
+          </a:solidFill>
+          <a:prstDash val="solid"/>
+          <a:miter lim="800000"/>
+        </a:ln>
+      </a:lnStyleLst>
+      <a:effectStyleLst>
+        <a:effectStyle>
+          <a:effectLst/>
+        </a:effectStyle>
+        <a:effectStyle>
+          <a:effectLst/>
+        </a:effectStyle>
+        <a:effectStyle>
+          <a:effectLst>
+            <a:outerShdw blurRad="57150" dist="19050" dir="5400000" algn="ctr" rotWithShape="0">
+              <a:srgbClr val="000000">
+                <a:alpha val="63000"/>
+              </a:srgbClr>
+            </a:outerShdw>
+          </a:effectLst>
+        </a:effectStyle>
+      </a:effectStyleLst>
+      <a:bgFillStyleLst>
+        <a:solidFill>
+          <a:schemeClr val="phClr"/>
+        </a:solidFill>
+        <a:solidFill>
+          <a:schemeClr val="phClr">
+            <a:tint val="95000"/>
+            <a:satMod val="170000"/>
+          </a:schemeClr>
+        </a:solidFill>
+        <a:gradFill rotWithShape="1">
+          <a:gsLst>
+            <a:gs pos="0">
+              <a:schemeClr val="phClr">
+                <a:tint val="93000"/>
+                <a:satMod val="150000"/>
+                <a:shade val="98000"/>
+                <a:lumMod val="102000"/>
+              </a:schemeClr>
+            </a:gs>
+            <a:gs pos="50000">
+              <a:schemeClr val="phClr">
+                <a:tint val="98000"/>
+                <a:satMod val="130000"/>
+                <a:shade val="90000"/>
+                <a:lumMod val="103000"/>
+              </a:schemeClr>
+            </a:gs>
+            <a:gs pos="100000">
+              <a:schemeClr val="phClr">
+                <a:shade val="63000"/>
+                <a:satMod val="120000"/>
+              </a:schemeClr>
+            </a:gs>
+          </a:gsLst>
+          <a:lin ang="5400000" scaled="0"/>
+        </a:gradFill>
+      </a:bgFillStyleLst>
+    </a:fmtScheme>
+  </a:themeElements>
+  <a:objectDefaults/>
+  <a:extraClrSchemeLst/>
+  <a:extLst>
+    <a:ext uri="{05A4C25C-085E-4340-85A3-A5531E510DB2}">
+      <thm15:themeFamily xmlns:thm15="http://schemas.microsoft.com/office/thememl/2012/main" name="Office Theme" id="{62F939B6-93AF-4DB8-9C6B-D6C7DFDC589F}" vid="{4A3C46E8-61CC-4603-A589-7422A47A8E4A}"/>
+    </a:ext>
+  </a:extLst>
+</a:theme>
 </file>